--- a/ThatConference2022.pptx
+++ b/ThatConference2022.pptx
@@ -2,10 +2,13 @@
 <file path=ppt/presentation.xml><?xml version="1.0" encoding="utf-8"?>
 <p:presentation xmlns:a="http://schemas.openxmlformats.org/drawingml/2006/main" xmlns:r="http://schemas.openxmlformats.org/officeDocument/2006/relationships" xmlns:p="http://schemas.openxmlformats.org/presentationml/2006/main" saveSubsetFonts="1">
   <p:sldMasterIdLst>
-    <p:sldMasterId id="2147483648" r:id="rId1"/>
+    <p:sldMasterId id="2147483660" r:id="rId1"/>
   </p:sldMasterIdLst>
   <p:sldIdLst>
     <p:sldId id="256" r:id="rId2"/>
+    <p:sldId id="257" r:id="rId3"/>
+    <p:sldId id="258" r:id="rId4"/>
+    <p:sldId id="259" r:id="rId5"/>
   </p:sldIdLst>
   <p:sldSz cx="12192000" cy="6858000"/>
   <p:notesSz cx="6858000" cy="9144000"/>
@@ -104,7 +107,20 @@
       </a:defRPr>
     </a:lvl9pPr>
   </p:defaultTextStyle>
+  <p:extLst>
+    <p:ext uri="{EFAFB233-063F-42B5-8137-9DF3F51BA10A}">
+      <p15:sldGuideLst xmlns:p15="http://schemas.microsoft.com/office/powerpoint/2012/main"/>
+    </p:ext>
+  </p:extLst>
 </p:presentation>
+</file>
+
+<file path=ppt/revisionInfo.xml><?xml version="1.0" encoding="utf-8"?>
+<p1510:revInfo xmlns:a="http://schemas.openxmlformats.org/drawingml/2006/main" xmlns:r="http://schemas.openxmlformats.org/officeDocument/2006/relationships" xmlns:p1510="http://schemas.microsoft.com/office/powerpoint/2015/10/main">
+  <p1510:revLst>
+    <p1510:client id="{617894E1-1976-478F-AB63-E50C2247A66A}" v="41" dt="2022-05-12T01:33:22.209"/>
+  </p1510:revLst>
+</p1510:revInfo>
 </file>
 
 <file path=ppt/slideLayouts/slideLayout1.xml><?xml version="1.0" encoding="utf-8"?>
@@ -149,10 +165,10 @@
           </a:lstStyle>
           <a:p>
             <a:r>
-              <a:rPr lang="en-US" smtClean="0"/>
+              <a:rPr lang="en-US"/>
               <a:t>Click to edit Master title style</a:t>
             </a:r>
-            <a:endParaRPr lang="en-US"/>
+            <a:endParaRPr lang="en-US" dirty="0"/>
           </a:p>
         </p:txBody>
       </p:sp>
@@ -214,31 +230,31 @@
           </a:lstStyle>
           <a:p>
             <a:r>
+              <a:rPr lang="en-US"/>
+              <a:t>Click to edit Master subtitle style</a:t>
+            </a:r>
+            <a:endParaRPr lang="en-US" dirty="0"/>
+          </a:p>
+        </p:txBody>
+      </p:sp>
+      <p:sp>
+        <p:nvSpPr>
+          <p:cNvPr id="4" name="Date Placeholder 3"/>
+          <p:cNvSpPr>
+            <a:spLocks noGrp="1"/>
+          </p:cNvSpPr>
+          <p:nvPr>
+            <p:ph type="dt" sz="half" idx="10"/>
+          </p:nvPr>
+        </p:nvSpPr>
+        <p:spPr/>
+        <p:txBody>
+          <a:bodyPr/>
+          <a:lstStyle/>
+          <a:p>
+            <a:fld id="{846CE7D5-CF57-46EF-B807-FDD0502418D4}" type="datetimeFigureOut">
               <a:rPr lang="en-US" smtClean="0"/>
-              <a:t>Click to edit Master subtitle style</a:t>
-            </a:r>
-            <a:endParaRPr lang="en-US"/>
-          </a:p>
-        </p:txBody>
-      </p:sp>
-      <p:sp>
-        <p:nvSpPr>
-          <p:cNvPr id="4" name="Date Placeholder 3"/>
-          <p:cNvSpPr>
-            <a:spLocks noGrp="1"/>
-          </p:cNvSpPr>
-          <p:nvPr>
-            <p:ph type="dt" sz="half" idx="10"/>
-          </p:nvPr>
-        </p:nvSpPr>
-        <p:spPr/>
-        <p:txBody>
-          <a:bodyPr/>
-          <a:lstStyle/>
-          <a:p>
-            <a:fld id="{D6329362-494F-4DE8-9AA7-4CB08A6006A3}" type="datetimeFigureOut">
-              <a:rPr lang="en-US" smtClean="0"/>
-              <a:t>5/10/2022</a:t>
+              <a:t>5/11/2022</a:t>
             </a:fld>
             <a:endParaRPr lang="en-US"/>
           </a:p>
@@ -278,7 +294,7 @@
           <a:bodyPr/>
           <a:lstStyle/>
           <a:p>
-            <a:fld id="{061C5EF3-7C87-418C-B089-1248F3E012EC}" type="slidenum">
+            <a:fld id="{330EA680-D336-4FF7-8B7A-9848BB0A1C32}" type="slidenum">
               <a:rPr lang="en-US" smtClean="0"/>
               <a:t>‹#›</a:t>
             </a:fld>
@@ -289,7 +305,7 @@
     </p:spTree>
     <p:extLst>
       <p:ext uri="{BB962C8B-B14F-4D97-AF65-F5344CB8AC3E}">
-        <p14:creationId xmlns:p14="http://schemas.microsoft.com/office/powerpoint/2010/main" val="2543404489"/>
+        <p14:creationId xmlns:p14="http://schemas.microsoft.com/office/powerpoint/2010/main" val="2385387890"/>
       </p:ext>
     </p:extLst>
   </p:cSld>
@@ -332,83 +348,83 @@
           <a:lstStyle/>
           <a:p>
             <a:r>
+              <a:rPr lang="en-US"/>
+              <a:t>Click to edit Master title style</a:t>
+            </a:r>
+            <a:endParaRPr lang="en-US" dirty="0"/>
+          </a:p>
+        </p:txBody>
+      </p:sp>
+      <p:sp>
+        <p:nvSpPr>
+          <p:cNvPr id="3" name="Vertical Text Placeholder 2"/>
+          <p:cNvSpPr>
+            <a:spLocks noGrp="1"/>
+          </p:cNvSpPr>
+          <p:nvPr>
+            <p:ph type="body" orient="vert" idx="1"/>
+          </p:nvPr>
+        </p:nvSpPr>
+        <p:spPr/>
+        <p:txBody>
+          <a:bodyPr vert="eaVert"/>
+          <a:lstStyle/>
+          <a:p>
+            <a:pPr lvl="0"/>
+            <a:r>
+              <a:rPr lang="en-US"/>
+              <a:t>Click to edit Master text styles</a:t>
+            </a:r>
+          </a:p>
+          <a:p>
+            <a:pPr lvl="1"/>
+            <a:r>
+              <a:rPr lang="en-US"/>
+              <a:t>Second level</a:t>
+            </a:r>
+          </a:p>
+          <a:p>
+            <a:pPr lvl="2"/>
+            <a:r>
+              <a:rPr lang="en-US"/>
+              <a:t>Third level</a:t>
+            </a:r>
+          </a:p>
+          <a:p>
+            <a:pPr lvl="3"/>
+            <a:r>
+              <a:rPr lang="en-US"/>
+              <a:t>Fourth level</a:t>
+            </a:r>
+          </a:p>
+          <a:p>
+            <a:pPr lvl="4"/>
+            <a:r>
+              <a:rPr lang="en-US"/>
+              <a:t>Fifth level</a:t>
+            </a:r>
+            <a:endParaRPr lang="en-US" dirty="0"/>
+          </a:p>
+        </p:txBody>
+      </p:sp>
+      <p:sp>
+        <p:nvSpPr>
+          <p:cNvPr id="4" name="Date Placeholder 3"/>
+          <p:cNvSpPr>
+            <a:spLocks noGrp="1"/>
+          </p:cNvSpPr>
+          <p:nvPr>
+            <p:ph type="dt" sz="half" idx="10"/>
+          </p:nvPr>
+        </p:nvSpPr>
+        <p:spPr/>
+        <p:txBody>
+          <a:bodyPr/>
+          <a:lstStyle/>
+          <a:p>
+            <a:fld id="{846CE7D5-CF57-46EF-B807-FDD0502418D4}" type="datetimeFigureOut">
               <a:rPr lang="en-US" smtClean="0"/>
-              <a:t>Click to edit Master title style</a:t>
-            </a:r>
-            <a:endParaRPr lang="en-US"/>
-          </a:p>
-        </p:txBody>
-      </p:sp>
-      <p:sp>
-        <p:nvSpPr>
-          <p:cNvPr id="3" name="Vertical Text Placeholder 2"/>
-          <p:cNvSpPr>
-            <a:spLocks noGrp="1"/>
-          </p:cNvSpPr>
-          <p:nvPr>
-            <p:ph type="body" orient="vert" idx="1"/>
-          </p:nvPr>
-        </p:nvSpPr>
-        <p:spPr/>
-        <p:txBody>
-          <a:bodyPr vert="eaVert"/>
-          <a:lstStyle/>
-          <a:p>
-            <a:pPr lvl="0"/>
-            <a:r>
-              <a:rPr lang="en-US" smtClean="0"/>
-              <a:t>Edit Master text styles</a:t>
-            </a:r>
-          </a:p>
-          <a:p>
-            <a:pPr lvl="1"/>
-            <a:r>
-              <a:rPr lang="en-US" smtClean="0"/>
-              <a:t>Second level</a:t>
-            </a:r>
-          </a:p>
-          <a:p>
-            <a:pPr lvl="2"/>
-            <a:r>
-              <a:rPr lang="en-US" smtClean="0"/>
-              <a:t>Third level</a:t>
-            </a:r>
-          </a:p>
-          <a:p>
-            <a:pPr lvl="3"/>
-            <a:r>
-              <a:rPr lang="en-US" smtClean="0"/>
-              <a:t>Fourth level</a:t>
-            </a:r>
-          </a:p>
-          <a:p>
-            <a:pPr lvl="4"/>
-            <a:r>
-              <a:rPr lang="en-US" smtClean="0"/>
-              <a:t>Fifth level</a:t>
-            </a:r>
-            <a:endParaRPr lang="en-US"/>
-          </a:p>
-        </p:txBody>
-      </p:sp>
-      <p:sp>
-        <p:nvSpPr>
-          <p:cNvPr id="4" name="Date Placeholder 3"/>
-          <p:cNvSpPr>
-            <a:spLocks noGrp="1"/>
-          </p:cNvSpPr>
-          <p:nvPr>
-            <p:ph type="dt" sz="half" idx="10"/>
-          </p:nvPr>
-        </p:nvSpPr>
-        <p:spPr/>
-        <p:txBody>
-          <a:bodyPr/>
-          <a:lstStyle/>
-          <a:p>
-            <a:fld id="{D6329362-494F-4DE8-9AA7-4CB08A6006A3}" type="datetimeFigureOut">
-              <a:rPr lang="en-US" smtClean="0"/>
-              <a:t>5/10/2022</a:t>
+              <a:t>5/11/2022</a:t>
             </a:fld>
             <a:endParaRPr lang="en-US"/>
           </a:p>
@@ -448,7 +464,7 @@
           <a:bodyPr/>
           <a:lstStyle/>
           <a:p>
-            <a:fld id="{061C5EF3-7C87-418C-B089-1248F3E012EC}" type="slidenum">
+            <a:fld id="{330EA680-D336-4FF7-8B7A-9848BB0A1C32}" type="slidenum">
               <a:rPr lang="en-US" smtClean="0"/>
               <a:t>‹#›</a:t>
             </a:fld>
@@ -459,7 +475,7 @@
     </p:spTree>
     <p:extLst>
       <p:ext uri="{BB962C8B-B14F-4D97-AF65-F5344CB8AC3E}">
-        <p14:creationId xmlns:p14="http://schemas.microsoft.com/office/powerpoint/2010/main" val="1097042088"/>
+        <p14:creationId xmlns:p14="http://schemas.microsoft.com/office/powerpoint/2010/main" val="2202905451"/>
       </p:ext>
     </p:extLst>
   </p:cSld>
@@ -507,10 +523,10 @@
           <a:lstStyle/>
           <a:p>
             <a:r>
-              <a:rPr lang="en-US" smtClean="0"/>
+              <a:rPr lang="en-US"/>
               <a:t>Click to edit Master title style</a:t>
             </a:r>
-            <a:endParaRPr lang="en-US"/>
+            <a:endParaRPr lang="en-US" dirty="0"/>
           </a:p>
         </p:txBody>
       </p:sp>
@@ -536,59 +552,59 @@
           <a:p>
             <a:pPr lvl="0"/>
             <a:r>
+              <a:rPr lang="en-US"/>
+              <a:t>Click to edit Master text styles</a:t>
+            </a:r>
+          </a:p>
+          <a:p>
+            <a:pPr lvl="1"/>
+            <a:r>
+              <a:rPr lang="en-US"/>
+              <a:t>Second level</a:t>
+            </a:r>
+          </a:p>
+          <a:p>
+            <a:pPr lvl="2"/>
+            <a:r>
+              <a:rPr lang="en-US"/>
+              <a:t>Third level</a:t>
+            </a:r>
+          </a:p>
+          <a:p>
+            <a:pPr lvl="3"/>
+            <a:r>
+              <a:rPr lang="en-US"/>
+              <a:t>Fourth level</a:t>
+            </a:r>
+          </a:p>
+          <a:p>
+            <a:pPr lvl="4"/>
+            <a:r>
+              <a:rPr lang="en-US"/>
+              <a:t>Fifth level</a:t>
+            </a:r>
+            <a:endParaRPr lang="en-US" dirty="0"/>
+          </a:p>
+        </p:txBody>
+      </p:sp>
+      <p:sp>
+        <p:nvSpPr>
+          <p:cNvPr id="4" name="Date Placeholder 3"/>
+          <p:cNvSpPr>
+            <a:spLocks noGrp="1"/>
+          </p:cNvSpPr>
+          <p:nvPr>
+            <p:ph type="dt" sz="half" idx="10"/>
+          </p:nvPr>
+        </p:nvSpPr>
+        <p:spPr/>
+        <p:txBody>
+          <a:bodyPr/>
+          <a:lstStyle/>
+          <a:p>
+            <a:fld id="{846CE7D5-CF57-46EF-B807-FDD0502418D4}" type="datetimeFigureOut">
               <a:rPr lang="en-US" smtClean="0"/>
-              <a:t>Edit Master text styles</a:t>
-            </a:r>
-          </a:p>
-          <a:p>
-            <a:pPr lvl="1"/>
-            <a:r>
-              <a:rPr lang="en-US" smtClean="0"/>
-              <a:t>Second level</a:t>
-            </a:r>
-          </a:p>
-          <a:p>
-            <a:pPr lvl="2"/>
-            <a:r>
-              <a:rPr lang="en-US" smtClean="0"/>
-              <a:t>Third level</a:t>
-            </a:r>
-          </a:p>
-          <a:p>
-            <a:pPr lvl="3"/>
-            <a:r>
-              <a:rPr lang="en-US" smtClean="0"/>
-              <a:t>Fourth level</a:t>
-            </a:r>
-          </a:p>
-          <a:p>
-            <a:pPr lvl="4"/>
-            <a:r>
-              <a:rPr lang="en-US" smtClean="0"/>
-              <a:t>Fifth level</a:t>
-            </a:r>
-            <a:endParaRPr lang="en-US"/>
-          </a:p>
-        </p:txBody>
-      </p:sp>
-      <p:sp>
-        <p:nvSpPr>
-          <p:cNvPr id="4" name="Date Placeholder 3"/>
-          <p:cNvSpPr>
-            <a:spLocks noGrp="1"/>
-          </p:cNvSpPr>
-          <p:nvPr>
-            <p:ph type="dt" sz="half" idx="10"/>
-          </p:nvPr>
-        </p:nvSpPr>
-        <p:spPr/>
-        <p:txBody>
-          <a:bodyPr/>
-          <a:lstStyle/>
-          <a:p>
-            <a:fld id="{D6329362-494F-4DE8-9AA7-4CB08A6006A3}" type="datetimeFigureOut">
-              <a:rPr lang="en-US" smtClean="0"/>
-              <a:t>5/10/2022</a:t>
+              <a:t>5/11/2022</a:t>
             </a:fld>
             <a:endParaRPr lang="en-US"/>
           </a:p>
@@ -628,7 +644,7 @@
           <a:bodyPr/>
           <a:lstStyle/>
           <a:p>
-            <a:fld id="{061C5EF3-7C87-418C-B089-1248F3E012EC}" type="slidenum">
+            <a:fld id="{330EA680-D336-4FF7-8B7A-9848BB0A1C32}" type="slidenum">
               <a:rPr lang="en-US" smtClean="0"/>
               <a:t>‹#›</a:t>
             </a:fld>
@@ -639,7 +655,7 @@
     </p:spTree>
     <p:extLst>
       <p:ext uri="{BB962C8B-B14F-4D97-AF65-F5344CB8AC3E}">
-        <p14:creationId xmlns:p14="http://schemas.microsoft.com/office/powerpoint/2010/main" val="2398068190"/>
+        <p14:creationId xmlns:p14="http://schemas.microsoft.com/office/powerpoint/2010/main" val="3479445657"/>
       </p:ext>
     </p:extLst>
   </p:cSld>
@@ -682,83 +698,83 @@
           <a:lstStyle/>
           <a:p>
             <a:r>
+              <a:rPr lang="en-US"/>
+              <a:t>Click to edit Master title style</a:t>
+            </a:r>
+            <a:endParaRPr lang="en-US" dirty="0"/>
+          </a:p>
+        </p:txBody>
+      </p:sp>
+      <p:sp>
+        <p:nvSpPr>
+          <p:cNvPr id="3" name="Content Placeholder 2"/>
+          <p:cNvSpPr>
+            <a:spLocks noGrp="1"/>
+          </p:cNvSpPr>
+          <p:nvPr>
+            <p:ph idx="1"/>
+          </p:nvPr>
+        </p:nvSpPr>
+        <p:spPr/>
+        <p:txBody>
+          <a:bodyPr/>
+          <a:lstStyle/>
+          <a:p>
+            <a:pPr lvl="0"/>
+            <a:r>
+              <a:rPr lang="en-US"/>
+              <a:t>Click to edit Master text styles</a:t>
+            </a:r>
+          </a:p>
+          <a:p>
+            <a:pPr lvl="1"/>
+            <a:r>
+              <a:rPr lang="en-US"/>
+              <a:t>Second level</a:t>
+            </a:r>
+          </a:p>
+          <a:p>
+            <a:pPr lvl="2"/>
+            <a:r>
+              <a:rPr lang="en-US"/>
+              <a:t>Third level</a:t>
+            </a:r>
+          </a:p>
+          <a:p>
+            <a:pPr lvl="3"/>
+            <a:r>
+              <a:rPr lang="en-US"/>
+              <a:t>Fourth level</a:t>
+            </a:r>
+          </a:p>
+          <a:p>
+            <a:pPr lvl="4"/>
+            <a:r>
+              <a:rPr lang="en-US"/>
+              <a:t>Fifth level</a:t>
+            </a:r>
+            <a:endParaRPr lang="en-US" dirty="0"/>
+          </a:p>
+        </p:txBody>
+      </p:sp>
+      <p:sp>
+        <p:nvSpPr>
+          <p:cNvPr id="4" name="Date Placeholder 3"/>
+          <p:cNvSpPr>
+            <a:spLocks noGrp="1"/>
+          </p:cNvSpPr>
+          <p:nvPr>
+            <p:ph type="dt" sz="half" idx="10"/>
+          </p:nvPr>
+        </p:nvSpPr>
+        <p:spPr/>
+        <p:txBody>
+          <a:bodyPr/>
+          <a:lstStyle/>
+          <a:p>
+            <a:fld id="{846CE7D5-CF57-46EF-B807-FDD0502418D4}" type="datetimeFigureOut">
               <a:rPr lang="en-US" smtClean="0"/>
-              <a:t>Click to edit Master title style</a:t>
-            </a:r>
-            <a:endParaRPr lang="en-US"/>
-          </a:p>
-        </p:txBody>
-      </p:sp>
-      <p:sp>
-        <p:nvSpPr>
-          <p:cNvPr id="3" name="Content Placeholder 2"/>
-          <p:cNvSpPr>
-            <a:spLocks noGrp="1"/>
-          </p:cNvSpPr>
-          <p:nvPr>
-            <p:ph idx="1"/>
-          </p:nvPr>
-        </p:nvSpPr>
-        <p:spPr/>
-        <p:txBody>
-          <a:bodyPr/>
-          <a:lstStyle/>
-          <a:p>
-            <a:pPr lvl="0"/>
-            <a:r>
-              <a:rPr lang="en-US" smtClean="0"/>
-              <a:t>Edit Master text styles</a:t>
-            </a:r>
-          </a:p>
-          <a:p>
-            <a:pPr lvl="1"/>
-            <a:r>
-              <a:rPr lang="en-US" smtClean="0"/>
-              <a:t>Second level</a:t>
-            </a:r>
-          </a:p>
-          <a:p>
-            <a:pPr lvl="2"/>
-            <a:r>
-              <a:rPr lang="en-US" smtClean="0"/>
-              <a:t>Third level</a:t>
-            </a:r>
-          </a:p>
-          <a:p>
-            <a:pPr lvl="3"/>
-            <a:r>
-              <a:rPr lang="en-US" smtClean="0"/>
-              <a:t>Fourth level</a:t>
-            </a:r>
-          </a:p>
-          <a:p>
-            <a:pPr lvl="4"/>
-            <a:r>
-              <a:rPr lang="en-US" smtClean="0"/>
-              <a:t>Fifth level</a:t>
-            </a:r>
-            <a:endParaRPr lang="en-US"/>
-          </a:p>
-        </p:txBody>
-      </p:sp>
-      <p:sp>
-        <p:nvSpPr>
-          <p:cNvPr id="4" name="Date Placeholder 3"/>
-          <p:cNvSpPr>
-            <a:spLocks noGrp="1"/>
-          </p:cNvSpPr>
-          <p:nvPr>
-            <p:ph type="dt" sz="half" idx="10"/>
-          </p:nvPr>
-        </p:nvSpPr>
-        <p:spPr/>
-        <p:txBody>
-          <a:bodyPr/>
-          <a:lstStyle/>
-          <a:p>
-            <a:fld id="{D6329362-494F-4DE8-9AA7-4CB08A6006A3}" type="datetimeFigureOut">
-              <a:rPr lang="en-US" smtClean="0"/>
-              <a:t>5/10/2022</a:t>
+              <a:t>5/11/2022</a:t>
             </a:fld>
             <a:endParaRPr lang="en-US"/>
           </a:p>
@@ -798,7 +814,7 @@
           <a:bodyPr/>
           <a:lstStyle/>
           <a:p>
-            <a:fld id="{061C5EF3-7C87-418C-B089-1248F3E012EC}" type="slidenum">
+            <a:fld id="{330EA680-D336-4FF7-8B7A-9848BB0A1C32}" type="slidenum">
               <a:rPr lang="en-US" smtClean="0"/>
               <a:t>‹#›</a:t>
             </a:fld>
@@ -809,7 +825,7 @@
     </p:spTree>
     <p:extLst>
       <p:ext uri="{BB962C8B-B14F-4D97-AF65-F5344CB8AC3E}">
-        <p14:creationId xmlns:p14="http://schemas.microsoft.com/office/powerpoint/2010/main" val="305354813"/>
+        <p14:creationId xmlns:p14="http://schemas.microsoft.com/office/powerpoint/2010/main" val="949138452"/>
       </p:ext>
     </p:extLst>
   </p:cSld>
@@ -861,10 +877,10 @@
           </a:lstStyle>
           <a:p>
             <a:r>
-              <a:rPr lang="en-US" smtClean="0"/>
+              <a:rPr lang="en-US"/>
               <a:t>Click to edit Master title style</a:t>
             </a:r>
-            <a:endParaRPr lang="en-US"/>
+            <a:endParaRPr lang="en-US" dirty="0"/>
           </a:p>
         </p:txBody>
       </p:sp>
@@ -981,30 +997,30 @@
           <a:p>
             <a:pPr lvl="0"/>
             <a:r>
+              <a:rPr lang="en-US"/>
+              <a:t>Click to edit Master text styles</a:t>
+            </a:r>
+          </a:p>
+        </p:txBody>
+      </p:sp>
+      <p:sp>
+        <p:nvSpPr>
+          <p:cNvPr id="4" name="Date Placeholder 3"/>
+          <p:cNvSpPr>
+            <a:spLocks noGrp="1"/>
+          </p:cNvSpPr>
+          <p:nvPr>
+            <p:ph type="dt" sz="half" idx="10"/>
+          </p:nvPr>
+        </p:nvSpPr>
+        <p:spPr/>
+        <p:txBody>
+          <a:bodyPr/>
+          <a:lstStyle/>
+          <a:p>
+            <a:fld id="{846CE7D5-CF57-46EF-B807-FDD0502418D4}" type="datetimeFigureOut">
               <a:rPr lang="en-US" smtClean="0"/>
-              <a:t>Edit Master text styles</a:t>
-            </a:r>
-          </a:p>
-        </p:txBody>
-      </p:sp>
-      <p:sp>
-        <p:nvSpPr>
-          <p:cNvPr id="4" name="Date Placeholder 3"/>
-          <p:cNvSpPr>
-            <a:spLocks noGrp="1"/>
-          </p:cNvSpPr>
-          <p:nvPr>
-            <p:ph type="dt" sz="half" idx="10"/>
-          </p:nvPr>
-        </p:nvSpPr>
-        <p:spPr/>
-        <p:txBody>
-          <a:bodyPr/>
-          <a:lstStyle/>
-          <a:p>
-            <a:fld id="{D6329362-494F-4DE8-9AA7-4CB08A6006A3}" type="datetimeFigureOut">
-              <a:rPr lang="en-US" smtClean="0"/>
-              <a:t>5/10/2022</a:t>
+              <a:t>5/11/2022</a:t>
             </a:fld>
             <a:endParaRPr lang="en-US"/>
           </a:p>
@@ -1044,7 +1060,7 @@
           <a:bodyPr/>
           <a:lstStyle/>
           <a:p>
-            <a:fld id="{061C5EF3-7C87-418C-B089-1248F3E012EC}" type="slidenum">
+            <a:fld id="{330EA680-D336-4FF7-8B7A-9848BB0A1C32}" type="slidenum">
               <a:rPr lang="en-US" smtClean="0"/>
               <a:t>‹#›</a:t>
             </a:fld>
@@ -1055,7 +1071,7 @@
     </p:spTree>
     <p:extLst>
       <p:ext uri="{BB962C8B-B14F-4D97-AF65-F5344CB8AC3E}">
-        <p14:creationId xmlns:p14="http://schemas.microsoft.com/office/powerpoint/2010/main" val="1194060614"/>
+        <p14:creationId xmlns:p14="http://schemas.microsoft.com/office/powerpoint/2010/main" val="2591524520"/>
       </p:ext>
     </p:extLst>
   </p:cSld>
@@ -1098,10 +1114,10 @@
           <a:lstStyle/>
           <a:p>
             <a:r>
-              <a:rPr lang="en-US" smtClean="0"/>
+              <a:rPr lang="en-US"/>
               <a:t>Click to edit Master title style</a:t>
             </a:r>
-            <a:endParaRPr lang="en-US"/>
+            <a:endParaRPr lang="en-US" dirty="0"/>
           </a:p>
         </p:txBody>
       </p:sp>
@@ -1127,38 +1143,38 @@
           <a:p>
             <a:pPr lvl="0"/>
             <a:r>
-              <a:rPr lang="en-US" smtClean="0"/>
-              <a:t>Edit Master text styles</a:t>
+              <a:rPr lang="en-US"/>
+              <a:t>Click to edit Master text styles</a:t>
             </a:r>
           </a:p>
           <a:p>
             <a:pPr lvl="1"/>
             <a:r>
-              <a:rPr lang="en-US" smtClean="0"/>
+              <a:rPr lang="en-US"/>
               <a:t>Second level</a:t>
             </a:r>
           </a:p>
           <a:p>
             <a:pPr lvl="2"/>
             <a:r>
-              <a:rPr lang="en-US" smtClean="0"/>
+              <a:rPr lang="en-US"/>
               <a:t>Third level</a:t>
             </a:r>
           </a:p>
           <a:p>
             <a:pPr lvl="3"/>
             <a:r>
-              <a:rPr lang="en-US" smtClean="0"/>
+              <a:rPr lang="en-US"/>
               <a:t>Fourth level</a:t>
             </a:r>
           </a:p>
           <a:p>
             <a:pPr lvl="4"/>
             <a:r>
-              <a:rPr lang="en-US" smtClean="0"/>
+              <a:rPr lang="en-US"/>
               <a:t>Fifth level</a:t>
             </a:r>
-            <a:endParaRPr lang="en-US"/>
+            <a:endParaRPr lang="en-US" dirty="0"/>
           </a:p>
         </p:txBody>
       </p:sp>
@@ -1184,59 +1200,59 @@
           <a:p>
             <a:pPr lvl="0"/>
             <a:r>
+              <a:rPr lang="en-US"/>
+              <a:t>Click to edit Master text styles</a:t>
+            </a:r>
+          </a:p>
+          <a:p>
+            <a:pPr lvl="1"/>
+            <a:r>
+              <a:rPr lang="en-US"/>
+              <a:t>Second level</a:t>
+            </a:r>
+          </a:p>
+          <a:p>
+            <a:pPr lvl="2"/>
+            <a:r>
+              <a:rPr lang="en-US"/>
+              <a:t>Third level</a:t>
+            </a:r>
+          </a:p>
+          <a:p>
+            <a:pPr lvl="3"/>
+            <a:r>
+              <a:rPr lang="en-US"/>
+              <a:t>Fourth level</a:t>
+            </a:r>
+          </a:p>
+          <a:p>
+            <a:pPr lvl="4"/>
+            <a:r>
+              <a:rPr lang="en-US"/>
+              <a:t>Fifth level</a:t>
+            </a:r>
+            <a:endParaRPr lang="en-US" dirty="0"/>
+          </a:p>
+        </p:txBody>
+      </p:sp>
+      <p:sp>
+        <p:nvSpPr>
+          <p:cNvPr id="5" name="Date Placeholder 4"/>
+          <p:cNvSpPr>
+            <a:spLocks noGrp="1"/>
+          </p:cNvSpPr>
+          <p:nvPr>
+            <p:ph type="dt" sz="half" idx="10"/>
+          </p:nvPr>
+        </p:nvSpPr>
+        <p:spPr/>
+        <p:txBody>
+          <a:bodyPr/>
+          <a:lstStyle/>
+          <a:p>
+            <a:fld id="{846CE7D5-CF57-46EF-B807-FDD0502418D4}" type="datetimeFigureOut">
               <a:rPr lang="en-US" smtClean="0"/>
-              <a:t>Edit Master text styles</a:t>
-            </a:r>
-          </a:p>
-          <a:p>
-            <a:pPr lvl="1"/>
-            <a:r>
-              <a:rPr lang="en-US" smtClean="0"/>
-              <a:t>Second level</a:t>
-            </a:r>
-          </a:p>
-          <a:p>
-            <a:pPr lvl="2"/>
-            <a:r>
-              <a:rPr lang="en-US" smtClean="0"/>
-              <a:t>Third level</a:t>
-            </a:r>
-          </a:p>
-          <a:p>
-            <a:pPr lvl="3"/>
-            <a:r>
-              <a:rPr lang="en-US" smtClean="0"/>
-              <a:t>Fourth level</a:t>
-            </a:r>
-          </a:p>
-          <a:p>
-            <a:pPr lvl="4"/>
-            <a:r>
-              <a:rPr lang="en-US" smtClean="0"/>
-              <a:t>Fifth level</a:t>
-            </a:r>
-            <a:endParaRPr lang="en-US"/>
-          </a:p>
-        </p:txBody>
-      </p:sp>
-      <p:sp>
-        <p:nvSpPr>
-          <p:cNvPr id="5" name="Date Placeholder 4"/>
-          <p:cNvSpPr>
-            <a:spLocks noGrp="1"/>
-          </p:cNvSpPr>
-          <p:nvPr>
-            <p:ph type="dt" sz="half" idx="10"/>
-          </p:nvPr>
-        </p:nvSpPr>
-        <p:spPr/>
-        <p:txBody>
-          <a:bodyPr/>
-          <a:lstStyle/>
-          <a:p>
-            <a:fld id="{D6329362-494F-4DE8-9AA7-4CB08A6006A3}" type="datetimeFigureOut">
-              <a:rPr lang="en-US" smtClean="0"/>
-              <a:t>5/10/2022</a:t>
+              <a:t>5/11/2022</a:t>
             </a:fld>
             <a:endParaRPr lang="en-US"/>
           </a:p>
@@ -1276,7 +1292,7 @@
           <a:bodyPr/>
           <a:lstStyle/>
           <a:p>
-            <a:fld id="{061C5EF3-7C87-418C-B089-1248F3E012EC}" type="slidenum">
+            <a:fld id="{330EA680-D336-4FF7-8B7A-9848BB0A1C32}" type="slidenum">
               <a:rPr lang="en-US" smtClean="0"/>
               <a:t>‹#›</a:t>
             </a:fld>
@@ -1287,7 +1303,7 @@
     </p:spTree>
     <p:extLst>
       <p:ext uri="{BB962C8B-B14F-4D97-AF65-F5344CB8AC3E}">
-        <p14:creationId xmlns:p14="http://schemas.microsoft.com/office/powerpoint/2010/main" val="3231941290"/>
+        <p14:creationId xmlns:p14="http://schemas.microsoft.com/office/powerpoint/2010/main" val="1203092039"/>
       </p:ext>
     </p:extLst>
   </p:cSld>
@@ -1335,10 +1351,10 @@
           <a:lstStyle/>
           <a:p>
             <a:r>
-              <a:rPr lang="en-US" smtClean="0"/>
+              <a:rPr lang="en-US"/>
               <a:t>Click to edit Master title style</a:t>
             </a:r>
-            <a:endParaRPr lang="en-US"/>
+            <a:endParaRPr lang="en-US" dirty="0"/>
           </a:p>
         </p:txBody>
       </p:sp>
@@ -1401,8 +1417,8 @@
           <a:p>
             <a:pPr lvl="0"/>
             <a:r>
-              <a:rPr lang="en-US" smtClean="0"/>
-              <a:t>Edit Master text styles</a:t>
+              <a:rPr lang="en-US"/>
+              <a:t>Click to edit Master text styles</a:t>
             </a:r>
           </a:p>
         </p:txBody>
@@ -1429,38 +1445,38 @@
           <a:p>
             <a:pPr lvl="0"/>
             <a:r>
-              <a:rPr lang="en-US" smtClean="0"/>
-              <a:t>Edit Master text styles</a:t>
+              <a:rPr lang="en-US"/>
+              <a:t>Click to edit Master text styles</a:t>
             </a:r>
           </a:p>
           <a:p>
             <a:pPr lvl="1"/>
             <a:r>
-              <a:rPr lang="en-US" smtClean="0"/>
+              <a:rPr lang="en-US"/>
               <a:t>Second level</a:t>
             </a:r>
           </a:p>
           <a:p>
             <a:pPr lvl="2"/>
             <a:r>
-              <a:rPr lang="en-US" smtClean="0"/>
+              <a:rPr lang="en-US"/>
               <a:t>Third level</a:t>
             </a:r>
           </a:p>
           <a:p>
             <a:pPr lvl="3"/>
             <a:r>
-              <a:rPr lang="en-US" smtClean="0"/>
+              <a:rPr lang="en-US"/>
               <a:t>Fourth level</a:t>
             </a:r>
           </a:p>
           <a:p>
             <a:pPr lvl="4"/>
             <a:r>
-              <a:rPr lang="en-US" smtClean="0"/>
+              <a:rPr lang="en-US"/>
               <a:t>Fifth level</a:t>
             </a:r>
-            <a:endParaRPr lang="en-US"/>
+            <a:endParaRPr lang="en-US" dirty="0"/>
           </a:p>
         </p:txBody>
       </p:sp>
@@ -1523,8 +1539,8 @@
           <a:p>
             <a:pPr lvl="0"/>
             <a:r>
-              <a:rPr lang="en-US" smtClean="0"/>
-              <a:t>Edit Master text styles</a:t>
+              <a:rPr lang="en-US"/>
+              <a:t>Click to edit Master text styles</a:t>
             </a:r>
           </a:p>
         </p:txBody>
@@ -1551,59 +1567,59 @@
           <a:p>
             <a:pPr lvl="0"/>
             <a:r>
+              <a:rPr lang="en-US"/>
+              <a:t>Click to edit Master text styles</a:t>
+            </a:r>
+          </a:p>
+          <a:p>
+            <a:pPr lvl="1"/>
+            <a:r>
+              <a:rPr lang="en-US"/>
+              <a:t>Second level</a:t>
+            </a:r>
+          </a:p>
+          <a:p>
+            <a:pPr lvl="2"/>
+            <a:r>
+              <a:rPr lang="en-US"/>
+              <a:t>Third level</a:t>
+            </a:r>
+          </a:p>
+          <a:p>
+            <a:pPr lvl="3"/>
+            <a:r>
+              <a:rPr lang="en-US"/>
+              <a:t>Fourth level</a:t>
+            </a:r>
+          </a:p>
+          <a:p>
+            <a:pPr lvl="4"/>
+            <a:r>
+              <a:rPr lang="en-US"/>
+              <a:t>Fifth level</a:t>
+            </a:r>
+            <a:endParaRPr lang="en-US" dirty="0"/>
+          </a:p>
+        </p:txBody>
+      </p:sp>
+      <p:sp>
+        <p:nvSpPr>
+          <p:cNvPr id="7" name="Date Placeholder 6"/>
+          <p:cNvSpPr>
+            <a:spLocks noGrp="1"/>
+          </p:cNvSpPr>
+          <p:nvPr>
+            <p:ph type="dt" sz="half" idx="10"/>
+          </p:nvPr>
+        </p:nvSpPr>
+        <p:spPr/>
+        <p:txBody>
+          <a:bodyPr/>
+          <a:lstStyle/>
+          <a:p>
+            <a:fld id="{846CE7D5-CF57-46EF-B807-FDD0502418D4}" type="datetimeFigureOut">
               <a:rPr lang="en-US" smtClean="0"/>
-              <a:t>Edit Master text styles</a:t>
-            </a:r>
-          </a:p>
-          <a:p>
-            <a:pPr lvl="1"/>
-            <a:r>
-              <a:rPr lang="en-US" smtClean="0"/>
-              <a:t>Second level</a:t>
-            </a:r>
-          </a:p>
-          <a:p>
-            <a:pPr lvl="2"/>
-            <a:r>
-              <a:rPr lang="en-US" smtClean="0"/>
-              <a:t>Third level</a:t>
-            </a:r>
-          </a:p>
-          <a:p>
-            <a:pPr lvl="3"/>
-            <a:r>
-              <a:rPr lang="en-US" smtClean="0"/>
-              <a:t>Fourth level</a:t>
-            </a:r>
-          </a:p>
-          <a:p>
-            <a:pPr lvl="4"/>
-            <a:r>
-              <a:rPr lang="en-US" smtClean="0"/>
-              <a:t>Fifth level</a:t>
-            </a:r>
-            <a:endParaRPr lang="en-US"/>
-          </a:p>
-        </p:txBody>
-      </p:sp>
-      <p:sp>
-        <p:nvSpPr>
-          <p:cNvPr id="7" name="Date Placeholder 6"/>
-          <p:cNvSpPr>
-            <a:spLocks noGrp="1"/>
-          </p:cNvSpPr>
-          <p:nvPr>
-            <p:ph type="dt" sz="half" idx="10"/>
-          </p:nvPr>
-        </p:nvSpPr>
-        <p:spPr/>
-        <p:txBody>
-          <a:bodyPr/>
-          <a:lstStyle/>
-          <a:p>
-            <a:fld id="{D6329362-494F-4DE8-9AA7-4CB08A6006A3}" type="datetimeFigureOut">
-              <a:rPr lang="en-US" smtClean="0"/>
-              <a:t>5/10/2022</a:t>
+              <a:t>5/11/2022</a:t>
             </a:fld>
             <a:endParaRPr lang="en-US"/>
           </a:p>
@@ -1643,7 +1659,7 @@
           <a:bodyPr/>
           <a:lstStyle/>
           <a:p>
-            <a:fld id="{061C5EF3-7C87-418C-B089-1248F3E012EC}" type="slidenum">
+            <a:fld id="{330EA680-D336-4FF7-8B7A-9848BB0A1C32}" type="slidenum">
               <a:rPr lang="en-US" smtClean="0"/>
               <a:t>‹#›</a:t>
             </a:fld>
@@ -1654,7 +1670,7 @@
     </p:spTree>
     <p:extLst>
       <p:ext uri="{BB962C8B-B14F-4D97-AF65-F5344CB8AC3E}">
-        <p14:creationId xmlns:p14="http://schemas.microsoft.com/office/powerpoint/2010/main" val="4200935517"/>
+        <p14:creationId xmlns:p14="http://schemas.microsoft.com/office/powerpoint/2010/main" val="3733172339"/>
       </p:ext>
     </p:extLst>
   </p:cSld>
@@ -1697,31 +1713,31 @@
           <a:lstStyle/>
           <a:p>
             <a:r>
+              <a:rPr lang="en-US"/>
+              <a:t>Click to edit Master title style</a:t>
+            </a:r>
+            <a:endParaRPr lang="en-US" dirty="0"/>
+          </a:p>
+        </p:txBody>
+      </p:sp>
+      <p:sp>
+        <p:nvSpPr>
+          <p:cNvPr id="3" name="Date Placeholder 2"/>
+          <p:cNvSpPr>
+            <a:spLocks noGrp="1"/>
+          </p:cNvSpPr>
+          <p:nvPr>
+            <p:ph type="dt" sz="half" idx="10"/>
+          </p:nvPr>
+        </p:nvSpPr>
+        <p:spPr/>
+        <p:txBody>
+          <a:bodyPr/>
+          <a:lstStyle/>
+          <a:p>
+            <a:fld id="{846CE7D5-CF57-46EF-B807-FDD0502418D4}" type="datetimeFigureOut">
               <a:rPr lang="en-US" smtClean="0"/>
-              <a:t>Click to edit Master title style</a:t>
-            </a:r>
-            <a:endParaRPr lang="en-US"/>
-          </a:p>
-        </p:txBody>
-      </p:sp>
-      <p:sp>
-        <p:nvSpPr>
-          <p:cNvPr id="3" name="Date Placeholder 2"/>
-          <p:cNvSpPr>
-            <a:spLocks noGrp="1"/>
-          </p:cNvSpPr>
-          <p:nvPr>
-            <p:ph type="dt" sz="half" idx="10"/>
-          </p:nvPr>
-        </p:nvSpPr>
-        <p:spPr/>
-        <p:txBody>
-          <a:bodyPr/>
-          <a:lstStyle/>
-          <a:p>
-            <a:fld id="{D6329362-494F-4DE8-9AA7-4CB08A6006A3}" type="datetimeFigureOut">
-              <a:rPr lang="en-US" smtClean="0"/>
-              <a:t>5/10/2022</a:t>
+              <a:t>5/11/2022</a:t>
             </a:fld>
             <a:endParaRPr lang="en-US"/>
           </a:p>
@@ -1761,7 +1777,7 @@
           <a:bodyPr/>
           <a:lstStyle/>
           <a:p>
-            <a:fld id="{061C5EF3-7C87-418C-B089-1248F3E012EC}" type="slidenum">
+            <a:fld id="{330EA680-D336-4FF7-8B7A-9848BB0A1C32}" type="slidenum">
               <a:rPr lang="en-US" smtClean="0"/>
               <a:t>‹#›</a:t>
             </a:fld>
@@ -1772,7 +1788,7 @@
     </p:spTree>
     <p:extLst>
       <p:ext uri="{BB962C8B-B14F-4D97-AF65-F5344CB8AC3E}">
-        <p14:creationId xmlns:p14="http://schemas.microsoft.com/office/powerpoint/2010/main" val="92513010"/>
+        <p14:creationId xmlns:p14="http://schemas.microsoft.com/office/powerpoint/2010/main" val="3210312558"/>
       </p:ext>
     </p:extLst>
   </p:cSld>
@@ -1814,9 +1830,9 @@
           <a:bodyPr/>
           <a:lstStyle/>
           <a:p>
-            <a:fld id="{D6329362-494F-4DE8-9AA7-4CB08A6006A3}" type="datetimeFigureOut">
+            <a:fld id="{846CE7D5-CF57-46EF-B807-FDD0502418D4}" type="datetimeFigureOut">
               <a:rPr lang="en-US" smtClean="0"/>
-              <a:t>5/10/2022</a:t>
+              <a:t>5/11/2022</a:t>
             </a:fld>
             <a:endParaRPr lang="en-US"/>
           </a:p>
@@ -1856,7 +1872,7 @@
           <a:bodyPr/>
           <a:lstStyle/>
           <a:p>
-            <a:fld id="{061C5EF3-7C87-418C-B089-1248F3E012EC}" type="slidenum">
+            <a:fld id="{330EA680-D336-4FF7-8B7A-9848BB0A1C32}" type="slidenum">
               <a:rPr lang="en-US" smtClean="0"/>
               <a:t>‹#›</a:t>
             </a:fld>
@@ -1867,7 +1883,7 @@
     </p:spTree>
     <p:extLst>
       <p:ext uri="{BB962C8B-B14F-4D97-AF65-F5344CB8AC3E}">
-        <p14:creationId xmlns:p14="http://schemas.microsoft.com/office/powerpoint/2010/main" val="360236743"/>
+        <p14:creationId xmlns:p14="http://schemas.microsoft.com/office/powerpoint/2010/main" val="3146388984"/>
       </p:ext>
     </p:extLst>
   </p:cSld>
@@ -1919,10 +1935,10 @@
           </a:lstStyle>
           <a:p>
             <a:r>
-              <a:rPr lang="en-US" smtClean="0"/>
+              <a:rPr lang="en-US"/>
               <a:t>Click to edit Master title style</a:t>
             </a:r>
-            <a:endParaRPr lang="en-US"/>
+            <a:endParaRPr lang="en-US" dirty="0"/>
           </a:p>
         </p:txBody>
       </p:sp>
@@ -1976,38 +1992,38 @@
           <a:p>
             <a:pPr lvl="0"/>
             <a:r>
-              <a:rPr lang="en-US" smtClean="0"/>
-              <a:t>Edit Master text styles</a:t>
+              <a:rPr lang="en-US"/>
+              <a:t>Click to edit Master text styles</a:t>
             </a:r>
           </a:p>
           <a:p>
             <a:pPr lvl="1"/>
             <a:r>
-              <a:rPr lang="en-US" smtClean="0"/>
+              <a:rPr lang="en-US"/>
               <a:t>Second level</a:t>
             </a:r>
           </a:p>
           <a:p>
             <a:pPr lvl="2"/>
             <a:r>
-              <a:rPr lang="en-US" smtClean="0"/>
+              <a:rPr lang="en-US"/>
               <a:t>Third level</a:t>
             </a:r>
           </a:p>
           <a:p>
             <a:pPr lvl="3"/>
             <a:r>
-              <a:rPr lang="en-US" smtClean="0"/>
+              <a:rPr lang="en-US"/>
               <a:t>Fourth level</a:t>
             </a:r>
           </a:p>
           <a:p>
             <a:pPr lvl="4"/>
             <a:r>
-              <a:rPr lang="en-US" smtClean="0"/>
+              <a:rPr lang="en-US"/>
               <a:t>Fifth level</a:t>
             </a:r>
-            <a:endParaRPr lang="en-US"/>
+            <a:endParaRPr lang="en-US" dirty="0"/>
           </a:p>
         </p:txBody>
       </p:sp>
@@ -2070,30 +2086,30 @@
           <a:p>
             <a:pPr lvl="0"/>
             <a:r>
+              <a:rPr lang="en-US"/>
+              <a:t>Click to edit Master text styles</a:t>
+            </a:r>
+          </a:p>
+        </p:txBody>
+      </p:sp>
+      <p:sp>
+        <p:nvSpPr>
+          <p:cNvPr id="5" name="Date Placeholder 4"/>
+          <p:cNvSpPr>
+            <a:spLocks noGrp="1"/>
+          </p:cNvSpPr>
+          <p:nvPr>
+            <p:ph type="dt" sz="half" idx="10"/>
+          </p:nvPr>
+        </p:nvSpPr>
+        <p:spPr/>
+        <p:txBody>
+          <a:bodyPr/>
+          <a:lstStyle/>
+          <a:p>
+            <a:fld id="{846CE7D5-CF57-46EF-B807-FDD0502418D4}" type="datetimeFigureOut">
               <a:rPr lang="en-US" smtClean="0"/>
-              <a:t>Edit Master text styles</a:t>
-            </a:r>
-          </a:p>
-        </p:txBody>
-      </p:sp>
-      <p:sp>
-        <p:nvSpPr>
-          <p:cNvPr id="5" name="Date Placeholder 4"/>
-          <p:cNvSpPr>
-            <a:spLocks noGrp="1"/>
-          </p:cNvSpPr>
-          <p:nvPr>
-            <p:ph type="dt" sz="half" idx="10"/>
-          </p:nvPr>
-        </p:nvSpPr>
-        <p:spPr/>
-        <p:txBody>
-          <a:bodyPr/>
-          <a:lstStyle/>
-          <a:p>
-            <a:fld id="{D6329362-494F-4DE8-9AA7-4CB08A6006A3}" type="datetimeFigureOut">
-              <a:rPr lang="en-US" smtClean="0"/>
-              <a:t>5/10/2022</a:t>
+              <a:t>5/11/2022</a:t>
             </a:fld>
             <a:endParaRPr lang="en-US"/>
           </a:p>
@@ -2133,7 +2149,7 @@
           <a:bodyPr/>
           <a:lstStyle/>
           <a:p>
-            <a:fld id="{061C5EF3-7C87-418C-B089-1248F3E012EC}" type="slidenum">
+            <a:fld id="{330EA680-D336-4FF7-8B7A-9848BB0A1C32}" type="slidenum">
               <a:rPr lang="en-US" smtClean="0"/>
               <a:t>‹#›</a:t>
             </a:fld>
@@ -2144,7 +2160,7 @@
     </p:spTree>
     <p:extLst>
       <p:ext uri="{BB962C8B-B14F-4D97-AF65-F5344CB8AC3E}">
-        <p14:creationId xmlns:p14="http://schemas.microsoft.com/office/powerpoint/2010/main" val="2612378903"/>
+        <p14:creationId xmlns:p14="http://schemas.microsoft.com/office/powerpoint/2010/main" val="3171841454"/>
       </p:ext>
     </p:extLst>
   </p:cSld>
@@ -2196,10 +2212,10 @@
           </a:lstStyle>
           <a:p>
             <a:r>
-              <a:rPr lang="en-US" smtClean="0"/>
+              <a:rPr lang="en-US"/>
               <a:t>Click to edit Master title style</a:t>
             </a:r>
-            <a:endParaRPr lang="en-US"/>
+            <a:endParaRPr lang="en-US" dirty="0"/>
           </a:p>
         </p:txBody>
       </p:sp>
@@ -2207,7 +2223,7 @@
         <p:nvSpPr>
           <p:cNvPr id="3" name="Picture Placeholder 2"/>
           <p:cNvSpPr>
-            <a:spLocks noGrp="1"/>
+            <a:spLocks noGrp="1" noChangeAspect="1"/>
           </p:cNvSpPr>
           <p:nvPr>
             <p:ph type="pic" idx="1"/>
@@ -2220,7 +2236,7 @@
           </a:xfrm>
         </p:spPr>
         <p:txBody>
-          <a:bodyPr/>
+          <a:bodyPr anchor="t"/>
           <a:lstStyle>
             <a:lvl1pPr marL="0" indent="0">
               <a:buNone/>
@@ -2260,7 +2276,11 @@
             </a:lvl9pPr>
           </a:lstStyle>
           <a:p>
-            <a:endParaRPr lang="en-US"/>
+            <a:r>
+              <a:rPr lang="en-US"/>
+              <a:t>Click icon to add picture</a:t>
+            </a:r>
+            <a:endParaRPr lang="en-US" dirty="0"/>
           </a:p>
         </p:txBody>
       </p:sp>
@@ -2323,30 +2343,30 @@
           <a:p>
             <a:pPr lvl="0"/>
             <a:r>
+              <a:rPr lang="en-US"/>
+              <a:t>Click to edit Master text styles</a:t>
+            </a:r>
+          </a:p>
+        </p:txBody>
+      </p:sp>
+      <p:sp>
+        <p:nvSpPr>
+          <p:cNvPr id="5" name="Date Placeholder 4"/>
+          <p:cNvSpPr>
+            <a:spLocks noGrp="1"/>
+          </p:cNvSpPr>
+          <p:nvPr>
+            <p:ph type="dt" sz="half" idx="10"/>
+          </p:nvPr>
+        </p:nvSpPr>
+        <p:spPr/>
+        <p:txBody>
+          <a:bodyPr/>
+          <a:lstStyle/>
+          <a:p>
+            <a:fld id="{846CE7D5-CF57-46EF-B807-FDD0502418D4}" type="datetimeFigureOut">
               <a:rPr lang="en-US" smtClean="0"/>
-              <a:t>Edit Master text styles</a:t>
-            </a:r>
-          </a:p>
-        </p:txBody>
-      </p:sp>
-      <p:sp>
-        <p:nvSpPr>
-          <p:cNvPr id="5" name="Date Placeholder 4"/>
-          <p:cNvSpPr>
-            <a:spLocks noGrp="1"/>
-          </p:cNvSpPr>
-          <p:nvPr>
-            <p:ph type="dt" sz="half" idx="10"/>
-          </p:nvPr>
-        </p:nvSpPr>
-        <p:spPr/>
-        <p:txBody>
-          <a:bodyPr/>
-          <a:lstStyle/>
-          <a:p>
-            <a:fld id="{D6329362-494F-4DE8-9AA7-4CB08A6006A3}" type="datetimeFigureOut">
-              <a:rPr lang="en-US" smtClean="0"/>
-              <a:t>5/10/2022</a:t>
+              <a:t>5/11/2022</a:t>
             </a:fld>
             <a:endParaRPr lang="en-US"/>
           </a:p>
@@ -2386,7 +2406,7 @@
           <a:bodyPr/>
           <a:lstStyle/>
           <a:p>
-            <a:fld id="{061C5EF3-7C87-418C-B089-1248F3E012EC}" type="slidenum">
+            <a:fld id="{330EA680-D336-4FF7-8B7A-9848BB0A1C32}" type="slidenum">
               <a:rPr lang="en-US" smtClean="0"/>
               <a:t>‹#›</a:t>
             </a:fld>
@@ -2397,7 +2417,7 @@
     </p:spTree>
     <p:extLst>
       <p:ext uri="{BB962C8B-B14F-4D97-AF65-F5344CB8AC3E}">
-        <p14:creationId xmlns:p14="http://schemas.microsoft.com/office/powerpoint/2010/main" val="4128975642"/>
+        <p14:creationId xmlns:p14="http://schemas.microsoft.com/office/powerpoint/2010/main" val="1718958274"/>
       </p:ext>
     </p:extLst>
   </p:cSld>
@@ -2455,10 +2475,10 @@
           <a:lstStyle/>
           <a:p>
             <a:r>
-              <a:rPr lang="en-US" smtClean="0"/>
+              <a:rPr lang="en-US"/>
               <a:t>Click to edit Master title style</a:t>
             </a:r>
-            <a:endParaRPr lang="en-US"/>
+            <a:endParaRPr lang="en-US" dirty="0"/>
           </a:p>
         </p:txBody>
       </p:sp>
@@ -2489,38 +2509,38 @@
           <a:p>
             <a:pPr lvl="0"/>
             <a:r>
-              <a:rPr lang="en-US" smtClean="0"/>
-              <a:t>Edit Master text styles</a:t>
+              <a:rPr lang="en-US"/>
+              <a:t>Click to edit Master text styles</a:t>
             </a:r>
           </a:p>
           <a:p>
             <a:pPr lvl="1"/>
             <a:r>
-              <a:rPr lang="en-US" smtClean="0"/>
+              <a:rPr lang="en-US"/>
               <a:t>Second level</a:t>
             </a:r>
           </a:p>
           <a:p>
             <a:pPr lvl="2"/>
             <a:r>
-              <a:rPr lang="en-US" smtClean="0"/>
+              <a:rPr lang="en-US"/>
               <a:t>Third level</a:t>
             </a:r>
           </a:p>
           <a:p>
             <a:pPr lvl="3"/>
             <a:r>
-              <a:rPr lang="en-US" smtClean="0"/>
+              <a:rPr lang="en-US"/>
               <a:t>Fourth level</a:t>
             </a:r>
           </a:p>
           <a:p>
             <a:pPr lvl="4"/>
             <a:r>
-              <a:rPr lang="en-US" smtClean="0"/>
+              <a:rPr lang="en-US"/>
               <a:t>Fifth level</a:t>
             </a:r>
-            <a:endParaRPr lang="en-US"/>
+            <a:endParaRPr lang="en-US" dirty="0"/>
           </a:p>
         </p:txBody>
       </p:sp>
@@ -2557,9 +2577,9 @@
             </a:lvl1pPr>
           </a:lstStyle>
           <a:p>
-            <a:fld id="{D6329362-494F-4DE8-9AA7-4CB08A6006A3}" type="datetimeFigureOut">
+            <a:fld id="{846CE7D5-CF57-46EF-B807-FDD0502418D4}" type="datetimeFigureOut">
               <a:rPr lang="en-US" smtClean="0"/>
-              <a:t>5/10/2022</a:t>
+              <a:t>5/11/2022</a:t>
             </a:fld>
             <a:endParaRPr lang="en-US"/>
           </a:p>
@@ -2635,7 +2655,7 @@
             </a:lvl1pPr>
           </a:lstStyle>
           <a:p>
-            <a:fld id="{061C5EF3-7C87-418C-B089-1248F3E012EC}" type="slidenum">
+            <a:fld id="{330EA680-D336-4FF7-8B7A-9848BB0A1C32}" type="slidenum">
               <a:rPr lang="en-US" smtClean="0"/>
               <a:t>‹#›</a:t>
             </a:fld>
@@ -2646,23 +2666,23 @@
     </p:spTree>
     <p:extLst>
       <p:ext uri="{BB962C8B-B14F-4D97-AF65-F5344CB8AC3E}">
-        <p14:creationId xmlns:p14="http://schemas.microsoft.com/office/powerpoint/2010/main" val="2646881765"/>
+        <p14:creationId xmlns:p14="http://schemas.microsoft.com/office/powerpoint/2010/main" val="2460954070"/>
       </p:ext>
     </p:extLst>
   </p:cSld>
   <p:clrMap bg1="lt1" tx1="dk1" bg2="lt2" tx2="dk2" accent1="accent1" accent2="accent2" accent3="accent3" accent4="accent4" accent5="accent5" accent6="accent6" hlink="hlink" folHlink="folHlink"/>
   <p:sldLayoutIdLst>
-    <p:sldLayoutId id="2147483649" r:id="rId1"/>
-    <p:sldLayoutId id="2147483650" r:id="rId2"/>
-    <p:sldLayoutId id="2147483651" r:id="rId3"/>
-    <p:sldLayoutId id="2147483652" r:id="rId4"/>
-    <p:sldLayoutId id="2147483653" r:id="rId5"/>
-    <p:sldLayoutId id="2147483654" r:id="rId6"/>
-    <p:sldLayoutId id="2147483655" r:id="rId7"/>
-    <p:sldLayoutId id="2147483656" r:id="rId8"/>
-    <p:sldLayoutId id="2147483657" r:id="rId9"/>
-    <p:sldLayoutId id="2147483658" r:id="rId10"/>
-    <p:sldLayoutId id="2147483659" r:id="rId11"/>
+    <p:sldLayoutId id="2147483661" r:id="rId1"/>
+    <p:sldLayoutId id="2147483662" r:id="rId2"/>
+    <p:sldLayoutId id="2147483663" r:id="rId3"/>
+    <p:sldLayoutId id="2147483664" r:id="rId4"/>
+    <p:sldLayoutId id="2147483665" r:id="rId5"/>
+    <p:sldLayoutId id="2147483666" r:id="rId6"/>
+    <p:sldLayoutId id="2147483667" r:id="rId7"/>
+    <p:sldLayoutId id="2147483668" r:id="rId8"/>
+    <p:sldLayoutId id="2147483669" r:id="rId9"/>
+    <p:sldLayoutId id="2147483670" r:id="rId10"/>
+    <p:sldLayoutId id="2147483671" r:id="rId11"/>
   </p:sldLayoutIdLst>
   <p:txStyles>
     <p:titleStyle>
@@ -2950,6 +2970,14 @@
 <file path=ppt/slides/slide1.xml><?xml version="1.0" encoding="utf-8"?>
 <p:sld xmlns:a="http://schemas.openxmlformats.org/drawingml/2006/main" xmlns:r="http://schemas.openxmlformats.org/officeDocument/2006/relationships" xmlns:p="http://schemas.openxmlformats.org/presentationml/2006/main">
   <p:cSld>
+    <p:bg>
+      <p:bgPr>
+        <a:solidFill>
+          <a:schemeClr val="bg1"/>
+        </a:solidFill>
+        <a:effectLst/>
+      </p:bgPr>
+    </p:bg>
     <p:spTree>
       <p:nvGrpSpPr>
         <p:cNvPr id="1" name=""/>
@@ -2964,6 +2992,186 @@
           <a:chExt cx="0" cy="0"/>
         </a:xfrm>
       </p:grpSpPr>
+      <p:sp useBgFill="1">
+        <p:nvSpPr>
+          <p:cNvPr id="34" name="Rectangle 33">
+            <a:extLst>
+              <a:ext uri="{FF2B5EF4-FFF2-40B4-BE49-F238E27FC236}">
+                <a16:creationId xmlns:a16="http://schemas.microsoft.com/office/drawing/2014/main" id="{5A59F003-E00A-43F9-91DC-CC54E3B87466}"/>
+              </a:ext>
+              <a:ext uri="{C183D7F6-B498-43B3-948B-1728B52AA6E4}">
+                <adec:decorative xmlns:adec="http://schemas.microsoft.com/office/drawing/2017/decorative" val="1"/>
+              </a:ext>
+            </a:extLst>
+          </p:cNvPr>
+          <p:cNvSpPr>
+            <a:spLocks noGrp="1" noRot="1" noChangeAspect="1" noMove="1" noResize="1" noEditPoints="1" noAdjustHandles="1" noChangeArrowheads="1" noChangeShapeType="1" noTextEdit="1"/>
+          </p:cNvSpPr>
+          <p:nvPr>
+            <p:extLst>
+              <p:ext uri="{386F3935-93C4-4BCD-93E2-E3B085C9AB24}">
+                <p16:designElem xmlns:p16="http://schemas.microsoft.com/office/powerpoint/2015/main" val="1"/>
+              </p:ext>
+            </p:extLst>
+          </p:nvPr>
+        </p:nvSpPr>
+        <p:spPr>
+          <a:xfrm>
+            <a:off x="0" y="0"/>
+            <a:ext cx="12192000" cy="6858000"/>
+          </a:xfrm>
+          <a:prstGeom prst="rect">
+            <a:avLst/>
+          </a:prstGeom>
+          <a:ln>
+            <a:noFill/>
+          </a:ln>
+        </p:spPr>
+        <p:style>
+          <a:lnRef idx="2">
+            <a:schemeClr val="accent1">
+              <a:shade val="50000"/>
+            </a:schemeClr>
+          </a:lnRef>
+          <a:fillRef idx="1">
+            <a:schemeClr val="accent1"/>
+          </a:fillRef>
+          <a:effectRef idx="0">
+            <a:schemeClr val="accent1"/>
+          </a:effectRef>
+          <a:fontRef idx="minor">
+            <a:schemeClr val="lt1"/>
+          </a:fontRef>
+        </p:style>
+        <p:txBody>
+          <a:bodyPr rtlCol="0" anchor="ctr"/>
+          <a:lstStyle/>
+          <a:p>
+            <a:pPr algn="ctr"/>
+            <a:endParaRPr lang="en-US"/>
+          </a:p>
+        </p:txBody>
+      </p:sp>
+      <p:pic>
+        <p:nvPicPr>
+          <p:cNvPr id="4" name="Picture 4" descr="Icon&#10;&#10;Description automatically generated">
+            <a:extLst>
+              <a:ext uri="{FF2B5EF4-FFF2-40B4-BE49-F238E27FC236}">
+                <a16:creationId xmlns:a16="http://schemas.microsoft.com/office/drawing/2014/main" id="{25759BBB-016A-E621-31B5-67E01DF7CAEE}"/>
+              </a:ext>
+            </a:extLst>
+          </p:cNvPr>
+          <p:cNvPicPr>
+            <a:picLocks noChangeAspect="1"/>
+          </p:cNvPicPr>
+          <p:nvPr/>
+        </p:nvPicPr>
+        <p:blipFill rotWithShape="1">
+          <a:blip r:embed="rId2">
+            <a:extLst>
+              <a:ext uri="{837473B0-CC2E-450A-ABE3-18F120FF3D39}">
+                <a1611:picAttrSrcUrl xmlns:a1611="http://schemas.microsoft.com/office/drawing/2016/11/main" r:id="rId3"/>
+              </a:ext>
+            </a:extLst>
+          </a:blip>
+          <a:srcRect l="1389" t="28612" r="-1" b="10931"/>
+          <a:stretch/>
+        </p:blipFill>
+        <p:spPr>
+          <a:xfrm>
+            <a:off x="20" y="10"/>
+            <a:ext cx="12191981" cy="6857990"/>
+          </a:xfrm>
+          <a:prstGeom prst="rect">
+            <a:avLst/>
+          </a:prstGeom>
+        </p:spPr>
+      </p:pic>
+      <p:sp>
+        <p:nvSpPr>
+          <p:cNvPr id="36" name="Rectangle 35">
+            <a:extLst>
+              <a:ext uri="{FF2B5EF4-FFF2-40B4-BE49-F238E27FC236}">
+                <a16:creationId xmlns:a16="http://schemas.microsoft.com/office/drawing/2014/main" id="{D74A4382-E3AD-430A-9A1F-DFA3E0E77A7D}"/>
+              </a:ext>
+              <a:ext uri="{C183D7F6-B498-43B3-948B-1728B52AA6E4}">
+                <adec:decorative xmlns:adec="http://schemas.microsoft.com/office/drawing/2017/decorative" val="1"/>
+              </a:ext>
+            </a:extLst>
+          </p:cNvPr>
+          <p:cNvSpPr>
+            <a:spLocks noGrp="1" noRot="1" noChangeAspect="1" noMove="1" noResize="1" noEditPoints="1" noAdjustHandles="1" noChangeArrowheads="1" noChangeShapeType="1" noTextEdit="1"/>
+          </p:cNvSpPr>
+          <p:nvPr>
+            <p:extLst>
+              <p:ext uri="{386F3935-93C4-4BCD-93E2-E3B085C9AB24}">
+                <p16:designElem xmlns:p16="http://schemas.microsoft.com/office/powerpoint/2015/main" val="1"/>
+              </p:ext>
+            </p:extLst>
+          </p:nvPr>
+        </p:nvSpPr>
+        <p:spPr>
+          <a:xfrm rot="16200000">
+            <a:off x="3799868" y="-1534136"/>
+            <a:ext cx="4592270" cy="12192001"/>
+          </a:xfrm>
+          <a:prstGeom prst="rect">
+            <a:avLst/>
+          </a:prstGeom>
+          <a:gradFill>
+            <a:gsLst>
+              <a:gs pos="35000">
+                <a:schemeClr val="bg1">
+                  <a:alpha val="46000"/>
+                </a:schemeClr>
+              </a:gs>
+              <a:gs pos="21000">
+                <a:schemeClr val="bg1">
+                  <a:alpha val="30000"/>
+                </a:schemeClr>
+              </a:gs>
+              <a:gs pos="0">
+                <a:schemeClr val="bg1">
+                  <a:alpha val="0"/>
+                </a:schemeClr>
+              </a:gs>
+              <a:gs pos="100000">
+                <a:schemeClr val="bg1">
+                  <a:alpha val="90000"/>
+                </a:schemeClr>
+              </a:gs>
+            </a:gsLst>
+            <a:lin ang="10800000" scaled="0"/>
+          </a:gradFill>
+          <a:ln>
+            <a:noFill/>
+          </a:ln>
+        </p:spPr>
+        <p:style>
+          <a:lnRef idx="2">
+            <a:schemeClr val="accent1">
+              <a:shade val="50000"/>
+            </a:schemeClr>
+          </a:lnRef>
+          <a:fillRef idx="1">
+            <a:schemeClr val="accent1"/>
+          </a:fillRef>
+          <a:effectRef idx="0">
+            <a:schemeClr val="accent1"/>
+          </a:effectRef>
+          <a:fontRef idx="minor">
+            <a:schemeClr val="lt1"/>
+          </a:fontRef>
+        </p:style>
+        <p:txBody>
+          <a:bodyPr rtlCol="0" anchor="ctr"/>
+          <a:lstStyle/>
+          <a:p>
+            <a:pPr algn="ctr"/>
+            <a:endParaRPr lang="en-US" dirty="0"/>
+          </a:p>
+        </p:txBody>
+      </p:sp>
       <p:sp>
         <p:nvSpPr>
           <p:cNvPr id="2" name="Title 1"/>
@@ -2974,11 +3182,84 @@
             <p:ph type="ctrTitle"/>
           </p:nvPr>
         </p:nvSpPr>
-        <p:spPr/>
-        <p:txBody>
-          <a:bodyPr/>
-          <a:lstStyle/>
-          <a:p>
+        <p:spPr>
+          <a:xfrm>
+            <a:off x="404553" y="3091928"/>
+            <a:ext cx="9078562" cy="2387600"/>
+          </a:xfrm>
+        </p:spPr>
+        <p:txBody>
+          <a:bodyPr>
+            <a:normAutofit/>
+          </a:bodyPr>
+          <a:lstStyle/>
+          <a:p>
+            <a:pPr algn="l"/>
+            <a:endParaRPr lang="en-US" sz="6600"/>
+          </a:p>
+        </p:txBody>
+      </p:sp>
+      <p:sp>
+        <p:nvSpPr>
+          <p:cNvPr id="38" name="Rectangle: Rounded Corners 37">
+            <a:extLst>
+              <a:ext uri="{FF2B5EF4-FFF2-40B4-BE49-F238E27FC236}">
+                <a16:creationId xmlns:a16="http://schemas.microsoft.com/office/drawing/2014/main" id="{79F40191-0F44-4FD1-82CC-ACB507C14BE6}"/>
+              </a:ext>
+              <a:ext uri="{C183D7F6-B498-43B3-948B-1728B52AA6E4}">
+                <adec:decorative xmlns:adec="http://schemas.microsoft.com/office/drawing/2017/decorative" val="1"/>
+              </a:ext>
+            </a:extLst>
+          </p:cNvPr>
+          <p:cNvSpPr>
+            <a:spLocks noGrp="1" noRot="1" noChangeAspect="1" noMove="1" noResize="1" noEditPoints="1" noAdjustHandles="1" noChangeArrowheads="1" noChangeShapeType="1" noTextEdit="1"/>
+          </p:cNvSpPr>
+          <p:nvPr>
+            <p:extLst>
+              <p:ext uri="{386F3935-93C4-4BCD-93E2-E3B085C9AB24}">
+                <p16:designElem xmlns:p16="http://schemas.microsoft.com/office/powerpoint/2015/main" val="1"/>
+              </p:ext>
+            </p:extLst>
+          </p:nvPr>
+        </p:nvSpPr>
+        <p:spPr>
+          <a:xfrm>
+            <a:off x="0" y="5575039"/>
+            <a:ext cx="9785897" cy="685800"/>
+          </a:xfrm>
+          <a:prstGeom prst="roundRect">
+            <a:avLst>
+              <a:gd name="adj" fmla="val 0"/>
+            </a:avLst>
+          </a:prstGeom>
+          <a:solidFill>
+            <a:schemeClr val="accent2"/>
+          </a:solidFill>
+          <a:ln>
+            <a:noFill/>
+          </a:ln>
+        </p:spPr>
+        <p:style>
+          <a:lnRef idx="2">
+            <a:schemeClr val="accent1">
+              <a:shade val="50000"/>
+            </a:schemeClr>
+          </a:lnRef>
+          <a:fillRef idx="1">
+            <a:schemeClr val="accent1"/>
+          </a:fillRef>
+          <a:effectRef idx="0">
+            <a:schemeClr val="accent1"/>
+          </a:effectRef>
+          <a:fontRef idx="minor">
+            <a:schemeClr val="lt1"/>
+          </a:fontRef>
+        </p:style>
+        <p:txBody>
+          <a:bodyPr rtlCol="0" anchor="ctr"/>
+          <a:lstStyle/>
+          <a:p>
+            <a:pPr algn="ctr"/>
             <a:endParaRPr lang="en-US"/>
           </a:p>
         </p:txBody>
@@ -2993,11 +3274,19 @@
             <p:ph type="subTitle" idx="1"/>
           </p:nvPr>
         </p:nvSpPr>
-        <p:spPr/>
-        <p:txBody>
-          <a:bodyPr/>
-          <a:lstStyle/>
-          <a:p>
+        <p:spPr>
+          <a:xfrm>
+            <a:off x="404553" y="5624945"/>
+            <a:ext cx="9078562" cy="592975"/>
+          </a:xfrm>
+        </p:spPr>
+        <p:txBody>
+          <a:bodyPr anchor="ctr">
+            <a:normAutofit/>
+          </a:bodyPr>
+          <a:lstStyle/>
+          <a:p>
+            <a:pPr algn="l"/>
             <a:endParaRPr lang="en-US"/>
           </a:p>
         </p:txBody>
@@ -3005,7 +3294,1210 @@
     </p:spTree>
     <p:extLst>
       <p:ext uri="{BB962C8B-B14F-4D97-AF65-F5344CB8AC3E}">
-        <p14:creationId xmlns:p14="http://schemas.microsoft.com/office/powerpoint/2010/main" val="2926696088"/>
+        <p14:creationId xmlns:p14="http://schemas.microsoft.com/office/powerpoint/2010/main" val="109857222"/>
+      </p:ext>
+    </p:extLst>
+  </p:cSld>
+  <p:clrMapOvr>
+    <a:overrideClrMapping bg1="dk1" tx1="lt1" bg2="dk2" tx2="lt2" accent1="accent1" accent2="accent2" accent3="accent3" accent4="accent4" accent5="accent5" accent6="accent6" hlink="hlink" folHlink="folHlink"/>
+  </p:clrMapOvr>
+</p:sld>
+</file>
+
+<file path=ppt/slides/slide2.xml><?xml version="1.0" encoding="utf-8"?>
+<p:sld xmlns:a="http://schemas.openxmlformats.org/drawingml/2006/main" xmlns:r="http://schemas.openxmlformats.org/officeDocument/2006/relationships" xmlns:p="http://schemas.openxmlformats.org/presentationml/2006/main">
+  <p:cSld>
+    <p:bg>
+      <p:bgPr>
+        <a:solidFill>
+          <a:schemeClr val="bg1"/>
+        </a:solidFill>
+        <a:effectLst/>
+      </p:bgPr>
+    </p:bg>
+    <p:spTree>
+      <p:nvGrpSpPr>
+        <p:cNvPr id="1" name=""/>
+        <p:cNvGrpSpPr/>
+        <p:nvPr/>
+      </p:nvGrpSpPr>
+      <p:grpSpPr>
+        <a:xfrm>
+          <a:off x="0" y="0"/>
+          <a:ext cx="0" cy="0"/>
+          <a:chOff x="0" y="0"/>
+          <a:chExt cx="0" cy="0"/>
+        </a:xfrm>
+      </p:grpSpPr>
+      <p:sp useBgFill="1">
+        <p:nvSpPr>
+          <p:cNvPr id="8" name="Rectangle 7">
+            <a:extLst>
+              <a:ext uri="{FF2B5EF4-FFF2-40B4-BE49-F238E27FC236}">
+                <a16:creationId xmlns:a16="http://schemas.microsoft.com/office/drawing/2014/main" id="{DAF1966E-FD40-4A4A-B61B-C4DF7FA05F06}"/>
+              </a:ext>
+              <a:ext uri="{C183D7F6-B498-43B3-948B-1728B52AA6E4}">
+                <adec:decorative xmlns:adec="http://schemas.microsoft.com/office/drawing/2017/decorative" val="1"/>
+              </a:ext>
+            </a:extLst>
+          </p:cNvPr>
+          <p:cNvSpPr>
+            <a:spLocks noGrp="1" noRot="1" noChangeAspect="1" noMove="1" noResize="1" noEditPoints="1" noAdjustHandles="1" noChangeArrowheads="1" noChangeShapeType="1" noTextEdit="1"/>
+          </p:cNvSpPr>
+          <p:nvPr>
+            <p:extLst>
+              <p:ext uri="{386F3935-93C4-4BCD-93E2-E3B085C9AB24}">
+                <p16:designElem xmlns:p16="http://schemas.microsoft.com/office/powerpoint/2015/main" val="1"/>
+              </p:ext>
+            </p:extLst>
+          </p:nvPr>
+        </p:nvSpPr>
+        <p:spPr>
+          <a:xfrm>
+            <a:off x="0" y="0"/>
+            <a:ext cx="12192000" cy="6858000"/>
+          </a:xfrm>
+          <a:prstGeom prst="rect">
+            <a:avLst/>
+          </a:prstGeom>
+          <a:ln>
+            <a:noFill/>
+          </a:ln>
+        </p:spPr>
+        <p:style>
+          <a:lnRef idx="2">
+            <a:schemeClr val="accent1">
+              <a:shade val="50000"/>
+            </a:schemeClr>
+          </a:lnRef>
+          <a:fillRef idx="1">
+            <a:schemeClr val="accent1"/>
+          </a:fillRef>
+          <a:effectRef idx="0">
+            <a:schemeClr val="accent1"/>
+          </a:effectRef>
+          <a:fontRef idx="minor">
+            <a:schemeClr val="lt1"/>
+          </a:fontRef>
+        </p:style>
+        <p:txBody>
+          <a:bodyPr rtlCol="0" anchor="ctr"/>
+          <a:lstStyle/>
+          <a:p>
+            <a:pPr algn="ctr"/>
+            <a:endParaRPr lang="en-US"/>
+          </a:p>
+        </p:txBody>
+      </p:sp>
+      <p:sp useBgFill="1">
+        <p:nvSpPr>
+          <p:cNvPr id="10" name="Rectangle 9">
+            <a:extLst>
+              <a:ext uri="{FF2B5EF4-FFF2-40B4-BE49-F238E27FC236}">
+                <a16:creationId xmlns:a16="http://schemas.microsoft.com/office/drawing/2014/main" id="{047BFA19-D45E-416B-A404-7AF2F3F27017}"/>
+              </a:ext>
+              <a:ext uri="{C183D7F6-B498-43B3-948B-1728B52AA6E4}">
+                <adec:decorative xmlns:adec="http://schemas.microsoft.com/office/drawing/2017/decorative" val="1"/>
+              </a:ext>
+            </a:extLst>
+          </p:cNvPr>
+          <p:cNvSpPr>
+            <a:spLocks noGrp="1" noRot="1" noChangeAspect="1" noMove="1" noResize="1" noEditPoints="1" noAdjustHandles="1" noChangeArrowheads="1" noChangeShapeType="1" noTextEdit="1"/>
+          </p:cNvSpPr>
+          <p:nvPr>
+            <p:extLst>
+              <p:ext uri="{386F3935-93C4-4BCD-93E2-E3B085C9AB24}">
+                <p16:designElem xmlns:p16="http://schemas.microsoft.com/office/powerpoint/2015/main" val="1"/>
+              </p:ext>
+            </p:extLst>
+          </p:nvPr>
+        </p:nvSpPr>
+        <p:spPr>
+          <a:xfrm>
+            <a:off x="558209" y="0"/>
+            <a:ext cx="11167447" cy="2018806"/>
+          </a:xfrm>
+          <a:prstGeom prst="rect">
+            <a:avLst/>
+          </a:prstGeom>
+          <a:ln w="9525">
+            <a:solidFill>
+              <a:srgbClr val="E1E1E1"/>
+            </a:solidFill>
+          </a:ln>
+          <a:effectLst>
+            <a:outerShdw blurRad="50800" dist="38100" dir="2700000" algn="tl" rotWithShape="0">
+              <a:schemeClr val="bg1">
+                <a:lumMod val="85000"/>
+                <a:alpha val="50000"/>
+              </a:schemeClr>
+            </a:outerShdw>
+          </a:effectLst>
+        </p:spPr>
+        <p:style>
+          <a:lnRef idx="2">
+            <a:schemeClr val="accent1">
+              <a:shade val="50000"/>
+            </a:schemeClr>
+          </a:lnRef>
+          <a:fillRef idx="1">
+            <a:schemeClr val="accent1"/>
+          </a:fillRef>
+          <a:effectRef idx="0">
+            <a:schemeClr val="accent1"/>
+          </a:effectRef>
+          <a:fontRef idx="minor">
+            <a:schemeClr val="lt1"/>
+          </a:fontRef>
+        </p:style>
+        <p:txBody>
+          <a:bodyPr rtlCol="0" anchor="ctr"/>
+          <a:lstStyle/>
+          <a:p>
+            <a:pPr marL="0" marR="0" lvl="0" indent="0" algn="ctr" defTabSz="914400" rtl="0" eaLnBrk="1" fontAlgn="auto" latinLnBrk="0" hangingPunct="1">
+              <a:lnSpc>
+                <a:spcPct val="100000"/>
+              </a:lnSpc>
+              <a:spcBef>
+                <a:spcPts val="0"/>
+              </a:spcBef>
+              <a:spcAft>
+                <a:spcPts val="0"/>
+              </a:spcAft>
+              <a:buClrTx/>
+              <a:buSzTx/>
+              <a:buFontTx/>
+              <a:buNone/>
+              <a:tabLst/>
+              <a:defRPr/>
+            </a:pPr>
+            <a:endParaRPr kumimoji="0" lang="en-US" sz="1800" b="0" i="0" u="none" strike="noStrike" kern="1200" cap="none" spc="0" normalizeH="0" baseline="0" noProof="0">
+              <a:ln>
+                <a:noFill/>
+              </a:ln>
+              <a:solidFill>
+                <a:prstClr val="white"/>
+              </a:solidFill>
+              <a:effectLst/>
+              <a:uLnTx/>
+              <a:uFillTx/>
+              <a:latin typeface="Calibri" panose="020F0502020204030204"/>
+              <a:ea typeface="+mn-ea"/>
+              <a:cs typeface="+mn-cs"/>
+            </a:endParaRPr>
+          </a:p>
+        </p:txBody>
+      </p:sp>
+      <p:sp useBgFill="1">
+        <p:nvSpPr>
+          <p:cNvPr id="12" name="Rectangle 11">
+            <a:extLst>
+              <a:ext uri="{FF2B5EF4-FFF2-40B4-BE49-F238E27FC236}">
+                <a16:creationId xmlns:a16="http://schemas.microsoft.com/office/drawing/2014/main" id="{8E0105E7-23DB-4CF2-8258-FF47C7620F6E}"/>
+              </a:ext>
+              <a:ext uri="{C183D7F6-B498-43B3-948B-1728B52AA6E4}">
+                <adec:decorative xmlns:adec="http://schemas.microsoft.com/office/drawing/2017/decorative" val="1"/>
+              </a:ext>
+            </a:extLst>
+          </p:cNvPr>
+          <p:cNvSpPr>
+            <a:spLocks noGrp="1" noRot="1" noChangeAspect="1" noMove="1" noResize="1" noEditPoints="1" noAdjustHandles="1" noChangeArrowheads="1" noChangeShapeType="1" noTextEdit="1"/>
+          </p:cNvSpPr>
+          <p:nvPr>
+            <p:extLst>
+              <p:ext uri="{386F3935-93C4-4BCD-93E2-E3B085C9AB24}">
+                <p16:designElem xmlns:p16="http://schemas.microsoft.com/office/powerpoint/2015/main" val="1"/>
+              </p:ext>
+            </p:extLst>
+          </p:nvPr>
+        </p:nvSpPr>
+        <p:spPr>
+          <a:xfrm>
+            <a:off x="566928" y="0"/>
+            <a:ext cx="11155680" cy="2011680"/>
+          </a:xfrm>
+          <a:prstGeom prst="rect">
+            <a:avLst/>
+          </a:prstGeom>
+          <a:ln w="9525">
+            <a:noFill/>
+          </a:ln>
+          <a:effectLst/>
+        </p:spPr>
+        <p:style>
+          <a:lnRef idx="2">
+            <a:schemeClr val="accent1">
+              <a:shade val="50000"/>
+            </a:schemeClr>
+          </a:lnRef>
+          <a:fillRef idx="1">
+            <a:schemeClr val="accent1"/>
+          </a:fillRef>
+          <a:effectRef idx="0">
+            <a:schemeClr val="accent1"/>
+          </a:effectRef>
+          <a:fontRef idx="minor">
+            <a:schemeClr val="lt1"/>
+          </a:fontRef>
+        </p:style>
+        <p:txBody>
+          <a:bodyPr rtlCol="0" anchor="ctr"/>
+          <a:lstStyle/>
+          <a:p>
+            <a:pPr marL="0" marR="0" lvl="0" indent="0" algn="ctr" defTabSz="914400" rtl="0" eaLnBrk="1" fontAlgn="auto" latinLnBrk="0" hangingPunct="1">
+              <a:lnSpc>
+                <a:spcPct val="100000"/>
+              </a:lnSpc>
+              <a:spcBef>
+                <a:spcPts val="0"/>
+              </a:spcBef>
+              <a:spcAft>
+                <a:spcPts val="0"/>
+              </a:spcAft>
+              <a:buClrTx/>
+              <a:buSzTx/>
+              <a:buFontTx/>
+              <a:buNone/>
+              <a:tabLst/>
+              <a:defRPr/>
+            </a:pPr>
+            <a:endParaRPr kumimoji="0" lang="en-US" sz="1800" b="0" i="0" u="none" strike="noStrike" kern="1200" cap="none" spc="0" normalizeH="0" baseline="0" noProof="0">
+              <a:ln>
+                <a:noFill/>
+              </a:ln>
+              <a:solidFill>
+                <a:prstClr val="white"/>
+              </a:solidFill>
+              <a:effectLst/>
+              <a:uLnTx/>
+              <a:uFillTx/>
+              <a:latin typeface="Calibri" panose="020F0502020204030204"/>
+              <a:ea typeface="+mn-ea"/>
+              <a:cs typeface="+mn-cs"/>
+            </a:endParaRPr>
+          </a:p>
+        </p:txBody>
+      </p:sp>
+      <p:sp>
+        <p:nvSpPr>
+          <p:cNvPr id="2" name="Title 1">
+            <a:extLst>
+              <a:ext uri="{FF2B5EF4-FFF2-40B4-BE49-F238E27FC236}">
+                <a16:creationId xmlns:a16="http://schemas.microsoft.com/office/drawing/2014/main" id="{82CF4B60-062A-25CD-E448-6C8255EEF9CC}"/>
+              </a:ext>
+            </a:extLst>
+          </p:cNvPr>
+          <p:cNvSpPr>
+            <a:spLocks noGrp="1"/>
+          </p:cNvSpPr>
+          <p:nvPr>
+            <p:ph type="title"/>
+          </p:nvPr>
+        </p:nvSpPr>
+        <p:spPr>
+          <a:xfrm>
+            <a:off x="1115568" y="548640"/>
+            <a:ext cx="10168128" cy="1179576"/>
+          </a:xfrm>
+        </p:spPr>
+        <p:txBody>
+          <a:bodyPr>
+            <a:normAutofit/>
+          </a:bodyPr>
+          <a:lstStyle/>
+          <a:p>
+            <a:endParaRPr lang="en-US" sz="4000"/>
+          </a:p>
+        </p:txBody>
+      </p:sp>
+      <p:sp>
+        <p:nvSpPr>
+          <p:cNvPr id="14" name="Rectangle 13">
+            <a:extLst>
+              <a:ext uri="{FF2B5EF4-FFF2-40B4-BE49-F238E27FC236}">
+                <a16:creationId xmlns:a16="http://schemas.microsoft.com/office/drawing/2014/main" id="{074B4F7D-14B2-478B-8BF5-01E4E0C5D263}"/>
+              </a:ext>
+              <a:ext uri="{C183D7F6-B498-43B3-948B-1728B52AA6E4}">
+                <adec:decorative xmlns:adec="http://schemas.microsoft.com/office/drawing/2017/decorative" val="1"/>
+              </a:ext>
+            </a:extLst>
+          </p:cNvPr>
+          <p:cNvSpPr>
+            <a:spLocks noGrp="1" noRot="1" noChangeAspect="1" noMove="1" noResize="1" noEditPoints="1" noAdjustHandles="1" noChangeArrowheads="1" noChangeShapeType="1" noTextEdit="1"/>
+          </p:cNvSpPr>
+          <p:nvPr>
+            <p:extLst>
+              <p:ext uri="{386F3935-93C4-4BCD-93E2-E3B085C9AB24}">
+                <p16:designElem xmlns:p16="http://schemas.microsoft.com/office/powerpoint/2015/main" val="1"/>
+              </p:ext>
+            </p:extLst>
+          </p:nvPr>
+        </p:nvSpPr>
+        <p:spPr>
+          <a:xfrm>
+            <a:off x="498834" y="758952"/>
+            <a:ext cx="128016" cy="704088"/>
+          </a:xfrm>
+          <a:prstGeom prst="rect">
+            <a:avLst/>
+          </a:prstGeom>
+          <a:solidFill>
+            <a:schemeClr val="accent2"/>
+          </a:solidFill>
+          <a:ln>
+            <a:noFill/>
+          </a:ln>
+        </p:spPr>
+        <p:style>
+          <a:lnRef idx="2">
+            <a:schemeClr val="accent1">
+              <a:shade val="50000"/>
+            </a:schemeClr>
+          </a:lnRef>
+          <a:fillRef idx="1">
+            <a:schemeClr val="accent1"/>
+          </a:fillRef>
+          <a:effectRef idx="0">
+            <a:schemeClr val="accent1"/>
+          </a:effectRef>
+          <a:fontRef idx="minor">
+            <a:schemeClr val="lt1"/>
+          </a:fontRef>
+        </p:style>
+        <p:txBody>
+          <a:bodyPr rtlCol="0" anchor="ctr"/>
+          <a:lstStyle/>
+          <a:p>
+            <a:pPr algn="ctr"/>
+            <a:endParaRPr lang="en-US">
+              <a:solidFill>
+                <a:prstClr val="white"/>
+              </a:solidFill>
+              <a:latin typeface="Calibri" panose="020F0502020204030204"/>
+            </a:endParaRPr>
+          </a:p>
+        </p:txBody>
+      </p:sp>
+      <p:sp>
+        <p:nvSpPr>
+          <p:cNvPr id="3" name="Content Placeholder 2">
+            <a:extLst>
+              <a:ext uri="{FF2B5EF4-FFF2-40B4-BE49-F238E27FC236}">
+                <a16:creationId xmlns:a16="http://schemas.microsoft.com/office/drawing/2014/main" id="{E43BD06B-906D-5C9C-E517-52B27F705E94}"/>
+              </a:ext>
+            </a:extLst>
+          </p:cNvPr>
+          <p:cNvSpPr>
+            <a:spLocks noGrp="1"/>
+          </p:cNvSpPr>
+          <p:nvPr>
+            <p:ph idx="1"/>
+          </p:nvPr>
+        </p:nvSpPr>
+        <p:spPr>
+          <a:xfrm>
+            <a:off x="1115568" y="2481943"/>
+            <a:ext cx="10168128" cy="3695020"/>
+          </a:xfrm>
+        </p:spPr>
+        <p:txBody>
+          <a:bodyPr>
+            <a:normAutofit/>
+          </a:bodyPr>
+          <a:lstStyle/>
+          <a:p>
+            <a:endParaRPr lang="en-US" sz="2200"/>
+          </a:p>
+        </p:txBody>
+      </p:sp>
+    </p:spTree>
+    <p:extLst>
+      <p:ext uri="{BB962C8B-B14F-4D97-AF65-F5344CB8AC3E}">
+        <p14:creationId xmlns:p14="http://schemas.microsoft.com/office/powerpoint/2010/main" val="3588266802"/>
+      </p:ext>
+    </p:extLst>
+  </p:cSld>
+  <p:clrMapOvr>
+    <a:masterClrMapping/>
+  </p:clrMapOvr>
+</p:sld>
+</file>
+
+<file path=ppt/slides/slide3.xml><?xml version="1.0" encoding="utf-8"?>
+<p:sld xmlns:a="http://schemas.openxmlformats.org/drawingml/2006/main" xmlns:r="http://schemas.openxmlformats.org/officeDocument/2006/relationships" xmlns:p="http://schemas.openxmlformats.org/presentationml/2006/main">
+  <p:cSld>
+    <p:bg>
+      <p:bgPr>
+        <a:solidFill>
+          <a:schemeClr val="bg1"/>
+        </a:solidFill>
+        <a:effectLst/>
+      </p:bgPr>
+    </p:bg>
+    <p:spTree>
+      <p:nvGrpSpPr>
+        <p:cNvPr id="1" name=""/>
+        <p:cNvGrpSpPr/>
+        <p:nvPr/>
+      </p:nvGrpSpPr>
+      <p:grpSpPr>
+        <a:xfrm>
+          <a:off x="0" y="0"/>
+          <a:ext cx="0" cy="0"/>
+          <a:chOff x="0" y="0"/>
+          <a:chExt cx="0" cy="0"/>
+        </a:xfrm>
+      </p:grpSpPr>
+      <p:sp useBgFill="1">
+        <p:nvSpPr>
+          <p:cNvPr id="8" name="Rectangle 7">
+            <a:extLst>
+              <a:ext uri="{FF2B5EF4-FFF2-40B4-BE49-F238E27FC236}">
+                <a16:creationId xmlns:a16="http://schemas.microsoft.com/office/drawing/2014/main" id="{907EF6B7-1338-4443-8C46-6A318D952DFD}"/>
+              </a:ext>
+              <a:ext uri="{C183D7F6-B498-43B3-948B-1728B52AA6E4}">
+                <adec:decorative xmlns:adec="http://schemas.microsoft.com/office/drawing/2017/decorative" val="1"/>
+              </a:ext>
+            </a:extLst>
+          </p:cNvPr>
+          <p:cNvSpPr>
+            <a:spLocks noGrp="1" noRot="1" noChangeAspect="1" noMove="1" noResize="1" noEditPoints="1" noAdjustHandles="1" noChangeArrowheads="1" noChangeShapeType="1" noTextEdit="1"/>
+          </p:cNvSpPr>
+          <p:nvPr>
+            <p:extLst>
+              <p:ext uri="{386F3935-93C4-4BCD-93E2-E3B085C9AB24}">
+                <p16:designElem xmlns:p16="http://schemas.microsoft.com/office/powerpoint/2015/main" val="1"/>
+              </p:ext>
+            </p:extLst>
+          </p:nvPr>
+        </p:nvSpPr>
+        <p:spPr>
+          <a:xfrm>
+            <a:off x="3048" y="0"/>
+            <a:ext cx="12188952" cy="6858000"/>
+          </a:xfrm>
+          <a:prstGeom prst="rect">
+            <a:avLst/>
+          </a:prstGeom>
+          <a:ln>
+            <a:noFill/>
+          </a:ln>
+        </p:spPr>
+        <p:style>
+          <a:lnRef idx="2">
+            <a:schemeClr val="accent1">
+              <a:shade val="50000"/>
+            </a:schemeClr>
+          </a:lnRef>
+          <a:fillRef idx="1">
+            <a:schemeClr val="accent1"/>
+          </a:fillRef>
+          <a:effectRef idx="0">
+            <a:schemeClr val="accent1"/>
+          </a:effectRef>
+          <a:fontRef idx="minor">
+            <a:schemeClr val="lt1"/>
+          </a:fontRef>
+        </p:style>
+        <p:txBody>
+          <a:bodyPr rtlCol="0" anchor="ctr"/>
+          <a:lstStyle/>
+          <a:p>
+            <a:pPr algn="ctr"/>
+            <a:endParaRPr lang="en-US"/>
+          </a:p>
+        </p:txBody>
+      </p:sp>
+      <p:sp>
+        <p:nvSpPr>
+          <p:cNvPr id="10" name="Freeform: Shape 9">
+            <a:extLst>
+              <a:ext uri="{FF2B5EF4-FFF2-40B4-BE49-F238E27FC236}">
+                <a16:creationId xmlns:a16="http://schemas.microsoft.com/office/drawing/2014/main" id="{DAAE4CDD-124C-4DCF-9584-B6033B545DD5}"/>
+              </a:ext>
+              <a:ext uri="{C183D7F6-B498-43B3-948B-1728B52AA6E4}">
+                <adec:decorative xmlns:adec="http://schemas.microsoft.com/office/drawing/2017/decorative" val="1"/>
+              </a:ext>
+            </a:extLst>
+          </p:cNvPr>
+          <p:cNvSpPr>
+            <a:spLocks noGrp="1" noRot="1" noChangeAspect="1" noMove="1" noResize="1" noEditPoints="1" noAdjustHandles="1" noChangeArrowheads="1" noChangeShapeType="1" noTextEdit="1"/>
+          </p:cNvSpPr>
+          <p:nvPr>
+            <p:extLst>
+              <p:ext uri="{386F3935-93C4-4BCD-93E2-E3B085C9AB24}">
+                <p16:designElem xmlns:p16="http://schemas.microsoft.com/office/powerpoint/2015/main" val="1"/>
+              </p:ext>
+            </p:extLst>
+          </p:nvPr>
+        </p:nvSpPr>
+        <p:spPr>
+          <a:xfrm>
+            <a:off x="1" y="0"/>
+            <a:ext cx="4167271" cy="6858000"/>
+          </a:xfrm>
+          <a:custGeom>
+            <a:avLst/>
+            <a:gdLst>
+              <a:gd name="connsiteX0" fmla="*/ 0 w 4167271"/>
+              <a:gd name="connsiteY0" fmla="*/ 0 h 6858000"/>
+              <a:gd name="connsiteX1" fmla="*/ 2259550 w 4167271"/>
+              <a:gd name="connsiteY1" fmla="*/ 0 h 6858000"/>
+              <a:gd name="connsiteX2" fmla="*/ 2387803 w 4167271"/>
+              <a:gd name="connsiteY2" fmla="*/ 82222 h 6858000"/>
+              <a:gd name="connsiteX3" fmla="*/ 4167271 w 4167271"/>
+              <a:gd name="connsiteY3" fmla="*/ 3429000 h 6858000"/>
+              <a:gd name="connsiteX4" fmla="*/ 2387803 w 4167271"/>
+              <a:gd name="connsiteY4" fmla="*/ 6775779 h 6858000"/>
+              <a:gd name="connsiteX5" fmla="*/ 2259550 w 4167271"/>
+              <a:gd name="connsiteY5" fmla="*/ 6858000 h 6858000"/>
+              <a:gd name="connsiteX6" fmla="*/ 0 w 4167271"/>
+              <a:gd name="connsiteY6" fmla="*/ 6858000 h 6858000"/>
+            </a:gdLst>
+            <a:ahLst/>
+            <a:cxnLst>
+              <a:cxn ang="0">
+                <a:pos x="connsiteX0" y="connsiteY0"/>
+              </a:cxn>
+              <a:cxn ang="0">
+                <a:pos x="connsiteX1" y="connsiteY1"/>
+              </a:cxn>
+              <a:cxn ang="0">
+                <a:pos x="connsiteX2" y="connsiteY2"/>
+              </a:cxn>
+              <a:cxn ang="0">
+                <a:pos x="connsiteX3" y="connsiteY3"/>
+              </a:cxn>
+              <a:cxn ang="0">
+                <a:pos x="connsiteX4" y="connsiteY4"/>
+              </a:cxn>
+              <a:cxn ang="0">
+                <a:pos x="connsiteX5" y="connsiteY5"/>
+              </a:cxn>
+              <a:cxn ang="0">
+                <a:pos x="connsiteX6" y="connsiteY6"/>
+              </a:cxn>
+            </a:cxnLst>
+            <a:rect l="l" t="t" r="r" b="b"/>
+            <a:pathLst>
+              <a:path w="4167271" h="6858000">
+                <a:moveTo>
+                  <a:pt x="0" y="0"/>
+                </a:moveTo>
+                <a:lnTo>
+                  <a:pt x="2259550" y="0"/>
+                </a:lnTo>
+                <a:lnTo>
+                  <a:pt x="2387803" y="82222"/>
+                </a:lnTo>
+                <a:cubicBezTo>
+                  <a:pt x="3461407" y="807534"/>
+                  <a:pt x="4167271" y="2035835"/>
+                  <a:pt x="4167271" y="3429000"/>
+                </a:cubicBezTo>
+                <a:cubicBezTo>
+                  <a:pt x="4167271" y="4822165"/>
+                  <a:pt x="3461407" y="6050467"/>
+                  <a:pt x="2387803" y="6775779"/>
+                </a:cubicBezTo>
+                <a:lnTo>
+                  <a:pt x="2259550" y="6858000"/>
+                </a:lnTo>
+                <a:lnTo>
+                  <a:pt x="0" y="6858000"/>
+                </a:lnTo>
+                <a:close/>
+              </a:path>
+            </a:pathLst>
+          </a:custGeom>
+          <a:solidFill>
+            <a:schemeClr val="accent2"/>
+          </a:solidFill>
+          <a:ln>
+            <a:noFill/>
+          </a:ln>
+        </p:spPr>
+        <p:style>
+          <a:lnRef idx="2">
+            <a:schemeClr val="accent1">
+              <a:shade val="50000"/>
+            </a:schemeClr>
+          </a:lnRef>
+          <a:fillRef idx="1">
+            <a:schemeClr val="accent1"/>
+          </a:fillRef>
+          <a:effectRef idx="0">
+            <a:schemeClr val="accent1"/>
+          </a:effectRef>
+          <a:fontRef idx="minor">
+            <a:schemeClr val="lt1"/>
+          </a:fontRef>
+        </p:style>
+        <p:txBody>
+          <a:bodyPr rtlCol="0" anchor="ctr"/>
+          <a:lstStyle/>
+          <a:p>
+            <a:pPr algn="ctr"/>
+            <a:endParaRPr lang="en-US"/>
+          </a:p>
+        </p:txBody>
+      </p:sp>
+      <p:sp>
+        <p:nvSpPr>
+          <p:cNvPr id="2" name="Title 1">
+            <a:extLst>
+              <a:ext uri="{FF2B5EF4-FFF2-40B4-BE49-F238E27FC236}">
+                <a16:creationId xmlns:a16="http://schemas.microsoft.com/office/drawing/2014/main" id="{604CD088-9924-FDF8-32EA-64AD14C5DE41}"/>
+              </a:ext>
+            </a:extLst>
+          </p:cNvPr>
+          <p:cNvSpPr>
+            <a:spLocks noGrp="1"/>
+          </p:cNvSpPr>
+          <p:nvPr>
+            <p:ph type="title"/>
+          </p:nvPr>
+        </p:nvSpPr>
+        <p:spPr>
+          <a:xfrm>
+            <a:off x="686834" y="1153572"/>
+            <a:ext cx="3200400" cy="4461163"/>
+          </a:xfrm>
+        </p:spPr>
+        <p:txBody>
+          <a:bodyPr>
+            <a:normAutofit/>
+          </a:bodyPr>
+          <a:lstStyle/>
+          <a:p>
+            <a:endParaRPr lang="en-US">
+              <a:solidFill>
+                <a:srgbClr val="FFFFFF"/>
+              </a:solidFill>
+            </a:endParaRPr>
+          </a:p>
+        </p:txBody>
+      </p:sp>
+      <p:sp>
+        <p:nvSpPr>
+          <p:cNvPr id="12" name="Arc 11">
+            <a:extLst>
+              <a:ext uri="{FF2B5EF4-FFF2-40B4-BE49-F238E27FC236}">
+                <a16:creationId xmlns:a16="http://schemas.microsoft.com/office/drawing/2014/main" id="{081E4A58-353D-44AE-B2FC-2A74E2E400F7}"/>
+              </a:ext>
+              <a:ext uri="{C183D7F6-B498-43B3-948B-1728B52AA6E4}">
+                <adec:decorative xmlns:adec="http://schemas.microsoft.com/office/drawing/2017/decorative" val="1"/>
+              </a:ext>
+            </a:extLst>
+          </p:cNvPr>
+          <p:cNvSpPr>
+            <a:spLocks noGrp="1" noRot="1" noChangeAspect="1" noMove="1" noResize="1" noEditPoints="1" noAdjustHandles="1" noChangeArrowheads="1" noChangeShapeType="1" noTextEdit="1"/>
+          </p:cNvSpPr>
+          <p:nvPr>
+            <p:extLst>
+              <p:ext uri="{386F3935-93C4-4BCD-93E2-E3B085C9AB24}">
+                <p16:designElem xmlns:p16="http://schemas.microsoft.com/office/powerpoint/2015/main" val="1"/>
+              </p:ext>
+            </p:extLst>
+          </p:nvPr>
+        </p:nvSpPr>
+        <p:spPr>
+          <a:xfrm flipV="1">
+            <a:off x="7550402" y="2455479"/>
+            <a:ext cx="4083433" cy="4083433"/>
+          </a:xfrm>
+          <a:prstGeom prst="arc">
+            <a:avLst/>
+          </a:prstGeom>
+          <a:ln w="127000" cap="rnd">
+            <a:solidFill>
+              <a:schemeClr val="accent4"/>
+            </a:solidFill>
+            <a:prstDash val="dash"/>
+          </a:ln>
+        </p:spPr>
+        <p:style>
+          <a:lnRef idx="1">
+            <a:schemeClr val="accent1"/>
+          </a:lnRef>
+          <a:fillRef idx="0">
+            <a:schemeClr val="accent1"/>
+          </a:fillRef>
+          <a:effectRef idx="0">
+            <a:schemeClr val="accent1"/>
+          </a:effectRef>
+          <a:fontRef idx="minor">
+            <a:schemeClr val="tx1"/>
+          </a:fontRef>
+        </p:style>
+        <p:txBody>
+          <a:bodyPr rtlCol="0" anchor="ctr"/>
+          <a:lstStyle/>
+          <a:p>
+            <a:pPr algn="ctr"/>
+            <a:endParaRPr lang="en-US" dirty="0"/>
+          </a:p>
+        </p:txBody>
+      </p:sp>
+      <p:sp>
+        <p:nvSpPr>
+          <p:cNvPr id="3" name="Content Placeholder 2">
+            <a:extLst>
+              <a:ext uri="{FF2B5EF4-FFF2-40B4-BE49-F238E27FC236}">
+                <a16:creationId xmlns:a16="http://schemas.microsoft.com/office/drawing/2014/main" id="{506ECF03-3832-CE61-45EB-6C148D597A92}"/>
+              </a:ext>
+            </a:extLst>
+          </p:cNvPr>
+          <p:cNvSpPr>
+            <a:spLocks noGrp="1"/>
+          </p:cNvSpPr>
+          <p:nvPr>
+            <p:ph idx="1"/>
+          </p:nvPr>
+        </p:nvSpPr>
+        <p:spPr>
+          <a:xfrm>
+            <a:off x="4447308" y="591344"/>
+            <a:ext cx="6906491" cy="5585619"/>
+          </a:xfrm>
+        </p:spPr>
+        <p:txBody>
+          <a:bodyPr anchor="ctr">
+            <a:normAutofit/>
+          </a:bodyPr>
+          <a:lstStyle/>
+          <a:p>
+            <a:endParaRPr lang="en-US"/>
+          </a:p>
+        </p:txBody>
+      </p:sp>
+    </p:spTree>
+    <p:extLst>
+      <p:ext uri="{BB962C8B-B14F-4D97-AF65-F5344CB8AC3E}">
+        <p14:creationId xmlns:p14="http://schemas.microsoft.com/office/powerpoint/2010/main" val="4023284302"/>
+      </p:ext>
+    </p:extLst>
+  </p:cSld>
+  <p:clrMapOvr>
+    <a:masterClrMapping/>
+  </p:clrMapOvr>
+</p:sld>
+</file>
+
+<file path=ppt/slides/slide4.xml><?xml version="1.0" encoding="utf-8"?>
+<p:sld xmlns:a="http://schemas.openxmlformats.org/drawingml/2006/main" xmlns:r="http://schemas.openxmlformats.org/officeDocument/2006/relationships" xmlns:p="http://schemas.openxmlformats.org/presentationml/2006/main">
+  <p:cSld>
+    <p:spTree>
+      <p:nvGrpSpPr>
+        <p:cNvPr id="1" name=""/>
+        <p:cNvGrpSpPr/>
+        <p:nvPr/>
+      </p:nvGrpSpPr>
+      <p:grpSpPr>
+        <a:xfrm>
+          <a:off x="0" y="0"/>
+          <a:ext cx="0" cy="0"/>
+          <a:chOff x="0" y="0"/>
+          <a:chExt cx="0" cy="0"/>
+        </a:xfrm>
+      </p:grpSpPr>
+      <p:sp>
+        <p:nvSpPr>
+          <p:cNvPr id="2" name="Title 1">
+            <a:extLst>
+              <a:ext uri="{FF2B5EF4-FFF2-40B4-BE49-F238E27FC236}">
+                <a16:creationId xmlns:a16="http://schemas.microsoft.com/office/drawing/2014/main" id="{8AC341B6-BBCC-3905-A25B-CDE75303015C}"/>
+              </a:ext>
+            </a:extLst>
+          </p:cNvPr>
+          <p:cNvSpPr>
+            <a:spLocks noGrp="1"/>
+          </p:cNvSpPr>
+          <p:nvPr>
+            <p:ph type="title"/>
+          </p:nvPr>
+        </p:nvSpPr>
+        <p:spPr/>
+        <p:txBody>
+          <a:bodyPr/>
+          <a:lstStyle/>
+          <a:p>
+            <a:endParaRPr lang="en-US"/>
+          </a:p>
+        </p:txBody>
+      </p:sp>
+      <p:pic>
+        <p:nvPicPr>
+          <p:cNvPr id="4" name="Picture 4">
+            <a:extLst>
+              <a:ext uri="{FF2B5EF4-FFF2-40B4-BE49-F238E27FC236}">
+                <a16:creationId xmlns:a16="http://schemas.microsoft.com/office/drawing/2014/main" id="{6D147A27-89D4-0FD9-EB5C-7E04A3B37D25}"/>
+              </a:ext>
+            </a:extLst>
+          </p:cNvPr>
+          <p:cNvPicPr>
+            <a:picLocks noGrp="1" noChangeAspect="1"/>
+          </p:cNvPicPr>
+          <p:nvPr>
+            <p:ph idx="1"/>
+          </p:nvPr>
+        </p:nvPicPr>
+        <p:blipFill>
+          <a:blip r:embed="rId2"/>
+          <a:stretch>
+            <a:fillRect/>
+          </a:stretch>
+        </p:blipFill>
+        <p:spPr>
+          <a:xfrm>
+            <a:off x="9607316" y="2189816"/>
+            <a:ext cx="1841221" cy="1841221"/>
+          </a:xfrm>
+        </p:spPr>
+      </p:pic>
+      <p:pic>
+        <p:nvPicPr>
+          <p:cNvPr id="5" name="Picture 5">
+            <a:extLst>
+              <a:ext uri="{FF2B5EF4-FFF2-40B4-BE49-F238E27FC236}">
+                <a16:creationId xmlns:a16="http://schemas.microsoft.com/office/drawing/2014/main" id="{EADA5EA7-7D0E-B9AC-89E5-A3FBA215B831}"/>
+              </a:ext>
+            </a:extLst>
+          </p:cNvPr>
+          <p:cNvPicPr>
+            <a:picLocks noChangeAspect="1"/>
+          </p:cNvPicPr>
+          <p:nvPr/>
+        </p:nvPicPr>
+        <p:blipFill>
+          <a:blip r:embed="rId3"/>
+          <a:stretch>
+            <a:fillRect/>
+          </a:stretch>
+        </p:blipFill>
+        <p:spPr>
+          <a:xfrm>
+            <a:off x="7368988" y="1990165"/>
+            <a:ext cx="2233333" cy="2233333"/>
+          </a:xfrm>
+          <a:prstGeom prst="rect">
+            <a:avLst/>
+          </a:prstGeom>
+        </p:spPr>
+      </p:pic>
+      <p:pic>
+        <p:nvPicPr>
+          <p:cNvPr id="6" name="Picture 6">
+            <a:extLst>
+              <a:ext uri="{FF2B5EF4-FFF2-40B4-BE49-F238E27FC236}">
+                <a16:creationId xmlns:a16="http://schemas.microsoft.com/office/drawing/2014/main" id="{718EA3EF-C6ED-050C-3174-06FC2EFC23AE}"/>
+              </a:ext>
+            </a:extLst>
+          </p:cNvPr>
+          <p:cNvPicPr>
+            <a:picLocks noChangeAspect="1"/>
+          </p:cNvPicPr>
+          <p:nvPr/>
+        </p:nvPicPr>
+        <p:blipFill>
+          <a:blip r:embed="rId4"/>
+          <a:stretch>
+            <a:fillRect/>
+          </a:stretch>
+        </p:blipFill>
+        <p:spPr>
+          <a:xfrm>
+            <a:off x="4724400" y="2057400"/>
+            <a:ext cx="1964392" cy="1964392"/>
+          </a:xfrm>
+          <a:prstGeom prst="rect">
+            <a:avLst/>
+          </a:prstGeom>
+        </p:spPr>
+      </p:pic>
+      <p:pic>
+        <p:nvPicPr>
+          <p:cNvPr id="7" name="Picture 7">
+            <a:extLst>
+              <a:ext uri="{FF2B5EF4-FFF2-40B4-BE49-F238E27FC236}">
+                <a16:creationId xmlns:a16="http://schemas.microsoft.com/office/drawing/2014/main" id="{BF26A862-0D25-B0A6-DD14-65C438971DDD}"/>
+              </a:ext>
+            </a:extLst>
+          </p:cNvPr>
+          <p:cNvPicPr>
+            <a:picLocks noChangeAspect="1"/>
+          </p:cNvPicPr>
+          <p:nvPr/>
+        </p:nvPicPr>
+        <p:blipFill>
+          <a:blip r:embed="rId5"/>
+          <a:stretch>
+            <a:fillRect/>
+          </a:stretch>
+        </p:blipFill>
+        <p:spPr>
+          <a:xfrm>
+            <a:off x="835959" y="1833282"/>
+            <a:ext cx="1885950" cy="1885950"/>
+          </a:xfrm>
+          <a:prstGeom prst="rect">
+            <a:avLst/>
+          </a:prstGeom>
+        </p:spPr>
+      </p:pic>
+      <p:pic>
+        <p:nvPicPr>
+          <p:cNvPr id="8" name="Picture 8">
+            <a:extLst>
+              <a:ext uri="{FF2B5EF4-FFF2-40B4-BE49-F238E27FC236}">
+                <a16:creationId xmlns:a16="http://schemas.microsoft.com/office/drawing/2014/main" id="{EB627FA4-A60E-257B-873E-47F05FAD69B0}"/>
+              </a:ext>
+            </a:extLst>
+          </p:cNvPr>
+          <p:cNvPicPr>
+            <a:picLocks noChangeAspect="1"/>
+          </p:cNvPicPr>
+          <p:nvPr/>
+        </p:nvPicPr>
+        <p:blipFill>
+          <a:blip r:embed="rId6"/>
+          <a:stretch>
+            <a:fillRect/>
+          </a:stretch>
+        </p:blipFill>
+        <p:spPr>
+          <a:xfrm>
+            <a:off x="-54909" y="3928782"/>
+            <a:ext cx="1964392" cy="1964392"/>
+          </a:xfrm>
+          <a:prstGeom prst="rect">
+            <a:avLst/>
+          </a:prstGeom>
+        </p:spPr>
+      </p:pic>
+      <p:pic>
+        <p:nvPicPr>
+          <p:cNvPr id="9" name="Picture 9">
+            <a:extLst>
+              <a:ext uri="{FF2B5EF4-FFF2-40B4-BE49-F238E27FC236}">
+                <a16:creationId xmlns:a16="http://schemas.microsoft.com/office/drawing/2014/main" id="{B9BD84BC-B85E-0BE5-E0C2-C223A9211688}"/>
+              </a:ext>
+            </a:extLst>
+          </p:cNvPr>
+          <p:cNvPicPr>
+            <a:picLocks noChangeAspect="1"/>
+          </p:cNvPicPr>
+          <p:nvPr/>
+        </p:nvPicPr>
+        <p:blipFill>
+          <a:blip r:embed="rId7"/>
+          <a:stretch>
+            <a:fillRect/>
+          </a:stretch>
+        </p:blipFill>
+        <p:spPr>
+          <a:xfrm>
+            <a:off x="9486899" y="4505884"/>
+            <a:ext cx="2059642" cy="2059642"/>
+          </a:xfrm>
+          <a:prstGeom prst="rect">
+            <a:avLst/>
+          </a:prstGeom>
+        </p:spPr>
+      </p:pic>
+      <p:pic>
+        <p:nvPicPr>
+          <p:cNvPr id="10" name="Picture 10" descr="Shape&#10;&#10;Description automatically generated">
+            <a:extLst>
+              <a:ext uri="{FF2B5EF4-FFF2-40B4-BE49-F238E27FC236}">
+                <a16:creationId xmlns:a16="http://schemas.microsoft.com/office/drawing/2014/main" id="{843F7391-34A9-0942-F9C2-25E569FF012C}"/>
+              </a:ext>
+            </a:extLst>
+          </p:cNvPr>
+          <p:cNvPicPr>
+            <a:picLocks noChangeAspect="1"/>
+          </p:cNvPicPr>
+          <p:nvPr/>
+        </p:nvPicPr>
+        <p:blipFill>
+          <a:blip r:embed="rId8"/>
+          <a:stretch>
+            <a:fillRect/>
+          </a:stretch>
+        </p:blipFill>
+        <p:spPr>
+          <a:xfrm>
+            <a:off x="7228915" y="4505884"/>
+            <a:ext cx="2255745" cy="2255745"/>
+          </a:xfrm>
+          <a:prstGeom prst="rect">
+            <a:avLst/>
+          </a:prstGeom>
+        </p:spPr>
+      </p:pic>
+      <p:pic>
+        <p:nvPicPr>
+          <p:cNvPr id="11" name="Picture 11">
+            <a:extLst>
+              <a:ext uri="{FF2B5EF4-FFF2-40B4-BE49-F238E27FC236}">
+                <a16:creationId xmlns:a16="http://schemas.microsoft.com/office/drawing/2014/main" id="{933373F2-A45B-A53C-F8BA-BB20AA683F85}"/>
+              </a:ext>
+            </a:extLst>
+          </p:cNvPr>
+          <p:cNvPicPr>
+            <a:picLocks noChangeAspect="1"/>
+          </p:cNvPicPr>
+          <p:nvPr/>
+        </p:nvPicPr>
+        <p:blipFill>
+          <a:blip r:embed="rId9"/>
+          <a:stretch>
+            <a:fillRect/>
+          </a:stretch>
+        </p:blipFill>
+        <p:spPr>
+          <a:xfrm>
+            <a:off x="4741208" y="4444252"/>
+            <a:ext cx="2339789" cy="2322981"/>
+          </a:xfrm>
+          <a:prstGeom prst="rect">
+            <a:avLst/>
+          </a:prstGeom>
+        </p:spPr>
+      </p:pic>
+      <p:pic>
+        <p:nvPicPr>
+          <p:cNvPr id="12" name="Picture 12">
+            <a:extLst>
+              <a:ext uri="{FF2B5EF4-FFF2-40B4-BE49-F238E27FC236}">
+                <a16:creationId xmlns:a16="http://schemas.microsoft.com/office/drawing/2014/main" id="{6A132A19-0D98-4913-0694-1D21F8D7A18E}"/>
+              </a:ext>
+            </a:extLst>
+          </p:cNvPr>
+          <p:cNvPicPr>
+            <a:picLocks noChangeAspect="1"/>
+          </p:cNvPicPr>
+          <p:nvPr/>
+        </p:nvPicPr>
+        <p:blipFill>
+          <a:blip r:embed="rId10"/>
+          <a:stretch>
+            <a:fillRect/>
+          </a:stretch>
+        </p:blipFill>
+        <p:spPr>
+          <a:xfrm>
+            <a:off x="3488391" y="2059641"/>
+            <a:ext cx="609600" cy="609600"/>
+          </a:xfrm>
+          <a:prstGeom prst="rect">
+            <a:avLst/>
+          </a:prstGeom>
+        </p:spPr>
+      </p:pic>
+      <p:pic>
+        <p:nvPicPr>
+          <p:cNvPr id="13" name="Picture 13">
+            <a:extLst>
+              <a:ext uri="{FF2B5EF4-FFF2-40B4-BE49-F238E27FC236}">
+                <a16:creationId xmlns:a16="http://schemas.microsoft.com/office/drawing/2014/main" id="{CA367484-913F-5E77-80DD-29080013E7B5}"/>
+              </a:ext>
+            </a:extLst>
+          </p:cNvPr>
+          <p:cNvPicPr>
+            <a:picLocks noChangeAspect="1"/>
+          </p:cNvPicPr>
+          <p:nvPr/>
+        </p:nvPicPr>
+        <p:blipFill>
+          <a:blip r:embed="rId11"/>
+          <a:stretch>
+            <a:fillRect/>
+          </a:stretch>
+        </p:blipFill>
+        <p:spPr>
+          <a:xfrm>
+            <a:off x="3443568" y="3040156"/>
+            <a:ext cx="609600" cy="609600"/>
+          </a:xfrm>
+          <a:prstGeom prst="rect">
+            <a:avLst/>
+          </a:prstGeom>
+        </p:spPr>
+      </p:pic>
+      <p:pic>
+        <p:nvPicPr>
+          <p:cNvPr id="14" name="Picture 14">
+            <a:extLst>
+              <a:ext uri="{FF2B5EF4-FFF2-40B4-BE49-F238E27FC236}">
+                <a16:creationId xmlns:a16="http://schemas.microsoft.com/office/drawing/2014/main" id="{340ECA6F-ABC7-25D1-FFC1-D11F2E5F91DB}"/>
+              </a:ext>
+            </a:extLst>
+          </p:cNvPr>
+          <p:cNvPicPr>
+            <a:picLocks noChangeAspect="1"/>
+          </p:cNvPicPr>
+          <p:nvPr/>
+        </p:nvPicPr>
+        <p:blipFill>
+          <a:blip r:embed="rId12"/>
+          <a:stretch>
+            <a:fillRect/>
+          </a:stretch>
+        </p:blipFill>
+        <p:spPr>
+          <a:xfrm>
+            <a:off x="2068606" y="3822326"/>
+            <a:ext cx="2743200" cy="2743200"/>
+          </a:xfrm>
+          <a:prstGeom prst="rect">
+            <a:avLst/>
+          </a:prstGeom>
+        </p:spPr>
+      </p:pic>
+      <p:sp>
+        <p:nvSpPr>
+          <p:cNvPr id="15" name="TextBox 14">
+            <a:extLst>
+              <a:ext uri="{FF2B5EF4-FFF2-40B4-BE49-F238E27FC236}">
+                <a16:creationId xmlns:a16="http://schemas.microsoft.com/office/drawing/2014/main" id="{CF2ECDAA-8A25-DB41-7BEE-73C91591A239}"/>
+              </a:ext>
+            </a:extLst>
+          </p:cNvPr>
+          <p:cNvSpPr txBox="1"/>
+          <p:nvPr/>
+        </p:nvSpPr>
+        <p:spPr>
+          <a:xfrm>
+            <a:off x="4724400" y="3200400"/>
+            <a:ext cx="2743199" cy="369332"/>
+          </a:xfrm>
+          <a:prstGeom prst="rect">
+            <a:avLst/>
+          </a:prstGeom>
+          <a:noFill/>
+        </p:spPr>
+        <p:txBody>
+          <a:bodyPr rot="0" spcFirstLastPara="0" vertOverflow="overflow" horzOverflow="overflow" vert="horz" wrap="square" lIns="91440" tIns="45720" rIns="91440" bIns="45720" numCol="1" spcCol="0" rtlCol="0" fromWordArt="0" anchor="t" anchorCtr="0" forceAA="0" compatLnSpc="1">
+            <a:prstTxWarp prst="textNoShape">
+              <a:avLst/>
+            </a:prstTxWarp>
+            <a:spAutoFit/>
+          </a:bodyPr>
+          <a:lstStyle/>
+          <a:p>
+            <a:pPr algn="l"/>
+            <a:r>
+              <a:rPr lang="en-US"/>
+              <a:t>Click to add text</a:t>
+            </a:r>
+          </a:p>
+        </p:txBody>
+      </p:sp>
+    </p:spTree>
+    <p:extLst>
+      <p:ext uri="{BB962C8B-B14F-4D97-AF65-F5344CB8AC3E}">
+        <p14:creationId xmlns:p14="http://schemas.microsoft.com/office/powerpoint/2010/main" val="2671246857"/>
       </p:ext>
     </p:extLst>
   </p:cSld>
@@ -3016,9 +4508,9 @@
 </file>
 
 <file path=ppt/theme/theme1.xml><?xml version="1.0" encoding="utf-8"?>
-<a:theme xmlns:a="http://schemas.openxmlformats.org/drawingml/2006/main" name="Office Theme">
+<a:theme xmlns:a="http://schemas.openxmlformats.org/drawingml/2006/main" name="office theme">
   <a:themeElements>
-    <a:clrScheme name="Office">
+    <a:clrScheme name="Office Theme">
       <a:dk1>
         <a:sysClr val="windowText" lastClr="000000"/>
       </a:dk1>
@@ -3032,7 +4524,7 @@
         <a:srgbClr val="E7E6E6"/>
       </a:lt2>
       <a:accent1>
-        <a:srgbClr val="5B9BD5"/>
+        <a:srgbClr val="4472C4"/>
       </a:accent1>
       <a:accent2>
         <a:srgbClr val="ED7D31"/>
@@ -3044,7 +4536,7 @@
         <a:srgbClr val="FFC000"/>
       </a:accent4>
       <a:accent5>
-        <a:srgbClr val="4472C4"/>
+        <a:srgbClr val="5B9BD5"/>
       </a:accent5>
       <a:accent6>
         <a:srgbClr val="70AD47"/>
@@ -3056,14 +4548,14 @@
         <a:srgbClr val="954F72"/>
       </a:folHlink>
     </a:clrScheme>
-    <a:fontScheme name="Office">
+    <a:fontScheme name="Office Theme">
       <a:majorFont>
         <a:latin typeface="Calibri Light" panose="020F0302020204030204"/>
         <a:ea typeface=""/>
         <a:cs typeface=""/>
-        <a:font script="Jpan" typeface="游ゴシック Light"/>
+        <a:font script="Jpan" typeface="ＭＳ Ｐゴシック"/>
         <a:font script="Hang" typeface="맑은 고딕"/>
-        <a:font script="Hans" typeface="等线 Light"/>
+        <a:font script="Hans" typeface="宋体"/>
         <a:font script="Hant" typeface="新細明體"/>
         <a:font script="Arab" typeface="Times New Roman"/>
         <a:font script="Hebr" typeface="Times New Roman"/>
@@ -3096,9 +4588,9 @@
         <a:latin typeface="Calibri" panose="020F0502020204030204"/>
         <a:ea typeface=""/>
         <a:cs typeface=""/>
-        <a:font script="Jpan" typeface="游ゴシック"/>
+        <a:font script="Jpan" typeface="ＭＳ Ｐゴシック"/>
         <a:font script="Hang" typeface="맑은 고딕"/>
-        <a:font script="Hans" typeface="等线"/>
+        <a:font script="Hans" typeface="宋体"/>
         <a:font script="Hant" typeface="新細明體"/>
         <a:font script="Arab" typeface="Arial"/>
         <a:font script="Hebr" typeface="Arial"/>
@@ -3128,7 +4620,7 @@
         <a:font script="Geor" typeface="Sylfaen"/>
       </a:minorFont>
     </a:fontScheme>
-    <a:fmtScheme name="Office">
+    <a:fmtScheme name="Office Theme">
       <a:fillStyleLst>
         <a:solidFill>
           <a:schemeClr val="phClr"/>

--- a/ThatConference2022.pptx
+++ b/ThatConference2022.pptx
@@ -254,7 +254,7 @@
           <a:p>
             <a:fld id="{846CE7D5-CF57-46EF-B807-FDD0502418D4}" type="datetimeFigureOut">
               <a:rPr lang="en-US" smtClean="0"/>
-              <a:t>5/11/2022</a:t>
+              <a:t>6/2/2022</a:t>
             </a:fld>
             <a:endParaRPr lang="en-US"/>
           </a:p>
@@ -424,7 +424,7 @@
           <a:p>
             <a:fld id="{846CE7D5-CF57-46EF-B807-FDD0502418D4}" type="datetimeFigureOut">
               <a:rPr lang="en-US" smtClean="0"/>
-              <a:t>5/11/2022</a:t>
+              <a:t>6/2/2022</a:t>
             </a:fld>
             <a:endParaRPr lang="en-US"/>
           </a:p>
@@ -604,7 +604,7 @@
           <a:p>
             <a:fld id="{846CE7D5-CF57-46EF-B807-FDD0502418D4}" type="datetimeFigureOut">
               <a:rPr lang="en-US" smtClean="0"/>
-              <a:t>5/11/2022</a:t>
+              <a:t>6/2/2022</a:t>
             </a:fld>
             <a:endParaRPr lang="en-US"/>
           </a:p>
@@ -774,7 +774,7 @@
           <a:p>
             <a:fld id="{846CE7D5-CF57-46EF-B807-FDD0502418D4}" type="datetimeFigureOut">
               <a:rPr lang="en-US" smtClean="0"/>
-              <a:t>5/11/2022</a:t>
+              <a:t>6/2/2022</a:t>
             </a:fld>
             <a:endParaRPr lang="en-US"/>
           </a:p>
@@ -1020,7 +1020,7 @@
           <a:p>
             <a:fld id="{846CE7D5-CF57-46EF-B807-FDD0502418D4}" type="datetimeFigureOut">
               <a:rPr lang="en-US" smtClean="0"/>
-              <a:t>5/11/2022</a:t>
+              <a:t>6/2/2022</a:t>
             </a:fld>
             <a:endParaRPr lang="en-US"/>
           </a:p>
@@ -1252,7 +1252,7 @@
           <a:p>
             <a:fld id="{846CE7D5-CF57-46EF-B807-FDD0502418D4}" type="datetimeFigureOut">
               <a:rPr lang="en-US" smtClean="0"/>
-              <a:t>5/11/2022</a:t>
+              <a:t>6/2/2022</a:t>
             </a:fld>
             <a:endParaRPr lang="en-US"/>
           </a:p>
@@ -1619,7 +1619,7 @@
           <a:p>
             <a:fld id="{846CE7D5-CF57-46EF-B807-FDD0502418D4}" type="datetimeFigureOut">
               <a:rPr lang="en-US" smtClean="0"/>
-              <a:t>5/11/2022</a:t>
+              <a:t>6/2/2022</a:t>
             </a:fld>
             <a:endParaRPr lang="en-US"/>
           </a:p>
@@ -1737,7 +1737,7 @@
           <a:p>
             <a:fld id="{846CE7D5-CF57-46EF-B807-FDD0502418D4}" type="datetimeFigureOut">
               <a:rPr lang="en-US" smtClean="0"/>
-              <a:t>5/11/2022</a:t>
+              <a:t>6/2/2022</a:t>
             </a:fld>
             <a:endParaRPr lang="en-US"/>
           </a:p>
@@ -1832,7 +1832,7 @@
           <a:p>
             <a:fld id="{846CE7D5-CF57-46EF-B807-FDD0502418D4}" type="datetimeFigureOut">
               <a:rPr lang="en-US" smtClean="0"/>
-              <a:t>5/11/2022</a:t>
+              <a:t>6/2/2022</a:t>
             </a:fld>
             <a:endParaRPr lang="en-US"/>
           </a:p>
@@ -2109,7 +2109,7 @@
           <a:p>
             <a:fld id="{846CE7D5-CF57-46EF-B807-FDD0502418D4}" type="datetimeFigureOut">
               <a:rPr lang="en-US" smtClean="0"/>
-              <a:t>5/11/2022</a:t>
+              <a:t>6/2/2022</a:t>
             </a:fld>
             <a:endParaRPr lang="en-US"/>
           </a:p>
@@ -2366,7 +2366,7 @@
           <a:p>
             <a:fld id="{846CE7D5-CF57-46EF-B807-FDD0502418D4}" type="datetimeFigureOut">
               <a:rPr lang="en-US" smtClean="0"/>
-              <a:t>5/11/2022</a:t>
+              <a:t>6/2/2022</a:t>
             </a:fld>
             <a:endParaRPr lang="en-US"/>
           </a:p>
@@ -2579,7 +2579,7 @@
           <a:p>
             <a:fld id="{846CE7D5-CF57-46EF-B807-FDD0502418D4}" type="datetimeFigureOut">
               <a:rPr lang="en-US" smtClean="0"/>
-              <a:t>5/11/2022</a:t>
+              <a:t>6/2/2022</a:t>
             </a:fld>
             <a:endParaRPr lang="en-US"/>
           </a:p>
@@ -3000,7 +3000,7 @@
                 <a16:creationId xmlns:a16="http://schemas.microsoft.com/office/drawing/2014/main" id="{5A59F003-E00A-43F9-91DC-CC54E3B87466}"/>
               </a:ext>
               <a:ext uri="{C183D7F6-B498-43B3-948B-1728B52AA6E4}">
-                <adec:decorative xmlns:adec="http://schemas.microsoft.com/office/drawing/2017/decorative" val="1"/>
+                <adec:decorative xmlns:adec="http://schemas.microsoft.com/office/drawing/2017/decorative" xmlns="" val="1"/>
               </a:ext>
             </a:extLst>
           </p:cNvPr>
@@ -3070,7 +3070,7 @@
           <a:blip r:embed="rId2">
             <a:extLst>
               <a:ext uri="{837473B0-CC2E-450A-ABE3-18F120FF3D39}">
-                <a1611:picAttrSrcUrl xmlns:a1611="http://schemas.microsoft.com/office/drawing/2016/11/main" r:id="rId3"/>
+                <a1611:picAttrSrcUrl xmlns:a1611="http://schemas.microsoft.com/office/drawing/2016/11/main" xmlns="" r:id="rId3"/>
               </a:ext>
             </a:extLst>
           </a:blip>
@@ -3095,7 +3095,7 @@
                 <a16:creationId xmlns:a16="http://schemas.microsoft.com/office/drawing/2014/main" id="{D74A4382-E3AD-430A-9A1F-DFA3E0E77A7D}"/>
               </a:ext>
               <a:ext uri="{C183D7F6-B498-43B3-948B-1728B52AA6E4}">
-                <adec:decorative xmlns:adec="http://schemas.microsoft.com/office/drawing/2017/decorative" val="1"/>
+                <adec:decorative xmlns:adec="http://schemas.microsoft.com/office/drawing/2017/decorative" xmlns="" val="1"/>
               </a:ext>
             </a:extLst>
           </p:cNvPr>
@@ -3195,7 +3195,15 @@
           <a:lstStyle/>
           <a:p>
             <a:pPr algn="l"/>
-            <a:endParaRPr lang="en-US" sz="6600"/>
+            <a:r>
+              <a:rPr lang="en-US" sz="6600" b="1" dirty="0" smtClean="0">
+                <a:latin typeface="+mn-lt"/>
+              </a:rPr>
+              <a:t>Get your little ones around the camp fire!</a:t>
+            </a:r>
+            <a:endParaRPr lang="en-US" sz="6600" b="1" dirty="0">
+              <a:latin typeface="+mn-lt"/>
+            </a:endParaRPr>
           </a:p>
         </p:txBody>
       </p:sp>
@@ -3207,7 +3215,7 @@
                 <a16:creationId xmlns:a16="http://schemas.microsoft.com/office/drawing/2014/main" id="{79F40191-0F44-4FD1-82CC-ACB507C14BE6}"/>
               </a:ext>
               <a:ext uri="{C183D7F6-B498-43B3-948B-1728B52AA6E4}">
-                <adec:decorative xmlns:adec="http://schemas.microsoft.com/office/drawing/2017/decorative" val="1"/>
+                <adec:decorative xmlns:adec="http://schemas.microsoft.com/office/drawing/2017/decorative" xmlns="" val="1"/>
               </a:ext>
             </a:extLst>
           </p:cNvPr>
@@ -3287,7 +3295,11 @@
           <a:lstStyle/>
           <a:p>
             <a:pPr algn="l"/>
-            <a:endParaRPr lang="en-US"/>
+            <a:r>
+              <a:rPr lang="en-US" dirty="0" smtClean="0"/>
+              <a:t>Kevin and Ella Moens</a:t>
+            </a:r>
+            <a:endParaRPr lang="en-US" dirty="0"/>
           </a:p>
         </p:txBody>
       </p:sp>
@@ -3337,7 +3349,7 @@
                 <a16:creationId xmlns:a16="http://schemas.microsoft.com/office/drawing/2014/main" id="{DAF1966E-FD40-4A4A-B61B-C4DF7FA05F06}"/>
               </a:ext>
               <a:ext uri="{C183D7F6-B498-43B3-948B-1728B52AA6E4}">
-                <adec:decorative xmlns:adec="http://schemas.microsoft.com/office/drawing/2017/decorative" val="1"/>
+                <adec:decorative xmlns:adec="http://schemas.microsoft.com/office/drawing/2017/decorative" xmlns="" val="1"/>
               </a:ext>
             </a:extLst>
           </p:cNvPr>
@@ -3397,7 +3409,7 @@
                 <a16:creationId xmlns:a16="http://schemas.microsoft.com/office/drawing/2014/main" id="{047BFA19-D45E-416B-A404-7AF2F3F27017}"/>
               </a:ext>
               <a:ext uri="{C183D7F6-B498-43B3-948B-1728B52AA6E4}">
-                <adec:decorative xmlns:adec="http://schemas.microsoft.com/office/drawing/2017/decorative" val="1"/>
+                <adec:decorative xmlns:adec="http://schemas.microsoft.com/office/drawing/2017/decorative" xmlns="" val="1"/>
               </a:ext>
             </a:extLst>
           </p:cNvPr>
@@ -3496,7 +3508,7 @@
                 <a16:creationId xmlns:a16="http://schemas.microsoft.com/office/drawing/2014/main" id="{8E0105E7-23DB-4CF2-8258-FF47C7620F6E}"/>
               </a:ext>
               <a:ext uri="{C183D7F6-B498-43B3-948B-1728B52AA6E4}">
-                <adec:decorative xmlns:adec="http://schemas.microsoft.com/office/drawing/2017/decorative" val="1"/>
+                <adec:decorative xmlns:adec="http://schemas.microsoft.com/office/drawing/2017/decorative" xmlns="" val="1"/>
               </a:ext>
             </a:extLst>
           </p:cNvPr>
@@ -3618,7 +3630,7 @@
                 <a16:creationId xmlns:a16="http://schemas.microsoft.com/office/drawing/2014/main" id="{074B4F7D-14B2-478B-8BF5-01E4E0C5D263}"/>
               </a:ext>
               <a:ext uri="{C183D7F6-B498-43B3-948B-1728B52AA6E4}">
-                <adec:decorative xmlns:adec="http://schemas.microsoft.com/office/drawing/2017/decorative" val="1"/>
+                <adec:decorative xmlns:adec="http://schemas.microsoft.com/office/drawing/2017/decorative" xmlns="" val="1"/>
               </a:ext>
             </a:extLst>
           </p:cNvPr>
@@ -3756,7 +3768,7 @@
                 <a16:creationId xmlns:a16="http://schemas.microsoft.com/office/drawing/2014/main" id="{907EF6B7-1338-4443-8C46-6A318D952DFD}"/>
               </a:ext>
               <a:ext uri="{C183D7F6-B498-43B3-948B-1728B52AA6E4}">
-                <adec:decorative xmlns:adec="http://schemas.microsoft.com/office/drawing/2017/decorative" val="1"/>
+                <adec:decorative xmlns:adec="http://schemas.microsoft.com/office/drawing/2017/decorative" xmlns="" val="1"/>
               </a:ext>
             </a:extLst>
           </p:cNvPr>
@@ -3816,7 +3828,7 @@
                 <a16:creationId xmlns:a16="http://schemas.microsoft.com/office/drawing/2014/main" id="{DAAE4CDD-124C-4DCF-9584-B6033B545DD5}"/>
               </a:ext>
               <a:ext uri="{C183D7F6-B498-43B3-948B-1728B52AA6E4}">
-                <adec:decorative xmlns:adec="http://schemas.microsoft.com/office/drawing/2017/decorative" val="1"/>
+                <adec:decorative xmlns:adec="http://schemas.microsoft.com/office/drawing/2017/decorative" xmlns="" val="1"/>
               </a:ext>
             </a:extLst>
           </p:cNvPr>
@@ -3986,7 +3998,7 @@
                 <a16:creationId xmlns:a16="http://schemas.microsoft.com/office/drawing/2014/main" id="{081E4A58-353D-44AE-B2FC-2A74E2E400F7}"/>
               </a:ext>
               <a:ext uri="{C183D7F6-B498-43B3-948B-1728B52AA6E4}">
-                <adec:decorative xmlns:adec="http://schemas.microsoft.com/office/drawing/2017/decorative" val="1"/>
+                <adec:decorative xmlns:adec="http://schemas.microsoft.com/office/drawing/2017/decorative" xmlns="" val="1"/>
               </a:ext>
             </a:extLst>
           </p:cNvPr>

--- a/ThatConference2022.pptx
+++ b/ThatConference2022.pptx
@@ -8,7 +8,20 @@
     <p:sldId id="256" r:id="rId2"/>
     <p:sldId id="257" r:id="rId3"/>
     <p:sldId id="258" r:id="rId4"/>
-    <p:sldId id="259" r:id="rId5"/>
+    <p:sldId id="260" r:id="rId5"/>
+    <p:sldId id="261" r:id="rId6"/>
+    <p:sldId id="272" r:id="rId7"/>
+    <p:sldId id="266" r:id="rId8"/>
+    <p:sldId id="263" r:id="rId9"/>
+    <p:sldId id="262" r:id="rId10"/>
+    <p:sldId id="264" r:id="rId11"/>
+    <p:sldId id="265" r:id="rId12"/>
+    <p:sldId id="267" r:id="rId13"/>
+    <p:sldId id="268" r:id="rId14"/>
+    <p:sldId id="269" r:id="rId15"/>
+    <p:sldId id="270" r:id="rId16"/>
+    <p:sldId id="271" r:id="rId17"/>
+    <p:sldId id="259" r:id="rId18"/>
   </p:sldIdLst>
   <p:sldSz cx="12192000" cy="6858000"/>
   <p:notesSz cx="6858000" cy="9144000"/>
@@ -254,7 +267,7 @@
           <a:p>
             <a:fld id="{846CE7D5-CF57-46EF-B807-FDD0502418D4}" type="datetimeFigureOut">
               <a:rPr lang="en-US" smtClean="0"/>
-              <a:t>6/2/2022</a:t>
+              <a:t>6/24/2022</a:t>
             </a:fld>
             <a:endParaRPr lang="en-US"/>
           </a:p>
@@ -424,7 +437,7 @@
           <a:p>
             <a:fld id="{846CE7D5-CF57-46EF-B807-FDD0502418D4}" type="datetimeFigureOut">
               <a:rPr lang="en-US" smtClean="0"/>
-              <a:t>6/2/2022</a:t>
+              <a:t>6/24/2022</a:t>
             </a:fld>
             <a:endParaRPr lang="en-US"/>
           </a:p>
@@ -604,7 +617,7 @@
           <a:p>
             <a:fld id="{846CE7D5-CF57-46EF-B807-FDD0502418D4}" type="datetimeFigureOut">
               <a:rPr lang="en-US" smtClean="0"/>
-              <a:t>6/2/2022</a:t>
+              <a:t>6/24/2022</a:t>
             </a:fld>
             <a:endParaRPr lang="en-US"/>
           </a:p>
@@ -774,7 +787,7 @@
           <a:p>
             <a:fld id="{846CE7D5-CF57-46EF-B807-FDD0502418D4}" type="datetimeFigureOut">
               <a:rPr lang="en-US" smtClean="0"/>
-              <a:t>6/2/2022</a:t>
+              <a:t>6/24/2022</a:t>
             </a:fld>
             <a:endParaRPr lang="en-US"/>
           </a:p>
@@ -1020,7 +1033,7 @@
           <a:p>
             <a:fld id="{846CE7D5-CF57-46EF-B807-FDD0502418D4}" type="datetimeFigureOut">
               <a:rPr lang="en-US" smtClean="0"/>
-              <a:t>6/2/2022</a:t>
+              <a:t>6/24/2022</a:t>
             </a:fld>
             <a:endParaRPr lang="en-US"/>
           </a:p>
@@ -1252,7 +1265,7 @@
           <a:p>
             <a:fld id="{846CE7D5-CF57-46EF-B807-FDD0502418D4}" type="datetimeFigureOut">
               <a:rPr lang="en-US" smtClean="0"/>
-              <a:t>6/2/2022</a:t>
+              <a:t>6/24/2022</a:t>
             </a:fld>
             <a:endParaRPr lang="en-US"/>
           </a:p>
@@ -1619,7 +1632,7 @@
           <a:p>
             <a:fld id="{846CE7D5-CF57-46EF-B807-FDD0502418D4}" type="datetimeFigureOut">
               <a:rPr lang="en-US" smtClean="0"/>
-              <a:t>6/2/2022</a:t>
+              <a:t>6/24/2022</a:t>
             </a:fld>
             <a:endParaRPr lang="en-US"/>
           </a:p>
@@ -1737,7 +1750,7 @@
           <a:p>
             <a:fld id="{846CE7D5-CF57-46EF-B807-FDD0502418D4}" type="datetimeFigureOut">
               <a:rPr lang="en-US" smtClean="0"/>
-              <a:t>6/2/2022</a:t>
+              <a:t>6/24/2022</a:t>
             </a:fld>
             <a:endParaRPr lang="en-US"/>
           </a:p>
@@ -1832,7 +1845,7 @@
           <a:p>
             <a:fld id="{846CE7D5-CF57-46EF-B807-FDD0502418D4}" type="datetimeFigureOut">
               <a:rPr lang="en-US" smtClean="0"/>
-              <a:t>6/2/2022</a:t>
+              <a:t>6/24/2022</a:t>
             </a:fld>
             <a:endParaRPr lang="en-US"/>
           </a:p>
@@ -2109,7 +2122,7 @@
           <a:p>
             <a:fld id="{846CE7D5-CF57-46EF-B807-FDD0502418D4}" type="datetimeFigureOut">
               <a:rPr lang="en-US" smtClean="0"/>
-              <a:t>6/2/2022</a:t>
+              <a:t>6/24/2022</a:t>
             </a:fld>
             <a:endParaRPr lang="en-US"/>
           </a:p>
@@ -2366,7 +2379,7 @@
           <a:p>
             <a:fld id="{846CE7D5-CF57-46EF-B807-FDD0502418D4}" type="datetimeFigureOut">
               <a:rPr lang="en-US" smtClean="0"/>
-              <a:t>6/2/2022</a:t>
+              <a:t>6/24/2022</a:t>
             </a:fld>
             <a:endParaRPr lang="en-US"/>
           </a:p>
@@ -2579,7 +2592,7 @@
           <a:p>
             <a:fld id="{846CE7D5-CF57-46EF-B807-FDD0502418D4}" type="datetimeFigureOut">
               <a:rPr lang="en-US" smtClean="0"/>
-              <a:t>6/2/2022</a:t>
+              <a:t>6/24/2022</a:t>
             </a:fld>
             <a:endParaRPr lang="en-US"/>
           </a:p>
@@ -3000,7 +3013,7 @@
                 <a16:creationId xmlns:a16="http://schemas.microsoft.com/office/drawing/2014/main" id="{5A59F003-E00A-43F9-91DC-CC54E3B87466}"/>
               </a:ext>
               <a:ext uri="{C183D7F6-B498-43B3-948B-1728B52AA6E4}">
-                <adec:decorative xmlns:adec="http://schemas.microsoft.com/office/drawing/2017/decorative" xmlns="" val="1"/>
+                <adec:decorative xmlns:adec="http://schemas.microsoft.com/office/drawing/2017/decorative" val="1"/>
               </a:ext>
             </a:extLst>
           </p:cNvPr>
@@ -3070,7 +3083,7 @@
           <a:blip r:embed="rId2">
             <a:extLst>
               <a:ext uri="{837473B0-CC2E-450A-ABE3-18F120FF3D39}">
-                <a1611:picAttrSrcUrl xmlns:a1611="http://schemas.microsoft.com/office/drawing/2016/11/main" xmlns="" r:id="rId3"/>
+                <a1611:picAttrSrcUrl xmlns:a1611="http://schemas.microsoft.com/office/drawing/2016/11/main" r:id="rId3"/>
               </a:ext>
             </a:extLst>
           </a:blip>
@@ -3095,7 +3108,7 @@
                 <a16:creationId xmlns:a16="http://schemas.microsoft.com/office/drawing/2014/main" id="{D74A4382-E3AD-430A-9A1F-DFA3E0E77A7D}"/>
               </a:ext>
               <a:ext uri="{C183D7F6-B498-43B3-948B-1728B52AA6E4}">
-                <adec:decorative xmlns:adec="http://schemas.microsoft.com/office/drawing/2017/decorative" xmlns="" val="1"/>
+                <adec:decorative xmlns:adec="http://schemas.microsoft.com/office/drawing/2017/decorative" val="1"/>
               </a:ext>
             </a:extLst>
           </p:cNvPr>
@@ -3196,14 +3209,11 @@
           <a:p>
             <a:pPr algn="l"/>
             <a:r>
-              <a:rPr lang="en-US" sz="6600" b="1" dirty="0" smtClean="0">
+              <a:rPr lang="en-US" sz="6600" b="1" dirty="0">
                 <a:latin typeface="+mn-lt"/>
               </a:rPr>
               <a:t>Get your little ones around the camp fire!</a:t>
             </a:r>
-            <a:endParaRPr lang="en-US" sz="6600" b="1" dirty="0">
-              <a:latin typeface="+mn-lt"/>
-            </a:endParaRPr>
           </a:p>
         </p:txBody>
       </p:sp>
@@ -3215,7 +3225,7 @@
                 <a16:creationId xmlns:a16="http://schemas.microsoft.com/office/drawing/2014/main" id="{79F40191-0F44-4FD1-82CC-ACB507C14BE6}"/>
               </a:ext>
               <a:ext uri="{C183D7F6-B498-43B3-948B-1728B52AA6E4}">
-                <adec:decorative xmlns:adec="http://schemas.microsoft.com/office/drawing/2017/decorative" xmlns="" val="1"/>
+                <adec:decorative xmlns:adec="http://schemas.microsoft.com/office/drawing/2017/decorative" val="1"/>
               </a:ext>
             </a:extLst>
           </p:cNvPr>
@@ -3296,10 +3306,9 @@
           <a:p>
             <a:pPr algn="l"/>
             <a:r>
-              <a:rPr lang="en-US" dirty="0" smtClean="0"/>
+              <a:rPr lang="en-US" dirty="0"/>
               <a:t>Kevin and Ella Moens</a:t>
             </a:r>
-            <a:endParaRPr lang="en-US" dirty="0"/>
           </a:p>
         </p:txBody>
       </p:sp>
@@ -3316,7 +3325,7 @@
 </p:sld>
 </file>
 
-<file path=ppt/slides/slide2.xml><?xml version="1.0" encoding="utf-8"?>
+<file path=ppt/slides/slide10.xml><?xml version="1.0" encoding="utf-8"?>
 <p:sld xmlns:a="http://schemas.openxmlformats.org/drawingml/2006/main" xmlns:r="http://schemas.openxmlformats.org/officeDocument/2006/relationships" xmlns:p="http://schemas.openxmlformats.org/presentationml/2006/main">
   <p:cSld>
     <p:bg>
@@ -3346,10 +3355,10 @@
           <p:cNvPr id="8" name="Rectangle 7">
             <a:extLst>
               <a:ext uri="{FF2B5EF4-FFF2-40B4-BE49-F238E27FC236}">
-                <a16:creationId xmlns:a16="http://schemas.microsoft.com/office/drawing/2014/main" id="{DAF1966E-FD40-4A4A-B61B-C4DF7FA05F06}"/>
+                <a16:creationId xmlns:a16="http://schemas.microsoft.com/office/drawing/2014/main" id="{907EF6B7-1338-4443-8C46-6A318D952DFD}"/>
               </a:ext>
               <a:ext uri="{C183D7F6-B498-43B3-948B-1728B52AA6E4}">
-                <adec:decorative xmlns:adec="http://schemas.microsoft.com/office/drawing/2017/decorative" xmlns="" val="1"/>
+                <adec:decorative xmlns:adec="http://schemas.microsoft.com/office/drawing/2017/decorative" val="1"/>
               </a:ext>
             </a:extLst>
           </p:cNvPr>
@@ -3366,8 +3375,8 @@
         </p:nvSpPr>
         <p:spPr>
           <a:xfrm>
-            <a:off x="0" y="0"/>
-            <a:ext cx="12192000" cy="6858000"/>
+            <a:off x="3048" y="0"/>
+            <a:ext cx="12188952" cy="6858000"/>
           </a:xfrm>
           <a:prstGeom prst="rect">
             <a:avLst/>
@@ -3401,425 +3410,6 @@
           </a:p>
         </p:txBody>
       </p:sp>
-      <p:sp useBgFill="1">
-        <p:nvSpPr>
-          <p:cNvPr id="10" name="Rectangle 9">
-            <a:extLst>
-              <a:ext uri="{FF2B5EF4-FFF2-40B4-BE49-F238E27FC236}">
-                <a16:creationId xmlns:a16="http://schemas.microsoft.com/office/drawing/2014/main" id="{047BFA19-D45E-416B-A404-7AF2F3F27017}"/>
-              </a:ext>
-              <a:ext uri="{C183D7F6-B498-43B3-948B-1728B52AA6E4}">
-                <adec:decorative xmlns:adec="http://schemas.microsoft.com/office/drawing/2017/decorative" xmlns="" val="1"/>
-              </a:ext>
-            </a:extLst>
-          </p:cNvPr>
-          <p:cNvSpPr>
-            <a:spLocks noGrp="1" noRot="1" noChangeAspect="1" noMove="1" noResize="1" noEditPoints="1" noAdjustHandles="1" noChangeArrowheads="1" noChangeShapeType="1" noTextEdit="1"/>
-          </p:cNvSpPr>
-          <p:nvPr>
-            <p:extLst>
-              <p:ext uri="{386F3935-93C4-4BCD-93E2-E3B085C9AB24}">
-                <p16:designElem xmlns:p16="http://schemas.microsoft.com/office/powerpoint/2015/main" val="1"/>
-              </p:ext>
-            </p:extLst>
-          </p:nvPr>
-        </p:nvSpPr>
-        <p:spPr>
-          <a:xfrm>
-            <a:off x="558209" y="0"/>
-            <a:ext cx="11167447" cy="2018806"/>
-          </a:xfrm>
-          <a:prstGeom prst="rect">
-            <a:avLst/>
-          </a:prstGeom>
-          <a:ln w="9525">
-            <a:solidFill>
-              <a:srgbClr val="E1E1E1"/>
-            </a:solidFill>
-          </a:ln>
-          <a:effectLst>
-            <a:outerShdw blurRad="50800" dist="38100" dir="2700000" algn="tl" rotWithShape="0">
-              <a:schemeClr val="bg1">
-                <a:lumMod val="85000"/>
-                <a:alpha val="50000"/>
-              </a:schemeClr>
-            </a:outerShdw>
-          </a:effectLst>
-        </p:spPr>
-        <p:style>
-          <a:lnRef idx="2">
-            <a:schemeClr val="accent1">
-              <a:shade val="50000"/>
-            </a:schemeClr>
-          </a:lnRef>
-          <a:fillRef idx="1">
-            <a:schemeClr val="accent1"/>
-          </a:fillRef>
-          <a:effectRef idx="0">
-            <a:schemeClr val="accent1"/>
-          </a:effectRef>
-          <a:fontRef idx="minor">
-            <a:schemeClr val="lt1"/>
-          </a:fontRef>
-        </p:style>
-        <p:txBody>
-          <a:bodyPr rtlCol="0" anchor="ctr"/>
-          <a:lstStyle/>
-          <a:p>
-            <a:pPr marL="0" marR="0" lvl="0" indent="0" algn="ctr" defTabSz="914400" rtl="0" eaLnBrk="1" fontAlgn="auto" latinLnBrk="0" hangingPunct="1">
-              <a:lnSpc>
-                <a:spcPct val="100000"/>
-              </a:lnSpc>
-              <a:spcBef>
-                <a:spcPts val="0"/>
-              </a:spcBef>
-              <a:spcAft>
-                <a:spcPts val="0"/>
-              </a:spcAft>
-              <a:buClrTx/>
-              <a:buSzTx/>
-              <a:buFontTx/>
-              <a:buNone/>
-              <a:tabLst/>
-              <a:defRPr/>
-            </a:pPr>
-            <a:endParaRPr kumimoji="0" lang="en-US" sz="1800" b="0" i="0" u="none" strike="noStrike" kern="1200" cap="none" spc="0" normalizeH="0" baseline="0" noProof="0">
-              <a:ln>
-                <a:noFill/>
-              </a:ln>
-              <a:solidFill>
-                <a:prstClr val="white"/>
-              </a:solidFill>
-              <a:effectLst/>
-              <a:uLnTx/>
-              <a:uFillTx/>
-              <a:latin typeface="Calibri" panose="020F0502020204030204"/>
-              <a:ea typeface="+mn-ea"/>
-              <a:cs typeface="+mn-cs"/>
-            </a:endParaRPr>
-          </a:p>
-        </p:txBody>
-      </p:sp>
-      <p:sp useBgFill="1">
-        <p:nvSpPr>
-          <p:cNvPr id="12" name="Rectangle 11">
-            <a:extLst>
-              <a:ext uri="{FF2B5EF4-FFF2-40B4-BE49-F238E27FC236}">
-                <a16:creationId xmlns:a16="http://schemas.microsoft.com/office/drawing/2014/main" id="{8E0105E7-23DB-4CF2-8258-FF47C7620F6E}"/>
-              </a:ext>
-              <a:ext uri="{C183D7F6-B498-43B3-948B-1728B52AA6E4}">
-                <adec:decorative xmlns:adec="http://schemas.microsoft.com/office/drawing/2017/decorative" xmlns="" val="1"/>
-              </a:ext>
-            </a:extLst>
-          </p:cNvPr>
-          <p:cNvSpPr>
-            <a:spLocks noGrp="1" noRot="1" noChangeAspect="1" noMove="1" noResize="1" noEditPoints="1" noAdjustHandles="1" noChangeArrowheads="1" noChangeShapeType="1" noTextEdit="1"/>
-          </p:cNvSpPr>
-          <p:nvPr>
-            <p:extLst>
-              <p:ext uri="{386F3935-93C4-4BCD-93E2-E3B085C9AB24}">
-                <p16:designElem xmlns:p16="http://schemas.microsoft.com/office/powerpoint/2015/main" val="1"/>
-              </p:ext>
-            </p:extLst>
-          </p:nvPr>
-        </p:nvSpPr>
-        <p:spPr>
-          <a:xfrm>
-            <a:off x="566928" y="0"/>
-            <a:ext cx="11155680" cy="2011680"/>
-          </a:xfrm>
-          <a:prstGeom prst="rect">
-            <a:avLst/>
-          </a:prstGeom>
-          <a:ln w="9525">
-            <a:noFill/>
-          </a:ln>
-          <a:effectLst/>
-        </p:spPr>
-        <p:style>
-          <a:lnRef idx="2">
-            <a:schemeClr val="accent1">
-              <a:shade val="50000"/>
-            </a:schemeClr>
-          </a:lnRef>
-          <a:fillRef idx="1">
-            <a:schemeClr val="accent1"/>
-          </a:fillRef>
-          <a:effectRef idx="0">
-            <a:schemeClr val="accent1"/>
-          </a:effectRef>
-          <a:fontRef idx="minor">
-            <a:schemeClr val="lt1"/>
-          </a:fontRef>
-        </p:style>
-        <p:txBody>
-          <a:bodyPr rtlCol="0" anchor="ctr"/>
-          <a:lstStyle/>
-          <a:p>
-            <a:pPr marL="0" marR="0" lvl="0" indent="0" algn="ctr" defTabSz="914400" rtl="0" eaLnBrk="1" fontAlgn="auto" latinLnBrk="0" hangingPunct="1">
-              <a:lnSpc>
-                <a:spcPct val="100000"/>
-              </a:lnSpc>
-              <a:spcBef>
-                <a:spcPts val="0"/>
-              </a:spcBef>
-              <a:spcAft>
-                <a:spcPts val="0"/>
-              </a:spcAft>
-              <a:buClrTx/>
-              <a:buSzTx/>
-              <a:buFontTx/>
-              <a:buNone/>
-              <a:tabLst/>
-              <a:defRPr/>
-            </a:pPr>
-            <a:endParaRPr kumimoji="0" lang="en-US" sz="1800" b="0" i="0" u="none" strike="noStrike" kern="1200" cap="none" spc="0" normalizeH="0" baseline="0" noProof="0">
-              <a:ln>
-                <a:noFill/>
-              </a:ln>
-              <a:solidFill>
-                <a:prstClr val="white"/>
-              </a:solidFill>
-              <a:effectLst/>
-              <a:uLnTx/>
-              <a:uFillTx/>
-              <a:latin typeface="Calibri" panose="020F0502020204030204"/>
-              <a:ea typeface="+mn-ea"/>
-              <a:cs typeface="+mn-cs"/>
-            </a:endParaRPr>
-          </a:p>
-        </p:txBody>
-      </p:sp>
-      <p:sp>
-        <p:nvSpPr>
-          <p:cNvPr id="2" name="Title 1">
-            <a:extLst>
-              <a:ext uri="{FF2B5EF4-FFF2-40B4-BE49-F238E27FC236}">
-                <a16:creationId xmlns:a16="http://schemas.microsoft.com/office/drawing/2014/main" id="{82CF4B60-062A-25CD-E448-6C8255EEF9CC}"/>
-              </a:ext>
-            </a:extLst>
-          </p:cNvPr>
-          <p:cNvSpPr>
-            <a:spLocks noGrp="1"/>
-          </p:cNvSpPr>
-          <p:nvPr>
-            <p:ph type="title"/>
-          </p:nvPr>
-        </p:nvSpPr>
-        <p:spPr>
-          <a:xfrm>
-            <a:off x="1115568" y="548640"/>
-            <a:ext cx="10168128" cy="1179576"/>
-          </a:xfrm>
-        </p:spPr>
-        <p:txBody>
-          <a:bodyPr>
-            <a:normAutofit/>
-          </a:bodyPr>
-          <a:lstStyle/>
-          <a:p>
-            <a:endParaRPr lang="en-US" sz="4000"/>
-          </a:p>
-        </p:txBody>
-      </p:sp>
-      <p:sp>
-        <p:nvSpPr>
-          <p:cNvPr id="14" name="Rectangle 13">
-            <a:extLst>
-              <a:ext uri="{FF2B5EF4-FFF2-40B4-BE49-F238E27FC236}">
-                <a16:creationId xmlns:a16="http://schemas.microsoft.com/office/drawing/2014/main" id="{074B4F7D-14B2-478B-8BF5-01E4E0C5D263}"/>
-              </a:ext>
-              <a:ext uri="{C183D7F6-B498-43B3-948B-1728B52AA6E4}">
-                <adec:decorative xmlns:adec="http://schemas.microsoft.com/office/drawing/2017/decorative" xmlns="" val="1"/>
-              </a:ext>
-            </a:extLst>
-          </p:cNvPr>
-          <p:cNvSpPr>
-            <a:spLocks noGrp="1" noRot="1" noChangeAspect="1" noMove="1" noResize="1" noEditPoints="1" noAdjustHandles="1" noChangeArrowheads="1" noChangeShapeType="1" noTextEdit="1"/>
-          </p:cNvSpPr>
-          <p:nvPr>
-            <p:extLst>
-              <p:ext uri="{386F3935-93C4-4BCD-93E2-E3B085C9AB24}">
-                <p16:designElem xmlns:p16="http://schemas.microsoft.com/office/powerpoint/2015/main" val="1"/>
-              </p:ext>
-            </p:extLst>
-          </p:nvPr>
-        </p:nvSpPr>
-        <p:spPr>
-          <a:xfrm>
-            <a:off x="498834" y="758952"/>
-            <a:ext cx="128016" cy="704088"/>
-          </a:xfrm>
-          <a:prstGeom prst="rect">
-            <a:avLst/>
-          </a:prstGeom>
-          <a:solidFill>
-            <a:schemeClr val="accent2"/>
-          </a:solidFill>
-          <a:ln>
-            <a:noFill/>
-          </a:ln>
-        </p:spPr>
-        <p:style>
-          <a:lnRef idx="2">
-            <a:schemeClr val="accent1">
-              <a:shade val="50000"/>
-            </a:schemeClr>
-          </a:lnRef>
-          <a:fillRef idx="1">
-            <a:schemeClr val="accent1"/>
-          </a:fillRef>
-          <a:effectRef idx="0">
-            <a:schemeClr val="accent1"/>
-          </a:effectRef>
-          <a:fontRef idx="minor">
-            <a:schemeClr val="lt1"/>
-          </a:fontRef>
-        </p:style>
-        <p:txBody>
-          <a:bodyPr rtlCol="0" anchor="ctr"/>
-          <a:lstStyle/>
-          <a:p>
-            <a:pPr algn="ctr"/>
-            <a:endParaRPr lang="en-US">
-              <a:solidFill>
-                <a:prstClr val="white"/>
-              </a:solidFill>
-              <a:latin typeface="Calibri" panose="020F0502020204030204"/>
-            </a:endParaRPr>
-          </a:p>
-        </p:txBody>
-      </p:sp>
-      <p:sp>
-        <p:nvSpPr>
-          <p:cNvPr id="3" name="Content Placeholder 2">
-            <a:extLst>
-              <a:ext uri="{FF2B5EF4-FFF2-40B4-BE49-F238E27FC236}">
-                <a16:creationId xmlns:a16="http://schemas.microsoft.com/office/drawing/2014/main" id="{E43BD06B-906D-5C9C-E517-52B27F705E94}"/>
-              </a:ext>
-            </a:extLst>
-          </p:cNvPr>
-          <p:cNvSpPr>
-            <a:spLocks noGrp="1"/>
-          </p:cNvSpPr>
-          <p:nvPr>
-            <p:ph idx="1"/>
-          </p:nvPr>
-        </p:nvSpPr>
-        <p:spPr>
-          <a:xfrm>
-            <a:off x="1115568" y="2481943"/>
-            <a:ext cx="10168128" cy="3695020"/>
-          </a:xfrm>
-        </p:spPr>
-        <p:txBody>
-          <a:bodyPr>
-            <a:normAutofit/>
-          </a:bodyPr>
-          <a:lstStyle/>
-          <a:p>
-            <a:endParaRPr lang="en-US" sz="2200"/>
-          </a:p>
-        </p:txBody>
-      </p:sp>
-    </p:spTree>
-    <p:extLst>
-      <p:ext uri="{BB962C8B-B14F-4D97-AF65-F5344CB8AC3E}">
-        <p14:creationId xmlns:p14="http://schemas.microsoft.com/office/powerpoint/2010/main" val="3588266802"/>
-      </p:ext>
-    </p:extLst>
-  </p:cSld>
-  <p:clrMapOvr>
-    <a:masterClrMapping/>
-  </p:clrMapOvr>
-</p:sld>
-</file>
-
-<file path=ppt/slides/slide3.xml><?xml version="1.0" encoding="utf-8"?>
-<p:sld xmlns:a="http://schemas.openxmlformats.org/drawingml/2006/main" xmlns:r="http://schemas.openxmlformats.org/officeDocument/2006/relationships" xmlns:p="http://schemas.openxmlformats.org/presentationml/2006/main">
-  <p:cSld>
-    <p:bg>
-      <p:bgPr>
-        <a:solidFill>
-          <a:schemeClr val="bg1"/>
-        </a:solidFill>
-        <a:effectLst/>
-      </p:bgPr>
-    </p:bg>
-    <p:spTree>
-      <p:nvGrpSpPr>
-        <p:cNvPr id="1" name=""/>
-        <p:cNvGrpSpPr/>
-        <p:nvPr/>
-      </p:nvGrpSpPr>
-      <p:grpSpPr>
-        <a:xfrm>
-          <a:off x="0" y="0"/>
-          <a:ext cx="0" cy="0"/>
-          <a:chOff x="0" y="0"/>
-          <a:chExt cx="0" cy="0"/>
-        </a:xfrm>
-      </p:grpSpPr>
-      <p:sp useBgFill="1">
-        <p:nvSpPr>
-          <p:cNvPr id="8" name="Rectangle 7">
-            <a:extLst>
-              <a:ext uri="{FF2B5EF4-FFF2-40B4-BE49-F238E27FC236}">
-                <a16:creationId xmlns:a16="http://schemas.microsoft.com/office/drawing/2014/main" id="{907EF6B7-1338-4443-8C46-6A318D952DFD}"/>
-              </a:ext>
-              <a:ext uri="{C183D7F6-B498-43B3-948B-1728B52AA6E4}">
-                <adec:decorative xmlns:adec="http://schemas.microsoft.com/office/drawing/2017/decorative" xmlns="" val="1"/>
-              </a:ext>
-            </a:extLst>
-          </p:cNvPr>
-          <p:cNvSpPr>
-            <a:spLocks noGrp="1" noRot="1" noChangeAspect="1" noMove="1" noResize="1" noEditPoints="1" noAdjustHandles="1" noChangeArrowheads="1" noChangeShapeType="1" noTextEdit="1"/>
-          </p:cNvSpPr>
-          <p:nvPr>
-            <p:extLst>
-              <p:ext uri="{386F3935-93C4-4BCD-93E2-E3B085C9AB24}">
-                <p16:designElem xmlns:p16="http://schemas.microsoft.com/office/powerpoint/2015/main" val="1"/>
-              </p:ext>
-            </p:extLst>
-          </p:nvPr>
-        </p:nvSpPr>
-        <p:spPr>
-          <a:xfrm>
-            <a:off x="3048" y="0"/>
-            <a:ext cx="12188952" cy="6858000"/>
-          </a:xfrm>
-          <a:prstGeom prst="rect">
-            <a:avLst/>
-          </a:prstGeom>
-          <a:ln>
-            <a:noFill/>
-          </a:ln>
-        </p:spPr>
-        <p:style>
-          <a:lnRef idx="2">
-            <a:schemeClr val="accent1">
-              <a:shade val="50000"/>
-            </a:schemeClr>
-          </a:lnRef>
-          <a:fillRef idx="1">
-            <a:schemeClr val="accent1"/>
-          </a:fillRef>
-          <a:effectRef idx="0">
-            <a:schemeClr val="accent1"/>
-          </a:effectRef>
-          <a:fontRef idx="minor">
-            <a:schemeClr val="lt1"/>
-          </a:fontRef>
-        </p:style>
-        <p:txBody>
-          <a:bodyPr rtlCol="0" anchor="ctr"/>
-          <a:lstStyle/>
-          <a:p>
-            <a:pPr algn="ctr"/>
-            <a:endParaRPr lang="en-US"/>
-          </a:p>
-        </p:txBody>
-      </p:sp>
       <p:sp>
         <p:nvSpPr>
           <p:cNvPr id="10" name="Freeform: Shape 9">
@@ -3828,7 +3418,7 @@
                 <a16:creationId xmlns:a16="http://schemas.microsoft.com/office/drawing/2014/main" id="{DAAE4CDD-124C-4DCF-9584-B6033B545DD5}"/>
               </a:ext>
               <a:ext uri="{C183D7F6-B498-43B3-948B-1728B52AA6E4}">
-                <adec:decorative xmlns:adec="http://schemas.microsoft.com/office/drawing/2017/decorative" xmlns="" val="1"/>
+                <adec:decorative xmlns:adec="http://schemas.microsoft.com/office/drawing/2017/decorative" val="1"/>
               </a:ext>
             </a:extLst>
           </p:cNvPr>
@@ -3982,6 +3572,3761 @@
           </a:bodyPr>
           <a:lstStyle/>
           <a:p>
+            <a:r>
+              <a:rPr lang="en-US" dirty="0">
+                <a:solidFill>
+                  <a:srgbClr val="FFFFFF"/>
+                </a:solidFill>
+              </a:rPr>
+              <a:t>Details</a:t>
+            </a:r>
+          </a:p>
+        </p:txBody>
+      </p:sp>
+      <p:sp>
+        <p:nvSpPr>
+          <p:cNvPr id="12" name="Arc 11">
+            <a:extLst>
+              <a:ext uri="{FF2B5EF4-FFF2-40B4-BE49-F238E27FC236}">
+                <a16:creationId xmlns:a16="http://schemas.microsoft.com/office/drawing/2014/main" id="{081E4A58-353D-44AE-B2FC-2A74E2E400F7}"/>
+              </a:ext>
+              <a:ext uri="{C183D7F6-B498-43B3-948B-1728B52AA6E4}">
+                <adec:decorative xmlns:adec="http://schemas.microsoft.com/office/drawing/2017/decorative" val="1"/>
+              </a:ext>
+            </a:extLst>
+          </p:cNvPr>
+          <p:cNvSpPr>
+            <a:spLocks noGrp="1" noRot="1" noChangeAspect="1" noMove="1" noResize="1" noEditPoints="1" noAdjustHandles="1" noChangeArrowheads="1" noChangeShapeType="1" noTextEdit="1"/>
+          </p:cNvSpPr>
+          <p:nvPr>
+            <p:extLst>
+              <p:ext uri="{386F3935-93C4-4BCD-93E2-E3B085C9AB24}">
+                <p16:designElem xmlns:p16="http://schemas.microsoft.com/office/powerpoint/2015/main" val="1"/>
+              </p:ext>
+            </p:extLst>
+          </p:nvPr>
+        </p:nvSpPr>
+        <p:spPr>
+          <a:xfrm flipV="1">
+            <a:off x="7550402" y="2455479"/>
+            <a:ext cx="4083433" cy="4083433"/>
+          </a:xfrm>
+          <a:prstGeom prst="arc">
+            <a:avLst/>
+          </a:prstGeom>
+          <a:ln w="127000" cap="rnd">
+            <a:solidFill>
+              <a:schemeClr val="accent4"/>
+            </a:solidFill>
+            <a:prstDash val="dash"/>
+          </a:ln>
+        </p:spPr>
+        <p:style>
+          <a:lnRef idx="1">
+            <a:schemeClr val="accent1"/>
+          </a:lnRef>
+          <a:fillRef idx="0">
+            <a:schemeClr val="accent1"/>
+          </a:fillRef>
+          <a:effectRef idx="0">
+            <a:schemeClr val="accent1"/>
+          </a:effectRef>
+          <a:fontRef idx="minor">
+            <a:schemeClr val="tx1"/>
+          </a:fontRef>
+        </p:style>
+        <p:txBody>
+          <a:bodyPr rtlCol="0" anchor="ctr"/>
+          <a:lstStyle/>
+          <a:p>
+            <a:pPr algn="ctr"/>
+            <a:endParaRPr lang="en-US" dirty="0"/>
+          </a:p>
+        </p:txBody>
+      </p:sp>
+      <p:sp>
+        <p:nvSpPr>
+          <p:cNvPr id="3" name="Content Placeholder 2">
+            <a:extLst>
+              <a:ext uri="{FF2B5EF4-FFF2-40B4-BE49-F238E27FC236}">
+                <a16:creationId xmlns:a16="http://schemas.microsoft.com/office/drawing/2014/main" id="{506ECF03-3832-CE61-45EB-6C148D597A92}"/>
+              </a:ext>
+            </a:extLst>
+          </p:cNvPr>
+          <p:cNvSpPr>
+            <a:spLocks noGrp="1"/>
+          </p:cNvSpPr>
+          <p:nvPr>
+            <p:ph idx="1"/>
+          </p:nvPr>
+        </p:nvSpPr>
+        <p:spPr>
+          <a:xfrm>
+            <a:off x="6630038" y="0"/>
+            <a:ext cx="4723761" cy="2046503"/>
+          </a:xfrm>
+        </p:spPr>
+        <p:txBody>
+          <a:bodyPr anchor="ctr">
+            <a:normAutofit/>
+          </a:bodyPr>
+          <a:lstStyle/>
+          <a:p>
+            <a:r>
+              <a:rPr lang="en-US" dirty="0"/>
+              <a:t>Hour of Code</a:t>
+            </a:r>
+          </a:p>
+          <a:p>
+            <a:pPr lvl="1"/>
+            <a:r>
+              <a:rPr lang="en-US" dirty="0"/>
+              <a:t>Minecraft</a:t>
+            </a:r>
+          </a:p>
+        </p:txBody>
+      </p:sp>
+      <p:pic>
+        <p:nvPicPr>
+          <p:cNvPr id="5" name="Picture 4">
+            <a:extLst>
+              <a:ext uri="{FF2B5EF4-FFF2-40B4-BE49-F238E27FC236}">
+                <a16:creationId xmlns:a16="http://schemas.microsoft.com/office/drawing/2014/main" id="{D50F5A8A-096D-376E-7A19-ED48CB01FB39}"/>
+              </a:ext>
+            </a:extLst>
+          </p:cNvPr>
+          <p:cNvPicPr>
+            <a:picLocks noChangeAspect="1"/>
+          </p:cNvPicPr>
+          <p:nvPr/>
+        </p:nvPicPr>
+        <p:blipFill>
+          <a:blip r:embed="rId2"/>
+          <a:stretch>
+            <a:fillRect/>
+          </a:stretch>
+        </p:blipFill>
+        <p:spPr>
+          <a:xfrm>
+            <a:off x="3149600" y="2046503"/>
+            <a:ext cx="8916035" cy="4644666"/>
+          </a:xfrm>
+          <a:prstGeom prst="rect">
+            <a:avLst/>
+          </a:prstGeom>
+        </p:spPr>
+      </p:pic>
+    </p:spTree>
+    <p:extLst>
+      <p:ext uri="{BB962C8B-B14F-4D97-AF65-F5344CB8AC3E}">
+        <p14:creationId xmlns:p14="http://schemas.microsoft.com/office/powerpoint/2010/main" val="3985557349"/>
+      </p:ext>
+    </p:extLst>
+  </p:cSld>
+  <p:clrMapOvr>
+    <a:masterClrMapping/>
+  </p:clrMapOvr>
+</p:sld>
+</file>
+
+<file path=ppt/slides/slide11.xml><?xml version="1.0" encoding="utf-8"?>
+<p:sld xmlns:a="http://schemas.openxmlformats.org/drawingml/2006/main" xmlns:r="http://schemas.openxmlformats.org/officeDocument/2006/relationships" xmlns:p="http://schemas.openxmlformats.org/presentationml/2006/main">
+  <p:cSld>
+    <p:bg>
+      <p:bgPr>
+        <a:solidFill>
+          <a:schemeClr val="bg1"/>
+        </a:solidFill>
+        <a:effectLst/>
+      </p:bgPr>
+    </p:bg>
+    <p:spTree>
+      <p:nvGrpSpPr>
+        <p:cNvPr id="1" name=""/>
+        <p:cNvGrpSpPr/>
+        <p:nvPr/>
+      </p:nvGrpSpPr>
+      <p:grpSpPr>
+        <a:xfrm>
+          <a:off x="0" y="0"/>
+          <a:ext cx="0" cy="0"/>
+          <a:chOff x="0" y="0"/>
+          <a:chExt cx="0" cy="0"/>
+        </a:xfrm>
+      </p:grpSpPr>
+      <p:sp useBgFill="1">
+        <p:nvSpPr>
+          <p:cNvPr id="8" name="Rectangle 7">
+            <a:extLst>
+              <a:ext uri="{FF2B5EF4-FFF2-40B4-BE49-F238E27FC236}">
+                <a16:creationId xmlns:a16="http://schemas.microsoft.com/office/drawing/2014/main" id="{907EF6B7-1338-4443-8C46-6A318D952DFD}"/>
+              </a:ext>
+              <a:ext uri="{C183D7F6-B498-43B3-948B-1728B52AA6E4}">
+                <adec:decorative xmlns:adec="http://schemas.microsoft.com/office/drawing/2017/decorative" val="1"/>
+              </a:ext>
+            </a:extLst>
+          </p:cNvPr>
+          <p:cNvSpPr>
+            <a:spLocks noGrp="1" noRot="1" noChangeAspect="1" noMove="1" noResize="1" noEditPoints="1" noAdjustHandles="1" noChangeArrowheads="1" noChangeShapeType="1" noTextEdit="1"/>
+          </p:cNvSpPr>
+          <p:nvPr>
+            <p:extLst>
+              <p:ext uri="{386F3935-93C4-4BCD-93E2-E3B085C9AB24}">
+                <p16:designElem xmlns:p16="http://schemas.microsoft.com/office/powerpoint/2015/main" val="1"/>
+              </p:ext>
+            </p:extLst>
+          </p:nvPr>
+        </p:nvSpPr>
+        <p:spPr>
+          <a:xfrm>
+            <a:off x="3048" y="0"/>
+            <a:ext cx="12188952" cy="6858000"/>
+          </a:xfrm>
+          <a:prstGeom prst="rect">
+            <a:avLst/>
+          </a:prstGeom>
+          <a:ln>
+            <a:noFill/>
+          </a:ln>
+        </p:spPr>
+        <p:style>
+          <a:lnRef idx="2">
+            <a:schemeClr val="accent1">
+              <a:shade val="50000"/>
+            </a:schemeClr>
+          </a:lnRef>
+          <a:fillRef idx="1">
+            <a:schemeClr val="accent1"/>
+          </a:fillRef>
+          <a:effectRef idx="0">
+            <a:schemeClr val="accent1"/>
+          </a:effectRef>
+          <a:fontRef idx="minor">
+            <a:schemeClr val="lt1"/>
+          </a:fontRef>
+        </p:style>
+        <p:txBody>
+          <a:bodyPr rtlCol="0" anchor="ctr"/>
+          <a:lstStyle/>
+          <a:p>
+            <a:pPr algn="ctr"/>
+            <a:endParaRPr lang="en-US"/>
+          </a:p>
+        </p:txBody>
+      </p:sp>
+      <p:sp>
+        <p:nvSpPr>
+          <p:cNvPr id="10" name="Freeform: Shape 9">
+            <a:extLst>
+              <a:ext uri="{FF2B5EF4-FFF2-40B4-BE49-F238E27FC236}">
+                <a16:creationId xmlns:a16="http://schemas.microsoft.com/office/drawing/2014/main" id="{DAAE4CDD-124C-4DCF-9584-B6033B545DD5}"/>
+              </a:ext>
+              <a:ext uri="{C183D7F6-B498-43B3-948B-1728B52AA6E4}">
+                <adec:decorative xmlns:adec="http://schemas.microsoft.com/office/drawing/2017/decorative" val="1"/>
+              </a:ext>
+            </a:extLst>
+          </p:cNvPr>
+          <p:cNvSpPr>
+            <a:spLocks noGrp="1" noRot="1" noChangeAspect="1" noMove="1" noResize="1" noEditPoints="1" noAdjustHandles="1" noChangeArrowheads="1" noChangeShapeType="1" noTextEdit="1"/>
+          </p:cNvSpPr>
+          <p:nvPr>
+            <p:extLst>
+              <p:ext uri="{386F3935-93C4-4BCD-93E2-E3B085C9AB24}">
+                <p16:designElem xmlns:p16="http://schemas.microsoft.com/office/powerpoint/2015/main" val="1"/>
+              </p:ext>
+            </p:extLst>
+          </p:nvPr>
+        </p:nvSpPr>
+        <p:spPr>
+          <a:xfrm>
+            <a:off x="1" y="0"/>
+            <a:ext cx="4167271" cy="6858000"/>
+          </a:xfrm>
+          <a:custGeom>
+            <a:avLst/>
+            <a:gdLst>
+              <a:gd name="connsiteX0" fmla="*/ 0 w 4167271"/>
+              <a:gd name="connsiteY0" fmla="*/ 0 h 6858000"/>
+              <a:gd name="connsiteX1" fmla="*/ 2259550 w 4167271"/>
+              <a:gd name="connsiteY1" fmla="*/ 0 h 6858000"/>
+              <a:gd name="connsiteX2" fmla="*/ 2387803 w 4167271"/>
+              <a:gd name="connsiteY2" fmla="*/ 82222 h 6858000"/>
+              <a:gd name="connsiteX3" fmla="*/ 4167271 w 4167271"/>
+              <a:gd name="connsiteY3" fmla="*/ 3429000 h 6858000"/>
+              <a:gd name="connsiteX4" fmla="*/ 2387803 w 4167271"/>
+              <a:gd name="connsiteY4" fmla="*/ 6775779 h 6858000"/>
+              <a:gd name="connsiteX5" fmla="*/ 2259550 w 4167271"/>
+              <a:gd name="connsiteY5" fmla="*/ 6858000 h 6858000"/>
+              <a:gd name="connsiteX6" fmla="*/ 0 w 4167271"/>
+              <a:gd name="connsiteY6" fmla="*/ 6858000 h 6858000"/>
+            </a:gdLst>
+            <a:ahLst/>
+            <a:cxnLst>
+              <a:cxn ang="0">
+                <a:pos x="connsiteX0" y="connsiteY0"/>
+              </a:cxn>
+              <a:cxn ang="0">
+                <a:pos x="connsiteX1" y="connsiteY1"/>
+              </a:cxn>
+              <a:cxn ang="0">
+                <a:pos x="connsiteX2" y="connsiteY2"/>
+              </a:cxn>
+              <a:cxn ang="0">
+                <a:pos x="connsiteX3" y="connsiteY3"/>
+              </a:cxn>
+              <a:cxn ang="0">
+                <a:pos x="connsiteX4" y="connsiteY4"/>
+              </a:cxn>
+              <a:cxn ang="0">
+                <a:pos x="connsiteX5" y="connsiteY5"/>
+              </a:cxn>
+              <a:cxn ang="0">
+                <a:pos x="connsiteX6" y="connsiteY6"/>
+              </a:cxn>
+            </a:cxnLst>
+            <a:rect l="l" t="t" r="r" b="b"/>
+            <a:pathLst>
+              <a:path w="4167271" h="6858000">
+                <a:moveTo>
+                  <a:pt x="0" y="0"/>
+                </a:moveTo>
+                <a:lnTo>
+                  <a:pt x="2259550" y="0"/>
+                </a:lnTo>
+                <a:lnTo>
+                  <a:pt x="2387803" y="82222"/>
+                </a:lnTo>
+                <a:cubicBezTo>
+                  <a:pt x="3461407" y="807534"/>
+                  <a:pt x="4167271" y="2035835"/>
+                  <a:pt x="4167271" y="3429000"/>
+                </a:cubicBezTo>
+                <a:cubicBezTo>
+                  <a:pt x="4167271" y="4822165"/>
+                  <a:pt x="3461407" y="6050467"/>
+                  <a:pt x="2387803" y="6775779"/>
+                </a:cubicBezTo>
+                <a:lnTo>
+                  <a:pt x="2259550" y="6858000"/>
+                </a:lnTo>
+                <a:lnTo>
+                  <a:pt x="0" y="6858000"/>
+                </a:lnTo>
+                <a:close/>
+              </a:path>
+            </a:pathLst>
+          </a:custGeom>
+          <a:solidFill>
+            <a:schemeClr val="accent2"/>
+          </a:solidFill>
+          <a:ln>
+            <a:noFill/>
+          </a:ln>
+        </p:spPr>
+        <p:style>
+          <a:lnRef idx="2">
+            <a:schemeClr val="accent1">
+              <a:shade val="50000"/>
+            </a:schemeClr>
+          </a:lnRef>
+          <a:fillRef idx="1">
+            <a:schemeClr val="accent1"/>
+          </a:fillRef>
+          <a:effectRef idx="0">
+            <a:schemeClr val="accent1"/>
+          </a:effectRef>
+          <a:fontRef idx="minor">
+            <a:schemeClr val="lt1"/>
+          </a:fontRef>
+        </p:style>
+        <p:txBody>
+          <a:bodyPr rtlCol="0" anchor="ctr"/>
+          <a:lstStyle/>
+          <a:p>
+            <a:pPr algn="ctr"/>
+            <a:endParaRPr lang="en-US"/>
+          </a:p>
+        </p:txBody>
+      </p:sp>
+      <p:sp>
+        <p:nvSpPr>
+          <p:cNvPr id="2" name="Title 1">
+            <a:extLst>
+              <a:ext uri="{FF2B5EF4-FFF2-40B4-BE49-F238E27FC236}">
+                <a16:creationId xmlns:a16="http://schemas.microsoft.com/office/drawing/2014/main" id="{604CD088-9924-FDF8-32EA-64AD14C5DE41}"/>
+              </a:ext>
+            </a:extLst>
+          </p:cNvPr>
+          <p:cNvSpPr>
+            <a:spLocks noGrp="1"/>
+          </p:cNvSpPr>
+          <p:nvPr>
+            <p:ph type="title"/>
+          </p:nvPr>
+        </p:nvSpPr>
+        <p:spPr>
+          <a:xfrm>
+            <a:off x="686834" y="1153572"/>
+            <a:ext cx="3200400" cy="4461163"/>
+          </a:xfrm>
+        </p:spPr>
+        <p:txBody>
+          <a:bodyPr>
+            <a:normAutofit/>
+          </a:bodyPr>
+          <a:lstStyle/>
+          <a:p>
+            <a:pPr algn="ctr"/>
+            <a:r>
+              <a:rPr lang="en-US" dirty="0">
+                <a:solidFill>
+                  <a:srgbClr val="FFFFFF"/>
+                </a:solidFill>
+              </a:rPr>
+              <a:t>C# Console Apps</a:t>
+            </a:r>
+          </a:p>
+        </p:txBody>
+      </p:sp>
+      <p:sp>
+        <p:nvSpPr>
+          <p:cNvPr id="12" name="Arc 11">
+            <a:extLst>
+              <a:ext uri="{FF2B5EF4-FFF2-40B4-BE49-F238E27FC236}">
+                <a16:creationId xmlns:a16="http://schemas.microsoft.com/office/drawing/2014/main" id="{081E4A58-353D-44AE-B2FC-2A74E2E400F7}"/>
+              </a:ext>
+              <a:ext uri="{C183D7F6-B498-43B3-948B-1728B52AA6E4}">
+                <adec:decorative xmlns:adec="http://schemas.microsoft.com/office/drawing/2017/decorative" val="1"/>
+              </a:ext>
+            </a:extLst>
+          </p:cNvPr>
+          <p:cNvSpPr>
+            <a:spLocks noGrp="1" noRot="1" noChangeAspect="1" noMove="1" noResize="1" noEditPoints="1" noAdjustHandles="1" noChangeArrowheads="1" noChangeShapeType="1" noTextEdit="1"/>
+          </p:cNvSpPr>
+          <p:nvPr>
+            <p:extLst>
+              <p:ext uri="{386F3935-93C4-4BCD-93E2-E3B085C9AB24}">
+                <p16:designElem xmlns:p16="http://schemas.microsoft.com/office/powerpoint/2015/main" val="1"/>
+              </p:ext>
+            </p:extLst>
+          </p:nvPr>
+        </p:nvSpPr>
+        <p:spPr>
+          <a:xfrm flipV="1">
+            <a:off x="7550402" y="2455479"/>
+            <a:ext cx="4083433" cy="4083433"/>
+          </a:xfrm>
+          <a:prstGeom prst="arc">
+            <a:avLst/>
+          </a:prstGeom>
+          <a:ln w="127000" cap="rnd">
+            <a:solidFill>
+              <a:schemeClr val="accent4"/>
+            </a:solidFill>
+            <a:prstDash val="dash"/>
+          </a:ln>
+        </p:spPr>
+        <p:style>
+          <a:lnRef idx="1">
+            <a:schemeClr val="accent1"/>
+          </a:lnRef>
+          <a:fillRef idx="0">
+            <a:schemeClr val="accent1"/>
+          </a:fillRef>
+          <a:effectRef idx="0">
+            <a:schemeClr val="accent1"/>
+          </a:effectRef>
+          <a:fontRef idx="minor">
+            <a:schemeClr val="tx1"/>
+          </a:fontRef>
+        </p:style>
+        <p:txBody>
+          <a:bodyPr rtlCol="0" anchor="ctr"/>
+          <a:lstStyle/>
+          <a:p>
+            <a:pPr algn="ctr"/>
+            <a:endParaRPr lang="en-US" dirty="0"/>
+          </a:p>
+        </p:txBody>
+      </p:sp>
+      <p:sp>
+        <p:nvSpPr>
+          <p:cNvPr id="3" name="Content Placeholder 2">
+            <a:extLst>
+              <a:ext uri="{FF2B5EF4-FFF2-40B4-BE49-F238E27FC236}">
+                <a16:creationId xmlns:a16="http://schemas.microsoft.com/office/drawing/2014/main" id="{506ECF03-3832-CE61-45EB-6C148D597A92}"/>
+              </a:ext>
+            </a:extLst>
+          </p:cNvPr>
+          <p:cNvSpPr>
+            <a:spLocks noGrp="1"/>
+          </p:cNvSpPr>
+          <p:nvPr>
+            <p:ph idx="1"/>
+          </p:nvPr>
+        </p:nvSpPr>
+        <p:spPr>
+          <a:xfrm>
+            <a:off x="4447308" y="591344"/>
+            <a:ext cx="6906491" cy="5585619"/>
+          </a:xfrm>
+        </p:spPr>
+        <p:txBody>
+          <a:bodyPr anchor="ctr">
+            <a:normAutofit/>
+          </a:bodyPr>
+          <a:lstStyle/>
+          <a:p>
+            <a:r>
+              <a:rPr lang="en-US" dirty="0" err="1"/>
+              <a:t>MadLibs</a:t>
+            </a:r>
+            <a:endParaRPr lang="en-US" dirty="0"/>
+          </a:p>
+          <a:p>
+            <a:r>
+              <a:rPr lang="en-US" dirty="0"/>
+              <a:t>Guess a number</a:t>
+            </a:r>
+          </a:p>
+          <a:p>
+            <a:r>
+              <a:rPr lang="en-US" dirty="0"/>
+              <a:t>Rock Paper Scissors</a:t>
+            </a:r>
+          </a:p>
+          <a:p>
+            <a:r>
+              <a:rPr lang="en-US" dirty="0"/>
+              <a:t>Tic Tac Toe</a:t>
+            </a:r>
+          </a:p>
+          <a:p>
+            <a:pPr lvl="1"/>
+            <a:endParaRPr lang="en-US" dirty="0"/>
+          </a:p>
+        </p:txBody>
+      </p:sp>
+    </p:spTree>
+    <p:extLst>
+      <p:ext uri="{BB962C8B-B14F-4D97-AF65-F5344CB8AC3E}">
+        <p14:creationId xmlns:p14="http://schemas.microsoft.com/office/powerpoint/2010/main" val="1458746974"/>
+      </p:ext>
+    </p:extLst>
+  </p:cSld>
+  <p:clrMapOvr>
+    <a:masterClrMapping/>
+  </p:clrMapOvr>
+</p:sld>
+</file>
+
+<file path=ppt/slides/slide12.xml><?xml version="1.0" encoding="utf-8"?>
+<p:sld xmlns:a="http://schemas.openxmlformats.org/drawingml/2006/main" xmlns:r="http://schemas.openxmlformats.org/officeDocument/2006/relationships" xmlns:p="http://schemas.openxmlformats.org/presentationml/2006/main">
+  <p:cSld>
+    <p:bg>
+      <p:bgPr>
+        <a:solidFill>
+          <a:schemeClr val="bg1"/>
+        </a:solidFill>
+        <a:effectLst/>
+      </p:bgPr>
+    </p:bg>
+    <p:spTree>
+      <p:nvGrpSpPr>
+        <p:cNvPr id="1" name=""/>
+        <p:cNvGrpSpPr/>
+        <p:nvPr/>
+      </p:nvGrpSpPr>
+      <p:grpSpPr>
+        <a:xfrm>
+          <a:off x="0" y="0"/>
+          <a:ext cx="0" cy="0"/>
+          <a:chOff x="0" y="0"/>
+          <a:chExt cx="0" cy="0"/>
+        </a:xfrm>
+      </p:grpSpPr>
+      <p:sp useBgFill="1">
+        <p:nvSpPr>
+          <p:cNvPr id="8" name="Rectangle 7">
+            <a:extLst>
+              <a:ext uri="{FF2B5EF4-FFF2-40B4-BE49-F238E27FC236}">
+                <a16:creationId xmlns:a16="http://schemas.microsoft.com/office/drawing/2014/main" id="{907EF6B7-1338-4443-8C46-6A318D952DFD}"/>
+              </a:ext>
+              <a:ext uri="{C183D7F6-B498-43B3-948B-1728B52AA6E4}">
+                <adec:decorative xmlns:adec="http://schemas.microsoft.com/office/drawing/2017/decorative" val="1"/>
+              </a:ext>
+            </a:extLst>
+          </p:cNvPr>
+          <p:cNvSpPr>
+            <a:spLocks noGrp="1" noRot="1" noChangeAspect="1" noMove="1" noResize="1" noEditPoints="1" noAdjustHandles="1" noChangeArrowheads="1" noChangeShapeType="1" noTextEdit="1"/>
+          </p:cNvSpPr>
+          <p:nvPr>
+            <p:extLst>
+              <p:ext uri="{386F3935-93C4-4BCD-93E2-E3B085C9AB24}">
+                <p16:designElem xmlns:p16="http://schemas.microsoft.com/office/powerpoint/2015/main" val="1"/>
+              </p:ext>
+            </p:extLst>
+          </p:nvPr>
+        </p:nvSpPr>
+        <p:spPr>
+          <a:xfrm>
+            <a:off x="3048" y="0"/>
+            <a:ext cx="12188952" cy="6858000"/>
+          </a:xfrm>
+          <a:prstGeom prst="rect">
+            <a:avLst/>
+          </a:prstGeom>
+          <a:ln>
+            <a:noFill/>
+          </a:ln>
+        </p:spPr>
+        <p:style>
+          <a:lnRef idx="2">
+            <a:schemeClr val="accent1">
+              <a:shade val="50000"/>
+            </a:schemeClr>
+          </a:lnRef>
+          <a:fillRef idx="1">
+            <a:schemeClr val="accent1"/>
+          </a:fillRef>
+          <a:effectRef idx="0">
+            <a:schemeClr val="accent1"/>
+          </a:effectRef>
+          <a:fontRef idx="minor">
+            <a:schemeClr val="lt1"/>
+          </a:fontRef>
+        </p:style>
+        <p:txBody>
+          <a:bodyPr rtlCol="0" anchor="ctr"/>
+          <a:lstStyle/>
+          <a:p>
+            <a:pPr algn="ctr"/>
+            <a:endParaRPr lang="en-US"/>
+          </a:p>
+        </p:txBody>
+      </p:sp>
+      <p:sp>
+        <p:nvSpPr>
+          <p:cNvPr id="10" name="Freeform: Shape 9">
+            <a:extLst>
+              <a:ext uri="{FF2B5EF4-FFF2-40B4-BE49-F238E27FC236}">
+                <a16:creationId xmlns:a16="http://schemas.microsoft.com/office/drawing/2014/main" id="{DAAE4CDD-124C-4DCF-9584-B6033B545DD5}"/>
+              </a:ext>
+              <a:ext uri="{C183D7F6-B498-43B3-948B-1728B52AA6E4}">
+                <adec:decorative xmlns:adec="http://schemas.microsoft.com/office/drawing/2017/decorative" val="1"/>
+              </a:ext>
+            </a:extLst>
+          </p:cNvPr>
+          <p:cNvSpPr>
+            <a:spLocks noGrp="1" noRot="1" noChangeAspect="1" noMove="1" noResize="1" noEditPoints="1" noAdjustHandles="1" noChangeArrowheads="1" noChangeShapeType="1" noTextEdit="1"/>
+          </p:cNvSpPr>
+          <p:nvPr>
+            <p:extLst>
+              <p:ext uri="{386F3935-93C4-4BCD-93E2-E3B085C9AB24}">
+                <p16:designElem xmlns:p16="http://schemas.microsoft.com/office/powerpoint/2015/main" val="1"/>
+              </p:ext>
+            </p:extLst>
+          </p:nvPr>
+        </p:nvSpPr>
+        <p:spPr>
+          <a:xfrm>
+            <a:off x="1" y="0"/>
+            <a:ext cx="4167271" cy="6858000"/>
+          </a:xfrm>
+          <a:custGeom>
+            <a:avLst/>
+            <a:gdLst>
+              <a:gd name="connsiteX0" fmla="*/ 0 w 4167271"/>
+              <a:gd name="connsiteY0" fmla="*/ 0 h 6858000"/>
+              <a:gd name="connsiteX1" fmla="*/ 2259550 w 4167271"/>
+              <a:gd name="connsiteY1" fmla="*/ 0 h 6858000"/>
+              <a:gd name="connsiteX2" fmla="*/ 2387803 w 4167271"/>
+              <a:gd name="connsiteY2" fmla="*/ 82222 h 6858000"/>
+              <a:gd name="connsiteX3" fmla="*/ 4167271 w 4167271"/>
+              <a:gd name="connsiteY3" fmla="*/ 3429000 h 6858000"/>
+              <a:gd name="connsiteX4" fmla="*/ 2387803 w 4167271"/>
+              <a:gd name="connsiteY4" fmla="*/ 6775779 h 6858000"/>
+              <a:gd name="connsiteX5" fmla="*/ 2259550 w 4167271"/>
+              <a:gd name="connsiteY5" fmla="*/ 6858000 h 6858000"/>
+              <a:gd name="connsiteX6" fmla="*/ 0 w 4167271"/>
+              <a:gd name="connsiteY6" fmla="*/ 6858000 h 6858000"/>
+            </a:gdLst>
+            <a:ahLst/>
+            <a:cxnLst>
+              <a:cxn ang="0">
+                <a:pos x="connsiteX0" y="connsiteY0"/>
+              </a:cxn>
+              <a:cxn ang="0">
+                <a:pos x="connsiteX1" y="connsiteY1"/>
+              </a:cxn>
+              <a:cxn ang="0">
+                <a:pos x="connsiteX2" y="connsiteY2"/>
+              </a:cxn>
+              <a:cxn ang="0">
+                <a:pos x="connsiteX3" y="connsiteY3"/>
+              </a:cxn>
+              <a:cxn ang="0">
+                <a:pos x="connsiteX4" y="connsiteY4"/>
+              </a:cxn>
+              <a:cxn ang="0">
+                <a:pos x="connsiteX5" y="connsiteY5"/>
+              </a:cxn>
+              <a:cxn ang="0">
+                <a:pos x="connsiteX6" y="connsiteY6"/>
+              </a:cxn>
+            </a:cxnLst>
+            <a:rect l="l" t="t" r="r" b="b"/>
+            <a:pathLst>
+              <a:path w="4167271" h="6858000">
+                <a:moveTo>
+                  <a:pt x="0" y="0"/>
+                </a:moveTo>
+                <a:lnTo>
+                  <a:pt x="2259550" y="0"/>
+                </a:lnTo>
+                <a:lnTo>
+                  <a:pt x="2387803" y="82222"/>
+                </a:lnTo>
+                <a:cubicBezTo>
+                  <a:pt x="3461407" y="807534"/>
+                  <a:pt x="4167271" y="2035835"/>
+                  <a:pt x="4167271" y="3429000"/>
+                </a:cubicBezTo>
+                <a:cubicBezTo>
+                  <a:pt x="4167271" y="4822165"/>
+                  <a:pt x="3461407" y="6050467"/>
+                  <a:pt x="2387803" y="6775779"/>
+                </a:cubicBezTo>
+                <a:lnTo>
+                  <a:pt x="2259550" y="6858000"/>
+                </a:lnTo>
+                <a:lnTo>
+                  <a:pt x="0" y="6858000"/>
+                </a:lnTo>
+                <a:close/>
+              </a:path>
+            </a:pathLst>
+          </a:custGeom>
+          <a:solidFill>
+            <a:schemeClr val="accent2"/>
+          </a:solidFill>
+          <a:ln>
+            <a:noFill/>
+          </a:ln>
+        </p:spPr>
+        <p:style>
+          <a:lnRef idx="2">
+            <a:schemeClr val="accent1">
+              <a:shade val="50000"/>
+            </a:schemeClr>
+          </a:lnRef>
+          <a:fillRef idx="1">
+            <a:schemeClr val="accent1"/>
+          </a:fillRef>
+          <a:effectRef idx="0">
+            <a:schemeClr val="accent1"/>
+          </a:effectRef>
+          <a:fontRef idx="minor">
+            <a:schemeClr val="lt1"/>
+          </a:fontRef>
+        </p:style>
+        <p:txBody>
+          <a:bodyPr rtlCol="0" anchor="ctr"/>
+          <a:lstStyle/>
+          <a:p>
+            <a:pPr algn="ctr"/>
+            <a:endParaRPr lang="en-US"/>
+          </a:p>
+        </p:txBody>
+      </p:sp>
+      <p:sp>
+        <p:nvSpPr>
+          <p:cNvPr id="2" name="Title 1">
+            <a:extLst>
+              <a:ext uri="{FF2B5EF4-FFF2-40B4-BE49-F238E27FC236}">
+                <a16:creationId xmlns:a16="http://schemas.microsoft.com/office/drawing/2014/main" id="{604CD088-9924-FDF8-32EA-64AD14C5DE41}"/>
+              </a:ext>
+            </a:extLst>
+          </p:cNvPr>
+          <p:cNvSpPr>
+            <a:spLocks noGrp="1"/>
+          </p:cNvSpPr>
+          <p:nvPr>
+            <p:ph type="title"/>
+          </p:nvPr>
+        </p:nvSpPr>
+        <p:spPr>
+          <a:xfrm>
+            <a:off x="686834" y="1153572"/>
+            <a:ext cx="3200400" cy="4461163"/>
+          </a:xfrm>
+        </p:spPr>
+        <p:txBody>
+          <a:bodyPr>
+            <a:normAutofit/>
+          </a:bodyPr>
+          <a:lstStyle/>
+          <a:p>
+            <a:r>
+              <a:rPr lang="en-US" dirty="0">
+                <a:solidFill>
+                  <a:srgbClr val="FFFFFF"/>
+                </a:solidFill>
+              </a:rPr>
+              <a:t>Unity</a:t>
+            </a:r>
+          </a:p>
+        </p:txBody>
+      </p:sp>
+      <p:sp>
+        <p:nvSpPr>
+          <p:cNvPr id="12" name="Arc 11">
+            <a:extLst>
+              <a:ext uri="{FF2B5EF4-FFF2-40B4-BE49-F238E27FC236}">
+                <a16:creationId xmlns:a16="http://schemas.microsoft.com/office/drawing/2014/main" id="{081E4A58-353D-44AE-B2FC-2A74E2E400F7}"/>
+              </a:ext>
+              <a:ext uri="{C183D7F6-B498-43B3-948B-1728B52AA6E4}">
+                <adec:decorative xmlns:adec="http://schemas.microsoft.com/office/drawing/2017/decorative" val="1"/>
+              </a:ext>
+            </a:extLst>
+          </p:cNvPr>
+          <p:cNvSpPr>
+            <a:spLocks noGrp="1" noRot="1" noChangeAspect="1" noMove="1" noResize="1" noEditPoints="1" noAdjustHandles="1" noChangeArrowheads="1" noChangeShapeType="1" noTextEdit="1"/>
+          </p:cNvSpPr>
+          <p:nvPr>
+            <p:extLst>
+              <p:ext uri="{386F3935-93C4-4BCD-93E2-E3B085C9AB24}">
+                <p16:designElem xmlns:p16="http://schemas.microsoft.com/office/powerpoint/2015/main" val="1"/>
+              </p:ext>
+            </p:extLst>
+          </p:nvPr>
+        </p:nvSpPr>
+        <p:spPr>
+          <a:xfrm flipV="1">
+            <a:off x="7550402" y="2455479"/>
+            <a:ext cx="4083433" cy="4083433"/>
+          </a:xfrm>
+          <a:prstGeom prst="arc">
+            <a:avLst/>
+          </a:prstGeom>
+          <a:ln w="127000" cap="rnd">
+            <a:solidFill>
+              <a:schemeClr val="accent4"/>
+            </a:solidFill>
+            <a:prstDash val="dash"/>
+          </a:ln>
+        </p:spPr>
+        <p:style>
+          <a:lnRef idx="1">
+            <a:schemeClr val="accent1"/>
+          </a:lnRef>
+          <a:fillRef idx="0">
+            <a:schemeClr val="accent1"/>
+          </a:fillRef>
+          <a:effectRef idx="0">
+            <a:schemeClr val="accent1"/>
+          </a:effectRef>
+          <a:fontRef idx="minor">
+            <a:schemeClr val="tx1"/>
+          </a:fontRef>
+        </p:style>
+        <p:txBody>
+          <a:bodyPr rtlCol="0" anchor="ctr"/>
+          <a:lstStyle/>
+          <a:p>
+            <a:pPr algn="ctr"/>
+            <a:endParaRPr lang="en-US" dirty="0"/>
+          </a:p>
+        </p:txBody>
+      </p:sp>
+      <p:sp>
+        <p:nvSpPr>
+          <p:cNvPr id="3" name="Content Placeholder 2">
+            <a:extLst>
+              <a:ext uri="{FF2B5EF4-FFF2-40B4-BE49-F238E27FC236}">
+                <a16:creationId xmlns:a16="http://schemas.microsoft.com/office/drawing/2014/main" id="{506ECF03-3832-CE61-45EB-6C148D597A92}"/>
+              </a:ext>
+            </a:extLst>
+          </p:cNvPr>
+          <p:cNvSpPr>
+            <a:spLocks noGrp="1"/>
+          </p:cNvSpPr>
+          <p:nvPr>
+            <p:ph idx="1"/>
+          </p:nvPr>
+        </p:nvSpPr>
+        <p:spPr>
+          <a:xfrm>
+            <a:off x="4447308" y="591344"/>
+            <a:ext cx="6906491" cy="5585619"/>
+          </a:xfrm>
+        </p:spPr>
+        <p:txBody>
+          <a:bodyPr anchor="ctr">
+            <a:normAutofit/>
+          </a:bodyPr>
+          <a:lstStyle/>
+          <a:p>
+            <a:r>
+              <a:rPr lang="en-US" dirty="0"/>
+              <a:t>YouTube/</a:t>
+            </a:r>
+            <a:r>
+              <a:rPr lang="en-US" dirty="0" err="1"/>
+              <a:t>Brackeys</a:t>
+            </a:r>
+            <a:endParaRPr lang="en-US" dirty="0"/>
+          </a:p>
+          <a:p>
+            <a:r>
+              <a:rPr lang="en-US" dirty="0"/>
+              <a:t>Cosmic Battle</a:t>
+            </a:r>
+          </a:p>
+          <a:p>
+            <a:pPr lvl="1"/>
+            <a:r>
+              <a:rPr lang="en-US" dirty="0">
+                <a:hlinkClick r:id="rId2"/>
+              </a:rPr>
+              <a:t>https://kevmoens.s3.amazonaws.com/CosmicBattle/index.html</a:t>
+            </a:r>
+            <a:endParaRPr lang="en-US" dirty="0"/>
+          </a:p>
+          <a:p>
+            <a:r>
+              <a:rPr lang="en-US" dirty="0"/>
+              <a:t>Lego – Unity Tutorial</a:t>
+            </a:r>
+          </a:p>
+          <a:p>
+            <a:pPr lvl="1"/>
+            <a:r>
+              <a:rPr lang="en-US" dirty="0">
+                <a:hlinkClick r:id="rId3"/>
+              </a:rPr>
+              <a:t>https://kevmoens.s3.amazonaws.com/LegoSampleGame/index.html</a:t>
+            </a:r>
+            <a:endParaRPr lang="en-US" dirty="0"/>
+          </a:p>
+          <a:p>
+            <a:r>
+              <a:rPr lang="en-US" dirty="0"/>
+              <a:t>Matt Ramage – Green Bay Packers Podcaster</a:t>
+            </a:r>
+          </a:p>
+          <a:p>
+            <a:pPr lvl="1"/>
+            <a:r>
+              <a:rPr lang="en-US" dirty="0">
+                <a:hlinkClick r:id="rId4"/>
+              </a:rPr>
+              <a:t>Unity WebGL Player | </a:t>
+            </a:r>
+            <a:r>
+              <a:rPr lang="en-US" dirty="0" err="1">
+                <a:hlinkClick r:id="rId4"/>
+              </a:rPr>
+              <a:t>MattRamage</a:t>
+            </a:r>
+            <a:r>
+              <a:rPr lang="en-US" dirty="0">
+                <a:hlinkClick r:id="rId4"/>
+              </a:rPr>
+              <a:t> (kevmoens.s3.amazonaws.com)</a:t>
+            </a:r>
+            <a:endParaRPr lang="en-US" dirty="0"/>
+          </a:p>
+        </p:txBody>
+      </p:sp>
+    </p:spTree>
+    <p:extLst>
+      <p:ext uri="{BB962C8B-B14F-4D97-AF65-F5344CB8AC3E}">
+        <p14:creationId xmlns:p14="http://schemas.microsoft.com/office/powerpoint/2010/main" val="825674288"/>
+      </p:ext>
+    </p:extLst>
+  </p:cSld>
+  <p:clrMapOvr>
+    <a:masterClrMapping/>
+  </p:clrMapOvr>
+</p:sld>
+</file>
+
+<file path=ppt/slides/slide13.xml><?xml version="1.0" encoding="utf-8"?>
+<p:sld xmlns:a="http://schemas.openxmlformats.org/drawingml/2006/main" xmlns:r="http://schemas.openxmlformats.org/officeDocument/2006/relationships" xmlns:p="http://schemas.openxmlformats.org/presentationml/2006/main">
+  <p:cSld>
+    <p:bg>
+      <p:bgPr>
+        <a:solidFill>
+          <a:schemeClr val="bg1"/>
+        </a:solidFill>
+        <a:effectLst/>
+      </p:bgPr>
+    </p:bg>
+    <p:spTree>
+      <p:nvGrpSpPr>
+        <p:cNvPr id="1" name=""/>
+        <p:cNvGrpSpPr/>
+        <p:nvPr/>
+      </p:nvGrpSpPr>
+      <p:grpSpPr>
+        <a:xfrm>
+          <a:off x="0" y="0"/>
+          <a:ext cx="0" cy="0"/>
+          <a:chOff x="0" y="0"/>
+          <a:chExt cx="0" cy="0"/>
+        </a:xfrm>
+      </p:grpSpPr>
+      <p:sp useBgFill="1">
+        <p:nvSpPr>
+          <p:cNvPr id="8" name="Rectangle 7">
+            <a:extLst>
+              <a:ext uri="{FF2B5EF4-FFF2-40B4-BE49-F238E27FC236}">
+                <a16:creationId xmlns:a16="http://schemas.microsoft.com/office/drawing/2014/main" id="{907EF6B7-1338-4443-8C46-6A318D952DFD}"/>
+              </a:ext>
+              <a:ext uri="{C183D7F6-B498-43B3-948B-1728B52AA6E4}">
+                <adec:decorative xmlns:adec="http://schemas.microsoft.com/office/drawing/2017/decorative" val="1"/>
+              </a:ext>
+            </a:extLst>
+          </p:cNvPr>
+          <p:cNvSpPr>
+            <a:spLocks noGrp="1" noRot="1" noChangeAspect="1" noMove="1" noResize="1" noEditPoints="1" noAdjustHandles="1" noChangeArrowheads="1" noChangeShapeType="1" noTextEdit="1"/>
+          </p:cNvSpPr>
+          <p:nvPr>
+            <p:extLst>
+              <p:ext uri="{386F3935-93C4-4BCD-93E2-E3B085C9AB24}">
+                <p16:designElem xmlns:p16="http://schemas.microsoft.com/office/powerpoint/2015/main" val="1"/>
+              </p:ext>
+            </p:extLst>
+          </p:nvPr>
+        </p:nvSpPr>
+        <p:spPr>
+          <a:xfrm>
+            <a:off x="3048" y="0"/>
+            <a:ext cx="12188952" cy="6858000"/>
+          </a:xfrm>
+          <a:prstGeom prst="rect">
+            <a:avLst/>
+          </a:prstGeom>
+          <a:ln>
+            <a:noFill/>
+          </a:ln>
+        </p:spPr>
+        <p:style>
+          <a:lnRef idx="2">
+            <a:schemeClr val="accent1">
+              <a:shade val="50000"/>
+            </a:schemeClr>
+          </a:lnRef>
+          <a:fillRef idx="1">
+            <a:schemeClr val="accent1"/>
+          </a:fillRef>
+          <a:effectRef idx="0">
+            <a:schemeClr val="accent1"/>
+          </a:effectRef>
+          <a:fontRef idx="minor">
+            <a:schemeClr val="lt1"/>
+          </a:fontRef>
+        </p:style>
+        <p:txBody>
+          <a:bodyPr rtlCol="0" anchor="ctr"/>
+          <a:lstStyle/>
+          <a:p>
+            <a:pPr algn="ctr"/>
+            <a:endParaRPr lang="en-US"/>
+          </a:p>
+        </p:txBody>
+      </p:sp>
+      <p:sp>
+        <p:nvSpPr>
+          <p:cNvPr id="10" name="Freeform: Shape 9">
+            <a:extLst>
+              <a:ext uri="{FF2B5EF4-FFF2-40B4-BE49-F238E27FC236}">
+                <a16:creationId xmlns:a16="http://schemas.microsoft.com/office/drawing/2014/main" id="{DAAE4CDD-124C-4DCF-9584-B6033B545DD5}"/>
+              </a:ext>
+              <a:ext uri="{C183D7F6-B498-43B3-948B-1728B52AA6E4}">
+                <adec:decorative xmlns:adec="http://schemas.microsoft.com/office/drawing/2017/decorative" val="1"/>
+              </a:ext>
+            </a:extLst>
+          </p:cNvPr>
+          <p:cNvSpPr>
+            <a:spLocks noGrp="1" noRot="1" noChangeAspect="1" noMove="1" noResize="1" noEditPoints="1" noAdjustHandles="1" noChangeArrowheads="1" noChangeShapeType="1" noTextEdit="1"/>
+          </p:cNvSpPr>
+          <p:nvPr>
+            <p:extLst>
+              <p:ext uri="{386F3935-93C4-4BCD-93E2-E3B085C9AB24}">
+                <p16:designElem xmlns:p16="http://schemas.microsoft.com/office/powerpoint/2015/main" val="1"/>
+              </p:ext>
+            </p:extLst>
+          </p:nvPr>
+        </p:nvSpPr>
+        <p:spPr>
+          <a:xfrm>
+            <a:off x="1" y="0"/>
+            <a:ext cx="4167271" cy="6858000"/>
+          </a:xfrm>
+          <a:custGeom>
+            <a:avLst/>
+            <a:gdLst>
+              <a:gd name="connsiteX0" fmla="*/ 0 w 4167271"/>
+              <a:gd name="connsiteY0" fmla="*/ 0 h 6858000"/>
+              <a:gd name="connsiteX1" fmla="*/ 2259550 w 4167271"/>
+              <a:gd name="connsiteY1" fmla="*/ 0 h 6858000"/>
+              <a:gd name="connsiteX2" fmla="*/ 2387803 w 4167271"/>
+              <a:gd name="connsiteY2" fmla="*/ 82222 h 6858000"/>
+              <a:gd name="connsiteX3" fmla="*/ 4167271 w 4167271"/>
+              <a:gd name="connsiteY3" fmla="*/ 3429000 h 6858000"/>
+              <a:gd name="connsiteX4" fmla="*/ 2387803 w 4167271"/>
+              <a:gd name="connsiteY4" fmla="*/ 6775779 h 6858000"/>
+              <a:gd name="connsiteX5" fmla="*/ 2259550 w 4167271"/>
+              <a:gd name="connsiteY5" fmla="*/ 6858000 h 6858000"/>
+              <a:gd name="connsiteX6" fmla="*/ 0 w 4167271"/>
+              <a:gd name="connsiteY6" fmla="*/ 6858000 h 6858000"/>
+            </a:gdLst>
+            <a:ahLst/>
+            <a:cxnLst>
+              <a:cxn ang="0">
+                <a:pos x="connsiteX0" y="connsiteY0"/>
+              </a:cxn>
+              <a:cxn ang="0">
+                <a:pos x="connsiteX1" y="connsiteY1"/>
+              </a:cxn>
+              <a:cxn ang="0">
+                <a:pos x="connsiteX2" y="connsiteY2"/>
+              </a:cxn>
+              <a:cxn ang="0">
+                <a:pos x="connsiteX3" y="connsiteY3"/>
+              </a:cxn>
+              <a:cxn ang="0">
+                <a:pos x="connsiteX4" y="connsiteY4"/>
+              </a:cxn>
+              <a:cxn ang="0">
+                <a:pos x="connsiteX5" y="connsiteY5"/>
+              </a:cxn>
+              <a:cxn ang="0">
+                <a:pos x="connsiteX6" y="connsiteY6"/>
+              </a:cxn>
+            </a:cxnLst>
+            <a:rect l="l" t="t" r="r" b="b"/>
+            <a:pathLst>
+              <a:path w="4167271" h="6858000">
+                <a:moveTo>
+                  <a:pt x="0" y="0"/>
+                </a:moveTo>
+                <a:lnTo>
+                  <a:pt x="2259550" y="0"/>
+                </a:lnTo>
+                <a:lnTo>
+                  <a:pt x="2387803" y="82222"/>
+                </a:lnTo>
+                <a:cubicBezTo>
+                  <a:pt x="3461407" y="807534"/>
+                  <a:pt x="4167271" y="2035835"/>
+                  <a:pt x="4167271" y="3429000"/>
+                </a:cubicBezTo>
+                <a:cubicBezTo>
+                  <a:pt x="4167271" y="4822165"/>
+                  <a:pt x="3461407" y="6050467"/>
+                  <a:pt x="2387803" y="6775779"/>
+                </a:cubicBezTo>
+                <a:lnTo>
+                  <a:pt x="2259550" y="6858000"/>
+                </a:lnTo>
+                <a:lnTo>
+                  <a:pt x="0" y="6858000"/>
+                </a:lnTo>
+                <a:close/>
+              </a:path>
+            </a:pathLst>
+          </a:custGeom>
+          <a:solidFill>
+            <a:schemeClr val="accent2"/>
+          </a:solidFill>
+          <a:ln>
+            <a:noFill/>
+          </a:ln>
+        </p:spPr>
+        <p:style>
+          <a:lnRef idx="2">
+            <a:schemeClr val="accent1">
+              <a:shade val="50000"/>
+            </a:schemeClr>
+          </a:lnRef>
+          <a:fillRef idx="1">
+            <a:schemeClr val="accent1"/>
+          </a:fillRef>
+          <a:effectRef idx="0">
+            <a:schemeClr val="accent1"/>
+          </a:effectRef>
+          <a:fontRef idx="minor">
+            <a:schemeClr val="lt1"/>
+          </a:fontRef>
+        </p:style>
+        <p:txBody>
+          <a:bodyPr rtlCol="0" anchor="ctr"/>
+          <a:lstStyle/>
+          <a:p>
+            <a:pPr algn="ctr"/>
+            <a:endParaRPr lang="en-US"/>
+          </a:p>
+        </p:txBody>
+      </p:sp>
+      <p:sp>
+        <p:nvSpPr>
+          <p:cNvPr id="2" name="Title 1">
+            <a:extLst>
+              <a:ext uri="{FF2B5EF4-FFF2-40B4-BE49-F238E27FC236}">
+                <a16:creationId xmlns:a16="http://schemas.microsoft.com/office/drawing/2014/main" id="{604CD088-9924-FDF8-32EA-64AD14C5DE41}"/>
+              </a:ext>
+            </a:extLst>
+          </p:cNvPr>
+          <p:cNvSpPr>
+            <a:spLocks noGrp="1"/>
+          </p:cNvSpPr>
+          <p:nvPr>
+            <p:ph type="title"/>
+          </p:nvPr>
+        </p:nvSpPr>
+        <p:spPr>
+          <a:xfrm>
+            <a:off x="686834" y="1153572"/>
+            <a:ext cx="3200400" cy="4461163"/>
+          </a:xfrm>
+        </p:spPr>
+        <p:txBody>
+          <a:bodyPr>
+            <a:normAutofit/>
+          </a:bodyPr>
+          <a:lstStyle/>
+          <a:p>
+            <a:pPr algn="ctr"/>
+            <a:r>
+              <a:rPr lang="en-US" dirty="0">
+                <a:solidFill>
+                  <a:srgbClr val="FFFFFF"/>
+                </a:solidFill>
+              </a:rPr>
+              <a:t>HTML</a:t>
+            </a:r>
+            <a:br>
+              <a:rPr lang="en-US" dirty="0">
+                <a:solidFill>
+                  <a:srgbClr val="FFFFFF"/>
+                </a:solidFill>
+              </a:rPr>
+            </a:br>
+            <a:r>
+              <a:rPr lang="en-US" dirty="0">
+                <a:solidFill>
+                  <a:srgbClr val="FFFFFF"/>
+                </a:solidFill>
+              </a:rPr>
+              <a:t>Web</a:t>
+            </a:r>
+            <a:br>
+              <a:rPr lang="en-US" dirty="0">
+                <a:solidFill>
+                  <a:srgbClr val="FFFFFF"/>
+                </a:solidFill>
+              </a:rPr>
+            </a:br>
+            <a:r>
+              <a:rPr lang="en-US" dirty="0" err="1">
+                <a:solidFill>
+                  <a:srgbClr val="FFFFFF"/>
+                </a:solidFill>
+              </a:rPr>
+              <a:t>Blazor</a:t>
+            </a:r>
+            <a:endParaRPr lang="en-US" dirty="0">
+              <a:solidFill>
+                <a:srgbClr val="FFFFFF"/>
+              </a:solidFill>
+            </a:endParaRPr>
+          </a:p>
+        </p:txBody>
+      </p:sp>
+      <p:sp>
+        <p:nvSpPr>
+          <p:cNvPr id="12" name="Arc 11">
+            <a:extLst>
+              <a:ext uri="{FF2B5EF4-FFF2-40B4-BE49-F238E27FC236}">
+                <a16:creationId xmlns:a16="http://schemas.microsoft.com/office/drawing/2014/main" id="{081E4A58-353D-44AE-B2FC-2A74E2E400F7}"/>
+              </a:ext>
+              <a:ext uri="{C183D7F6-B498-43B3-948B-1728B52AA6E4}">
+                <adec:decorative xmlns:adec="http://schemas.microsoft.com/office/drawing/2017/decorative" val="1"/>
+              </a:ext>
+            </a:extLst>
+          </p:cNvPr>
+          <p:cNvSpPr>
+            <a:spLocks noGrp="1" noRot="1" noChangeAspect="1" noMove="1" noResize="1" noEditPoints="1" noAdjustHandles="1" noChangeArrowheads="1" noChangeShapeType="1" noTextEdit="1"/>
+          </p:cNvSpPr>
+          <p:nvPr>
+            <p:extLst>
+              <p:ext uri="{386F3935-93C4-4BCD-93E2-E3B085C9AB24}">
+                <p16:designElem xmlns:p16="http://schemas.microsoft.com/office/powerpoint/2015/main" val="1"/>
+              </p:ext>
+            </p:extLst>
+          </p:nvPr>
+        </p:nvSpPr>
+        <p:spPr>
+          <a:xfrm flipV="1">
+            <a:off x="7550402" y="2455479"/>
+            <a:ext cx="4083433" cy="4083433"/>
+          </a:xfrm>
+          <a:prstGeom prst="arc">
+            <a:avLst/>
+          </a:prstGeom>
+          <a:ln w="127000" cap="rnd">
+            <a:solidFill>
+              <a:schemeClr val="accent4"/>
+            </a:solidFill>
+            <a:prstDash val="dash"/>
+          </a:ln>
+        </p:spPr>
+        <p:style>
+          <a:lnRef idx="1">
+            <a:schemeClr val="accent1"/>
+          </a:lnRef>
+          <a:fillRef idx="0">
+            <a:schemeClr val="accent1"/>
+          </a:fillRef>
+          <a:effectRef idx="0">
+            <a:schemeClr val="accent1"/>
+          </a:effectRef>
+          <a:fontRef idx="minor">
+            <a:schemeClr val="tx1"/>
+          </a:fontRef>
+        </p:style>
+        <p:txBody>
+          <a:bodyPr rtlCol="0" anchor="ctr"/>
+          <a:lstStyle/>
+          <a:p>
+            <a:pPr algn="ctr"/>
+            <a:endParaRPr lang="en-US" dirty="0"/>
+          </a:p>
+        </p:txBody>
+      </p:sp>
+      <p:sp>
+        <p:nvSpPr>
+          <p:cNvPr id="3" name="Content Placeholder 2">
+            <a:extLst>
+              <a:ext uri="{FF2B5EF4-FFF2-40B4-BE49-F238E27FC236}">
+                <a16:creationId xmlns:a16="http://schemas.microsoft.com/office/drawing/2014/main" id="{506ECF03-3832-CE61-45EB-6C148D597A92}"/>
+              </a:ext>
+            </a:extLst>
+          </p:cNvPr>
+          <p:cNvSpPr>
+            <a:spLocks noGrp="1"/>
+          </p:cNvSpPr>
+          <p:nvPr>
+            <p:ph idx="1"/>
+          </p:nvPr>
+        </p:nvSpPr>
+        <p:spPr>
+          <a:xfrm>
+            <a:off x="4447308" y="591344"/>
+            <a:ext cx="6906491" cy="5585619"/>
+          </a:xfrm>
+        </p:spPr>
+        <p:txBody>
+          <a:bodyPr anchor="ctr">
+            <a:normAutofit/>
+          </a:bodyPr>
+          <a:lstStyle/>
+          <a:p>
+            <a:r>
+              <a:rPr lang="en-US" dirty="0"/>
+              <a:t>Free Code Camp</a:t>
+            </a:r>
+          </a:p>
+          <a:p>
+            <a:r>
+              <a:rPr lang="en-US" dirty="0"/>
+              <a:t>Flexbox Froggy</a:t>
+            </a:r>
+          </a:p>
+          <a:p>
+            <a:r>
+              <a:rPr lang="en-US" dirty="0"/>
+              <a:t>Grid Garden</a:t>
+            </a:r>
+          </a:p>
+          <a:p>
+            <a:r>
+              <a:rPr lang="en-US" dirty="0"/>
+              <a:t>Microsoft Learn</a:t>
+            </a:r>
+          </a:p>
+          <a:p>
+            <a:r>
+              <a:rPr lang="en-US" dirty="0"/>
+              <a:t>Tim Corey C# Challenge using GitHub OSS</a:t>
+            </a:r>
+          </a:p>
+          <a:p>
+            <a:pPr lvl="1"/>
+            <a:r>
+              <a:rPr lang="en-US" dirty="0" err="1"/>
+              <a:t>Wuphf</a:t>
+            </a:r>
+            <a:endParaRPr lang="en-US" dirty="0"/>
+          </a:p>
+        </p:txBody>
+      </p:sp>
+    </p:spTree>
+    <p:extLst>
+      <p:ext uri="{BB962C8B-B14F-4D97-AF65-F5344CB8AC3E}">
+        <p14:creationId xmlns:p14="http://schemas.microsoft.com/office/powerpoint/2010/main" val="1325740911"/>
+      </p:ext>
+    </p:extLst>
+  </p:cSld>
+  <p:clrMapOvr>
+    <a:masterClrMapping/>
+  </p:clrMapOvr>
+</p:sld>
+</file>
+
+<file path=ppt/slides/slide14.xml><?xml version="1.0" encoding="utf-8"?>
+<p:sld xmlns:a="http://schemas.openxmlformats.org/drawingml/2006/main" xmlns:r="http://schemas.openxmlformats.org/officeDocument/2006/relationships" xmlns:p="http://schemas.openxmlformats.org/presentationml/2006/main">
+  <p:cSld>
+    <p:bg>
+      <p:bgPr>
+        <a:solidFill>
+          <a:schemeClr val="bg1"/>
+        </a:solidFill>
+        <a:effectLst/>
+      </p:bgPr>
+    </p:bg>
+    <p:spTree>
+      <p:nvGrpSpPr>
+        <p:cNvPr id="1" name=""/>
+        <p:cNvGrpSpPr/>
+        <p:nvPr/>
+      </p:nvGrpSpPr>
+      <p:grpSpPr>
+        <a:xfrm>
+          <a:off x="0" y="0"/>
+          <a:ext cx="0" cy="0"/>
+          <a:chOff x="0" y="0"/>
+          <a:chExt cx="0" cy="0"/>
+        </a:xfrm>
+      </p:grpSpPr>
+      <p:sp useBgFill="1">
+        <p:nvSpPr>
+          <p:cNvPr id="8" name="Rectangle 7">
+            <a:extLst>
+              <a:ext uri="{FF2B5EF4-FFF2-40B4-BE49-F238E27FC236}">
+                <a16:creationId xmlns:a16="http://schemas.microsoft.com/office/drawing/2014/main" id="{907EF6B7-1338-4443-8C46-6A318D952DFD}"/>
+              </a:ext>
+              <a:ext uri="{C183D7F6-B498-43B3-948B-1728B52AA6E4}">
+                <adec:decorative xmlns:adec="http://schemas.microsoft.com/office/drawing/2017/decorative" val="1"/>
+              </a:ext>
+            </a:extLst>
+          </p:cNvPr>
+          <p:cNvSpPr>
+            <a:spLocks noGrp="1" noRot="1" noChangeAspect="1" noMove="1" noResize="1" noEditPoints="1" noAdjustHandles="1" noChangeArrowheads="1" noChangeShapeType="1" noTextEdit="1"/>
+          </p:cNvSpPr>
+          <p:nvPr>
+            <p:extLst>
+              <p:ext uri="{386F3935-93C4-4BCD-93E2-E3B085C9AB24}">
+                <p16:designElem xmlns:p16="http://schemas.microsoft.com/office/powerpoint/2015/main" val="1"/>
+              </p:ext>
+            </p:extLst>
+          </p:nvPr>
+        </p:nvSpPr>
+        <p:spPr>
+          <a:xfrm>
+            <a:off x="3048" y="0"/>
+            <a:ext cx="12188952" cy="6858000"/>
+          </a:xfrm>
+          <a:prstGeom prst="rect">
+            <a:avLst/>
+          </a:prstGeom>
+          <a:ln>
+            <a:noFill/>
+          </a:ln>
+        </p:spPr>
+        <p:style>
+          <a:lnRef idx="2">
+            <a:schemeClr val="accent1">
+              <a:shade val="50000"/>
+            </a:schemeClr>
+          </a:lnRef>
+          <a:fillRef idx="1">
+            <a:schemeClr val="accent1"/>
+          </a:fillRef>
+          <a:effectRef idx="0">
+            <a:schemeClr val="accent1"/>
+          </a:effectRef>
+          <a:fontRef idx="minor">
+            <a:schemeClr val="lt1"/>
+          </a:fontRef>
+        </p:style>
+        <p:txBody>
+          <a:bodyPr rtlCol="0" anchor="ctr"/>
+          <a:lstStyle/>
+          <a:p>
+            <a:pPr algn="ctr"/>
+            <a:endParaRPr lang="en-US"/>
+          </a:p>
+        </p:txBody>
+      </p:sp>
+      <p:sp>
+        <p:nvSpPr>
+          <p:cNvPr id="10" name="Freeform: Shape 9">
+            <a:extLst>
+              <a:ext uri="{FF2B5EF4-FFF2-40B4-BE49-F238E27FC236}">
+                <a16:creationId xmlns:a16="http://schemas.microsoft.com/office/drawing/2014/main" id="{DAAE4CDD-124C-4DCF-9584-B6033B545DD5}"/>
+              </a:ext>
+              <a:ext uri="{C183D7F6-B498-43B3-948B-1728B52AA6E4}">
+                <adec:decorative xmlns:adec="http://schemas.microsoft.com/office/drawing/2017/decorative" val="1"/>
+              </a:ext>
+            </a:extLst>
+          </p:cNvPr>
+          <p:cNvSpPr>
+            <a:spLocks noGrp="1" noRot="1" noChangeAspect="1" noMove="1" noResize="1" noEditPoints="1" noAdjustHandles="1" noChangeArrowheads="1" noChangeShapeType="1" noTextEdit="1"/>
+          </p:cNvSpPr>
+          <p:nvPr>
+            <p:extLst>
+              <p:ext uri="{386F3935-93C4-4BCD-93E2-E3B085C9AB24}">
+                <p16:designElem xmlns:p16="http://schemas.microsoft.com/office/powerpoint/2015/main" val="1"/>
+              </p:ext>
+            </p:extLst>
+          </p:nvPr>
+        </p:nvSpPr>
+        <p:spPr>
+          <a:xfrm>
+            <a:off x="1" y="0"/>
+            <a:ext cx="4167271" cy="6858000"/>
+          </a:xfrm>
+          <a:custGeom>
+            <a:avLst/>
+            <a:gdLst>
+              <a:gd name="connsiteX0" fmla="*/ 0 w 4167271"/>
+              <a:gd name="connsiteY0" fmla="*/ 0 h 6858000"/>
+              <a:gd name="connsiteX1" fmla="*/ 2259550 w 4167271"/>
+              <a:gd name="connsiteY1" fmla="*/ 0 h 6858000"/>
+              <a:gd name="connsiteX2" fmla="*/ 2387803 w 4167271"/>
+              <a:gd name="connsiteY2" fmla="*/ 82222 h 6858000"/>
+              <a:gd name="connsiteX3" fmla="*/ 4167271 w 4167271"/>
+              <a:gd name="connsiteY3" fmla="*/ 3429000 h 6858000"/>
+              <a:gd name="connsiteX4" fmla="*/ 2387803 w 4167271"/>
+              <a:gd name="connsiteY4" fmla="*/ 6775779 h 6858000"/>
+              <a:gd name="connsiteX5" fmla="*/ 2259550 w 4167271"/>
+              <a:gd name="connsiteY5" fmla="*/ 6858000 h 6858000"/>
+              <a:gd name="connsiteX6" fmla="*/ 0 w 4167271"/>
+              <a:gd name="connsiteY6" fmla="*/ 6858000 h 6858000"/>
+            </a:gdLst>
+            <a:ahLst/>
+            <a:cxnLst>
+              <a:cxn ang="0">
+                <a:pos x="connsiteX0" y="connsiteY0"/>
+              </a:cxn>
+              <a:cxn ang="0">
+                <a:pos x="connsiteX1" y="connsiteY1"/>
+              </a:cxn>
+              <a:cxn ang="0">
+                <a:pos x="connsiteX2" y="connsiteY2"/>
+              </a:cxn>
+              <a:cxn ang="0">
+                <a:pos x="connsiteX3" y="connsiteY3"/>
+              </a:cxn>
+              <a:cxn ang="0">
+                <a:pos x="connsiteX4" y="connsiteY4"/>
+              </a:cxn>
+              <a:cxn ang="0">
+                <a:pos x="connsiteX5" y="connsiteY5"/>
+              </a:cxn>
+              <a:cxn ang="0">
+                <a:pos x="connsiteX6" y="connsiteY6"/>
+              </a:cxn>
+            </a:cxnLst>
+            <a:rect l="l" t="t" r="r" b="b"/>
+            <a:pathLst>
+              <a:path w="4167271" h="6858000">
+                <a:moveTo>
+                  <a:pt x="0" y="0"/>
+                </a:moveTo>
+                <a:lnTo>
+                  <a:pt x="2259550" y="0"/>
+                </a:lnTo>
+                <a:lnTo>
+                  <a:pt x="2387803" y="82222"/>
+                </a:lnTo>
+                <a:cubicBezTo>
+                  <a:pt x="3461407" y="807534"/>
+                  <a:pt x="4167271" y="2035835"/>
+                  <a:pt x="4167271" y="3429000"/>
+                </a:cubicBezTo>
+                <a:cubicBezTo>
+                  <a:pt x="4167271" y="4822165"/>
+                  <a:pt x="3461407" y="6050467"/>
+                  <a:pt x="2387803" y="6775779"/>
+                </a:cubicBezTo>
+                <a:lnTo>
+                  <a:pt x="2259550" y="6858000"/>
+                </a:lnTo>
+                <a:lnTo>
+                  <a:pt x="0" y="6858000"/>
+                </a:lnTo>
+                <a:close/>
+              </a:path>
+            </a:pathLst>
+          </a:custGeom>
+          <a:solidFill>
+            <a:schemeClr val="accent2"/>
+          </a:solidFill>
+          <a:ln>
+            <a:noFill/>
+          </a:ln>
+        </p:spPr>
+        <p:style>
+          <a:lnRef idx="2">
+            <a:schemeClr val="accent1">
+              <a:shade val="50000"/>
+            </a:schemeClr>
+          </a:lnRef>
+          <a:fillRef idx="1">
+            <a:schemeClr val="accent1"/>
+          </a:fillRef>
+          <a:effectRef idx="0">
+            <a:schemeClr val="accent1"/>
+          </a:effectRef>
+          <a:fontRef idx="minor">
+            <a:schemeClr val="lt1"/>
+          </a:fontRef>
+        </p:style>
+        <p:txBody>
+          <a:bodyPr rtlCol="0" anchor="ctr"/>
+          <a:lstStyle/>
+          <a:p>
+            <a:pPr algn="ctr"/>
+            <a:endParaRPr lang="en-US"/>
+          </a:p>
+        </p:txBody>
+      </p:sp>
+      <p:sp>
+        <p:nvSpPr>
+          <p:cNvPr id="2" name="Title 1">
+            <a:extLst>
+              <a:ext uri="{FF2B5EF4-FFF2-40B4-BE49-F238E27FC236}">
+                <a16:creationId xmlns:a16="http://schemas.microsoft.com/office/drawing/2014/main" id="{604CD088-9924-FDF8-32EA-64AD14C5DE41}"/>
+              </a:ext>
+            </a:extLst>
+          </p:cNvPr>
+          <p:cNvSpPr>
+            <a:spLocks noGrp="1"/>
+          </p:cNvSpPr>
+          <p:nvPr>
+            <p:ph type="title"/>
+          </p:nvPr>
+        </p:nvSpPr>
+        <p:spPr>
+          <a:xfrm>
+            <a:off x="686834" y="1153572"/>
+            <a:ext cx="3200400" cy="4461163"/>
+          </a:xfrm>
+        </p:spPr>
+        <p:txBody>
+          <a:bodyPr>
+            <a:normAutofit/>
+          </a:bodyPr>
+          <a:lstStyle/>
+          <a:p>
+            <a:r>
+              <a:rPr lang="en-US" dirty="0" err="1">
+                <a:solidFill>
+                  <a:srgbClr val="FFFFFF"/>
+                </a:solidFill>
+              </a:rPr>
+              <a:t>Blazor</a:t>
+            </a:r>
+            <a:endParaRPr lang="en-US" dirty="0">
+              <a:solidFill>
+                <a:srgbClr val="FFFFFF"/>
+              </a:solidFill>
+            </a:endParaRPr>
+          </a:p>
+        </p:txBody>
+      </p:sp>
+      <p:sp>
+        <p:nvSpPr>
+          <p:cNvPr id="12" name="Arc 11">
+            <a:extLst>
+              <a:ext uri="{FF2B5EF4-FFF2-40B4-BE49-F238E27FC236}">
+                <a16:creationId xmlns:a16="http://schemas.microsoft.com/office/drawing/2014/main" id="{081E4A58-353D-44AE-B2FC-2A74E2E400F7}"/>
+              </a:ext>
+              <a:ext uri="{C183D7F6-B498-43B3-948B-1728B52AA6E4}">
+                <adec:decorative xmlns:adec="http://schemas.microsoft.com/office/drawing/2017/decorative" val="1"/>
+              </a:ext>
+            </a:extLst>
+          </p:cNvPr>
+          <p:cNvSpPr>
+            <a:spLocks noGrp="1" noRot="1" noChangeAspect="1" noMove="1" noResize="1" noEditPoints="1" noAdjustHandles="1" noChangeArrowheads="1" noChangeShapeType="1" noTextEdit="1"/>
+          </p:cNvSpPr>
+          <p:nvPr>
+            <p:extLst>
+              <p:ext uri="{386F3935-93C4-4BCD-93E2-E3B085C9AB24}">
+                <p16:designElem xmlns:p16="http://schemas.microsoft.com/office/powerpoint/2015/main" val="1"/>
+              </p:ext>
+            </p:extLst>
+          </p:nvPr>
+        </p:nvSpPr>
+        <p:spPr>
+          <a:xfrm flipV="1">
+            <a:off x="7550402" y="2455479"/>
+            <a:ext cx="4083433" cy="4083433"/>
+          </a:xfrm>
+          <a:prstGeom prst="arc">
+            <a:avLst/>
+          </a:prstGeom>
+          <a:ln w="127000" cap="rnd">
+            <a:solidFill>
+              <a:schemeClr val="accent4"/>
+            </a:solidFill>
+            <a:prstDash val="dash"/>
+          </a:ln>
+        </p:spPr>
+        <p:style>
+          <a:lnRef idx="1">
+            <a:schemeClr val="accent1"/>
+          </a:lnRef>
+          <a:fillRef idx="0">
+            <a:schemeClr val="accent1"/>
+          </a:fillRef>
+          <a:effectRef idx="0">
+            <a:schemeClr val="accent1"/>
+          </a:effectRef>
+          <a:fontRef idx="minor">
+            <a:schemeClr val="tx1"/>
+          </a:fontRef>
+        </p:style>
+        <p:txBody>
+          <a:bodyPr rtlCol="0" anchor="ctr"/>
+          <a:lstStyle/>
+          <a:p>
+            <a:pPr algn="ctr"/>
+            <a:endParaRPr lang="en-US" dirty="0"/>
+          </a:p>
+        </p:txBody>
+      </p:sp>
+      <p:sp>
+        <p:nvSpPr>
+          <p:cNvPr id="3" name="Content Placeholder 2">
+            <a:extLst>
+              <a:ext uri="{FF2B5EF4-FFF2-40B4-BE49-F238E27FC236}">
+                <a16:creationId xmlns:a16="http://schemas.microsoft.com/office/drawing/2014/main" id="{506ECF03-3832-CE61-45EB-6C148D597A92}"/>
+              </a:ext>
+            </a:extLst>
+          </p:cNvPr>
+          <p:cNvSpPr>
+            <a:spLocks noGrp="1"/>
+          </p:cNvSpPr>
+          <p:nvPr>
+            <p:ph idx="1"/>
+          </p:nvPr>
+        </p:nvSpPr>
+        <p:spPr>
+          <a:xfrm>
+            <a:off x="4447308" y="636190"/>
+            <a:ext cx="6906491" cy="5585619"/>
+          </a:xfrm>
+        </p:spPr>
+        <p:txBody>
+          <a:bodyPr anchor="ctr">
+            <a:normAutofit/>
+          </a:bodyPr>
+          <a:lstStyle/>
+          <a:p>
+            <a:pPr marL="0" indent="0" algn="ctr">
+              <a:buNone/>
+            </a:pPr>
+            <a:r>
+              <a:rPr lang="en-US" sz="3200" dirty="0"/>
+              <a:t>Projects</a:t>
+            </a:r>
+            <a:endParaRPr lang="en-US" dirty="0"/>
+          </a:p>
+          <a:p>
+            <a:r>
+              <a:rPr lang="en-US" dirty="0" err="1"/>
+              <a:t>Madlibs</a:t>
+            </a:r>
+            <a:endParaRPr lang="en-US" dirty="0"/>
+          </a:p>
+          <a:p>
+            <a:r>
+              <a:rPr lang="en-US" dirty="0"/>
+              <a:t>Hangman</a:t>
+            </a:r>
+          </a:p>
+          <a:p>
+            <a:r>
+              <a:rPr lang="en-US" dirty="0"/>
+              <a:t>Jacks are Junk</a:t>
+            </a:r>
+          </a:p>
+          <a:p>
+            <a:r>
+              <a:rPr lang="en-US" dirty="0"/>
+              <a:t>Math Bingo</a:t>
+            </a:r>
+          </a:p>
+          <a:p>
+            <a:r>
+              <a:rPr lang="en-US" dirty="0"/>
+              <a:t>Ella School</a:t>
+            </a:r>
+          </a:p>
+          <a:p>
+            <a:r>
+              <a:rPr lang="en-US" dirty="0"/>
+              <a:t>Binary Puzzle Solver</a:t>
+            </a:r>
+          </a:p>
+          <a:p>
+            <a:r>
+              <a:rPr lang="en-US" dirty="0"/>
+              <a:t>Choose your own adventure</a:t>
+            </a:r>
+          </a:p>
+        </p:txBody>
+      </p:sp>
+    </p:spTree>
+    <p:extLst>
+      <p:ext uri="{BB962C8B-B14F-4D97-AF65-F5344CB8AC3E}">
+        <p14:creationId xmlns:p14="http://schemas.microsoft.com/office/powerpoint/2010/main" val="4238399885"/>
+      </p:ext>
+    </p:extLst>
+  </p:cSld>
+  <p:clrMapOvr>
+    <a:masterClrMapping/>
+  </p:clrMapOvr>
+</p:sld>
+</file>
+
+<file path=ppt/slides/slide15.xml><?xml version="1.0" encoding="utf-8"?>
+<p:sld xmlns:a="http://schemas.openxmlformats.org/drawingml/2006/main" xmlns:r="http://schemas.openxmlformats.org/officeDocument/2006/relationships" xmlns:p="http://schemas.openxmlformats.org/presentationml/2006/main">
+  <p:cSld>
+    <p:bg>
+      <p:bgPr>
+        <a:solidFill>
+          <a:schemeClr val="bg1"/>
+        </a:solidFill>
+        <a:effectLst/>
+      </p:bgPr>
+    </p:bg>
+    <p:spTree>
+      <p:nvGrpSpPr>
+        <p:cNvPr id="1" name=""/>
+        <p:cNvGrpSpPr/>
+        <p:nvPr/>
+      </p:nvGrpSpPr>
+      <p:grpSpPr>
+        <a:xfrm>
+          <a:off x="0" y="0"/>
+          <a:ext cx="0" cy="0"/>
+          <a:chOff x="0" y="0"/>
+          <a:chExt cx="0" cy="0"/>
+        </a:xfrm>
+      </p:grpSpPr>
+      <p:sp useBgFill="1">
+        <p:nvSpPr>
+          <p:cNvPr id="8" name="Rectangle 7">
+            <a:extLst>
+              <a:ext uri="{FF2B5EF4-FFF2-40B4-BE49-F238E27FC236}">
+                <a16:creationId xmlns:a16="http://schemas.microsoft.com/office/drawing/2014/main" id="{907EF6B7-1338-4443-8C46-6A318D952DFD}"/>
+              </a:ext>
+              <a:ext uri="{C183D7F6-B498-43B3-948B-1728B52AA6E4}">
+                <adec:decorative xmlns:adec="http://schemas.microsoft.com/office/drawing/2017/decorative" val="1"/>
+              </a:ext>
+            </a:extLst>
+          </p:cNvPr>
+          <p:cNvSpPr>
+            <a:spLocks noGrp="1" noRot="1" noChangeAspect="1" noMove="1" noResize="1" noEditPoints="1" noAdjustHandles="1" noChangeArrowheads="1" noChangeShapeType="1" noTextEdit="1"/>
+          </p:cNvSpPr>
+          <p:nvPr>
+            <p:extLst>
+              <p:ext uri="{386F3935-93C4-4BCD-93E2-E3B085C9AB24}">
+                <p16:designElem xmlns:p16="http://schemas.microsoft.com/office/powerpoint/2015/main" val="1"/>
+              </p:ext>
+            </p:extLst>
+          </p:nvPr>
+        </p:nvSpPr>
+        <p:spPr>
+          <a:xfrm>
+            <a:off x="3048" y="0"/>
+            <a:ext cx="12188952" cy="6858000"/>
+          </a:xfrm>
+          <a:prstGeom prst="rect">
+            <a:avLst/>
+          </a:prstGeom>
+          <a:ln>
+            <a:noFill/>
+          </a:ln>
+        </p:spPr>
+        <p:style>
+          <a:lnRef idx="2">
+            <a:schemeClr val="accent1">
+              <a:shade val="50000"/>
+            </a:schemeClr>
+          </a:lnRef>
+          <a:fillRef idx="1">
+            <a:schemeClr val="accent1"/>
+          </a:fillRef>
+          <a:effectRef idx="0">
+            <a:schemeClr val="accent1"/>
+          </a:effectRef>
+          <a:fontRef idx="minor">
+            <a:schemeClr val="lt1"/>
+          </a:fontRef>
+        </p:style>
+        <p:txBody>
+          <a:bodyPr rtlCol="0" anchor="ctr"/>
+          <a:lstStyle/>
+          <a:p>
+            <a:pPr algn="ctr"/>
+            <a:endParaRPr lang="en-US"/>
+          </a:p>
+        </p:txBody>
+      </p:sp>
+      <p:sp>
+        <p:nvSpPr>
+          <p:cNvPr id="10" name="Freeform: Shape 9">
+            <a:extLst>
+              <a:ext uri="{FF2B5EF4-FFF2-40B4-BE49-F238E27FC236}">
+                <a16:creationId xmlns:a16="http://schemas.microsoft.com/office/drawing/2014/main" id="{DAAE4CDD-124C-4DCF-9584-B6033B545DD5}"/>
+              </a:ext>
+              <a:ext uri="{C183D7F6-B498-43B3-948B-1728B52AA6E4}">
+                <adec:decorative xmlns:adec="http://schemas.microsoft.com/office/drawing/2017/decorative" val="1"/>
+              </a:ext>
+            </a:extLst>
+          </p:cNvPr>
+          <p:cNvSpPr>
+            <a:spLocks noGrp="1" noRot="1" noChangeAspect="1" noMove="1" noResize="1" noEditPoints="1" noAdjustHandles="1" noChangeArrowheads="1" noChangeShapeType="1" noTextEdit="1"/>
+          </p:cNvSpPr>
+          <p:nvPr>
+            <p:extLst>
+              <p:ext uri="{386F3935-93C4-4BCD-93E2-E3B085C9AB24}">
+                <p16:designElem xmlns:p16="http://schemas.microsoft.com/office/powerpoint/2015/main" val="1"/>
+              </p:ext>
+            </p:extLst>
+          </p:nvPr>
+        </p:nvSpPr>
+        <p:spPr>
+          <a:xfrm>
+            <a:off x="1" y="0"/>
+            <a:ext cx="4167271" cy="6858000"/>
+          </a:xfrm>
+          <a:custGeom>
+            <a:avLst/>
+            <a:gdLst>
+              <a:gd name="connsiteX0" fmla="*/ 0 w 4167271"/>
+              <a:gd name="connsiteY0" fmla="*/ 0 h 6858000"/>
+              <a:gd name="connsiteX1" fmla="*/ 2259550 w 4167271"/>
+              <a:gd name="connsiteY1" fmla="*/ 0 h 6858000"/>
+              <a:gd name="connsiteX2" fmla="*/ 2387803 w 4167271"/>
+              <a:gd name="connsiteY2" fmla="*/ 82222 h 6858000"/>
+              <a:gd name="connsiteX3" fmla="*/ 4167271 w 4167271"/>
+              <a:gd name="connsiteY3" fmla="*/ 3429000 h 6858000"/>
+              <a:gd name="connsiteX4" fmla="*/ 2387803 w 4167271"/>
+              <a:gd name="connsiteY4" fmla="*/ 6775779 h 6858000"/>
+              <a:gd name="connsiteX5" fmla="*/ 2259550 w 4167271"/>
+              <a:gd name="connsiteY5" fmla="*/ 6858000 h 6858000"/>
+              <a:gd name="connsiteX6" fmla="*/ 0 w 4167271"/>
+              <a:gd name="connsiteY6" fmla="*/ 6858000 h 6858000"/>
+            </a:gdLst>
+            <a:ahLst/>
+            <a:cxnLst>
+              <a:cxn ang="0">
+                <a:pos x="connsiteX0" y="connsiteY0"/>
+              </a:cxn>
+              <a:cxn ang="0">
+                <a:pos x="connsiteX1" y="connsiteY1"/>
+              </a:cxn>
+              <a:cxn ang="0">
+                <a:pos x="connsiteX2" y="connsiteY2"/>
+              </a:cxn>
+              <a:cxn ang="0">
+                <a:pos x="connsiteX3" y="connsiteY3"/>
+              </a:cxn>
+              <a:cxn ang="0">
+                <a:pos x="connsiteX4" y="connsiteY4"/>
+              </a:cxn>
+              <a:cxn ang="0">
+                <a:pos x="connsiteX5" y="connsiteY5"/>
+              </a:cxn>
+              <a:cxn ang="0">
+                <a:pos x="connsiteX6" y="connsiteY6"/>
+              </a:cxn>
+            </a:cxnLst>
+            <a:rect l="l" t="t" r="r" b="b"/>
+            <a:pathLst>
+              <a:path w="4167271" h="6858000">
+                <a:moveTo>
+                  <a:pt x="0" y="0"/>
+                </a:moveTo>
+                <a:lnTo>
+                  <a:pt x="2259550" y="0"/>
+                </a:lnTo>
+                <a:lnTo>
+                  <a:pt x="2387803" y="82222"/>
+                </a:lnTo>
+                <a:cubicBezTo>
+                  <a:pt x="3461407" y="807534"/>
+                  <a:pt x="4167271" y="2035835"/>
+                  <a:pt x="4167271" y="3429000"/>
+                </a:cubicBezTo>
+                <a:cubicBezTo>
+                  <a:pt x="4167271" y="4822165"/>
+                  <a:pt x="3461407" y="6050467"/>
+                  <a:pt x="2387803" y="6775779"/>
+                </a:cubicBezTo>
+                <a:lnTo>
+                  <a:pt x="2259550" y="6858000"/>
+                </a:lnTo>
+                <a:lnTo>
+                  <a:pt x="0" y="6858000"/>
+                </a:lnTo>
+                <a:close/>
+              </a:path>
+            </a:pathLst>
+          </a:custGeom>
+          <a:solidFill>
+            <a:schemeClr val="accent2"/>
+          </a:solidFill>
+          <a:ln>
+            <a:noFill/>
+          </a:ln>
+        </p:spPr>
+        <p:style>
+          <a:lnRef idx="2">
+            <a:schemeClr val="accent1">
+              <a:shade val="50000"/>
+            </a:schemeClr>
+          </a:lnRef>
+          <a:fillRef idx="1">
+            <a:schemeClr val="accent1"/>
+          </a:fillRef>
+          <a:effectRef idx="0">
+            <a:schemeClr val="accent1"/>
+          </a:effectRef>
+          <a:fontRef idx="minor">
+            <a:schemeClr val="lt1"/>
+          </a:fontRef>
+        </p:style>
+        <p:txBody>
+          <a:bodyPr rtlCol="0" anchor="ctr"/>
+          <a:lstStyle/>
+          <a:p>
+            <a:pPr algn="ctr"/>
+            <a:endParaRPr lang="en-US"/>
+          </a:p>
+        </p:txBody>
+      </p:sp>
+      <p:sp>
+        <p:nvSpPr>
+          <p:cNvPr id="2" name="Title 1">
+            <a:extLst>
+              <a:ext uri="{FF2B5EF4-FFF2-40B4-BE49-F238E27FC236}">
+                <a16:creationId xmlns:a16="http://schemas.microsoft.com/office/drawing/2014/main" id="{604CD088-9924-FDF8-32EA-64AD14C5DE41}"/>
+              </a:ext>
+            </a:extLst>
+          </p:cNvPr>
+          <p:cNvSpPr>
+            <a:spLocks noGrp="1"/>
+          </p:cNvSpPr>
+          <p:nvPr>
+            <p:ph type="title"/>
+          </p:nvPr>
+        </p:nvSpPr>
+        <p:spPr>
+          <a:xfrm>
+            <a:off x="393701" y="1153572"/>
+            <a:ext cx="3493534" cy="4461163"/>
+          </a:xfrm>
+        </p:spPr>
+        <p:txBody>
+          <a:bodyPr>
+            <a:normAutofit/>
+          </a:bodyPr>
+          <a:lstStyle/>
+          <a:p>
+            <a:pPr algn="ctr"/>
+            <a:r>
+              <a:rPr lang="en-US" dirty="0">
+                <a:solidFill>
+                  <a:srgbClr val="FFFFFF"/>
+                </a:solidFill>
+              </a:rPr>
+              <a:t>Miscellaneous</a:t>
+            </a:r>
+            <a:br>
+              <a:rPr lang="en-US" dirty="0">
+                <a:solidFill>
+                  <a:srgbClr val="FFFFFF"/>
+                </a:solidFill>
+              </a:rPr>
+            </a:br>
+            <a:r>
+              <a:rPr lang="en-US" dirty="0">
+                <a:solidFill>
+                  <a:srgbClr val="FFFFFF"/>
+                </a:solidFill>
+              </a:rPr>
+              <a:t>Activities</a:t>
+            </a:r>
+          </a:p>
+        </p:txBody>
+      </p:sp>
+      <p:sp>
+        <p:nvSpPr>
+          <p:cNvPr id="12" name="Arc 11">
+            <a:extLst>
+              <a:ext uri="{FF2B5EF4-FFF2-40B4-BE49-F238E27FC236}">
+                <a16:creationId xmlns:a16="http://schemas.microsoft.com/office/drawing/2014/main" id="{081E4A58-353D-44AE-B2FC-2A74E2E400F7}"/>
+              </a:ext>
+              <a:ext uri="{C183D7F6-B498-43B3-948B-1728B52AA6E4}">
+                <adec:decorative xmlns:adec="http://schemas.microsoft.com/office/drawing/2017/decorative" val="1"/>
+              </a:ext>
+            </a:extLst>
+          </p:cNvPr>
+          <p:cNvSpPr>
+            <a:spLocks noGrp="1" noRot="1" noChangeAspect="1" noMove="1" noResize="1" noEditPoints="1" noAdjustHandles="1" noChangeArrowheads="1" noChangeShapeType="1" noTextEdit="1"/>
+          </p:cNvSpPr>
+          <p:nvPr>
+            <p:extLst>
+              <p:ext uri="{386F3935-93C4-4BCD-93E2-E3B085C9AB24}">
+                <p16:designElem xmlns:p16="http://schemas.microsoft.com/office/powerpoint/2015/main" val="1"/>
+              </p:ext>
+            </p:extLst>
+          </p:nvPr>
+        </p:nvSpPr>
+        <p:spPr>
+          <a:xfrm flipV="1">
+            <a:off x="7550402" y="2455479"/>
+            <a:ext cx="4083433" cy="4083433"/>
+          </a:xfrm>
+          <a:prstGeom prst="arc">
+            <a:avLst/>
+          </a:prstGeom>
+          <a:ln w="127000" cap="rnd">
+            <a:solidFill>
+              <a:schemeClr val="accent4"/>
+            </a:solidFill>
+            <a:prstDash val="dash"/>
+          </a:ln>
+        </p:spPr>
+        <p:style>
+          <a:lnRef idx="1">
+            <a:schemeClr val="accent1"/>
+          </a:lnRef>
+          <a:fillRef idx="0">
+            <a:schemeClr val="accent1"/>
+          </a:fillRef>
+          <a:effectRef idx="0">
+            <a:schemeClr val="accent1"/>
+          </a:effectRef>
+          <a:fontRef idx="minor">
+            <a:schemeClr val="tx1"/>
+          </a:fontRef>
+        </p:style>
+        <p:txBody>
+          <a:bodyPr rtlCol="0" anchor="ctr"/>
+          <a:lstStyle/>
+          <a:p>
+            <a:pPr algn="ctr"/>
+            <a:endParaRPr lang="en-US" dirty="0"/>
+          </a:p>
+        </p:txBody>
+      </p:sp>
+      <p:sp>
+        <p:nvSpPr>
+          <p:cNvPr id="3" name="Content Placeholder 2">
+            <a:extLst>
+              <a:ext uri="{FF2B5EF4-FFF2-40B4-BE49-F238E27FC236}">
+                <a16:creationId xmlns:a16="http://schemas.microsoft.com/office/drawing/2014/main" id="{506ECF03-3832-CE61-45EB-6C148D597A92}"/>
+              </a:ext>
+            </a:extLst>
+          </p:cNvPr>
+          <p:cNvSpPr>
+            <a:spLocks noGrp="1"/>
+          </p:cNvSpPr>
+          <p:nvPr>
+            <p:ph idx="1"/>
+          </p:nvPr>
+        </p:nvSpPr>
+        <p:spPr>
+          <a:xfrm>
+            <a:off x="4447308" y="591344"/>
+            <a:ext cx="6906491" cy="5585619"/>
+          </a:xfrm>
+        </p:spPr>
+        <p:txBody>
+          <a:bodyPr anchor="ctr">
+            <a:normAutofit/>
+          </a:bodyPr>
+          <a:lstStyle/>
+          <a:p>
+            <a:r>
+              <a:rPr lang="en-US" dirty="0"/>
+              <a:t>Science Fair</a:t>
+            </a:r>
+          </a:p>
+          <a:p>
+            <a:pPr lvl="1"/>
+            <a:r>
+              <a:rPr lang="en-US" dirty="0"/>
+              <a:t>Fidget Spinner, spin counter (Arduino)</a:t>
+            </a:r>
+          </a:p>
+          <a:p>
+            <a:pPr lvl="1"/>
+            <a:r>
+              <a:rPr lang="en-US" dirty="0"/>
+              <a:t>360 Photobooth (Raspberry Pi)</a:t>
+            </a:r>
+          </a:p>
+          <a:p>
+            <a:r>
+              <a:rPr lang="en-US" dirty="0"/>
+              <a:t>Remote Control Car (Raspberry Pi + Xbox controller)</a:t>
+            </a:r>
+          </a:p>
+          <a:p>
+            <a:r>
+              <a:rPr lang="en-US" dirty="0" err="1"/>
+              <a:t>MakerBlock</a:t>
+            </a:r>
+            <a:r>
+              <a:rPr lang="en-US" dirty="0"/>
+              <a:t> – </a:t>
+            </a:r>
+            <a:r>
+              <a:rPr lang="en-US" dirty="0" err="1"/>
+              <a:t>NextMaker</a:t>
+            </a:r>
+            <a:r>
+              <a:rPr lang="en-US" dirty="0"/>
+              <a:t> subscription kit</a:t>
+            </a:r>
+          </a:p>
+          <a:p>
+            <a:r>
+              <a:rPr lang="en-US" dirty="0"/>
+              <a:t>Kiwi Co – Tinker Crate subscription box</a:t>
+            </a:r>
+          </a:p>
+          <a:p>
+            <a:r>
+              <a:rPr lang="en-US" dirty="0"/>
+              <a:t>Crunch Labs – Subscription Box (Mark </a:t>
+            </a:r>
+            <a:r>
+              <a:rPr lang="en-US" dirty="0" err="1"/>
+              <a:t>Rober</a:t>
+            </a:r>
+            <a:r>
+              <a:rPr lang="en-US" dirty="0"/>
+              <a:t>)</a:t>
+            </a:r>
+          </a:p>
+        </p:txBody>
+      </p:sp>
+    </p:spTree>
+    <p:extLst>
+      <p:ext uri="{BB962C8B-B14F-4D97-AF65-F5344CB8AC3E}">
+        <p14:creationId xmlns:p14="http://schemas.microsoft.com/office/powerpoint/2010/main" val="2540307265"/>
+      </p:ext>
+    </p:extLst>
+  </p:cSld>
+  <p:clrMapOvr>
+    <a:masterClrMapping/>
+  </p:clrMapOvr>
+</p:sld>
+</file>
+
+<file path=ppt/slides/slide16.xml><?xml version="1.0" encoding="utf-8"?>
+<p:sld xmlns:a="http://schemas.openxmlformats.org/drawingml/2006/main" xmlns:r="http://schemas.openxmlformats.org/officeDocument/2006/relationships" xmlns:p="http://schemas.openxmlformats.org/presentationml/2006/main">
+  <p:cSld>
+    <p:bg>
+      <p:bgPr>
+        <a:solidFill>
+          <a:schemeClr val="bg1"/>
+        </a:solidFill>
+        <a:effectLst/>
+      </p:bgPr>
+    </p:bg>
+    <p:spTree>
+      <p:nvGrpSpPr>
+        <p:cNvPr id="1" name=""/>
+        <p:cNvGrpSpPr/>
+        <p:nvPr/>
+      </p:nvGrpSpPr>
+      <p:grpSpPr>
+        <a:xfrm>
+          <a:off x="0" y="0"/>
+          <a:ext cx="0" cy="0"/>
+          <a:chOff x="0" y="0"/>
+          <a:chExt cx="0" cy="0"/>
+        </a:xfrm>
+      </p:grpSpPr>
+      <p:sp useBgFill="1">
+        <p:nvSpPr>
+          <p:cNvPr id="8" name="Rectangle 7">
+            <a:extLst>
+              <a:ext uri="{FF2B5EF4-FFF2-40B4-BE49-F238E27FC236}">
+                <a16:creationId xmlns:a16="http://schemas.microsoft.com/office/drawing/2014/main" id="{907EF6B7-1338-4443-8C46-6A318D952DFD}"/>
+              </a:ext>
+              <a:ext uri="{C183D7F6-B498-43B3-948B-1728B52AA6E4}">
+                <adec:decorative xmlns:adec="http://schemas.microsoft.com/office/drawing/2017/decorative" val="1"/>
+              </a:ext>
+            </a:extLst>
+          </p:cNvPr>
+          <p:cNvSpPr>
+            <a:spLocks noGrp="1" noRot="1" noChangeAspect="1" noMove="1" noResize="1" noEditPoints="1" noAdjustHandles="1" noChangeArrowheads="1" noChangeShapeType="1" noTextEdit="1"/>
+          </p:cNvSpPr>
+          <p:nvPr>
+            <p:extLst>
+              <p:ext uri="{386F3935-93C4-4BCD-93E2-E3B085C9AB24}">
+                <p16:designElem xmlns:p16="http://schemas.microsoft.com/office/powerpoint/2015/main" val="1"/>
+              </p:ext>
+            </p:extLst>
+          </p:nvPr>
+        </p:nvSpPr>
+        <p:spPr>
+          <a:xfrm>
+            <a:off x="3048" y="0"/>
+            <a:ext cx="12188952" cy="6858000"/>
+          </a:xfrm>
+          <a:prstGeom prst="rect">
+            <a:avLst/>
+          </a:prstGeom>
+          <a:ln>
+            <a:noFill/>
+          </a:ln>
+        </p:spPr>
+        <p:style>
+          <a:lnRef idx="2">
+            <a:schemeClr val="accent1">
+              <a:shade val="50000"/>
+            </a:schemeClr>
+          </a:lnRef>
+          <a:fillRef idx="1">
+            <a:schemeClr val="accent1"/>
+          </a:fillRef>
+          <a:effectRef idx="0">
+            <a:schemeClr val="accent1"/>
+          </a:effectRef>
+          <a:fontRef idx="minor">
+            <a:schemeClr val="lt1"/>
+          </a:fontRef>
+        </p:style>
+        <p:txBody>
+          <a:bodyPr rtlCol="0" anchor="ctr"/>
+          <a:lstStyle/>
+          <a:p>
+            <a:pPr algn="ctr"/>
+            <a:endParaRPr lang="en-US"/>
+          </a:p>
+        </p:txBody>
+      </p:sp>
+      <p:sp>
+        <p:nvSpPr>
+          <p:cNvPr id="10" name="Freeform: Shape 9">
+            <a:extLst>
+              <a:ext uri="{FF2B5EF4-FFF2-40B4-BE49-F238E27FC236}">
+                <a16:creationId xmlns:a16="http://schemas.microsoft.com/office/drawing/2014/main" id="{DAAE4CDD-124C-4DCF-9584-B6033B545DD5}"/>
+              </a:ext>
+              <a:ext uri="{C183D7F6-B498-43B3-948B-1728B52AA6E4}">
+                <adec:decorative xmlns:adec="http://schemas.microsoft.com/office/drawing/2017/decorative" val="1"/>
+              </a:ext>
+            </a:extLst>
+          </p:cNvPr>
+          <p:cNvSpPr>
+            <a:spLocks noGrp="1" noRot="1" noChangeAspect="1" noMove="1" noResize="1" noEditPoints="1" noAdjustHandles="1" noChangeArrowheads="1" noChangeShapeType="1" noTextEdit="1"/>
+          </p:cNvSpPr>
+          <p:nvPr>
+            <p:extLst>
+              <p:ext uri="{386F3935-93C4-4BCD-93E2-E3B085C9AB24}">
+                <p16:designElem xmlns:p16="http://schemas.microsoft.com/office/powerpoint/2015/main" val="1"/>
+              </p:ext>
+            </p:extLst>
+          </p:nvPr>
+        </p:nvSpPr>
+        <p:spPr>
+          <a:xfrm>
+            <a:off x="1" y="0"/>
+            <a:ext cx="4167271" cy="6858000"/>
+          </a:xfrm>
+          <a:custGeom>
+            <a:avLst/>
+            <a:gdLst>
+              <a:gd name="connsiteX0" fmla="*/ 0 w 4167271"/>
+              <a:gd name="connsiteY0" fmla="*/ 0 h 6858000"/>
+              <a:gd name="connsiteX1" fmla="*/ 2259550 w 4167271"/>
+              <a:gd name="connsiteY1" fmla="*/ 0 h 6858000"/>
+              <a:gd name="connsiteX2" fmla="*/ 2387803 w 4167271"/>
+              <a:gd name="connsiteY2" fmla="*/ 82222 h 6858000"/>
+              <a:gd name="connsiteX3" fmla="*/ 4167271 w 4167271"/>
+              <a:gd name="connsiteY3" fmla="*/ 3429000 h 6858000"/>
+              <a:gd name="connsiteX4" fmla="*/ 2387803 w 4167271"/>
+              <a:gd name="connsiteY4" fmla="*/ 6775779 h 6858000"/>
+              <a:gd name="connsiteX5" fmla="*/ 2259550 w 4167271"/>
+              <a:gd name="connsiteY5" fmla="*/ 6858000 h 6858000"/>
+              <a:gd name="connsiteX6" fmla="*/ 0 w 4167271"/>
+              <a:gd name="connsiteY6" fmla="*/ 6858000 h 6858000"/>
+            </a:gdLst>
+            <a:ahLst/>
+            <a:cxnLst>
+              <a:cxn ang="0">
+                <a:pos x="connsiteX0" y="connsiteY0"/>
+              </a:cxn>
+              <a:cxn ang="0">
+                <a:pos x="connsiteX1" y="connsiteY1"/>
+              </a:cxn>
+              <a:cxn ang="0">
+                <a:pos x="connsiteX2" y="connsiteY2"/>
+              </a:cxn>
+              <a:cxn ang="0">
+                <a:pos x="connsiteX3" y="connsiteY3"/>
+              </a:cxn>
+              <a:cxn ang="0">
+                <a:pos x="connsiteX4" y="connsiteY4"/>
+              </a:cxn>
+              <a:cxn ang="0">
+                <a:pos x="connsiteX5" y="connsiteY5"/>
+              </a:cxn>
+              <a:cxn ang="0">
+                <a:pos x="connsiteX6" y="connsiteY6"/>
+              </a:cxn>
+            </a:cxnLst>
+            <a:rect l="l" t="t" r="r" b="b"/>
+            <a:pathLst>
+              <a:path w="4167271" h="6858000">
+                <a:moveTo>
+                  <a:pt x="0" y="0"/>
+                </a:moveTo>
+                <a:lnTo>
+                  <a:pt x="2259550" y="0"/>
+                </a:lnTo>
+                <a:lnTo>
+                  <a:pt x="2387803" y="82222"/>
+                </a:lnTo>
+                <a:cubicBezTo>
+                  <a:pt x="3461407" y="807534"/>
+                  <a:pt x="4167271" y="2035835"/>
+                  <a:pt x="4167271" y="3429000"/>
+                </a:cubicBezTo>
+                <a:cubicBezTo>
+                  <a:pt x="4167271" y="4822165"/>
+                  <a:pt x="3461407" y="6050467"/>
+                  <a:pt x="2387803" y="6775779"/>
+                </a:cubicBezTo>
+                <a:lnTo>
+                  <a:pt x="2259550" y="6858000"/>
+                </a:lnTo>
+                <a:lnTo>
+                  <a:pt x="0" y="6858000"/>
+                </a:lnTo>
+                <a:close/>
+              </a:path>
+            </a:pathLst>
+          </a:custGeom>
+          <a:solidFill>
+            <a:schemeClr val="accent2"/>
+          </a:solidFill>
+          <a:ln>
+            <a:noFill/>
+          </a:ln>
+        </p:spPr>
+        <p:style>
+          <a:lnRef idx="2">
+            <a:schemeClr val="accent1">
+              <a:shade val="50000"/>
+            </a:schemeClr>
+          </a:lnRef>
+          <a:fillRef idx="1">
+            <a:schemeClr val="accent1"/>
+          </a:fillRef>
+          <a:effectRef idx="0">
+            <a:schemeClr val="accent1"/>
+          </a:effectRef>
+          <a:fontRef idx="minor">
+            <a:schemeClr val="lt1"/>
+          </a:fontRef>
+        </p:style>
+        <p:txBody>
+          <a:bodyPr rtlCol="0" anchor="ctr"/>
+          <a:lstStyle/>
+          <a:p>
+            <a:pPr algn="ctr"/>
+            <a:endParaRPr lang="en-US"/>
+          </a:p>
+        </p:txBody>
+      </p:sp>
+      <p:sp>
+        <p:nvSpPr>
+          <p:cNvPr id="2" name="Title 1">
+            <a:extLst>
+              <a:ext uri="{FF2B5EF4-FFF2-40B4-BE49-F238E27FC236}">
+                <a16:creationId xmlns:a16="http://schemas.microsoft.com/office/drawing/2014/main" id="{604CD088-9924-FDF8-32EA-64AD14C5DE41}"/>
+              </a:ext>
+            </a:extLst>
+          </p:cNvPr>
+          <p:cNvSpPr>
+            <a:spLocks noGrp="1"/>
+          </p:cNvSpPr>
+          <p:nvPr>
+            <p:ph type="title"/>
+          </p:nvPr>
+        </p:nvSpPr>
+        <p:spPr>
+          <a:xfrm>
+            <a:off x="686834" y="1153572"/>
+            <a:ext cx="3200400" cy="4461163"/>
+          </a:xfrm>
+        </p:spPr>
+        <p:txBody>
+          <a:bodyPr>
+            <a:normAutofit/>
+          </a:bodyPr>
+          <a:lstStyle/>
+          <a:p>
+            <a:r>
+              <a:rPr lang="en-US" dirty="0">
+                <a:solidFill>
+                  <a:srgbClr val="FFFFFF"/>
+                </a:solidFill>
+              </a:rPr>
+              <a:t>Events</a:t>
+            </a:r>
+          </a:p>
+        </p:txBody>
+      </p:sp>
+      <p:sp>
+        <p:nvSpPr>
+          <p:cNvPr id="12" name="Arc 11">
+            <a:extLst>
+              <a:ext uri="{FF2B5EF4-FFF2-40B4-BE49-F238E27FC236}">
+                <a16:creationId xmlns:a16="http://schemas.microsoft.com/office/drawing/2014/main" id="{081E4A58-353D-44AE-B2FC-2A74E2E400F7}"/>
+              </a:ext>
+              <a:ext uri="{C183D7F6-B498-43B3-948B-1728B52AA6E4}">
+                <adec:decorative xmlns:adec="http://schemas.microsoft.com/office/drawing/2017/decorative" val="1"/>
+              </a:ext>
+            </a:extLst>
+          </p:cNvPr>
+          <p:cNvSpPr>
+            <a:spLocks noGrp="1" noRot="1" noChangeAspect="1" noMove="1" noResize="1" noEditPoints="1" noAdjustHandles="1" noChangeArrowheads="1" noChangeShapeType="1" noTextEdit="1"/>
+          </p:cNvSpPr>
+          <p:nvPr>
+            <p:extLst>
+              <p:ext uri="{386F3935-93C4-4BCD-93E2-E3B085C9AB24}">
+                <p16:designElem xmlns:p16="http://schemas.microsoft.com/office/powerpoint/2015/main" val="1"/>
+              </p:ext>
+            </p:extLst>
+          </p:nvPr>
+        </p:nvSpPr>
+        <p:spPr>
+          <a:xfrm flipV="1">
+            <a:off x="7550402" y="2455479"/>
+            <a:ext cx="4083433" cy="4083433"/>
+          </a:xfrm>
+          <a:prstGeom prst="arc">
+            <a:avLst/>
+          </a:prstGeom>
+          <a:ln w="127000" cap="rnd">
+            <a:solidFill>
+              <a:schemeClr val="accent4"/>
+            </a:solidFill>
+            <a:prstDash val="dash"/>
+          </a:ln>
+        </p:spPr>
+        <p:style>
+          <a:lnRef idx="1">
+            <a:schemeClr val="accent1"/>
+          </a:lnRef>
+          <a:fillRef idx="0">
+            <a:schemeClr val="accent1"/>
+          </a:fillRef>
+          <a:effectRef idx="0">
+            <a:schemeClr val="accent1"/>
+          </a:effectRef>
+          <a:fontRef idx="minor">
+            <a:schemeClr val="tx1"/>
+          </a:fontRef>
+        </p:style>
+        <p:txBody>
+          <a:bodyPr rtlCol="0" anchor="ctr"/>
+          <a:lstStyle/>
+          <a:p>
+            <a:pPr algn="ctr"/>
+            <a:endParaRPr lang="en-US" dirty="0"/>
+          </a:p>
+        </p:txBody>
+      </p:sp>
+      <p:sp>
+        <p:nvSpPr>
+          <p:cNvPr id="3" name="Content Placeholder 2">
+            <a:extLst>
+              <a:ext uri="{FF2B5EF4-FFF2-40B4-BE49-F238E27FC236}">
+                <a16:creationId xmlns:a16="http://schemas.microsoft.com/office/drawing/2014/main" id="{506ECF03-3832-CE61-45EB-6C148D597A92}"/>
+              </a:ext>
+            </a:extLst>
+          </p:cNvPr>
+          <p:cNvSpPr>
+            <a:spLocks noGrp="1"/>
+          </p:cNvSpPr>
+          <p:nvPr>
+            <p:ph idx="1"/>
+          </p:nvPr>
+        </p:nvSpPr>
+        <p:spPr>
+          <a:xfrm>
+            <a:off x="4447308" y="591344"/>
+            <a:ext cx="6906491" cy="5585619"/>
+          </a:xfrm>
+        </p:spPr>
+        <p:txBody>
+          <a:bodyPr anchor="ctr">
+            <a:normAutofit/>
+          </a:bodyPr>
+          <a:lstStyle/>
+          <a:p>
+            <a:r>
+              <a:rPr lang="en-US" dirty="0"/>
+              <a:t>Hack4Kids (Milwaukee)</a:t>
+            </a:r>
+          </a:p>
+          <a:p>
+            <a:r>
+              <a:rPr lang="en-US" dirty="0"/>
+              <a:t>Hour of Code (NWTC) </a:t>
+            </a:r>
+          </a:p>
+          <a:p>
+            <a:r>
+              <a:rPr lang="en-US" dirty="0"/>
+              <a:t>That Conference (Wisconsin Dells)</a:t>
+            </a:r>
+          </a:p>
+          <a:p>
+            <a:r>
+              <a:rPr lang="en-US" dirty="0"/>
+              <a:t>AWS Summit (Chicago)</a:t>
+            </a:r>
+          </a:p>
+          <a:p>
+            <a:r>
+              <a:rPr lang="en-US" dirty="0"/>
+              <a:t>Hackathons (Chicago)</a:t>
+            </a:r>
+          </a:p>
+        </p:txBody>
+      </p:sp>
+    </p:spTree>
+    <p:extLst>
+      <p:ext uri="{BB962C8B-B14F-4D97-AF65-F5344CB8AC3E}">
+        <p14:creationId xmlns:p14="http://schemas.microsoft.com/office/powerpoint/2010/main" val="2514425548"/>
+      </p:ext>
+    </p:extLst>
+  </p:cSld>
+  <p:clrMapOvr>
+    <a:masterClrMapping/>
+  </p:clrMapOvr>
+</p:sld>
+</file>
+
+<file path=ppt/slides/slide17.xml><?xml version="1.0" encoding="utf-8"?>
+<p:sld xmlns:a="http://schemas.openxmlformats.org/drawingml/2006/main" xmlns:r="http://schemas.openxmlformats.org/officeDocument/2006/relationships" xmlns:p="http://schemas.openxmlformats.org/presentationml/2006/main">
+  <p:cSld>
+    <p:spTree>
+      <p:nvGrpSpPr>
+        <p:cNvPr id="1" name=""/>
+        <p:cNvGrpSpPr/>
+        <p:nvPr/>
+      </p:nvGrpSpPr>
+      <p:grpSpPr>
+        <a:xfrm>
+          <a:off x="0" y="0"/>
+          <a:ext cx="0" cy="0"/>
+          <a:chOff x="0" y="0"/>
+          <a:chExt cx="0" cy="0"/>
+        </a:xfrm>
+      </p:grpSpPr>
+      <p:sp>
+        <p:nvSpPr>
+          <p:cNvPr id="2" name="Title 1">
+            <a:extLst>
+              <a:ext uri="{FF2B5EF4-FFF2-40B4-BE49-F238E27FC236}">
+                <a16:creationId xmlns:a16="http://schemas.microsoft.com/office/drawing/2014/main" id="{8AC341B6-BBCC-3905-A25B-CDE75303015C}"/>
+              </a:ext>
+            </a:extLst>
+          </p:cNvPr>
+          <p:cNvSpPr>
+            <a:spLocks noGrp="1"/>
+          </p:cNvSpPr>
+          <p:nvPr>
+            <p:ph type="title"/>
+          </p:nvPr>
+        </p:nvSpPr>
+        <p:spPr/>
+        <p:txBody>
+          <a:bodyPr/>
+          <a:lstStyle/>
+          <a:p>
+            <a:endParaRPr lang="en-US"/>
+          </a:p>
+        </p:txBody>
+      </p:sp>
+      <p:pic>
+        <p:nvPicPr>
+          <p:cNvPr id="4" name="Picture 4">
+            <a:extLst>
+              <a:ext uri="{FF2B5EF4-FFF2-40B4-BE49-F238E27FC236}">
+                <a16:creationId xmlns:a16="http://schemas.microsoft.com/office/drawing/2014/main" id="{6D147A27-89D4-0FD9-EB5C-7E04A3B37D25}"/>
+              </a:ext>
+            </a:extLst>
+          </p:cNvPr>
+          <p:cNvPicPr>
+            <a:picLocks noGrp="1" noChangeAspect="1"/>
+          </p:cNvPicPr>
+          <p:nvPr>
+            <p:ph idx="1"/>
+          </p:nvPr>
+        </p:nvPicPr>
+        <p:blipFill>
+          <a:blip r:embed="rId2"/>
+          <a:stretch>
+            <a:fillRect/>
+          </a:stretch>
+        </p:blipFill>
+        <p:spPr>
+          <a:xfrm>
+            <a:off x="9607316" y="2189816"/>
+            <a:ext cx="1841221" cy="1841221"/>
+          </a:xfrm>
+        </p:spPr>
+      </p:pic>
+      <p:pic>
+        <p:nvPicPr>
+          <p:cNvPr id="5" name="Picture 5">
+            <a:extLst>
+              <a:ext uri="{FF2B5EF4-FFF2-40B4-BE49-F238E27FC236}">
+                <a16:creationId xmlns:a16="http://schemas.microsoft.com/office/drawing/2014/main" id="{EADA5EA7-7D0E-B9AC-89E5-A3FBA215B831}"/>
+              </a:ext>
+            </a:extLst>
+          </p:cNvPr>
+          <p:cNvPicPr>
+            <a:picLocks noChangeAspect="1"/>
+          </p:cNvPicPr>
+          <p:nvPr/>
+        </p:nvPicPr>
+        <p:blipFill>
+          <a:blip r:embed="rId3"/>
+          <a:stretch>
+            <a:fillRect/>
+          </a:stretch>
+        </p:blipFill>
+        <p:spPr>
+          <a:xfrm>
+            <a:off x="7368988" y="1990165"/>
+            <a:ext cx="2233333" cy="2233333"/>
+          </a:xfrm>
+          <a:prstGeom prst="rect">
+            <a:avLst/>
+          </a:prstGeom>
+        </p:spPr>
+      </p:pic>
+      <p:pic>
+        <p:nvPicPr>
+          <p:cNvPr id="6" name="Picture 6">
+            <a:extLst>
+              <a:ext uri="{FF2B5EF4-FFF2-40B4-BE49-F238E27FC236}">
+                <a16:creationId xmlns:a16="http://schemas.microsoft.com/office/drawing/2014/main" id="{718EA3EF-C6ED-050C-3174-06FC2EFC23AE}"/>
+              </a:ext>
+            </a:extLst>
+          </p:cNvPr>
+          <p:cNvPicPr>
+            <a:picLocks noChangeAspect="1"/>
+          </p:cNvPicPr>
+          <p:nvPr/>
+        </p:nvPicPr>
+        <p:blipFill>
+          <a:blip r:embed="rId4"/>
+          <a:stretch>
+            <a:fillRect/>
+          </a:stretch>
+        </p:blipFill>
+        <p:spPr>
+          <a:xfrm>
+            <a:off x="4724400" y="2057400"/>
+            <a:ext cx="1964392" cy="1964392"/>
+          </a:xfrm>
+          <a:prstGeom prst="rect">
+            <a:avLst/>
+          </a:prstGeom>
+        </p:spPr>
+      </p:pic>
+      <p:pic>
+        <p:nvPicPr>
+          <p:cNvPr id="7" name="Picture 7">
+            <a:extLst>
+              <a:ext uri="{FF2B5EF4-FFF2-40B4-BE49-F238E27FC236}">
+                <a16:creationId xmlns:a16="http://schemas.microsoft.com/office/drawing/2014/main" id="{BF26A862-0D25-B0A6-DD14-65C438971DDD}"/>
+              </a:ext>
+            </a:extLst>
+          </p:cNvPr>
+          <p:cNvPicPr>
+            <a:picLocks noChangeAspect="1"/>
+          </p:cNvPicPr>
+          <p:nvPr/>
+        </p:nvPicPr>
+        <p:blipFill>
+          <a:blip r:embed="rId5"/>
+          <a:stretch>
+            <a:fillRect/>
+          </a:stretch>
+        </p:blipFill>
+        <p:spPr>
+          <a:xfrm>
+            <a:off x="835959" y="1833282"/>
+            <a:ext cx="1885950" cy="1885950"/>
+          </a:xfrm>
+          <a:prstGeom prst="rect">
+            <a:avLst/>
+          </a:prstGeom>
+        </p:spPr>
+      </p:pic>
+      <p:pic>
+        <p:nvPicPr>
+          <p:cNvPr id="8" name="Picture 8">
+            <a:extLst>
+              <a:ext uri="{FF2B5EF4-FFF2-40B4-BE49-F238E27FC236}">
+                <a16:creationId xmlns:a16="http://schemas.microsoft.com/office/drawing/2014/main" id="{EB627FA4-A60E-257B-873E-47F05FAD69B0}"/>
+              </a:ext>
+            </a:extLst>
+          </p:cNvPr>
+          <p:cNvPicPr>
+            <a:picLocks noChangeAspect="1"/>
+          </p:cNvPicPr>
+          <p:nvPr/>
+        </p:nvPicPr>
+        <p:blipFill>
+          <a:blip r:embed="rId6"/>
+          <a:stretch>
+            <a:fillRect/>
+          </a:stretch>
+        </p:blipFill>
+        <p:spPr>
+          <a:xfrm>
+            <a:off x="-54909" y="3928782"/>
+            <a:ext cx="1964392" cy="1964392"/>
+          </a:xfrm>
+          <a:prstGeom prst="rect">
+            <a:avLst/>
+          </a:prstGeom>
+        </p:spPr>
+      </p:pic>
+      <p:pic>
+        <p:nvPicPr>
+          <p:cNvPr id="9" name="Picture 9">
+            <a:extLst>
+              <a:ext uri="{FF2B5EF4-FFF2-40B4-BE49-F238E27FC236}">
+                <a16:creationId xmlns:a16="http://schemas.microsoft.com/office/drawing/2014/main" id="{B9BD84BC-B85E-0BE5-E0C2-C223A9211688}"/>
+              </a:ext>
+            </a:extLst>
+          </p:cNvPr>
+          <p:cNvPicPr>
+            <a:picLocks noChangeAspect="1"/>
+          </p:cNvPicPr>
+          <p:nvPr/>
+        </p:nvPicPr>
+        <p:blipFill>
+          <a:blip r:embed="rId7"/>
+          <a:stretch>
+            <a:fillRect/>
+          </a:stretch>
+        </p:blipFill>
+        <p:spPr>
+          <a:xfrm>
+            <a:off x="9486899" y="4505884"/>
+            <a:ext cx="2059642" cy="2059642"/>
+          </a:xfrm>
+          <a:prstGeom prst="rect">
+            <a:avLst/>
+          </a:prstGeom>
+        </p:spPr>
+      </p:pic>
+      <p:pic>
+        <p:nvPicPr>
+          <p:cNvPr id="10" name="Picture 10" descr="Shape&#10;&#10;Description automatically generated">
+            <a:extLst>
+              <a:ext uri="{FF2B5EF4-FFF2-40B4-BE49-F238E27FC236}">
+                <a16:creationId xmlns:a16="http://schemas.microsoft.com/office/drawing/2014/main" id="{843F7391-34A9-0942-F9C2-25E569FF012C}"/>
+              </a:ext>
+            </a:extLst>
+          </p:cNvPr>
+          <p:cNvPicPr>
+            <a:picLocks noChangeAspect="1"/>
+          </p:cNvPicPr>
+          <p:nvPr/>
+        </p:nvPicPr>
+        <p:blipFill>
+          <a:blip r:embed="rId8"/>
+          <a:stretch>
+            <a:fillRect/>
+          </a:stretch>
+        </p:blipFill>
+        <p:spPr>
+          <a:xfrm>
+            <a:off x="7228915" y="4505884"/>
+            <a:ext cx="2255745" cy="2255745"/>
+          </a:xfrm>
+          <a:prstGeom prst="rect">
+            <a:avLst/>
+          </a:prstGeom>
+        </p:spPr>
+      </p:pic>
+      <p:pic>
+        <p:nvPicPr>
+          <p:cNvPr id="11" name="Picture 11">
+            <a:extLst>
+              <a:ext uri="{FF2B5EF4-FFF2-40B4-BE49-F238E27FC236}">
+                <a16:creationId xmlns:a16="http://schemas.microsoft.com/office/drawing/2014/main" id="{933373F2-A45B-A53C-F8BA-BB20AA683F85}"/>
+              </a:ext>
+            </a:extLst>
+          </p:cNvPr>
+          <p:cNvPicPr>
+            <a:picLocks noChangeAspect="1"/>
+          </p:cNvPicPr>
+          <p:nvPr/>
+        </p:nvPicPr>
+        <p:blipFill>
+          <a:blip r:embed="rId9"/>
+          <a:stretch>
+            <a:fillRect/>
+          </a:stretch>
+        </p:blipFill>
+        <p:spPr>
+          <a:xfrm>
+            <a:off x="4741208" y="4444252"/>
+            <a:ext cx="2339789" cy="2322981"/>
+          </a:xfrm>
+          <a:prstGeom prst="rect">
+            <a:avLst/>
+          </a:prstGeom>
+        </p:spPr>
+      </p:pic>
+      <p:pic>
+        <p:nvPicPr>
+          <p:cNvPr id="12" name="Picture 12">
+            <a:extLst>
+              <a:ext uri="{FF2B5EF4-FFF2-40B4-BE49-F238E27FC236}">
+                <a16:creationId xmlns:a16="http://schemas.microsoft.com/office/drawing/2014/main" id="{6A132A19-0D98-4913-0694-1D21F8D7A18E}"/>
+              </a:ext>
+            </a:extLst>
+          </p:cNvPr>
+          <p:cNvPicPr>
+            <a:picLocks noChangeAspect="1"/>
+          </p:cNvPicPr>
+          <p:nvPr/>
+        </p:nvPicPr>
+        <p:blipFill>
+          <a:blip r:embed="rId10"/>
+          <a:stretch>
+            <a:fillRect/>
+          </a:stretch>
+        </p:blipFill>
+        <p:spPr>
+          <a:xfrm>
+            <a:off x="3488391" y="2059641"/>
+            <a:ext cx="609600" cy="609600"/>
+          </a:xfrm>
+          <a:prstGeom prst="rect">
+            <a:avLst/>
+          </a:prstGeom>
+        </p:spPr>
+      </p:pic>
+      <p:pic>
+        <p:nvPicPr>
+          <p:cNvPr id="13" name="Picture 13">
+            <a:extLst>
+              <a:ext uri="{FF2B5EF4-FFF2-40B4-BE49-F238E27FC236}">
+                <a16:creationId xmlns:a16="http://schemas.microsoft.com/office/drawing/2014/main" id="{CA367484-913F-5E77-80DD-29080013E7B5}"/>
+              </a:ext>
+            </a:extLst>
+          </p:cNvPr>
+          <p:cNvPicPr>
+            <a:picLocks noChangeAspect="1"/>
+          </p:cNvPicPr>
+          <p:nvPr/>
+        </p:nvPicPr>
+        <p:blipFill>
+          <a:blip r:embed="rId11"/>
+          <a:stretch>
+            <a:fillRect/>
+          </a:stretch>
+        </p:blipFill>
+        <p:spPr>
+          <a:xfrm>
+            <a:off x="3443568" y="3040156"/>
+            <a:ext cx="609600" cy="609600"/>
+          </a:xfrm>
+          <a:prstGeom prst="rect">
+            <a:avLst/>
+          </a:prstGeom>
+        </p:spPr>
+      </p:pic>
+      <p:pic>
+        <p:nvPicPr>
+          <p:cNvPr id="14" name="Picture 14">
+            <a:extLst>
+              <a:ext uri="{FF2B5EF4-FFF2-40B4-BE49-F238E27FC236}">
+                <a16:creationId xmlns:a16="http://schemas.microsoft.com/office/drawing/2014/main" id="{340ECA6F-ABC7-25D1-FFC1-D11F2E5F91DB}"/>
+              </a:ext>
+            </a:extLst>
+          </p:cNvPr>
+          <p:cNvPicPr>
+            <a:picLocks noChangeAspect="1"/>
+          </p:cNvPicPr>
+          <p:nvPr/>
+        </p:nvPicPr>
+        <p:blipFill>
+          <a:blip r:embed="rId12"/>
+          <a:stretch>
+            <a:fillRect/>
+          </a:stretch>
+        </p:blipFill>
+        <p:spPr>
+          <a:xfrm>
+            <a:off x="2068606" y="3822326"/>
+            <a:ext cx="2743200" cy="2743200"/>
+          </a:xfrm>
+          <a:prstGeom prst="rect">
+            <a:avLst/>
+          </a:prstGeom>
+        </p:spPr>
+      </p:pic>
+      <p:sp>
+        <p:nvSpPr>
+          <p:cNvPr id="15" name="TextBox 14">
+            <a:extLst>
+              <a:ext uri="{FF2B5EF4-FFF2-40B4-BE49-F238E27FC236}">
+                <a16:creationId xmlns:a16="http://schemas.microsoft.com/office/drawing/2014/main" id="{CF2ECDAA-8A25-DB41-7BEE-73C91591A239}"/>
+              </a:ext>
+            </a:extLst>
+          </p:cNvPr>
+          <p:cNvSpPr txBox="1"/>
+          <p:nvPr/>
+        </p:nvSpPr>
+        <p:spPr>
+          <a:xfrm>
+            <a:off x="4724400" y="3200400"/>
+            <a:ext cx="2743199" cy="369332"/>
+          </a:xfrm>
+          <a:prstGeom prst="rect">
+            <a:avLst/>
+          </a:prstGeom>
+          <a:noFill/>
+        </p:spPr>
+        <p:txBody>
+          <a:bodyPr rot="0" spcFirstLastPara="0" vertOverflow="overflow" horzOverflow="overflow" vert="horz" wrap="square" lIns="91440" tIns="45720" rIns="91440" bIns="45720" numCol="1" spcCol="0" rtlCol="0" fromWordArt="0" anchor="t" anchorCtr="0" forceAA="0" compatLnSpc="1">
+            <a:prstTxWarp prst="textNoShape">
+              <a:avLst/>
+            </a:prstTxWarp>
+            <a:spAutoFit/>
+          </a:bodyPr>
+          <a:lstStyle/>
+          <a:p>
+            <a:pPr algn="l"/>
+            <a:r>
+              <a:rPr lang="en-US"/>
+              <a:t>Click to add text</a:t>
+            </a:r>
+          </a:p>
+        </p:txBody>
+      </p:sp>
+    </p:spTree>
+    <p:extLst>
+      <p:ext uri="{BB962C8B-B14F-4D97-AF65-F5344CB8AC3E}">
+        <p14:creationId xmlns:p14="http://schemas.microsoft.com/office/powerpoint/2010/main" val="2671246857"/>
+      </p:ext>
+    </p:extLst>
+  </p:cSld>
+  <p:clrMapOvr>
+    <a:masterClrMapping/>
+  </p:clrMapOvr>
+</p:sld>
+</file>
+
+<file path=ppt/slides/slide2.xml><?xml version="1.0" encoding="utf-8"?>
+<p:sld xmlns:a="http://schemas.openxmlformats.org/drawingml/2006/main" xmlns:r="http://schemas.openxmlformats.org/officeDocument/2006/relationships" xmlns:p="http://schemas.openxmlformats.org/presentationml/2006/main">
+  <p:cSld>
+    <p:bg>
+      <p:bgPr>
+        <a:solidFill>
+          <a:schemeClr val="bg1"/>
+        </a:solidFill>
+        <a:effectLst/>
+      </p:bgPr>
+    </p:bg>
+    <p:spTree>
+      <p:nvGrpSpPr>
+        <p:cNvPr id="1" name=""/>
+        <p:cNvGrpSpPr/>
+        <p:nvPr/>
+      </p:nvGrpSpPr>
+      <p:grpSpPr>
+        <a:xfrm>
+          <a:off x="0" y="0"/>
+          <a:ext cx="0" cy="0"/>
+          <a:chOff x="0" y="0"/>
+          <a:chExt cx="0" cy="0"/>
+        </a:xfrm>
+      </p:grpSpPr>
+      <p:sp useBgFill="1">
+        <p:nvSpPr>
+          <p:cNvPr id="8" name="Rectangle 7">
+            <a:extLst>
+              <a:ext uri="{FF2B5EF4-FFF2-40B4-BE49-F238E27FC236}">
+                <a16:creationId xmlns:a16="http://schemas.microsoft.com/office/drawing/2014/main" id="{DAF1966E-FD40-4A4A-B61B-C4DF7FA05F06}"/>
+              </a:ext>
+              <a:ext uri="{C183D7F6-B498-43B3-948B-1728B52AA6E4}">
+                <adec:decorative xmlns:adec="http://schemas.microsoft.com/office/drawing/2017/decorative" val="1"/>
+              </a:ext>
+            </a:extLst>
+          </p:cNvPr>
+          <p:cNvSpPr>
+            <a:spLocks noGrp="1" noRot="1" noChangeAspect="1" noMove="1" noResize="1" noEditPoints="1" noAdjustHandles="1" noChangeArrowheads="1" noChangeShapeType="1" noTextEdit="1"/>
+          </p:cNvSpPr>
+          <p:nvPr>
+            <p:extLst>
+              <p:ext uri="{386F3935-93C4-4BCD-93E2-E3B085C9AB24}">
+                <p16:designElem xmlns:p16="http://schemas.microsoft.com/office/powerpoint/2015/main" val="1"/>
+              </p:ext>
+            </p:extLst>
+          </p:nvPr>
+        </p:nvSpPr>
+        <p:spPr>
+          <a:xfrm>
+            <a:off x="0" y="0"/>
+            <a:ext cx="12192000" cy="6858000"/>
+          </a:xfrm>
+          <a:prstGeom prst="rect">
+            <a:avLst/>
+          </a:prstGeom>
+          <a:ln>
+            <a:noFill/>
+          </a:ln>
+        </p:spPr>
+        <p:style>
+          <a:lnRef idx="2">
+            <a:schemeClr val="accent1">
+              <a:shade val="50000"/>
+            </a:schemeClr>
+          </a:lnRef>
+          <a:fillRef idx="1">
+            <a:schemeClr val="accent1"/>
+          </a:fillRef>
+          <a:effectRef idx="0">
+            <a:schemeClr val="accent1"/>
+          </a:effectRef>
+          <a:fontRef idx="minor">
+            <a:schemeClr val="lt1"/>
+          </a:fontRef>
+        </p:style>
+        <p:txBody>
+          <a:bodyPr rtlCol="0" anchor="ctr"/>
+          <a:lstStyle/>
+          <a:p>
+            <a:pPr algn="ctr"/>
+            <a:endParaRPr lang="en-US"/>
+          </a:p>
+        </p:txBody>
+      </p:sp>
+      <p:sp useBgFill="1">
+        <p:nvSpPr>
+          <p:cNvPr id="10" name="Rectangle 9">
+            <a:extLst>
+              <a:ext uri="{FF2B5EF4-FFF2-40B4-BE49-F238E27FC236}">
+                <a16:creationId xmlns:a16="http://schemas.microsoft.com/office/drawing/2014/main" id="{047BFA19-D45E-416B-A404-7AF2F3F27017}"/>
+              </a:ext>
+              <a:ext uri="{C183D7F6-B498-43B3-948B-1728B52AA6E4}">
+                <adec:decorative xmlns:adec="http://schemas.microsoft.com/office/drawing/2017/decorative" val="1"/>
+              </a:ext>
+            </a:extLst>
+          </p:cNvPr>
+          <p:cNvSpPr>
+            <a:spLocks noGrp="1" noRot="1" noChangeAspect="1" noMove="1" noResize="1" noEditPoints="1" noAdjustHandles="1" noChangeArrowheads="1" noChangeShapeType="1" noTextEdit="1"/>
+          </p:cNvSpPr>
+          <p:nvPr>
+            <p:extLst>
+              <p:ext uri="{386F3935-93C4-4BCD-93E2-E3B085C9AB24}">
+                <p16:designElem xmlns:p16="http://schemas.microsoft.com/office/powerpoint/2015/main" val="1"/>
+              </p:ext>
+            </p:extLst>
+          </p:nvPr>
+        </p:nvSpPr>
+        <p:spPr>
+          <a:xfrm>
+            <a:off x="558209" y="0"/>
+            <a:ext cx="11167447" cy="2018806"/>
+          </a:xfrm>
+          <a:prstGeom prst="rect">
+            <a:avLst/>
+          </a:prstGeom>
+          <a:ln w="9525">
+            <a:solidFill>
+              <a:srgbClr val="E1E1E1"/>
+            </a:solidFill>
+          </a:ln>
+          <a:effectLst>
+            <a:outerShdw blurRad="50800" dist="38100" dir="2700000" algn="tl" rotWithShape="0">
+              <a:schemeClr val="bg1">
+                <a:lumMod val="85000"/>
+                <a:alpha val="50000"/>
+              </a:schemeClr>
+            </a:outerShdw>
+          </a:effectLst>
+        </p:spPr>
+        <p:style>
+          <a:lnRef idx="2">
+            <a:schemeClr val="accent1">
+              <a:shade val="50000"/>
+            </a:schemeClr>
+          </a:lnRef>
+          <a:fillRef idx="1">
+            <a:schemeClr val="accent1"/>
+          </a:fillRef>
+          <a:effectRef idx="0">
+            <a:schemeClr val="accent1"/>
+          </a:effectRef>
+          <a:fontRef idx="minor">
+            <a:schemeClr val="lt1"/>
+          </a:fontRef>
+        </p:style>
+        <p:txBody>
+          <a:bodyPr rtlCol="0" anchor="ctr"/>
+          <a:lstStyle/>
+          <a:p>
+            <a:pPr marL="0" marR="0" lvl="0" indent="0" algn="ctr" defTabSz="914400" rtl="0" eaLnBrk="1" fontAlgn="auto" latinLnBrk="0" hangingPunct="1">
+              <a:lnSpc>
+                <a:spcPct val="100000"/>
+              </a:lnSpc>
+              <a:spcBef>
+                <a:spcPts val="0"/>
+              </a:spcBef>
+              <a:spcAft>
+                <a:spcPts val="0"/>
+              </a:spcAft>
+              <a:buClrTx/>
+              <a:buSzTx/>
+              <a:buFontTx/>
+              <a:buNone/>
+              <a:tabLst/>
+              <a:defRPr/>
+            </a:pPr>
+            <a:endParaRPr kumimoji="0" lang="en-US" sz="1800" b="0" i="0" u="none" strike="noStrike" kern="1200" cap="none" spc="0" normalizeH="0" baseline="0" noProof="0">
+              <a:ln>
+                <a:noFill/>
+              </a:ln>
+              <a:solidFill>
+                <a:prstClr val="white"/>
+              </a:solidFill>
+              <a:effectLst/>
+              <a:uLnTx/>
+              <a:uFillTx/>
+              <a:latin typeface="Calibri" panose="020F0502020204030204"/>
+              <a:ea typeface="+mn-ea"/>
+              <a:cs typeface="+mn-cs"/>
+            </a:endParaRPr>
+          </a:p>
+        </p:txBody>
+      </p:sp>
+      <p:sp useBgFill="1">
+        <p:nvSpPr>
+          <p:cNvPr id="12" name="Rectangle 11">
+            <a:extLst>
+              <a:ext uri="{FF2B5EF4-FFF2-40B4-BE49-F238E27FC236}">
+                <a16:creationId xmlns:a16="http://schemas.microsoft.com/office/drawing/2014/main" id="{8E0105E7-23DB-4CF2-8258-FF47C7620F6E}"/>
+              </a:ext>
+              <a:ext uri="{C183D7F6-B498-43B3-948B-1728B52AA6E4}">
+                <adec:decorative xmlns:adec="http://schemas.microsoft.com/office/drawing/2017/decorative" val="1"/>
+              </a:ext>
+            </a:extLst>
+          </p:cNvPr>
+          <p:cNvSpPr>
+            <a:spLocks noGrp="1" noRot="1" noChangeAspect="1" noMove="1" noResize="1" noEditPoints="1" noAdjustHandles="1" noChangeArrowheads="1" noChangeShapeType="1" noTextEdit="1"/>
+          </p:cNvSpPr>
+          <p:nvPr>
+            <p:extLst>
+              <p:ext uri="{386F3935-93C4-4BCD-93E2-E3B085C9AB24}">
+                <p16:designElem xmlns:p16="http://schemas.microsoft.com/office/powerpoint/2015/main" val="1"/>
+              </p:ext>
+            </p:extLst>
+          </p:nvPr>
+        </p:nvSpPr>
+        <p:spPr>
+          <a:xfrm>
+            <a:off x="566928" y="0"/>
+            <a:ext cx="11155680" cy="2011680"/>
+          </a:xfrm>
+          <a:prstGeom prst="rect">
+            <a:avLst/>
+          </a:prstGeom>
+          <a:ln w="9525">
+            <a:noFill/>
+          </a:ln>
+          <a:effectLst/>
+        </p:spPr>
+        <p:style>
+          <a:lnRef idx="2">
+            <a:schemeClr val="accent1">
+              <a:shade val="50000"/>
+            </a:schemeClr>
+          </a:lnRef>
+          <a:fillRef idx="1">
+            <a:schemeClr val="accent1"/>
+          </a:fillRef>
+          <a:effectRef idx="0">
+            <a:schemeClr val="accent1"/>
+          </a:effectRef>
+          <a:fontRef idx="minor">
+            <a:schemeClr val="lt1"/>
+          </a:fontRef>
+        </p:style>
+        <p:txBody>
+          <a:bodyPr rtlCol="0" anchor="ctr"/>
+          <a:lstStyle/>
+          <a:p>
+            <a:pPr marL="0" marR="0" lvl="0" indent="0" algn="ctr" defTabSz="914400" rtl="0" eaLnBrk="1" fontAlgn="auto" latinLnBrk="0" hangingPunct="1">
+              <a:lnSpc>
+                <a:spcPct val="100000"/>
+              </a:lnSpc>
+              <a:spcBef>
+                <a:spcPts val="0"/>
+              </a:spcBef>
+              <a:spcAft>
+                <a:spcPts val="0"/>
+              </a:spcAft>
+              <a:buClrTx/>
+              <a:buSzTx/>
+              <a:buFontTx/>
+              <a:buNone/>
+              <a:tabLst/>
+              <a:defRPr/>
+            </a:pPr>
+            <a:endParaRPr kumimoji="0" lang="en-US" sz="1800" b="0" i="0" u="none" strike="noStrike" kern="1200" cap="none" spc="0" normalizeH="0" baseline="0" noProof="0">
+              <a:ln>
+                <a:noFill/>
+              </a:ln>
+              <a:solidFill>
+                <a:prstClr val="white"/>
+              </a:solidFill>
+              <a:effectLst/>
+              <a:uLnTx/>
+              <a:uFillTx/>
+              <a:latin typeface="Calibri" panose="020F0502020204030204"/>
+              <a:ea typeface="+mn-ea"/>
+              <a:cs typeface="+mn-cs"/>
+            </a:endParaRPr>
+          </a:p>
+        </p:txBody>
+      </p:sp>
+      <p:sp>
+        <p:nvSpPr>
+          <p:cNvPr id="2" name="Title 1">
+            <a:extLst>
+              <a:ext uri="{FF2B5EF4-FFF2-40B4-BE49-F238E27FC236}">
+                <a16:creationId xmlns:a16="http://schemas.microsoft.com/office/drawing/2014/main" id="{82CF4B60-062A-25CD-E448-6C8255EEF9CC}"/>
+              </a:ext>
+            </a:extLst>
+          </p:cNvPr>
+          <p:cNvSpPr>
+            <a:spLocks noGrp="1"/>
+          </p:cNvSpPr>
+          <p:nvPr>
+            <p:ph type="title"/>
+          </p:nvPr>
+        </p:nvSpPr>
+        <p:spPr>
+          <a:xfrm>
+            <a:off x="1115568" y="548640"/>
+            <a:ext cx="10168128" cy="1179576"/>
+          </a:xfrm>
+        </p:spPr>
+        <p:txBody>
+          <a:bodyPr>
+            <a:normAutofit/>
+          </a:bodyPr>
+          <a:lstStyle/>
+          <a:p>
+            <a:endParaRPr lang="en-US" sz="4000" dirty="0"/>
+          </a:p>
+        </p:txBody>
+      </p:sp>
+      <p:sp>
+        <p:nvSpPr>
+          <p:cNvPr id="14" name="Rectangle 13">
+            <a:extLst>
+              <a:ext uri="{FF2B5EF4-FFF2-40B4-BE49-F238E27FC236}">
+                <a16:creationId xmlns:a16="http://schemas.microsoft.com/office/drawing/2014/main" id="{074B4F7D-14B2-478B-8BF5-01E4E0C5D263}"/>
+              </a:ext>
+              <a:ext uri="{C183D7F6-B498-43B3-948B-1728B52AA6E4}">
+                <adec:decorative xmlns:adec="http://schemas.microsoft.com/office/drawing/2017/decorative" val="1"/>
+              </a:ext>
+            </a:extLst>
+          </p:cNvPr>
+          <p:cNvSpPr>
+            <a:spLocks noGrp="1" noRot="1" noChangeAspect="1" noMove="1" noResize="1" noEditPoints="1" noAdjustHandles="1" noChangeArrowheads="1" noChangeShapeType="1" noTextEdit="1"/>
+          </p:cNvSpPr>
+          <p:nvPr>
+            <p:extLst>
+              <p:ext uri="{386F3935-93C4-4BCD-93E2-E3B085C9AB24}">
+                <p16:designElem xmlns:p16="http://schemas.microsoft.com/office/powerpoint/2015/main" val="1"/>
+              </p:ext>
+            </p:extLst>
+          </p:nvPr>
+        </p:nvSpPr>
+        <p:spPr>
+          <a:xfrm>
+            <a:off x="498834" y="758952"/>
+            <a:ext cx="128016" cy="704088"/>
+          </a:xfrm>
+          <a:prstGeom prst="rect">
+            <a:avLst/>
+          </a:prstGeom>
+          <a:solidFill>
+            <a:schemeClr val="accent2"/>
+          </a:solidFill>
+          <a:ln>
+            <a:noFill/>
+          </a:ln>
+        </p:spPr>
+        <p:style>
+          <a:lnRef idx="2">
+            <a:schemeClr val="accent1">
+              <a:shade val="50000"/>
+            </a:schemeClr>
+          </a:lnRef>
+          <a:fillRef idx="1">
+            <a:schemeClr val="accent1"/>
+          </a:fillRef>
+          <a:effectRef idx="0">
+            <a:schemeClr val="accent1"/>
+          </a:effectRef>
+          <a:fontRef idx="minor">
+            <a:schemeClr val="lt1"/>
+          </a:fontRef>
+        </p:style>
+        <p:txBody>
+          <a:bodyPr rtlCol="0" anchor="ctr"/>
+          <a:lstStyle/>
+          <a:p>
+            <a:pPr algn="ctr"/>
+            <a:endParaRPr lang="en-US">
+              <a:solidFill>
+                <a:prstClr val="white"/>
+              </a:solidFill>
+              <a:latin typeface="Calibri" panose="020F0502020204030204"/>
+            </a:endParaRPr>
+          </a:p>
+        </p:txBody>
+      </p:sp>
+      <p:sp>
+        <p:nvSpPr>
+          <p:cNvPr id="3" name="Content Placeholder 2">
+            <a:extLst>
+              <a:ext uri="{FF2B5EF4-FFF2-40B4-BE49-F238E27FC236}">
+                <a16:creationId xmlns:a16="http://schemas.microsoft.com/office/drawing/2014/main" id="{E43BD06B-906D-5C9C-E517-52B27F705E94}"/>
+              </a:ext>
+            </a:extLst>
+          </p:cNvPr>
+          <p:cNvSpPr>
+            <a:spLocks noGrp="1"/>
+          </p:cNvSpPr>
+          <p:nvPr>
+            <p:ph idx="1"/>
+          </p:nvPr>
+        </p:nvSpPr>
+        <p:spPr>
+          <a:xfrm>
+            <a:off x="1115568" y="2481943"/>
+            <a:ext cx="10168128" cy="3695020"/>
+          </a:xfrm>
+        </p:spPr>
+        <p:txBody>
+          <a:bodyPr>
+            <a:normAutofit/>
+          </a:bodyPr>
+          <a:lstStyle/>
+          <a:p>
+            <a:endParaRPr lang="en-US" sz="2200" dirty="0"/>
+          </a:p>
+        </p:txBody>
+      </p:sp>
+    </p:spTree>
+    <p:extLst>
+      <p:ext uri="{BB962C8B-B14F-4D97-AF65-F5344CB8AC3E}">
+        <p14:creationId xmlns:p14="http://schemas.microsoft.com/office/powerpoint/2010/main" val="3588266802"/>
+      </p:ext>
+    </p:extLst>
+  </p:cSld>
+  <p:clrMapOvr>
+    <a:masterClrMapping/>
+  </p:clrMapOvr>
+</p:sld>
+</file>
+
+<file path=ppt/slides/slide3.xml><?xml version="1.0" encoding="utf-8"?>
+<p:sld xmlns:a="http://schemas.openxmlformats.org/drawingml/2006/main" xmlns:r="http://schemas.openxmlformats.org/officeDocument/2006/relationships" xmlns:p="http://schemas.openxmlformats.org/presentationml/2006/main">
+  <p:cSld>
+    <p:bg>
+      <p:bgPr>
+        <a:solidFill>
+          <a:schemeClr val="bg1"/>
+        </a:solidFill>
+        <a:effectLst/>
+      </p:bgPr>
+    </p:bg>
+    <p:spTree>
+      <p:nvGrpSpPr>
+        <p:cNvPr id="1" name=""/>
+        <p:cNvGrpSpPr/>
+        <p:nvPr/>
+      </p:nvGrpSpPr>
+      <p:grpSpPr>
+        <a:xfrm>
+          <a:off x="0" y="0"/>
+          <a:ext cx="0" cy="0"/>
+          <a:chOff x="0" y="0"/>
+          <a:chExt cx="0" cy="0"/>
+        </a:xfrm>
+      </p:grpSpPr>
+      <p:sp useBgFill="1">
+        <p:nvSpPr>
+          <p:cNvPr id="8" name="Rectangle 7">
+            <a:extLst>
+              <a:ext uri="{FF2B5EF4-FFF2-40B4-BE49-F238E27FC236}">
+                <a16:creationId xmlns:a16="http://schemas.microsoft.com/office/drawing/2014/main" id="{907EF6B7-1338-4443-8C46-6A318D952DFD}"/>
+              </a:ext>
+              <a:ext uri="{C183D7F6-B498-43B3-948B-1728B52AA6E4}">
+                <adec:decorative xmlns:adec="http://schemas.microsoft.com/office/drawing/2017/decorative" val="1"/>
+              </a:ext>
+            </a:extLst>
+          </p:cNvPr>
+          <p:cNvSpPr>
+            <a:spLocks noGrp="1" noRot="1" noChangeAspect="1" noMove="1" noResize="1" noEditPoints="1" noAdjustHandles="1" noChangeArrowheads="1" noChangeShapeType="1" noTextEdit="1"/>
+          </p:cNvSpPr>
+          <p:nvPr>
+            <p:extLst>
+              <p:ext uri="{386F3935-93C4-4BCD-93E2-E3B085C9AB24}">
+                <p16:designElem xmlns:p16="http://schemas.microsoft.com/office/powerpoint/2015/main" val="1"/>
+              </p:ext>
+            </p:extLst>
+          </p:nvPr>
+        </p:nvSpPr>
+        <p:spPr>
+          <a:xfrm>
+            <a:off x="3048" y="0"/>
+            <a:ext cx="12188952" cy="6858000"/>
+          </a:xfrm>
+          <a:prstGeom prst="rect">
+            <a:avLst/>
+          </a:prstGeom>
+          <a:ln>
+            <a:noFill/>
+          </a:ln>
+        </p:spPr>
+        <p:style>
+          <a:lnRef idx="2">
+            <a:schemeClr val="accent1">
+              <a:shade val="50000"/>
+            </a:schemeClr>
+          </a:lnRef>
+          <a:fillRef idx="1">
+            <a:schemeClr val="accent1"/>
+          </a:fillRef>
+          <a:effectRef idx="0">
+            <a:schemeClr val="accent1"/>
+          </a:effectRef>
+          <a:fontRef idx="minor">
+            <a:schemeClr val="lt1"/>
+          </a:fontRef>
+        </p:style>
+        <p:txBody>
+          <a:bodyPr rtlCol="0" anchor="ctr"/>
+          <a:lstStyle/>
+          <a:p>
+            <a:pPr algn="ctr"/>
+            <a:endParaRPr lang="en-US"/>
+          </a:p>
+        </p:txBody>
+      </p:sp>
+      <p:sp>
+        <p:nvSpPr>
+          <p:cNvPr id="10" name="Freeform: Shape 9">
+            <a:extLst>
+              <a:ext uri="{FF2B5EF4-FFF2-40B4-BE49-F238E27FC236}">
+                <a16:creationId xmlns:a16="http://schemas.microsoft.com/office/drawing/2014/main" id="{DAAE4CDD-124C-4DCF-9584-B6033B545DD5}"/>
+              </a:ext>
+              <a:ext uri="{C183D7F6-B498-43B3-948B-1728B52AA6E4}">
+                <adec:decorative xmlns:adec="http://schemas.microsoft.com/office/drawing/2017/decorative" val="1"/>
+              </a:ext>
+            </a:extLst>
+          </p:cNvPr>
+          <p:cNvSpPr>
+            <a:spLocks noGrp="1" noRot="1" noChangeAspect="1" noMove="1" noResize="1" noEditPoints="1" noAdjustHandles="1" noChangeArrowheads="1" noChangeShapeType="1" noTextEdit="1"/>
+          </p:cNvSpPr>
+          <p:nvPr>
+            <p:extLst>
+              <p:ext uri="{386F3935-93C4-4BCD-93E2-E3B085C9AB24}">
+                <p16:designElem xmlns:p16="http://schemas.microsoft.com/office/powerpoint/2015/main" val="1"/>
+              </p:ext>
+            </p:extLst>
+          </p:nvPr>
+        </p:nvSpPr>
+        <p:spPr>
+          <a:xfrm>
+            <a:off x="1" y="0"/>
+            <a:ext cx="4167271" cy="6858000"/>
+          </a:xfrm>
+          <a:custGeom>
+            <a:avLst/>
+            <a:gdLst>
+              <a:gd name="connsiteX0" fmla="*/ 0 w 4167271"/>
+              <a:gd name="connsiteY0" fmla="*/ 0 h 6858000"/>
+              <a:gd name="connsiteX1" fmla="*/ 2259550 w 4167271"/>
+              <a:gd name="connsiteY1" fmla="*/ 0 h 6858000"/>
+              <a:gd name="connsiteX2" fmla="*/ 2387803 w 4167271"/>
+              <a:gd name="connsiteY2" fmla="*/ 82222 h 6858000"/>
+              <a:gd name="connsiteX3" fmla="*/ 4167271 w 4167271"/>
+              <a:gd name="connsiteY3" fmla="*/ 3429000 h 6858000"/>
+              <a:gd name="connsiteX4" fmla="*/ 2387803 w 4167271"/>
+              <a:gd name="connsiteY4" fmla="*/ 6775779 h 6858000"/>
+              <a:gd name="connsiteX5" fmla="*/ 2259550 w 4167271"/>
+              <a:gd name="connsiteY5" fmla="*/ 6858000 h 6858000"/>
+              <a:gd name="connsiteX6" fmla="*/ 0 w 4167271"/>
+              <a:gd name="connsiteY6" fmla="*/ 6858000 h 6858000"/>
+            </a:gdLst>
+            <a:ahLst/>
+            <a:cxnLst>
+              <a:cxn ang="0">
+                <a:pos x="connsiteX0" y="connsiteY0"/>
+              </a:cxn>
+              <a:cxn ang="0">
+                <a:pos x="connsiteX1" y="connsiteY1"/>
+              </a:cxn>
+              <a:cxn ang="0">
+                <a:pos x="connsiteX2" y="connsiteY2"/>
+              </a:cxn>
+              <a:cxn ang="0">
+                <a:pos x="connsiteX3" y="connsiteY3"/>
+              </a:cxn>
+              <a:cxn ang="0">
+                <a:pos x="connsiteX4" y="connsiteY4"/>
+              </a:cxn>
+              <a:cxn ang="0">
+                <a:pos x="connsiteX5" y="connsiteY5"/>
+              </a:cxn>
+              <a:cxn ang="0">
+                <a:pos x="connsiteX6" y="connsiteY6"/>
+              </a:cxn>
+            </a:cxnLst>
+            <a:rect l="l" t="t" r="r" b="b"/>
+            <a:pathLst>
+              <a:path w="4167271" h="6858000">
+                <a:moveTo>
+                  <a:pt x="0" y="0"/>
+                </a:moveTo>
+                <a:lnTo>
+                  <a:pt x="2259550" y="0"/>
+                </a:lnTo>
+                <a:lnTo>
+                  <a:pt x="2387803" y="82222"/>
+                </a:lnTo>
+                <a:cubicBezTo>
+                  <a:pt x="3461407" y="807534"/>
+                  <a:pt x="4167271" y="2035835"/>
+                  <a:pt x="4167271" y="3429000"/>
+                </a:cubicBezTo>
+                <a:cubicBezTo>
+                  <a:pt x="4167271" y="4822165"/>
+                  <a:pt x="3461407" y="6050467"/>
+                  <a:pt x="2387803" y="6775779"/>
+                </a:cubicBezTo>
+                <a:lnTo>
+                  <a:pt x="2259550" y="6858000"/>
+                </a:lnTo>
+                <a:lnTo>
+                  <a:pt x="0" y="6858000"/>
+                </a:lnTo>
+                <a:close/>
+              </a:path>
+            </a:pathLst>
+          </a:custGeom>
+          <a:solidFill>
+            <a:schemeClr val="accent2"/>
+          </a:solidFill>
+          <a:ln>
+            <a:noFill/>
+          </a:ln>
+        </p:spPr>
+        <p:style>
+          <a:lnRef idx="2">
+            <a:schemeClr val="accent1">
+              <a:shade val="50000"/>
+            </a:schemeClr>
+          </a:lnRef>
+          <a:fillRef idx="1">
+            <a:schemeClr val="accent1"/>
+          </a:fillRef>
+          <a:effectRef idx="0">
+            <a:schemeClr val="accent1"/>
+          </a:effectRef>
+          <a:fontRef idx="minor">
+            <a:schemeClr val="lt1"/>
+          </a:fontRef>
+        </p:style>
+        <p:txBody>
+          <a:bodyPr rtlCol="0" anchor="ctr"/>
+          <a:lstStyle/>
+          <a:p>
+            <a:pPr algn="ctr"/>
+            <a:endParaRPr lang="en-US"/>
+          </a:p>
+        </p:txBody>
+      </p:sp>
+      <p:sp>
+        <p:nvSpPr>
+          <p:cNvPr id="2" name="Title 1">
+            <a:extLst>
+              <a:ext uri="{FF2B5EF4-FFF2-40B4-BE49-F238E27FC236}">
+                <a16:creationId xmlns:a16="http://schemas.microsoft.com/office/drawing/2014/main" id="{604CD088-9924-FDF8-32EA-64AD14C5DE41}"/>
+              </a:ext>
+            </a:extLst>
+          </p:cNvPr>
+          <p:cNvSpPr>
+            <a:spLocks noGrp="1"/>
+          </p:cNvSpPr>
+          <p:nvPr>
+            <p:ph type="title"/>
+          </p:nvPr>
+        </p:nvSpPr>
+        <p:spPr>
+          <a:xfrm>
+            <a:off x="686834" y="1153572"/>
+            <a:ext cx="3200400" cy="4461163"/>
+          </a:xfrm>
+        </p:spPr>
+        <p:txBody>
+          <a:bodyPr>
+            <a:normAutofit/>
+          </a:bodyPr>
+          <a:lstStyle/>
+          <a:p>
             <a:endParaRPr lang="en-US">
               <a:solidFill>
                 <a:srgbClr val="FFFFFF"/>
@@ -3998,7 +7343,7 @@
                 <a16:creationId xmlns:a16="http://schemas.microsoft.com/office/drawing/2014/main" id="{081E4A58-353D-44AE-B2FC-2A74E2E400F7}"/>
               </a:ext>
               <a:ext uri="{C183D7F6-B498-43B3-948B-1728B52AA6E4}">
-                <adec:decorative xmlns:adec="http://schemas.microsoft.com/office/drawing/2017/decorative" xmlns="" val="1"/>
+                <adec:decorative xmlns:adec="http://schemas.microsoft.com/office/drawing/2017/decorative" val="1"/>
               </a:ext>
             </a:extLst>
           </p:cNvPr>
@@ -4099,6 +7444,14 @@
 <file path=ppt/slides/slide4.xml><?xml version="1.0" encoding="utf-8"?>
 <p:sld xmlns:a="http://schemas.openxmlformats.org/drawingml/2006/main" xmlns:r="http://schemas.openxmlformats.org/officeDocument/2006/relationships" xmlns:p="http://schemas.openxmlformats.org/presentationml/2006/main">
   <p:cSld>
+    <p:bg>
+      <p:bgPr>
+        <a:solidFill>
+          <a:schemeClr val="bg1"/>
+        </a:solidFill>
+        <a:effectLst/>
+      </p:bgPr>
+    </p:bg>
     <p:spTree>
       <p:nvGrpSpPr>
         <p:cNvPr id="1" name=""/>
@@ -4113,12 +7466,261 @@
           <a:chExt cx="0" cy="0"/>
         </a:xfrm>
       </p:grpSpPr>
+      <p:sp useBgFill="1">
+        <p:nvSpPr>
+          <p:cNvPr id="8" name="Rectangle 7">
+            <a:extLst>
+              <a:ext uri="{FF2B5EF4-FFF2-40B4-BE49-F238E27FC236}">
+                <a16:creationId xmlns:a16="http://schemas.microsoft.com/office/drawing/2014/main" id="{DAF1966E-FD40-4A4A-B61B-C4DF7FA05F06}"/>
+              </a:ext>
+              <a:ext uri="{C183D7F6-B498-43B3-948B-1728B52AA6E4}">
+                <adec:decorative xmlns:adec="http://schemas.microsoft.com/office/drawing/2017/decorative" val="1"/>
+              </a:ext>
+            </a:extLst>
+          </p:cNvPr>
+          <p:cNvSpPr>
+            <a:spLocks noGrp="1" noRot="1" noChangeAspect="1" noMove="1" noResize="1" noEditPoints="1" noAdjustHandles="1" noChangeArrowheads="1" noChangeShapeType="1" noTextEdit="1"/>
+          </p:cNvSpPr>
+          <p:nvPr>
+            <p:extLst>
+              <p:ext uri="{386F3935-93C4-4BCD-93E2-E3B085C9AB24}">
+                <p16:designElem xmlns:p16="http://schemas.microsoft.com/office/powerpoint/2015/main" val="1"/>
+              </p:ext>
+            </p:extLst>
+          </p:nvPr>
+        </p:nvSpPr>
+        <p:spPr>
+          <a:xfrm>
+            <a:off x="0" y="0"/>
+            <a:ext cx="12192000" cy="6858000"/>
+          </a:xfrm>
+          <a:prstGeom prst="rect">
+            <a:avLst/>
+          </a:prstGeom>
+          <a:ln>
+            <a:noFill/>
+          </a:ln>
+        </p:spPr>
+        <p:style>
+          <a:lnRef idx="2">
+            <a:schemeClr val="accent1">
+              <a:shade val="50000"/>
+            </a:schemeClr>
+          </a:lnRef>
+          <a:fillRef idx="1">
+            <a:schemeClr val="accent1"/>
+          </a:fillRef>
+          <a:effectRef idx="0">
+            <a:schemeClr val="accent1"/>
+          </a:effectRef>
+          <a:fontRef idx="minor">
+            <a:schemeClr val="lt1"/>
+          </a:fontRef>
+        </p:style>
+        <p:txBody>
+          <a:bodyPr rtlCol="0" anchor="ctr"/>
+          <a:lstStyle/>
+          <a:p>
+            <a:pPr algn="ctr"/>
+            <a:endParaRPr lang="en-US"/>
+          </a:p>
+        </p:txBody>
+      </p:sp>
+      <p:sp useBgFill="1">
+        <p:nvSpPr>
+          <p:cNvPr id="10" name="Rectangle 9">
+            <a:extLst>
+              <a:ext uri="{FF2B5EF4-FFF2-40B4-BE49-F238E27FC236}">
+                <a16:creationId xmlns:a16="http://schemas.microsoft.com/office/drawing/2014/main" id="{047BFA19-D45E-416B-A404-7AF2F3F27017}"/>
+              </a:ext>
+              <a:ext uri="{C183D7F6-B498-43B3-948B-1728B52AA6E4}">
+                <adec:decorative xmlns:adec="http://schemas.microsoft.com/office/drawing/2017/decorative" val="1"/>
+              </a:ext>
+            </a:extLst>
+          </p:cNvPr>
+          <p:cNvSpPr>
+            <a:spLocks noGrp="1" noRot="1" noChangeAspect="1" noMove="1" noResize="1" noEditPoints="1" noAdjustHandles="1" noChangeArrowheads="1" noChangeShapeType="1" noTextEdit="1"/>
+          </p:cNvSpPr>
+          <p:nvPr>
+            <p:extLst>
+              <p:ext uri="{386F3935-93C4-4BCD-93E2-E3B085C9AB24}">
+                <p16:designElem xmlns:p16="http://schemas.microsoft.com/office/powerpoint/2015/main" val="1"/>
+              </p:ext>
+            </p:extLst>
+          </p:nvPr>
+        </p:nvSpPr>
+        <p:spPr>
+          <a:xfrm>
+            <a:off x="558209" y="0"/>
+            <a:ext cx="11167447" cy="2018806"/>
+          </a:xfrm>
+          <a:prstGeom prst="rect">
+            <a:avLst/>
+          </a:prstGeom>
+          <a:ln w="9525">
+            <a:solidFill>
+              <a:srgbClr val="E1E1E1"/>
+            </a:solidFill>
+          </a:ln>
+          <a:effectLst>
+            <a:outerShdw blurRad="50800" dist="38100" dir="2700000" algn="tl" rotWithShape="0">
+              <a:schemeClr val="bg1">
+                <a:lumMod val="85000"/>
+                <a:alpha val="50000"/>
+              </a:schemeClr>
+            </a:outerShdw>
+          </a:effectLst>
+        </p:spPr>
+        <p:style>
+          <a:lnRef idx="2">
+            <a:schemeClr val="accent1">
+              <a:shade val="50000"/>
+            </a:schemeClr>
+          </a:lnRef>
+          <a:fillRef idx="1">
+            <a:schemeClr val="accent1"/>
+          </a:fillRef>
+          <a:effectRef idx="0">
+            <a:schemeClr val="accent1"/>
+          </a:effectRef>
+          <a:fontRef idx="minor">
+            <a:schemeClr val="lt1"/>
+          </a:fontRef>
+        </p:style>
+        <p:txBody>
+          <a:bodyPr rtlCol="0" anchor="ctr"/>
+          <a:lstStyle/>
+          <a:p>
+            <a:pPr marL="0" marR="0" lvl="0" indent="0" algn="ctr" defTabSz="914400" rtl="0" eaLnBrk="1" fontAlgn="auto" latinLnBrk="0" hangingPunct="1">
+              <a:lnSpc>
+                <a:spcPct val="100000"/>
+              </a:lnSpc>
+              <a:spcBef>
+                <a:spcPts val="0"/>
+              </a:spcBef>
+              <a:spcAft>
+                <a:spcPts val="0"/>
+              </a:spcAft>
+              <a:buClrTx/>
+              <a:buSzTx/>
+              <a:buFontTx/>
+              <a:buNone/>
+              <a:tabLst/>
+              <a:defRPr/>
+            </a:pPr>
+            <a:endParaRPr kumimoji="0" lang="en-US" sz="1800" b="0" i="0" u="none" strike="noStrike" kern="1200" cap="none" spc="0" normalizeH="0" baseline="0" noProof="0">
+              <a:ln>
+                <a:noFill/>
+              </a:ln>
+              <a:solidFill>
+                <a:prstClr val="white"/>
+              </a:solidFill>
+              <a:effectLst/>
+              <a:uLnTx/>
+              <a:uFillTx/>
+              <a:latin typeface="Calibri" panose="020F0502020204030204"/>
+              <a:ea typeface="+mn-ea"/>
+              <a:cs typeface="+mn-cs"/>
+            </a:endParaRPr>
+          </a:p>
+        </p:txBody>
+      </p:sp>
+      <p:sp useBgFill="1">
+        <p:nvSpPr>
+          <p:cNvPr id="12" name="Rectangle 11">
+            <a:extLst>
+              <a:ext uri="{FF2B5EF4-FFF2-40B4-BE49-F238E27FC236}">
+                <a16:creationId xmlns:a16="http://schemas.microsoft.com/office/drawing/2014/main" id="{8E0105E7-23DB-4CF2-8258-FF47C7620F6E}"/>
+              </a:ext>
+              <a:ext uri="{C183D7F6-B498-43B3-948B-1728B52AA6E4}">
+                <adec:decorative xmlns:adec="http://schemas.microsoft.com/office/drawing/2017/decorative" val="1"/>
+              </a:ext>
+            </a:extLst>
+          </p:cNvPr>
+          <p:cNvSpPr>
+            <a:spLocks noGrp="1" noRot="1" noChangeAspect="1" noMove="1" noResize="1" noEditPoints="1" noAdjustHandles="1" noChangeArrowheads="1" noChangeShapeType="1" noTextEdit="1"/>
+          </p:cNvSpPr>
+          <p:nvPr>
+            <p:extLst>
+              <p:ext uri="{386F3935-93C4-4BCD-93E2-E3B085C9AB24}">
+                <p16:designElem xmlns:p16="http://schemas.microsoft.com/office/powerpoint/2015/main" val="1"/>
+              </p:ext>
+            </p:extLst>
+          </p:nvPr>
+        </p:nvSpPr>
+        <p:spPr>
+          <a:xfrm>
+            <a:off x="566928" y="0"/>
+            <a:ext cx="11155680" cy="2011680"/>
+          </a:xfrm>
+          <a:prstGeom prst="rect">
+            <a:avLst/>
+          </a:prstGeom>
+          <a:ln w="9525">
+            <a:noFill/>
+          </a:ln>
+          <a:effectLst/>
+        </p:spPr>
+        <p:style>
+          <a:lnRef idx="2">
+            <a:schemeClr val="accent1">
+              <a:shade val="50000"/>
+            </a:schemeClr>
+          </a:lnRef>
+          <a:fillRef idx="1">
+            <a:schemeClr val="accent1"/>
+          </a:fillRef>
+          <a:effectRef idx="0">
+            <a:schemeClr val="accent1"/>
+          </a:effectRef>
+          <a:fontRef idx="minor">
+            <a:schemeClr val="lt1"/>
+          </a:fontRef>
+        </p:style>
+        <p:txBody>
+          <a:bodyPr rtlCol="0" anchor="ctr"/>
+          <a:lstStyle/>
+          <a:p>
+            <a:pPr marL="0" marR="0" lvl="0" indent="0" algn="ctr" defTabSz="914400" rtl="0" eaLnBrk="1" fontAlgn="auto" latinLnBrk="0" hangingPunct="1">
+              <a:lnSpc>
+                <a:spcPct val="100000"/>
+              </a:lnSpc>
+              <a:spcBef>
+                <a:spcPts val="0"/>
+              </a:spcBef>
+              <a:spcAft>
+                <a:spcPts val="0"/>
+              </a:spcAft>
+              <a:buClrTx/>
+              <a:buSzTx/>
+              <a:buFontTx/>
+              <a:buNone/>
+              <a:tabLst/>
+              <a:defRPr/>
+            </a:pPr>
+            <a:endParaRPr kumimoji="0" lang="en-US" sz="1800" b="0" i="0" u="none" strike="noStrike" kern="1200" cap="none" spc="0" normalizeH="0" baseline="0" noProof="0">
+              <a:ln>
+                <a:noFill/>
+              </a:ln>
+              <a:solidFill>
+                <a:prstClr val="white"/>
+              </a:solidFill>
+              <a:effectLst/>
+              <a:uLnTx/>
+              <a:uFillTx/>
+              <a:latin typeface="Calibri" panose="020F0502020204030204"/>
+              <a:ea typeface="+mn-ea"/>
+              <a:cs typeface="+mn-cs"/>
+            </a:endParaRPr>
+          </a:p>
+        </p:txBody>
+      </p:sp>
       <p:sp>
         <p:nvSpPr>
           <p:cNvPr id="2" name="Title 1">
             <a:extLst>
               <a:ext uri="{FF2B5EF4-FFF2-40B4-BE49-F238E27FC236}">
-                <a16:creationId xmlns:a16="http://schemas.microsoft.com/office/drawing/2014/main" id="{8AC341B6-BBCC-3905-A25B-CDE75303015C}"/>
+                <a16:creationId xmlns:a16="http://schemas.microsoft.com/office/drawing/2014/main" id="{82CF4B60-062A-25CD-E448-6C8255EEF9CC}"/>
               </a:ext>
             </a:extLst>
           </p:cNvPr>
@@ -4129,21 +7731,1956 @@
             <p:ph type="title"/>
           </p:nvPr>
         </p:nvSpPr>
-        <p:spPr/>
-        <p:txBody>
-          <a:bodyPr/>
-          <a:lstStyle/>
-          <a:p>
-            <a:endParaRPr lang="en-US"/>
+        <p:spPr>
+          <a:xfrm>
+            <a:off x="1115568" y="548640"/>
+            <a:ext cx="10168128" cy="1179576"/>
+          </a:xfrm>
+        </p:spPr>
+        <p:txBody>
+          <a:bodyPr>
+            <a:normAutofit/>
+          </a:bodyPr>
+          <a:lstStyle/>
+          <a:p>
+            <a:r>
+              <a:rPr lang="en-US" sz="4000" dirty="0"/>
+              <a:t>About us:</a:t>
+            </a:r>
+          </a:p>
+        </p:txBody>
+      </p:sp>
+      <p:sp>
+        <p:nvSpPr>
+          <p:cNvPr id="14" name="Rectangle 13">
+            <a:extLst>
+              <a:ext uri="{FF2B5EF4-FFF2-40B4-BE49-F238E27FC236}">
+                <a16:creationId xmlns:a16="http://schemas.microsoft.com/office/drawing/2014/main" id="{074B4F7D-14B2-478B-8BF5-01E4E0C5D263}"/>
+              </a:ext>
+              <a:ext uri="{C183D7F6-B498-43B3-948B-1728B52AA6E4}">
+                <adec:decorative xmlns:adec="http://schemas.microsoft.com/office/drawing/2017/decorative" val="1"/>
+              </a:ext>
+            </a:extLst>
+          </p:cNvPr>
+          <p:cNvSpPr>
+            <a:spLocks noGrp="1" noRot="1" noChangeAspect="1" noMove="1" noResize="1" noEditPoints="1" noAdjustHandles="1" noChangeArrowheads="1" noChangeShapeType="1" noTextEdit="1"/>
+          </p:cNvSpPr>
+          <p:nvPr>
+            <p:extLst>
+              <p:ext uri="{386F3935-93C4-4BCD-93E2-E3B085C9AB24}">
+                <p16:designElem xmlns:p16="http://schemas.microsoft.com/office/powerpoint/2015/main" val="1"/>
+              </p:ext>
+            </p:extLst>
+          </p:nvPr>
+        </p:nvSpPr>
+        <p:spPr>
+          <a:xfrm>
+            <a:off x="498834" y="758952"/>
+            <a:ext cx="128016" cy="704088"/>
+          </a:xfrm>
+          <a:prstGeom prst="rect">
+            <a:avLst/>
+          </a:prstGeom>
+          <a:solidFill>
+            <a:schemeClr val="accent2"/>
+          </a:solidFill>
+          <a:ln>
+            <a:noFill/>
+          </a:ln>
+        </p:spPr>
+        <p:style>
+          <a:lnRef idx="2">
+            <a:schemeClr val="accent1">
+              <a:shade val="50000"/>
+            </a:schemeClr>
+          </a:lnRef>
+          <a:fillRef idx="1">
+            <a:schemeClr val="accent1"/>
+          </a:fillRef>
+          <a:effectRef idx="0">
+            <a:schemeClr val="accent1"/>
+          </a:effectRef>
+          <a:fontRef idx="minor">
+            <a:schemeClr val="lt1"/>
+          </a:fontRef>
+        </p:style>
+        <p:txBody>
+          <a:bodyPr rtlCol="0" anchor="ctr"/>
+          <a:lstStyle/>
+          <a:p>
+            <a:pPr algn="ctr"/>
+            <a:endParaRPr lang="en-US">
+              <a:solidFill>
+                <a:prstClr val="white"/>
+              </a:solidFill>
+              <a:latin typeface="Calibri" panose="020F0502020204030204"/>
+            </a:endParaRPr>
+          </a:p>
+        </p:txBody>
+      </p:sp>
+      <p:sp>
+        <p:nvSpPr>
+          <p:cNvPr id="3" name="Content Placeholder 2">
+            <a:extLst>
+              <a:ext uri="{FF2B5EF4-FFF2-40B4-BE49-F238E27FC236}">
+                <a16:creationId xmlns:a16="http://schemas.microsoft.com/office/drawing/2014/main" id="{E43BD06B-906D-5C9C-E517-52B27F705E94}"/>
+              </a:ext>
+            </a:extLst>
+          </p:cNvPr>
+          <p:cNvSpPr>
+            <a:spLocks noGrp="1"/>
+          </p:cNvSpPr>
+          <p:nvPr>
+            <p:ph idx="1"/>
+          </p:nvPr>
+        </p:nvSpPr>
+        <p:spPr>
+          <a:xfrm>
+            <a:off x="1115568" y="2481943"/>
+            <a:ext cx="10168128" cy="3695020"/>
+          </a:xfrm>
+        </p:spPr>
+        <p:txBody>
+          <a:bodyPr>
+            <a:normAutofit/>
+          </a:bodyPr>
+          <a:lstStyle/>
+          <a:p>
+            <a:r>
+              <a:rPr lang="en-US" sz="2200" dirty="0"/>
+              <a:t>20 years lake co</a:t>
+            </a:r>
+          </a:p>
+          <a:p>
+            <a:r>
+              <a:rPr lang="en-US" sz="2200" dirty="0"/>
+              <a:t>Inventor patent</a:t>
+            </a:r>
+          </a:p>
+          <a:p>
+            <a:r>
+              <a:rPr lang="en-US" sz="2200" dirty="0"/>
+              <a:t>Microsoft certified developer</a:t>
+            </a:r>
+          </a:p>
+          <a:p>
+            <a:r>
+              <a:rPr lang="en-US" sz="2200" dirty="0"/>
+              <a:t>3x Hackathon winner</a:t>
+            </a:r>
+          </a:p>
+          <a:p>
+            <a:r>
+              <a:rPr lang="en-US" sz="2200" dirty="0"/>
+              <a:t>Christmas lightshow</a:t>
+            </a:r>
+          </a:p>
+          <a:p>
+            <a:r>
+              <a:rPr lang="en-US" sz="2200" dirty="0"/>
+              <a:t>Father of 5 girls</a:t>
+            </a:r>
+          </a:p>
+          <a:p>
+            <a:r>
+              <a:rPr lang="en-US" sz="2200" dirty="0"/>
+              <a:t>Daily </a:t>
+            </a:r>
+            <a:r>
+              <a:rPr lang="en-US" sz="2200" dirty="0" err="1"/>
+              <a:t>Github</a:t>
+            </a:r>
+            <a:r>
+              <a:rPr lang="en-US" sz="2200" dirty="0"/>
+              <a:t> commit Challenge</a:t>
+            </a:r>
           </a:p>
         </p:txBody>
       </p:sp>
       <p:pic>
         <p:nvPicPr>
-          <p:cNvPr id="4" name="Picture 4">
+          <p:cNvPr id="1026" name="Picture 2" descr="Employee Resume 8 PowerPoint Template">
             <a:extLst>
               <a:ext uri="{FF2B5EF4-FFF2-40B4-BE49-F238E27FC236}">
-                <a16:creationId xmlns:a16="http://schemas.microsoft.com/office/drawing/2014/main" id="{6D147A27-89D4-0FD9-EB5C-7E04A3B37D25}"/>
+                <a16:creationId xmlns:a16="http://schemas.microsoft.com/office/drawing/2014/main" id="{F3210187-00E2-CA7E-493A-E91917D1F46D}"/>
+              </a:ext>
+            </a:extLst>
+          </p:cNvPr>
+          <p:cNvPicPr>
+            <a:picLocks noChangeAspect="1" noChangeArrowheads="1"/>
+          </p:cNvPicPr>
+          <p:nvPr/>
+        </p:nvPicPr>
+        <p:blipFill>
+          <a:blip r:embed="rId2">
+            <a:extLst>
+              <a:ext uri="{28A0092B-C50C-407E-A947-70E740481C1C}">
+                <a14:useLocalDpi xmlns:a14="http://schemas.microsoft.com/office/drawing/2010/main" val="0"/>
+              </a:ext>
+            </a:extLst>
+          </a:blip>
+          <a:srcRect/>
+          <a:stretch>
+            <a:fillRect/>
+          </a:stretch>
+        </p:blipFill>
+        <p:spPr bwMode="auto">
+          <a:xfrm>
+            <a:off x="4643628" y="352552"/>
+            <a:ext cx="7315200" cy="5486400"/>
+          </a:xfrm>
+          <a:prstGeom prst="rect">
+            <a:avLst/>
+          </a:prstGeom>
+          <a:noFill/>
+          <a:extLst>
+            <a:ext uri="{909E8E84-426E-40DD-AFC4-6F175D3DCCD1}">
+              <a14:hiddenFill xmlns:a14="http://schemas.microsoft.com/office/drawing/2010/main">
+                <a:solidFill>
+                  <a:srgbClr val="FFFFFF"/>
+                </a:solidFill>
+              </a14:hiddenFill>
+            </a:ext>
+          </a:extLst>
+        </p:spPr>
+      </p:pic>
+    </p:spTree>
+    <p:extLst>
+      <p:ext uri="{BB962C8B-B14F-4D97-AF65-F5344CB8AC3E}">
+        <p14:creationId xmlns:p14="http://schemas.microsoft.com/office/powerpoint/2010/main" val="908212866"/>
+      </p:ext>
+    </p:extLst>
+  </p:cSld>
+  <p:clrMapOvr>
+    <a:masterClrMapping/>
+  </p:clrMapOvr>
+</p:sld>
+</file>
+
+<file path=ppt/slides/slide5.xml><?xml version="1.0" encoding="utf-8"?>
+<p:sld xmlns:a="http://schemas.openxmlformats.org/drawingml/2006/main" xmlns:r="http://schemas.openxmlformats.org/officeDocument/2006/relationships" xmlns:p="http://schemas.openxmlformats.org/presentationml/2006/main">
+  <p:cSld>
+    <p:bg>
+      <p:bgPr>
+        <a:solidFill>
+          <a:schemeClr val="bg1"/>
+        </a:solidFill>
+        <a:effectLst/>
+      </p:bgPr>
+    </p:bg>
+    <p:spTree>
+      <p:nvGrpSpPr>
+        <p:cNvPr id="1" name=""/>
+        <p:cNvGrpSpPr/>
+        <p:nvPr/>
+      </p:nvGrpSpPr>
+      <p:grpSpPr>
+        <a:xfrm>
+          <a:off x="0" y="0"/>
+          <a:ext cx="0" cy="0"/>
+          <a:chOff x="0" y="0"/>
+          <a:chExt cx="0" cy="0"/>
+        </a:xfrm>
+      </p:grpSpPr>
+      <p:sp useBgFill="1">
+        <p:nvSpPr>
+          <p:cNvPr id="8" name="Rectangle 7">
+            <a:extLst>
+              <a:ext uri="{FF2B5EF4-FFF2-40B4-BE49-F238E27FC236}">
+                <a16:creationId xmlns:a16="http://schemas.microsoft.com/office/drawing/2014/main" id="{DAF1966E-FD40-4A4A-B61B-C4DF7FA05F06}"/>
+              </a:ext>
+              <a:ext uri="{C183D7F6-B498-43B3-948B-1728B52AA6E4}">
+                <adec:decorative xmlns:adec="http://schemas.microsoft.com/office/drawing/2017/decorative" val="1"/>
+              </a:ext>
+            </a:extLst>
+          </p:cNvPr>
+          <p:cNvSpPr>
+            <a:spLocks noGrp="1" noRot="1" noChangeAspect="1" noMove="1" noResize="1" noEditPoints="1" noAdjustHandles="1" noChangeArrowheads="1" noChangeShapeType="1" noTextEdit="1"/>
+          </p:cNvSpPr>
+          <p:nvPr>
+            <p:extLst>
+              <p:ext uri="{386F3935-93C4-4BCD-93E2-E3B085C9AB24}">
+                <p16:designElem xmlns:p16="http://schemas.microsoft.com/office/powerpoint/2015/main" val="1"/>
+              </p:ext>
+            </p:extLst>
+          </p:nvPr>
+        </p:nvSpPr>
+        <p:spPr>
+          <a:xfrm>
+            <a:off x="0" y="0"/>
+            <a:ext cx="12192000" cy="6858000"/>
+          </a:xfrm>
+          <a:prstGeom prst="rect">
+            <a:avLst/>
+          </a:prstGeom>
+          <a:ln>
+            <a:noFill/>
+          </a:ln>
+        </p:spPr>
+        <p:style>
+          <a:lnRef idx="2">
+            <a:schemeClr val="accent1">
+              <a:shade val="50000"/>
+            </a:schemeClr>
+          </a:lnRef>
+          <a:fillRef idx="1">
+            <a:schemeClr val="accent1"/>
+          </a:fillRef>
+          <a:effectRef idx="0">
+            <a:schemeClr val="accent1"/>
+          </a:effectRef>
+          <a:fontRef idx="minor">
+            <a:schemeClr val="lt1"/>
+          </a:fontRef>
+        </p:style>
+        <p:txBody>
+          <a:bodyPr rtlCol="0" anchor="ctr"/>
+          <a:lstStyle/>
+          <a:p>
+            <a:pPr algn="ctr"/>
+            <a:endParaRPr lang="en-US"/>
+          </a:p>
+        </p:txBody>
+      </p:sp>
+      <p:sp useBgFill="1">
+        <p:nvSpPr>
+          <p:cNvPr id="10" name="Rectangle 9">
+            <a:extLst>
+              <a:ext uri="{FF2B5EF4-FFF2-40B4-BE49-F238E27FC236}">
+                <a16:creationId xmlns:a16="http://schemas.microsoft.com/office/drawing/2014/main" id="{047BFA19-D45E-416B-A404-7AF2F3F27017}"/>
+              </a:ext>
+              <a:ext uri="{C183D7F6-B498-43B3-948B-1728B52AA6E4}">
+                <adec:decorative xmlns:adec="http://schemas.microsoft.com/office/drawing/2017/decorative" val="1"/>
+              </a:ext>
+            </a:extLst>
+          </p:cNvPr>
+          <p:cNvSpPr>
+            <a:spLocks noGrp="1" noRot="1" noChangeAspect="1" noMove="1" noResize="1" noEditPoints="1" noAdjustHandles="1" noChangeArrowheads="1" noChangeShapeType="1" noTextEdit="1"/>
+          </p:cNvSpPr>
+          <p:nvPr>
+            <p:extLst>
+              <p:ext uri="{386F3935-93C4-4BCD-93E2-E3B085C9AB24}">
+                <p16:designElem xmlns:p16="http://schemas.microsoft.com/office/powerpoint/2015/main" val="1"/>
+              </p:ext>
+            </p:extLst>
+          </p:nvPr>
+        </p:nvSpPr>
+        <p:spPr>
+          <a:xfrm>
+            <a:off x="558209" y="0"/>
+            <a:ext cx="11167447" cy="2018806"/>
+          </a:xfrm>
+          <a:prstGeom prst="rect">
+            <a:avLst/>
+          </a:prstGeom>
+          <a:ln w="9525">
+            <a:solidFill>
+              <a:srgbClr val="E1E1E1"/>
+            </a:solidFill>
+          </a:ln>
+          <a:effectLst>
+            <a:outerShdw blurRad="50800" dist="38100" dir="2700000" algn="tl" rotWithShape="0">
+              <a:schemeClr val="bg1">
+                <a:lumMod val="85000"/>
+                <a:alpha val="50000"/>
+              </a:schemeClr>
+            </a:outerShdw>
+          </a:effectLst>
+        </p:spPr>
+        <p:style>
+          <a:lnRef idx="2">
+            <a:schemeClr val="accent1">
+              <a:shade val="50000"/>
+            </a:schemeClr>
+          </a:lnRef>
+          <a:fillRef idx="1">
+            <a:schemeClr val="accent1"/>
+          </a:fillRef>
+          <a:effectRef idx="0">
+            <a:schemeClr val="accent1"/>
+          </a:effectRef>
+          <a:fontRef idx="minor">
+            <a:schemeClr val="lt1"/>
+          </a:fontRef>
+        </p:style>
+        <p:txBody>
+          <a:bodyPr rtlCol="0" anchor="ctr"/>
+          <a:lstStyle/>
+          <a:p>
+            <a:pPr marL="0" marR="0" lvl="0" indent="0" algn="ctr" defTabSz="914400" rtl="0" eaLnBrk="1" fontAlgn="auto" latinLnBrk="0" hangingPunct="1">
+              <a:lnSpc>
+                <a:spcPct val="100000"/>
+              </a:lnSpc>
+              <a:spcBef>
+                <a:spcPts val="0"/>
+              </a:spcBef>
+              <a:spcAft>
+                <a:spcPts val="0"/>
+              </a:spcAft>
+              <a:buClrTx/>
+              <a:buSzTx/>
+              <a:buFontTx/>
+              <a:buNone/>
+              <a:tabLst/>
+              <a:defRPr/>
+            </a:pPr>
+            <a:endParaRPr kumimoji="0" lang="en-US" sz="1800" b="0" i="0" u="none" strike="noStrike" kern="1200" cap="none" spc="0" normalizeH="0" baseline="0" noProof="0">
+              <a:ln>
+                <a:noFill/>
+              </a:ln>
+              <a:solidFill>
+                <a:prstClr val="white"/>
+              </a:solidFill>
+              <a:effectLst/>
+              <a:uLnTx/>
+              <a:uFillTx/>
+              <a:latin typeface="Calibri" panose="020F0502020204030204"/>
+              <a:ea typeface="+mn-ea"/>
+              <a:cs typeface="+mn-cs"/>
+            </a:endParaRPr>
+          </a:p>
+        </p:txBody>
+      </p:sp>
+      <p:sp useBgFill="1">
+        <p:nvSpPr>
+          <p:cNvPr id="12" name="Rectangle 11">
+            <a:extLst>
+              <a:ext uri="{FF2B5EF4-FFF2-40B4-BE49-F238E27FC236}">
+                <a16:creationId xmlns:a16="http://schemas.microsoft.com/office/drawing/2014/main" id="{8E0105E7-23DB-4CF2-8258-FF47C7620F6E}"/>
+              </a:ext>
+              <a:ext uri="{C183D7F6-B498-43B3-948B-1728B52AA6E4}">
+                <adec:decorative xmlns:adec="http://schemas.microsoft.com/office/drawing/2017/decorative" val="1"/>
+              </a:ext>
+            </a:extLst>
+          </p:cNvPr>
+          <p:cNvSpPr>
+            <a:spLocks noGrp="1" noRot="1" noChangeAspect="1" noMove="1" noResize="1" noEditPoints="1" noAdjustHandles="1" noChangeArrowheads="1" noChangeShapeType="1" noTextEdit="1"/>
+          </p:cNvSpPr>
+          <p:nvPr>
+            <p:extLst>
+              <p:ext uri="{386F3935-93C4-4BCD-93E2-E3B085C9AB24}">
+                <p16:designElem xmlns:p16="http://schemas.microsoft.com/office/powerpoint/2015/main" val="1"/>
+              </p:ext>
+            </p:extLst>
+          </p:nvPr>
+        </p:nvSpPr>
+        <p:spPr>
+          <a:xfrm>
+            <a:off x="566928" y="0"/>
+            <a:ext cx="11155680" cy="2011680"/>
+          </a:xfrm>
+          <a:prstGeom prst="rect">
+            <a:avLst/>
+          </a:prstGeom>
+          <a:ln w="9525">
+            <a:noFill/>
+          </a:ln>
+          <a:effectLst/>
+        </p:spPr>
+        <p:style>
+          <a:lnRef idx="2">
+            <a:schemeClr val="accent1">
+              <a:shade val="50000"/>
+            </a:schemeClr>
+          </a:lnRef>
+          <a:fillRef idx="1">
+            <a:schemeClr val="accent1"/>
+          </a:fillRef>
+          <a:effectRef idx="0">
+            <a:schemeClr val="accent1"/>
+          </a:effectRef>
+          <a:fontRef idx="minor">
+            <a:schemeClr val="lt1"/>
+          </a:fontRef>
+        </p:style>
+        <p:txBody>
+          <a:bodyPr rtlCol="0" anchor="ctr"/>
+          <a:lstStyle/>
+          <a:p>
+            <a:pPr marL="0" marR="0" lvl="0" indent="0" algn="ctr" defTabSz="914400" rtl="0" eaLnBrk="1" fontAlgn="auto" latinLnBrk="0" hangingPunct="1">
+              <a:lnSpc>
+                <a:spcPct val="100000"/>
+              </a:lnSpc>
+              <a:spcBef>
+                <a:spcPts val="0"/>
+              </a:spcBef>
+              <a:spcAft>
+                <a:spcPts val="0"/>
+              </a:spcAft>
+              <a:buClrTx/>
+              <a:buSzTx/>
+              <a:buFontTx/>
+              <a:buNone/>
+              <a:tabLst/>
+              <a:defRPr/>
+            </a:pPr>
+            <a:endParaRPr kumimoji="0" lang="en-US" sz="1800" b="0" i="0" u="none" strike="noStrike" kern="1200" cap="none" spc="0" normalizeH="0" baseline="0" noProof="0">
+              <a:ln>
+                <a:noFill/>
+              </a:ln>
+              <a:solidFill>
+                <a:prstClr val="white"/>
+              </a:solidFill>
+              <a:effectLst/>
+              <a:uLnTx/>
+              <a:uFillTx/>
+              <a:latin typeface="Calibri" panose="020F0502020204030204"/>
+              <a:ea typeface="+mn-ea"/>
+              <a:cs typeface="+mn-cs"/>
+            </a:endParaRPr>
+          </a:p>
+        </p:txBody>
+      </p:sp>
+      <p:sp>
+        <p:nvSpPr>
+          <p:cNvPr id="2" name="Title 1">
+            <a:extLst>
+              <a:ext uri="{FF2B5EF4-FFF2-40B4-BE49-F238E27FC236}">
+                <a16:creationId xmlns:a16="http://schemas.microsoft.com/office/drawing/2014/main" id="{82CF4B60-062A-25CD-E448-6C8255EEF9CC}"/>
+              </a:ext>
+            </a:extLst>
+          </p:cNvPr>
+          <p:cNvSpPr>
+            <a:spLocks noGrp="1"/>
+          </p:cNvSpPr>
+          <p:nvPr>
+            <p:ph type="title"/>
+          </p:nvPr>
+        </p:nvSpPr>
+        <p:spPr>
+          <a:xfrm>
+            <a:off x="1115568" y="548640"/>
+            <a:ext cx="10168128" cy="1179576"/>
+          </a:xfrm>
+        </p:spPr>
+        <p:txBody>
+          <a:bodyPr>
+            <a:normAutofit/>
+          </a:bodyPr>
+          <a:lstStyle/>
+          <a:p>
+            <a:r>
+              <a:rPr lang="en-US" sz="4000" dirty="0"/>
+              <a:t>About us:  Ella</a:t>
+            </a:r>
+          </a:p>
+        </p:txBody>
+      </p:sp>
+      <p:sp>
+        <p:nvSpPr>
+          <p:cNvPr id="14" name="Rectangle 13">
+            <a:extLst>
+              <a:ext uri="{FF2B5EF4-FFF2-40B4-BE49-F238E27FC236}">
+                <a16:creationId xmlns:a16="http://schemas.microsoft.com/office/drawing/2014/main" id="{074B4F7D-14B2-478B-8BF5-01E4E0C5D263}"/>
+              </a:ext>
+              <a:ext uri="{C183D7F6-B498-43B3-948B-1728B52AA6E4}">
+                <adec:decorative xmlns:adec="http://schemas.microsoft.com/office/drawing/2017/decorative" val="1"/>
+              </a:ext>
+            </a:extLst>
+          </p:cNvPr>
+          <p:cNvSpPr>
+            <a:spLocks noGrp="1" noRot="1" noChangeAspect="1" noMove="1" noResize="1" noEditPoints="1" noAdjustHandles="1" noChangeArrowheads="1" noChangeShapeType="1" noTextEdit="1"/>
+          </p:cNvSpPr>
+          <p:nvPr>
+            <p:extLst>
+              <p:ext uri="{386F3935-93C4-4BCD-93E2-E3B085C9AB24}">
+                <p16:designElem xmlns:p16="http://schemas.microsoft.com/office/powerpoint/2015/main" val="1"/>
+              </p:ext>
+            </p:extLst>
+          </p:nvPr>
+        </p:nvSpPr>
+        <p:spPr>
+          <a:xfrm>
+            <a:off x="498834" y="758952"/>
+            <a:ext cx="128016" cy="704088"/>
+          </a:xfrm>
+          <a:prstGeom prst="rect">
+            <a:avLst/>
+          </a:prstGeom>
+          <a:solidFill>
+            <a:schemeClr val="accent2"/>
+          </a:solidFill>
+          <a:ln>
+            <a:noFill/>
+          </a:ln>
+        </p:spPr>
+        <p:style>
+          <a:lnRef idx="2">
+            <a:schemeClr val="accent1">
+              <a:shade val="50000"/>
+            </a:schemeClr>
+          </a:lnRef>
+          <a:fillRef idx="1">
+            <a:schemeClr val="accent1"/>
+          </a:fillRef>
+          <a:effectRef idx="0">
+            <a:schemeClr val="accent1"/>
+          </a:effectRef>
+          <a:fontRef idx="minor">
+            <a:schemeClr val="lt1"/>
+          </a:fontRef>
+        </p:style>
+        <p:txBody>
+          <a:bodyPr rtlCol="0" anchor="ctr"/>
+          <a:lstStyle/>
+          <a:p>
+            <a:pPr algn="ctr"/>
+            <a:endParaRPr lang="en-US">
+              <a:solidFill>
+                <a:prstClr val="white"/>
+              </a:solidFill>
+              <a:latin typeface="Calibri" panose="020F0502020204030204"/>
+            </a:endParaRPr>
+          </a:p>
+        </p:txBody>
+      </p:sp>
+      <p:sp>
+        <p:nvSpPr>
+          <p:cNvPr id="3" name="Content Placeholder 2">
+            <a:extLst>
+              <a:ext uri="{FF2B5EF4-FFF2-40B4-BE49-F238E27FC236}">
+                <a16:creationId xmlns:a16="http://schemas.microsoft.com/office/drawing/2014/main" id="{E43BD06B-906D-5C9C-E517-52B27F705E94}"/>
+              </a:ext>
+            </a:extLst>
+          </p:cNvPr>
+          <p:cNvSpPr>
+            <a:spLocks noGrp="1"/>
+          </p:cNvSpPr>
+          <p:nvPr>
+            <p:ph idx="1"/>
+          </p:nvPr>
+        </p:nvSpPr>
+        <p:spPr>
+          <a:xfrm>
+            <a:off x="1115568" y="2481943"/>
+            <a:ext cx="10168128" cy="3695020"/>
+          </a:xfrm>
+        </p:spPr>
+        <p:txBody>
+          <a:bodyPr>
+            <a:normAutofit/>
+          </a:bodyPr>
+          <a:lstStyle/>
+          <a:p>
+            <a:pPr marL="0" indent="0">
+              <a:buNone/>
+            </a:pPr>
+            <a:r>
+              <a:rPr lang="en-US" sz="2200" dirty="0"/>
+              <a:t>Love Gaming – Minecraft, Roblox, and Paper.io</a:t>
+            </a:r>
+          </a:p>
+          <a:p>
+            <a:pPr marL="0" indent="0">
+              <a:buNone/>
+            </a:pPr>
+            <a:r>
+              <a:rPr lang="en-US" sz="2200" dirty="0"/>
+              <a:t>Mac &amp; Cheese</a:t>
+            </a:r>
+          </a:p>
+          <a:p>
+            <a:pPr marL="0" indent="0">
+              <a:buNone/>
+            </a:pPr>
+            <a:r>
+              <a:rPr lang="en-US" sz="2200" dirty="0"/>
+              <a:t>Coding since age of 6</a:t>
+            </a:r>
+          </a:p>
+          <a:p>
+            <a:pPr marL="0" indent="0">
+              <a:buNone/>
+            </a:pPr>
+            <a:r>
+              <a:rPr lang="en-US" sz="2200" dirty="0"/>
+              <a:t>Going into 6</a:t>
+            </a:r>
+            <a:r>
+              <a:rPr lang="en-US" sz="2200" baseline="30000" dirty="0"/>
+              <a:t>th</a:t>
+            </a:r>
+            <a:r>
+              <a:rPr lang="en-US" sz="2200" dirty="0"/>
+              <a:t> grade</a:t>
+            </a:r>
+          </a:p>
+          <a:p>
+            <a:pPr marL="0" indent="0">
+              <a:buNone/>
+            </a:pPr>
+            <a:r>
+              <a:rPr lang="en-US" sz="2200" dirty="0"/>
+              <a:t>Enjoy UI and Colors</a:t>
+            </a:r>
+          </a:p>
+        </p:txBody>
+      </p:sp>
+    </p:spTree>
+    <p:extLst>
+      <p:ext uri="{BB962C8B-B14F-4D97-AF65-F5344CB8AC3E}">
+        <p14:creationId xmlns:p14="http://schemas.microsoft.com/office/powerpoint/2010/main" val="1630018322"/>
+      </p:ext>
+    </p:extLst>
+  </p:cSld>
+  <p:clrMapOvr>
+    <a:masterClrMapping/>
+  </p:clrMapOvr>
+</p:sld>
+</file>
+
+<file path=ppt/slides/slide6.xml><?xml version="1.0" encoding="utf-8"?>
+<p:sld xmlns:a="http://schemas.openxmlformats.org/drawingml/2006/main" xmlns:r="http://schemas.openxmlformats.org/officeDocument/2006/relationships" xmlns:p="http://schemas.openxmlformats.org/presentationml/2006/main">
+  <p:cSld>
+    <p:bg>
+      <p:bgPr>
+        <a:solidFill>
+          <a:schemeClr val="bg1"/>
+        </a:solidFill>
+        <a:effectLst/>
+      </p:bgPr>
+    </p:bg>
+    <p:spTree>
+      <p:nvGrpSpPr>
+        <p:cNvPr id="1" name=""/>
+        <p:cNvGrpSpPr/>
+        <p:nvPr/>
+      </p:nvGrpSpPr>
+      <p:grpSpPr>
+        <a:xfrm>
+          <a:off x="0" y="0"/>
+          <a:ext cx="0" cy="0"/>
+          <a:chOff x="0" y="0"/>
+          <a:chExt cx="0" cy="0"/>
+        </a:xfrm>
+      </p:grpSpPr>
+      <p:sp useBgFill="1">
+        <p:nvSpPr>
+          <p:cNvPr id="8" name="Rectangle 7">
+            <a:extLst>
+              <a:ext uri="{FF2B5EF4-FFF2-40B4-BE49-F238E27FC236}">
+                <a16:creationId xmlns:a16="http://schemas.microsoft.com/office/drawing/2014/main" id="{907EF6B7-1338-4443-8C46-6A318D952DFD}"/>
+              </a:ext>
+              <a:ext uri="{C183D7F6-B498-43B3-948B-1728B52AA6E4}">
+                <adec:decorative xmlns:adec="http://schemas.microsoft.com/office/drawing/2017/decorative" val="1"/>
+              </a:ext>
+            </a:extLst>
+          </p:cNvPr>
+          <p:cNvSpPr>
+            <a:spLocks noGrp="1" noRot="1" noChangeAspect="1" noMove="1" noResize="1" noEditPoints="1" noAdjustHandles="1" noChangeArrowheads="1" noChangeShapeType="1" noTextEdit="1"/>
+          </p:cNvSpPr>
+          <p:nvPr>
+            <p:extLst>
+              <p:ext uri="{386F3935-93C4-4BCD-93E2-E3B085C9AB24}">
+                <p16:designElem xmlns:p16="http://schemas.microsoft.com/office/powerpoint/2015/main" val="1"/>
+              </p:ext>
+            </p:extLst>
+          </p:nvPr>
+        </p:nvSpPr>
+        <p:spPr>
+          <a:xfrm>
+            <a:off x="3048" y="0"/>
+            <a:ext cx="12188952" cy="6858000"/>
+          </a:xfrm>
+          <a:prstGeom prst="rect">
+            <a:avLst/>
+          </a:prstGeom>
+          <a:ln>
+            <a:noFill/>
+          </a:ln>
+        </p:spPr>
+        <p:style>
+          <a:lnRef idx="2">
+            <a:schemeClr val="accent1">
+              <a:shade val="50000"/>
+            </a:schemeClr>
+          </a:lnRef>
+          <a:fillRef idx="1">
+            <a:schemeClr val="accent1"/>
+          </a:fillRef>
+          <a:effectRef idx="0">
+            <a:schemeClr val="accent1"/>
+          </a:effectRef>
+          <a:fontRef idx="minor">
+            <a:schemeClr val="lt1"/>
+          </a:fontRef>
+        </p:style>
+        <p:txBody>
+          <a:bodyPr rtlCol="0" anchor="ctr"/>
+          <a:lstStyle/>
+          <a:p>
+            <a:pPr algn="ctr"/>
+            <a:endParaRPr lang="en-US"/>
+          </a:p>
+        </p:txBody>
+      </p:sp>
+      <p:sp>
+        <p:nvSpPr>
+          <p:cNvPr id="10" name="Freeform: Shape 9">
+            <a:extLst>
+              <a:ext uri="{FF2B5EF4-FFF2-40B4-BE49-F238E27FC236}">
+                <a16:creationId xmlns:a16="http://schemas.microsoft.com/office/drawing/2014/main" id="{DAAE4CDD-124C-4DCF-9584-B6033B545DD5}"/>
+              </a:ext>
+              <a:ext uri="{C183D7F6-B498-43B3-948B-1728B52AA6E4}">
+                <adec:decorative xmlns:adec="http://schemas.microsoft.com/office/drawing/2017/decorative" val="1"/>
+              </a:ext>
+            </a:extLst>
+          </p:cNvPr>
+          <p:cNvSpPr>
+            <a:spLocks noGrp="1" noRot="1" noChangeAspect="1" noMove="1" noResize="1" noEditPoints="1" noAdjustHandles="1" noChangeArrowheads="1" noChangeShapeType="1" noTextEdit="1"/>
+          </p:cNvSpPr>
+          <p:nvPr>
+            <p:extLst>
+              <p:ext uri="{386F3935-93C4-4BCD-93E2-E3B085C9AB24}">
+                <p16:designElem xmlns:p16="http://schemas.microsoft.com/office/powerpoint/2015/main" val="1"/>
+              </p:ext>
+            </p:extLst>
+          </p:nvPr>
+        </p:nvSpPr>
+        <p:spPr>
+          <a:xfrm>
+            <a:off x="1" y="0"/>
+            <a:ext cx="4167271" cy="6858000"/>
+          </a:xfrm>
+          <a:custGeom>
+            <a:avLst/>
+            <a:gdLst>
+              <a:gd name="connsiteX0" fmla="*/ 0 w 4167271"/>
+              <a:gd name="connsiteY0" fmla="*/ 0 h 6858000"/>
+              <a:gd name="connsiteX1" fmla="*/ 2259550 w 4167271"/>
+              <a:gd name="connsiteY1" fmla="*/ 0 h 6858000"/>
+              <a:gd name="connsiteX2" fmla="*/ 2387803 w 4167271"/>
+              <a:gd name="connsiteY2" fmla="*/ 82222 h 6858000"/>
+              <a:gd name="connsiteX3" fmla="*/ 4167271 w 4167271"/>
+              <a:gd name="connsiteY3" fmla="*/ 3429000 h 6858000"/>
+              <a:gd name="connsiteX4" fmla="*/ 2387803 w 4167271"/>
+              <a:gd name="connsiteY4" fmla="*/ 6775779 h 6858000"/>
+              <a:gd name="connsiteX5" fmla="*/ 2259550 w 4167271"/>
+              <a:gd name="connsiteY5" fmla="*/ 6858000 h 6858000"/>
+              <a:gd name="connsiteX6" fmla="*/ 0 w 4167271"/>
+              <a:gd name="connsiteY6" fmla="*/ 6858000 h 6858000"/>
+            </a:gdLst>
+            <a:ahLst/>
+            <a:cxnLst>
+              <a:cxn ang="0">
+                <a:pos x="connsiteX0" y="connsiteY0"/>
+              </a:cxn>
+              <a:cxn ang="0">
+                <a:pos x="connsiteX1" y="connsiteY1"/>
+              </a:cxn>
+              <a:cxn ang="0">
+                <a:pos x="connsiteX2" y="connsiteY2"/>
+              </a:cxn>
+              <a:cxn ang="0">
+                <a:pos x="connsiteX3" y="connsiteY3"/>
+              </a:cxn>
+              <a:cxn ang="0">
+                <a:pos x="connsiteX4" y="connsiteY4"/>
+              </a:cxn>
+              <a:cxn ang="0">
+                <a:pos x="connsiteX5" y="connsiteY5"/>
+              </a:cxn>
+              <a:cxn ang="0">
+                <a:pos x="connsiteX6" y="connsiteY6"/>
+              </a:cxn>
+            </a:cxnLst>
+            <a:rect l="l" t="t" r="r" b="b"/>
+            <a:pathLst>
+              <a:path w="4167271" h="6858000">
+                <a:moveTo>
+                  <a:pt x="0" y="0"/>
+                </a:moveTo>
+                <a:lnTo>
+                  <a:pt x="2259550" y="0"/>
+                </a:lnTo>
+                <a:lnTo>
+                  <a:pt x="2387803" y="82222"/>
+                </a:lnTo>
+                <a:cubicBezTo>
+                  <a:pt x="3461407" y="807534"/>
+                  <a:pt x="4167271" y="2035835"/>
+                  <a:pt x="4167271" y="3429000"/>
+                </a:cubicBezTo>
+                <a:cubicBezTo>
+                  <a:pt x="4167271" y="4822165"/>
+                  <a:pt x="3461407" y="6050467"/>
+                  <a:pt x="2387803" y="6775779"/>
+                </a:cubicBezTo>
+                <a:lnTo>
+                  <a:pt x="2259550" y="6858000"/>
+                </a:lnTo>
+                <a:lnTo>
+                  <a:pt x="0" y="6858000"/>
+                </a:lnTo>
+                <a:close/>
+              </a:path>
+            </a:pathLst>
+          </a:custGeom>
+          <a:solidFill>
+            <a:schemeClr val="accent2"/>
+          </a:solidFill>
+          <a:ln>
+            <a:noFill/>
+          </a:ln>
+        </p:spPr>
+        <p:style>
+          <a:lnRef idx="2">
+            <a:schemeClr val="accent1">
+              <a:shade val="50000"/>
+            </a:schemeClr>
+          </a:lnRef>
+          <a:fillRef idx="1">
+            <a:schemeClr val="accent1"/>
+          </a:fillRef>
+          <a:effectRef idx="0">
+            <a:schemeClr val="accent1"/>
+          </a:effectRef>
+          <a:fontRef idx="minor">
+            <a:schemeClr val="lt1"/>
+          </a:fontRef>
+        </p:style>
+        <p:txBody>
+          <a:bodyPr rtlCol="0" anchor="ctr"/>
+          <a:lstStyle/>
+          <a:p>
+            <a:pPr algn="ctr"/>
+            <a:endParaRPr lang="en-US"/>
+          </a:p>
+        </p:txBody>
+      </p:sp>
+      <p:sp>
+        <p:nvSpPr>
+          <p:cNvPr id="2" name="Title 1">
+            <a:extLst>
+              <a:ext uri="{FF2B5EF4-FFF2-40B4-BE49-F238E27FC236}">
+                <a16:creationId xmlns:a16="http://schemas.microsoft.com/office/drawing/2014/main" id="{604CD088-9924-FDF8-32EA-64AD14C5DE41}"/>
+              </a:ext>
+            </a:extLst>
+          </p:cNvPr>
+          <p:cNvSpPr>
+            <a:spLocks noGrp="1"/>
+          </p:cNvSpPr>
+          <p:nvPr>
+            <p:ph type="title"/>
+          </p:nvPr>
+        </p:nvSpPr>
+        <p:spPr>
+          <a:xfrm>
+            <a:off x="686834" y="1153572"/>
+            <a:ext cx="3200400" cy="4461163"/>
+          </a:xfrm>
+        </p:spPr>
+        <p:txBody>
+          <a:bodyPr>
+            <a:normAutofit/>
+          </a:bodyPr>
+          <a:lstStyle/>
+          <a:p>
+            <a:r>
+              <a:rPr lang="en-US" dirty="0">
+                <a:solidFill>
+                  <a:srgbClr val="FFFFFF"/>
+                </a:solidFill>
+              </a:rPr>
+              <a:t>Sections</a:t>
+            </a:r>
+          </a:p>
+        </p:txBody>
+      </p:sp>
+      <p:sp>
+        <p:nvSpPr>
+          <p:cNvPr id="12" name="Arc 11">
+            <a:extLst>
+              <a:ext uri="{FF2B5EF4-FFF2-40B4-BE49-F238E27FC236}">
+                <a16:creationId xmlns:a16="http://schemas.microsoft.com/office/drawing/2014/main" id="{081E4A58-353D-44AE-B2FC-2A74E2E400F7}"/>
+              </a:ext>
+              <a:ext uri="{C183D7F6-B498-43B3-948B-1728B52AA6E4}">
+                <adec:decorative xmlns:adec="http://schemas.microsoft.com/office/drawing/2017/decorative" val="1"/>
+              </a:ext>
+            </a:extLst>
+          </p:cNvPr>
+          <p:cNvSpPr>
+            <a:spLocks noGrp="1" noRot="1" noChangeAspect="1" noMove="1" noResize="1" noEditPoints="1" noAdjustHandles="1" noChangeArrowheads="1" noChangeShapeType="1" noTextEdit="1"/>
+          </p:cNvSpPr>
+          <p:nvPr>
+            <p:extLst>
+              <p:ext uri="{386F3935-93C4-4BCD-93E2-E3B085C9AB24}">
+                <p16:designElem xmlns:p16="http://schemas.microsoft.com/office/powerpoint/2015/main" val="1"/>
+              </p:ext>
+            </p:extLst>
+          </p:nvPr>
+        </p:nvSpPr>
+        <p:spPr>
+          <a:xfrm flipV="1">
+            <a:off x="7550402" y="2455479"/>
+            <a:ext cx="4083433" cy="4083433"/>
+          </a:xfrm>
+          <a:prstGeom prst="arc">
+            <a:avLst/>
+          </a:prstGeom>
+          <a:ln w="127000" cap="rnd">
+            <a:solidFill>
+              <a:schemeClr val="accent4"/>
+            </a:solidFill>
+            <a:prstDash val="dash"/>
+          </a:ln>
+        </p:spPr>
+        <p:style>
+          <a:lnRef idx="1">
+            <a:schemeClr val="accent1"/>
+          </a:lnRef>
+          <a:fillRef idx="0">
+            <a:schemeClr val="accent1"/>
+          </a:fillRef>
+          <a:effectRef idx="0">
+            <a:schemeClr val="accent1"/>
+          </a:effectRef>
+          <a:fontRef idx="minor">
+            <a:schemeClr val="tx1"/>
+          </a:fontRef>
+        </p:style>
+        <p:txBody>
+          <a:bodyPr rtlCol="0" anchor="ctr"/>
+          <a:lstStyle/>
+          <a:p>
+            <a:pPr algn="ctr"/>
+            <a:endParaRPr lang="en-US" dirty="0"/>
+          </a:p>
+        </p:txBody>
+      </p:sp>
+      <p:sp>
+        <p:nvSpPr>
+          <p:cNvPr id="3" name="Content Placeholder 2">
+            <a:extLst>
+              <a:ext uri="{FF2B5EF4-FFF2-40B4-BE49-F238E27FC236}">
+                <a16:creationId xmlns:a16="http://schemas.microsoft.com/office/drawing/2014/main" id="{506ECF03-3832-CE61-45EB-6C148D597A92}"/>
+              </a:ext>
+            </a:extLst>
+          </p:cNvPr>
+          <p:cNvSpPr>
+            <a:spLocks noGrp="1"/>
+          </p:cNvSpPr>
+          <p:nvPr>
+            <p:ph idx="1"/>
+          </p:nvPr>
+        </p:nvSpPr>
+        <p:spPr>
+          <a:xfrm>
+            <a:off x="4447308" y="787400"/>
+            <a:ext cx="6906491" cy="5389563"/>
+          </a:xfrm>
+        </p:spPr>
+        <p:txBody>
+          <a:bodyPr anchor="ctr">
+            <a:normAutofit/>
+          </a:bodyPr>
+          <a:lstStyle/>
+          <a:p>
+            <a:r>
+              <a:rPr lang="en-US" dirty="0"/>
+              <a:t>Goals of coding with kids</a:t>
+            </a:r>
+          </a:p>
+          <a:p>
+            <a:r>
+              <a:rPr lang="en-US" dirty="0"/>
+              <a:t>How we got started</a:t>
+            </a:r>
+          </a:p>
+          <a:p>
+            <a:r>
+              <a:rPr lang="en-US" dirty="0"/>
+              <a:t>Projects</a:t>
+            </a:r>
+          </a:p>
+          <a:p>
+            <a:r>
+              <a:rPr lang="en-US" dirty="0"/>
+              <a:t>Miscellaneous Activities</a:t>
+            </a:r>
+          </a:p>
+          <a:p>
+            <a:r>
+              <a:rPr lang="en-US" dirty="0"/>
+              <a:t>Key Points when programming with kids</a:t>
+            </a:r>
+          </a:p>
+          <a:p>
+            <a:r>
+              <a:rPr lang="en-US" dirty="0"/>
+              <a:t>Resources</a:t>
+            </a:r>
+          </a:p>
+          <a:p>
+            <a:r>
+              <a:rPr lang="en-US" dirty="0"/>
+              <a:t>Flow Charts</a:t>
+            </a:r>
+          </a:p>
+          <a:p>
+            <a:pPr lvl="1"/>
+            <a:r>
+              <a:rPr lang="en-US" dirty="0"/>
+              <a:t>Try it your self</a:t>
+            </a:r>
+          </a:p>
+          <a:p>
+            <a:endParaRPr lang="en-US" dirty="0"/>
+          </a:p>
+        </p:txBody>
+      </p:sp>
+    </p:spTree>
+    <p:extLst>
+      <p:ext uri="{BB962C8B-B14F-4D97-AF65-F5344CB8AC3E}">
+        <p14:creationId xmlns:p14="http://schemas.microsoft.com/office/powerpoint/2010/main" val="2269727316"/>
+      </p:ext>
+    </p:extLst>
+  </p:cSld>
+  <p:clrMapOvr>
+    <a:masterClrMapping/>
+  </p:clrMapOvr>
+</p:sld>
+</file>
+
+<file path=ppt/slides/slide7.xml><?xml version="1.0" encoding="utf-8"?>
+<p:sld xmlns:a="http://schemas.openxmlformats.org/drawingml/2006/main" xmlns:r="http://schemas.openxmlformats.org/officeDocument/2006/relationships" xmlns:p="http://schemas.openxmlformats.org/presentationml/2006/main">
+  <p:cSld>
+    <p:bg>
+      <p:bgPr>
+        <a:solidFill>
+          <a:schemeClr val="bg1"/>
+        </a:solidFill>
+        <a:effectLst/>
+      </p:bgPr>
+    </p:bg>
+    <p:spTree>
+      <p:nvGrpSpPr>
+        <p:cNvPr id="1" name=""/>
+        <p:cNvGrpSpPr/>
+        <p:nvPr/>
+      </p:nvGrpSpPr>
+      <p:grpSpPr>
+        <a:xfrm>
+          <a:off x="0" y="0"/>
+          <a:ext cx="0" cy="0"/>
+          <a:chOff x="0" y="0"/>
+          <a:chExt cx="0" cy="0"/>
+        </a:xfrm>
+      </p:grpSpPr>
+      <p:sp useBgFill="1">
+        <p:nvSpPr>
+          <p:cNvPr id="8" name="Rectangle 7">
+            <a:extLst>
+              <a:ext uri="{FF2B5EF4-FFF2-40B4-BE49-F238E27FC236}">
+                <a16:creationId xmlns:a16="http://schemas.microsoft.com/office/drawing/2014/main" id="{DAF1966E-FD40-4A4A-B61B-C4DF7FA05F06}"/>
+              </a:ext>
+              <a:ext uri="{C183D7F6-B498-43B3-948B-1728B52AA6E4}">
+                <adec:decorative xmlns:adec="http://schemas.microsoft.com/office/drawing/2017/decorative" val="1"/>
+              </a:ext>
+            </a:extLst>
+          </p:cNvPr>
+          <p:cNvSpPr>
+            <a:spLocks noGrp="1" noRot="1" noChangeAspect="1" noMove="1" noResize="1" noEditPoints="1" noAdjustHandles="1" noChangeArrowheads="1" noChangeShapeType="1" noTextEdit="1"/>
+          </p:cNvSpPr>
+          <p:nvPr>
+            <p:extLst>
+              <p:ext uri="{386F3935-93C4-4BCD-93E2-E3B085C9AB24}">
+                <p16:designElem xmlns:p16="http://schemas.microsoft.com/office/powerpoint/2015/main" val="1"/>
+              </p:ext>
+            </p:extLst>
+          </p:nvPr>
+        </p:nvSpPr>
+        <p:spPr>
+          <a:xfrm>
+            <a:off x="0" y="0"/>
+            <a:ext cx="12192000" cy="6858000"/>
+          </a:xfrm>
+          <a:prstGeom prst="rect">
+            <a:avLst/>
+          </a:prstGeom>
+          <a:ln>
+            <a:noFill/>
+          </a:ln>
+        </p:spPr>
+        <p:style>
+          <a:lnRef idx="2">
+            <a:schemeClr val="accent1">
+              <a:shade val="50000"/>
+            </a:schemeClr>
+          </a:lnRef>
+          <a:fillRef idx="1">
+            <a:schemeClr val="accent1"/>
+          </a:fillRef>
+          <a:effectRef idx="0">
+            <a:schemeClr val="accent1"/>
+          </a:effectRef>
+          <a:fontRef idx="minor">
+            <a:schemeClr val="lt1"/>
+          </a:fontRef>
+        </p:style>
+        <p:txBody>
+          <a:bodyPr rtlCol="0" anchor="ctr"/>
+          <a:lstStyle/>
+          <a:p>
+            <a:pPr algn="ctr"/>
+            <a:endParaRPr lang="en-US"/>
+          </a:p>
+        </p:txBody>
+      </p:sp>
+      <p:sp useBgFill="1">
+        <p:nvSpPr>
+          <p:cNvPr id="10" name="Rectangle 9">
+            <a:extLst>
+              <a:ext uri="{FF2B5EF4-FFF2-40B4-BE49-F238E27FC236}">
+                <a16:creationId xmlns:a16="http://schemas.microsoft.com/office/drawing/2014/main" id="{047BFA19-D45E-416B-A404-7AF2F3F27017}"/>
+              </a:ext>
+              <a:ext uri="{C183D7F6-B498-43B3-948B-1728B52AA6E4}">
+                <adec:decorative xmlns:adec="http://schemas.microsoft.com/office/drawing/2017/decorative" val="1"/>
+              </a:ext>
+            </a:extLst>
+          </p:cNvPr>
+          <p:cNvSpPr>
+            <a:spLocks noGrp="1" noRot="1" noChangeAspect="1" noMove="1" noResize="1" noEditPoints="1" noAdjustHandles="1" noChangeArrowheads="1" noChangeShapeType="1" noTextEdit="1"/>
+          </p:cNvSpPr>
+          <p:nvPr>
+            <p:extLst>
+              <p:ext uri="{386F3935-93C4-4BCD-93E2-E3B085C9AB24}">
+                <p16:designElem xmlns:p16="http://schemas.microsoft.com/office/powerpoint/2015/main" val="1"/>
+              </p:ext>
+            </p:extLst>
+          </p:nvPr>
+        </p:nvSpPr>
+        <p:spPr>
+          <a:xfrm>
+            <a:off x="558209" y="0"/>
+            <a:ext cx="11167447" cy="2018806"/>
+          </a:xfrm>
+          <a:prstGeom prst="rect">
+            <a:avLst/>
+          </a:prstGeom>
+          <a:ln w="9525">
+            <a:solidFill>
+              <a:srgbClr val="E1E1E1"/>
+            </a:solidFill>
+          </a:ln>
+          <a:effectLst>
+            <a:outerShdw blurRad="50800" dist="38100" dir="2700000" algn="tl" rotWithShape="0">
+              <a:schemeClr val="bg1">
+                <a:lumMod val="85000"/>
+                <a:alpha val="50000"/>
+              </a:schemeClr>
+            </a:outerShdw>
+          </a:effectLst>
+        </p:spPr>
+        <p:style>
+          <a:lnRef idx="2">
+            <a:schemeClr val="accent1">
+              <a:shade val="50000"/>
+            </a:schemeClr>
+          </a:lnRef>
+          <a:fillRef idx="1">
+            <a:schemeClr val="accent1"/>
+          </a:fillRef>
+          <a:effectRef idx="0">
+            <a:schemeClr val="accent1"/>
+          </a:effectRef>
+          <a:fontRef idx="minor">
+            <a:schemeClr val="lt1"/>
+          </a:fontRef>
+        </p:style>
+        <p:txBody>
+          <a:bodyPr rtlCol="0" anchor="ctr"/>
+          <a:lstStyle/>
+          <a:p>
+            <a:pPr marL="0" marR="0" lvl="0" indent="0" algn="ctr" defTabSz="914400" rtl="0" eaLnBrk="1" fontAlgn="auto" latinLnBrk="0" hangingPunct="1">
+              <a:lnSpc>
+                <a:spcPct val="100000"/>
+              </a:lnSpc>
+              <a:spcBef>
+                <a:spcPts val="0"/>
+              </a:spcBef>
+              <a:spcAft>
+                <a:spcPts val="0"/>
+              </a:spcAft>
+              <a:buClrTx/>
+              <a:buSzTx/>
+              <a:buFontTx/>
+              <a:buNone/>
+              <a:tabLst/>
+              <a:defRPr/>
+            </a:pPr>
+            <a:endParaRPr kumimoji="0" lang="en-US" sz="1800" b="0" i="0" u="none" strike="noStrike" kern="1200" cap="none" spc="0" normalizeH="0" baseline="0" noProof="0">
+              <a:ln>
+                <a:noFill/>
+              </a:ln>
+              <a:solidFill>
+                <a:prstClr val="white"/>
+              </a:solidFill>
+              <a:effectLst/>
+              <a:uLnTx/>
+              <a:uFillTx/>
+              <a:latin typeface="Calibri" panose="020F0502020204030204"/>
+              <a:ea typeface="+mn-ea"/>
+              <a:cs typeface="+mn-cs"/>
+            </a:endParaRPr>
+          </a:p>
+        </p:txBody>
+      </p:sp>
+      <p:sp useBgFill="1">
+        <p:nvSpPr>
+          <p:cNvPr id="12" name="Rectangle 11">
+            <a:extLst>
+              <a:ext uri="{FF2B5EF4-FFF2-40B4-BE49-F238E27FC236}">
+                <a16:creationId xmlns:a16="http://schemas.microsoft.com/office/drawing/2014/main" id="{8E0105E7-23DB-4CF2-8258-FF47C7620F6E}"/>
+              </a:ext>
+              <a:ext uri="{C183D7F6-B498-43B3-948B-1728B52AA6E4}">
+                <adec:decorative xmlns:adec="http://schemas.microsoft.com/office/drawing/2017/decorative" val="1"/>
+              </a:ext>
+            </a:extLst>
+          </p:cNvPr>
+          <p:cNvSpPr>
+            <a:spLocks noGrp="1" noRot="1" noChangeAspect="1" noMove="1" noResize="1" noEditPoints="1" noAdjustHandles="1" noChangeArrowheads="1" noChangeShapeType="1" noTextEdit="1"/>
+          </p:cNvSpPr>
+          <p:nvPr>
+            <p:extLst>
+              <p:ext uri="{386F3935-93C4-4BCD-93E2-E3B085C9AB24}">
+                <p16:designElem xmlns:p16="http://schemas.microsoft.com/office/powerpoint/2015/main" val="1"/>
+              </p:ext>
+            </p:extLst>
+          </p:nvPr>
+        </p:nvSpPr>
+        <p:spPr>
+          <a:xfrm>
+            <a:off x="566928" y="0"/>
+            <a:ext cx="11155680" cy="2011680"/>
+          </a:xfrm>
+          <a:prstGeom prst="rect">
+            <a:avLst/>
+          </a:prstGeom>
+          <a:ln w="9525">
+            <a:noFill/>
+          </a:ln>
+          <a:effectLst/>
+        </p:spPr>
+        <p:style>
+          <a:lnRef idx="2">
+            <a:schemeClr val="accent1">
+              <a:shade val="50000"/>
+            </a:schemeClr>
+          </a:lnRef>
+          <a:fillRef idx="1">
+            <a:schemeClr val="accent1"/>
+          </a:fillRef>
+          <a:effectRef idx="0">
+            <a:schemeClr val="accent1"/>
+          </a:effectRef>
+          <a:fontRef idx="minor">
+            <a:schemeClr val="lt1"/>
+          </a:fontRef>
+        </p:style>
+        <p:txBody>
+          <a:bodyPr rtlCol="0" anchor="ctr"/>
+          <a:lstStyle/>
+          <a:p>
+            <a:pPr marL="0" marR="0" lvl="0" indent="0" algn="ctr" defTabSz="914400" rtl="0" eaLnBrk="1" fontAlgn="auto" latinLnBrk="0" hangingPunct="1">
+              <a:lnSpc>
+                <a:spcPct val="100000"/>
+              </a:lnSpc>
+              <a:spcBef>
+                <a:spcPts val="0"/>
+              </a:spcBef>
+              <a:spcAft>
+                <a:spcPts val="0"/>
+              </a:spcAft>
+              <a:buClrTx/>
+              <a:buSzTx/>
+              <a:buFontTx/>
+              <a:buNone/>
+              <a:tabLst/>
+              <a:defRPr/>
+            </a:pPr>
+            <a:endParaRPr kumimoji="0" lang="en-US" sz="1800" b="0" i="0" u="none" strike="noStrike" kern="1200" cap="none" spc="0" normalizeH="0" baseline="0" noProof="0">
+              <a:ln>
+                <a:noFill/>
+              </a:ln>
+              <a:solidFill>
+                <a:prstClr val="white"/>
+              </a:solidFill>
+              <a:effectLst/>
+              <a:uLnTx/>
+              <a:uFillTx/>
+              <a:latin typeface="Calibri" panose="020F0502020204030204"/>
+              <a:ea typeface="+mn-ea"/>
+              <a:cs typeface="+mn-cs"/>
+            </a:endParaRPr>
+          </a:p>
+        </p:txBody>
+      </p:sp>
+      <p:sp>
+        <p:nvSpPr>
+          <p:cNvPr id="2" name="Title 1">
+            <a:extLst>
+              <a:ext uri="{FF2B5EF4-FFF2-40B4-BE49-F238E27FC236}">
+                <a16:creationId xmlns:a16="http://schemas.microsoft.com/office/drawing/2014/main" id="{82CF4B60-062A-25CD-E448-6C8255EEF9CC}"/>
+              </a:ext>
+            </a:extLst>
+          </p:cNvPr>
+          <p:cNvSpPr>
+            <a:spLocks noGrp="1"/>
+          </p:cNvSpPr>
+          <p:nvPr>
+            <p:ph type="title"/>
+          </p:nvPr>
+        </p:nvSpPr>
+        <p:spPr>
+          <a:xfrm>
+            <a:off x="1115568" y="548640"/>
+            <a:ext cx="10168128" cy="1179576"/>
+          </a:xfrm>
+        </p:spPr>
+        <p:txBody>
+          <a:bodyPr>
+            <a:normAutofit/>
+          </a:bodyPr>
+          <a:lstStyle/>
+          <a:p>
+            <a:r>
+              <a:rPr lang="en-US" sz="4000" dirty="0"/>
+              <a:t>Goals of coding with kids</a:t>
+            </a:r>
+          </a:p>
+        </p:txBody>
+      </p:sp>
+      <p:sp>
+        <p:nvSpPr>
+          <p:cNvPr id="14" name="Rectangle 13">
+            <a:extLst>
+              <a:ext uri="{FF2B5EF4-FFF2-40B4-BE49-F238E27FC236}">
+                <a16:creationId xmlns:a16="http://schemas.microsoft.com/office/drawing/2014/main" id="{074B4F7D-14B2-478B-8BF5-01E4E0C5D263}"/>
+              </a:ext>
+              <a:ext uri="{C183D7F6-B498-43B3-948B-1728B52AA6E4}">
+                <adec:decorative xmlns:adec="http://schemas.microsoft.com/office/drawing/2017/decorative" val="1"/>
+              </a:ext>
+            </a:extLst>
+          </p:cNvPr>
+          <p:cNvSpPr>
+            <a:spLocks noGrp="1" noRot="1" noChangeAspect="1" noMove="1" noResize="1" noEditPoints="1" noAdjustHandles="1" noChangeArrowheads="1" noChangeShapeType="1" noTextEdit="1"/>
+          </p:cNvSpPr>
+          <p:nvPr>
+            <p:extLst>
+              <p:ext uri="{386F3935-93C4-4BCD-93E2-E3B085C9AB24}">
+                <p16:designElem xmlns:p16="http://schemas.microsoft.com/office/powerpoint/2015/main" val="1"/>
+              </p:ext>
+            </p:extLst>
+          </p:nvPr>
+        </p:nvSpPr>
+        <p:spPr>
+          <a:xfrm>
+            <a:off x="498834" y="758952"/>
+            <a:ext cx="128016" cy="704088"/>
+          </a:xfrm>
+          <a:prstGeom prst="rect">
+            <a:avLst/>
+          </a:prstGeom>
+          <a:solidFill>
+            <a:schemeClr val="accent2"/>
+          </a:solidFill>
+          <a:ln>
+            <a:noFill/>
+          </a:ln>
+        </p:spPr>
+        <p:style>
+          <a:lnRef idx="2">
+            <a:schemeClr val="accent1">
+              <a:shade val="50000"/>
+            </a:schemeClr>
+          </a:lnRef>
+          <a:fillRef idx="1">
+            <a:schemeClr val="accent1"/>
+          </a:fillRef>
+          <a:effectRef idx="0">
+            <a:schemeClr val="accent1"/>
+          </a:effectRef>
+          <a:fontRef idx="minor">
+            <a:schemeClr val="lt1"/>
+          </a:fontRef>
+        </p:style>
+        <p:txBody>
+          <a:bodyPr rtlCol="0" anchor="ctr"/>
+          <a:lstStyle/>
+          <a:p>
+            <a:pPr algn="ctr"/>
+            <a:endParaRPr lang="en-US">
+              <a:solidFill>
+                <a:prstClr val="white"/>
+              </a:solidFill>
+              <a:latin typeface="Calibri" panose="020F0502020204030204"/>
+            </a:endParaRPr>
+          </a:p>
+        </p:txBody>
+      </p:sp>
+      <p:sp>
+        <p:nvSpPr>
+          <p:cNvPr id="3" name="Content Placeholder 2">
+            <a:extLst>
+              <a:ext uri="{FF2B5EF4-FFF2-40B4-BE49-F238E27FC236}">
+                <a16:creationId xmlns:a16="http://schemas.microsoft.com/office/drawing/2014/main" id="{E43BD06B-906D-5C9C-E517-52B27F705E94}"/>
+              </a:ext>
+            </a:extLst>
+          </p:cNvPr>
+          <p:cNvSpPr>
+            <a:spLocks noGrp="1"/>
+          </p:cNvSpPr>
+          <p:nvPr>
+            <p:ph idx="1"/>
+          </p:nvPr>
+        </p:nvSpPr>
+        <p:spPr>
+          <a:xfrm>
+            <a:off x="1115568" y="2481943"/>
+            <a:ext cx="10168128" cy="3695020"/>
+          </a:xfrm>
+        </p:spPr>
+        <p:txBody>
+          <a:bodyPr>
+            <a:normAutofit/>
+          </a:bodyPr>
+          <a:lstStyle/>
+          <a:p>
+            <a:pPr marL="457200" indent="-457200">
+              <a:buFont typeface="+mj-lt"/>
+              <a:buAutoNum type="arabicPeriod"/>
+            </a:pPr>
+            <a:r>
+              <a:rPr lang="en-US" sz="2200" dirty="0"/>
+              <a:t>Have fun with our children</a:t>
+            </a:r>
+          </a:p>
+          <a:p>
+            <a:pPr marL="457200" indent="-457200">
+              <a:buFont typeface="+mj-lt"/>
+              <a:buAutoNum type="arabicPeriod"/>
+            </a:pPr>
+            <a:r>
+              <a:rPr lang="en-US" sz="2200" dirty="0"/>
+              <a:t>Spend time together</a:t>
+            </a:r>
+          </a:p>
+          <a:p>
+            <a:pPr marL="457200" indent="-457200">
+              <a:buFont typeface="+mj-lt"/>
+              <a:buAutoNum type="arabicPeriod"/>
+            </a:pPr>
+            <a:r>
+              <a:rPr lang="en-US" sz="2200" dirty="0"/>
+              <a:t>Teach persistence / Perseverance</a:t>
+            </a:r>
+          </a:p>
+          <a:p>
+            <a:pPr marL="457200" indent="-457200">
+              <a:buFont typeface="+mj-lt"/>
+              <a:buAutoNum type="arabicPeriod"/>
+            </a:pPr>
+            <a:r>
+              <a:rPr lang="en-US" sz="2200" dirty="0"/>
+              <a:t>Growth Mindset</a:t>
+            </a:r>
+          </a:p>
+          <a:p>
+            <a:pPr marL="457200" indent="-457200">
+              <a:buFont typeface="+mj-lt"/>
+              <a:buAutoNum type="arabicPeriod"/>
+            </a:pPr>
+            <a:r>
+              <a:rPr lang="en-US" sz="2200" dirty="0"/>
+              <a:t>Learn ways which they learn</a:t>
+            </a:r>
+          </a:p>
+          <a:p>
+            <a:pPr marL="457200" indent="-457200">
+              <a:buFont typeface="+mj-lt"/>
+              <a:buAutoNum type="arabicPeriod"/>
+            </a:pPr>
+            <a:r>
+              <a:rPr lang="en-US" sz="2200" dirty="0"/>
+              <a:t>Increase Creativity</a:t>
+            </a:r>
+          </a:p>
+          <a:p>
+            <a:pPr marL="457200" indent="-457200">
+              <a:buFont typeface="+mj-lt"/>
+              <a:buAutoNum type="arabicPeriod"/>
+            </a:pPr>
+            <a:r>
+              <a:rPr lang="en-US" sz="2200" dirty="0"/>
+              <a:t>Problem Solving / logic skills</a:t>
+            </a:r>
+          </a:p>
+          <a:p>
+            <a:pPr marL="457200" indent="-457200">
+              <a:buFont typeface="+mj-lt"/>
+              <a:buAutoNum type="arabicPeriod"/>
+            </a:pPr>
+            <a:r>
+              <a:rPr lang="en-US" sz="2200" dirty="0"/>
+              <a:t>Communication skills</a:t>
+            </a:r>
+          </a:p>
+          <a:p>
+            <a:pPr marL="457200" indent="-457200">
+              <a:buFont typeface="+mj-lt"/>
+              <a:buAutoNum type="arabicPeriod"/>
+            </a:pPr>
+            <a:endParaRPr lang="en-US" sz="2200" dirty="0"/>
+          </a:p>
+          <a:p>
+            <a:pPr marL="457200" indent="-457200">
+              <a:buFont typeface="+mj-lt"/>
+              <a:buAutoNum type="arabicPeriod"/>
+            </a:pPr>
+            <a:endParaRPr lang="en-US" sz="2200" dirty="0"/>
+          </a:p>
+        </p:txBody>
+      </p:sp>
+    </p:spTree>
+    <p:extLst>
+      <p:ext uri="{BB962C8B-B14F-4D97-AF65-F5344CB8AC3E}">
+        <p14:creationId xmlns:p14="http://schemas.microsoft.com/office/powerpoint/2010/main" val="728067852"/>
+      </p:ext>
+    </p:extLst>
+  </p:cSld>
+  <p:clrMapOvr>
+    <a:masterClrMapping/>
+  </p:clrMapOvr>
+</p:sld>
+</file>
+
+<file path=ppt/slides/slide8.xml><?xml version="1.0" encoding="utf-8"?>
+<p:sld xmlns:a="http://schemas.openxmlformats.org/drawingml/2006/main" xmlns:r="http://schemas.openxmlformats.org/officeDocument/2006/relationships" xmlns:p="http://schemas.openxmlformats.org/presentationml/2006/main">
+  <p:cSld>
+    <p:bg>
+      <p:bgPr>
+        <a:solidFill>
+          <a:schemeClr val="bg1"/>
+        </a:solidFill>
+        <a:effectLst/>
+      </p:bgPr>
+    </p:bg>
+    <p:spTree>
+      <p:nvGrpSpPr>
+        <p:cNvPr id="1" name=""/>
+        <p:cNvGrpSpPr/>
+        <p:nvPr/>
+      </p:nvGrpSpPr>
+      <p:grpSpPr>
+        <a:xfrm>
+          <a:off x="0" y="0"/>
+          <a:ext cx="0" cy="0"/>
+          <a:chOff x="0" y="0"/>
+          <a:chExt cx="0" cy="0"/>
+        </a:xfrm>
+      </p:grpSpPr>
+      <p:sp useBgFill="1">
+        <p:nvSpPr>
+          <p:cNvPr id="8" name="Rectangle 7">
+            <a:extLst>
+              <a:ext uri="{FF2B5EF4-FFF2-40B4-BE49-F238E27FC236}">
+                <a16:creationId xmlns:a16="http://schemas.microsoft.com/office/drawing/2014/main" id="{907EF6B7-1338-4443-8C46-6A318D952DFD}"/>
+              </a:ext>
+              <a:ext uri="{C183D7F6-B498-43B3-948B-1728B52AA6E4}">
+                <adec:decorative xmlns:adec="http://schemas.microsoft.com/office/drawing/2017/decorative" val="1"/>
+              </a:ext>
+            </a:extLst>
+          </p:cNvPr>
+          <p:cNvSpPr>
+            <a:spLocks noGrp="1" noRot="1" noChangeAspect="1" noMove="1" noResize="1" noEditPoints="1" noAdjustHandles="1" noChangeArrowheads="1" noChangeShapeType="1" noTextEdit="1"/>
+          </p:cNvSpPr>
+          <p:nvPr>
+            <p:extLst>
+              <p:ext uri="{386F3935-93C4-4BCD-93E2-E3B085C9AB24}">
+                <p16:designElem xmlns:p16="http://schemas.microsoft.com/office/powerpoint/2015/main" val="1"/>
+              </p:ext>
+            </p:extLst>
+          </p:nvPr>
+        </p:nvSpPr>
+        <p:spPr>
+          <a:xfrm>
+            <a:off x="3048" y="0"/>
+            <a:ext cx="12188952" cy="6858000"/>
+          </a:xfrm>
+          <a:prstGeom prst="rect">
+            <a:avLst/>
+          </a:prstGeom>
+          <a:ln>
+            <a:noFill/>
+          </a:ln>
+        </p:spPr>
+        <p:style>
+          <a:lnRef idx="2">
+            <a:schemeClr val="accent1">
+              <a:shade val="50000"/>
+            </a:schemeClr>
+          </a:lnRef>
+          <a:fillRef idx="1">
+            <a:schemeClr val="accent1"/>
+          </a:fillRef>
+          <a:effectRef idx="0">
+            <a:schemeClr val="accent1"/>
+          </a:effectRef>
+          <a:fontRef idx="minor">
+            <a:schemeClr val="lt1"/>
+          </a:fontRef>
+        </p:style>
+        <p:txBody>
+          <a:bodyPr rtlCol="0" anchor="ctr"/>
+          <a:lstStyle/>
+          <a:p>
+            <a:pPr algn="ctr"/>
+            <a:endParaRPr lang="en-US"/>
+          </a:p>
+        </p:txBody>
+      </p:sp>
+      <p:sp>
+        <p:nvSpPr>
+          <p:cNvPr id="10" name="Freeform: Shape 9">
+            <a:extLst>
+              <a:ext uri="{FF2B5EF4-FFF2-40B4-BE49-F238E27FC236}">
+                <a16:creationId xmlns:a16="http://schemas.microsoft.com/office/drawing/2014/main" id="{DAAE4CDD-124C-4DCF-9584-B6033B545DD5}"/>
+              </a:ext>
+              <a:ext uri="{C183D7F6-B498-43B3-948B-1728B52AA6E4}">
+                <adec:decorative xmlns:adec="http://schemas.microsoft.com/office/drawing/2017/decorative" val="1"/>
+              </a:ext>
+            </a:extLst>
+          </p:cNvPr>
+          <p:cNvSpPr>
+            <a:spLocks noGrp="1" noRot="1" noChangeAspect="1" noMove="1" noResize="1" noEditPoints="1" noAdjustHandles="1" noChangeArrowheads="1" noChangeShapeType="1" noTextEdit="1"/>
+          </p:cNvSpPr>
+          <p:nvPr>
+            <p:extLst>
+              <p:ext uri="{386F3935-93C4-4BCD-93E2-E3B085C9AB24}">
+                <p16:designElem xmlns:p16="http://schemas.microsoft.com/office/powerpoint/2015/main" val="1"/>
+              </p:ext>
+            </p:extLst>
+          </p:nvPr>
+        </p:nvSpPr>
+        <p:spPr>
+          <a:xfrm>
+            <a:off x="1" y="0"/>
+            <a:ext cx="4167271" cy="6858000"/>
+          </a:xfrm>
+          <a:custGeom>
+            <a:avLst/>
+            <a:gdLst>
+              <a:gd name="connsiteX0" fmla="*/ 0 w 4167271"/>
+              <a:gd name="connsiteY0" fmla="*/ 0 h 6858000"/>
+              <a:gd name="connsiteX1" fmla="*/ 2259550 w 4167271"/>
+              <a:gd name="connsiteY1" fmla="*/ 0 h 6858000"/>
+              <a:gd name="connsiteX2" fmla="*/ 2387803 w 4167271"/>
+              <a:gd name="connsiteY2" fmla="*/ 82222 h 6858000"/>
+              <a:gd name="connsiteX3" fmla="*/ 4167271 w 4167271"/>
+              <a:gd name="connsiteY3" fmla="*/ 3429000 h 6858000"/>
+              <a:gd name="connsiteX4" fmla="*/ 2387803 w 4167271"/>
+              <a:gd name="connsiteY4" fmla="*/ 6775779 h 6858000"/>
+              <a:gd name="connsiteX5" fmla="*/ 2259550 w 4167271"/>
+              <a:gd name="connsiteY5" fmla="*/ 6858000 h 6858000"/>
+              <a:gd name="connsiteX6" fmla="*/ 0 w 4167271"/>
+              <a:gd name="connsiteY6" fmla="*/ 6858000 h 6858000"/>
+            </a:gdLst>
+            <a:ahLst/>
+            <a:cxnLst>
+              <a:cxn ang="0">
+                <a:pos x="connsiteX0" y="connsiteY0"/>
+              </a:cxn>
+              <a:cxn ang="0">
+                <a:pos x="connsiteX1" y="connsiteY1"/>
+              </a:cxn>
+              <a:cxn ang="0">
+                <a:pos x="connsiteX2" y="connsiteY2"/>
+              </a:cxn>
+              <a:cxn ang="0">
+                <a:pos x="connsiteX3" y="connsiteY3"/>
+              </a:cxn>
+              <a:cxn ang="0">
+                <a:pos x="connsiteX4" y="connsiteY4"/>
+              </a:cxn>
+              <a:cxn ang="0">
+                <a:pos x="connsiteX5" y="connsiteY5"/>
+              </a:cxn>
+              <a:cxn ang="0">
+                <a:pos x="connsiteX6" y="connsiteY6"/>
+              </a:cxn>
+            </a:cxnLst>
+            <a:rect l="l" t="t" r="r" b="b"/>
+            <a:pathLst>
+              <a:path w="4167271" h="6858000">
+                <a:moveTo>
+                  <a:pt x="0" y="0"/>
+                </a:moveTo>
+                <a:lnTo>
+                  <a:pt x="2259550" y="0"/>
+                </a:lnTo>
+                <a:lnTo>
+                  <a:pt x="2387803" y="82222"/>
+                </a:lnTo>
+                <a:cubicBezTo>
+                  <a:pt x="3461407" y="807534"/>
+                  <a:pt x="4167271" y="2035835"/>
+                  <a:pt x="4167271" y="3429000"/>
+                </a:cubicBezTo>
+                <a:cubicBezTo>
+                  <a:pt x="4167271" y="4822165"/>
+                  <a:pt x="3461407" y="6050467"/>
+                  <a:pt x="2387803" y="6775779"/>
+                </a:cubicBezTo>
+                <a:lnTo>
+                  <a:pt x="2259550" y="6858000"/>
+                </a:lnTo>
+                <a:lnTo>
+                  <a:pt x="0" y="6858000"/>
+                </a:lnTo>
+                <a:close/>
+              </a:path>
+            </a:pathLst>
+          </a:custGeom>
+          <a:solidFill>
+            <a:schemeClr val="accent2"/>
+          </a:solidFill>
+          <a:ln>
+            <a:noFill/>
+          </a:ln>
+        </p:spPr>
+        <p:style>
+          <a:lnRef idx="2">
+            <a:schemeClr val="accent1">
+              <a:shade val="50000"/>
+            </a:schemeClr>
+          </a:lnRef>
+          <a:fillRef idx="1">
+            <a:schemeClr val="accent1"/>
+          </a:fillRef>
+          <a:effectRef idx="0">
+            <a:schemeClr val="accent1"/>
+          </a:effectRef>
+          <a:fontRef idx="minor">
+            <a:schemeClr val="lt1"/>
+          </a:fontRef>
+        </p:style>
+        <p:txBody>
+          <a:bodyPr rtlCol="0" anchor="ctr"/>
+          <a:lstStyle/>
+          <a:p>
+            <a:pPr algn="ctr"/>
+            <a:endParaRPr lang="en-US"/>
+          </a:p>
+        </p:txBody>
+      </p:sp>
+      <p:sp>
+        <p:nvSpPr>
+          <p:cNvPr id="2" name="Title 1">
+            <a:extLst>
+              <a:ext uri="{FF2B5EF4-FFF2-40B4-BE49-F238E27FC236}">
+                <a16:creationId xmlns:a16="http://schemas.microsoft.com/office/drawing/2014/main" id="{604CD088-9924-FDF8-32EA-64AD14C5DE41}"/>
+              </a:ext>
+            </a:extLst>
+          </p:cNvPr>
+          <p:cNvSpPr>
+            <a:spLocks noGrp="1"/>
+          </p:cNvSpPr>
+          <p:nvPr>
+            <p:ph type="title"/>
+          </p:nvPr>
+        </p:nvSpPr>
+        <p:spPr>
+          <a:xfrm>
+            <a:off x="0" y="1153572"/>
+            <a:ext cx="3530601" cy="4461163"/>
+          </a:xfrm>
+        </p:spPr>
+        <p:txBody>
+          <a:bodyPr>
+            <a:normAutofit/>
+          </a:bodyPr>
+          <a:lstStyle/>
+          <a:p>
+            <a:pPr algn="ctr"/>
+            <a:r>
+              <a:rPr lang="en-US" dirty="0">
+                <a:solidFill>
+                  <a:srgbClr val="FFFFFF"/>
+                </a:solidFill>
+              </a:rPr>
+              <a:t>Gave the choice of reading or coding before bed</a:t>
+            </a:r>
+          </a:p>
+        </p:txBody>
+      </p:sp>
+      <p:sp>
+        <p:nvSpPr>
+          <p:cNvPr id="12" name="Arc 11">
+            <a:extLst>
+              <a:ext uri="{FF2B5EF4-FFF2-40B4-BE49-F238E27FC236}">
+                <a16:creationId xmlns:a16="http://schemas.microsoft.com/office/drawing/2014/main" id="{081E4A58-353D-44AE-B2FC-2A74E2E400F7}"/>
+              </a:ext>
+              <a:ext uri="{C183D7F6-B498-43B3-948B-1728B52AA6E4}">
+                <adec:decorative xmlns:adec="http://schemas.microsoft.com/office/drawing/2017/decorative" val="1"/>
+              </a:ext>
+            </a:extLst>
+          </p:cNvPr>
+          <p:cNvSpPr>
+            <a:spLocks noGrp="1" noRot="1" noChangeAspect="1" noMove="1" noResize="1" noEditPoints="1" noAdjustHandles="1" noChangeArrowheads="1" noChangeShapeType="1" noTextEdit="1"/>
+          </p:cNvSpPr>
+          <p:nvPr>
+            <p:extLst>
+              <p:ext uri="{386F3935-93C4-4BCD-93E2-E3B085C9AB24}">
+                <p16:designElem xmlns:p16="http://schemas.microsoft.com/office/powerpoint/2015/main" val="1"/>
+              </p:ext>
+            </p:extLst>
+          </p:nvPr>
+        </p:nvSpPr>
+        <p:spPr>
+          <a:xfrm flipV="1">
+            <a:off x="7550402" y="2455479"/>
+            <a:ext cx="4083433" cy="4083433"/>
+          </a:xfrm>
+          <a:prstGeom prst="arc">
+            <a:avLst/>
+          </a:prstGeom>
+          <a:ln w="127000" cap="rnd">
+            <a:solidFill>
+              <a:schemeClr val="accent4"/>
+            </a:solidFill>
+            <a:prstDash val="dash"/>
+          </a:ln>
+        </p:spPr>
+        <p:style>
+          <a:lnRef idx="1">
+            <a:schemeClr val="accent1"/>
+          </a:lnRef>
+          <a:fillRef idx="0">
+            <a:schemeClr val="accent1"/>
+          </a:fillRef>
+          <a:effectRef idx="0">
+            <a:schemeClr val="accent1"/>
+          </a:effectRef>
+          <a:fontRef idx="minor">
+            <a:schemeClr val="tx1"/>
+          </a:fontRef>
+        </p:style>
+        <p:txBody>
+          <a:bodyPr rtlCol="0" anchor="ctr"/>
+          <a:lstStyle/>
+          <a:p>
+            <a:pPr algn="ctr"/>
+            <a:endParaRPr lang="en-US" dirty="0"/>
+          </a:p>
+        </p:txBody>
+      </p:sp>
+      <p:pic>
+        <p:nvPicPr>
+          <p:cNvPr id="7" name="Content Placeholder 6">
+            <a:extLst>
+              <a:ext uri="{FF2B5EF4-FFF2-40B4-BE49-F238E27FC236}">
+                <a16:creationId xmlns:a16="http://schemas.microsoft.com/office/drawing/2014/main" id="{7EFA6835-1F43-9DCF-A031-566D18CEB8C2}"/>
               </a:ext>
             </a:extLst>
           </p:cNvPr>
@@ -4155,361 +9692,481 @@
           </p:nvPr>
         </p:nvPicPr>
         <p:blipFill>
-          <a:blip r:embed="rId2"/>
+          <a:blip r:embed="rId2" cstate="print">
+            <a:extLst>
+              <a:ext uri="{28A0092B-C50C-407E-A947-70E740481C1C}">
+                <a14:useLocalDpi xmlns:a14="http://schemas.microsoft.com/office/drawing/2010/main" val="0"/>
+              </a:ext>
+            </a:extLst>
+          </a:blip>
           <a:stretch>
             <a:fillRect/>
           </a:stretch>
         </p:blipFill>
-        <p:spPr>
-          <a:xfrm>
-            <a:off x="9607316" y="2189816"/>
-            <a:ext cx="1841221" cy="1841221"/>
-          </a:xfrm>
-        </p:spPr>
-      </p:pic>
-      <p:pic>
-        <p:nvPicPr>
-          <p:cNvPr id="5" name="Picture 5">
-            <a:extLst>
-              <a:ext uri="{FF2B5EF4-FFF2-40B4-BE49-F238E27FC236}">
-                <a16:creationId xmlns:a16="http://schemas.microsoft.com/office/drawing/2014/main" id="{EADA5EA7-7D0E-B9AC-89E5-A3FBA215B831}"/>
-              </a:ext>
-            </a:extLst>
-          </p:cNvPr>
-          <p:cNvPicPr>
-            <a:picLocks noChangeAspect="1"/>
-          </p:cNvPicPr>
-          <p:nvPr/>
-        </p:nvPicPr>
-        <p:blipFill>
-          <a:blip r:embed="rId3"/>
-          <a:stretch>
-            <a:fillRect/>
-          </a:stretch>
-        </p:blipFill>
-        <p:spPr>
-          <a:xfrm>
-            <a:off x="7368988" y="1990165"/>
-            <a:ext cx="2233333" cy="2233333"/>
-          </a:xfrm>
-          <a:prstGeom prst="rect">
-            <a:avLst/>
-          </a:prstGeom>
-        </p:spPr>
-      </p:pic>
-      <p:pic>
-        <p:nvPicPr>
-          <p:cNvPr id="6" name="Picture 6">
-            <a:extLst>
-              <a:ext uri="{FF2B5EF4-FFF2-40B4-BE49-F238E27FC236}">
-                <a16:creationId xmlns:a16="http://schemas.microsoft.com/office/drawing/2014/main" id="{718EA3EF-C6ED-050C-3174-06FC2EFC23AE}"/>
-              </a:ext>
-            </a:extLst>
-          </p:cNvPr>
-          <p:cNvPicPr>
-            <a:picLocks noChangeAspect="1"/>
-          </p:cNvPicPr>
-          <p:nvPr/>
-        </p:nvPicPr>
-        <p:blipFill>
-          <a:blip r:embed="rId4"/>
-          <a:stretch>
-            <a:fillRect/>
-          </a:stretch>
-        </p:blipFill>
-        <p:spPr>
-          <a:xfrm>
-            <a:off x="4724400" y="2057400"/>
-            <a:ext cx="1964392" cy="1964392"/>
-          </a:xfrm>
-          <a:prstGeom prst="rect">
-            <a:avLst/>
-          </a:prstGeom>
-        </p:spPr>
-      </p:pic>
-      <p:pic>
-        <p:nvPicPr>
-          <p:cNvPr id="7" name="Picture 7">
-            <a:extLst>
-              <a:ext uri="{FF2B5EF4-FFF2-40B4-BE49-F238E27FC236}">
-                <a16:creationId xmlns:a16="http://schemas.microsoft.com/office/drawing/2014/main" id="{BF26A862-0D25-B0A6-DD14-65C438971DDD}"/>
-              </a:ext>
-            </a:extLst>
-          </p:cNvPr>
-          <p:cNvPicPr>
-            <a:picLocks noChangeAspect="1"/>
-          </p:cNvPicPr>
-          <p:nvPr/>
-        </p:nvPicPr>
-        <p:blipFill>
-          <a:blip r:embed="rId5"/>
-          <a:stretch>
-            <a:fillRect/>
-          </a:stretch>
-        </p:blipFill>
-        <p:spPr>
-          <a:xfrm>
-            <a:off x="835959" y="1833282"/>
-            <a:ext cx="1885950" cy="1885950"/>
-          </a:xfrm>
-          <a:prstGeom prst="rect">
-            <a:avLst/>
-          </a:prstGeom>
-        </p:spPr>
-      </p:pic>
-      <p:pic>
-        <p:nvPicPr>
-          <p:cNvPr id="8" name="Picture 8">
-            <a:extLst>
-              <a:ext uri="{FF2B5EF4-FFF2-40B4-BE49-F238E27FC236}">
-                <a16:creationId xmlns:a16="http://schemas.microsoft.com/office/drawing/2014/main" id="{EB627FA4-A60E-257B-873E-47F05FAD69B0}"/>
-              </a:ext>
-            </a:extLst>
-          </p:cNvPr>
-          <p:cNvPicPr>
-            <a:picLocks noChangeAspect="1"/>
-          </p:cNvPicPr>
-          <p:nvPr/>
-        </p:nvPicPr>
-        <p:blipFill>
-          <a:blip r:embed="rId6"/>
-          <a:stretch>
-            <a:fillRect/>
-          </a:stretch>
-        </p:blipFill>
-        <p:spPr>
-          <a:xfrm>
-            <a:off x="-54909" y="3928782"/>
-            <a:ext cx="1964392" cy="1964392"/>
-          </a:xfrm>
-          <a:prstGeom prst="rect">
-            <a:avLst/>
-          </a:prstGeom>
-        </p:spPr>
-      </p:pic>
-      <p:pic>
-        <p:nvPicPr>
-          <p:cNvPr id="9" name="Picture 9">
-            <a:extLst>
-              <a:ext uri="{FF2B5EF4-FFF2-40B4-BE49-F238E27FC236}">
-                <a16:creationId xmlns:a16="http://schemas.microsoft.com/office/drawing/2014/main" id="{B9BD84BC-B85E-0BE5-E0C2-C223A9211688}"/>
-              </a:ext>
-            </a:extLst>
-          </p:cNvPr>
-          <p:cNvPicPr>
-            <a:picLocks noChangeAspect="1"/>
-          </p:cNvPicPr>
-          <p:nvPr/>
-        </p:nvPicPr>
-        <p:blipFill>
-          <a:blip r:embed="rId7"/>
-          <a:stretch>
-            <a:fillRect/>
-          </a:stretch>
-        </p:blipFill>
-        <p:spPr>
-          <a:xfrm>
-            <a:off x="9486899" y="4505884"/>
-            <a:ext cx="2059642" cy="2059642"/>
-          </a:xfrm>
-          <a:prstGeom prst="rect">
-            <a:avLst/>
-          </a:prstGeom>
-        </p:spPr>
-      </p:pic>
-      <p:pic>
-        <p:nvPicPr>
-          <p:cNvPr id="10" name="Picture 10" descr="Shape&#10;&#10;Description automatically generated">
-            <a:extLst>
-              <a:ext uri="{FF2B5EF4-FFF2-40B4-BE49-F238E27FC236}">
-                <a16:creationId xmlns:a16="http://schemas.microsoft.com/office/drawing/2014/main" id="{843F7391-34A9-0942-F9C2-25E569FF012C}"/>
-              </a:ext>
-            </a:extLst>
-          </p:cNvPr>
-          <p:cNvPicPr>
-            <a:picLocks noChangeAspect="1"/>
-          </p:cNvPicPr>
-          <p:nvPr/>
-        </p:nvPicPr>
-        <p:blipFill>
-          <a:blip r:embed="rId8"/>
-          <a:stretch>
-            <a:fillRect/>
-          </a:stretch>
-        </p:blipFill>
-        <p:spPr>
-          <a:xfrm>
-            <a:off x="7228915" y="4505884"/>
-            <a:ext cx="2255745" cy="2255745"/>
-          </a:xfrm>
-          <a:prstGeom prst="rect">
-            <a:avLst/>
-          </a:prstGeom>
-        </p:spPr>
-      </p:pic>
-      <p:pic>
-        <p:nvPicPr>
-          <p:cNvPr id="11" name="Picture 11">
-            <a:extLst>
-              <a:ext uri="{FF2B5EF4-FFF2-40B4-BE49-F238E27FC236}">
-                <a16:creationId xmlns:a16="http://schemas.microsoft.com/office/drawing/2014/main" id="{933373F2-A45B-A53C-F8BA-BB20AA683F85}"/>
-              </a:ext>
-            </a:extLst>
-          </p:cNvPr>
-          <p:cNvPicPr>
-            <a:picLocks noChangeAspect="1"/>
-          </p:cNvPicPr>
-          <p:nvPr/>
-        </p:nvPicPr>
-        <p:blipFill>
-          <a:blip r:embed="rId9"/>
-          <a:stretch>
-            <a:fillRect/>
-          </a:stretch>
-        </p:blipFill>
-        <p:spPr>
-          <a:xfrm>
-            <a:off x="4741208" y="4444252"/>
-            <a:ext cx="2339789" cy="2322981"/>
-          </a:xfrm>
-          <a:prstGeom prst="rect">
-            <a:avLst/>
-          </a:prstGeom>
-        </p:spPr>
-      </p:pic>
-      <p:pic>
-        <p:nvPicPr>
-          <p:cNvPr id="12" name="Picture 12">
-            <a:extLst>
-              <a:ext uri="{FF2B5EF4-FFF2-40B4-BE49-F238E27FC236}">
-                <a16:creationId xmlns:a16="http://schemas.microsoft.com/office/drawing/2014/main" id="{6A132A19-0D98-4913-0694-1D21F8D7A18E}"/>
-              </a:ext>
-            </a:extLst>
-          </p:cNvPr>
-          <p:cNvPicPr>
-            <a:picLocks noChangeAspect="1"/>
-          </p:cNvPicPr>
-          <p:nvPr/>
-        </p:nvPicPr>
-        <p:blipFill>
-          <a:blip r:embed="rId10"/>
-          <a:stretch>
-            <a:fillRect/>
-          </a:stretch>
-        </p:blipFill>
-        <p:spPr>
-          <a:xfrm>
-            <a:off x="3488391" y="2059641"/>
-            <a:ext cx="609600" cy="609600"/>
-          </a:xfrm>
-          <a:prstGeom prst="rect">
-            <a:avLst/>
-          </a:prstGeom>
-        </p:spPr>
-      </p:pic>
-      <p:pic>
-        <p:nvPicPr>
-          <p:cNvPr id="13" name="Picture 13">
-            <a:extLst>
-              <a:ext uri="{FF2B5EF4-FFF2-40B4-BE49-F238E27FC236}">
-                <a16:creationId xmlns:a16="http://schemas.microsoft.com/office/drawing/2014/main" id="{CA367484-913F-5E77-80DD-29080013E7B5}"/>
-              </a:ext>
-            </a:extLst>
-          </p:cNvPr>
-          <p:cNvPicPr>
-            <a:picLocks noChangeAspect="1"/>
-          </p:cNvPicPr>
-          <p:nvPr/>
-        </p:nvPicPr>
-        <p:blipFill>
-          <a:blip r:embed="rId11"/>
-          <a:stretch>
-            <a:fillRect/>
-          </a:stretch>
-        </p:blipFill>
-        <p:spPr>
-          <a:xfrm>
-            <a:off x="3443568" y="3040156"/>
-            <a:ext cx="609600" cy="609600"/>
-          </a:xfrm>
-          <a:prstGeom prst="rect">
-            <a:avLst/>
-          </a:prstGeom>
-        </p:spPr>
-      </p:pic>
-      <p:pic>
-        <p:nvPicPr>
-          <p:cNvPr id="14" name="Picture 14">
-            <a:extLst>
-              <a:ext uri="{FF2B5EF4-FFF2-40B4-BE49-F238E27FC236}">
-                <a16:creationId xmlns:a16="http://schemas.microsoft.com/office/drawing/2014/main" id="{340ECA6F-ABC7-25D1-FFC1-D11F2E5F91DB}"/>
-              </a:ext>
-            </a:extLst>
-          </p:cNvPr>
-          <p:cNvPicPr>
-            <a:picLocks noChangeAspect="1"/>
-          </p:cNvPicPr>
-          <p:nvPr/>
-        </p:nvPicPr>
-        <p:blipFill>
-          <a:blip r:embed="rId12"/>
-          <a:stretch>
-            <a:fillRect/>
-          </a:stretch>
-        </p:blipFill>
-        <p:spPr>
-          <a:xfrm>
-            <a:off x="2068606" y="3822326"/>
-            <a:ext cx="2743200" cy="2743200"/>
-          </a:xfrm>
-          <a:prstGeom prst="rect">
-            <a:avLst/>
-          </a:prstGeom>
-        </p:spPr>
-      </p:pic>
-      <p:sp>
-        <p:nvSpPr>
-          <p:cNvPr id="15" name="TextBox 14">
-            <a:extLst>
-              <a:ext uri="{FF2B5EF4-FFF2-40B4-BE49-F238E27FC236}">
-                <a16:creationId xmlns:a16="http://schemas.microsoft.com/office/drawing/2014/main" id="{CF2ECDAA-8A25-DB41-7BEE-73C91591A239}"/>
-              </a:ext>
-            </a:extLst>
-          </p:cNvPr>
-          <p:cNvSpPr txBox="1"/>
-          <p:nvPr/>
-        </p:nvSpPr>
-        <p:spPr>
-          <a:xfrm>
-            <a:off x="4724400" y="3200400"/>
-            <a:ext cx="2743199" cy="369332"/>
+        <p:spPr bwMode="auto">
+          <a:xfrm rot="5400000">
+            <a:off x="5068888" y="1289844"/>
+            <a:ext cx="5584825" cy="4188618"/>
           </a:xfrm>
           <a:prstGeom prst="rect">
             <a:avLst/>
           </a:prstGeom>
           <a:noFill/>
-        </p:spPr>
-        <p:txBody>
-          <a:bodyPr rot="0" spcFirstLastPara="0" vertOverflow="overflow" horzOverflow="overflow" vert="horz" wrap="square" lIns="91440" tIns="45720" rIns="91440" bIns="45720" numCol="1" spcCol="0" rtlCol="0" fromWordArt="0" anchor="t" anchorCtr="0" forceAA="0" compatLnSpc="1">
-            <a:prstTxWarp prst="textNoShape">
-              <a:avLst/>
-            </a:prstTxWarp>
-            <a:spAutoFit/>
-          </a:bodyPr>
-          <a:lstStyle/>
-          <a:p>
-            <a:pPr algn="l"/>
-            <a:r>
-              <a:rPr lang="en-US"/>
-              <a:t>Click to add text</a:t>
-            </a:r>
-          </a:p>
-        </p:txBody>
-      </p:sp>
+          <a:extLst>
+            <a:ext uri="{909E8E84-426E-40DD-AFC4-6F175D3DCCD1}">
+              <a14:hiddenFill xmlns:a14="http://schemas.microsoft.com/office/drawing/2010/main">
+                <a:solidFill>
+                  <a:srgbClr val="FFFFFF"/>
+                </a:solidFill>
+              </a14:hiddenFill>
+            </a:ext>
+          </a:extLst>
+        </p:spPr>
+      </p:pic>
     </p:spTree>
     <p:extLst>
       <p:ext uri="{BB962C8B-B14F-4D97-AF65-F5344CB8AC3E}">
-        <p14:creationId xmlns:p14="http://schemas.microsoft.com/office/powerpoint/2010/main" val="2671246857"/>
+        <p14:creationId xmlns:p14="http://schemas.microsoft.com/office/powerpoint/2010/main" val="3212597786"/>
+      </p:ext>
+    </p:extLst>
+  </p:cSld>
+  <p:clrMapOvr>
+    <a:masterClrMapping/>
+  </p:clrMapOvr>
+</p:sld>
+</file>
+
+<file path=ppt/slides/slide9.xml><?xml version="1.0" encoding="utf-8"?>
+<p:sld xmlns:a="http://schemas.openxmlformats.org/drawingml/2006/main" xmlns:r="http://schemas.openxmlformats.org/officeDocument/2006/relationships" xmlns:p="http://schemas.openxmlformats.org/presentationml/2006/main">
+  <p:cSld>
+    <p:bg>
+      <p:bgPr>
+        <a:solidFill>
+          <a:schemeClr val="bg1"/>
+        </a:solidFill>
+        <a:effectLst/>
+      </p:bgPr>
+    </p:bg>
+    <p:spTree>
+      <p:nvGrpSpPr>
+        <p:cNvPr id="1" name=""/>
+        <p:cNvGrpSpPr/>
+        <p:nvPr/>
+      </p:nvGrpSpPr>
+      <p:grpSpPr>
+        <a:xfrm>
+          <a:off x="0" y="0"/>
+          <a:ext cx="0" cy="0"/>
+          <a:chOff x="0" y="0"/>
+          <a:chExt cx="0" cy="0"/>
+        </a:xfrm>
+      </p:grpSpPr>
+      <p:sp useBgFill="1">
+        <p:nvSpPr>
+          <p:cNvPr id="8" name="Rectangle 7">
+            <a:extLst>
+              <a:ext uri="{FF2B5EF4-FFF2-40B4-BE49-F238E27FC236}">
+                <a16:creationId xmlns:a16="http://schemas.microsoft.com/office/drawing/2014/main" id="{907EF6B7-1338-4443-8C46-6A318D952DFD}"/>
+              </a:ext>
+              <a:ext uri="{C183D7F6-B498-43B3-948B-1728B52AA6E4}">
+                <adec:decorative xmlns:adec="http://schemas.microsoft.com/office/drawing/2017/decorative" val="1"/>
+              </a:ext>
+            </a:extLst>
+          </p:cNvPr>
+          <p:cNvSpPr>
+            <a:spLocks noGrp="1" noRot="1" noChangeAspect="1" noMove="1" noResize="1" noEditPoints="1" noAdjustHandles="1" noChangeArrowheads="1" noChangeShapeType="1" noTextEdit="1"/>
+          </p:cNvSpPr>
+          <p:nvPr>
+            <p:extLst>
+              <p:ext uri="{386F3935-93C4-4BCD-93E2-E3B085C9AB24}">
+                <p16:designElem xmlns:p16="http://schemas.microsoft.com/office/powerpoint/2015/main" val="1"/>
+              </p:ext>
+            </p:extLst>
+          </p:nvPr>
+        </p:nvSpPr>
+        <p:spPr>
+          <a:xfrm>
+            <a:off x="3048" y="0"/>
+            <a:ext cx="12188952" cy="6858000"/>
+          </a:xfrm>
+          <a:prstGeom prst="rect">
+            <a:avLst/>
+          </a:prstGeom>
+          <a:ln>
+            <a:noFill/>
+          </a:ln>
+        </p:spPr>
+        <p:style>
+          <a:lnRef idx="2">
+            <a:schemeClr val="accent1">
+              <a:shade val="50000"/>
+            </a:schemeClr>
+          </a:lnRef>
+          <a:fillRef idx="1">
+            <a:schemeClr val="accent1"/>
+          </a:fillRef>
+          <a:effectRef idx="0">
+            <a:schemeClr val="accent1"/>
+          </a:effectRef>
+          <a:fontRef idx="minor">
+            <a:schemeClr val="lt1"/>
+          </a:fontRef>
+        </p:style>
+        <p:txBody>
+          <a:bodyPr rtlCol="0" anchor="ctr"/>
+          <a:lstStyle/>
+          <a:p>
+            <a:pPr algn="ctr"/>
+            <a:endParaRPr lang="en-US"/>
+          </a:p>
+        </p:txBody>
+      </p:sp>
+      <p:sp>
+        <p:nvSpPr>
+          <p:cNvPr id="10" name="Freeform: Shape 9">
+            <a:extLst>
+              <a:ext uri="{FF2B5EF4-FFF2-40B4-BE49-F238E27FC236}">
+                <a16:creationId xmlns:a16="http://schemas.microsoft.com/office/drawing/2014/main" id="{DAAE4CDD-124C-4DCF-9584-B6033B545DD5}"/>
+              </a:ext>
+              <a:ext uri="{C183D7F6-B498-43B3-948B-1728B52AA6E4}">
+                <adec:decorative xmlns:adec="http://schemas.microsoft.com/office/drawing/2017/decorative" val="1"/>
+              </a:ext>
+            </a:extLst>
+          </p:cNvPr>
+          <p:cNvSpPr>
+            <a:spLocks noGrp="1" noRot="1" noChangeAspect="1" noMove="1" noResize="1" noEditPoints="1" noAdjustHandles="1" noChangeArrowheads="1" noChangeShapeType="1" noTextEdit="1"/>
+          </p:cNvSpPr>
+          <p:nvPr>
+            <p:extLst>
+              <p:ext uri="{386F3935-93C4-4BCD-93E2-E3B085C9AB24}">
+                <p16:designElem xmlns:p16="http://schemas.microsoft.com/office/powerpoint/2015/main" val="1"/>
+              </p:ext>
+            </p:extLst>
+          </p:nvPr>
+        </p:nvSpPr>
+        <p:spPr>
+          <a:xfrm>
+            <a:off x="1" y="0"/>
+            <a:ext cx="4167271" cy="6858000"/>
+          </a:xfrm>
+          <a:custGeom>
+            <a:avLst/>
+            <a:gdLst>
+              <a:gd name="connsiteX0" fmla="*/ 0 w 4167271"/>
+              <a:gd name="connsiteY0" fmla="*/ 0 h 6858000"/>
+              <a:gd name="connsiteX1" fmla="*/ 2259550 w 4167271"/>
+              <a:gd name="connsiteY1" fmla="*/ 0 h 6858000"/>
+              <a:gd name="connsiteX2" fmla="*/ 2387803 w 4167271"/>
+              <a:gd name="connsiteY2" fmla="*/ 82222 h 6858000"/>
+              <a:gd name="connsiteX3" fmla="*/ 4167271 w 4167271"/>
+              <a:gd name="connsiteY3" fmla="*/ 3429000 h 6858000"/>
+              <a:gd name="connsiteX4" fmla="*/ 2387803 w 4167271"/>
+              <a:gd name="connsiteY4" fmla="*/ 6775779 h 6858000"/>
+              <a:gd name="connsiteX5" fmla="*/ 2259550 w 4167271"/>
+              <a:gd name="connsiteY5" fmla="*/ 6858000 h 6858000"/>
+              <a:gd name="connsiteX6" fmla="*/ 0 w 4167271"/>
+              <a:gd name="connsiteY6" fmla="*/ 6858000 h 6858000"/>
+            </a:gdLst>
+            <a:ahLst/>
+            <a:cxnLst>
+              <a:cxn ang="0">
+                <a:pos x="connsiteX0" y="connsiteY0"/>
+              </a:cxn>
+              <a:cxn ang="0">
+                <a:pos x="connsiteX1" y="connsiteY1"/>
+              </a:cxn>
+              <a:cxn ang="0">
+                <a:pos x="connsiteX2" y="connsiteY2"/>
+              </a:cxn>
+              <a:cxn ang="0">
+                <a:pos x="connsiteX3" y="connsiteY3"/>
+              </a:cxn>
+              <a:cxn ang="0">
+                <a:pos x="connsiteX4" y="connsiteY4"/>
+              </a:cxn>
+              <a:cxn ang="0">
+                <a:pos x="connsiteX5" y="connsiteY5"/>
+              </a:cxn>
+              <a:cxn ang="0">
+                <a:pos x="connsiteX6" y="connsiteY6"/>
+              </a:cxn>
+            </a:cxnLst>
+            <a:rect l="l" t="t" r="r" b="b"/>
+            <a:pathLst>
+              <a:path w="4167271" h="6858000">
+                <a:moveTo>
+                  <a:pt x="0" y="0"/>
+                </a:moveTo>
+                <a:lnTo>
+                  <a:pt x="2259550" y="0"/>
+                </a:lnTo>
+                <a:lnTo>
+                  <a:pt x="2387803" y="82222"/>
+                </a:lnTo>
+                <a:cubicBezTo>
+                  <a:pt x="3461407" y="807534"/>
+                  <a:pt x="4167271" y="2035835"/>
+                  <a:pt x="4167271" y="3429000"/>
+                </a:cubicBezTo>
+                <a:cubicBezTo>
+                  <a:pt x="4167271" y="4822165"/>
+                  <a:pt x="3461407" y="6050467"/>
+                  <a:pt x="2387803" y="6775779"/>
+                </a:cubicBezTo>
+                <a:lnTo>
+                  <a:pt x="2259550" y="6858000"/>
+                </a:lnTo>
+                <a:lnTo>
+                  <a:pt x="0" y="6858000"/>
+                </a:lnTo>
+                <a:close/>
+              </a:path>
+            </a:pathLst>
+          </a:custGeom>
+          <a:solidFill>
+            <a:schemeClr val="accent2"/>
+          </a:solidFill>
+          <a:ln>
+            <a:noFill/>
+          </a:ln>
+        </p:spPr>
+        <p:style>
+          <a:lnRef idx="2">
+            <a:schemeClr val="accent1">
+              <a:shade val="50000"/>
+            </a:schemeClr>
+          </a:lnRef>
+          <a:fillRef idx="1">
+            <a:schemeClr val="accent1"/>
+          </a:fillRef>
+          <a:effectRef idx="0">
+            <a:schemeClr val="accent1"/>
+          </a:effectRef>
+          <a:fontRef idx="minor">
+            <a:schemeClr val="lt1"/>
+          </a:fontRef>
+        </p:style>
+        <p:txBody>
+          <a:bodyPr rtlCol="0" anchor="ctr"/>
+          <a:lstStyle/>
+          <a:p>
+            <a:pPr algn="ctr"/>
+            <a:endParaRPr lang="en-US"/>
+          </a:p>
+        </p:txBody>
+      </p:sp>
+      <p:sp>
+        <p:nvSpPr>
+          <p:cNvPr id="2" name="Title 1">
+            <a:extLst>
+              <a:ext uri="{FF2B5EF4-FFF2-40B4-BE49-F238E27FC236}">
+                <a16:creationId xmlns:a16="http://schemas.microsoft.com/office/drawing/2014/main" id="{604CD088-9924-FDF8-32EA-64AD14C5DE41}"/>
+              </a:ext>
+            </a:extLst>
+          </p:cNvPr>
+          <p:cNvSpPr>
+            <a:spLocks noGrp="1"/>
+          </p:cNvSpPr>
+          <p:nvPr>
+            <p:ph type="title"/>
+          </p:nvPr>
+        </p:nvSpPr>
+        <p:spPr>
+          <a:xfrm>
+            <a:off x="177800" y="1198418"/>
+            <a:ext cx="3606800" cy="4461163"/>
+          </a:xfrm>
+        </p:spPr>
+        <p:txBody>
+          <a:bodyPr>
+            <a:normAutofit/>
+          </a:bodyPr>
+          <a:lstStyle/>
+          <a:p>
+            <a:pPr algn="ctr"/>
+            <a:r>
+              <a:rPr lang="en-US" dirty="0">
+                <a:solidFill>
+                  <a:srgbClr val="FFFFFF"/>
+                </a:solidFill>
+              </a:rPr>
+              <a:t>How we started</a:t>
+            </a:r>
+          </a:p>
+        </p:txBody>
+      </p:sp>
+      <p:sp>
+        <p:nvSpPr>
+          <p:cNvPr id="12" name="Arc 11">
+            <a:extLst>
+              <a:ext uri="{FF2B5EF4-FFF2-40B4-BE49-F238E27FC236}">
+                <a16:creationId xmlns:a16="http://schemas.microsoft.com/office/drawing/2014/main" id="{081E4A58-353D-44AE-B2FC-2A74E2E400F7}"/>
+              </a:ext>
+              <a:ext uri="{C183D7F6-B498-43B3-948B-1728B52AA6E4}">
+                <adec:decorative xmlns:adec="http://schemas.microsoft.com/office/drawing/2017/decorative" val="1"/>
+              </a:ext>
+            </a:extLst>
+          </p:cNvPr>
+          <p:cNvSpPr>
+            <a:spLocks noGrp="1" noRot="1" noChangeAspect="1" noMove="1" noResize="1" noEditPoints="1" noAdjustHandles="1" noChangeArrowheads="1" noChangeShapeType="1" noTextEdit="1"/>
+          </p:cNvSpPr>
+          <p:nvPr>
+            <p:extLst>
+              <p:ext uri="{386F3935-93C4-4BCD-93E2-E3B085C9AB24}">
+                <p16:designElem xmlns:p16="http://schemas.microsoft.com/office/powerpoint/2015/main" val="1"/>
+              </p:ext>
+            </p:extLst>
+          </p:nvPr>
+        </p:nvSpPr>
+        <p:spPr>
+          <a:xfrm flipV="1">
+            <a:off x="7550402" y="2455479"/>
+            <a:ext cx="4083433" cy="4083433"/>
+          </a:xfrm>
+          <a:prstGeom prst="arc">
+            <a:avLst/>
+          </a:prstGeom>
+          <a:ln w="127000" cap="rnd">
+            <a:solidFill>
+              <a:schemeClr val="accent4"/>
+            </a:solidFill>
+            <a:prstDash val="dash"/>
+          </a:ln>
+        </p:spPr>
+        <p:style>
+          <a:lnRef idx="1">
+            <a:schemeClr val="accent1"/>
+          </a:lnRef>
+          <a:fillRef idx="0">
+            <a:schemeClr val="accent1"/>
+          </a:fillRef>
+          <a:effectRef idx="0">
+            <a:schemeClr val="accent1"/>
+          </a:effectRef>
+          <a:fontRef idx="minor">
+            <a:schemeClr val="tx1"/>
+          </a:fontRef>
+        </p:style>
+        <p:txBody>
+          <a:bodyPr rtlCol="0" anchor="ctr"/>
+          <a:lstStyle/>
+          <a:p>
+            <a:pPr algn="ctr"/>
+            <a:endParaRPr lang="en-US" dirty="0"/>
+          </a:p>
+        </p:txBody>
+      </p:sp>
+      <p:sp>
+        <p:nvSpPr>
+          <p:cNvPr id="3" name="Content Placeholder 2">
+            <a:extLst>
+              <a:ext uri="{FF2B5EF4-FFF2-40B4-BE49-F238E27FC236}">
+                <a16:creationId xmlns:a16="http://schemas.microsoft.com/office/drawing/2014/main" id="{506ECF03-3832-CE61-45EB-6C148D597A92}"/>
+              </a:ext>
+            </a:extLst>
+          </p:cNvPr>
+          <p:cNvSpPr>
+            <a:spLocks noGrp="1"/>
+          </p:cNvSpPr>
+          <p:nvPr>
+            <p:ph idx="1"/>
+          </p:nvPr>
+        </p:nvSpPr>
+        <p:spPr>
+          <a:xfrm>
+            <a:off x="4447308" y="965200"/>
+            <a:ext cx="6906491" cy="5211763"/>
+          </a:xfrm>
+        </p:spPr>
+        <p:txBody>
+          <a:bodyPr anchor="ctr">
+            <a:normAutofit/>
+          </a:bodyPr>
+          <a:lstStyle/>
+          <a:p>
+            <a:r>
+              <a:rPr lang="en-US" dirty="0"/>
+              <a:t>Age 6 Scratch and Hour of Code</a:t>
+            </a:r>
+          </a:p>
+          <a:p>
+            <a:r>
+              <a:rPr lang="en-US" dirty="0"/>
+              <a:t>Age 7 Subscription Boxes </a:t>
+            </a:r>
+            <a:r>
+              <a:rPr lang="en-US" dirty="0" err="1"/>
+              <a:t>KiwiCo</a:t>
+            </a:r>
+            <a:r>
+              <a:rPr lang="en-US" dirty="0"/>
+              <a:t>/</a:t>
+            </a:r>
+            <a:r>
+              <a:rPr lang="en-US" dirty="0" err="1"/>
+              <a:t>MakerBlock</a:t>
+            </a:r>
+            <a:endParaRPr lang="en-US" dirty="0"/>
+          </a:p>
+          <a:p>
+            <a:r>
+              <a:rPr lang="en-US" dirty="0"/>
+              <a:t>Age 8 C# Console Apps</a:t>
+            </a:r>
+          </a:p>
+          <a:p>
+            <a:r>
+              <a:rPr lang="en-US" dirty="0"/>
+              <a:t>Age 9 Unity</a:t>
+            </a:r>
+          </a:p>
+          <a:p>
+            <a:r>
+              <a:rPr lang="en-US" dirty="0"/>
+              <a:t>Age 10+ HTML/Web/</a:t>
+            </a:r>
+            <a:r>
+              <a:rPr lang="en-US" dirty="0" err="1"/>
+              <a:t>Blazor</a:t>
+            </a:r>
+            <a:endParaRPr lang="en-US" dirty="0"/>
+          </a:p>
+          <a:p>
+            <a:r>
+              <a:rPr lang="en-US" dirty="0"/>
+              <a:t>End Goal  C# </a:t>
+            </a:r>
+            <a:r>
+              <a:rPr lang="en-US" dirty="0" err="1"/>
+              <a:t>Blazor</a:t>
+            </a:r>
+            <a:r>
+              <a:rPr lang="en-US" dirty="0"/>
+              <a:t> Web API</a:t>
+            </a:r>
+          </a:p>
+          <a:p>
+            <a:pPr marL="0" indent="0">
+              <a:buNone/>
+            </a:pPr>
+            <a:endParaRPr lang="en-US" sz="2000" dirty="0"/>
+          </a:p>
+          <a:p>
+            <a:pPr marL="0" indent="0">
+              <a:buNone/>
+            </a:pPr>
+            <a:r>
+              <a:rPr lang="en-US" sz="2000" dirty="0"/>
+              <a:t>10 years old is the optimal time to learn programming.  Yet the earlier the better.</a:t>
+            </a:r>
+            <a:endParaRPr lang="en-US" dirty="0"/>
+          </a:p>
+        </p:txBody>
+      </p:sp>
+    </p:spTree>
+    <p:extLst>
+      <p:ext uri="{BB962C8B-B14F-4D97-AF65-F5344CB8AC3E}">
+        <p14:creationId xmlns:p14="http://schemas.microsoft.com/office/powerpoint/2010/main" val="3799559141"/>
       </p:ext>
     </p:extLst>
   </p:cSld>

--- a/ThatConference2022.pptx
+++ b/ThatConference2022.pptx
@@ -8,7 +8,7 @@
     <p:sldId id="256" r:id="rId2"/>
     <p:sldId id="257" r:id="rId3"/>
     <p:sldId id="258" r:id="rId4"/>
-    <p:sldId id="260" r:id="rId5"/>
+    <p:sldId id="273" r:id="rId5"/>
     <p:sldId id="261" r:id="rId6"/>
     <p:sldId id="272" r:id="rId7"/>
     <p:sldId id="266" r:id="rId8"/>
@@ -7444,14 +7444,6 @@
 <file path=ppt/slides/slide4.xml><?xml version="1.0" encoding="utf-8"?>
 <p:sld xmlns:a="http://schemas.openxmlformats.org/drawingml/2006/main" xmlns:r="http://schemas.openxmlformats.org/officeDocument/2006/relationships" xmlns:p="http://schemas.openxmlformats.org/presentationml/2006/main">
   <p:cSld>
-    <p:bg>
-      <p:bgPr>
-        <a:solidFill>
-          <a:schemeClr val="bg1"/>
-        </a:solidFill>
-        <a:effectLst/>
-      </p:bgPr>
-    </p:bg>
     <p:spTree>
       <p:nvGrpSpPr>
         <p:cNvPr id="1" name=""/>
@@ -7466,261 +7458,12 @@
           <a:chExt cx="0" cy="0"/>
         </a:xfrm>
       </p:grpSpPr>
-      <p:sp useBgFill="1">
-        <p:nvSpPr>
-          <p:cNvPr id="8" name="Rectangle 7">
-            <a:extLst>
-              <a:ext uri="{FF2B5EF4-FFF2-40B4-BE49-F238E27FC236}">
-                <a16:creationId xmlns:a16="http://schemas.microsoft.com/office/drawing/2014/main" id="{DAF1966E-FD40-4A4A-B61B-C4DF7FA05F06}"/>
-              </a:ext>
-              <a:ext uri="{C183D7F6-B498-43B3-948B-1728B52AA6E4}">
-                <adec:decorative xmlns:adec="http://schemas.microsoft.com/office/drawing/2017/decorative" val="1"/>
-              </a:ext>
-            </a:extLst>
-          </p:cNvPr>
-          <p:cNvSpPr>
-            <a:spLocks noGrp="1" noRot="1" noChangeAspect="1" noMove="1" noResize="1" noEditPoints="1" noAdjustHandles="1" noChangeArrowheads="1" noChangeShapeType="1" noTextEdit="1"/>
-          </p:cNvSpPr>
-          <p:nvPr>
-            <p:extLst>
-              <p:ext uri="{386F3935-93C4-4BCD-93E2-E3B085C9AB24}">
-                <p16:designElem xmlns:p16="http://schemas.microsoft.com/office/powerpoint/2015/main" val="1"/>
-              </p:ext>
-            </p:extLst>
-          </p:nvPr>
-        </p:nvSpPr>
-        <p:spPr>
-          <a:xfrm>
-            <a:off x="0" y="0"/>
-            <a:ext cx="12192000" cy="6858000"/>
-          </a:xfrm>
-          <a:prstGeom prst="rect">
-            <a:avLst/>
-          </a:prstGeom>
-          <a:ln>
-            <a:noFill/>
-          </a:ln>
-        </p:spPr>
-        <p:style>
-          <a:lnRef idx="2">
-            <a:schemeClr val="accent1">
-              <a:shade val="50000"/>
-            </a:schemeClr>
-          </a:lnRef>
-          <a:fillRef idx="1">
-            <a:schemeClr val="accent1"/>
-          </a:fillRef>
-          <a:effectRef idx="0">
-            <a:schemeClr val="accent1"/>
-          </a:effectRef>
-          <a:fontRef idx="minor">
-            <a:schemeClr val="lt1"/>
-          </a:fontRef>
-        </p:style>
-        <p:txBody>
-          <a:bodyPr rtlCol="0" anchor="ctr"/>
-          <a:lstStyle/>
-          <a:p>
-            <a:pPr algn="ctr"/>
-            <a:endParaRPr lang="en-US"/>
-          </a:p>
-        </p:txBody>
-      </p:sp>
-      <p:sp useBgFill="1">
-        <p:nvSpPr>
-          <p:cNvPr id="10" name="Rectangle 9">
-            <a:extLst>
-              <a:ext uri="{FF2B5EF4-FFF2-40B4-BE49-F238E27FC236}">
-                <a16:creationId xmlns:a16="http://schemas.microsoft.com/office/drawing/2014/main" id="{047BFA19-D45E-416B-A404-7AF2F3F27017}"/>
-              </a:ext>
-              <a:ext uri="{C183D7F6-B498-43B3-948B-1728B52AA6E4}">
-                <adec:decorative xmlns:adec="http://schemas.microsoft.com/office/drawing/2017/decorative" val="1"/>
-              </a:ext>
-            </a:extLst>
-          </p:cNvPr>
-          <p:cNvSpPr>
-            <a:spLocks noGrp="1" noRot="1" noChangeAspect="1" noMove="1" noResize="1" noEditPoints="1" noAdjustHandles="1" noChangeArrowheads="1" noChangeShapeType="1" noTextEdit="1"/>
-          </p:cNvSpPr>
-          <p:nvPr>
-            <p:extLst>
-              <p:ext uri="{386F3935-93C4-4BCD-93E2-E3B085C9AB24}">
-                <p16:designElem xmlns:p16="http://schemas.microsoft.com/office/powerpoint/2015/main" val="1"/>
-              </p:ext>
-            </p:extLst>
-          </p:nvPr>
-        </p:nvSpPr>
-        <p:spPr>
-          <a:xfrm>
-            <a:off x="558209" y="0"/>
-            <a:ext cx="11167447" cy="2018806"/>
-          </a:xfrm>
-          <a:prstGeom prst="rect">
-            <a:avLst/>
-          </a:prstGeom>
-          <a:ln w="9525">
-            <a:solidFill>
-              <a:srgbClr val="E1E1E1"/>
-            </a:solidFill>
-          </a:ln>
-          <a:effectLst>
-            <a:outerShdw blurRad="50800" dist="38100" dir="2700000" algn="tl" rotWithShape="0">
-              <a:schemeClr val="bg1">
-                <a:lumMod val="85000"/>
-                <a:alpha val="50000"/>
-              </a:schemeClr>
-            </a:outerShdw>
-          </a:effectLst>
-        </p:spPr>
-        <p:style>
-          <a:lnRef idx="2">
-            <a:schemeClr val="accent1">
-              <a:shade val="50000"/>
-            </a:schemeClr>
-          </a:lnRef>
-          <a:fillRef idx="1">
-            <a:schemeClr val="accent1"/>
-          </a:fillRef>
-          <a:effectRef idx="0">
-            <a:schemeClr val="accent1"/>
-          </a:effectRef>
-          <a:fontRef idx="minor">
-            <a:schemeClr val="lt1"/>
-          </a:fontRef>
-        </p:style>
-        <p:txBody>
-          <a:bodyPr rtlCol="0" anchor="ctr"/>
-          <a:lstStyle/>
-          <a:p>
-            <a:pPr marL="0" marR="0" lvl="0" indent="0" algn="ctr" defTabSz="914400" rtl="0" eaLnBrk="1" fontAlgn="auto" latinLnBrk="0" hangingPunct="1">
-              <a:lnSpc>
-                <a:spcPct val="100000"/>
-              </a:lnSpc>
-              <a:spcBef>
-                <a:spcPts val="0"/>
-              </a:spcBef>
-              <a:spcAft>
-                <a:spcPts val="0"/>
-              </a:spcAft>
-              <a:buClrTx/>
-              <a:buSzTx/>
-              <a:buFontTx/>
-              <a:buNone/>
-              <a:tabLst/>
-              <a:defRPr/>
-            </a:pPr>
-            <a:endParaRPr kumimoji="0" lang="en-US" sz="1800" b="0" i="0" u="none" strike="noStrike" kern="1200" cap="none" spc="0" normalizeH="0" baseline="0" noProof="0">
-              <a:ln>
-                <a:noFill/>
-              </a:ln>
-              <a:solidFill>
-                <a:prstClr val="white"/>
-              </a:solidFill>
-              <a:effectLst/>
-              <a:uLnTx/>
-              <a:uFillTx/>
-              <a:latin typeface="Calibri" panose="020F0502020204030204"/>
-              <a:ea typeface="+mn-ea"/>
-              <a:cs typeface="+mn-cs"/>
-            </a:endParaRPr>
-          </a:p>
-        </p:txBody>
-      </p:sp>
-      <p:sp useBgFill="1">
-        <p:nvSpPr>
-          <p:cNvPr id="12" name="Rectangle 11">
-            <a:extLst>
-              <a:ext uri="{FF2B5EF4-FFF2-40B4-BE49-F238E27FC236}">
-                <a16:creationId xmlns:a16="http://schemas.microsoft.com/office/drawing/2014/main" id="{8E0105E7-23DB-4CF2-8258-FF47C7620F6E}"/>
-              </a:ext>
-              <a:ext uri="{C183D7F6-B498-43B3-948B-1728B52AA6E4}">
-                <adec:decorative xmlns:adec="http://schemas.microsoft.com/office/drawing/2017/decorative" val="1"/>
-              </a:ext>
-            </a:extLst>
-          </p:cNvPr>
-          <p:cNvSpPr>
-            <a:spLocks noGrp="1" noRot="1" noChangeAspect="1" noMove="1" noResize="1" noEditPoints="1" noAdjustHandles="1" noChangeArrowheads="1" noChangeShapeType="1" noTextEdit="1"/>
-          </p:cNvSpPr>
-          <p:nvPr>
-            <p:extLst>
-              <p:ext uri="{386F3935-93C4-4BCD-93E2-E3B085C9AB24}">
-                <p16:designElem xmlns:p16="http://schemas.microsoft.com/office/powerpoint/2015/main" val="1"/>
-              </p:ext>
-            </p:extLst>
-          </p:nvPr>
-        </p:nvSpPr>
-        <p:spPr>
-          <a:xfrm>
-            <a:off x="566928" y="0"/>
-            <a:ext cx="11155680" cy="2011680"/>
-          </a:xfrm>
-          <a:prstGeom prst="rect">
-            <a:avLst/>
-          </a:prstGeom>
-          <a:ln w="9525">
-            <a:noFill/>
-          </a:ln>
-          <a:effectLst/>
-        </p:spPr>
-        <p:style>
-          <a:lnRef idx="2">
-            <a:schemeClr val="accent1">
-              <a:shade val="50000"/>
-            </a:schemeClr>
-          </a:lnRef>
-          <a:fillRef idx="1">
-            <a:schemeClr val="accent1"/>
-          </a:fillRef>
-          <a:effectRef idx="0">
-            <a:schemeClr val="accent1"/>
-          </a:effectRef>
-          <a:fontRef idx="minor">
-            <a:schemeClr val="lt1"/>
-          </a:fontRef>
-        </p:style>
-        <p:txBody>
-          <a:bodyPr rtlCol="0" anchor="ctr"/>
-          <a:lstStyle/>
-          <a:p>
-            <a:pPr marL="0" marR="0" lvl="0" indent="0" algn="ctr" defTabSz="914400" rtl="0" eaLnBrk="1" fontAlgn="auto" latinLnBrk="0" hangingPunct="1">
-              <a:lnSpc>
-                <a:spcPct val="100000"/>
-              </a:lnSpc>
-              <a:spcBef>
-                <a:spcPts val="0"/>
-              </a:spcBef>
-              <a:spcAft>
-                <a:spcPts val="0"/>
-              </a:spcAft>
-              <a:buClrTx/>
-              <a:buSzTx/>
-              <a:buFontTx/>
-              <a:buNone/>
-              <a:tabLst/>
-              <a:defRPr/>
-            </a:pPr>
-            <a:endParaRPr kumimoji="0" lang="en-US" sz="1800" b="0" i="0" u="none" strike="noStrike" kern="1200" cap="none" spc="0" normalizeH="0" baseline="0" noProof="0">
-              <a:ln>
-                <a:noFill/>
-              </a:ln>
-              <a:solidFill>
-                <a:prstClr val="white"/>
-              </a:solidFill>
-              <a:effectLst/>
-              <a:uLnTx/>
-              <a:uFillTx/>
-              <a:latin typeface="Calibri" panose="020F0502020204030204"/>
-              <a:ea typeface="+mn-ea"/>
-              <a:cs typeface="+mn-cs"/>
-            </a:endParaRPr>
-          </a:p>
-        </p:txBody>
-      </p:sp>
       <p:sp>
         <p:nvSpPr>
           <p:cNvPr id="2" name="Title 1">
             <a:extLst>
               <a:ext uri="{FF2B5EF4-FFF2-40B4-BE49-F238E27FC236}">
-                <a16:creationId xmlns:a16="http://schemas.microsoft.com/office/drawing/2014/main" id="{82CF4B60-062A-25CD-E448-6C8255EEF9CC}"/>
+                <a16:creationId xmlns:a16="http://schemas.microsoft.com/office/drawing/2014/main" id="{9347DB6B-8169-FEB2-EFE8-BB8ED29FEA2F}"/>
               </a:ext>
             </a:extLst>
           </p:cNvPr>
@@ -7731,185 +7474,30 @@
             <p:ph type="title"/>
           </p:nvPr>
         </p:nvSpPr>
-        <p:spPr>
-          <a:xfrm>
-            <a:off x="1115568" y="548640"/>
-            <a:ext cx="10168128" cy="1179576"/>
-          </a:xfrm>
-        </p:spPr>
-        <p:txBody>
-          <a:bodyPr>
-            <a:normAutofit/>
-          </a:bodyPr>
-          <a:lstStyle/>
-          <a:p>
-            <a:r>
-              <a:rPr lang="en-US" sz="4000" dirty="0"/>
-              <a:t>About us:</a:t>
-            </a:r>
-          </a:p>
-        </p:txBody>
-      </p:sp>
-      <p:sp>
-        <p:nvSpPr>
-          <p:cNvPr id="14" name="Rectangle 13">
+        <p:spPr/>
+        <p:txBody>
+          <a:bodyPr/>
+          <a:lstStyle/>
+          <a:p>
+            <a:endParaRPr lang="en-US"/>
+          </a:p>
+        </p:txBody>
+      </p:sp>
+      <p:pic>
+        <p:nvPicPr>
+          <p:cNvPr id="5" name="Content Placeholder 4">
             <a:extLst>
               <a:ext uri="{FF2B5EF4-FFF2-40B4-BE49-F238E27FC236}">
-                <a16:creationId xmlns:a16="http://schemas.microsoft.com/office/drawing/2014/main" id="{074B4F7D-14B2-478B-8BF5-01E4E0C5D263}"/>
-              </a:ext>
-              <a:ext uri="{C183D7F6-B498-43B3-948B-1728B52AA6E4}">
-                <adec:decorative xmlns:adec="http://schemas.microsoft.com/office/drawing/2017/decorative" val="1"/>
-              </a:ext>
-            </a:extLst>
-          </p:cNvPr>
-          <p:cNvSpPr>
-            <a:spLocks noGrp="1" noRot="1" noChangeAspect="1" noMove="1" noResize="1" noEditPoints="1" noAdjustHandles="1" noChangeArrowheads="1" noChangeShapeType="1" noTextEdit="1"/>
-          </p:cNvSpPr>
-          <p:nvPr>
-            <p:extLst>
-              <p:ext uri="{386F3935-93C4-4BCD-93E2-E3B085C9AB24}">
-                <p16:designElem xmlns:p16="http://schemas.microsoft.com/office/powerpoint/2015/main" val="1"/>
-              </p:ext>
-            </p:extLst>
-          </p:nvPr>
-        </p:nvSpPr>
-        <p:spPr>
-          <a:xfrm>
-            <a:off x="498834" y="758952"/>
-            <a:ext cx="128016" cy="704088"/>
-          </a:xfrm>
-          <a:prstGeom prst="rect">
-            <a:avLst/>
-          </a:prstGeom>
-          <a:solidFill>
-            <a:schemeClr val="accent2"/>
-          </a:solidFill>
-          <a:ln>
-            <a:noFill/>
-          </a:ln>
-        </p:spPr>
-        <p:style>
-          <a:lnRef idx="2">
-            <a:schemeClr val="accent1">
-              <a:shade val="50000"/>
-            </a:schemeClr>
-          </a:lnRef>
-          <a:fillRef idx="1">
-            <a:schemeClr val="accent1"/>
-          </a:fillRef>
-          <a:effectRef idx="0">
-            <a:schemeClr val="accent1"/>
-          </a:effectRef>
-          <a:fontRef idx="minor">
-            <a:schemeClr val="lt1"/>
-          </a:fontRef>
-        </p:style>
-        <p:txBody>
-          <a:bodyPr rtlCol="0" anchor="ctr"/>
-          <a:lstStyle/>
-          <a:p>
-            <a:pPr algn="ctr"/>
-            <a:endParaRPr lang="en-US">
-              <a:solidFill>
-                <a:prstClr val="white"/>
-              </a:solidFill>
-              <a:latin typeface="Calibri" panose="020F0502020204030204"/>
-            </a:endParaRPr>
-          </a:p>
-        </p:txBody>
-      </p:sp>
-      <p:sp>
-        <p:nvSpPr>
-          <p:cNvPr id="3" name="Content Placeholder 2">
-            <a:extLst>
-              <a:ext uri="{FF2B5EF4-FFF2-40B4-BE49-F238E27FC236}">
-                <a16:creationId xmlns:a16="http://schemas.microsoft.com/office/drawing/2014/main" id="{E43BD06B-906D-5C9C-E517-52B27F705E94}"/>
-              </a:ext>
-            </a:extLst>
-          </p:cNvPr>
-          <p:cNvSpPr>
-            <a:spLocks noGrp="1"/>
-          </p:cNvSpPr>
-          <p:nvPr>
-            <p:ph idx="1"/>
-          </p:nvPr>
-        </p:nvSpPr>
-        <p:spPr>
-          <a:xfrm>
-            <a:off x="1115568" y="2481943"/>
-            <a:ext cx="10168128" cy="3695020"/>
-          </a:xfrm>
-        </p:spPr>
-        <p:txBody>
-          <a:bodyPr>
-            <a:normAutofit/>
-          </a:bodyPr>
-          <a:lstStyle/>
-          <a:p>
-            <a:r>
-              <a:rPr lang="en-US" sz="2200" dirty="0"/>
-              <a:t>20 years lake co</a:t>
-            </a:r>
-          </a:p>
-          <a:p>
-            <a:r>
-              <a:rPr lang="en-US" sz="2200" dirty="0"/>
-              <a:t>Inventor patent</a:t>
-            </a:r>
-          </a:p>
-          <a:p>
-            <a:r>
-              <a:rPr lang="en-US" sz="2200" dirty="0"/>
-              <a:t>Microsoft certified developer</a:t>
-            </a:r>
-          </a:p>
-          <a:p>
-            <a:r>
-              <a:rPr lang="en-US" sz="2200" dirty="0"/>
-              <a:t>3x Hackathon winner</a:t>
-            </a:r>
-          </a:p>
-          <a:p>
-            <a:r>
-              <a:rPr lang="en-US" sz="2200" dirty="0"/>
-              <a:t>Christmas lightshow</a:t>
-            </a:r>
-          </a:p>
-          <a:p>
-            <a:r>
-              <a:rPr lang="en-US" sz="2200" dirty="0"/>
-              <a:t>Father of 5 girls</a:t>
-            </a:r>
-          </a:p>
-          <a:p>
-            <a:r>
-              <a:rPr lang="en-US" sz="2200" dirty="0"/>
-              <a:t>Daily </a:t>
-            </a:r>
-            <a:r>
-              <a:rPr lang="en-US" sz="2200" dirty="0" err="1"/>
-              <a:t>Github</a:t>
-            </a:r>
-            <a:r>
-              <a:rPr lang="en-US" sz="2200" dirty="0"/>
-              <a:t> commit Challenge</a:t>
-            </a:r>
-          </a:p>
-        </p:txBody>
-      </p:sp>
-      <p:pic>
-        <p:nvPicPr>
-          <p:cNvPr id="1026" name="Picture 2" descr="Employee Resume 8 PowerPoint Template">
-            <a:extLst>
-              <a:ext uri="{FF2B5EF4-FFF2-40B4-BE49-F238E27FC236}">
-                <a16:creationId xmlns:a16="http://schemas.microsoft.com/office/drawing/2014/main" id="{F3210187-00E2-CA7E-493A-E91917D1F46D}"/>
+                <a16:creationId xmlns:a16="http://schemas.microsoft.com/office/drawing/2014/main" id="{1F9F3CDF-1D7F-F41E-4914-6267C1B33BFD}"/>
               </a:ext>
             </a:extLst>
           </p:cNvPr>
           <p:cNvPicPr>
-            <a:picLocks noChangeAspect="1" noChangeArrowheads="1"/>
+            <a:picLocks noGrp="1" noChangeAspect="1"/>
           </p:cNvPicPr>
-          <p:nvPr/>
+          <p:nvPr>
+            <p:ph idx="1"/>
+          </p:nvPr>
         </p:nvPicPr>
         <p:blipFill>
           <a:blip r:embed="rId2">
@@ -7919,35 +7507,21 @@
               </a:ext>
             </a:extLst>
           </a:blip>
-          <a:srcRect/>
           <a:stretch>
             <a:fillRect/>
           </a:stretch>
         </p:blipFill>
-        <p:spPr bwMode="auto">
-          <a:xfrm>
-            <a:off x="4643628" y="352552"/>
-            <a:ext cx="7315200" cy="5486400"/>
-          </a:xfrm>
-          <a:prstGeom prst="rect">
-            <a:avLst/>
-          </a:prstGeom>
-          <a:noFill/>
-          <a:extLst>
-            <a:ext uri="{909E8E84-426E-40DD-AFC4-6F175D3DCCD1}">
-              <a14:hiddenFill xmlns:a14="http://schemas.microsoft.com/office/drawing/2010/main">
-                <a:solidFill>
-                  <a:srgbClr val="FFFFFF"/>
-                </a:solidFill>
-              </a14:hiddenFill>
-            </a:ext>
-          </a:extLst>
+        <p:spPr>
+          <a:xfrm>
+            <a:off x="177800" y="0"/>
+            <a:ext cx="11836400" cy="6923686"/>
+          </a:xfrm>
         </p:spPr>
       </p:pic>
     </p:spTree>
     <p:extLst>
       <p:ext uri="{BB962C8B-B14F-4D97-AF65-F5344CB8AC3E}">
-        <p14:creationId xmlns:p14="http://schemas.microsoft.com/office/powerpoint/2010/main" val="908212866"/>
+        <p14:creationId xmlns:p14="http://schemas.microsoft.com/office/powerpoint/2010/main" val="2826635753"/>
       </p:ext>
     </p:extLst>
   </p:cSld>

--- a/ThatConference2022.pptx
+++ b/ThatConference2022.pptx
@@ -6,22 +6,31 @@
   </p:sldMasterIdLst>
   <p:sldIdLst>
     <p:sldId id="256" r:id="rId2"/>
-    <p:sldId id="257" r:id="rId3"/>
-    <p:sldId id="258" r:id="rId4"/>
-    <p:sldId id="273" r:id="rId5"/>
-    <p:sldId id="261" r:id="rId6"/>
-    <p:sldId id="272" r:id="rId7"/>
-    <p:sldId id="266" r:id="rId8"/>
-    <p:sldId id="263" r:id="rId9"/>
-    <p:sldId id="262" r:id="rId10"/>
-    <p:sldId id="264" r:id="rId11"/>
-    <p:sldId id="265" r:id="rId12"/>
-    <p:sldId id="267" r:id="rId13"/>
-    <p:sldId id="268" r:id="rId14"/>
-    <p:sldId id="269" r:id="rId15"/>
-    <p:sldId id="270" r:id="rId16"/>
-    <p:sldId id="271" r:id="rId17"/>
-    <p:sldId id="259" r:id="rId18"/>
+    <p:sldId id="273" r:id="rId3"/>
+    <p:sldId id="274" r:id="rId4"/>
+    <p:sldId id="272" r:id="rId5"/>
+    <p:sldId id="266" r:id="rId6"/>
+    <p:sldId id="263" r:id="rId7"/>
+    <p:sldId id="275" r:id="rId8"/>
+    <p:sldId id="262" r:id="rId9"/>
+    <p:sldId id="264" r:id="rId10"/>
+    <p:sldId id="265" r:id="rId11"/>
+    <p:sldId id="267" r:id="rId12"/>
+    <p:sldId id="268" r:id="rId13"/>
+    <p:sldId id="269" r:id="rId14"/>
+    <p:sldId id="270" r:id="rId15"/>
+    <p:sldId id="271" r:id="rId16"/>
+    <p:sldId id="276" r:id="rId17"/>
+    <p:sldId id="286" r:id="rId18"/>
+    <p:sldId id="287" r:id="rId19"/>
+    <p:sldId id="285" r:id="rId20"/>
+    <p:sldId id="277" r:id="rId21"/>
+    <p:sldId id="278" r:id="rId22"/>
+    <p:sldId id="279" r:id="rId23"/>
+    <p:sldId id="280" r:id="rId24"/>
+    <p:sldId id="281" r:id="rId25"/>
+    <p:sldId id="282" r:id="rId26"/>
+    <p:sldId id="283" r:id="rId27"/>
   </p:sldIdLst>
   <p:sldSz cx="12192000" cy="6858000"/>
   <p:notesSz cx="6858000" cy="9144000"/>
@@ -128,12 +137,38 @@
 </p:presentation>
 </file>
 
+<file path=ppt/commentAuthors.xml><?xml version="1.0" encoding="utf-8"?>
+<p:cmAuthorLst xmlns:a="http://schemas.openxmlformats.org/drawingml/2006/main" xmlns:r="http://schemas.openxmlformats.org/officeDocument/2006/relationships" xmlns:p="http://schemas.openxmlformats.org/presentationml/2006/main">
+  <p:cmAuthor id="1" name="Kevin Moens" initials="KM" lastIdx="1" clrIdx="0">
+    <p:extLst>
+      <p:ext uri="{19B8F6BF-5375-455C-9EA6-DF929625EA0E}">
+        <p15:presenceInfo xmlns:p15="http://schemas.microsoft.com/office/powerpoint/2012/main" userId="d0373299f81a58f4" providerId="Windows Live"/>
+      </p:ext>
+    </p:extLst>
+  </p:cmAuthor>
+</p:cmAuthorLst>
+</file>
+
 <file path=ppt/revisionInfo.xml><?xml version="1.0" encoding="utf-8"?>
 <p1510:revInfo xmlns:a="http://schemas.openxmlformats.org/drawingml/2006/main" xmlns:r="http://schemas.openxmlformats.org/officeDocument/2006/relationships" xmlns:p1510="http://schemas.microsoft.com/office/powerpoint/2015/10/main">
   <p1510:revLst>
     <p1510:client id="{617894E1-1976-478F-AB63-E50C2247A66A}" v="41" dt="2022-05-12T01:33:22.209"/>
   </p1510:revLst>
 </p1510:revInfo>
+</file>
+
+<file path=ppt/comments/comment1.xml><?xml version="1.0" encoding="utf-8"?>
+<p:cmLst xmlns:a="http://schemas.openxmlformats.org/drawingml/2006/main" xmlns:r="http://schemas.openxmlformats.org/officeDocument/2006/relationships" xmlns:p="http://schemas.openxmlformats.org/presentationml/2006/main">
+  <p:cm authorId="1" dt="2022-07-11T20:48:08.795" idx="1">
+    <p:pos x="10" y="10"/>
+    <p:text/>
+    <p:extLst>
+      <p:ext uri="{C676402C-5697-4E1C-873F-D02D1690AC5C}">
+        <p15:threadingInfo xmlns:p15="http://schemas.microsoft.com/office/powerpoint/2012/main" timeZoneBias="300"/>
+      </p:ext>
+    </p:extLst>
+  </p:cm>
+</p:cmLst>
 </file>
 
 <file path=ppt/slideLayouts/slideLayout1.xml><?xml version="1.0" encoding="utf-8"?>
@@ -3572,13 +3607,14 @@
           </a:bodyPr>
           <a:lstStyle/>
           <a:p>
+            <a:pPr algn="ctr"/>
             <a:r>
               <a:rPr lang="en-US" dirty="0">
                 <a:solidFill>
                   <a:srgbClr val="FFFFFF"/>
                 </a:solidFill>
               </a:rPr>
-              <a:t>Details</a:t>
+              <a:t>C# Console Apps</a:t>
             </a:r>
           </a:p>
         </p:txBody>
@@ -3662,8 +3698,8 @@
         </p:nvSpPr>
         <p:spPr>
           <a:xfrm>
-            <a:off x="6630038" y="0"/>
-            <a:ext cx="4723761" cy="2046503"/>
+            <a:off x="4447308" y="591344"/>
+            <a:ext cx="6906491" cy="5585619"/>
           </a:xfrm>
         </p:spPr>
         <p:txBody>
@@ -3673,53 +3709,39 @@
           <a:lstStyle/>
           <a:p>
             <a:r>
+              <a:rPr lang="en-US" dirty="0" err="1"/>
+              <a:t>MadLibs</a:t>
+            </a:r>
+            <a:endParaRPr lang="en-US" dirty="0"/>
+          </a:p>
+          <a:p>
+            <a:r>
               <a:rPr lang="en-US" dirty="0"/>
-              <a:t>Hour of Code</a:t>
+              <a:t>Guess a number</a:t>
+            </a:r>
+          </a:p>
+          <a:p>
+            <a:r>
+              <a:rPr lang="en-US" dirty="0"/>
+              <a:t>Rock Paper Scissors</a:t>
+            </a:r>
+          </a:p>
+          <a:p>
+            <a:r>
+              <a:rPr lang="en-US" dirty="0"/>
+              <a:t>Tic Tac Toe</a:t>
             </a:r>
           </a:p>
           <a:p>
             <a:pPr lvl="1"/>
-            <a:r>
-              <a:rPr lang="en-US" dirty="0"/>
-              <a:t>Minecraft</a:t>
-            </a:r>
-          </a:p>
-        </p:txBody>
-      </p:sp>
-      <p:pic>
-        <p:nvPicPr>
-          <p:cNvPr id="5" name="Picture 4">
-            <a:extLst>
-              <a:ext uri="{FF2B5EF4-FFF2-40B4-BE49-F238E27FC236}">
-                <a16:creationId xmlns:a16="http://schemas.microsoft.com/office/drawing/2014/main" id="{D50F5A8A-096D-376E-7A19-ED48CB01FB39}"/>
-              </a:ext>
-            </a:extLst>
-          </p:cNvPr>
-          <p:cNvPicPr>
-            <a:picLocks noChangeAspect="1"/>
-          </p:cNvPicPr>
-          <p:nvPr/>
-        </p:nvPicPr>
-        <p:blipFill>
-          <a:blip r:embed="rId2"/>
-          <a:stretch>
-            <a:fillRect/>
-          </a:stretch>
-        </p:blipFill>
-        <p:spPr>
-          <a:xfrm>
-            <a:off x="3149600" y="2046503"/>
-            <a:ext cx="8916035" cy="4644666"/>
-          </a:xfrm>
-          <a:prstGeom prst="rect">
-            <a:avLst/>
-          </a:prstGeom>
-        </p:spPr>
-      </p:pic>
+            <a:endParaRPr lang="en-US" dirty="0"/>
+          </a:p>
+        </p:txBody>
+      </p:sp>
     </p:spTree>
     <p:extLst>
       <p:ext uri="{BB962C8B-B14F-4D97-AF65-F5344CB8AC3E}">
-        <p14:creationId xmlns:p14="http://schemas.microsoft.com/office/powerpoint/2010/main" val="3985557349"/>
+        <p14:creationId xmlns:p14="http://schemas.microsoft.com/office/powerpoint/2010/main" val="1458746974"/>
       </p:ext>
     </p:extLst>
   </p:cSld>
@@ -3976,14 +3998,13 @@
           </a:bodyPr>
           <a:lstStyle/>
           <a:p>
-            <a:pPr algn="ctr"/>
             <a:r>
               <a:rPr lang="en-US" dirty="0">
                 <a:solidFill>
                   <a:srgbClr val="FFFFFF"/>
                 </a:solidFill>
               </a:rPr>
-              <a:t>C# Console Apps</a:t>
+              <a:t>Unity</a:t>
             </a:r>
           </a:p>
         </p:txBody>
@@ -4078,31 +4099,73 @@
           <a:lstStyle/>
           <a:p>
             <a:r>
+              <a:rPr lang="en-US" dirty="0"/>
+              <a:t>YouTube/</a:t>
+            </a:r>
+            <a:r>
               <a:rPr lang="en-US" dirty="0" err="1"/>
-              <a:t>MadLibs</a:t>
+              <a:t>Brackeys</a:t>
             </a:r>
             <a:endParaRPr lang="en-US" dirty="0"/>
           </a:p>
           <a:p>
             <a:r>
               <a:rPr lang="en-US" dirty="0"/>
-              <a:t>Guess a number</a:t>
-            </a:r>
+              <a:t>Cosmic Battle</a:t>
+            </a:r>
+          </a:p>
+          <a:p>
+            <a:pPr lvl="1"/>
+            <a:r>
+              <a:rPr lang="en-US" dirty="0">
+                <a:hlinkClick r:id="rId2"/>
+              </a:rPr>
+              <a:t>https://kevmoens.s3.amazonaws.com/CosmicBattle/index.html</a:t>
+            </a:r>
+            <a:endParaRPr lang="en-US" dirty="0"/>
           </a:p>
           <a:p>
             <a:r>
               <a:rPr lang="en-US" dirty="0"/>
-              <a:t>Rock Paper Scissors</a:t>
-            </a:r>
+              <a:t>Lego – Unity Tutorial</a:t>
+            </a:r>
+          </a:p>
+          <a:p>
+            <a:pPr lvl="1"/>
+            <a:r>
+              <a:rPr lang="en-US" dirty="0">
+                <a:hlinkClick r:id="rId3"/>
+              </a:rPr>
+              <a:t>https://kevmoens.s3.amazonaws.com/LegoSampleGame/index.html</a:t>
+            </a:r>
+            <a:endParaRPr lang="en-US" dirty="0"/>
           </a:p>
           <a:p>
             <a:r>
               <a:rPr lang="en-US" dirty="0"/>
-              <a:t>Tic Tac Toe</a:t>
+              <a:t>Matt Ramage – Green Bay Packers Podcaster</a:t>
             </a:r>
           </a:p>
           <a:p>
             <a:pPr lvl="1"/>
+            <a:r>
+              <a:rPr lang="en-US" dirty="0">
+                <a:hlinkClick r:id="rId4"/>
+              </a:rPr>
+              <a:t>Unity WebGL Player | </a:t>
+            </a:r>
+            <a:r>
+              <a:rPr lang="en-US" dirty="0" err="1">
+                <a:hlinkClick r:id="rId4"/>
+              </a:rPr>
+              <a:t>MattRamage</a:t>
+            </a:r>
+            <a:r>
+              <a:rPr lang="en-US" dirty="0">
+                <a:hlinkClick r:id="rId4"/>
+              </a:rPr>
+              <a:t> (kevmoens.s3.amazonaws.com)</a:t>
+            </a:r>
             <a:endParaRPr lang="en-US" dirty="0"/>
           </a:p>
         </p:txBody>
@@ -4110,7 +4173,7 @@
     </p:spTree>
     <p:extLst>
       <p:ext uri="{BB962C8B-B14F-4D97-AF65-F5344CB8AC3E}">
-        <p14:creationId xmlns:p14="http://schemas.microsoft.com/office/powerpoint/2010/main" val="1458746974"/>
+        <p14:creationId xmlns:p14="http://schemas.microsoft.com/office/powerpoint/2010/main" val="825674288"/>
       </p:ext>
     </p:extLst>
   </p:cSld>
@@ -4367,14 +4430,50 @@
           </a:bodyPr>
           <a:lstStyle/>
           <a:p>
+            <a:pPr algn="ctr"/>
             <a:r>
               <a:rPr lang="en-US" dirty="0">
                 <a:solidFill>
                   <a:srgbClr val="FFFFFF"/>
                 </a:solidFill>
               </a:rPr>
-              <a:t>Unity</a:t>
-            </a:r>
+              <a:t>HTML</a:t>
+            </a:r>
+            <a:br>
+              <a:rPr lang="en-US" dirty="0">
+                <a:solidFill>
+                  <a:srgbClr val="FFFFFF"/>
+                </a:solidFill>
+              </a:rPr>
+            </a:br>
+            <a:r>
+              <a:rPr lang="en-US" dirty="0">
+                <a:solidFill>
+                  <a:srgbClr val="FFFFFF"/>
+                </a:solidFill>
+              </a:rPr>
+              <a:t>Web</a:t>
+            </a:r>
+            <a:br>
+              <a:rPr lang="en-US" dirty="0">
+                <a:solidFill>
+                  <a:srgbClr val="FFFFFF"/>
+                </a:solidFill>
+              </a:rPr>
+            </a:br>
+            <a:r>
+              <a:rPr lang="en-US" dirty="0" err="1">
+                <a:solidFill>
+                  <a:srgbClr val="FFFFFF"/>
+                </a:solidFill>
+              </a:rPr>
+              <a:t>Blazor</a:t>
+            </a:r>
+            <a:endParaRPr lang="en-US" dirty="0">
+              <a:solidFill>
+                <a:srgbClr val="FFFFFF"/>
+              </a:solidFill>
+            </a:endParaRPr>
           </a:p>
         </p:txBody>
       </p:sp>
@@ -4469,71 +4568,38 @@
           <a:p>
             <a:r>
               <a:rPr lang="en-US" dirty="0"/>
-              <a:t>YouTube/</a:t>
-            </a:r>
+              <a:t>Free Code Camp</a:t>
+            </a:r>
+          </a:p>
+          <a:p>
+            <a:r>
+              <a:rPr lang="en-US" dirty="0"/>
+              <a:t>Flexbox Froggy</a:t>
+            </a:r>
+          </a:p>
+          <a:p>
+            <a:r>
+              <a:rPr lang="en-US" dirty="0"/>
+              <a:t>Grid Garden</a:t>
+            </a:r>
+          </a:p>
+          <a:p>
+            <a:r>
+              <a:rPr lang="en-US" dirty="0"/>
+              <a:t>Microsoft Learn</a:t>
+            </a:r>
+          </a:p>
+          <a:p>
+            <a:r>
+              <a:rPr lang="en-US" dirty="0"/>
+              <a:t>Tim Corey C# Challenge using GitHub OSS</a:t>
+            </a:r>
+          </a:p>
+          <a:p>
+            <a:pPr lvl="1"/>
             <a:r>
               <a:rPr lang="en-US" dirty="0" err="1"/>
-              <a:t>Brackeys</a:t>
-            </a:r>
-            <a:endParaRPr lang="en-US" dirty="0"/>
-          </a:p>
-          <a:p>
-            <a:r>
-              <a:rPr lang="en-US" dirty="0"/>
-              <a:t>Cosmic Battle</a:t>
-            </a:r>
-          </a:p>
-          <a:p>
-            <a:pPr lvl="1"/>
-            <a:r>
-              <a:rPr lang="en-US" dirty="0">
-                <a:hlinkClick r:id="rId2"/>
-              </a:rPr>
-              <a:t>https://kevmoens.s3.amazonaws.com/CosmicBattle/index.html</a:t>
-            </a:r>
-            <a:endParaRPr lang="en-US" dirty="0"/>
-          </a:p>
-          <a:p>
-            <a:r>
-              <a:rPr lang="en-US" dirty="0"/>
-              <a:t>Lego – Unity Tutorial</a:t>
-            </a:r>
-          </a:p>
-          <a:p>
-            <a:pPr lvl="1"/>
-            <a:r>
-              <a:rPr lang="en-US" dirty="0">
-                <a:hlinkClick r:id="rId3"/>
-              </a:rPr>
-              <a:t>https://kevmoens.s3.amazonaws.com/LegoSampleGame/index.html</a:t>
-            </a:r>
-            <a:endParaRPr lang="en-US" dirty="0"/>
-          </a:p>
-          <a:p>
-            <a:r>
-              <a:rPr lang="en-US" dirty="0"/>
-              <a:t>Matt Ramage – Green Bay Packers Podcaster</a:t>
-            </a:r>
-          </a:p>
-          <a:p>
-            <a:pPr lvl="1"/>
-            <a:r>
-              <a:rPr lang="en-US" dirty="0">
-                <a:hlinkClick r:id="rId4"/>
-              </a:rPr>
-              <a:t>Unity WebGL Player | </a:t>
-            </a:r>
-            <a:r>
-              <a:rPr lang="en-US" dirty="0" err="1">
-                <a:hlinkClick r:id="rId4"/>
-              </a:rPr>
-              <a:t>MattRamage</a:t>
-            </a:r>
-            <a:r>
-              <a:rPr lang="en-US" dirty="0">
-                <a:hlinkClick r:id="rId4"/>
-              </a:rPr>
-              <a:t> (kevmoens.s3.amazonaws.com)</a:t>
+              <a:t>Wuphf</a:t>
             </a:r>
             <a:endParaRPr lang="en-US" dirty="0"/>
           </a:p>
@@ -4542,7 +4608,7 @@
     </p:spTree>
     <p:extLst>
       <p:ext uri="{BB962C8B-B14F-4D97-AF65-F5344CB8AC3E}">
-        <p14:creationId xmlns:p14="http://schemas.microsoft.com/office/powerpoint/2010/main" val="825674288"/>
+        <p14:creationId xmlns:p14="http://schemas.microsoft.com/office/powerpoint/2010/main" val="1325740911"/>
       </p:ext>
     </p:extLst>
   </p:cSld>
@@ -4799,37 +4865,6 @@
           </a:bodyPr>
           <a:lstStyle/>
           <a:p>
-            <a:pPr algn="ctr"/>
-            <a:r>
-              <a:rPr lang="en-US" dirty="0">
-                <a:solidFill>
-                  <a:srgbClr val="FFFFFF"/>
-                </a:solidFill>
-              </a:rPr>
-              <a:t>HTML</a:t>
-            </a:r>
-            <a:br>
-              <a:rPr lang="en-US" dirty="0">
-                <a:solidFill>
-                  <a:srgbClr val="FFFFFF"/>
-                </a:solidFill>
-              </a:rPr>
-            </a:br>
-            <a:r>
-              <a:rPr lang="en-US" dirty="0">
-                <a:solidFill>
-                  <a:srgbClr val="FFFFFF"/>
-                </a:solidFill>
-              </a:rPr>
-              <a:t>Web</a:t>
-            </a:r>
-            <a:br>
-              <a:rPr lang="en-US" dirty="0">
-                <a:solidFill>
-                  <a:srgbClr val="FFFFFF"/>
-                </a:solidFill>
-              </a:rPr>
-            </a:br>
             <a:r>
               <a:rPr lang="en-US" dirty="0" err="1">
                 <a:solidFill>
@@ -4925,7 +4960,7 @@
         </p:nvSpPr>
         <p:spPr>
           <a:xfrm>
-            <a:off x="4447308" y="591344"/>
+            <a:off x="4447308" y="636190"/>
             <a:ext cx="6906491" cy="5585619"/>
           </a:xfrm>
         </p:spPr>
@@ -4935,49 +4970,64 @@
           </a:bodyPr>
           <a:lstStyle/>
           <a:p>
+            <a:pPr marL="0" indent="0" algn="ctr">
+              <a:buNone/>
+            </a:pPr>
+            <a:r>
+              <a:rPr lang="en-US" sz="3200" dirty="0"/>
+              <a:t>Projects</a:t>
+            </a:r>
+            <a:endParaRPr lang="en-US" dirty="0"/>
+          </a:p>
+          <a:p>
+            <a:r>
+              <a:rPr lang="en-US" dirty="0" err="1"/>
+              <a:t>Madlibs</a:t>
+            </a:r>
+            <a:endParaRPr lang="en-US" dirty="0"/>
+          </a:p>
+          <a:p>
             <a:r>
               <a:rPr lang="en-US" dirty="0"/>
-              <a:t>Free Code Camp</a:t>
+              <a:t>Hangman</a:t>
             </a:r>
           </a:p>
           <a:p>
             <a:r>
               <a:rPr lang="en-US" dirty="0"/>
-              <a:t>Flexbox Froggy</a:t>
+              <a:t>Jacks are Junk</a:t>
             </a:r>
           </a:p>
           <a:p>
             <a:r>
               <a:rPr lang="en-US" dirty="0"/>
-              <a:t>Grid Garden</a:t>
+              <a:t>Math Bingo</a:t>
             </a:r>
           </a:p>
           <a:p>
             <a:r>
               <a:rPr lang="en-US" dirty="0"/>
-              <a:t>Microsoft Learn</a:t>
+              <a:t>Ella School</a:t>
             </a:r>
           </a:p>
           <a:p>
             <a:r>
               <a:rPr lang="en-US" dirty="0"/>
-              <a:t>Tim Corey C# Challenge using GitHub OSS</a:t>
-            </a:r>
-          </a:p>
-          <a:p>
-            <a:pPr lvl="1"/>
-            <a:r>
-              <a:rPr lang="en-US" dirty="0" err="1"/>
-              <a:t>Wuphf</a:t>
-            </a:r>
-            <a:endParaRPr lang="en-US" dirty="0"/>
+              <a:t>Binary Puzzle Solver</a:t>
+            </a:r>
+          </a:p>
+          <a:p>
+            <a:r>
+              <a:rPr lang="en-US" dirty="0"/>
+              <a:t>Choose your own adventure</a:t>
+            </a:r>
           </a:p>
         </p:txBody>
       </p:sp>
     </p:spTree>
     <p:extLst>
       <p:ext uri="{BB962C8B-B14F-4D97-AF65-F5344CB8AC3E}">
-        <p14:creationId xmlns:p14="http://schemas.microsoft.com/office/powerpoint/2010/main" val="1325740911"/>
+        <p14:creationId xmlns:p14="http://schemas.microsoft.com/office/powerpoint/2010/main" val="4238399885"/>
       </p:ext>
     </p:extLst>
   </p:cSld>
@@ -5224,8 +5274,8 @@
         </p:nvSpPr>
         <p:spPr>
           <a:xfrm>
-            <a:off x="686834" y="1153572"/>
-            <a:ext cx="3200400" cy="4461163"/>
+            <a:off x="393701" y="1153572"/>
+            <a:ext cx="3493534" cy="4461163"/>
           </a:xfrm>
         </p:spPr>
         <p:txBody>
@@ -5234,19 +5284,30 @@
           </a:bodyPr>
           <a:lstStyle/>
           <a:p>
-            <a:r>
-              <a:rPr lang="en-US" dirty="0" err="1">
+            <a:pPr algn="ctr"/>
+            <a:r>
+              <a:rPr lang="en-US" dirty="0">
                 <a:solidFill>
                   <a:srgbClr val="FFFFFF"/>
                 </a:solidFill>
               </a:rPr>
-              <a:t>Blazor</a:t>
-            </a:r>
-            <a:endParaRPr lang="en-US" dirty="0">
-              <a:solidFill>
-                <a:srgbClr val="FFFFFF"/>
-              </a:solidFill>
-            </a:endParaRPr>
+              <a:t>Miscellaneous</a:t>
+            </a:r>
+            <a:br>
+              <a:rPr lang="en-US" dirty="0">
+                <a:solidFill>
+                  <a:srgbClr val="FFFFFF"/>
+                </a:solidFill>
+              </a:rPr>
+            </a:br>
+            <a:r>
+              <a:rPr lang="en-US" dirty="0">
+                <a:solidFill>
+                  <a:srgbClr val="FFFFFF"/>
+                </a:solidFill>
+              </a:rPr>
+              <a:t>Activities</a:t>
+            </a:r>
           </a:p>
         </p:txBody>
       </p:sp>
@@ -5329,7 +5390,7 @@
         </p:nvSpPr>
         <p:spPr>
           <a:xfrm>
-            <a:off x="4447308" y="636190"/>
+            <a:off x="4447308" y="591344"/>
             <a:ext cx="6906491" cy="5585619"/>
           </a:xfrm>
         </p:spPr>
@@ -5339,56 +5400,67 @@
           </a:bodyPr>
           <a:lstStyle/>
           <a:p>
-            <a:pPr marL="0" indent="0" algn="ctr">
-              <a:buNone/>
-            </a:pPr>
-            <a:r>
-              <a:rPr lang="en-US" sz="3200" dirty="0"/>
-              <a:t>Projects</a:t>
-            </a:r>
-            <a:endParaRPr lang="en-US" dirty="0"/>
+            <a:r>
+              <a:rPr lang="en-US" dirty="0"/>
+              <a:t>Science Fair</a:t>
+            </a:r>
+          </a:p>
+          <a:p>
+            <a:pPr lvl="1"/>
+            <a:r>
+              <a:rPr lang="en-US" dirty="0"/>
+              <a:t>Fidget Spinner, spin counter (Arduino)</a:t>
+            </a:r>
+          </a:p>
+          <a:p>
+            <a:pPr lvl="1"/>
+            <a:r>
+              <a:rPr lang="en-US" dirty="0"/>
+              <a:t>360 Photobooth (Raspberry Pi)</a:t>
+            </a:r>
+          </a:p>
+          <a:p>
+            <a:r>
+              <a:rPr lang="en-US" dirty="0"/>
+              <a:t>Remote Control Car (Raspberry Pi + Xbox controller)</a:t>
+            </a:r>
           </a:p>
           <a:p>
             <a:r>
               <a:rPr lang="en-US" dirty="0" err="1"/>
-              <a:t>Madlibs</a:t>
-            </a:r>
-            <a:endParaRPr lang="en-US" dirty="0"/>
-          </a:p>
-          <a:p>
+              <a:t>MakerBlock</a:t>
+            </a:r>
             <a:r>
               <a:rPr lang="en-US" dirty="0"/>
-              <a:t>Hangman</a:t>
-            </a:r>
-          </a:p>
-          <a:p>
+              <a:t> – </a:t>
+            </a:r>
+            <a:r>
+              <a:rPr lang="en-US" dirty="0" err="1"/>
+              <a:t>NextMaker</a:t>
+            </a:r>
             <a:r>
               <a:rPr lang="en-US" dirty="0"/>
-              <a:t>Jacks are Junk</a:t>
+              <a:t> subscription kit</a:t>
             </a:r>
           </a:p>
           <a:p>
             <a:r>
               <a:rPr lang="en-US" dirty="0"/>
-              <a:t>Math Bingo</a:t>
+              <a:t>Kiwi Co – Tinker Crate subscription box</a:t>
             </a:r>
           </a:p>
           <a:p>
             <a:r>
               <a:rPr lang="en-US" dirty="0"/>
-              <a:t>Ella School</a:t>
-            </a:r>
-          </a:p>
-          <a:p>
+              <a:t>Crunch Labs – Subscription Box (Mark </a:t>
+            </a:r>
+            <a:r>
+              <a:rPr lang="en-US" dirty="0" err="1"/>
+              <a:t>Rober</a:t>
+            </a:r>
             <a:r>
               <a:rPr lang="en-US" dirty="0"/>
-              <a:t>Binary Puzzle Solver</a:t>
-            </a:r>
-          </a:p>
-          <a:p>
-            <a:r>
-              <a:rPr lang="en-US" dirty="0"/>
-              <a:t>Choose your own adventure</a:t>
+              <a:t>)</a:t>
             </a:r>
           </a:p>
         </p:txBody>
@@ -5396,7 +5468,7 @@
     </p:spTree>
     <p:extLst>
       <p:ext uri="{BB962C8B-B14F-4D97-AF65-F5344CB8AC3E}">
-        <p14:creationId xmlns:p14="http://schemas.microsoft.com/office/powerpoint/2010/main" val="4238399885"/>
+        <p14:creationId xmlns:p14="http://schemas.microsoft.com/office/powerpoint/2010/main" val="2540307265"/>
       </p:ext>
     </p:extLst>
   </p:cSld>
@@ -5643,8 +5715,8 @@
         </p:nvSpPr>
         <p:spPr>
           <a:xfrm>
-            <a:off x="393701" y="1153572"/>
-            <a:ext cx="3493534" cy="4461163"/>
+            <a:off x="686834" y="1153572"/>
+            <a:ext cx="3200400" cy="4461163"/>
           </a:xfrm>
         </p:spPr>
         <p:txBody>
@@ -5653,29 +5725,13 @@
           </a:bodyPr>
           <a:lstStyle/>
           <a:p>
-            <a:pPr algn="ctr"/>
             <a:r>
               <a:rPr lang="en-US" dirty="0">
                 <a:solidFill>
                   <a:srgbClr val="FFFFFF"/>
                 </a:solidFill>
               </a:rPr>
-              <a:t>Miscellaneous</a:t>
-            </a:r>
-            <a:br>
-              <a:rPr lang="en-US" dirty="0">
-                <a:solidFill>
-                  <a:srgbClr val="FFFFFF"/>
-                </a:solidFill>
-              </a:rPr>
-            </a:br>
-            <a:r>
-              <a:rPr lang="en-US" dirty="0">
-                <a:solidFill>
-                  <a:srgbClr val="FFFFFF"/>
-                </a:solidFill>
-              </a:rPr>
-              <a:t>Activities</a:t>
+              <a:t>Events</a:t>
             </a:r>
           </a:p>
         </p:txBody>
@@ -5771,65 +5827,59 @@
           <a:p>
             <a:r>
               <a:rPr lang="en-US" dirty="0"/>
-              <a:t>Science Fair</a:t>
+              <a:t>Hack4Kids </a:t>
             </a:r>
           </a:p>
           <a:p>
             <a:pPr lvl="1"/>
             <a:r>
               <a:rPr lang="en-US" dirty="0"/>
-              <a:t>Fidget Spinner, spin counter (Arduino)</a:t>
+              <a:t>Milwaukee 4-30-2022</a:t>
             </a:r>
           </a:p>
           <a:p>
             <a:pPr lvl="1"/>
             <a:r>
               <a:rPr lang="en-US" dirty="0"/>
-              <a:t>360 Photobooth (Raspberry Pi)</a:t>
+              <a:t>Chicago 9-17-2022</a:t>
             </a:r>
           </a:p>
           <a:p>
             <a:r>
               <a:rPr lang="en-US" dirty="0"/>
-              <a:t>Remote Control Car (Raspberry Pi + Xbox controller)</a:t>
-            </a:r>
-          </a:p>
-          <a:p>
-            <a:r>
-              <a:rPr lang="en-US" dirty="0" err="1"/>
-              <a:t>MakerBlock</a:t>
-            </a:r>
+              <a:t>Hour of Code (Green Bay - NWTC)</a:t>
+            </a:r>
+          </a:p>
+          <a:p>
+            <a:pPr lvl="1"/>
             <a:r>
               <a:rPr lang="en-US" dirty="0"/>
-              <a:t> – </a:t>
-            </a:r>
-            <a:r>
-              <a:rPr lang="en-US" dirty="0" err="1"/>
-              <a:t>NextMaker</a:t>
-            </a:r>
+              <a:t>Week of December 9th </a:t>
+            </a:r>
+          </a:p>
+          <a:p>
             <a:r>
               <a:rPr lang="en-US" dirty="0"/>
-              <a:t> subscription kit</a:t>
+              <a:t>That Conference (Wisconsin Dells)</a:t>
             </a:r>
           </a:p>
           <a:p>
             <a:r>
               <a:rPr lang="en-US" dirty="0"/>
-              <a:t>Kiwi Co – Tinker Crate subscription box</a:t>
-            </a:r>
-          </a:p>
-          <a:p>
+              <a:t>AWS Summit</a:t>
+            </a:r>
+          </a:p>
+          <a:p>
+            <a:pPr lvl="1"/>
             <a:r>
               <a:rPr lang="en-US" dirty="0"/>
-              <a:t>Crunch Labs – Subscription Box (Mark </a:t>
-            </a:r>
-            <a:r>
-              <a:rPr lang="en-US" dirty="0" err="1"/>
-              <a:t>Rober</a:t>
-            </a:r>
+              <a:t>Chicago 8-25-2022</a:t>
+            </a:r>
+          </a:p>
+          <a:p>
             <a:r>
               <a:rPr lang="en-US" dirty="0"/>
-              <a:t>)</a:t>
+              <a:t>Hackathons (Chicago)</a:t>
             </a:r>
           </a:p>
         </p:txBody>
@@ -5837,7 +5887,7 @@
     </p:spTree>
     <p:extLst>
       <p:ext uri="{BB962C8B-B14F-4D97-AF65-F5344CB8AC3E}">
-        <p14:creationId xmlns:p14="http://schemas.microsoft.com/office/powerpoint/2010/main" val="2540307265"/>
+        <p14:creationId xmlns:p14="http://schemas.microsoft.com/office/powerpoint/2010/main" val="2514425548"/>
       </p:ext>
     </p:extLst>
   </p:cSld>
@@ -5848,6 +5898,428 @@
 </file>
 
 <file path=ppt/slides/slide16.xml><?xml version="1.0" encoding="utf-8"?>
+<p:sld xmlns:a="http://schemas.openxmlformats.org/drawingml/2006/main" xmlns:r="http://schemas.openxmlformats.org/officeDocument/2006/relationships" xmlns:p="http://schemas.openxmlformats.org/presentationml/2006/main">
+  <p:cSld>
+    <p:bg>
+      <p:bgPr>
+        <a:solidFill>
+          <a:schemeClr val="bg1"/>
+        </a:solidFill>
+        <a:effectLst/>
+      </p:bgPr>
+    </p:bg>
+    <p:spTree>
+      <p:nvGrpSpPr>
+        <p:cNvPr id="1" name=""/>
+        <p:cNvGrpSpPr/>
+        <p:nvPr/>
+      </p:nvGrpSpPr>
+      <p:grpSpPr>
+        <a:xfrm>
+          <a:off x="0" y="0"/>
+          <a:ext cx="0" cy="0"/>
+          <a:chOff x="0" y="0"/>
+          <a:chExt cx="0" cy="0"/>
+        </a:xfrm>
+      </p:grpSpPr>
+      <p:sp useBgFill="1">
+        <p:nvSpPr>
+          <p:cNvPr id="8" name="Rectangle 7">
+            <a:extLst>
+              <a:ext uri="{FF2B5EF4-FFF2-40B4-BE49-F238E27FC236}">
+                <a16:creationId xmlns:a16="http://schemas.microsoft.com/office/drawing/2014/main" id="{DAF1966E-FD40-4A4A-B61B-C4DF7FA05F06}"/>
+              </a:ext>
+              <a:ext uri="{C183D7F6-B498-43B3-948B-1728B52AA6E4}">
+                <adec:decorative xmlns:adec="http://schemas.microsoft.com/office/drawing/2017/decorative" val="1"/>
+              </a:ext>
+            </a:extLst>
+          </p:cNvPr>
+          <p:cNvSpPr>
+            <a:spLocks noGrp="1" noRot="1" noChangeAspect="1" noMove="1" noResize="1" noEditPoints="1" noAdjustHandles="1" noChangeArrowheads="1" noChangeShapeType="1" noTextEdit="1"/>
+          </p:cNvSpPr>
+          <p:nvPr>
+            <p:extLst>
+              <p:ext uri="{386F3935-93C4-4BCD-93E2-E3B085C9AB24}">
+                <p16:designElem xmlns:p16="http://schemas.microsoft.com/office/powerpoint/2015/main" val="1"/>
+              </p:ext>
+            </p:extLst>
+          </p:nvPr>
+        </p:nvSpPr>
+        <p:spPr>
+          <a:xfrm>
+            <a:off x="0" y="0"/>
+            <a:ext cx="12192000" cy="6858000"/>
+          </a:xfrm>
+          <a:prstGeom prst="rect">
+            <a:avLst/>
+          </a:prstGeom>
+          <a:ln>
+            <a:noFill/>
+          </a:ln>
+        </p:spPr>
+        <p:style>
+          <a:lnRef idx="2">
+            <a:schemeClr val="accent1">
+              <a:shade val="50000"/>
+            </a:schemeClr>
+          </a:lnRef>
+          <a:fillRef idx="1">
+            <a:schemeClr val="accent1"/>
+          </a:fillRef>
+          <a:effectRef idx="0">
+            <a:schemeClr val="accent1"/>
+          </a:effectRef>
+          <a:fontRef idx="minor">
+            <a:schemeClr val="lt1"/>
+          </a:fontRef>
+        </p:style>
+        <p:txBody>
+          <a:bodyPr rtlCol="0" anchor="ctr"/>
+          <a:lstStyle/>
+          <a:p>
+            <a:pPr algn="ctr"/>
+            <a:endParaRPr lang="en-US"/>
+          </a:p>
+        </p:txBody>
+      </p:sp>
+      <p:sp useBgFill="1">
+        <p:nvSpPr>
+          <p:cNvPr id="10" name="Rectangle 9">
+            <a:extLst>
+              <a:ext uri="{FF2B5EF4-FFF2-40B4-BE49-F238E27FC236}">
+                <a16:creationId xmlns:a16="http://schemas.microsoft.com/office/drawing/2014/main" id="{047BFA19-D45E-416B-A404-7AF2F3F27017}"/>
+              </a:ext>
+              <a:ext uri="{C183D7F6-B498-43B3-948B-1728B52AA6E4}">
+                <adec:decorative xmlns:adec="http://schemas.microsoft.com/office/drawing/2017/decorative" val="1"/>
+              </a:ext>
+            </a:extLst>
+          </p:cNvPr>
+          <p:cNvSpPr>
+            <a:spLocks noGrp="1" noRot="1" noChangeAspect="1" noMove="1" noResize="1" noEditPoints="1" noAdjustHandles="1" noChangeArrowheads="1" noChangeShapeType="1" noTextEdit="1"/>
+          </p:cNvSpPr>
+          <p:nvPr>
+            <p:extLst>
+              <p:ext uri="{386F3935-93C4-4BCD-93E2-E3B085C9AB24}">
+                <p16:designElem xmlns:p16="http://schemas.microsoft.com/office/powerpoint/2015/main" val="1"/>
+              </p:ext>
+            </p:extLst>
+          </p:nvPr>
+        </p:nvSpPr>
+        <p:spPr>
+          <a:xfrm>
+            <a:off x="558209" y="0"/>
+            <a:ext cx="11167447" cy="2018806"/>
+          </a:xfrm>
+          <a:prstGeom prst="rect">
+            <a:avLst/>
+          </a:prstGeom>
+          <a:ln w="9525">
+            <a:solidFill>
+              <a:srgbClr val="E1E1E1"/>
+            </a:solidFill>
+          </a:ln>
+          <a:effectLst>
+            <a:outerShdw blurRad="50800" dist="38100" dir="2700000" algn="tl" rotWithShape="0">
+              <a:schemeClr val="bg1">
+                <a:lumMod val="85000"/>
+                <a:alpha val="50000"/>
+              </a:schemeClr>
+            </a:outerShdw>
+          </a:effectLst>
+        </p:spPr>
+        <p:style>
+          <a:lnRef idx="2">
+            <a:schemeClr val="accent1">
+              <a:shade val="50000"/>
+            </a:schemeClr>
+          </a:lnRef>
+          <a:fillRef idx="1">
+            <a:schemeClr val="accent1"/>
+          </a:fillRef>
+          <a:effectRef idx="0">
+            <a:schemeClr val="accent1"/>
+          </a:effectRef>
+          <a:fontRef idx="minor">
+            <a:schemeClr val="lt1"/>
+          </a:fontRef>
+        </p:style>
+        <p:txBody>
+          <a:bodyPr rtlCol="0" anchor="ctr"/>
+          <a:lstStyle/>
+          <a:p>
+            <a:pPr marL="0" marR="0" lvl="0" indent="0" algn="ctr" defTabSz="914400" rtl="0" eaLnBrk="1" fontAlgn="auto" latinLnBrk="0" hangingPunct="1">
+              <a:lnSpc>
+                <a:spcPct val="100000"/>
+              </a:lnSpc>
+              <a:spcBef>
+                <a:spcPts val="0"/>
+              </a:spcBef>
+              <a:spcAft>
+                <a:spcPts val="0"/>
+              </a:spcAft>
+              <a:buClrTx/>
+              <a:buSzTx/>
+              <a:buFontTx/>
+              <a:buNone/>
+              <a:tabLst/>
+              <a:defRPr/>
+            </a:pPr>
+            <a:endParaRPr kumimoji="0" lang="en-US" sz="1800" b="0" i="0" u="none" strike="noStrike" kern="1200" cap="none" spc="0" normalizeH="0" baseline="0" noProof="0">
+              <a:ln>
+                <a:noFill/>
+              </a:ln>
+              <a:solidFill>
+                <a:prstClr val="white"/>
+              </a:solidFill>
+              <a:effectLst/>
+              <a:uLnTx/>
+              <a:uFillTx/>
+              <a:latin typeface="Calibri" panose="020F0502020204030204"/>
+              <a:ea typeface="+mn-ea"/>
+              <a:cs typeface="+mn-cs"/>
+            </a:endParaRPr>
+          </a:p>
+        </p:txBody>
+      </p:sp>
+      <p:sp useBgFill="1">
+        <p:nvSpPr>
+          <p:cNvPr id="12" name="Rectangle 11">
+            <a:extLst>
+              <a:ext uri="{FF2B5EF4-FFF2-40B4-BE49-F238E27FC236}">
+                <a16:creationId xmlns:a16="http://schemas.microsoft.com/office/drawing/2014/main" id="{8E0105E7-23DB-4CF2-8258-FF47C7620F6E}"/>
+              </a:ext>
+              <a:ext uri="{C183D7F6-B498-43B3-948B-1728B52AA6E4}">
+                <adec:decorative xmlns:adec="http://schemas.microsoft.com/office/drawing/2017/decorative" val="1"/>
+              </a:ext>
+            </a:extLst>
+          </p:cNvPr>
+          <p:cNvSpPr>
+            <a:spLocks noGrp="1" noRot="1" noChangeAspect="1" noMove="1" noResize="1" noEditPoints="1" noAdjustHandles="1" noChangeArrowheads="1" noChangeShapeType="1" noTextEdit="1"/>
+          </p:cNvSpPr>
+          <p:nvPr>
+            <p:extLst>
+              <p:ext uri="{386F3935-93C4-4BCD-93E2-E3B085C9AB24}">
+                <p16:designElem xmlns:p16="http://schemas.microsoft.com/office/powerpoint/2015/main" val="1"/>
+              </p:ext>
+            </p:extLst>
+          </p:nvPr>
+        </p:nvSpPr>
+        <p:spPr>
+          <a:xfrm>
+            <a:off x="566928" y="0"/>
+            <a:ext cx="11155680" cy="2011680"/>
+          </a:xfrm>
+          <a:prstGeom prst="rect">
+            <a:avLst/>
+          </a:prstGeom>
+          <a:ln w="9525">
+            <a:noFill/>
+          </a:ln>
+          <a:effectLst/>
+        </p:spPr>
+        <p:style>
+          <a:lnRef idx="2">
+            <a:schemeClr val="accent1">
+              <a:shade val="50000"/>
+            </a:schemeClr>
+          </a:lnRef>
+          <a:fillRef idx="1">
+            <a:schemeClr val="accent1"/>
+          </a:fillRef>
+          <a:effectRef idx="0">
+            <a:schemeClr val="accent1"/>
+          </a:effectRef>
+          <a:fontRef idx="minor">
+            <a:schemeClr val="lt1"/>
+          </a:fontRef>
+        </p:style>
+        <p:txBody>
+          <a:bodyPr rtlCol="0" anchor="ctr"/>
+          <a:lstStyle/>
+          <a:p>
+            <a:pPr marL="0" marR="0" lvl="0" indent="0" algn="ctr" defTabSz="914400" rtl="0" eaLnBrk="1" fontAlgn="auto" latinLnBrk="0" hangingPunct="1">
+              <a:lnSpc>
+                <a:spcPct val="100000"/>
+              </a:lnSpc>
+              <a:spcBef>
+                <a:spcPts val="0"/>
+              </a:spcBef>
+              <a:spcAft>
+                <a:spcPts val="0"/>
+              </a:spcAft>
+              <a:buClrTx/>
+              <a:buSzTx/>
+              <a:buFontTx/>
+              <a:buNone/>
+              <a:tabLst/>
+              <a:defRPr/>
+            </a:pPr>
+            <a:endParaRPr kumimoji="0" lang="en-US" sz="1800" b="0" i="0" u="none" strike="noStrike" kern="1200" cap="none" spc="0" normalizeH="0" baseline="0" noProof="0">
+              <a:ln>
+                <a:noFill/>
+              </a:ln>
+              <a:solidFill>
+                <a:prstClr val="white"/>
+              </a:solidFill>
+              <a:effectLst/>
+              <a:uLnTx/>
+              <a:uFillTx/>
+              <a:latin typeface="Calibri" panose="020F0502020204030204"/>
+              <a:ea typeface="+mn-ea"/>
+              <a:cs typeface="+mn-cs"/>
+            </a:endParaRPr>
+          </a:p>
+        </p:txBody>
+      </p:sp>
+      <p:sp>
+        <p:nvSpPr>
+          <p:cNvPr id="2" name="Title 1">
+            <a:extLst>
+              <a:ext uri="{FF2B5EF4-FFF2-40B4-BE49-F238E27FC236}">
+                <a16:creationId xmlns:a16="http://schemas.microsoft.com/office/drawing/2014/main" id="{82CF4B60-062A-25CD-E448-6C8255EEF9CC}"/>
+              </a:ext>
+            </a:extLst>
+          </p:cNvPr>
+          <p:cNvSpPr>
+            <a:spLocks noGrp="1"/>
+          </p:cNvSpPr>
+          <p:nvPr>
+            <p:ph type="title"/>
+          </p:nvPr>
+        </p:nvSpPr>
+        <p:spPr>
+          <a:xfrm>
+            <a:off x="1115568" y="548640"/>
+            <a:ext cx="10168128" cy="1179576"/>
+          </a:xfrm>
+        </p:spPr>
+        <p:txBody>
+          <a:bodyPr>
+            <a:normAutofit/>
+          </a:bodyPr>
+          <a:lstStyle/>
+          <a:p>
+            <a:r>
+              <a:rPr lang="en-US" sz="4800" dirty="0"/>
+              <a:t>How to code with Kids</a:t>
+            </a:r>
+          </a:p>
+        </p:txBody>
+      </p:sp>
+      <p:sp>
+        <p:nvSpPr>
+          <p:cNvPr id="14" name="Rectangle 13">
+            <a:extLst>
+              <a:ext uri="{FF2B5EF4-FFF2-40B4-BE49-F238E27FC236}">
+                <a16:creationId xmlns:a16="http://schemas.microsoft.com/office/drawing/2014/main" id="{074B4F7D-14B2-478B-8BF5-01E4E0C5D263}"/>
+              </a:ext>
+              <a:ext uri="{C183D7F6-B498-43B3-948B-1728B52AA6E4}">
+                <adec:decorative xmlns:adec="http://schemas.microsoft.com/office/drawing/2017/decorative" val="1"/>
+              </a:ext>
+            </a:extLst>
+          </p:cNvPr>
+          <p:cNvSpPr>
+            <a:spLocks noGrp="1" noRot="1" noChangeAspect="1" noMove="1" noResize="1" noEditPoints="1" noAdjustHandles="1" noChangeArrowheads="1" noChangeShapeType="1" noTextEdit="1"/>
+          </p:cNvSpPr>
+          <p:nvPr>
+            <p:extLst>
+              <p:ext uri="{386F3935-93C4-4BCD-93E2-E3B085C9AB24}">
+                <p16:designElem xmlns:p16="http://schemas.microsoft.com/office/powerpoint/2015/main" val="1"/>
+              </p:ext>
+            </p:extLst>
+          </p:nvPr>
+        </p:nvSpPr>
+        <p:spPr>
+          <a:xfrm>
+            <a:off x="498834" y="758952"/>
+            <a:ext cx="128016" cy="704088"/>
+          </a:xfrm>
+          <a:prstGeom prst="rect">
+            <a:avLst/>
+          </a:prstGeom>
+          <a:solidFill>
+            <a:schemeClr val="accent2"/>
+          </a:solidFill>
+          <a:ln>
+            <a:noFill/>
+          </a:ln>
+        </p:spPr>
+        <p:style>
+          <a:lnRef idx="2">
+            <a:schemeClr val="accent1">
+              <a:shade val="50000"/>
+            </a:schemeClr>
+          </a:lnRef>
+          <a:fillRef idx="1">
+            <a:schemeClr val="accent1"/>
+          </a:fillRef>
+          <a:effectRef idx="0">
+            <a:schemeClr val="accent1"/>
+          </a:effectRef>
+          <a:fontRef idx="minor">
+            <a:schemeClr val="lt1"/>
+          </a:fontRef>
+        </p:style>
+        <p:txBody>
+          <a:bodyPr rtlCol="0" anchor="ctr"/>
+          <a:lstStyle/>
+          <a:p>
+            <a:pPr algn="ctr"/>
+            <a:endParaRPr lang="en-US">
+              <a:solidFill>
+                <a:prstClr val="white"/>
+              </a:solidFill>
+              <a:latin typeface="Calibri" panose="020F0502020204030204"/>
+            </a:endParaRPr>
+          </a:p>
+        </p:txBody>
+      </p:sp>
+      <p:sp>
+        <p:nvSpPr>
+          <p:cNvPr id="3" name="Content Placeholder 2">
+            <a:extLst>
+              <a:ext uri="{FF2B5EF4-FFF2-40B4-BE49-F238E27FC236}">
+                <a16:creationId xmlns:a16="http://schemas.microsoft.com/office/drawing/2014/main" id="{E43BD06B-906D-5C9C-E517-52B27F705E94}"/>
+              </a:ext>
+            </a:extLst>
+          </p:cNvPr>
+          <p:cNvSpPr>
+            <a:spLocks noGrp="1"/>
+          </p:cNvSpPr>
+          <p:nvPr>
+            <p:ph idx="1"/>
+          </p:nvPr>
+        </p:nvSpPr>
+        <p:spPr>
+          <a:xfrm>
+            <a:off x="1992884" y="2560320"/>
+            <a:ext cx="8206232" cy="3695020"/>
+          </a:xfrm>
+        </p:spPr>
+        <p:txBody>
+          <a:bodyPr>
+            <a:normAutofit/>
+          </a:bodyPr>
+          <a:lstStyle/>
+          <a:p>
+            <a:endParaRPr lang="en-US" dirty="0"/>
+          </a:p>
+        </p:txBody>
+      </p:sp>
+    </p:spTree>
+    <p:extLst>
+      <p:ext uri="{BB962C8B-B14F-4D97-AF65-F5344CB8AC3E}">
+        <p14:creationId xmlns:p14="http://schemas.microsoft.com/office/powerpoint/2010/main" val="1238118240"/>
+      </p:ext>
+    </p:extLst>
+  </p:cSld>
+  <p:clrMapOvr>
+    <a:masterClrMapping/>
+  </p:clrMapOvr>
+</p:sld>
+</file>
+
+<file path=ppt/slides/slide17.xml><?xml version="1.0" encoding="utf-8"?>
 <p:sld xmlns:a="http://schemas.openxmlformats.org/drawingml/2006/main" xmlns:r="http://schemas.openxmlformats.org/officeDocument/2006/relationships" xmlns:p="http://schemas.openxmlformats.org/presentationml/2006/main">
   <p:cSld>
     <p:bg>
@@ -6100,7 +6572,7 @@
                   <a:srgbClr val="FFFFFF"/>
                 </a:solidFill>
               </a:rPr>
-              <a:t>Events</a:t>
+              <a:t>Code with Kids</a:t>
             </a:r>
           </a:p>
         </p:txBody>
@@ -6194,41 +6666,14 @@
           </a:bodyPr>
           <a:lstStyle/>
           <a:p>
-            <a:r>
-              <a:rPr lang="en-US" dirty="0"/>
-              <a:t>Hack4Kids (Milwaukee)</a:t>
-            </a:r>
-          </a:p>
-          <a:p>
-            <a:r>
-              <a:rPr lang="en-US" dirty="0"/>
-              <a:t>Hour of Code (NWTC) </a:t>
-            </a:r>
-          </a:p>
-          <a:p>
-            <a:r>
-              <a:rPr lang="en-US" dirty="0"/>
-              <a:t>That Conference (Wisconsin Dells)</a:t>
-            </a:r>
-          </a:p>
-          <a:p>
-            <a:r>
-              <a:rPr lang="en-US" dirty="0"/>
-              <a:t>AWS Summit (Chicago)</a:t>
-            </a:r>
-          </a:p>
-          <a:p>
-            <a:r>
-              <a:rPr lang="en-US" dirty="0"/>
-              <a:t>Hackathons (Chicago)</a:t>
-            </a:r>
+            <a:endParaRPr lang="en-US" dirty="0"/>
           </a:p>
         </p:txBody>
       </p:sp>
     </p:spTree>
     <p:extLst>
       <p:ext uri="{BB962C8B-B14F-4D97-AF65-F5344CB8AC3E}">
-        <p14:creationId xmlns:p14="http://schemas.microsoft.com/office/powerpoint/2010/main" val="2514425548"/>
+        <p14:creationId xmlns:p14="http://schemas.microsoft.com/office/powerpoint/2010/main" val="2688603832"/>
       </p:ext>
     </p:extLst>
   </p:cSld>
@@ -6238,430 +6683,7 @@
 </p:sld>
 </file>
 
-<file path=ppt/slides/slide17.xml><?xml version="1.0" encoding="utf-8"?>
-<p:sld xmlns:a="http://schemas.openxmlformats.org/drawingml/2006/main" xmlns:r="http://schemas.openxmlformats.org/officeDocument/2006/relationships" xmlns:p="http://schemas.openxmlformats.org/presentationml/2006/main">
-  <p:cSld>
-    <p:spTree>
-      <p:nvGrpSpPr>
-        <p:cNvPr id="1" name=""/>
-        <p:cNvGrpSpPr/>
-        <p:nvPr/>
-      </p:nvGrpSpPr>
-      <p:grpSpPr>
-        <a:xfrm>
-          <a:off x="0" y="0"/>
-          <a:ext cx="0" cy="0"/>
-          <a:chOff x="0" y="0"/>
-          <a:chExt cx="0" cy="0"/>
-        </a:xfrm>
-      </p:grpSpPr>
-      <p:sp>
-        <p:nvSpPr>
-          <p:cNvPr id="2" name="Title 1">
-            <a:extLst>
-              <a:ext uri="{FF2B5EF4-FFF2-40B4-BE49-F238E27FC236}">
-                <a16:creationId xmlns:a16="http://schemas.microsoft.com/office/drawing/2014/main" id="{8AC341B6-BBCC-3905-A25B-CDE75303015C}"/>
-              </a:ext>
-            </a:extLst>
-          </p:cNvPr>
-          <p:cNvSpPr>
-            <a:spLocks noGrp="1"/>
-          </p:cNvSpPr>
-          <p:nvPr>
-            <p:ph type="title"/>
-          </p:nvPr>
-        </p:nvSpPr>
-        <p:spPr/>
-        <p:txBody>
-          <a:bodyPr/>
-          <a:lstStyle/>
-          <a:p>
-            <a:endParaRPr lang="en-US"/>
-          </a:p>
-        </p:txBody>
-      </p:sp>
-      <p:pic>
-        <p:nvPicPr>
-          <p:cNvPr id="4" name="Picture 4">
-            <a:extLst>
-              <a:ext uri="{FF2B5EF4-FFF2-40B4-BE49-F238E27FC236}">
-                <a16:creationId xmlns:a16="http://schemas.microsoft.com/office/drawing/2014/main" id="{6D147A27-89D4-0FD9-EB5C-7E04A3B37D25}"/>
-              </a:ext>
-            </a:extLst>
-          </p:cNvPr>
-          <p:cNvPicPr>
-            <a:picLocks noGrp="1" noChangeAspect="1"/>
-          </p:cNvPicPr>
-          <p:nvPr>
-            <p:ph idx="1"/>
-          </p:nvPr>
-        </p:nvPicPr>
-        <p:blipFill>
-          <a:blip r:embed="rId2"/>
-          <a:stretch>
-            <a:fillRect/>
-          </a:stretch>
-        </p:blipFill>
-        <p:spPr>
-          <a:xfrm>
-            <a:off x="9607316" y="2189816"/>
-            <a:ext cx="1841221" cy="1841221"/>
-          </a:xfrm>
-        </p:spPr>
-      </p:pic>
-      <p:pic>
-        <p:nvPicPr>
-          <p:cNvPr id="5" name="Picture 5">
-            <a:extLst>
-              <a:ext uri="{FF2B5EF4-FFF2-40B4-BE49-F238E27FC236}">
-                <a16:creationId xmlns:a16="http://schemas.microsoft.com/office/drawing/2014/main" id="{EADA5EA7-7D0E-B9AC-89E5-A3FBA215B831}"/>
-              </a:ext>
-            </a:extLst>
-          </p:cNvPr>
-          <p:cNvPicPr>
-            <a:picLocks noChangeAspect="1"/>
-          </p:cNvPicPr>
-          <p:nvPr/>
-        </p:nvPicPr>
-        <p:blipFill>
-          <a:blip r:embed="rId3"/>
-          <a:stretch>
-            <a:fillRect/>
-          </a:stretch>
-        </p:blipFill>
-        <p:spPr>
-          <a:xfrm>
-            <a:off x="7368988" y="1990165"/>
-            <a:ext cx="2233333" cy="2233333"/>
-          </a:xfrm>
-          <a:prstGeom prst="rect">
-            <a:avLst/>
-          </a:prstGeom>
-        </p:spPr>
-      </p:pic>
-      <p:pic>
-        <p:nvPicPr>
-          <p:cNvPr id="6" name="Picture 6">
-            <a:extLst>
-              <a:ext uri="{FF2B5EF4-FFF2-40B4-BE49-F238E27FC236}">
-                <a16:creationId xmlns:a16="http://schemas.microsoft.com/office/drawing/2014/main" id="{718EA3EF-C6ED-050C-3174-06FC2EFC23AE}"/>
-              </a:ext>
-            </a:extLst>
-          </p:cNvPr>
-          <p:cNvPicPr>
-            <a:picLocks noChangeAspect="1"/>
-          </p:cNvPicPr>
-          <p:nvPr/>
-        </p:nvPicPr>
-        <p:blipFill>
-          <a:blip r:embed="rId4"/>
-          <a:stretch>
-            <a:fillRect/>
-          </a:stretch>
-        </p:blipFill>
-        <p:spPr>
-          <a:xfrm>
-            <a:off x="4724400" y="2057400"/>
-            <a:ext cx="1964392" cy="1964392"/>
-          </a:xfrm>
-          <a:prstGeom prst="rect">
-            <a:avLst/>
-          </a:prstGeom>
-        </p:spPr>
-      </p:pic>
-      <p:pic>
-        <p:nvPicPr>
-          <p:cNvPr id="7" name="Picture 7">
-            <a:extLst>
-              <a:ext uri="{FF2B5EF4-FFF2-40B4-BE49-F238E27FC236}">
-                <a16:creationId xmlns:a16="http://schemas.microsoft.com/office/drawing/2014/main" id="{BF26A862-0D25-B0A6-DD14-65C438971DDD}"/>
-              </a:ext>
-            </a:extLst>
-          </p:cNvPr>
-          <p:cNvPicPr>
-            <a:picLocks noChangeAspect="1"/>
-          </p:cNvPicPr>
-          <p:nvPr/>
-        </p:nvPicPr>
-        <p:blipFill>
-          <a:blip r:embed="rId5"/>
-          <a:stretch>
-            <a:fillRect/>
-          </a:stretch>
-        </p:blipFill>
-        <p:spPr>
-          <a:xfrm>
-            <a:off x="835959" y="1833282"/>
-            <a:ext cx="1885950" cy="1885950"/>
-          </a:xfrm>
-          <a:prstGeom prst="rect">
-            <a:avLst/>
-          </a:prstGeom>
-        </p:spPr>
-      </p:pic>
-      <p:pic>
-        <p:nvPicPr>
-          <p:cNvPr id="8" name="Picture 8">
-            <a:extLst>
-              <a:ext uri="{FF2B5EF4-FFF2-40B4-BE49-F238E27FC236}">
-                <a16:creationId xmlns:a16="http://schemas.microsoft.com/office/drawing/2014/main" id="{EB627FA4-A60E-257B-873E-47F05FAD69B0}"/>
-              </a:ext>
-            </a:extLst>
-          </p:cNvPr>
-          <p:cNvPicPr>
-            <a:picLocks noChangeAspect="1"/>
-          </p:cNvPicPr>
-          <p:nvPr/>
-        </p:nvPicPr>
-        <p:blipFill>
-          <a:blip r:embed="rId6"/>
-          <a:stretch>
-            <a:fillRect/>
-          </a:stretch>
-        </p:blipFill>
-        <p:spPr>
-          <a:xfrm>
-            <a:off x="-54909" y="3928782"/>
-            <a:ext cx="1964392" cy="1964392"/>
-          </a:xfrm>
-          <a:prstGeom prst="rect">
-            <a:avLst/>
-          </a:prstGeom>
-        </p:spPr>
-      </p:pic>
-      <p:pic>
-        <p:nvPicPr>
-          <p:cNvPr id="9" name="Picture 9">
-            <a:extLst>
-              <a:ext uri="{FF2B5EF4-FFF2-40B4-BE49-F238E27FC236}">
-                <a16:creationId xmlns:a16="http://schemas.microsoft.com/office/drawing/2014/main" id="{B9BD84BC-B85E-0BE5-E0C2-C223A9211688}"/>
-              </a:ext>
-            </a:extLst>
-          </p:cNvPr>
-          <p:cNvPicPr>
-            <a:picLocks noChangeAspect="1"/>
-          </p:cNvPicPr>
-          <p:nvPr/>
-        </p:nvPicPr>
-        <p:blipFill>
-          <a:blip r:embed="rId7"/>
-          <a:stretch>
-            <a:fillRect/>
-          </a:stretch>
-        </p:blipFill>
-        <p:spPr>
-          <a:xfrm>
-            <a:off x="9486899" y="4505884"/>
-            <a:ext cx="2059642" cy="2059642"/>
-          </a:xfrm>
-          <a:prstGeom prst="rect">
-            <a:avLst/>
-          </a:prstGeom>
-        </p:spPr>
-      </p:pic>
-      <p:pic>
-        <p:nvPicPr>
-          <p:cNvPr id="10" name="Picture 10" descr="Shape&#10;&#10;Description automatically generated">
-            <a:extLst>
-              <a:ext uri="{FF2B5EF4-FFF2-40B4-BE49-F238E27FC236}">
-                <a16:creationId xmlns:a16="http://schemas.microsoft.com/office/drawing/2014/main" id="{843F7391-34A9-0942-F9C2-25E569FF012C}"/>
-              </a:ext>
-            </a:extLst>
-          </p:cNvPr>
-          <p:cNvPicPr>
-            <a:picLocks noChangeAspect="1"/>
-          </p:cNvPicPr>
-          <p:nvPr/>
-        </p:nvPicPr>
-        <p:blipFill>
-          <a:blip r:embed="rId8"/>
-          <a:stretch>
-            <a:fillRect/>
-          </a:stretch>
-        </p:blipFill>
-        <p:spPr>
-          <a:xfrm>
-            <a:off x="7228915" y="4505884"/>
-            <a:ext cx="2255745" cy="2255745"/>
-          </a:xfrm>
-          <a:prstGeom prst="rect">
-            <a:avLst/>
-          </a:prstGeom>
-        </p:spPr>
-      </p:pic>
-      <p:pic>
-        <p:nvPicPr>
-          <p:cNvPr id="11" name="Picture 11">
-            <a:extLst>
-              <a:ext uri="{FF2B5EF4-FFF2-40B4-BE49-F238E27FC236}">
-                <a16:creationId xmlns:a16="http://schemas.microsoft.com/office/drawing/2014/main" id="{933373F2-A45B-A53C-F8BA-BB20AA683F85}"/>
-              </a:ext>
-            </a:extLst>
-          </p:cNvPr>
-          <p:cNvPicPr>
-            <a:picLocks noChangeAspect="1"/>
-          </p:cNvPicPr>
-          <p:nvPr/>
-        </p:nvPicPr>
-        <p:blipFill>
-          <a:blip r:embed="rId9"/>
-          <a:stretch>
-            <a:fillRect/>
-          </a:stretch>
-        </p:blipFill>
-        <p:spPr>
-          <a:xfrm>
-            <a:off x="4741208" y="4444252"/>
-            <a:ext cx="2339789" cy="2322981"/>
-          </a:xfrm>
-          <a:prstGeom prst="rect">
-            <a:avLst/>
-          </a:prstGeom>
-        </p:spPr>
-      </p:pic>
-      <p:pic>
-        <p:nvPicPr>
-          <p:cNvPr id="12" name="Picture 12">
-            <a:extLst>
-              <a:ext uri="{FF2B5EF4-FFF2-40B4-BE49-F238E27FC236}">
-                <a16:creationId xmlns:a16="http://schemas.microsoft.com/office/drawing/2014/main" id="{6A132A19-0D98-4913-0694-1D21F8D7A18E}"/>
-              </a:ext>
-            </a:extLst>
-          </p:cNvPr>
-          <p:cNvPicPr>
-            <a:picLocks noChangeAspect="1"/>
-          </p:cNvPicPr>
-          <p:nvPr/>
-        </p:nvPicPr>
-        <p:blipFill>
-          <a:blip r:embed="rId10"/>
-          <a:stretch>
-            <a:fillRect/>
-          </a:stretch>
-        </p:blipFill>
-        <p:spPr>
-          <a:xfrm>
-            <a:off x="3488391" y="2059641"/>
-            <a:ext cx="609600" cy="609600"/>
-          </a:xfrm>
-          <a:prstGeom prst="rect">
-            <a:avLst/>
-          </a:prstGeom>
-        </p:spPr>
-      </p:pic>
-      <p:pic>
-        <p:nvPicPr>
-          <p:cNvPr id="13" name="Picture 13">
-            <a:extLst>
-              <a:ext uri="{FF2B5EF4-FFF2-40B4-BE49-F238E27FC236}">
-                <a16:creationId xmlns:a16="http://schemas.microsoft.com/office/drawing/2014/main" id="{CA367484-913F-5E77-80DD-29080013E7B5}"/>
-              </a:ext>
-            </a:extLst>
-          </p:cNvPr>
-          <p:cNvPicPr>
-            <a:picLocks noChangeAspect="1"/>
-          </p:cNvPicPr>
-          <p:nvPr/>
-        </p:nvPicPr>
-        <p:blipFill>
-          <a:blip r:embed="rId11"/>
-          <a:stretch>
-            <a:fillRect/>
-          </a:stretch>
-        </p:blipFill>
-        <p:spPr>
-          <a:xfrm>
-            <a:off x="3443568" y="3040156"/>
-            <a:ext cx="609600" cy="609600"/>
-          </a:xfrm>
-          <a:prstGeom prst="rect">
-            <a:avLst/>
-          </a:prstGeom>
-        </p:spPr>
-      </p:pic>
-      <p:pic>
-        <p:nvPicPr>
-          <p:cNvPr id="14" name="Picture 14">
-            <a:extLst>
-              <a:ext uri="{FF2B5EF4-FFF2-40B4-BE49-F238E27FC236}">
-                <a16:creationId xmlns:a16="http://schemas.microsoft.com/office/drawing/2014/main" id="{340ECA6F-ABC7-25D1-FFC1-D11F2E5F91DB}"/>
-              </a:ext>
-            </a:extLst>
-          </p:cNvPr>
-          <p:cNvPicPr>
-            <a:picLocks noChangeAspect="1"/>
-          </p:cNvPicPr>
-          <p:nvPr/>
-        </p:nvPicPr>
-        <p:blipFill>
-          <a:blip r:embed="rId12"/>
-          <a:stretch>
-            <a:fillRect/>
-          </a:stretch>
-        </p:blipFill>
-        <p:spPr>
-          <a:xfrm>
-            <a:off x="2068606" y="3822326"/>
-            <a:ext cx="2743200" cy="2743200"/>
-          </a:xfrm>
-          <a:prstGeom prst="rect">
-            <a:avLst/>
-          </a:prstGeom>
-        </p:spPr>
-      </p:pic>
-      <p:sp>
-        <p:nvSpPr>
-          <p:cNvPr id="15" name="TextBox 14">
-            <a:extLst>
-              <a:ext uri="{FF2B5EF4-FFF2-40B4-BE49-F238E27FC236}">
-                <a16:creationId xmlns:a16="http://schemas.microsoft.com/office/drawing/2014/main" id="{CF2ECDAA-8A25-DB41-7BEE-73C91591A239}"/>
-              </a:ext>
-            </a:extLst>
-          </p:cNvPr>
-          <p:cNvSpPr txBox="1"/>
-          <p:nvPr/>
-        </p:nvSpPr>
-        <p:spPr>
-          <a:xfrm>
-            <a:off x="4724400" y="3200400"/>
-            <a:ext cx="2743199" cy="369332"/>
-          </a:xfrm>
-          <a:prstGeom prst="rect">
-            <a:avLst/>
-          </a:prstGeom>
-          <a:noFill/>
-        </p:spPr>
-        <p:txBody>
-          <a:bodyPr rot="0" spcFirstLastPara="0" vertOverflow="overflow" horzOverflow="overflow" vert="horz" wrap="square" lIns="91440" tIns="45720" rIns="91440" bIns="45720" numCol="1" spcCol="0" rtlCol="0" fromWordArt="0" anchor="t" anchorCtr="0" forceAA="0" compatLnSpc="1">
-            <a:prstTxWarp prst="textNoShape">
-              <a:avLst/>
-            </a:prstTxWarp>
-            <a:spAutoFit/>
-          </a:bodyPr>
-          <a:lstStyle/>
-          <a:p>
-            <a:pPr algn="l"/>
-            <a:r>
-              <a:rPr lang="en-US"/>
-              <a:t>Click to add text</a:t>
-            </a:r>
-          </a:p>
-        </p:txBody>
-      </p:sp>
-    </p:spTree>
-    <p:extLst>
-      <p:ext uri="{BB962C8B-B14F-4D97-AF65-F5344CB8AC3E}">
-        <p14:creationId xmlns:p14="http://schemas.microsoft.com/office/powerpoint/2010/main" val="2671246857"/>
-      </p:ext>
-    </p:extLst>
-  </p:cSld>
-  <p:clrMapOvr>
-    <a:masterClrMapping/>
-  </p:clrMapOvr>
-</p:sld>
-</file>
-
-<file path=ppt/slides/slide2.xml><?xml version="1.0" encoding="utf-8"?>
+<file path=ppt/slides/slide18.xml><?xml version="1.0" encoding="utf-8"?>
 <p:sld xmlns:a="http://schemas.openxmlformats.org/drawingml/2006/main" xmlns:r="http://schemas.openxmlformats.org/officeDocument/2006/relationships" xmlns:p="http://schemas.openxmlformats.org/presentationml/2006/main">
   <p:cSld>
     <p:bg>
@@ -6963,7 +6985,10 @@
           </a:bodyPr>
           <a:lstStyle/>
           <a:p>
-            <a:endParaRPr lang="en-US" sz="4000" dirty="0"/>
+            <a:r>
+              <a:rPr lang="en-US" sz="4800" dirty="0"/>
+              <a:t>Resources</a:t>
+            </a:r>
           </a:p>
         </p:txBody>
       </p:sp>
@@ -7053,8 +7078,8 @@
         </p:nvSpPr>
         <p:spPr>
           <a:xfrm>
-            <a:off x="1115568" y="2481943"/>
-            <a:ext cx="10168128" cy="3695020"/>
+            <a:off x="1992884" y="2560320"/>
+            <a:ext cx="8206232" cy="3695020"/>
           </a:xfrm>
         </p:spPr>
         <p:txBody>
@@ -7063,14 +7088,14 @@
           </a:bodyPr>
           <a:lstStyle/>
           <a:p>
-            <a:endParaRPr lang="en-US" sz="2200" dirty="0"/>
+            <a:endParaRPr lang="en-US" dirty="0"/>
           </a:p>
         </p:txBody>
       </p:sp>
     </p:spTree>
     <p:extLst>
       <p:ext uri="{BB962C8B-B14F-4D97-AF65-F5344CB8AC3E}">
-        <p14:creationId xmlns:p14="http://schemas.microsoft.com/office/powerpoint/2010/main" val="3588266802"/>
+        <p14:creationId xmlns:p14="http://schemas.microsoft.com/office/powerpoint/2010/main" val="2303827976"/>
       </p:ext>
     </p:extLst>
   </p:cSld>
@@ -7080,7 +7105,534 @@
 </p:sld>
 </file>
 
-<file path=ppt/slides/slide3.xml><?xml version="1.0" encoding="utf-8"?>
+<file path=ppt/slides/slide19.xml><?xml version="1.0" encoding="utf-8"?>
+<p:sld xmlns:a="http://schemas.openxmlformats.org/drawingml/2006/main" xmlns:r="http://schemas.openxmlformats.org/officeDocument/2006/relationships" xmlns:p="http://schemas.openxmlformats.org/presentationml/2006/main">
+  <p:cSld>
+    <p:bg>
+      <p:bgPr>
+        <a:solidFill>
+          <a:schemeClr val="bg1"/>
+        </a:solidFill>
+        <a:effectLst/>
+      </p:bgPr>
+    </p:bg>
+    <p:spTree>
+      <p:nvGrpSpPr>
+        <p:cNvPr id="1" name=""/>
+        <p:cNvGrpSpPr/>
+        <p:nvPr/>
+      </p:nvGrpSpPr>
+      <p:grpSpPr>
+        <a:xfrm>
+          <a:off x="0" y="0"/>
+          <a:ext cx="0" cy="0"/>
+          <a:chOff x="0" y="0"/>
+          <a:chExt cx="0" cy="0"/>
+        </a:xfrm>
+      </p:grpSpPr>
+      <p:sp useBgFill="1">
+        <p:nvSpPr>
+          <p:cNvPr id="8" name="Rectangle 7">
+            <a:extLst>
+              <a:ext uri="{FF2B5EF4-FFF2-40B4-BE49-F238E27FC236}">
+                <a16:creationId xmlns:a16="http://schemas.microsoft.com/office/drawing/2014/main" id="{DAF1966E-FD40-4A4A-B61B-C4DF7FA05F06}"/>
+              </a:ext>
+              <a:ext uri="{C183D7F6-B498-43B3-948B-1728B52AA6E4}">
+                <adec:decorative xmlns:adec="http://schemas.microsoft.com/office/drawing/2017/decorative" val="1"/>
+              </a:ext>
+            </a:extLst>
+          </p:cNvPr>
+          <p:cNvSpPr>
+            <a:spLocks noGrp="1" noRot="1" noChangeAspect="1" noMove="1" noResize="1" noEditPoints="1" noAdjustHandles="1" noChangeArrowheads="1" noChangeShapeType="1" noTextEdit="1"/>
+          </p:cNvSpPr>
+          <p:nvPr>
+            <p:extLst>
+              <p:ext uri="{386F3935-93C4-4BCD-93E2-E3B085C9AB24}">
+                <p16:designElem xmlns:p16="http://schemas.microsoft.com/office/powerpoint/2015/main" val="1"/>
+              </p:ext>
+            </p:extLst>
+          </p:nvPr>
+        </p:nvSpPr>
+        <p:spPr>
+          <a:xfrm>
+            <a:off x="0" y="0"/>
+            <a:ext cx="12192000" cy="6858000"/>
+          </a:xfrm>
+          <a:prstGeom prst="rect">
+            <a:avLst/>
+          </a:prstGeom>
+          <a:ln>
+            <a:noFill/>
+          </a:ln>
+        </p:spPr>
+        <p:style>
+          <a:lnRef idx="2">
+            <a:schemeClr val="accent1">
+              <a:shade val="50000"/>
+            </a:schemeClr>
+          </a:lnRef>
+          <a:fillRef idx="1">
+            <a:schemeClr val="accent1"/>
+          </a:fillRef>
+          <a:effectRef idx="0">
+            <a:schemeClr val="accent1"/>
+          </a:effectRef>
+          <a:fontRef idx="minor">
+            <a:schemeClr val="lt1"/>
+          </a:fontRef>
+        </p:style>
+        <p:txBody>
+          <a:bodyPr rtlCol="0" anchor="ctr"/>
+          <a:lstStyle/>
+          <a:p>
+            <a:pPr algn="ctr"/>
+            <a:endParaRPr lang="en-US"/>
+          </a:p>
+        </p:txBody>
+      </p:sp>
+      <p:sp useBgFill="1">
+        <p:nvSpPr>
+          <p:cNvPr id="10" name="Rectangle 9">
+            <a:extLst>
+              <a:ext uri="{FF2B5EF4-FFF2-40B4-BE49-F238E27FC236}">
+                <a16:creationId xmlns:a16="http://schemas.microsoft.com/office/drawing/2014/main" id="{047BFA19-D45E-416B-A404-7AF2F3F27017}"/>
+              </a:ext>
+              <a:ext uri="{C183D7F6-B498-43B3-948B-1728B52AA6E4}">
+                <adec:decorative xmlns:adec="http://schemas.microsoft.com/office/drawing/2017/decorative" val="1"/>
+              </a:ext>
+            </a:extLst>
+          </p:cNvPr>
+          <p:cNvSpPr>
+            <a:spLocks noGrp="1" noRot="1" noChangeAspect="1" noMove="1" noResize="1" noEditPoints="1" noAdjustHandles="1" noChangeArrowheads="1" noChangeShapeType="1" noTextEdit="1"/>
+          </p:cNvSpPr>
+          <p:nvPr>
+            <p:extLst>
+              <p:ext uri="{386F3935-93C4-4BCD-93E2-E3B085C9AB24}">
+                <p16:designElem xmlns:p16="http://schemas.microsoft.com/office/powerpoint/2015/main" val="1"/>
+              </p:ext>
+            </p:extLst>
+          </p:nvPr>
+        </p:nvSpPr>
+        <p:spPr>
+          <a:xfrm>
+            <a:off x="558209" y="0"/>
+            <a:ext cx="11167447" cy="2018806"/>
+          </a:xfrm>
+          <a:prstGeom prst="rect">
+            <a:avLst/>
+          </a:prstGeom>
+          <a:ln w="9525">
+            <a:solidFill>
+              <a:srgbClr val="E1E1E1"/>
+            </a:solidFill>
+          </a:ln>
+          <a:effectLst>
+            <a:outerShdw blurRad="50800" dist="38100" dir="2700000" algn="tl" rotWithShape="0">
+              <a:schemeClr val="bg1">
+                <a:lumMod val="85000"/>
+                <a:alpha val="50000"/>
+              </a:schemeClr>
+            </a:outerShdw>
+          </a:effectLst>
+        </p:spPr>
+        <p:style>
+          <a:lnRef idx="2">
+            <a:schemeClr val="accent1">
+              <a:shade val="50000"/>
+            </a:schemeClr>
+          </a:lnRef>
+          <a:fillRef idx="1">
+            <a:schemeClr val="accent1"/>
+          </a:fillRef>
+          <a:effectRef idx="0">
+            <a:schemeClr val="accent1"/>
+          </a:effectRef>
+          <a:fontRef idx="minor">
+            <a:schemeClr val="lt1"/>
+          </a:fontRef>
+        </p:style>
+        <p:txBody>
+          <a:bodyPr rtlCol="0" anchor="ctr"/>
+          <a:lstStyle/>
+          <a:p>
+            <a:pPr marL="0" marR="0" lvl="0" indent="0" algn="ctr" defTabSz="914400" rtl="0" eaLnBrk="1" fontAlgn="auto" latinLnBrk="0" hangingPunct="1">
+              <a:lnSpc>
+                <a:spcPct val="100000"/>
+              </a:lnSpc>
+              <a:spcBef>
+                <a:spcPts val="0"/>
+              </a:spcBef>
+              <a:spcAft>
+                <a:spcPts val="0"/>
+              </a:spcAft>
+              <a:buClrTx/>
+              <a:buSzTx/>
+              <a:buFontTx/>
+              <a:buNone/>
+              <a:tabLst/>
+              <a:defRPr/>
+            </a:pPr>
+            <a:endParaRPr kumimoji="0" lang="en-US" sz="1800" b="0" i="0" u="none" strike="noStrike" kern="1200" cap="none" spc="0" normalizeH="0" baseline="0" noProof="0">
+              <a:ln>
+                <a:noFill/>
+              </a:ln>
+              <a:solidFill>
+                <a:prstClr val="white"/>
+              </a:solidFill>
+              <a:effectLst/>
+              <a:uLnTx/>
+              <a:uFillTx/>
+              <a:latin typeface="Calibri" panose="020F0502020204030204"/>
+              <a:ea typeface="+mn-ea"/>
+              <a:cs typeface="+mn-cs"/>
+            </a:endParaRPr>
+          </a:p>
+        </p:txBody>
+      </p:sp>
+      <p:sp useBgFill="1">
+        <p:nvSpPr>
+          <p:cNvPr id="12" name="Rectangle 11">
+            <a:extLst>
+              <a:ext uri="{FF2B5EF4-FFF2-40B4-BE49-F238E27FC236}">
+                <a16:creationId xmlns:a16="http://schemas.microsoft.com/office/drawing/2014/main" id="{8E0105E7-23DB-4CF2-8258-FF47C7620F6E}"/>
+              </a:ext>
+              <a:ext uri="{C183D7F6-B498-43B3-948B-1728B52AA6E4}">
+                <adec:decorative xmlns:adec="http://schemas.microsoft.com/office/drawing/2017/decorative" val="1"/>
+              </a:ext>
+            </a:extLst>
+          </p:cNvPr>
+          <p:cNvSpPr>
+            <a:spLocks noGrp="1" noRot="1" noChangeAspect="1" noMove="1" noResize="1" noEditPoints="1" noAdjustHandles="1" noChangeArrowheads="1" noChangeShapeType="1" noTextEdit="1"/>
+          </p:cNvSpPr>
+          <p:nvPr>
+            <p:extLst>
+              <p:ext uri="{386F3935-93C4-4BCD-93E2-E3B085C9AB24}">
+                <p16:designElem xmlns:p16="http://schemas.microsoft.com/office/powerpoint/2015/main" val="1"/>
+              </p:ext>
+            </p:extLst>
+          </p:nvPr>
+        </p:nvSpPr>
+        <p:spPr>
+          <a:xfrm>
+            <a:off x="566928" y="0"/>
+            <a:ext cx="11155680" cy="2011680"/>
+          </a:xfrm>
+          <a:prstGeom prst="rect">
+            <a:avLst/>
+          </a:prstGeom>
+          <a:ln w="9525">
+            <a:noFill/>
+          </a:ln>
+          <a:effectLst/>
+        </p:spPr>
+        <p:style>
+          <a:lnRef idx="2">
+            <a:schemeClr val="accent1">
+              <a:shade val="50000"/>
+            </a:schemeClr>
+          </a:lnRef>
+          <a:fillRef idx="1">
+            <a:schemeClr val="accent1"/>
+          </a:fillRef>
+          <a:effectRef idx="0">
+            <a:schemeClr val="accent1"/>
+          </a:effectRef>
+          <a:fontRef idx="minor">
+            <a:schemeClr val="lt1"/>
+          </a:fontRef>
+        </p:style>
+        <p:txBody>
+          <a:bodyPr rtlCol="0" anchor="ctr"/>
+          <a:lstStyle/>
+          <a:p>
+            <a:pPr marL="0" marR="0" lvl="0" indent="0" algn="ctr" defTabSz="914400" rtl="0" eaLnBrk="1" fontAlgn="auto" latinLnBrk="0" hangingPunct="1">
+              <a:lnSpc>
+                <a:spcPct val="100000"/>
+              </a:lnSpc>
+              <a:spcBef>
+                <a:spcPts val="0"/>
+              </a:spcBef>
+              <a:spcAft>
+                <a:spcPts val="0"/>
+              </a:spcAft>
+              <a:buClrTx/>
+              <a:buSzTx/>
+              <a:buFontTx/>
+              <a:buNone/>
+              <a:tabLst/>
+              <a:defRPr/>
+            </a:pPr>
+            <a:endParaRPr kumimoji="0" lang="en-US" sz="1800" b="0" i="0" u="none" strike="noStrike" kern="1200" cap="none" spc="0" normalizeH="0" baseline="0" noProof="0">
+              <a:ln>
+                <a:noFill/>
+              </a:ln>
+              <a:solidFill>
+                <a:prstClr val="white"/>
+              </a:solidFill>
+              <a:effectLst/>
+              <a:uLnTx/>
+              <a:uFillTx/>
+              <a:latin typeface="Calibri" panose="020F0502020204030204"/>
+              <a:ea typeface="+mn-ea"/>
+              <a:cs typeface="+mn-cs"/>
+            </a:endParaRPr>
+          </a:p>
+        </p:txBody>
+      </p:sp>
+      <p:sp>
+        <p:nvSpPr>
+          <p:cNvPr id="2" name="Title 1">
+            <a:extLst>
+              <a:ext uri="{FF2B5EF4-FFF2-40B4-BE49-F238E27FC236}">
+                <a16:creationId xmlns:a16="http://schemas.microsoft.com/office/drawing/2014/main" id="{82CF4B60-062A-25CD-E448-6C8255EEF9CC}"/>
+              </a:ext>
+            </a:extLst>
+          </p:cNvPr>
+          <p:cNvSpPr>
+            <a:spLocks noGrp="1"/>
+          </p:cNvSpPr>
+          <p:nvPr>
+            <p:ph type="title"/>
+          </p:nvPr>
+        </p:nvSpPr>
+        <p:spPr>
+          <a:xfrm>
+            <a:off x="1115568" y="548640"/>
+            <a:ext cx="10168128" cy="1179576"/>
+          </a:xfrm>
+        </p:spPr>
+        <p:txBody>
+          <a:bodyPr>
+            <a:normAutofit/>
+          </a:bodyPr>
+          <a:lstStyle/>
+          <a:p>
+            <a:r>
+              <a:rPr lang="en-US" sz="4800" dirty="0"/>
+              <a:t>Flowcharts</a:t>
+            </a:r>
+          </a:p>
+        </p:txBody>
+      </p:sp>
+      <p:sp>
+        <p:nvSpPr>
+          <p:cNvPr id="14" name="Rectangle 13">
+            <a:extLst>
+              <a:ext uri="{FF2B5EF4-FFF2-40B4-BE49-F238E27FC236}">
+                <a16:creationId xmlns:a16="http://schemas.microsoft.com/office/drawing/2014/main" id="{074B4F7D-14B2-478B-8BF5-01E4E0C5D263}"/>
+              </a:ext>
+              <a:ext uri="{C183D7F6-B498-43B3-948B-1728B52AA6E4}">
+                <adec:decorative xmlns:adec="http://schemas.microsoft.com/office/drawing/2017/decorative" val="1"/>
+              </a:ext>
+            </a:extLst>
+          </p:cNvPr>
+          <p:cNvSpPr>
+            <a:spLocks noGrp="1" noRot="1" noChangeAspect="1" noMove="1" noResize="1" noEditPoints="1" noAdjustHandles="1" noChangeArrowheads="1" noChangeShapeType="1" noTextEdit="1"/>
+          </p:cNvSpPr>
+          <p:nvPr>
+            <p:extLst>
+              <p:ext uri="{386F3935-93C4-4BCD-93E2-E3B085C9AB24}">
+                <p16:designElem xmlns:p16="http://schemas.microsoft.com/office/powerpoint/2015/main" val="1"/>
+              </p:ext>
+            </p:extLst>
+          </p:nvPr>
+        </p:nvSpPr>
+        <p:spPr>
+          <a:xfrm>
+            <a:off x="498834" y="758952"/>
+            <a:ext cx="128016" cy="704088"/>
+          </a:xfrm>
+          <a:prstGeom prst="rect">
+            <a:avLst/>
+          </a:prstGeom>
+          <a:solidFill>
+            <a:schemeClr val="accent2"/>
+          </a:solidFill>
+          <a:ln>
+            <a:noFill/>
+          </a:ln>
+        </p:spPr>
+        <p:style>
+          <a:lnRef idx="2">
+            <a:schemeClr val="accent1">
+              <a:shade val="50000"/>
+            </a:schemeClr>
+          </a:lnRef>
+          <a:fillRef idx="1">
+            <a:schemeClr val="accent1"/>
+          </a:fillRef>
+          <a:effectRef idx="0">
+            <a:schemeClr val="accent1"/>
+          </a:effectRef>
+          <a:fontRef idx="minor">
+            <a:schemeClr val="lt1"/>
+          </a:fontRef>
+        </p:style>
+        <p:txBody>
+          <a:bodyPr rtlCol="0" anchor="ctr"/>
+          <a:lstStyle/>
+          <a:p>
+            <a:pPr algn="ctr"/>
+            <a:endParaRPr lang="en-US">
+              <a:solidFill>
+                <a:prstClr val="white"/>
+              </a:solidFill>
+              <a:latin typeface="Calibri" panose="020F0502020204030204"/>
+            </a:endParaRPr>
+          </a:p>
+        </p:txBody>
+      </p:sp>
+      <p:sp>
+        <p:nvSpPr>
+          <p:cNvPr id="3" name="Content Placeholder 2">
+            <a:extLst>
+              <a:ext uri="{FF2B5EF4-FFF2-40B4-BE49-F238E27FC236}">
+                <a16:creationId xmlns:a16="http://schemas.microsoft.com/office/drawing/2014/main" id="{E43BD06B-906D-5C9C-E517-52B27F705E94}"/>
+              </a:ext>
+            </a:extLst>
+          </p:cNvPr>
+          <p:cNvSpPr>
+            <a:spLocks noGrp="1"/>
+          </p:cNvSpPr>
+          <p:nvPr>
+            <p:ph idx="1"/>
+          </p:nvPr>
+        </p:nvSpPr>
+        <p:spPr>
+          <a:xfrm>
+            <a:off x="1992884" y="2560320"/>
+            <a:ext cx="8206232" cy="3695020"/>
+          </a:xfrm>
+        </p:spPr>
+        <p:txBody>
+          <a:bodyPr>
+            <a:normAutofit/>
+          </a:bodyPr>
+          <a:lstStyle/>
+          <a:p>
+            <a:r>
+              <a:rPr lang="en-US" dirty="0"/>
+              <a:t>Visually represent a process or workflow in a step-by-step manner.</a:t>
+            </a:r>
+          </a:p>
+          <a:p>
+            <a:r>
+              <a:rPr lang="en-US" dirty="0"/>
+              <a:t>Each step is represented by blocks or ovals and connected b lines or arrows.</a:t>
+            </a:r>
+          </a:p>
+          <a:p>
+            <a:r>
+              <a:rPr lang="en-US" dirty="0"/>
+              <a:t>Can be used to brainstorm and design how you will create your code</a:t>
+            </a:r>
+          </a:p>
+        </p:txBody>
+      </p:sp>
+    </p:spTree>
+    <p:extLst>
+      <p:ext uri="{BB962C8B-B14F-4D97-AF65-F5344CB8AC3E}">
+        <p14:creationId xmlns:p14="http://schemas.microsoft.com/office/powerpoint/2010/main" val="1416219913"/>
+      </p:ext>
+    </p:extLst>
+  </p:cSld>
+  <p:clrMapOvr>
+    <a:masterClrMapping/>
+  </p:clrMapOvr>
+</p:sld>
+</file>
+
+<file path=ppt/slides/slide2.xml><?xml version="1.0" encoding="utf-8"?>
+<p:sld xmlns:a="http://schemas.openxmlformats.org/drawingml/2006/main" xmlns:r="http://schemas.openxmlformats.org/officeDocument/2006/relationships" xmlns:p="http://schemas.openxmlformats.org/presentationml/2006/main">
+  <p:cSld>
+    <p:spTree>
+      <p:nvGrpSpPr>
+        <p:cNvPr id="1" name=""/>
+        <p:cNvGrpSpPr/>
+        <p:nvPr/>
+      </p:nvGrpSpPr>
+      <p:grpSpPr>
+        <a:xfrm>
+          <a:off x="0" y="0"/>
+          <a:ext cx="0" cy="0"/>
+          <a:chOff x="0" y="0"/>
+          <a:chExt cx="0" cy="0"/>
+        </a:xfrm>
+      </p:grpSpPr>
+      <p:sp>
+        <p:nvSpPr>
+          <p:cNvPr id="2" name="Title 1">
+            <a:extLst>
+              <a:ext uri="{FF2B5EF4-FFF2-40B4-BE49-F238E27FC236}">
+                <a16:creationId xmlns:a16="http://schemas.microsoft.com/office/drawing/2014/main" id="{9347DB6B-8169-FEB2-EFE8-BB8ED29FEA2F}"/>
+              </a:ext>
+            </a:extLst>
+          </p:cNvPr>
+          <p:cNvSpPr>
+            <a:spLocks noGrp="1"/>
+          </p:cNvSpPr>
+          <p:nvPr>
+            <p:ph type="title"/>
+          </p:nvPr>
+        </p:nvSpPr>
+        <p:spPr/>
+        <p:txBody>
+          <a:bodyPr/>
+          <a:lstStyle/>
+          <a:p>
+            <a:endParaRPr lang="en-US"/>
+          </a:p>
+        </p:txBody>
+      </p:sp>
+      <p:pic>
+        <p:nvPicPr>
+          <p:cNvPr id="9" name="Content Placeholder 8">
+            <a:extLst>
+              <a:ext uri="{FF2B5EF4-FFF2-40B4-BE49-F238E27FC236}">
+                <a16:creationId xmlns:a16="http://schemas.microsoft.com/office/drawing/2014/main" id="{7EBBECC0-91A8-8BCB-A751-BC87E6064309}"/>
+              </a:ext>
+            </a:extLst>
+          </p:cNvPr>
+          <p:cNvPicPr>
+            <a:picLocks noGrp="1" noChangeAspect="1"/>
+          </p:cNvPicPr>
+          <p:nvPr>
+            <p:ph idx="1"/>
+          </p:nvPr>
+        </p:nvPicPr>
+        <p:blipFill>
+          <a:blip r:embed="rId2">
+            <a:extLst>
+              <a:ext uri="{28A0092B-C50C-407E-A947-70E740481C1C}">
+                <a14:useLocalDpi xmlns:a14="http://schemas.microsoft.com/office/drawing/2010/main" val="0"/>
+              </a:ext>
+            </a:extLst>
+          </a:blip>
+          <a:stretch>
+            <a:fillRect/>
+          </a:stretch>
+        </p:blipFill>
+        <p:spPr>
+          <a:xfrm>
+            <a:off x="0" y="0"/>
+            <a:ext cx="13007153" cy="7137400"/>
+          </a:xfrm>
+        </p:spPr>
+      </p:pic>
+    </p:spTree>
+    <p:extLst>
+      <p:ext uri="{BB962C8B-B14F-4D97-AF65-F5344CB8AC3E}">
+        <p14:creationId xmlns:p14="http://schemas.microsoft.com/office/powerpoint/2010/main" val="2826635753"/>
+      </p:ext>
+    </p:extLst>
+  </p:cSld>
+  <p:clrMapOvr>
+    <a:masterClrMapping/>
+  </p:clrMapOvr>
+</p:sld>
+</file>
+
+<file path=ppt/slides/slide20.xml><?xml version="1.0" encoding="utf-8"?>
 <p:sld xmlns:a="http://schemas.openxmlformats.org/drawingml/2006/main" xmlns:r="http://schemas.openxmlformats.org/officeDocument/2006/relationships" xmlns:p="http://schemas.openxmlformats.org/presentationml/2006/main">
   <p:cSld>
     <p:bg>
@@ -7327,11 +7879,14 @@
           </a:bodyPr>
           <a:lstStyle/>
           <a:p>
-            <a:endParaRPr lang="en-US">
-              <a:solidFill>
-                <a:srgbClr val="FFFFFF"/>
-              </a:solidFill>
-            </a:endParaRPr>
+            <a:r>
+              <a:rPr lang="en-US" dirty="0">
+                <a:solidFill>
+                  <a:srgbClr val="FFFFFF"/>
+                </a:solidFill>
+              </a:rPr>
+              <a:t>Flowcharts</a:t>
+            </a:r>
           </a:p>
         </p:txBody>
       </p:sp>
@@ -7424,14 +7979,98 @@
           </a:bodyPr>
           <a:lstStyle/>
           <a:p>
-            <a:endParaRPr lang="en-US"/>
-          </a:p>
-        </p:txBody>
-      </p:sp>
+            <a:pPr marL="0" indent="0" algn="ctr">
+              <a:buNone/>
+            </a:pPr>
+            <a:r>
+              <a:rPr lang="en-US" sz="3600" dirty="0"/>
+              <a:t>Start / Terminator</a:t>
+            </a:r>
+          </a:p>
+          <a:p>
+            <a:pPr marL="0" indent="0">
+              <a:buNone/>
+            </a:pPr>
+            <a:endParaRPr lang="en-US" dirty="0"/>
+          </a:p>
+          <a:p>
+            <a:pPr marL="0" indent="0">
+              <a:buNone/>
+            </a:pPr>
+            <a:r>
+              <a:rPr lang="en-US" b="0" i="0" dirty="0">
+                <a:solidFill>
+                  <a:srgbClr val="000000"/>
+                </a:solidFill>
+                <a:effectLst/>
+                <a:latin typeface="Poppins" panose="020B0502040204020203" pitchFamily="2" charset="0"/>
+              </a:rPr>
+              <a:t>Use this shape for the beginning or ending step of your process</a:t>
+            </a:r>
+            <a:endParaRPr lang="en-US" dirty="0"/>
+          </a:p>
+          <a:p>
+            <a:pPr marL="0" indent="0">
+              <a:buNone/>
+            </a:pPr>
+            <a:endParaRPr lang="en-US" dirty="0"/>
+          </a:p>
+          <a:p>
+            <a:endParaRPr lang="en-US" dirty="0"/>
+          </a:p>
+        </p:txBody>
+      </p:sp>
+      <p:pic>
+        <p:nvPicPr>
+          <p:cNvPr id="3076" name="Picture 4" descr="Start or Terminator">
+            <a:extLst>
+              <a:ext uri="{FF2B5EF4-FFF2-40B4-BE49-F238E27FC236}">
+                <a16:creationId xmlns:a16="http://schemas.microsoft.com/office/drawing/2014/main" id="{812A3581-5A2C-0B7A-C6F7-9A61A7B457D0}"/>
+              </a:ext>
+            </a:extLst>
+          </p:cNvPr>
+          <p:cNvPicPr>
+            <a:picLocks noChangeAspect="1" noChangeArrowheads="1"/>
+          </p:cNvPicPr>
+          <p:nvPr/>
+        </p:nvPicPr>
+        <p:blipFill>
+          <a:blip r:embed="rId2">
+            <a:extLst>
+              <a:ext uri="{28A0092B-C50C-407E-A947-70E740481C1C}">
+                <a14:useLocalDpi xmlns:a14="http://schemas.microsoft.com/office/drawing/2010/main" val="0"/>
+              </a:ext>
+            </a:extLst>
+          </a:blip>
+          <a:srcRect/>
+          <a:stretch>
+            <a:fillRect/>
+          </a:stretch>
+        </p:blipFill>
+        <p:spPr bwMode="auto">
+          <a:xfrm>
+            <a:off x="7227613" y="1312082"/>
+            <a:ext cx="1345880" cy="438150"/>
+          </a:xfrm>
+          <a:prstGeom prst="rect">
+            <a:avLst/>
+          </a:prstGeom>
+          <a:noFill/>
+          <a:extLst>
+            <a:ext uri="{909E8E84-426E-40DD-AFC4-6F175D3DCCD1}">
+              <a14:hiddenFill xmlns:a14="http://schemas.microsoft.com/office/drawing/2010/main">
+                <a:solidFill>
+                  <a:srgbClr val="FFFFFF"/>
+                </a:solidFill>
+              </a14:hiddenFill>
+            </a:ext>
+          </a:extLst>
+        </p:spPr>
+      </p:pic>
     </p:spTree>
     <p:extLst>
       <p:ext uri="{BB962C8B-B14F-4D97-AF65-F5344CB8AC3E}">
-        <p14:creationId xmlns:p14="http://schemas.microsoft.com/office/powerpoint/2010/main" val="4023284302"/>
+        <p14:creationId xmlns:p14="http://schemas.microsoft.com/office/powerpoint/2010/main" val="843875840"/>
       </p:ext>
     </p:extLst>
   </p:cSld>
@@ -7441,569 +8080,7 @@
 </p:sld>
 </file>
 
-<file path=ppt/slides/slide4.xml><?xml version="1.0" encoding="utf-8"?>
-<p:sld xmlns:a="http://schemas.openxmlformats.org/drawingml/2006/main" xmlns:r="http://schemas.openxmlformats.org/officeDocument/2006/relationships" xmlns:p="http://schemas.openxmlformats.org/presentationml/2006/main">
-  <p:cSld>
-    <p:spTree>
-      <p:nvGrpSpPr>
-        <p:cNvPr id="1" name=""/>
-        <p:cNvGrpSpPr/>
-        <p:nvPr/>
-      </p:nvGrpSpPr>
-      <p:grpSpPr>
-        <a:xfrm>
-          <a:off x="0" y="0"/>
-          <a:ext cx="0" cy="0"/>
-          <a:chOff x="0" y="0"/>
-          <a:chExt cx="0" cy="0"/>
-        </a:xfrm>
-      </p:grpSpPr>
-      <p:sp>
-        <p:nvSpPr>
-          <p:cNvPr id="2" name="Title 1">
-            <a:extLst>
-              <a:ext uri="{FF2B5EF4-FFF2-40B4-BE49-F238E27FC236}">
-                <a16:creationId xmlns:a16="http://schemas.microsoft.com/office/drawing/2014/main" id="{9347DB6B-8169-FEB2-EFE8-BB8ED29FEA2F}"/>
-              </a:ext>
-            </a:extLst>
-          </p:cNvPr>
-          <p:cNvSpPr>
-            <a:spLocks noGrp="1"/>
-          </p:cNvSpPr>
-          <p:nvPr>
-            <p:ph type="title"/>
-          </p:nvPr>
-        </p:nvSpPr>
-        <p:spPr/>
-        <p:txBody>
-          <a:bodyPr/>
-          <a:lstStyle/>
-          <a:p>
-            <a:endParaRPr lang="en-US"/>
-          </a:p>
-        </p:txBody>
-      </p:sp>
-      <p:pic>
-        <p:nvPicPr>
-          <p:cNvPr id="5" name="Content Placeholder 4">
-            <a:extLst>
-              <a:ext uri="{FF2B5EF4-FFF2-40B4-BE49-F238E27FC236}">
-                <a16:creationId xmlns:a16="http://schemas.microsoft.com/office/drawing/2014/main" id="{1F9F3CDF-1D7F-F41E-4914-6267C1B33BFD}"/>
-              </a:ext>
-            </a:extLst>
-          </p:cNvPr>
-          <p:cNvPicPr>
-            <a:picLocks noGrp="1" noChangeAspect="1"/>
-          </p:cNvPicPr>
-          <p:nvPr>
-            <p:ph idx="1"/>
-          </p:nvPr>
-        </p:nvPicPr>
-        <p:blipFill>
-          <a:blip r:embed="rId2">
-            <a:extLst>
-              <a:ext uri="{28A0092B-C50C-407E-A947-70E740481C1C}">
-                <a14:useLocalDpi xmlns:a14="http://schemas.microsoft.com/office/drawing/2010/main" val="0"/>
-              </a:ext>
-            </a:extLst>
-          </a:blip>
-          <a:stretch>
-            <a:fillRect/>
-          </a:stretch>
-        </p:blipFill>
-        <p:spPr>
-          <a:xfrm>
-            <a:off x="177800" y="0"/>
-            <a:ext cx="11836400" cy="6923686"/>
-          </a:xfrm>
-        </p:spPr>
-      </p:pic>
-    </p:spTree>
-    <p:extLst>
-      <p:ext uri="{BB962C8B-B14F-4D97-AF65-F5344CB8AC3E}">
-        <p14:creationId xmlns:p14="http://schemas.microsoft.com/office/powerpoint/2010/main" val="2826635753"/>
-      </p:ext>
-    </p:extLst>
-  </p:cSld>
-  <p:clrMapOvr>
-    <a:masterClrMapping/>
-  </p:clrMapOvr>
-</p:sld>
-</file>
-
-<file path=ppt/slides/slide5.xml><?xml version="1.0" encoding="utf-8"?>
-<p:sld xmlns:a="http://schemas.openxmlformats.org/drawingml/2006/main" xmlns:r="http://schemas.openxmlformats.org/officeDocument/2006/relationships" xmlns:p="http://schemas.openxmlformats.org/presentationml/2006/main">
-  <p:cSld>
-    <p:bg>
-      <p:bgPr>
-        <a:solidFill>
-          <a:schemeClr val="bg1"/>
-        </a:solidFill>
-        <a:effectLst/>
-      </p:bgPr>
-    </p:bg>
-    <p:spTree>
-      <p:nvGrpSpPr>
-        <p:cNvPr id="1" name=""/>
-        <p:cNvGrpSpPr/>
-        <p:nvPr/>
-      </p:nvGrpSpPr>
-      <p:grpSpPr>
-        <a:xfrm>
-          <a:off x="0" y="0"/>
-          <a:ext cx="0" cy="0"/>
-          <a:chOff x="0" y="0"/>
-          <a:chExt cx="0" cy="0"/>
-        </a:xfrm>
-      </p:grpSpPr>
-      <p:sp useBgFill="1">
-        <p:nvSpPr>
-          <p:cNvPr id="8" name="Rectangle 7">
-            <a:extLst>
-              <a:ext uri="{FF2B5EF4-FFF2-40B4-BE49-F238E27FC236}">
-                <a16:creationId xmlns:a16="http://schemas.microsoft.com/office/drawing/2014/main" id="{DAF1966E-FD40-4A4A-B61B-C4DF7FA05F06}"/>
-              </a:ext>
-              <a:ext uri="{C183D7F6-B498-43B3-948B-1728B52AA6E4}">
-                <adec:decorative xmlns:adec="http://schemas.microsoft.com/office/drawing/2017/decorative" val="1"/>
-              </a:ext>
-            </a:extLst>
-          </p:cNvPr>
-          <p:cNvSpPr>
-            <a:spLocks noGrp="1" noRot="1" noChangeAspect="1" noMove="1" noResize="1" noEditPoints="1" noAdjustHandles="1" noChangeArrowheads="1" noChangeShapeType="1" noTextEdit="1"/>
-          </p:cNvSpPr>
-          <p:nvPr>
-            <p:extLst>
-              <p:ext uri="{386F3935-93C4-4BCD-93E2-E3B085C9AB24}">
-                <p16:designElem xmlns:p16="http://schemas.microsoft.com/office/powerpoint/2015/main" val="1"/>
-              </p:ext>
-            </p:extLst>
-          </p:nvPr>
-        </p:nvSpPr>
-        <p:spPr>
-          <a:xfrm>
-            <a:off x="0" y="0"/>
-            <a:ext cx="12192000" cy="6858000"/>
-          </a:xfrm>
-          <a:prstGeom prst="rect">
-            <a:avLst/>
-          </a:prstGeom>
-          <a:ln>
-            <a:noFill/>
-          </a:ln>
-        </p:spPr>
-        <p:style>
-          <a:lnRef idx="2">
-            <a:schemeClr val="accent1">
-              <a:shade val="50000"/>
-            </a:schemeClr>
-          </a:lnRef>
-          <a:fillRef idx="1">
-            <a:schemeClr val="accent1"/>
-          </a:fillRef>
-          <a:effectRef idx="0">
-            <a:schemeClr val="accent1"/>
-          </a:effectRef>
-          <a:fontRef idx="minor">
-            <a:schemeClr val="lt1"/>
-          </a:fontRef>
-        </p:style>
-        <p:txBody>
-          <a:bodyPr rtlCol="0" anchor="ctr"/>
-          <a:lstStyle/>
-          <a:p>
-            <a:pPr algn="ctr"/>
-            <a:endParaRPr lang="en-US"/>
-          </a:p>
-        </p:txBody>
-      </p:sp>
-      <p:sp useBgFill="1">
-        <p:nvSpPr>
-          <p:cNvPr id="10" name="Rectangle 9">
-            <a:extLst>
-              <a:ext uri="{FF2B5EF4-FFF2-40B4-BE49-F238E27FC236}">
-                <a16:creationId xmlns:a16="http://schemas.microsoft.com/office/drawing/2014/main" id="{047BFA19-D45E-416B-A404-7AF2F3F27017}"/>
-              </a:ext>
-              <a:ext uri="{C183D7F6-B498-43B3-948B-1728B52AA6E4}">
-                <adec:decorative xmlns:adec="http://schemas.microsoft.com/office/drawing/2017/decorative" val="1"/>
-              </a:ext>
-            </a:extLst>
-          </p:cNvPr>
-          <p:cNvSpPr>
-            <a:spLocks noGrp="1" noRot="1" noChangeAspect="1" noMove="1" noResize="1" noEditPoints="1" noAdjustHandles="1" noChangeArrowheads="1" noChangeShapeType="1" noTextEdit="1"/>
-          </p:cNvSpPr>
-          <p:nvPr>
-            <p:extLst>
-              <p:ext uri="{386F3935-93C4-4BCD-93E2-E3B085C9AB24}">
-                <p16:designElem xmlns:p16="http://schemas.microsoft.com/office/powerpoint/2015/main" val="1"/>
-              </p:ext>
-            </p:extLst>
-          </p:nvPr>
-        </p:nvSpPr>
-        <p:spPr>
-          <a:xfrm>
-            <a:off x="558209" y="0"/>
-            <a:ext cx="11167447" cy="2018806"/>
-          </a:xfrm>
-          <a:prstGeom prst="rect">
-            <a:avLst/>
-          </a:prstGeom>
-          <a:ln w="9525">
-            <a:solidFill>
-              <a:srgbClr val="E1E1E1"/>
-            </a:solidFill>
-          </a:ln>
-          <a:effectLst>
-            <a:outerShdw blurRad="50800" dist="38100" dir="2700000" algn="tl" rotWithShape="0">
-              <a:schemeClr val="bg1">
-                <a:lumMod val="85000"/>
-                <a:alpha val="50000"/>
-              </a:schemeClr>
-            </a:outerShdw>
-          </a:effectLst>
-        </p:spPr>
-        <p:style>
-          <a:lnRef idx="2">
-            <a:schemeClr val="accent1">
-              <a:shade val="50000"/>
-            </a:schemeClr>
-          </a:lnRef>
-          <a:fillRef idx="1">
-            <a:schemeClr val="accent1"/>
-          </a:fillRef>
-          <a:effectRef idx="0">
-            <a:schemeClr val="accent1"/>
-          </a:effectRef>
-          <a:fontRef idx="minor">
-            <a:schemeClr val="lt1"/>
-          </a:fontRef>
-        </p:style>
-        <p:txBody>
-          <a:bodyPr rtlCol="0" anchor="ctr"/>
-          <a:lstStyle/>
-          <a:p>
-            <a:pPr marL="0" marR="0" lvl="0" indent="0" algn="ctr" defTabSz="914400" rtl="0" eaLnBrk="1" fontAlgn="auto" latinLnBrk="0" hangingPunct="1">
-              <a:lnSpc>
-                <a:spcPct val="100000"/>
-              </a:lnSpc>
-              <a:spcBef>
-                <a:spcPts val="0"/>
-              </a:spcBef>
-              <a:spcAft>
-                <a:spcPts val="0"/>
-              </a:spcAft>
-              <a:buClrTx/>
-              <a:buSzTx/>
-              <a:buFontTx/>
-              <a:buNone/>
-              <a:tabLst/>
-              <a:defRPr/>
-            </a:pPr>
-            <a:endParaRPr kumimoji="0" lang="en-US" sz="1800" b="0" i="0" u="none" strike="noStrike" kern="1200" cap="none" spc="0" normalizeH="0" baseline="0" noProof="0">
-              <a:ln>
-                <a:noFill/>
-              </a:ln>
-              <a:solidFill>
-                <a:prstClr val="white"/>
-              </a:solidFill>
-              <a:effectLst/>
-              <a:uLnTx/>
-              <a:uFillTx/>
-              <a:latin typeface="Calibri" panose="020F0502020204030204"/>
-              <a:ea typeface="+mn-ea"/>
-              <a:cs typeface="+mn-cs"/>
-            </a:endParaRPr>
-          </a:p>
-        </p:txBody>
-      </p:sp>
-      <p:sp useBgFill="1">
-        <p:nvSpPr>
-          <p:cNvPr id="12" name="Rectangle 11">
-            <a:extLst>
-              <a:ext uri="{FF2B5EF4-FFF2-40B4-BE49-F238E27FC236}">
-                <a16:creationId xmlns:a16="http://schemas.microsoft.com/office/drawing/2014/main" id="{8E0105E7-23DB-4CF2-8258-FF47C7620F6E}"/>
-              </a:ext>
-              <a:ext uri="{C183D7F6-B498-43B3-948B-1728B52AA6E4}">
-                <adec:decorative xmlns:adec="http://schemas.microsoft.com/office/drawing/2017/decorative" val="1"/>
-              </a:ext>
-            </a:extLst>
-          </p:cNvPr>
-          <p:cNvSpPr>
-            <a:spLocks noGrp="1" noRot="1" noChangeAspect="1" noMove="1" noResize="1" noEditPoints="1" noAdjustHandles="1" noChangeArrowheads="1" noChangeShapeType="1" noTextEdit="1"/>
-          </p:cNvSpPr>
-          <p:nvPr>
-            <p:extLst>
-              <p:ext uri="{386F3935-93C4-4BCD-93E2-E3B085C9AB24}">
-                <p16:designElem xmlns:p16="http://schemas.microsoft.com/office/powerpoint/2015/main" val="1"/>
-              </p:ext>
-            </p:extLst>
-          </p:nvPr>
-        </p:nvSpPr>
-        <p:spPr>
-          <a:xfrm>
-            <a:off x="566928" y="0"/>
-            <a:ext cx="11155680" cy="2011680"/>
-          </a:xfrm>
-          <a:prstGeom prst="rect">
-            <a:avLst/>
-          </a:prstGeom>
-          <a:ln w="9525">
-            <a:noFill/>
-          </a:ln>
-          <a:effectLst/>
-        </p:spPr>
-        <p:style>
-          <a:lnRef idx="2">
-            <a:schemeClr val="accent1">
-              <a:shade val="50000"/>
-            </a:schemeClr>
-          </a:lnRef>
-          <a:fillRef idx="1">
-            <a:schemeClr val="accent1"/>
-          </a:fillRef>
-          <a:effectRef idx="0">
-            <a:schemeClr val="accent1"/>
-          </a:effectRef>
-          <a:fontRef idx="minor">
-            <a:schemeClr val="lt1"/>
-          </a:fontRef>
-        </p:style>
-        <p:txBody>
-          <a:bodyPr rtlCol="0" anchor="ctr"/>
-          <a:lstStyle/>
-          <a:p>
-            <a:pPr marL="0" marR="0" lvl="0" indent="0" algn="ctr" defTabSz="914400" rtl="0" eaLnBrk="1" fontAlgn="auto" latinLnBrk="0" hangingPunct="1">
-              <a:lnSpc>
-                <a:spcPct val="100000"/>
-              </a:lnSpc>
-              <a:spcBef>
-                <a:spcPts val="0"/>
-              </a:spcBef>
-              <a:spcAft>
-                <a:spcPts val="0"/>
-              </a:spcAft>
-              <a:buClrTx/>
-              <a:buSzTx/>
-              <a:buFontTx/>
-              <a:buNone/>
-              <a:tabLst/>
-              <a:defRPr/>
-            </a:pPr>
-            <a:endParaRPr kumimoji="0" lang="en-US" sz="1800" b="0" i="0" u="none" strike="noStrike" kern="1200" cap="none" spc="0" normalizeH="0" baseline="0" noProof="0">
-              <a:ln>
-                <a:noFill/>
-              </a:ln>
-              <a:solidFill>
-                <a:prstClr val="white"/>
-              </a:solidFill>
-              <a:effectLst/>
-              <a:uLnTx/>
-              <a:uFillTx/>
-              <a:latin typeface="Calibri" panose="020F0502020204030204"/>
-              <a:ea typeface="+mn-ea"/>
-              <a:cs typeface="+mn-cs"/>
-            </a:endParaRPr>
-          </a:p>
-        </p:txBody>
-      </p:sp>
-      <p:sp>
-        <p:nvSpPr>
-          <p:cNvPr id="2" name="Title 1">
-            <a:extLst>
-              <a:ext uri="{FF2B5EF4-FFF2-40B4-BE49-F238E27FC236}">
-                <a16:creationId xmlns:a16="http://schemas.microsoft.com/office/drawing/2014/main" id="{82CF4B60-062A-25CD-E448-6C8255EEF9CC}"/>
-              </a:ext>
-            </a:extLst>
-          </p:cNvPr>
-          <p:cNvSpPr>
-            <a:spLocks noGrp="1"/>
-          </p:cNvSpPr>
-          <p:nvPr>
-            <p:ph type="title"/>
-          </p:nvPr>
-        </p:nvSpPr>
-        <p:spPr>
-          <a:xfrm>
-            <a:off x="1115568" y="548640"/>
-            <a:ext cx="10168128" cy="1179576"/>
-          </a:xfrm>
-        </p:spPr>
-        <p:txBody>
-          <a:bodyPr>
-            <a:normAutofit/>
-          </a:bodyPr>
-          <a:lstStyle/>
-          <a:p>
-            <a:r>
-              <a:rPr lang="en-US" sz="4000" dirty="0"/>
-              <a:t>About us:  Ella</a:t>
-            </a:r>
-          </a:p>
-        </p:txBody>
-      </p:sp>
-      <p:sp>
-        <p:nvSpPr>
-          <p:cNvPr id="14" name="Rectangle 13">
-            <a:extLst>
-              <a:ext uri="{FF2B5EF4-FFF2-40B4-BE49-F238E27FC236}">
-                <a16:creationId xmlns:a16="http://schemas.microsoft.com/office/drawing/2014/main" id="{074B4F7D-14B2-478B-8BF5-01E4E0C5D263}"/>
-              </a:ext>
-              <a:ext uri="{C183D7F6-B498-43B3-948B-1728B52AA6E4}">
-                <adec:decorative xmlns:adec="http://schemas.microsoft.com/office/drawing/2017/decorative" val="1"/>
-              </a:ext>
-            </a:extLst>
-          </p:cNvPr>
-          <p:cNvSpPr>
-            <a:spLocks noGrp="1" noRot="1" noChangeAspect="1" noMove="1" noResize="1" noEditPoints="1" noAdjustHandles="1" noChangeArrowheads="1" noChangeShapeType="1" noTextEdit="1"/>
-          </p:cNvSpPr>
-          <p:nvPr>
-            <p:extLst>
-              <p:ext uri="{386F3935-93C4-4BCD-93E2-E3B085C9AB24}">
-                <p16:designElem xmlns:p16="http://schemas.microsoft.com/office/powerpoint/2015/main" val="1"/>
-              </p:ext>
-            </p:extLst>
-          </p:nvPr>
-        </p:nvSpPr>
-        <p:spPr>
-          <a:xfrm>
-            <a:off x="498834" y="758952"/>
-            <a:ext cx="128016" cy="704088"/>
-          </a:xfrm>
-          <a:prstGeom prst="rect">
-            <a:avLst/>
-          </a:prstGeom>
-          <a:solidFill>
-            <a:schemeClr val="accent2"/>
-          </a:solidFill>
-          <a:ln>
-            <a:noFill/>
-          </a:ln>
-        </p:spPr>
-        <p:style>
-          <a:lnRef idx="2">
-            <a:schemeClr val="accent1">
-              <a:shade val="50000"/>
-            </a:schemeClr>
-          </a:lnRef>
-          <a:fillRef idx="1">
-            <a:schemeClr val="accent1"/>
-          </a:fillRef>
-          <a:effectRef idx="0">
-            <a:schemeClr val="accent1"/>
-          </a:effectRef>
-          <a:fontRef idx="minor">
-            <a:schemeClr val="lt1"/>
-          </a:fontRef>
-        </p:style>
-        <p:txBody>
-          <a:bodyPr rtlCol="0" anchor="ctr"/>
-          <a:lstStyle/>
-          <a:p>
-            <a:pPr algn="ctr"/>
-            <a:endParaRPr lang="en-US">
-              <a:solidFill>
-                <a:prstClr val="white"/>
-              </a:solidFill>
-              <a:latin typeface="Calibri" panose="020F0502020204030204"/>
-            </a:endParaRPr>
-          </a:p>
-        </p:txBody>
-      </p:sp>
-      <p:sp>
-        <p:nvSpPr>
-          <p:cNvPr id="3" name="Content Placeholder 2">
-            <a:extLst>
-              <a:ext uri="{FF2B5EF4-FFF2-40B4-BE49-F238E27FC236}">
-                <a16:creationId xmlns:a16="http://schemas.microsoft.com/office/drawing/2014/main" id="{E43BD06B-906D-5C9C-E517-52B27F705E94}"/>
-              </a:ext>
-            </a:extLst>
-          </p:cNvPr>
-          <p:cNvSpPr>
-            <a:spLocks noGrp="1"/>
-          </p:cNvSpPr>
-          <p:nvPr>
-            <p:ph idx="1"/>
-          </p:nvPr>
-        </p:nvSpPr>
-        <p:spPr>
-          <a:xfrm>
-            <a:off x="1115568" y="2481943"/>
-            <a:ext cx="10168128" cy="3695020"/>
-          </a:xfrm>
-        </p:spPr>
-        <p:txBody>
-          <a:bodyPr>
-            <a:normAutofit/>
-          </a:bodyPr>
-          <a:lstStyle/>
-          <a:p>
-            <a:pPr marL="0" indent="0">
-              <a:buNone/>
-            </a:pPr>
-            <a:r>
-              <a:rPr lang="en-US" sz="2200" dirty="0"/>
-              <a:t>Love Gaming – Minecraft, Roblox, and Paper.io</a:t>
-            </a:r>
-          </a:p>
-          <a:p>
-            <a:pPr marL="0" indent="0">
-              <a:buNone/>
-            </a:pPr>
-            <a:r>
-              <a:rPr lang="en-US" sz="2200" dirty="0"/>
-              <a:t>Mac &amp; Cheese</a:t>
-            </a:r>
-          </a:p>
-          <a:p>
-            <a:pPr marL="0" indent="0">
-              <a:buNone/>
-            </a:pPr>
-            <a:r>
-              <a:rPr lang="en-US" sz="2200" dirty="0"/>
-              <a:t>Coding since age of 6</a:t>
-            </a:r>
-          </a:p>
-          <a:p>
-            <a:pPr marL="0" indent="0">
-              <a:buNone/>
-            </a:pPr>
-            <a:r>
-              <a:rPr lang="en-US" sz="2200" dirty="0"/>
-              <a:t>Going into 6</a:t>
-            </a:r>
-            <a:r>
-              <a:rPr lang="en-US" sz="2200" baseline="30000" dirty="0"/>
-              <a:t>th</a:t>
-            </a:r>
-            <a:r>
-              <a:rPr lang="en-US" sz="2200" dirty="0"/>
-              <a:t> grade</a:t>
-            </a:r>
-          </a:p>
-          <a:p>
-            <a:pPr marL="0" indent="0">
-              <a:buNone/>
-            </a:pPr>
-            <a:r>
-              <a:rPr lang="en-US" sz="2200" dirty="0"/>
-              <a:t>Enjoy UI and Colors</a:t>
-            </a:r>
-          </a:p>
-        </p:txBody>
-      </p:sp>
-    </p:spTree>
-    <p:extLst>
-      <p:ext uri="{BB962C8B-B14F-4D97-AF65-F5344CB8AC3E}">
-        <p14:creationId xmlns:p14="http://schemas.microsoft.com/office/powerpoint/2010/main" val="1630018322"/>
-      </p:ext>
-    </p:extLst>
-  </p:cSld>
-  <p:clrMapOvr>
-    <a:masterClrMapping/>
-  </p:clrMapOvr>
-</p:sld>
-</file>
-
-<file path=ppt/slides/slide6.xml><?xml version="1.0" encoding="utf-8"?>
+<file path=ppt/slides/slide21.xml><?xml version="1.0" encoding="utf-8"?>
 <p:sld xmlns:a="http://schemas.openxmlformats.org/drawingml/2006/main" xmlns:r="http://schemas.openxmlformats.org/officeDocument/2006/relationships" xmlns:p="http://schemas.openxmlformats.org/presentationml/2006/main">
   <p:cSld>
     <p:bg>
@@ -8256,7 +8333,7 @@
                   <a:srgbClr val="FFFFFF"/>
                 </a:solidFill>
               </a:rPr>
-              <a:t>Sections</a:t>
+              <a:t>Flowcharts</a:t>
             </a:r>
           </a:p>
         </p:txBody>
@@ -8340,8 +8417,8 @@
         </p:nvSpPr>
         <p:spPr>
           <a:xfrm>
-            <a:off x="4447308" y="787400"/>
-            <a:ext cx="6906491" cy="5389563"/>
+            <a:off x="4447308" y="591344"/>
+            <a:ext cx="6906491" cy="5585619"/>
           </a:xfrm>
         </p:spPr>
         <p:txBody>
@@ -8350,63 +8427,92 @@
           </a:bodyPr>
           <a:lstStyle/>
           <a:p>
-            <a:r>
-              <a:rPr lang="en-US" dirty="0"/>
-              <a:t>Goals of coding with kids</a:t>
-            </a:r>
-          </a:p>
-          <a:p>
-            <a:r>
-              <a:rPr lang="en-US" dirty="0"/>
-              <a:t>How we got started</a:t>
-            </a:r>
-          </a:p>
-          <a:p>
-            <a:r>
-              <a:rPr lang="en-US" dirty="0"/>
-              <a:t>Projects</a:t>
-            </a:r>
-          </a:p>
-          <a:p>
-            <a:r>
-              <a:rPr lang="en-US" dirty="0"/>
-              <a:t>Miscellaneous Activities</a:t>
-            </a:r>
-          </a:p>
-          <a:p>
-            <a:r>
-              <a:rPr lang="en-US" dirty="0"/>
-              <a:t>Key Points when programming with kids</a:t>
-            </a:r>
-          </a:p>
-          <a:p>
-            <a:r>
-              <a:rPr lang="en-US" dirty="0"/>
-              <a:t>Resources</a:t>
-            </a:r>
-          </a:p>
-          <a:p>
-            <a:r>
-              <a:rPr lang="en-US" dirty="0"/>
-              <a:t>Flow Charts</a:t>
-            </a:r>
-          </a:p>
-          <a:p>
-            <a:pPr lvl="1"/>
-            <a:r>
-              <a:rPr lang="en-US" dirty="0"/>
-              <a:t>Try it your self</a:t>
-            </a:r>
-          </a:p>
-          <a:p>
+            <a:pPr marL="0" indent="0" algn="ctr">
+              <a:buNone/>
+            </a:pPr>
+            <a:r>
+              <a:rPr lang="en-US" sz="3600" dirty="0"/>
+              <a:t>Process</a:t>
+            </a:r>
+          </a:p>
+          <a:p>
+            <a:pPr marL="0" indent="0">
+              <a:buNone/>
+            </a:pPr>
             <a:endParaRPr lang="en-US" dirty="0"/>
           </a:p>
-        </p:txBody>
-      </p:sp>
+          <a:p>
+            <a:pPr marL="0" indent="0">
+              <a:buNone/>
+            </a:pPr>
+            <a:r>
+              <a:rPr lang="en-US" b="0" i="0" dirty="0">
+                <a:solidFill>
+                  <a:srgbClr val="000000"/>
+                </a:solidFill>
+                <a:effectLst/>
+                <a:latin typeface="Poppins" panose="00000500000000000000" pitchFamily="2" charset="0"/>
+              </a:rPr>
+              <a:t>This shape stands for a step in your process</a:t>
+            </a:r>
+            <a:endParaRPr lang="en-US" dirty="0"/>
+          </a:p>
+          <a:p>
+            <a:endParaRPr lang="en-US" dirty="0"/>
+          </a:p>
+        </p:txBody>
+      </p:sp>
+      <p:pic>
+        <p:nvPicPr>
+          <p:cNvPr id="4098" name="Picture 2" descr="Process">
+            <a:extLst>
+              <a:ext uri="{FF2B5EF4-FFF2-40B4-BE49-F238E27FC236}">
+                <a16:creationId xmlns:a16="http://schemas.microsoft.com/office/drawing/2014/main" id="{3681DCA6-C424-AFC7-120E-04FF383E712D}"/>
+              </a:ext>
+            </a:extLst>
+          </p:cNvPr>
+          <p:cNvPicPr>
+            <a:picLocks noChangeAspect="1" noChangeArrowheads="1"/>
+          </p:cNvPicPr>
+          <p:nvPr/>
+        </p:nvPicPr>
+        <p:blipFill>
+          <a:blip r:embed="rId2">
+            <a:extLst>
+              <a:ext uri="{28A0092B-C50C-407E-A947-70E740481C1C}">
+                <a14:useLocalDpi xmlns:a14="http://schemas.microsoft.com/office/drawing/2010/main" val="0"/>
+              </a:ext>
+            </a:extLst>
+          </a:blip>
+          <a:srcRect/>
+          <a:stretch>
+            <a:fillRect/>
+          </a:stretch>
+        </p:blipFill>
+        <p:spPr bwMode="auto">
+          <a:xfrm>
+            <a:off x="7036994" y="926310"/>
+            <a:ext cx="1727117" cy="1113748"/>
+          </a:xfrm>
+          <a:prstGeom prst="rect">
+            <a:avLst/>
+          </a:prstGeom>
+          <a:noFill/>
+          <a:extLst>
+            <a:ext uri="{909E8E84-426E-40DD-AFC4-6F175D3DCCD1}">
+              <a14:hiddenFill xmlns:a14="http://schemas.microsoft.com/office/drawing/2010/main">
+                <a:solidFill>
+                  <a:srgbClr val="FFFFFF"/>
+                </a:solidFill>
+              </a14:hiddenFill>
+            </a:ext>
+          </a:extLst>
+        </p:spPr>
+      </p:pic>
     </p:spTree>
     <p:extLst>
       <p:ext uri="{BB962C8B-B14F-4D97-AF65-F5344CB8AC3E}">
-        <p14:creationId xmlns:p14="http://schemas.microsoft.com/office/powerpoint/2010/main" val="2269727316"/>
+        <p14:creationId xmlns:p14="http://schemas.microsoft.com/office/powerpoint/2010/main" val="455532679"/>
       </p:ext>
     </p:extLst>
   </p:cSld>
@@ -8416,520 +8522,7 @@
 </p:sld>
 </file>
 
-<file path=ppt/slides/slide7.xml><?xml version="1.0" encoding="utf-8"?>
-<p:sld xmlns:a="http://schemas.openxmlformats.org/drawingml/2006/main" xmlns:r="http://schemas.openxmlformats.org/officeDocument/2006/relationships" xmlns:p="http://schemas.openxmlformats.org/presentationml/2006/main">
-  <p:cSld>
-    <p:bg>
-      <p:bgPr>
-        <a:solidFill>
-          <a:schemeClr val="bg1"/>
-        </a:solidFill>
-        <a:effectLst/>
-      </p:bgPr>
-    </p:bg>
-    <p:spTree>
-      <p:nvGrpSpPr>
-        <p:cNvPr id="1" name=""/>
-        <p:cNvGrpSpPr/>
-        <p:nvPr/>
-      </p:nvGrpSpPr>
-      <p:grpSpPr>
-        <a:xfrm>
-          <a:off x="0" y="0"/>
-          <a:ext cx="0" cy="0"/>
-          <a:chOff x="0" y="0"/>
-          <a:chExt cx="0" cy="0"/>
-        </a:xfrm>
-      </p:grpSpPr>
-      <p:sp useBgFill="1">
-        <p:nvSpPr>
-          <p:cNvPr id="8" name="Rectangle 7">
-            <a:extLst>
-              <a:ext uri="{FF2B5EF4-FFF2-40B4-BE49-F238E27FC236}">
-                <a16:creationId xmlns:a16="http://schemas.microsoft.com/office/drawing/2014/main" id="{DAF1966E-FD40-4A4A-B61B-C4DF7FA05F06}"/>
-              </a:ext>
-              <a:ext uri="{C183D7F6-B498-43B3-948B-1728B52AA6E4}">
-                <adec:decorative xmlns:adec="http://schemas.microsoft.com/office/drawing/2017/decorative" val="1"/>
-              </a:ext>
-            </a:extLst>
-          </p:cNvPr>
-          <p:cNvSpPr>
-            <a:spLocks noGrp="1" noRot="1" noChangeAspect="1" noMove="1" noResize="1" noEditPoints="1" noAdjustHandles="1" noChangeArrowheads="1" noChangeShapeType="1" noTextEdit="1"/>
-          </p:cNvSpPr>
-          <p:nvPr>
-            <p:extLst>
-              <p:ext uri="{386F3935-93C4-4BCD-93E2-E3B085C9AB24}">
-                <p16:designElem xmlns:p16="http://schemas.microsoft.com/office/powerpoint/2015/main" val="1"/>
-              </p:ext>
-            </p:extLst>
-          </p:nvPr>
-        </p:nvSpPr>
-        <p:spPr>
-          <a:xfrm>
-            <a:off x="0" y="0"/>
-            <a:ext cx="12192000" cy="6858000"/>
-          </a:xfrm>
-          <a:prstGeom prst="rect">
-            <a:avLst/>
-          </a:prstGeom>
-          <a:ln>
-            <a:noFill/>
-          </a:ln>
-        </p:spPr>
-        <p:style>
-          <a:lnRef idx="2">
-            <a:schemeClr val="accent1">
-              <a:shade val="50000"/>
-            </a:schemeClr>
-          </a:lnRef>
-          <a:fillRef idx="1">
-            <a:schemeClr val="accent1"/>
-          </a:fillRef>
-          <a:effectRef idx="0">
-            <a:schemeClr val="accent1"/>
-          </a:effectRef>
-          <a:fontRef idx="minor">
-            <a:schemeClr val="lt1"/>
-          </a:fontRef>
-        </p:style>
-        <p:txBody>
-          <a:bodyPr rtlCol="0" anchor="ctr"/>
-          <a:lstStyle/>
-          <a:p>
-            <a:pPr algn="ctr"/>
-            <a:endParaRPr lang="en-US"/>
-          </a:p>
-        </p:txBody>
-      </p:sp>
-      <p:sp useBgFill="1">
-        <p:nvSpPr>
-          <p:cNvPr id="10" name="Rectangle 9">
-            <a:extLst>
-              <a:ext uri="{FF2B5EF4-FFF2-40B4-BE49-F238E27FC236}">
-                <a16:creationId xmlns:a16="http://schemas.microsoft.com/office/drawing/2014/main" id="{047BFA19-D45E-416B-A404-7AF2F3F27017}"/>
-              </a:ext>
-              <a:ext uri="{C183D7F6-B498-43B3-948B-1728B52AA6E4}">
-                <adec:decorative xmlns:adec="http://schemas.microsoft.com/office/drawing/2017/decorative" val="1"/>
-              </a:ext>
-            </a:extLst>
-          </p:cNvPr>
-          <p:cNvSpPr>
-            <a:spLocks noGrp="1" noRot="1" noChangeAspect="1" noMove="1" noResize="1" noEditPoints="1" noAdjustHandles="1" noChangeArrowheads="1" noChangeShapeType="1" noTextEdit="1"/>
-          </p:cNvSpPr>
-          <p:nvPr>
-            <p:extLst>
-              <p:ext uri="{386F3935-93C4-4BCD-93E2-E3B085C9AB24}">
-                <p16:designElem xmlns:p16="http://schemas.microsoft.com/office/powerpoint/2015/main" val="1"/>
-              </p:ext>
-            </p:extLst>
-          </p:nvPr>
-        </p:nvSpPr>
-        <p:spPr>
-          <a:xfrm>
-            <a:off x="558209" y="0"/>
-            <a:ext cx="11167447" cy="2018806"/>
-          </a:xfrm>
-          <a:prstGeom prst="rect">
-            <a:avLst/>
-          </a:prstGeom>
-          <a:ln w="9525">
-            <a:solidFill>
-              <a:srgbClr val="E1E1E1"/>
-            </a:solidFill>
-          </a:ln>
-          <a:effectLst>
-            <a:outerShdw blurRad="50800" dist="38100" dir="2700000" algn="tl" rotWithShape="0">
-              <a:schemeClr val="bg1">
-                <a:lumMod val="85000"/>
-                <a:alpha val="50000"/>
-              </a:schemeClr>
-            </a:outerShdw>
-          </a:effectLst>
-        </p:spPr>
-        <p:style>
-          <a:lnRef idx="2">
-            <a:schemeClr val="accent1">
-              <a:shade val="50000"/>
-            </a:schemeClr>
-          </a:lnRef>
-          <a:fillRef idx="1">
-            <a:schemeClr val="accent1"/>
-          </a:fillRef>
-          <a:effectRef idx="0">
-            <a:schemeClr val="accent1"/>
-          </a:effectRef>
-          <a:fontRef idx="minor">
-            <a:schemeClr val="lt1"/>
-          </a:fontRef>
-        </p:style>
-        <p:txBody>
-          <a:bodyPr rtlCol="0" anchor="ctr"/>
-          <a:lstStyle/>
-          <a:p>
-            <a:pPr marL="0" marR="0" lvl="0" indent="0" algn="ctr" defTabSz="914400" rtl="0" eaLnBrk="1" fontAlgn="auto" latinLnBrk="0" hangingPunct="1">
-              <a:lnSpc>
-                <a:spcPct val="100000"/>
-              </a:lnSpc>
-              <a:spcBef>
-                <a:spcPts val="0"/>
-              </a:spcBef>
-              <a:spcAft>
-                <a:spcPts val="0"/>
-              </a:spcAft>
-              <a:buClrTx/>
-              <a:buSzTx/>
-              <a:buFontTx/>
-              <a:buNone/>
-              <a:tabLst/>
-              <a:defRPr/>
-            </a:pPr>
-            <a:endParaRPr kumimoji="0" lang="en-US" sz="1800" b="0" i="0" u="none" strike="noStrike" kern="1200" cap="none" spc="0" normalizeH="0" baseline="0" noProof="0">
-              <a:ln>
-                <a:noFill/>
-              </a:ln>
-              <a:solidFill>
-                <a:prstClr val="white"/>
-              </a:solidFill>
-              <a:effectLst/>
-              <a:uLnTx/>
-              <a:uFillTx/>
-              <a:latin typeface="Calibri" panose="020F0502020204030204"/>
-              <a:ea typeface="+mn-ea"/>
-              <a:cs typeface="+mn-cs"/>
-            </a:endParaRPr>
-          </a:p>
-        </p:txBody>
-      </p:sp>
-      <p:sp useBgFill="1">
-        <p:nvSpPr>
-          <p:cNvPr id="12" name="Rectangle 11">
-            <a:extLst>
-              <a:ext uri="{FF2B5EF4-FFF2-40B4-BE49-F238E27FC236}">
-                <a16:creationId xmlns:a16="http://schemas.microsoft.com/office/drawing/2014/main" id="{8E0105E7-23DB-4CF2-8258-FF47C7620F6E}"/>
-              </a:ext>
-              <a:ext uri="{C183D7F6-B498-43B3-948B-1728B52AA6E4}">
-                <adec:decorative xmlns:adec="http://schemas.microsoft.com/office/drawing/2017/decorative" val="1"/>
-              </a:ext>
-            </a:extLst>
-          </p:cNvPr>
-          <p:cNvSpPr>
-            <a:spLocks noGrp="1" noRot="1" noChangeAspect="1" noMove="1" noResize="1" noEditPoints="1" noAdjustHandles="1" noChangeArrowheads="1" noChangeShapeType="1" noTextEdit="1"/>
-          </p:cNvSpPr>
-          <p:nvPr>
-            <p:extLst>
-              <p:ext uri="{386F3935-93C4-4BCD-93E2-E3B085C9AB24}">
-                <p16:designElem xmlns:p16="http://schemas.microsoft.com/office/powerpoint/2015/main" val="1"/>
-              </p:ext>
-            </p:extLst>
-          </p:nvPr>
-        </p:nvSpPr>
-        <p:spPr>
-          <a:xfrm>
-            <a:off x="566928" y="0"/>
-            <a:ext cx="11155680" cy="2011680"/>
-          </a:xfrm>
-          <a:prstGeom prst="rect">
-            <a:avLst/>
-          </a:prstGeom>
-          <a:ln w="9525">
-            <a:noFill/>
-          </a:ln>
-          <a:effectLst/>
-        </p:spPr>
-        <p:style>
-          <a:lnRef idx="2">
-            <a:schemeClr val="accent1">
-              <a:shade val="50000"/>
-            </a:schemeClr>
-          </a:lnRef>
-          <a:fillRef idx="1">
-            <a:schemeClr val="accent1"/>
-          </a:fillRef>
-          <a:effectRef idx="0">
-            <a:schemeClr val="accent1"/>
-          </a:effectRef>
-          <a:fontRef idx="minor">
-            <a:schemeClr val="lt1"/>
-          </a:fontRef>
-        </p:style>
-        <p:txBody>
-          <a:bodyPr rtlCol="0" anchor="ctr"/>
-          <a:lstStyle/>
-          <a:p>
-            <a:pPr marL="0" marR="0" lvl="0" indent="0" algn="ctr" defTabSz="914400" rtl="0" eaLnBrk="1" fontAlgn="auto" latinLnBrk="0" hangingPunct="1">
-              <a:lnSpc>
-                <a:spcPct val="100000"/>
-              </a:lnSpc>
-              <a:spcBef>
-                <a:spcPts val="0"/>
-              </a:spcBef>
-              <a:spcAft>
-                <a:spcPts val="0"/>
-              </a:spcAft>
-              <a:buClrTx/>
-              <a:buSzTx/>
-              <a:buFontTx/>
-              <a:buNone/>
-              <a:tabLst/>
-              <a:defRPr/>
-            </a:pPr>
-            <a:endParaRPr kumimoji="0" lang="en-US" sz="1800" b="0" i="0" u="none" strike="noStrike" kern="1200" cap="none" spc="0" normalizeH="0" baseline="0" noProof="0">
-              <a:ln>
-                <a:noFill/>
-              </a:ln>
-              <a:solidFill>
-                <a:prstClr val="white"/>
-              </a:solidFill>
-              <a:effectLst/>
-              <a:uLnTx/>
-              <a:uFillTx/>
-              <a:latin typeface="Calibri" panose="020F0502020204030204"/>
-              <a:ea typeface="+mn-ea"/>
-              <a:cs typeface="+mn-cs"/>
-            </a:endParaRPr>
-          </a:p>
-        </p:txBody>
-      </p:sp>
-      <p:sp>
-        <p:nvSpPr>
-          <p:cNvPr id="2" name="Title 1">
-            <a:extLst>
-              <a:ext uri="{FF2B5EF4-FFF2-40B4-BE49-F238E27FC236}">
-                <a16:creationId xmlns:a16="http://schemas.microsoft.com/office/drawing/2014/main" id="{82CF4B60-062A-25CD-E448-6C8255EEF9CC}"/>
-              </a:ext>
-            </a:extLst>
-          </p:cNvPr>
-          <p:cNvSpPr>
-            <a:spLocks noGrp="1"/>
-          </p:cNvSpPr>
-          <p:nvPr>
-            <p:ph type="title"/>
-          </p:nvPr>
-        </p:nvSpPr>
-        <p:spPr>
-          <a:xfrm>
-            <a:off x="1115568" y="548640"/>
-            <a:ext cx="10168128" cy="1179576"/>
-          </a:xfrm>
-        </p:spPr>
-        <p:txBody>
-          <a:bodyPr>
-            <a:normAutofit/>
-          </a:bodyPr>
-          <a:lstStyle/>
-          <a:p>
-            <a:r>
-              <a:rPr lang="en-US" sz="4000" dirty="0"/>
-              <a:t>Goals of coding with kids</a:t>
-            </a:r>
-          </a:p>
-        </p:txBody>
-      </p:sp>
-      <p:sp>
-        <p:nvSpPr>
-          <p:cNvPr id="14" name="Rectangle 13">
-            <a:extLst>
-              <a:ext uri="{FF2B5EF4-FFF2-40B4-BE49-F238E27FC236}">
-                <a16:creationId xmlns:a16="http://schemas.microsoft.com/office/drawing/2014/main" id="{074B4F7D-14B2-478B-8BF5-01E4E0C5D263}"/>
-              </a:ext>
-              <a:ext uri="{C183D7F6-B498-43B3-948B-1728B52AA6E4}">
-                <adec:decorative xmlns:adec="http://schemas.microsoft.com/office/drawing/2017/decorative" val="1"/>
-              </a:ext>
-            </a:extLst>
-          </p:cNvPr>
-          <p:cNvSpPr>
-            <a:spLocks noGrp="1" noRot="1" noChangeAspect="1" noMove="1" noResize="1" noEditPoints="1" noAdjustHandles="1" noChangeArrowheads="1" noChangeShapeType="1" noTextEdit="1"/>
-          </p:cNvSpPr>
-          <p:nvPr>
-            <p:extLst>
-              <p:ext uri="{386F3935-93C4-4BCD-93E2-E3B085C9AB24}">
-                <p16:designElem xmlns:p16="http://schemas.microsoft.com/office/powerpoint/2015/main" val="1"/>
-              </p:ext>
-            </p:extLst>
-          </p:nvPr>
-        </p:nvSpPr>
-        <p:spPr>
-          <a:xfrm>
-            <a:off x="498834" y="758952"/>
-            <a:ext cx="128016" cy="704088"/>
-          </a:xfrm>
-          <a:prstGeom prst="rect">
-            <a:avLst/>
-          </a:prstGeom>
-          <a:solidFill>
-            <a:schemeClr val="accent2"/>
-          </a:solidFill>
-          <a:ln>
-            <a:noFill/>
-          </a:ln>
-        </p:spPr>
-        <p:style>
-          <a:lnRef idx="2">
-            <a:schemeClr val="accent1">
-              <a:shade val="50000"/>
-            </a:schemeClr>
-          </a:lnRef>
-          <a:fillRef idx="1">
-            <a:schemeClr val="accent1"/>
-          </a:fillRef>
-          <a:effectRef idx="0">
-            <a:schemeClr val="accent1"/>
-          </a:effectRef>
-          <a:fontRef idx="minor">
-            <a:schemeClr val="lt1"/>
-          </a:fontRef>
-        </p:style>
-        <p:txBody>
-          <a:bodyPr rtlCol="0" anchor="ctr"/>
-          <a:lstStyle/>
-          <a:p>
-            <a:pPr algn="ctr"/>
-            <a:endParaRPr lang="en-US">
-              <a:solidFill>
-                <a:prstClr val="white"/>
-              </a:solidFill>
-              <a:latin typeface="Calibri" panose="020F0502020204030204"/>
-            </a:endParaRPr>
-          </a:p>
-        </p:txBody>
-      </p:sp>
-      <p:sp>
-        <p:nvSpPr>
-          <p:cNvPr id="3" name="Content Placeholder 2">
-            <a:extLst>
-              <a:ext uri="{FF2B5EF4-FFF2-40B4-BE49-F238E27FC236}">
-                <a16:creationId xmlns:a16="http://schemas.microsoft.com/office/drawing/2014/main" id="{E43BD06B-906D-5C9C-E517-52B27F705E94}"/>
-              </a:ext>
-            </a:extLst>
-          </p:cNvPr>
-          <p:cNvSpPr>
-            <a:spLocks noGrp="1"/>
-          </p:cNvSpPr>
-          <p:nvPr>
-            <p:ph idx="1"/>
-          </p:nvPr>
-        </p:nvSpPr>
-        <p:spPr>
-          <a:xfrm>
-            <a:off x="1115568" y="2481943"/>
-            <a:ext cx="10168128" cy="3695020"/>
-          </a:xfrm>
-        </p:spPr>
-        <p:txBody>
-          <a:bodyPr>
-            <a:normAutofit/>
-          </a:bodyPr>
-          <a:lstStyle/>
-          <a:p>
-            <a:pPr marL="457200" indent="-457200">
-              <a:buFont typeface="+mj-lt"/>
-              <a:buAutoNum type="arabicPeriod"/>
-            </a:pPr>
-            <a:r>
-              <a:rPr lang="en-US" sz="2200" dirty="0"/>
-              <a:t>Have fun with our children</a:t>
-            </a:r>
-          </a:p>
-          <a:p>
-            <a:pPr marL="457200" indent="-457200">
-              <a:buFont typeface="+mj-lt"/>
-              <a:buAutoNum type="arabicPeriod"/>
-            </a:pPr>
-            <a:r>
-              <a:rPr lang="en-US" sz="2200" dirty="0"/>
-              <a:t>Spend time together</a:t>
-            </a:r>
-          </a:p>
-          <a:p>
-            <a:pPr marL="457200" indent="-457200">
-              <a:buFont typeface="+mj-lt"/>
-              <a:buAutoNum type="arabicPeriod"/>
-            </a:pPr>
-            <a:r>
-              <a:rPr lang="en-US" sz="2200" dirty="0"/>
-              <a:t>Teach persistence / Perseverance</a:t>
-            </a:r>
-          </a:p>
-          <a:p>
-            <a:pPr marL="457200" indent="-457200">
-              <a:buFont typeface="+mj-lt"/>
-              <a:buAutoNum type="arabicPeriod"/>
-            </a:pPr>
-            <a:r>
-              <a:rPr lang="en-US" sz="2200" dirty="0"/>
-              <a:t>Growth Mindset</a:t>
-            </a:r>
-          </a:p>
-          <a:p>
-            <a:pPr marL="457200" indent="-457200">
-              <a:buFont typeface="+mj-lt"/>
-              <a:buAutoNum type="arabicPeriod"/>
-            </a:pPr>
-            <a:r>
-              <a:rPr lang="en-US" sz="2200" dirty="0"/>
-              <a:t>Learn ways which they learn</a:t>
-            </a:r>
-          </a:p>
-          <a:p>
-            <a:pPr marL="457200" indent="-457200">
-              <a:buFont typeface="+mj-lt"/>
-              <a:buAutoNum type="arabicPeriod"/>
-            </a:pPr>
-            <a:r>
-              <a:rPr lang="en-US" sz="2200" dirty="0"/>
-              <a:t>Increase Creativity</a:t>
-            </a:r>
-          </a:p>
-          <a:p>
-            <a:pPr marL="457200" indent="-457200">
-              <a:buFont typeface="+mj-lt"/>
-              <a:buAutoNum type="arabicPeriod"/>
-            </a:pPr>
-            <a:r>
-              <a:rPr lang="en-US" sz="2200" dirty="0"/>
-              <a:t>Problem Solving / logic skills</a:t>
-            </a:r>
-          </a:p>
-          <a:p>
-            <a:pPr marL="457200" indent="-457200">
-              <a:buFont typeface="+mj-lt"/>
-              <a:buAutoNum type="arabicPeriod"/>
-            </a:pPr>
-            <a:r>
-              <a:rPr lang="en-US" sz="2200" dirty="0"/>
-              <a:t>Communication skills</a:t>
-            </a:r>
-          </a:p>
-          <a:p>
-            <a:pPr marL="457200" indent="-457200">
-              <a:buFont typeface="+mj-lt"/>
-              <a:buAutoNum type="arabicPeriod"/>
-            </a:pPr>
-            <a:endParaRPr lang="en-US" sz="2200" dirty="0"/>
-          </a:p>
-          <a:p>
-            <a:pPr marL="457200" indent="-457200">
-              <a:buFont typeface="+mj-lt"/>
-              <a:buAutoNum type="arabicPeriod"/>
-            </a:pPr>
-            <a:endParaRPr lang="en-US" sz="2200" dirty="0"/>
-          </a:p>
-        </p:txBody>
-      </p:sp>
-    </p:spTree>
-    <p:extLst>
-      <p:ext uri="{BB962C8B-B14F-4D97-AF65-F5344CB8AC3E}">
-        <p14:creationId xmlns:p14="http://schemas.microsoft.com/office/powerpoint/2010/main" val="728067852"/>
-      </p:ext>
-    </p:extLst>
-  </p:cSld>
-  <p:clrMapOvr>
-    <a:masterClrMapping/>
-  </p:clrMapOvr>
-</p:sld>
-</file>
-
-<file path=ppt/slides/slide8.xml><?xml version="1.0" encoding="utf-8"?>
+<file path=ppt/slides/slide22.xml><?xml version="1.0" encoding="utf-8"?>
 <p:sld xmlns:a="http://schemas.openxmlformats.org/drawingml/2006/main" xmlns:r="http://schemas.openxmlformats.org/officeDocument/2006/relationships" xmlns:p="http://schemas.openxmlformats.org/presentationml/2006/main">
   <p:cSld>
     <p:bg>
@@ -9166,8 +8759,8 @@
         </p:nvSpPr>
         <p:spPr>
           <a:xfrm>
-            <a:off x="0" y="1153572"/>
-            <a:ext cx="3530601" cy="4461163"/>
+            <a:off x="686834" y="1153572"/>
+            <a:ext cx="3200400" cy="4461163"/>
           </a:xfrm>
         </p:spPr>
         <p:txBody>
@@ -9176,14 +8769,13 @@
           </a:bodyPr>
           <a:lstStyle/>
           <a:p>
-            <a:pPr algn="ctr"/>
             <a:r>
               <a:rPr lang="en-US" dirty="0">
                 <a:solidFill>
                   <a:srgbClr val="FFFFFF"/>
                 </a:solidFill>
               </a:rPr>
-              <a:t>Gave the choice of reading or coding before bed</a:t>
+              <a:t>Flowcharts</a:t>
             </a:r>
           </a:p>
         </p:txBody>
@@ -9249,38 +8841,103 @@
           </a:p>
         </p:txBody>
       </p:sp>
+      <p:sp>
+        <p:nvSpPr>
+          <p:cNvPr id="3" name="Content Placeholder 2">
+            <a:extLst>
+              <a:ext uri="{FF2B5EF4-FFF2-40B4-BE49-F238E27FC236}">
+                <a16:creationId xmlns:a16="http://schemas.microsoft.com/office/drawing/2014/main" id="{506ECF03-3832-CE61-45EB-6C148D597A92}"/>
+              </a:ext>
+            </a:extLst>
+          </p:cNvPr>
+          <p:cNvSpPr>
+            <a:spLocks noGrp="1"/>
+          </p:cNvSpPr>
+          <p:nvPr>
+            <p:ph idx="1"/>
+          </p:nvPr>
+        </p:nvSpPr>
+        <p:spPr>
+          <a:xfrm>
+            <a:off x="4447308" y="591344"/>
+            <a:ext cx="6906491" cy="5585619"/>
+          </a:xfrm>
+        </p:spPr>
+        <p:txBody>
+          <a:bodyPr anchor="ctr">
+            <a:normAutofit/>
+          </a:bodyPr>
+          <a:lstStyle/>
+          <a:p>
+            <a:pPr marL="0" indent="0" algn="ctr">
+              <a:buNone/>
+            </a:pPr>
+            <a:r>
+              <a:rPr lang="en-US" sz="3600" dirty="0"/>
+              <a:t>Decision</a:t>
+            </a:r>
+          </a:p>
+          <a:p>
+            <a:pPr marL="0" indent="0">
+              <a:buNone/>
+            </a:pPr>
+            <a:endParaRPr lang="en-US" b="0" i="0" dirty="0">
+              <a:solidFill>
+                <a:srgbClr val="000000"/>
+              </a:solidFill>
+              <a:effectLst/>
+              <a:latin typeface="Poppins" panose="00000500000000000000" pitchFamily="2" charset="0"/>
+            </a:endParaRPr>
+          </a:p>
+          <a:p>
+            <a:pPr marL="0" indent="0">
+              <a:buNone/>
+            </a:pPr>
+            <a:r>
+              <a:rPr lang="en-US" b="0" i="0" dirty="0">
+                <a:solidFill>
+                  <a:srgbClr val="000000"/>
+                </a:solidFill>
+                <a:effectLst/>
+                <a:latin typeface="Poppins" panose="00000500000000000000" pitchFamily="2" charset="0"/>
+              </a:rPr>
+              <a:t>It indicates a point where the outcome of a decision dictates the next step. There can be various outcomes, but usually there are just two - yes and no</a:t>
+            </a:r>
+            <a:endParaRPr lang="en-US" dirty="0"/>
+          </a:p>
+        </p:txBody>
+      </p:sp>
       <p:pic>
         <p:nvPicPr>
-          <p:cNvPr id="7" name="Content Placeholder 6">
+          <p:cNvPr id="5122" name="Picture 2" descr="Decision">
             <a:extLst>
               <a:ext uri="{FF2B5EF4-FFF2-40B4-BE49-F238E27FC236}">
-                <a16:creationId xmlns:a16="http://schemas.microsoft.com/office/drawing/2014/main" id="{7EFA6835-1F43-9DCF-A031-566D18CEB8C2}"/>
+                <a16:creationId xmlns:a16="http://schemas.microsoft.com/office/drawing/2014/main" id="{D7DE6D08-B92E-56C9-61B0-2FAA3A534C20}"/>
               </a:ext>
             </a:extLst>
           </p:cNvPr>
           <p:cNvPicPr>
-            <a:picLocks noGrp="1" noChangeAspect="1"/>
+            <a:picLocks noChangeAspect="1" noChangeArrowheads="1"/>
           </p:cNvPicPr>
-          <p:nvPr>
-            <p:ph idx="1"/>
-          </p:nvPr>
+          <p:nvPr/>
         </p:nvPicPr>
         <p:blipFill>
-          <a:blip r:embed="rId2" cstate="print">
+          <a:blip r:embed="rId2">
             <a:extLst>
               <a:ext uri="{28A0092B-C50C-407E-A947-70E740481C1C}">
                 <a14:useLocalDpi xmlns:a14="http://schemas.microsoft.com/office/drawing/2010/main" val="0"/>
               </a:ext>
             </a:extLst>
           </a:blip>
+          <a:srcRect/>
           <a:stretch>
             <a:fillRect/>
           </a:stretch>
         </p:blipFill>
         <p:spPr bwMode="auto">
-          <a:xfrm rot="5400000">
-            <a:off x="5068888" y="1289844"/>
-            <a:ext cx="5584825" cy="4188618"/>
+          <a:xfrm>
+            <a:off x="7007477" y="769441"/>
+            <a:ext cx="1742823" cy="1095489"/>
           </a:xfrm>
           <a:prstGeom prst="rect">
             <a:avLst/>
@@ -9300,7 +8957,7 @@
     </p:spTree>
     <p:extLst>
       <p:ext uri="{BB962C8B-B14F-4D97-AF65-F5344CB8AC3E}">
-        <p14:creationId xmlns:p14="http://schemas.microsoft.com/office/powerpoint/2010/main" val="3212597786"/>
+        <p14:creationId xmlns:p14="http://schemas.microsoft.com/office/powerpoint/2010/main" val="3008013547"/>
       </p:ext>
     </p:extLst>
   </p:cSld>
@@ -9310,7 +8967,7 @@
 </p:sld>
 </file>
 
-<file path=ppt/slides/slide9.xml><?xml version="1.0" encoding="utf-8"?>
+<file path=ppt/slides/slide23.xml><?xml version="1.0" encoding="utf-8"?>
 <p:sld xmlns:a="http://schemas.openxmlformats.org/drawingml/2006/main" xmlns:r="http://schemas.openxmlformats.org/officeDocument/2006/relationships" xmlns:p="http://schemas.openxmlformats.org/presentationml/2006/main">
   <p:cSld>
     <p:bg>
@@ -9547,8 +9204,8 @@
         </p:nvSpPr>
         <p:spPr>
           <a:xfrm>
-            <a:off x="177800" y="1198418"/>
-            <a:ext cx="3606800" cy="4461163"/>
+            <a:off x="686834" y="1153572"/>
+            <a:ext cx="3200400" cy="4461163"/>
           </a:xfrm>
         </p:spPr>
         <p:txBody>
@@ -9557,14 +9214,13 @@
           </a:bodyPr>
           <a:lstStyle/>
           <a:p>
-            <a:pPr algn="ctr"/>
             <a:r>
               <a:rPr lang="en-US" dirty="0">
                 <a:solidFill>
                   <a:srgbClr val="FFFFFF"/>
                 </a:solidFill>
               </a:rPr>
-              <a:t>How we started</a:t>
+              <a:t>Flowcharts</a:t>
             </a:r>
           </a:p>
         </p:txBody>
@@ -9648,6 +9304,3429 @@
         </p:nvSpPr>
         <p:spPr>
           <a:xfrm>
+            <a:off x="4447308" y="591344"/>
+            <a:ext cx="6906491" cy="5585619"/>
+          </a:xfrm>
+        </p:spPr>
+        <p:txBody>
+          <a:bodyPr anchor="ctr">
+            <a:normAutofit/>
+          </a:bodyPr>
+          <a:lstStyle/>
+          <a:p>
+            <a:pPr marL="0" indent="0" algn="ctr">
+              <a:buNone/>
+            </a:pPr>
+            <a:r>
+              <a:rPr lang="en-US" sz="3600" dirty="0"/>
+              <a:t>Input / Output</a:t>
+            </a:r>
+          </a:p>
+          <a:p>
+            <a:pPr marL="0" indent="0">
+              <a:buNone/>
+            </a:pPr>
+            <a:endParaRPr lang="en-US" b="0" i="0" dirty="0">
+              <a:solidFill>
+                <a:srgbClr val="000000"/>
+              </a:solidFill>
+              <a:effectLst/>
+              <a:latin typeface="Poppins" panose="00000500000000000000" pitchFamily="2" charset="0"/>
+            </a:endParaRPr>
+          </a:p>
+          <a:p>
+            <a:pPr marL="0" indent="0">
+              <a:buNone/>
+            </a:pPr>
+            <a:r>
+              <a:rPr lang="en-US" b="0" i="0" dirty="0">
+                <a:solidFill>
+                  <a:srgbClr val="000000"/>
+                </a:solidFill>
+                <a:effectLst/>
+                <a:latin typeface="Poppins" panose="00000500000000000000" pitchFamily="2" charset="0"/>
+              </a:rPr>
+              <a:t>This shape shows that information is coming into the process from outside, or leaving the process</a:t>
+            </a:r>
+            <a:endParaRPr lang="en-US" dirty="0"/>
+          </a:p>
+        </p:txBody>
+      </p:sp>
+      <p:pic>
+        <p:nvPicPr>
+          <p:cNvPr id="6146" name="Picture 2" descr="Data">
+            <a:extLst>
+              <a:ext uri="{FF2B5EF4-FFF2-40B4-BE49-F238E27FC236}">
+                <a16:creationId xmlns:a16="http://schemas.microsoft.com/office/drawing/2014/main" id="{FF76D30B-004D-331E-0DE9-D9E1411CC8B6}"/>
+              </a:ext>
+            </a:extLst>
+          </p:cNvPr>
+          <p:cNvPicPr>
+            <a:picLocks noChangeAspect="1" noChangeArrowheads="1"/>
+          </p:cNvPicPr>
+          <p:nvPr/>
+        </p:nvPicPr>
+        <p:blipFill>
+          <a:blip r:embed="rId2">
+            <a:extLst>
+              <a:ext uri="{28A0092B-C50C-407E-A947-70E740481C1C}">
+                <a14:useLocalDpi xmlns:a14="http://schemas.microsoft.com/office/drawing/2010/main" val="0"/>
+              </a:ext>
+            </a:extLst>
+          </a:blip>
+          <a:srcRect/>
+          <a:stretch>
+            <a:fillRect/>
+          </a:stretch>
+        </p:blipFill>
+        <p:spPr bwMode="auto">
+          <a:xfrm>
+            <a:off x="6873858" y="750599"/>
+            <a:ext cx="2053390" cy="1034415"/>
+          </a:xfrm>
+          <a:prstGeom prst="rect">
+            <a:avLst/>
+          </a:prstGeom>
+          <a:noFill/>
+          <a:extLst>
+            <a:ext uri="{909E8E84-426E-40DD-AFC4-6F175D3DCCD1}">
+              <a14:hiddenFill xmlns:a14="http://schemas.microsoft.com/office/drawing/2010/main">
+                <a:solidFill>
+                  <a:srgbClr val="FFFFFF"/>
+                </a:solidFill>
+              </a14:hiddenFill>
+            </a:ext>
+          </a:extLst>
+        </p:spPr>
+      </p:pic>
+    </p:spTree>
+    <p:extLst>
+      <p:ext uri="{BB962C8B-B14F-4D97-AF65-F5344CB8AC3E}">
+        <p14:creationId xmlns:p14="http://schemas.microsoft.com/office/powerpoint/2010/main" val="2131350616"/>
+      </p:ext>
+    </p:extLst>
+  </p:cSld>
+  <p:clrMapOvr>
+    <a:masterClrMapping/>
+  </p:clrMapOvr>
+</p:sld>
+</file>
+
+<file path=ppt/slides/slide24.xml><?xml version="1.0" encoding="utf-8"?>
+<p:sld xmlns:a="http://schemas.openxmlformats.org/drawingml/2006/main" xmlns:r="http://schemas.openxmlformats.org/officeDocument/2006/relationships" xmlns:p="http://schemas.openxmlformats.org/presentationml/2006/main">
+  <p:cSld>
+    <p:bg>
+      <p:bgPr>
+        <a:solidFill>
+          <a:schemeClr val="bg1"/>
+        </a:solidFill>
+        <a:effectLst/>
+      </p:bgPr>
+    </p:bg>
+    <p:spTree>
+      <p:nvGrpSpPr>
+        <p:cNvPr id="1" name=""/>
+        <p:cNvGrpSpPr/>
+        <p:nvPr/>
+      </p:nvGrpSpPr>
+      <p:grpSpPr>
+        <a:xfrm>
+          <a:off x="0" y="0"/>
+          <a:ext cx="0" cy="0"/>
+          <a:chOff x="0" y="0"/>
+          <a:chExt cx="0" cy="0"/>
+        </a:xfrm>
+      </p:grpSpPr>
+      <p:sp useBgFill="1">
+        <p:nvSpPr>
+          <p:cNvPr id="8" name="Rectangle 7">
+            <a:extLst>
+              <a:ext uri="{FF2B5EF4-FFF2-40B4-BE49-F238E27FC236}">
+                <a16:creationId xmlns:a16="http://schemas.microsoft.com/office/drawing/2014/main" id="{907EF6B7-1338-4443-8C46-6A318D952DFD}"/>
+              </a:ext>
+              <a:ext uri="{C183D7F6-B498-43B3-948B-1728B52AA6E4}">
+                <adec:decorative xmlns:adec="http://schemas.microsoft.com/office/drawing/2017/decorative" val="1"/>
+              </a:ext>
+            </a:extLst>
+          </p:cNvPr>
+          <p:cNvSpPr>
+            <a:spLocks noGrp="1" noRot="1" noChangeAspect="1" noMove="1" noResize="1" noEditPoints="1" noAdjustHandles="1" noChangeArrowheads="1" noChangeShapeType="1" noTextEdit="1"/>
+          </p:cNvSpPr>
+          <p:nvPr>
+            <p:extLst>
+              <p:ext uri="{386F3935-93C4-4BCD-93E2-E3B085C9AB24}">
+                <p16:designElem xmlns:p16="http://schemas.microsoft.com/office/powerpoint/2015/main" val="1"/>
+              </p:ext>
+            </p:extLst>
+          </p:nvPr>
+        </p:nvSpPr>
+        <p:spPr>
+          <a:xfrm>
+            <a:off x="3048" y="0"/>
+            <a:ext cx="12188952" cy="6858000"/>
+          </a:xfrm>
+          <a:prstGeom prst="rect">
+            <a:avLst/>
+          </a:prstGeom>
+          <a:ln>
+            <a:noFill/>
+          </a:ln>
+        </p:spPr>
+        <p:style>
+          <a:lnRef idx="2">
+            <a:schemeClr val="accent1">
+              <a:shade val="50000"/>
+            </a:schemeClr>
+          </a:lnRef>
+          <a:fillRef idx="1">
+            <a:schemeClr val="accent1"/>
+          </a:fillRef>
+          <a:effectRef idx="0">
+            <a:schemeClr val="accent1"/>
+          </a:effectRef>
+          <a:fontRef idx="minor">
+            <a:schemeClr val="lt1"/>
+          </a:fontRef>
+        </p:style>
+        <p:txBody>
+          <a:bodyPr rtlCol="0" anchor="ctr"/>
+          <a:lstStyle/>
+          <a:p>
+            <a:pPr algn="ctr"/>
+            <a:endParaRPr lang="en-US"/>
+          </a:p>
+        </p:txBody>
+      </p:sp>
+      <p:sp>
+        <p:nvSpPr>
+          <p:cNvPr id="10" name="Freeform: Shape 9">
+            <a:extLst>
+              <a:ext uri="{FF2B5EF4-FFF2-40B4-BE49-F238E27FC236}">
+                <a16:creationId xmlns:a16="http://schemas.microsoft.com/office/drawing/2014/main" id="{DAAE4CDD-124C-4DCF-9584-B6033B545DD5}"/>
+              </a:ext>
+              <a:ext uri="{C183D7F6-B498-43B3-948B-1728B52AA6E4}">
+                <adec:decorative xmlns:adec="http://schemas.microsoft.com/office/drawing/2017/decorative" val="1"/>
+              </a:ext>
+            </a:extLst>
+          </p:cNvPr>
+          <p:cNvSpPr>
+            <a:spLocks noGrp="1" noRot="1" noChangeAspect="1" noMove="1" noResize="1" noEditPoints="1" noAdjustHandles="1" noChangeArrowheads="1" noChangeShapeType="1" noTextEdit="1"/>
+          </p:cNvSpPr>
+          <p:nvPr>
+            <p:extLst>
+              <p:ext uri="{386F3935-93C4-4BCD-93E2-E3B085C9AB24}">
+                <p16:designElem xmlns:p16="http://schemas.microsoft.com/office/powerpoint/2015/main" val="1"/>
+              </p:ext>
+            </p:extLst>
+          </p:nvPr>
+        </p:nvSpPr>
+        <p:spPr>
+          <a:xfrm>
+            <a:off x="1" y="0"/>
+            <a:ext cx="4167271" cy="6858000"/>
+          </a:xfrm>
+          <a:custGeom>
+            <a:avLst/>
+            <a:gdLst>
+              <a:gd name="connsiteX0" fmla="*/ 0 w 4167271"/>
+              <a:gd name="connsiteY0" fmla="*/ 0 h 6858000"/>
+              <a:gd name="connsiteX1" fmla="*/ 2259550 w 4167271"/>
+              <a:gd name="connsiteY1" fmla="*/ 0 h 6858000"/>
+              <a:gd name="connsiteX2" fmla="*/ 2387803 w 4167271"/>
+              <a:gd name="connsiteY2" fmla="*/ 82222 h 6858000"/>
+              <a:gd name="connsiteX3" fmla="*/ 4167271 w 4167271"/>
+              <a:gd name="connsiteY3" fmla="*/ 3429000 h 6858000"/>
+              <a:gd name="connsiteX4" fmla="*/ 2387803 w 4167271"/>
+              <a:gd name="connsiteY4" fmla="*/ 6775779 h 6858000"/>
+              <a:gd name="connsiteX5" fmla="*/ 2259550 w 4167271"/>
+              <a:gd name="connsiteY5" fmla="*/ 6858000 h 6858000"/>
+              <a:gd name="connsiteX6" fmla="*/ 0 w 4167271"/>
+              <a:gd name="connsiteY6" fmla="*/ 6858000 h 6858000"/>
+            </a:gdLst>
+            <a:ahLst/>
+            <a:cxnLst>
+              <a:cxn ang="0">
+                <a:pos x="connsiteX0" y="connsiteY0"/>
+              </a:cxn>
+              <a:cxn ang="0">
+                <a:pos x="connsiteX1" y="connsiteY1"/>
+              </a:cxn>
+              <a:cxn ang="0">
+                <a:pos x="connsiteX2" y="connsiteY2"/>
+              </a:cxn>
+              <a:cxn ang="0">
+                <a:pos x="connsiteX3" y="connsiteY3"/>
+              </a:cxn>
+              <a:cxn ang="0">
+                <a:pos x="connsiteX4" y="connsiteY4"/>
+              </a:cxn>
+              <a:cxn ang="0">
+                <a:pos x="connsiteX5" y="connsiteY5"/>
+              </a:cxn>
+              <a:cxn ang="0">
+                <a:pos x="connsiteX6" y="connsiteY6"/>
+              </a:cxn>
+            </a:cxnLst>
+            <a:rect l="l" t="t" r="r" b="b"/>
+            <a:pathLst>
+              <a:path w="4167271" h="6858000">
+                <a:moveTo>
+                  <a:pt x="0" y="0"/>
+                </a:moveTo>
+                <a:lnTo>
+                  <a:pt x="2259550" y="0"/>
+                </a:lnTo>
+                <a:lnTo>
+                  <a:pt x="2387803" y="82222"/>
+                </a:lnTo>
+                <a:cubicBezTo>
+                  <a:pt x="3461407" y="807534"/>
+                  <a:pt x="4167271" y="2035835"/>
+                  <a:pt x="4167271" y="3429000"/>
+                </a:cubicBezTo>
+                <a:cubicBezTo>
+                  <a:pt x="4167271" y="4822165"/>
+                  <a:pt x="3461407" y="6050467"/>
+                  <a:pt x="2387803" y="6775779"/>
+                </a:cubicBezTo>
+                <a:lnTo>
+                  <a:pt x="2259550" y="6858000"/>
+                </a:lnTo>
+                <a:lnTo>
+                  <a:pt x="0" y="6858000"/>
+                </a:lnTo>
+                <a:close/>
+              </a:path>
+            </a:pathLst>
+          </a:custGeom>
+          <a:solidFill>
+            <a:schemeClr val="accent2"/>
+          </a:solidFill>
+          <a:ln>
+            <a:noFill/>
+          </a:ln>
+        </p:spPr>
+        <p:style>
+          <a:lnRef idx="2">
+            <a:schemeClr val="accent1">
+              <a:shade val="50000"/>
+            </a:schemeClr>
+          </a:lnRef>
+          <a:fillRef idx="1">
+            <a:schemeClr val="accent1"/>
+          </a:fillRef>
+          <a:effectRef idx="0">
+            <a:schemeClr val="accent1"/>
+          </a:effectRef>
+          <a:fontRef idx="minor">
+            <a:schemeClr val="lt1"/>
+          </a:fontRef>
+        </p:style>
+        <p:txBody>
+          <a:bodyPr rtlCol="0" anchor="ctr"/>
+          <a:lstStyle/>
+          <a:p>
+            <a:pPr algn="ctr"/>
+            <a:endParaRPr lang="en-US"/>
+          </a:p>
+        </p:txBody>
+      </p:sp>
+      <p:sp>
+        <p:nvSpPr>
+          <p:cNvPr id="2" name="Title 1">
+            <a:extLst>
+              <a:ext uri="{FF2B5EF4-FFF2-40B4-BE49-F238E27FC236}">
+                <a16:creationId xmlns:a16="http://schemas.microsoft.com/office/drawing/2014/main" id="{604CD088-9924-FDF8-32EA-64AD14C5DE41}"/>
+              </a:ext>
+            </a:extLst>
+          </p:cNvPr>
+          <p:cNvSpPr>
+            <a:spLocks noGrp="1"/>
+          </p:cNvSpPr>
+          <p:nvPr>
+            <p:ph type="title"/>
+          </p:nvPr>
+        </p:nvSpPr>
+        <p:spPr>
+          <a:xfrm>
+            <a:off x="686834" y="1153572"/>
+            <a:ext cx="3200400" cy="4461163"/>
+          </a:xfrm>
+        </p:spPr>
+        <p:txBody>
+          <a:bodyPr>
+            <a:normAutofit/>
+          </a:bodyPr>
+          <a:lstStyle/>
+          <a:p>
+            <a:r>
+              <a:rPr lang="en-US" dirty="0">
+                <a:solidFill>
+                  <a:srgbClr val="FFFFFF"/>
+                </a:solidFill>
+              </a:rPr>
+              <a:t>Flowcharts</a:t>
+            </a:r>
+          </a:p>
+        </p:txBody>
+      </p:sp>
+      <p:sp>
+        <p:nvSpPr>
+          <p:cNvPr id="12" name="Arc 11">
+            <a:extLst>
+              <a:ext uri="{FF2B5EF4-FFF2-40B4-BE49-F238E27FC236}">
+                <a16:creationId xmlns:a16="http://schemas.microsoft.com/office/drawing/2014/main" id="{081E4A58-353D-44AE-B2FC-2A74E2E400F7}"/>
+              </a:ext>
+              <a:ext uri="{C183D7F6-B498-43B3-948B-1728B52AA6E4}">
+                <adec:decorative xmlns:adec="http://schemas.microsoft.com/office/drawing/2017/decorative" val="1"/>
+              </a:ext>
+            </a:extLst>
+          </p:cNvPr>
+          <p:cNvSpPr>
+            <a:spLocks noGrp="1" noRot="1" noChangeAspect="1" noMove="1" noResize="1" noEditPoints="1" noAdjustHandles="1" noChangeArrowheads="1" noChangeShapeType="1" noTextEdit="1"/>
+          </p:cNvSpPr>
+          <p:nvPr>
+            <p:extLst>
+              <p:ext uri="{386F3935-93C4-4BCD-93E2-E3B085C9AB24}">
+                <p16:designElem xmlns:p16="http://schemas.microsoft.com/office/powerpoint/2015/main" val="1"/>
+              </p:ext>
+            </p:extLst>
+          </p:nvPr>
+        </p:nvSpPr>
+        <p:spPr>
+          <a:xfrm flipV="1">
+            <a:off x="7550402" y="2455479"/>
+            <a:ext cx="4083433" cy="4083433"/>
+          </a:xfrm>
+          <a:prstGeom prst="arc">
+            <a:avLst/>
+          </a:prstGeom>
+          <a:ln w="127000" cap="rnd">
+            <a:solidFill>
+              <a:schemeClr val="accent4"/>
+            </a:solidFill>
+            <a:prstDash val="dash"/>
+          </a:ln>
+        </p:spPr>
+        <p:style>
+          <a:lnRef idx="1">
+            <a:schemeClr val="accent1"/>
+          </a:lnRef>
+          <a:fillRef idx="0">
+            <a:schemeClr val="accent1"/>
+          </a:fillRef>
+          <a:effectRef idx="0">
+            <a:schemeClr val="accent1"/>
+          </a:effectRef>
+          <a:fontRef idx="minor">
+            <a:schemeClr val="tx1"/>
+          </a:fontRef>
+        </p:style>
+        <p:txBody>
+          <a:bodyPr rtlCol="0" anchor="ctr"/>
+          <a:lstStyle/>
+          <a:p>
+            <a:pPr algn="ctr"/>
+            <a:endParaRPr lang="en-US" dirty="0"/>
+          </a:p>
+        </p:txBody>
+      </p:sp>
+      <p:pic>
+        <p:nvPicPr>
+          <p:cNvPr id="7170" name="Picture 2" descr="See the source image">
+            <a:extLst>
+              <a:ext uri="{FF2B5EF4-FFF2-40B4-BE49-F238E27FC236}">
+                <a16:creationId xmlns:a16="http://schemas.microsoft.com/office/drawing/2014/main" id="{9DEEE75D-0272-A548-0CA4-BB78797F4E81}"/>
+              </a:ext>
+            </a:extLst>
+          </p:cNvPr>
+          <p:cNvPicPr>
+            <a:picLocks noGrp="1" noChangeAspect="1" noChangeArrowheads="1"/>
+          </p:cNvPicPr>
+          <p:nvPr>
+            <p:ph idx="1"/>
+          </p:nvPr>
+        </p:nvPicPr>
+        <p:blipFill>
+          <a:blip r:embed="rId2">
+            <a:extLst>
+              <a:ext uri="{28A0092B-C50C-407E-A947-70E740481C1C}">
+                <a14:useLocalDpi xmlns:a14="http://schemas.microsoft.com/office/drawing/2010/main" val="0"/>
+              </a:ext>
+            </a:extLst>
+          </a:blip>
+          <a:srcRect/>
+          <a:stretch>
+            <a:fillRect/>
+          </a:stretch>
+        </p:blipFill>
+        <p:spPr bwMode="auto">
+          <a:xfrm>
+            <a:off x="5981701" y="893676"/>
+            <a:ext cx="2799556" cy="5264237"/>
+          </a:xfrm>
+          <a:prstGeom prst="rect">
+            <a:avLst/>
+          </a:prstGeom>
+          <a:noFill/>
+          <a:extLst>
+            <a:ext uri="{909E8E84-426E-40DD-AFC4-6F175D3DCCD1}">
+              <a14:hiddenFill xmlns:a14="http://schemas.microsoft.com/office/drawing/2010/main">
+                <a:solidFill>
+                  <a:srgbClr val="FFFFFF"/>
+                </a:solidFill>
+              </a14:hiddenFill>
+            </a:ext>
+          </a:extLst>
+        </p:spPr>
+      </p:pic>
+    </p:spTree>
+    <p:extLst>
+      <p:ext uri="{BB962C8B-B14F-4D97-AF65-F5344CB8AC3E}">
+        <p14:creationId xmlns:p14="http://schemas.microsoft.com/office/powerpoint/2010/main" val="1779534481"/>
+      </p:ext>
+    </p:extLst>
+  </p:cSld>
+  <p:clrMapOvr>
+    <a:masterClrMapping/>
+  </p:clrMapOvr>
+</p:sld>
+</file>
+
+<file path=ppt/slides/slide25.xml><?xml version="1.0" encoding="utf-8"?>
+<p:sld xmlns:a="http://schemas.openxmlformats.org/drawingml/2006/main" xmlns:r="http://schemas.openxmlformats.org/officeDocument/2006/relationships" xmlns:p="http://schemas.openxmlformats.org/presentationml/2006/main">
+  <p:cSld>
+    <p:bg>
+      <p:bgPr>
+        <a:solidFill>
+          <a:schemeClr val="bg1"/>
+        </a:solidFill>
+        <a:effectLst/>
+      </p:bgPr>
+    </p:bg>
+    <p:spTree>
+      <p:nvGrpSpPr>
+        <p:cNvPr id="1" name=""/>
+        <p:cNvGrpSpPr/>
+        <p:nvPr/>
+      </p:nvGrpSpPr>
+      <p:grpSpPr>
+        <a:xfrm>
+          <a:off x="0" y="0"/>
+          <a:ext cx="0" cy="0"/>
+          <a:chOff x="0" y="0"/>
+          <a:chExt cx="0" cy="0"/>
+        </a:xfrm>
+      </p:grpSpPr>
+      <p:sp useBgFill="1">
+        <p:nvSpPr>
+          <p:cNvPr id="8" name="Rectangle 7">
+            <a:extLst>
+              <a:ext uri="{FF2B5EF4-FFF2-40B4-BE49-F238E27FC236}">
+                <a16:creationId xmlns:a16="http://schemas.microsoft.com/office/drawing/2014/main" id="{907EF6B7-1338-4443-8C46-6A318D952DFD}"/>
+              </a:ext>
+              <a:ext uri="{C183D7F6-B498-43B3-948B-1728B52AA6E4}">
+                <adec:decorative xmlns:adec="http://schemas.microsoft.com/office/drawing/2017/decorative" val="1"/>
+              </a:ext>
+            </a:extLst>
+          </p:cNvPr>
+          <p:cNvSpPr>
+            <a:spLocks noGrp="1" noRot="1" noChangeAspect="1" noMove="1" noResize="1" noEditPoints="1" noAdjustHandles="1" noChangeArrowheads="1" noChangeShapeType="1" noTextEdit="1"/>
+          </p:cNvSpPr>
+          <p:nvPr>
+            <p:extLst>
+              <p:ext uri="{386F3935-93C4-4BCD-93E2-E3B085C9AB24}">
+                <p16:designElem xmlns:p16="http://schemas.microsoft.com/office/powerpoint/2015/main" val="1"/>
+              </p:ext>
+            </p:extLst>
+          </p:nvPr>
+        </p:nvSpPr>
+        <p:spPr>
+          <a:xfrm>
+            <a:off x="3048" y="0"/>
+            <a:ext cx="12188952" cy="6858000"/>
+          </a:xfrm>
+          <a:prstGeom prst="rect">
+            <a:avLst/>
+          </a:prstGeom>
+          <a:ln>
+            <a:noFill/>
+          </a:ln>
+        </p:spPr>
+        <p:style>
+          <a:lnRef idx="2">
+            <a:schemeClr val="accent1">
+              <a:shade val="50000"/>
+            </a:schemeClr>
+          </a:lnRef>
+          <a:fillRef idx="1">
+            <a:schemeClr val="accent1"/>
+          </a:fillRef>
+          <a:effectRef idx="0">
+            <a:schemeClr val="accent1"/>
+          </a:effectRef>
+          <a:fontRef idx="minor">
+            <a:schemeClr val="lt1"/>
+          </a:fontRef>
+        </p:style>
+        <p:txBody>
+          <a:bodyPr rtlCol="0" anchor="ctr"/>
+          <a:lstStyle/>
+          <a:p>
+            <a:pPr algn="ctr"/>
+            <a:endParaRPr lang="en-US"/>
+          </a:p>
+        </p:txBody>
+      </p:sp>
+      <p:sp>
+        <p:nvSpPr>
+          <p:cNvPr id="10" name="Freeform: Shape 9">
+            <a:extLst>
+              <a:ext uri="{FF2B5EF4-FFF2-40B4-BE49-F238E27FC236}">
+                <a16:creationId xmlns:a16="http://schemas.microsoft.com/office/drawing/2014/main" id="{DAAE4CDD-124C-4DCF-9584-B6033B545DD5}"/>
+              </a:ext>
+              <a:ext uri="{C183D7F6-B498-43B3-948B-1728B52AA6E4}">
+                <adec:decorative xmlns:adec="http://schemas.microsoft.com/office/drawing/2017/decorative" val="1"/>
+              </a:ext>
+            </a:extLst>
+          </p:cNvPr>
+          <p:cNvSpPr>
+            <a:spLocks noGrp="1" noRot="1" noChangeAspect="1" noMove="1" noResize="1" noEditPoints="1" noAdjustHandles="1" noChangeArrowheads="1" noChangeShapeType="1" noTextEdit="1"/>
+          </p:cNvSpPr>
+          <p:nvPr>
+            <p:extLst>
+              <p:ext uri="{386F3935-93C4-4BCD-93E2-E3B085C9AB24}">
+                <p16:designElem xmlns:p16="http://schemas.microsoft.com/office/powerpoint/2015/main" val="1"/>
+              </p:ext>
+            </p:extLst>
+          </p:nvPr>
+        </p:nvSpPr>
+        <p:spPr>
+          <a:xfrm>
+            <a:off x="1" y="0"/>
+            <a:ext cx="4167271" cy="6858000"/>
+          </a:xfrm>
+          <a:custGeom>
+            <a:avLst/>
+            <a:gdLst>
+              <a:gd name="connsiteX0" fmla="*/ 0 w 4167271"/>
+              <a:gd name="connsiteY0" fmla="*/ 0 h 6858000"/>
+              <a:gd name="connsiteX1" fmla="*/ 2259550 w 4167271"/>
+              <a:gd name="connsiteY1" fmla="*/ 0 h 6858000"/>
+              <a:gd name="connsiteX2" fmla="*/ 2387803 w 4167271"/>
+              <a:gd name="connsiteY2" fmla="*/ 82222 h 6858000"/>
+              <a:gd name="connsiteX3" fmla="*/ 4167271 w 4167271"/>
+              <a:gd name="connsiteY3" fmla="*/ 3429000 h 6858000"/>
+              <a:gd name="connsiteX4" fmla="*/ 2387803 w 4167271"/>
+              <a:gd name="connsiteY4" fmla="*/ 6775779 h 6858000"/>
+              <a:gd name="connsiteX5" fmla="*/ 2259550 w 4167271"/>
+              <a:gd name="connsiteY5" fmla="*/ 6858000 h 6858000"/>
+              <a:gd name="connsiteX6" fmla="*/ 0 w 4167271"/>
+              <a:gd name="connsiteY6" fmla="*/ 6858000 h 6858000"/>
+            </a:gdLst>
+            <a:ahLst/>
+            <a:cxnLst>
+              <a:cxn ang="0">
+                <a:pos x="connsiteX0" y="connsiteY0"/>
+              </a:cxn>
+              <a:cxn ang="0">
+                <a:pos x="connsiteX1" y="connsiteY1"/>
+              </a:cxn>
+              <a:cxn ang="0">
+                <a:pos x="connsiteX2" y="connsiteY2"/>
+              </a:cxn>
+              <a:cxn ang="0">
+                <a:pos x="connsiteX3" y="connsiteY3"/>
+              </a:cxn>
+              <a:cxn ang="0">
+                <a:pos x="connsiteX4" y="connsiteY4"/>
+              </a:cxn>
+              <a:cxn ang="0">
+                <a:pos x="connsiteX5" y="connsiteY5"/>
+              </a:cxn>
+              <a:cxn ang="0">
+                <a:pos x="connsiteX6" y="connsiteY6"/>
+              </a:cxn>
+            </a:cxnLst>
+            <a:rect l="l" t="t" r="r" b="b"/>
+            <a:pathLst>
+              <a:path w="4167271" h="6858000">
+                <a:moveTo>
+                  <a:pt x="0" y="0"/>
+                </a:moveTo>
+                <a:lnTo>
+                  <a:pt x="2259550" y="0"/>
+                </a:lnTo>
+                <a:lnTo>
+                  <a:pt x="2387803" y="82222"/>
+                </a:lnTo>
+                <a:cubicBezTo>
+                  <a:pt x="3461407" y="807534"/>
+                  <a:pt x="4167271" y="2035835"/>
+                  <a:pt x="4167271" y="3429000"/>
+                </a:cubicBezTo>
+                <a:cubicBezTo>
+                  <a:pt x="4167271" y="4822165"/>
+                  <a:pt x="3461407" y="6050467"/>
+                  <a:pt x="2387803" y="6775779"/>
+                </a:cubicBezTo>
+                <a:lnTo>
+                  <a:pt x="2259550" y="6858000"/>
+                </a:lnTo>
+                <a:lnTo>
+                  <a:pt x="0" y="6858000"/>
+                </a:lnTo>
+                <a:close/>
+              </a:path>
+            </a:pathLst>
+          </a:custGeom>
+          <a:solidFill>
+            <a:schemeClr val="accent2"/>
+          </a:solidFill>
+          <a:ln>
+            <a:noFill/>
+          </a:ln>
+        </p:spPr>
+        <p:style>
+          <a:lnRef idx="2">
+            <a:schemeClr val="accent1">
+              <a:shade val="50000"/>
+            </a:schemeClr>
+          </a:lnRef>
+          <a:fillRef idx="1">
+            <a:schemeClr val="accent1"/>
+          </a:fillRef>
+          <a:effectRef idx="0">
+            <a:schemeClr val="accent1"/>
+          </a:effectRef>
+          <a:fontRef idx="minor">
+            <a:schemeClr val="lt1"/>
+          </a:fontRef>
+        </p:style>
+        <p:txBody>
+          <a:bodyPr rtlCol="0" anchor="ctr"/>
+          <a:lstStyle/>
+          <a:p>
+            <a:pPr algn="ctr"/>
+            <a:endParaRPr lang="en-US"/>
+          </a:p>
+        </p:txBody>
+      </p:sp>
+      <p:sp>
+        <p:nvSpPr>
+          <p:cNvPr id="2" name="Title 1">
+            <a:extLst>
+              <a:ext uri="{FF2B5EF4-FFF2-40B4-BE49-F238E27FC236}">
+                <a16:creationId xmlns:a16="http://schemas.microsoft.com/office/drawing/2014/main" id="{604CD088-9924-FDF8-32EA-64AD14C5DE41}"/>
+              </a:ext>
+            </a:extLst>
+          </p:cNvPr>
+          <p:cNvSpPr>
+            <a:spLocks noGrp="1"/>
+          </p:cNvSpPr>
+          <p:nvPr>
+            <p:ph type="title"/>
+          </p:nvPr>
+        </p:nvSpPr>
+        <p:spPr>
+          <a:xfrm>
+            <a:off x="686834" y="1153572"/>
+            <a:ext cx="3200400" cy="4461163"/>
+          </a:xfrm>
+        </p:spPr>
+        <p:txBody>
+          <a:bodyPr>
+            <a:normAutofit/>
+          </a:bodyPr>
+          <a:lstStyle/>
+          <a:p>
+            <a:r>
+              <a:rPr lang="en-US" dirty="0">
+                <a:solidFill>
+                  <a:srgbClr val="FFFFFF"/>
+                </a:solidFill>
+              </a:rPr>
+              <a:t>Flowcharts</a:t>
+            </a:r>
+          </a:p>
+        </p:txBody>
+      </p:sp>
+      <p:sp>
+        <p:nvSpPr>
+          <p:cNvPr id="12" name="Arc 11">
+            <a:extLst>
+              <a:ext uri="{FF2B5EF4-FFF2-40B4-BE49-F238E27FC236}">
+                <a16:creationId xmlns:a16="http://schemas.microsoft.com/office/drawing/2014/main" id="{081E4A58-353D-44AE-B2FC-2A74E2E400F7}"/>
+              </a:ext>
+              <a:ext uri="{C183D7F6-B498-43B3-948B-1728B52AA6E4}">
+                <adec:decorative xmlns:adec="http://schemas.microsoft.com/office/drawing/2017/decorative" val="1"/>
+              </a:ext>
+            </a:extLst>
+          </p:cNvPr>
+          <p:cNvSpPr>
+            <a:spLocks noGrp="1" noRot="1" noChangeAspect="1" noMove="1" noResize="1" noEditPoints="1" noAdjustHandles="1" noChangeArrowheads="1" noChangeShapeType="1" noTextEdit="1"/>
+          </p:cNvSpPr>
+          <p:nvPr>
+            <p:extLst>
+              <p:ext uri="{386F3935-93C4-4BCD-93E2-E3B085C9AB24}">
+                <p16:designElem xmlns:p16="http://schemas.microsoft.com/office/powerpoint/2015/main" val="1"/>
+              </p:ext>
+            </p:extLst>
+          </p:nvPr>
+        </p:nvSpPr>
+        <p:spPr>
+          <a:xfrm flipV="1">
+            <a:off x="7550402" y="2455479"/>
+            <a:ext cx="4083433" cy="4083433"/>
+          </a:xfrm>
+          <a:prstGeom prst="arc">
+            <a:avLst/>
+          </a:prstGeom>
+          <a:ln w="127000" cap="rnd">
+            <a:solidFill>
+              <a:schemeClr val="accent4"/>
+            </a:solidFill>
+            <a:prstDash val="dash"/>
+          </a:ln>
+        </p:spPr>
+        <p:style>
+          <a:lnRef idx="1">
+            <a:schemeClr val="accent1"/>
+          </a:lnRef>
+          <a:fillRef idx="0">
+            <a:schemeClr val="accent1"/>
+          </a:fillRef>
+          <a:effectRef idx="0">
+            <a:schemeClr val="accent1"/>
+          </a:effectRef>
+          <a:fontRef idx="minor">
+            <a:schemeClr val="tx1"/>
+          </a:fontRef>
+        </p:style>
+        <p:txBody>
+          <a:bodyPr rtlCol="0" anchor="ctr"/>
+          <a:lstStyle/>
+          <a:p>
+            <a:pPr algn="ctr"/>
+            <a:endParaRPr lang="en-US" dirty="0"/>
+          </a:p>
+        </p:txBody>
+      </p:sp>
+      <p:pic>
+        <p:nvPicPr>
+          <p:cNvPr id="8194" name="Picture 2" descr="See the source image">
+            <a:extLst>
+              <a:ext uri="{FF2B5EF4-FFF2-40B4-BE49-F238E27FC236}">
+                <a16:creationId xmlns:a16="http://schemas.microsoft.com/office/drawing/2014/main" id="{D289DB51-3DBE-8951-E175-EC043DF371F5}"/>
+              </a:ext>
+            </a:extLst>
+          </p:cNvPr>
+          <p:cNvPicPr>
+            <a:picLocks noGrp="1" noChangeAspect="1" noChangeArrowheads="1"/>
+          </p:cNvPicPr>
+          <p:nvPr>
+            <p:ph idx="1"/>
+          </p:nvPr>
+        </p:nvPicPr>
+        <p:blipFill>
+          <a:blip r:embed="rId2">
+            <a:extLst>
+              <a:ext uri="{28A0092B-C50C-407E-A947-70E740481C1C}">
+                <a14:useLocalDpi xmlns:a14="http://schemas.microsoft.com/office/drawing/2010/main" val="0"/>
+              </a:ext>
+            </a:extLst>
+          </a:blip>
+          <a:srcRect/>
+          <a:stretch>
+            <a:fillRect/>
+          </a:stretch>
+        </p:blipFill>
+        <p:spPr bwMode="auto">
+          <a:xfrm>
+            <a:off x="4571020" y="319088"/>
+            <a:ext cx="5303790" cy="6003597"/>
+          </a:xfrm>
+          <a:prstGeom prst="rect">
+            <a:avLst/>
+          </a:prstGeom>
+          <a:noFill/>
+          <a:extLst>
+            <a:ext uri="{909E8E84-426E-40DD-AFC4-6F175D3DCCD1}">
+              <a14:hiddenFill xmlns:a14="http://schemas.microsoft.com/office/drawing/2010/main">
+                <a:solidFill>
+                  <a:srgbClr val="FFFFFF"/>
+                </a:solidFill>
+              </a14:hiddenFill>
+            </a:ext>
+          </a:extLst>
+        </p:spPr>
+      </p:pic>
+    </p:spTree>
+    <p:extLst>
+      <p:ext uri="{BB962C8B-B14F-4D97-AF65-F5344CB8AC3E}">
+        <p14:creationId xmlns:p14="http://schemas.microsoft.com/office/powerpoint/2010/main" val="3895086065"/>
+      </p:ext>
+    </p:extLst>
+  </p:cSld>
+  <p:clrMapOvr>
+    <a:masterClrMapping/>
+  </p:clrMapOvr>
+</p:sld>
+</file>
+
+<file path=ppt/slides/slide26.xml><?xml version="1.0" encoding="utf-8"?>
+<p:sld xmlns:a="http://schemas.openxmlformats.org/drawingml/2006/main" xmlns:r="http://schemas.openxmlformats.org/officeDocument/2006/relationships" xmlns:p="http://schemas.openxmlformats.org/presentationml/2006/main">
+  <p:cSld>
+    <p:bg>
+      <p:bgPr>
+        <a:solidFill>
+          <a:schemeClr val="bg1"/>
+        </a:solidFill>
+        <a:effectLst/>
+      </p:bgPr>
+    </p:bg>
+    <p:spTree>
+      <p:nvGrpSpPr>
+        <p:cNvPr id="1" name=""/>
+        <p:cNvGrpSpPr/>
+        <p:nvPr/>
+      </p:nvGrpSpPr>
+      <p:grpSpPr>
+        <a:xfrm>
+          <a:off x="0" y="0"/>
+          <a:ext cx="0" cy="0"/>
+          <a:chOff x="0" y="0"/>
+          <a:chExt cx="0" cy="0"/>
+        </a:xfrm>
+      </p:grpSpPr>
+      <p:sp useBgFill="1">
+        <p:nvSpPr>
+          <p:cNvPr id="8" name="Rectangle 7">
+            <a:extLst>
+              <a:ext uri="{FF2B5EF4-FFF2-40B4-BE49-F238E27FC236}">
+                <a16:creationId xmlns:a16="http://schemas.microsoft.com/office/drawing/2014/main" id="{907EF6B7-1338-4443-8C46-6A318D952DFD}"/>
+              </a:ext>
+              <a:ext uri="{C183D7F6-B498-43B3-948B-1728B52AA6E4}">
+                <adec:decorative xmlns:adec="http://schemas.microsoft.com/office/drawing/2017/decorative" val="1"/>
+              </a:ext>
+            </a:extLst>
+          </p:cNvPr>
+          <p:cNvSpPr>
+            <a:spLocks noGrp="1" noRot="1" noChangeAspect="1" noMove="1" noResize="1" noEditPoints="1" noAdjustHandles="1" noChangeArrowheads="1" noChangeShapeType="1" noTextEdit="1"/>
+          </p:cNvSpPr>
+          <p:nvPr>
+            <p:extLst>
+              <p:ext uri="{386F3935-93C4-4BCD-93E2-E3B085C9AB24}">
+                <p16:designElem xmlns:p16="http://schemas.microsoft.com/office/powerpoint/2015/main" val="1"/>
+              </p:ext>
+            </p:extLst>
+          </p:nvPr>
+        </p:nvSpPr>
+        <p:spPr>
+          <a:xfrm>
+            <a:off x="3048" y="0"/>
+            <a:ext cx="12188952" cy="6858000"/>
+          </a:xfrm>
+          <a:prstGeom prst="rect">
+            <a:avLst/>
+          </a:prstGeom>
+          <a:ln>
+            <a:noFill/>
+          </a:ln>
+        </p:spPr>
+        <p:style>
+          <a:lnRef idx="2">
+            <a:schemeClr val="accent1">
+              <a:shade val="50000"/>
+            </a:schemeClr>
+          </a:lnRef>
+          <a:fillRef idx="1">
+            <a:schemeClr val="accent1"/>
+          </a:fillRef>
+          <a:effectRef idx="0">
+            <a:schemeClr val="accent1"/>
+          </a:effectRef>
+          <a:fontRef idx="minor">
+            <a:schemeClr val="lt1"/>
+          </a:fontRef>
+        </p:style>
+        <p:txBody>
+          <a:bodyPr rtlCol="0" anchor="ctr"/>
+          <a:lstStyle/>
+          <a:p>
+            <a:pPr algn="ctr"/>
+            <a:endParaRPr lang="en-US"/>
+          </a:p>
+        </p:txBody>
+      </p:sp>
+      <p:sp>
+        <p:nvSpPr>
+          <p:cNvPr id="10" name="Freeform: Shape 9">
+            <a:extLst>
+              <a:ext uri="{FF2B5EF4-FFF2-40B4-BE49-F238E27FC236}">
+                <a16:creationId xmlns:a16="http://schemas.microsoft.com/office/drawing/2014/main" id="{DAAE4CDD-124C-4DCF-9584-B6033B545DD5}"/>
+              </a:ext>
+              <a:ext uri="{C183D7F6-B498-43B3-948B-1728B52AA6E4}">
+                <adec:decorative xmlns:adec="http://schemas.microsoft.com/office/drawing/2017/decorative" val="1"/>
+              </a:ext>
+            </a:extLst>
+          </p:cNvPr>
+          <p:cNvSpPr>
+            <a:spLocks noGrp="1" noRot="1" noChangeAspect="1" noMove="1" noResize="1" noEditPoints="1" noAdjustHandles="1" noChangeArrowheads="1" noChangeShapeType="1" noTextEdit="1"/>
+          </p:cNvSpPr>
+          <p:nvPr>
+            <p:extLst>
+              <p:ext uri="{386F3935-93C4-4BCD-93E2-E3B085C9AB24}">
+                <p16:designElem xmlns:p16="http://schemas.microsoft.com/office/powerpoint/2015/main" val="1"/>
+              </p:ext>
+            </p:extLst>
+          </p:nvPr>
+        </p:nvSpPr>
+        <p:spPr>
+          <a:xfrm>
+            <a:off x="1" y="0"/>
+            <a:ext cx="4167271" cy="6858000"/>
+          </a:xfrm>
+          <a:custGeom>
+            <a:avLst/>
+            <a:gdLst>
+              <a:gd name="connsiteX0" fmla="*/ 0 w 4167271"/>
+              <a:gd name="connsiteY0" fmla="*/ 0 h 6858000"/>
+              <a:gd name="connsiteX1" fmla="*/ 2259550 w 4167271"/>
+              <a:gd name="connsiteY1" fmla="*/ 0 h 6858000"/>
+              <a:gd name="connsiteX2" fmla="*/ 2387803 w 4167271"/>
+              <a:gd name="connsiteY2" fmla="*/ 82222 h 6858000"/>
+              <a:gd name="connsiteX3" fmla="*/ 4167271 w 4167271"/>
+              <a:gd name="connsiteY3" fmla="*/ 3429000 h 6858000"/>
+              <a:gd name="connsiteX4" fmla="*/ 2387803 w 4167271"/>
+              <a:gd name="connsiteY4" fmla="*/ 6775779 h 6858000"/>
+              <a:gd name="connsiteX5" fmla="*/ 2259550 w 4167271"/>
+              <a:gd name="connsiteY5" fmla="*/ 6858000 h 6858000"/>
+              <a:gd name="connsiteX6" fmla="*/ 0 w 4167271"/>
+              <a:gd name="connsiteY6" fmla="*/ 6858000 h 6858000"/>
+            </a:gdLst>
+            <a:ahLst/>
+            <a:cxnLst>
+              <a:cxn ang="0">
+                <a:pos x="connsiteX0" y="connsiteY0"/>
+              </a:cxn>
+              <a:cxn ang="0">
+                <a:pos x="connsiteX1" y="connsiteY1"/>
+              </a:cxn>
+              <a:cxn ang="0">
+                <a:pos x="connsiteX2" y="connsiteY2"/>
+              </a:cxn>
+              <a:cxn ang="0">
+                <a:pos x="connsiteX3" y="connsiteY3"/>
+              </a:cxn>
+              <a:cxn ang="0">
+                <a:pos x="connsiteX4" y="connsiteY4"/>
+              </a:cxn>
+              <a:cxn ang="0">
+                <a:pos x="connsiteX5" y="connsiteY5"/>
+              </a:cxn>
+              <a:cxn ang="0">
+                <a:pos x="connsiteX6" y="connsiteY6"/>
+              </a:cxn>
+            </a:cxnLst>
+            <a:rect l="l" t="t" r="r" b="b"/>
+            <a:pathLst>
+              <a:path w="4167271" h="6858000">
+                <a:moveTo>
+                  <a:pt x="0" y="0"/>
+                </a:moveTo>
+                <a:lnTo>
+                  <a:pt x="2259550" y="0"/>
+                </a:lnTo>
+                <a:lnTo>
+                  <a:pt x="2387803" y="82222"/>
+                </a:lnTo>
+                <a:cubicBezTo>
+                  <a:pt x="3461407" y="807534"/>
+                  <a:pt x="4167271" y="2035835"/>
+                  <a:pt x="4167271" y="3429000"/>
+                </a:cubicBezTo>
+                <a:cubicBezTo>
+                  <a:pt x="4167271" y="4822165"/>
+                  <a:pt x="3461407" y="6050467"/>
+                  <a:pt x="2387803" y="6775779"/>
+                </a:cubicBezTo>
+                <a:lnTo>
+                  <a:pt x="2259550" y="6858000"/>
+                </a:lnTo>
+                <a:lnTo>
+                  <a:pt x="0" y="6858000"/>
+                </a:lnTo>
+                <a:close/>
+              </a:path>
+            </a:pathLst>
+          </a:custGeom>
+          <a:solidFill>
+            <a:schemeClr val="accent2"/>
+          </a:solidFill>
+          <a:ln>
+            <a:noFill/>
+          </a:ln>
+        </p:spPr>
+        <p:style>
+          <a:lnRef idx="2">
+            <a:schemeClr val="accent1">
+              <a:shade val="50000"/>
+            </a:schemeClr>
+          </a:lnRef>
+          <a:fillRef idx="1">
+            <a:schemeClr val="accent1"/>
+          </a:fillRef>
+          <a:effectRef idx="0">
+            <a:schemeClr val="accent1"/>
+          </a:effectRef>
+          <a:fontRef idx="minor">
+            <a:schemeClr val="lt1"/>
+          </a:fontRef>
+        </p:style>
+        <p:txBody>
+          <a:bodyPr rtlCol="0" anchor="ctr"/>
+          <a:lstStyle/>
+          <a:p>
+            <a:pPr algn="ctr"/>
+            <a:endParaRPr lang="en-US"/>
+          </a:p>
+        </p:txBody>
+      </p:sp>
+      <p:sp>
+        <p:nvSpPr>
+          <p:cNvPr id="2" name="Title 1">
+            <a:extLst>
+              <a:ext uri="{FF2B5EF4-FFF2-40B4-BE49-F238E27FC236}">
+                <a16:creationId xmlns:a16="http://schemas.microsoft.com/office/drawing/2014/main" id="{604CD088-9924-FDF8-32EA-64AD14C5DE41}"/>
+              </a:ext>
+            </a:extLst>
+          </p:cNvPr>
+          <p:cNvSpPr>
+            <a:spLocks noGrp="1"/>
+          </p:cNvSpPr>
+          <p:nvPr>
+            <p:ph type="title"/>
+          </p:nvPr>
+        </p:nvSpPr>
+        <p:spPr>
+          <a:xfrm>
+            <a:off x="686834" y="1153572"/>
+            <a:ext cx="3200400" cy="4461163"/>
+          </a:xfrm>
+        </p:spPr>
+        <p:txBody>
+          <a:bodyPr>
+            <a:normAutofit/>
+          </a:bodyPr>
+          <a:lstStyle/>
+          <a:p>
+            <a:r>
+              <a:rPr lang="en-US" dirty="0">
+                <a:solidFill>
+                  <a:srgbClr val="FFFFFF"/>
+                </a:solidFill>
+              </a:rPr>
+              <a:t>Flowchart</a:t>
+            </a:r>
+            <a:br>
+              <a:rPr lang="en-US" dirty="0">
+                <a:solidFill>
+                  <a:srgbClr val="FFFFFF"/>
+                </a:solidFill>
+              </a:rPr>
+            </a:br>
+            <a:r>
+              <a:rPr lang="en-US" dirty="0">
+                <a:solidFill>
+                  <a:srgbClr val="FFFFFF"/>
+                </a:solidFill>
+              </a:rPr>
+              <a:t>Ideas</a:t>
+            </a:r>
+          </a:p>
+        </p:txBody>
+      </p:sp>
+      <p:sp>
+        <p:nvSpPr>
+          <p:cNvPr id="12" name="Arc 11">
+            <a:extLst>
+              <a:ext uri="{FF2B5EF4-FFF2-40B4-BE49-F238E27FC236}">
+                <a16:creationId xmlns:a16="http://schemas.microsoft.com/office/drawing/2014/main" id="{081E4A58-353D-44AE-B2FC-2A74E2E400F7}"/>
+              </a:ext>
+              <a:ext uri="{C183D7F6-B498-43B3-948B-1728B52AA6E4}">
+                <adec:decorative xmlns:adec="http://schemas.microsoft.com/office/drawing/2017/decorative" val="1"/>
+              </a:ext>
+            </a:extLst>
+          </p:cNvPr>
+          <p:cNvSpPr>
+            <a:spLocks noGrp="1" noRot="1" noChangeAspect="1" noMove="1" noResize="1" noEditPoints="1" noAdjustHandles="1" noChangeArrowheads="1" noChangeShapeType="1" noTextEdit="1"/>
+          </p:cNvSpPr>
+          <p:nvPr>
+            <p:extLst>
+              <p:ext uri="{386F3935-93C4-4BCD-93E2-E3B085C9AB24}">
+                <p16:designElem xmlns:p16="http://schemas.microsoft.com/office/powerpoint/2015/main" val="1"/>
+              </p:ext>
+            </p:extLst>
+          </p:nvPr>
+        </p:nvSpPr>
+        <p:spPr>
+          <a:xfrm flipV="1">
+            <a:off x="7550402" y="2455479"/>
+            <a:ext cx="4083433" cy="4083433"/>
+          </a:xfrm>
+          <a:prstGeom prst="arc">
+            <a:avLst/>
+          </a:prstGeom>
+          <a:ln w="127000" cap="rnd">
+            <a:solidFill>
+              <a:schemeClr val="accent4"/>
+            </a:solidFill>
+            <a:prstDash val="dash"/>
+          </a:ln>
+        </p:spPr>
+        <p:style>
+          <a:lnRef idx="1">
+            <a:schemeClr val="accent1"/>
+          </a:lnRef>
+          <a:fillRef idx="0">
+            <a:schemeClr val="accent1"/>
+          </a:fillRef>
+          <a:effectRef idx="0">
+            <a:schemeClr val="accent1"/>
+          </a:effectRef>
+          <a:fontRef idx="minor">
+            <a:schemeClr val="tx1"/>
+          </a:fontRef>
+        </p:style>
+        <p:txBody>
+          <a:bodyPr rtlCol="0" anchor="ctr"/>
+          <a:lstStyle/>
+          <a:p>
+            <a:pPr algn="ctr"/>
+            <a:endParaRPr lang="en-US" dirty="0"/>
+          </a:p>
+        </p:txBody>
+      </p:sp>
+      <p:sp>
+        <p:nvSpPr>
+          <p:cNvPr id="3" name="Content Placeholder 2">
+            <a:extLst>
+              <a:ext uri="{FF2B5EF4-FFF2-40B4-BE49-F238E27FC236}">
+                <a16:creationId xmlns:a16="http://schemas.microsoft.com/office/drawing/2014/main" id="{506ECF03-3832-CE61-45EB-6C148D597A92}"/>
+              </a:ext>
+            </a:extLst>
+          </p:cNvPr>
+          <p:cNvSpPr>
+            <a:spLocks noGrp="1"/>
+          </p:cNvSpPr>
+          <p:nvPr>
+            <p:ph idx="1"/>
+          </p:nvPr>
+        </p:nvSpPr>
+        <p:spPr>
+          <a:xfrm>
+            <a:off x="4447308" y="591344"/>
+            <a:ext cx="6906491" cy="5585619"/>
+          </a:xfrm>
+        </p:spPr>
+        <p:txBody>
+          <a:bodyPr anchor="ctr">
+            <a:normAutofit lnSpcReduction="10000"/>
+          </a:bodyPr>
+          <a:lstStyle/>
+          <a:p>
+            <a:pPr marL="0" indent="0">
+              <a:buNone/>
+            </a:pPr>
+            <a:r>
+              <a:rPr lang="en-US" dirty="0"/>
+              <a:t>Under 10</a:t>
+            </a:r>
+          </a:p>
+          <a:p>
+            <a:r>
+              <a:rPr lang="en-US" dirty="0"/>
+              <a:t>Pick a game to play</a:t>
+            </a:r>
+          </a:p>
+          <a:p>
+            <a:r>
+              <a:rPr lang="en-US" dirty="0"/>
+              <a:t>What should I eat?</a:t>
+            </a:r>
+          </a:p>
+          <a:p>
+            <a:r>
+              <a:rPr lang="en-US" dirty="0"/>
+              <a:t>What should I watch on TV?</a:t>
+            </a:r>
+          </a:p>
+          <a:p>
+            <a:r>
+              <a:rPr lang="en-US" dirty="0"/>
+              <a:t>Pick my pet</a:t>
+            </a:r>
+          </a:p>
+          <a:p>
+            <a:pPr marL="0" indent="0">
+              <a:buNone/>
+            </a:pPr>
+            <a:r>
+              <a:rPr lang="en-US" dirty="0"/>
+              <a:t>Ages 10+</a:t>
+            </a:r>
+          </a:p>
+          <a:p>
+            <a:r>
+              <a:rPr lang="en-US" dirty="0"/>
+              <a:t>Find largest value among 3 values</a:t>
+            </a:r>
+          </a:p>
+          <a:p>
+            <a:r>
+              <a:rPr lang="en-US" dirty="0"/>
+              <a:t>Should I bring an umbrella</a:t>
+            </a:r>
+          </a:p>
+          <a:p>
+            <a:pPr marL="0" indent="0">
+              <a:buNone/>
+            </a:pPr>
+            <a:r>
+              <a:rPr lang="en-US" dirty="0"/>
+              <a:t>Ages 13+</a:t>
+            </a:r>
+          </a:p>
+          <a:p>
+            <a:r>
+              <a:rPr lang="en-US" dirty="0"/>
+              <a:t>How to add multidigit numbers</a:t>
+            </a:r>
+          </a:p>
+          <a:p>
+            <a:r>
+              <a:rPr lang="en-US" dirty="0"/>
+              <a:t>How to prepare an egg</a:t>
+            </a:r>
+          </a:p>
+          <a:p>
+            <a:pPr marL="0" indent="0">
+              <a:buNone/>
+            </a:pPr>
+            <a:endParaRPr lang="en-US" dirty="0"/>
+          </a:p>
+        </p:txBody>
+      </p:sp>
+    </p:spTree>
+    <p:extLst>
+      <p:ext uri="{BB962C8B-B14F-4D97-AF65-F5344CB8AC3E}">
+        <p14:creationId xmlns:p14="http://schemas.microsoft.com/office/powerpoint/2010/main" val="3966870226"/>
+      </p:ext>
+    </p:extLst>
+  </p:cSld>
+  <p:clrMapOvr>
+    <a:masterClrMapping/>
+  </p:clrMapOvr>
+</p:sld>
+</file>
+
+<file path=ppt/slides/slide3.xml><?xml version="1.0" encoding="utf-8"?>
+<p:sld xmlns:a="http://schemas.openxmlformats.org/drawingml/2006/main" xmlns:r="http://schemas.openxmlformats.org/officeDocument/2006/relationships" xmlns:p="http://schemas.openxmlformats.org/presentationml/2006/main">
+  <p:cSld>
+    <p:spTree>
+      <p:nvGrpSpPr>
+        <p:cNvPr id="1" name=""/>
+        <p:cNvGrpSpPr/>
+        <p:nvPr/>
+      </p:nvGrpSpPr>
+      <p:grpSpPr>
+        <a:xfrm>
+          <a:off x="0" y="0"/>
+          <a:ext cx="0" cy="0"/>
+          <a:chOff x="0" y="0"/>
+          <a:chExt cx="0" cy="0"/>
+        </a:xfrm>
+      </p:grpSpPr>
+      <p:sp>
+        <p:nvSpPr>
+          <p:cNvPr id="2" name="Title 1">
+            <a:extLst>
+              <a:ext uri="{FF2B5EF4-FFF2-40B4-BE49-F238E27FC236}">
+                <a16:creationId xmlns:a16="http://schemas.microsoft.com/office/drawing/2014/main" id="{9347DB6B-8169-FEB2-EFE8-BB8ED29FEA2F}"/>
+              </a:ext>
+            </a:extLst>
+          </p:cNvPr>
+          <p:cNvSpPr>
+            <a:spLocks noGrp="1"/>
+          </p:cNvSpPr>
+          <p:nvPr>
+            <p:ph type="title"/>
+          </p:nvPr>
+        </p:nvSpPr>
+        <p:spPr/>
+        <p:txBody>
+          <a:bodyPr/>
+          <a:lstStyle/>
+          <a:p>
+            <a:endParaRPr lang="en-US"/>
+          </a:p>
+        </p:txBody>
+      </p:sp>
+      <p:pic>
+        <p:nvPicPr>
+          <p:cNvPr id="19" name="Content Placeholder 18">
+            <a:extLst>
+              <a:ext uri="{FF2B5EF4-FFF2-40B4-BE49-F238E27FC236}">
+                <a16:creationId xmlns:a16="http://schemas.microsoft.com/office/drawing/2014/main" id="{46905BC0-7A32-1B94-CC55-D0BC822F7C93}"/>
+              </a:ext>
+            </a:extLst>
+          </p:cNvPr>
+          <p:cNvPicPr>
+            <a:picLocks noGrp="1" noChangeAspect="1"/>
+          </p:cNvPicPr>
+          <p:nvPr>
+            <p:ph idx="1"/>
+          </p:nvPr>
+        </p:nvPicPr>
+        <p:blipFill>
+          <a:blip r:embed="rId2">
+            <a:extLst>
+              <a:ext uri="{28A0092B-C50C-407E-A947-70E740481C1C}">
+                <a14:useLocalDpi xmlns:a14="http://schemas.microsoft.com/office/drawing/2010/main" val="0"/>
+              </a:ext>
+            </a:extLst>
+          </a:blip>
+          <a:stretch>
+            <a:fillRect/>
+          </a:stretch>
+        </p:blipFill>
+        <p:spPr>
+          <a:xfrm>
+            <a:off x="0" y="0"/>
+            <a:ext cx="13033270" cy="7162800"/>
+          </a:xfrm>
+        </p:spPr>
+      </p:pic>
+    </p:spTree>
+    <p:extLst>
+      <p:ext uri="{BB962C8B-B14F-4D97-AF65-F5344CB8AC3E}">
+        <p14:creationId xmlns:p14="http://schemas.microsoft.com/office/powerpoint/2010/main" val="3922644609"/>
+      </p:ext>
+    </p:extLst>
+  </p:cSld>
+  <p:clrMapOvr>
+    <a:masterClrMapping/>
+  </p:clrMapOvr>
+</p:sld>
+</file>
+
+<file path=ppt/slides/slide4.xml><?xml version="1.0" encoding="utf-8"?>
+<p:sld xmlns:a="http://schemas.openxmlformats.org/drawingml/2006/main" xmlns:r="http://schemas.openxmlformats.org/officeDocument/2006/relationships" xmlns:p="http://schemas.openxmlformats.org/presentationml/2006/main">
+  <p:cSld>
+    <p:bg>
+      <p:bgPr>
+        <a:solidFill>
+          <a:schemeClr val="bg1"/>
+        </a:solidFill>
+        <a:effectLst/>
+      </p:bgPr>
+    </p:bg>
+    <p:spTree>
+      <p:nvGrpSpPr>
+        <p:cNvPr id="1" name=""/>
+        <p:cNvGrpSpPr/>
+        <p:nvPr/>
+      </p:nvGrpSpPr>
+      <p:grpSpPr>
+        <a:xfrm>
+          <a:off x="0" y="0"/>
+          <a:ext cx="0" cy="0"/>
+          <a:chOff x="0" y="0"/>
+          <a:chExt cx="0" cy="0"/>
+        </a:xfrm>
+      </p:grpSpPr>
+      <p:sp useBgFill="1">
+        <p:nvSpPr>
+          <p:cNvPr id="8" name="Rectangle 7">
+            <a:extLst>
+              <a:ext uri="{FF2B5EF4-FFF2-40B4-BE49-F238E27FC236}">
+                <a16:creationId xmlns:a16="http://schemas.microsoft.com/office/drawing/2014/main" id="{907EF6B7-1338-4443-8C46-6A318D952DFD}"/>
+              </a:ext>
+              <a:ext uri="{C183D7F6-B498-43B3-948B-1728B52AA6E4}">
+                <adec:decorative xmlns:adec="http://schemas.microsoft.com/office/drawing/2017/decorative" val="1"/>
+              </a:ext>
+            </a:extLst>
+          </p:cNvPr>
+          <p:cNvSpPr>
+            <a:spLocks noGrp="1" noRot="1" noChangeAspect="1" noMove="1" noResize="1" noEditPoints="1" noAdjustHandles="1" noChangeArrowheads="1" noChangeShapeType="1" noTextEdit="1"/>
+          </p:cNvSpPr>
+          <p:nvPr>
+            <p:extLst>
+              <p:ext uri="{386F3935-93C4-4BCD-93E2-E3B085C9AB24}">
+                <p16:designElem xmlns:p16="http://schemas.microsoft.com/office/powerpoint/2015/main" val="1"/>
+              </p:ext>
+            </p:extLst>
+          </p:nvPr>
+        </p:nvSpPr>
+        <p:spPr>
+          <a:xfrm>
+            <a:off x="3048" y="0"/>
+            <a:ext cx="12188952" cy="6858000"/>
+          </a:xfrm>
+          <a:prstGeom prst="rect">
+            <a:avLst/>
+          </a:prstGeom>
+          <a:ln>
+            <a:noFill/>
+          </a:ln>
+        </p:spPr>
+        <p:style>
+          <a:lnRef idx="2">
+            <a:schemeClr val="accent1">
+              <a:shade val="50000"/>
+            </a:schemeClr>
+          </a:lnRef>
+          <a:fillRef idx="1">
+            <a:schemeClr val="accent1"/>
+          </a:fillRef>
+          <a:effectRef idx="0">
+            <a:schemeClr val="accent1"/>
+          </a:effectRef>
+          <a:fontRef idx="minor">
+            <a:schemeClr val="lt1"/>
+          </a:fontRef>
+        </p:style>
+        <p:txBody>
+          <a:bodyPr rtlCol="0" anchor="ctr"/>
+          <a:lstStyle/>
+          <a:p>
+            <a:pPr algn="ctr"/>
+            <a:endParaRPr lang="en-US"/>
+          </a:p>
+        </p:txBody>
+      </p:sp>
+      <p:sp>
+        <p:nvSpPr>
+          <p:cNvPr id="10" name="Freeform: Shape 9">
+            <a:extLst>
+              <a:ext uri="{FF2B5EF4-FFF2-40B4-BE49-F238E27FC236}">
+                <a16:creationId xmlns:a16="http://schemas.microsoft.com/office/drawing/2014/main" id="{DAAE4CDD-124C-4DCF-9584-B6033B545DD5}"/>
+              </a:ext>
+              <a:ext uri="{C183D7F6-B498-43B3-948B-1728B52AA6E4}">
+                <adec:decorative xmlns:adec="http://schemas.microsoft.com/office/drawing/2017/decorative" val="1"/>
+              </a:ext>
+            </a:extLst>
+          </p:cNvPr>
+          <p:cNvSpPr>
+            <a:spLocks noGrp="1" noRot="1" noChangeAspect="1" noMove="1" noResize="1" noEditPoints="1" noAdjustHandles="1" noChangeArrowheads="1" noChangeShapeType="1" noTextEdit="1"/>
+          </p:cNvSpPr>
+          <p:nvPr>
+            <p:extLst>
+              <p:ext uri="{386F3935-93C4-4BCD-93E2-E3B085C9AB24}">
+                <p16:designElem xmlns:p16="http://schemas.microsoft.com/office/powerpoint/2015/main" val="1"/>
+              </p:ext>
+            </p:extLst>
+          </p:nvPr>
+        </p:nvSpPr>
+        <p:spPr>
+          <a:xfrm>
+            <a:off x="1" y="0"/>
+            <a:ext cx="4167271" cy="6858000"/>
+          </a:xfrm>
+          <a:custGeom>
+            <a:avLst/>
+            <a:gdLst>
+              <a:gd name="connsiteX0" fmla="*/ 0 w 4167271"/>
+              <a:gd name="connsiteY0" fmla="*/ 0 h 6858000"/>
+              <a:gd name="connsiteX1" fmla="*/ 2259550 w 4167271"/>
+              <a:gd name="connsiteY1" fmla="*/ 0 h 6858000"/>
+              <a:gd name="connsiteX2" fmla="*/ 2387803 w 4167271"/>
+              <a:gd name="connsiteY2" fmla="*/ 82222 h 6858000"/>
+              <a:gd name="connsiteX3" fmla="*/ 4167271 w 4167271"/>
+              <a:gd name="connsiteY3" fmla="*/ 3429000 h 6858000"/>
+              <a:gd name="connsiteX4" fmla="*/ 2387803 w 4167271"/>
+              <a:gd name="connsiteY4" fmla="*/ 6775779 h 6858000"/>
+              <a:gd name="connsiteX5" fmla="*/ 2259550 w 4167271"/>
+              <a:gd name="connsiteY5" fmla="*/ 6858000 h 6858000"/>
+              <a:gd name="connsiteX6" fmla="*/ 0 w 4167271"/>
+              <a:gd name="connsiteY6" fmla="*/ 6858000 h 6858000"/>
+            </a:gdLst>
+            <a:ahLst/>
+            <a:cxnLst>
+              <a:cxn ang="0">
+                <a:pos x="connsiteX0" y="connsiteY0"/>
+              </a:cxn>
+              <a:cxn ang="0">
+                <a:pos x="connsiteX1" y="connsiteY1"/>
+              </a:cxn>
+              <a:cxn ang="0">
+                <a:pos x="connsiteX2" y="connsiteY2"/>
+              </a:cxn>
+              <a:cxn ang="0">
+                <a:pos x="connsiteX3" y="connsiteY3"/>
+              </a:cxn>
+              <a:cxn ang="0">
+                <a:pos x="connsiteX4" y="connsiteY4"/>
+              </a:cxn>
+              <a:cxn ang="0">
+                <a:pos x="connsiteX5" y="connsiteY5"/>
+              </a:cxn>
+              <a:cxn ang="0">
+                <a:pos x="connsiteX6" y="connsiteY6"/>
+              </a:cxn>
+            </a:cxnLst>
+            <a:rect l="l" t="t" r="r" b="b"/>
+            <a:pathLst>
+              <a:path w="4167271" h="6858000">
+                <a:moveTo>
+                  <a:pt x="0" y="0"/>
+                </a:moveTo>
+                <a:lnTo>
+                  <a:pt x="2259550" y="0"/>
+                </a:lnTo>
+                <a:lnTo>
+                  <a:pt x="2387803" y="82222"/>
+                </a:lnTo>
+                <a:cubicBezTo>
+                  <a:pt x="3461407" y="807534"/>
+                  <a:pt x="4167271" y="2035835"/>
+                  <a:pt x="4167271" y="3429000"/>
+                </a:cubicBezTo>
+                <a:cubicBezTo>
+                  <a:pt x="4167271" y="4822165"/>
+                  <a:pt x="3461407" y="6050467"/>
+                  <a:pt x="2387803" y="6775779"/>
+                </a:cubicBezTo>
+                <a:lnTo>
+                  <a:pt x="2259550" y="6858000"/>
+                </a:lnTo>
+                <a:lnTo>
+                  <a:pt x="0" y="6858000"/>
+                </a:lnTo>
+                <a:close/>
+              </a:path>
+            </a:pathLst>
+          </a:custGeom>
+          <a:solidFill>
+            <a:schemeClr val="accent2"/>
+          </a:solidFill>
+          <a:ln>
+            <a:noFill/>
+          </a:ln>
+        </p:spPr>
+        <p:style>
+          <a:lnRef idx="2">
+            <a:schemeClr val="accent1">
+              <a:shade val="50000"/>
+            </a:schemeClr>
+          </a:lnRef>
+          <a:fillRef idx="1">
+            <a:schemeClr val="accent1"/>
+          </a:fillRef>
+          <a:effectRef idx="0">
+            <a:schemeClr val="accent1"/>
+          </a:effectRef>
+          <a:fontRef idx="minor">
+            <a:schemeClr val="lt1"/>
+          </a:fontRef>
+        </p:style>
+        <p:txBody>
+          <a:bodyPr rtlCol="0" anchor="ctr"/>
+          <a:lstStyle/>
+          <a:p>
+            <a:pPr algn="ctr"/>
+            <a:endParaRPr lang="en-US"/>
+          </a:p>
+        </p:txBody>
+      </p:sp>
+      <p:sp>
+        <p:nvSpPr>
+          <p:cNvPr id="2" name="Title 1">
+            <a:extLst>
+              <a:ext uri="{FF2B5EF4-FFF2-40B4-BE49-F238E27FC236}">
+                <a16:creationId xmlns:a16="http://schemas.microsoft.com/office/drawing/2014/main" id="{604CD088-9924-FDF8-32EA-64AD14C5DE41}"/>
+              </a:ext>
+            </a:extLst>
+          </p:cNvPr>
+          <p:cNvSpPr>
+            <a:spLocks noGrp="1"/>
+          </p:cNvSpPr>
+          <p:nvPr>
+            <p:ph type="title"/>
+          </p:nvPr>
+        </p:nvSpPr>
+        <p:spPr>
+          <a:xfrm>
+            <a:off x="686834" y="1153572"/>
+            <a:ext cx="3200400" cy="4461163"/>
+          </a:xfrm>
+        </p:spPr>
+        <p:txBody>
+          <a:bodyPr>
+            <a:normAutofit/>
+          </a:bodyPr>
+          <a:lstStyle/>
+          <a:p>
+            <a:r>
+              <a:rPr lang="en-US" dirty="0">
+                <a:solidFill>
+                  <a:srgbClr val="FFFFFF"/>
+                </a:solidFill>
+              </a:rPr>
+              <a:t>Sections</a:t>
+            </a:r>
+          </a:p>
+        </p:txBody>
+      </p:sp>
+      <p:sp>
+        <p:nvSpPr>
+          <p:cNvPr id="12" name="Arc 11">
+            <a:extLst>
+              <a:ext uri="{FF2B5EF4-FFF2-40B4-BE49-F238E27FC236}">
+                <a16:creationId xmlns:a16="http://schemas.microsoft.com/office/drawing/2014/main" id="{081E4A58-353D-44AE-B2FC-2A74E2E400F7}"/>
+              </a:ext>
+              <a:ext uri="{C183D7F6-B498-43B3-948B-1728B52AA6E4}">
+                <adec:decorative xmlns:adec="http://schemas.microsoft.com/office/drawing/2017/decorative" val="1"/>
+              </a:ext>
+            </a:extLst>
+          </p:cNvPr>
+          <p:cNvSpPr>
+            <a:spLocks noGrp="1" noRot="1" noChangeAspect="1" noMove="1" noResize="1" noEditPoints="1" noAdjustHandles="1" noChangeArrowheads="1" noChangeShapeType="1" noTextEdit="1"/>
+          </p:cNvSpPr>
+          <p:nvPr>
+            <p:extLst>
+              <p:ext uri="{386F3935-93C4-4BCD-93E2-E3B085C9AB24}">
+                <p16:designElem xmlns:p16="http://schemas.microsoft.com/office/powerpoint/2015/main" val="1"/>
+              </p:ext>
+            </p:extLst>
+          </p:nvPr>
+        </p:nvSpPr>
+        <p:spPr>
+          <a:xfrm flipV="1">
+            <a:off x="7550402" y="2455479"/>
+            <a:ext cx="4083433" cy="4083433"/>
+          </a:xfrm>
+          <a:prstGeom prst="arc">
+            <a:avLst/>
+          </a:prstGeom>
+          <a:ln w="127000" cap="rnd">
+            <a:solidFill>
+              <a:schemeClr val="accent4"/>
+            </a:solidFill>
+            <a:prstDash val="dash"/>
+          </a:ln>
+        </p:spPr>
+        <p:style>
+          <a:lnRef idx="1">
+            <a:schemeClr val="accent1"/>
+          </a:lnRef>
+          <a:fillRef idx="0">
+            <a:schemeClr val="accent1"/>
+          </a:fillRef>
+          <a:effectRef idx="0">
+            <a:schemeClr val="accent1"/>
+          </a:effectRef>
+          <a:fontRef idx="minor">
+            <a:schemeClr val="tx1"/>
+          </a:fontRef>
+        </p:style>
+        <p:txBody>
+          <a:bodyPr rtlCol="0" anchor="ctr"/>
+          <a:lstStyle/>
+          <a:p>
+            <a:pPr algn="ctr"/>
+            <a:endParaRPr lang="en-US" dirty="0"/>
+          </a:p>
+        </p:txBody>
+      </p:sp>
+      <p:sp>
+        <p:nvSpPr>
+          <p:cNvPr id="3" name="Content Placeholder 2">
+            <a:extLst>
+              <a:ext uri="{FF2B5EF4-FFF2-40B4-BE49-F238E27FC236}">
+                <a16:creationId xmlns:a16="http://schemas.microsoft.com/office/drawing/2014/main" id="{506ECF03-3832-CE61-45EB-6C148D597A92}"/>
+              </a:ext>
+            </a:extLst>
+          </p:cNvPr>
+          <p:cNvSpPr>
+            <a:spLocks noGrp="1"/>
+          </p:cNvSpPr>
+          <p:nvPr>
+            <p:ph idx="1"/>
+          </p:nvPr>
+        </p:nvSpPr>
+        <p:spPr>
+          <a:xfrm>
+            <a:off x="4447308" y="787400"/>
+            <a:ext cx="6906491" cy="5389563"/>
+          </a:xfrm>
+        </p:spPr>
+        <p:txBody>
+          <a:bodyPr anchor="ctr">
+            <a:normAutofit/>
+          </a:bodyPr>
+          <a:lstStyle/>
+          <a:p>
+            <a:r>
+              <a:rPr lang="en-US" dirty="0"/>
+              <a:t>Goals of coding with kids</a:t>
+            </a:r>
+          </a:p>
+          <a:p>
+            <a:r>
+              <a:rPr lang="en-US" dirty="0"/>
+              <a:t>How we got started</a:t>
+            </a:r>
+          </a:p>
+          <a:p>
+            <a:r>
+              <a:rPr lang="en-US" dirty="0"/>
+              <a:t>Projects</a:t>
+            </a:r>
+          </a:p>
+          <a:p>
+            <a:r>
+              <a:rPr lang="en-US" dirty="0"/>
+              <a:t>Miscellaneous Activities</a:t>
+            </a:r>
+          </a:p>
+          <a:p>
+            <a:r>
+              <a:rPr lang="en-US" dirty="0"/>
+              <a:t>Key Points when programming with kids</a:t>
+            </a:r>
+          </a:p>
+          <a:p>
+            <a:r>
+              <a:rPr lang="en-US" dirty="0"/>
+              <a:t>Resources</a:t>
+            </a:r>
+          </a:p>
+          <a:p>
+            <a:r>
+              <a:rPr lang="en-US" dirty="0"/>
+              <a:t>Flow Charts</a:t>
+            </a:r>
+          </a:p>
+          <a:p>
+            <a:pPr lvl="1"/>
+            <a:r>
+              <a:rPr lang="en-US" dirty="0"/>
+              <a:t>Try it your self</a:t>
+            </a:r>
+          </a:p>
+          <a:p>
+            <a:endParaRPr lang="en-US" dirty="0"/>
+          </a:p>
+        </p:txBody>
+      </p:sp>
+    </p:spTree>
+    <p:extLst>
+      <p:ext uri="{BB962C8B-B14F-4D97-AF65-F5344CB8AC3E}">
+        <p14:creationId xmlns:p14="http://schemas.microsoft.com/office/powerpoint/2010/main" val="2269727316"/>
+      </p:ext>
+    </p:extLst>
+  </p:cSld>
+  <p:clrMapOvr>
+    <a:masterClrMapping/>
+  </p:clrMapOvr>
+</p:sld>
+</file>
+
+<file path=ppt/slides/slide5.xml><?xml version="1.0" encoding="utf-8"?>
+<p:sld xmlns:a="http://schemas.openxmlformats.org/drawingml/2006/main" xmlns:r="http://schemas.openxmlformats.org/officeDocument/2006/relationships" xmlns:p="http://schemas.openxmlformats.org/presentationml/2006/main">
+  <p:cSld>
+    <p:bg>
+      <p:bgPr>
+        <a:solidFill>
+          <a:schemeClr val="bg1"/>
+        </a:solidFill>
+        <a:effectLst/>
+      </p:bgPr>
+    </p:bg>
+    <p:spTree>
+      <p:nvGrpSpPr>
+        <p:cNvPr id="1" name=""/>
+        <p:cNvGrpSpPr/>
+        <p:nvPr/>
+      </p:nvGrpSpPr>
+      <p:grpSpPr>
+        <a:xfrm>
+          <a:off x="0" y="0"/>
+          <a:ext cx="0" cy="0"/>
+          <a:chOff x="0" y="0"/>
+          <a:chExt cx="0" cy="0"/>
+        </a:xfrm>
+      </p:grpSpPr>
+      <p:sp useBgFill="1">
+        <p:nvSpPr>
+          <p:cNvPr id="8" name="Rectangle 7">
+            <a:extLst>
+              <a:ext uri="{FF2B5EF4-FFF2-40B4-BE49-F238E27FC236}">
+                <a16:creationId xmlns:a16="http://schemas.microsoft.com/office/drawing/2014/main" id="{DAF1966E-FD40-4A4A-B61B-C4DF7FA05F06}"/>
+              </a:ext>
+              <a:ext uri="{C183D7F6-B498-43B3-948B-1728B52AA6E4}">
+                <adec:decorative xmlns:adec="http://schemas.microsoft.com/office/drawing/2017/decorative" val="1"/>
+              </a:ext>
+            </a:extLst>
+          </p:cNvPr>
+          <p:cNvSpPr>
+            <a:spLocks noGrp="1" noRot="1" noChangeAspect="1" noMove="1" noResize="1" noEditPoints="1" noAdjustHandles="1" noChangeArrowheads="1" noChangeShapeType="1" noTextEdit="1"/>
+          </p:cNvSpPr>
+          <p:nvPr>
+            <p:extLst>
+              <p:ext uri="{386F3935-93C4-4BCD-93E2-E3B085C9AB24}">
+                <p16:designElem xmlns:p16="http://schemas.microsoft.com/office/powerpoint/2015/main" val="1"/>
+              </p:ext>
+            </p:extLst>
+          </p:nvPr>
+        </p:nvSpPr>
+        <p:spPr>
+          <a:xfrm>
+            <a:off x="0" y="0"/>
+            <a:ext cx="12192000" cy="6858000"/>
+          </a:xfrm>
+          <a:prstGeom prst="rect">
+            <a:avLst/>
+          </a:prstGeom>
+          <a:ln>
+            <a:noFill/>
+          </a:ln>
+        </p:spPr>
+        <p:style>
+          <a:lnRef idx="2">
+            <a:schemeClr val="accent1">
+              <a:shade val="50000"/>
+            </a:schemeClr>
+          </a:lnRef>
+          <a:fillRef idx="1">
+            <a:schemeClr val="accent1"/>
+          </a:fillRef>
+          <a:effectRef idx="0">
+            <a:schemeClr val="accent1"/>
+          </a:effectRef>
+          <a:fontRef idx="minor">
+            <a:schemeClr val="lt1"/>
+          </a:fontRef>
+        </p:style>
+        <p:txBody>
+          <a:bodyPr rtlCol="0" anchor="ctr"/>
+          <a:lstStyle/>
+          <a:p>
+            <a:pPr algn="ctr"/>
+            <a:endParaRPr lang="en-US"/>
+          </a:p>
+        </p:txBody>
+      </p:sp>
+      <p:sp useBgFill="1">
+        <p:nvSpPr>
+          <p:cNvPr id="10" name="Rectangle 9">
+            <a:extLst>
+              <a:ext uri="{FF2B5EF4-FFF2-40B4-BE49-F238E27FC236}">
+                <a16:creationId xmlns:a16="http://schemas.microsoft.com/office/drawing/2014/main" id="{047BFA19-D45E-416B-A404-7AF2F3F27017}"/>
+              </a:ext>
+              <a:ext uri="{C183D7F6-B498-43B3-948B-1728B52AA6E4}">
+                <adec:decorative xmlns:adec="http://schemas.microsoft.com/office/drawing/2017/decorative" val="1"/>
+              </a:ext>
+            </a:extLst>
+          </p:cNvPr>
+          <p:cNvSpPr>
+            <a:spLocks noGrp="1" noRot="1" noChangeAspect="1" noMove="1" noResize="1" noEditPoints="1" noAdjustHandles="1" noChangeArrowheads="1" noChangeShapeType="1" noTextEdit="1"/>
+          </p:cNvSpPr>
+          <p:nvPr>
+            <p:extLst>
+              <p:ext uri="{386F3935-93C4-4BCD-93E2-E3B085C9AB24}">
+                <p16:designElem xmlns:p16="http://schemas.microsoft.com/office/powerpoint/2015/main" val="1"/>
+              </p:ext>
+            </p:extLst>
+          </p:nvPr>
+        </p:nvSpPr>
+        <p:spPr>
+          <a:xfrm>
+            <a:off x="558209" y="0"/>
+            <a:ext cx="11167447" cy="2018806"/>
+          </a:xfrm>
+          <a:prstGeom prst="rect">
+            <a:avLst/>
+          </a:prstGeom>
+          <a:ln w="9525">
+            <a:solidFill>
+              <a:srgbClr val="E1E1E1"/>
+            </a:solidFill>
+          </a:ln>
+          <a:effectLst>
+            <a:outerShdw blurRad="50800" dist="38100" dir="2700000" algn="tl" rotWithShape="0">
+              <a:schemeClr val="bg1">
+                <a:lumMod val="85000"/>
+                <a:alpha val="50000"/>
+              </a:schemeClr>
+            </a:outerShdw>
+          </a:effectLst>
+        </p:spPr>
+        <p:style>
+          <a:lnRef idx="2">
+            <a:schemeClr val="accent1">
+              <a:shade val="50000"/>
+            </a:schemeClr>
+          </a:lnRef>
+          <a:fillRef idx="1">
+            <a:schemeClr val="accent1"/>
+          </a:fillRef>
+          <a:effectRef idx="0">
+            <a:schemeClr val="accent1"/>
+          </a:effectRef>
+          <a:fontRef idx="minor">
+            <a:schemeClr val="lt1"/>
+          </a:fontRef>
+        </p:style>
+        <p:txBody>
+          <a:bodyPr rtlCol="0" anchor="ctr"/>
+          <a:lstStyle/>
+          <a:p>
+            <a:pPr marL="0" marR="0" lvl="0" indent="0" algn="ctr" defTabSz="914400" rtl="0" eaLnBrk="1" fontAlgn="auto" latinLnBrk="0" hangingPunct="1">
+              <a:lnSpc>
+                <a:spcPct val="100000"/>
+              </a:lnSpc>
+              <a:spcBef>
+                <a:spcPts val="0"/>
+              </a:spcBef>
+              <a:spcAft>
+                <a:spcPts val="0"/>
+              </a:spcAft>
+              <a:buClrTx/>
+              <a:buSzTx/>
+              <a:buFontTx/>
+              <a:buNone/>
+              <a:tabLst/>
+              <a:defRPr/>
+            </a:pPr>
+            <a:endParaRPr kumimoji="0" lang="en-US" sz="1800" b="0" i="0" u="none" strike="noStrike" kern="1200" cap="none" spc="0" normalizeH="0" baseline="0" noProof="0">
+              <a:ln>
+                <a:noFill/>
+              </a:ln>
+              <a:solidFill>
+                <a:prstClr val="white"/>
+              </a:solidFill>
+              <a:effectLst/>
+              <a:uLnTx/>
+              <a:uFillTx/>
+              <a:latin typeface="Calibri" panose="020F0502020204030204"/>
+              <a:ea typeface="+mn-ea"/>
+              <a:cs typeface="+mn-cs"/>
+            </a:endParaRPr>
+          </a:p>
+        </p:txBody>
+      </p:sp>
+      <p:sp useBgFill="1">
+        <p:nvSpPr>
+          <p:cNvPr id="12" name="Rectangle 11">
+            <a:extLst>
+              <a:ext uri="{FF2B5EF4-FFF2-40B4-BE49-F238E27FC236}">
+                <a16:creationId xmlns:a16="http://schemas.microsoft.com/office/drawing/2014/main" id="{8E0105E7-23DB-4CF2-8258-FF47C7620F6E}"/>
+              </a:ext>
+              <a:ext uri="{C183D7F6-B498-43B3-948B-1728B52AA6E4}">
+                <adec:decorative xmlns:adec="http://schemas.microsoft.com/office/drawing/2017/decorative" val="1"/>
+              </a:ext>
+            </a:extLst>
+          </p:cNvPr>
+          <p:cNvSpPr>
+            <a:spLocks noGrp="1" noRot="1" noChangeAspect="1" noMove="1" noResize="1" noEditPoints="1" noAdjustHandles="1" noChangeArrowheads="1" noChangeShapeType="1" noTextEdit="1"/>
+          </p:cNvSpPr>
+          <p:nvPr>
+            <p:extLst>
+              <p:ext uri="{386F3935-93C4-4BCD-93E2-E3B085C9AB24}">
+                <p16:designElem xmlns:p16="http://schemas.microsoft.com/office/powerpoint/2015/main" val="1"/>
+              </p:ext>
+            </p:extLst>
+          </p:nvPr>
+        </p:nvSpPr>
+        <p:spPr>
+          <a:xfrm>
+            <a:off x="566928" y="0"/>
+            <a:ext cx="11155680" cy="2011680"/>
+          </a:xfrm>
+          <a:prstGeom prst="rect">
+            <a:avLst/>
+          </a:prstGeom>
+          <a:ln w="9525">
+            <a:noFill/>
+          </a:ln>
+          <a:effectLst/>
+        </p:spPr>
+        <p:style>
+          <a:lnRef idx="2">
+            <a:schemeClr val="accent1">
+              <a:shade val="50000"/>
+            </a:schemeClr>
+          </a:lnRef>
+          <a:fillRef idx="1">
+            <a:schemeClr val="accent1"/>
+          </a:fillRef>
+          <a:effectRef idx="0">
+            <a:schemeClr val="accent1"/>
+          </a:effectRef>
+          <a:fontRef idx="minor">
+            <a:schemeClr val="lt1"/>
+          </a:fontRef>
+        </p:style>
+        <p:txBody>
+          <a:bodyPr rtlCol="0" anchor="ctr"/>
+          <a:lstStyle/>
+          <a:p>
+            <a:pPr marL="0" marR="0" lvl="0" indent="0" algn="ctr" defTabSz="914400" rtl="0" eaLnBrk="1" fontAlgn="auto" latinLnBrk="0" hangingPunct="1">
+              <a:lnSpc>
+                <a:spcPct val="100000"/>
+              </a:lnSpc>
+              <a:spcBef>
+                <a:spcPts val="0"/>
+              </a:spcBef>
+              <a:spcAft>
+                <a:spcPts val="0"/>
+              </a:spcAft>
+              <a:buClrTx/>
+              <a:buSzTx/>
+              <a:buFontTx/>
+              <a:buNone/>
+              <a:tabLst/>
+              <a:defRPr/>
+            </a:pPr>
+            <a:endParaRPr kumimoji="0" lang="en-US" sz="1800" b="0" i="0" u="none" strike="noStrike" kern="1200" cap="none" spc="0" normalizeH="0" baseline="0" noProof="0">
+              <a:ln>
+                <a:noFill/>
+              </a:ln>
+              <a:solidFill>
+                <a:prstClr val="white"/>
+              </a:solidFill>
+              <a:effectLst/>
+              <a:uLnTx/>
+              <a:uFillTx/>
+              <a:latin typeface="Calibri" panose="020F0502020204030204"/>
+              <a:ea typeface="+mn-ea"/>
+              <a:cs typeface="+mn-cs"/>
+            </a:endParaRPr>
+          </a:p>
+        </p:txBody>
+      </p:sp>
+      <p:sp>
+        <p:nvSpPr>
+          <p:cNvPr id="2" name="Title 1">
+            <a:extLst>
+              <a:ext uri="{FF2B5EF4-FFF2-40B4-BE49-F238E27FC236}">
+                <a16:creationId xmlns:a16="http://schemas.microsoft.com/office/drawing/2014/main" id="{82CF4B60-062A-25CD-E448-6C8255EEF9CC}"/>
+              </a:ext>
+            </a:extLst>
+          </p:cNvPr>
+          <p:cNvSpPr>
+            <a:spLocks noGrp="1"/>
+          </p:cNvSpPr>
+          <p:nvPr>
+            <p:ph type="title"/>
+          </p:nvPr>
+        </p:nvSpPr>
+        <p:spPr>
+          <a:xfrm>
+            <a:off x="1115568" y="548640"/>
+            <a:ext cx="10168128" cy="1179576"/>
+          </a:xfrm>
+        </p:spPr>
+        <p:txBody>
+          <a:bodyPr>
+            <a:normAutofit/>
+          </a:bodyPr>
+          <a:lstStyle/>
+          <a:p>
+            <a:r>
+              <a:rPr lang="en-US" sz="4000" dirty="0"/>
+              <a:t>Goals of coding with kids</a:t>
+            </a:r>
+          </a:p>
+        </p:txBody>
+      </p:sp>
+      <p:sp>
+        <p:nvSpPr>
+          <p:cNvPr id="14" name="Rectangle 13">
+            <a:extLst>
+              <a:ext uri="{FF2B5EF4-FFF2-40B4-BE49-F238E27FC236}">
+                <a16:creationId xmlns:a16="http://schemas.microsoft.com/office/drawing/2014/main" id="{074B4F7D-14B2-478B-8BF5-01E4E0C5D263}"/>
+              </a:ext>
+              <a:ext uri="{C183D7F6-B498-43B3-948B-1728B52AA6E4}">
+                <adec:decorative xmlns:adec="http://schemas.microsoft.com/office/drawing/2017/decorative" val="1"/>
+              </a:ext>
+            </a:extLst>
+          </p:cNvPr>
+          <p:cNvSpPr>
+            <a:spLocks noGrp="1" noRot="1" noChangeAspect="1" noMove="1" noResize="1" noEditPoints="1" noAdjustHandles="1" noChangeArrowheads="1" noChangeShapeType="1" noTextEdit="1"/>
+          </p:cNvSpPr>
+          <p:nvPr>
+            <p:extLst>
+              <p:ext uri="{386F3935-93C4-4BCD-93E2-E3B085C9AB24}">
+                <p16:designElem xmlns:p16="http://schemas.microsoft.com/office/powerpoint/2015/main" val="1"/>
+              </p:ext>
+            </p:extLst>
+          </p:nvPr>
+        </p:nvSpPr>
+        <p:spPr>
+          <a:xfrm>
+            <a:off x="498834" y="758952"/>
+            <a:ext cx="128016" cy="704088"/>
+          </a:xfrm>
+          <a:prstGeom prst="rect">
+            <a:avLst/>
+          </a:prstGeom>
+          <a:solidFill>
+            <a:schemeClr val="accent2"/>
+          </a:solidFill>
+          <a:ln>
+            <a:noFill/>
+          </a:ln>
+        </p:spPr>
+        <p:style>
+          <a:lnRef idx="2">
+            <a:schemeClr val="accent1">
+              <a:shade val="50000"/>
+            </a:schemeClr>
+          </a:lnRef>
+          <a:fillRef idx="1">
+            <a:schemeClr val="accent1"/>
+          </a:fillRef>
+          <a:effectRef idx="0">
+            <a:schemeClr val="accent1"/>
+          </a:effectRef>
+          <a:fontRef idx="minor">
+            <a:schemeClr val="lt1"/>
+          </a:fontRef>
+        </p:style>
+        <p:txBody>
+          <a:bodyPr rtlCol="0" anchor="ctr"/>
+          <a:lstStyle/>
+          <a:p>
+            <a:pPr algn="ctr"/>
+            <a:endParaRPr lang="en-US">
+              <a:solidFill>
+                <a:prstClr val="white"/>
+              </a:solidFill>
+              <a:latin typeface="Calibri" panose="020F0502020204030204"/>
+            </a:endParaRPr>
+          </a:p>
+        </p:txBody>
+      </p:sp>
+      <p:sp>
+        <p:nvSpPr>
+          <p:cNvPr id="3" name="Content Placeholder 2">
+            <a:extLst>
+              <a:ext uri="{FF2B5EF4-FFF2-40B4-BE49-F238E27FC236}">
+                <a16:creationId xmlns:a16="http://schemas.microsoft.com/office/drawing/2014/main" id="{E43BD06B-906D-5C9C-E517-52B27F705E94}"/>
+              </a:ext>
+            </a:extLst>
+          </p:cNvPr>
+          <p:cNvSpPr>
+            <a:spLocks noGrp="1"/>
+          </p:cNvSpPr>
+          <p:nvPr>
+            <p:ph idx="1"/>
+          </p:nvPr>
+        </p:nvSpPr>
+        <p:spPr>
+          <a:xfrm>
+            <a:off x="1115568" y="2481943"/>
+            <a:ext cx="10168128" cy="3695020"/>
+          </a:xfrm>
+        </p:spPr>
+        <p:txBody>
+          <a:bodyPr>
+            <a:normAutofit/>
+          </a:bodyPr>
+          <a:lstStyle/>
+          <a:p>
+            <a:pPr marL="457200" indent="-457200">
+              <a:buFont typeface="+mj-lt"/>
+              <a:buAutoNum type="arabicPeriod"/>
+            </a:pPr>
+            <a:r>
+              <a:rPr lang="en-US" sz="2200" dirty="0"/>
+              <a:t>Have fun with our children</a:t>
+            </a:r>
+          </a:p>
+          <a:p>
+            <a:pPr marL="457200" indent="-457200">
+              <a:buFont typeface="+mj-lt"/>
+              <a:buAutoNum type="arabicPeriod"/>
+            </a:pPr>
+            <a:r>
+              <a:rPr lang="en-US" sz="2200" dirty="0"/>
+              <a:t>Spend time together</a:t>
+            </a:r>
+          </a:p>
+          <a:p>
+            <a:pPr marL="457200" indent="-457200">
+              <a:buFont typeface="+mj-lt"/>
+              <a:buAutoNum type="arabicPeriod"/>
+            </a:pPr>
+            <a:r>
+              <a:rPr lang="en-US" sz="2200" dirty="0"/>
+              <a:t>Teach persistence / Perseverance</a:t>
+            </a:r>
+          </a:p>
+          <a:p>
+            <a:pPr marL="457200" indent="-457200">
+              <a:buFont typeface="+mj-lt"/>
+              <a:buAutoNum type="arabicPeriod"/>
+            </a:pPr>
+            <a:r>
+              <a:rPr lang="en-US" sz="2200" dirty="0"/>
+              <a:t>Growth Mindset</a:t>
+            </a:r>
+          </a:p>
+          <a:p>
+            <a:pPr marL="457200" indent="-457200">
+              <a:buFont typeface="+mj-lt"/>
+              <a:buAutoNum type="arabicPeriod"/>
+            </a:pPr>
+            <a:r>
+              <a:rPr lang="en-US" sz="2200" dirty="0"/>
+              <a:t>Learn ways which they learn</a:t>
+            </a:r>
+          </a:p>
+          <a:p>
+            <a:pPr marL="457200" indent="-457200">
+              <a:buFont typeface="+mj-lt"/>
+              <a:buAutoNum type="arabicPeriod"/>
+            </a:pPr>
+            <a:r>
+              <a:rPr lang="en-US" sz="2200" dirty="0"/>
+              <a:t>Increase Creativity</a:t>
+            </a:r>
+          </a:p>
+          <a:p>
+            <a:pPr marL="457200" indent="-457200">
+              <a:buFont typeface="+mj-lt"/>
+              <a:buAutoNum type="arabicPeriod"/>
+            </a:pPr>
+            <a:r>
+              <a:rPr lang="en-US" sz="2200" dirty="0"/>
+              <a:t>Problem Solving / logic skills</a:t>
+            </a:r>
+          </a:p>
+          <a:p>
+            <a:pPr marL="457200" indent="-457200">
+              <a:buFont typeface="+mj-lt"/>
+              <a:buAutoNum type="arabicPeriod"/>
+            </a:pPr>
+            <a:r>
+              <a:rPr lang="en-US" sz="2200" dirty="0"/>
+              <a:t>Communication skills</a:t>
+            </a:r>
+          </a:p>
+          <a:p>
+            <a:pPr marL="457200" indent="-457200">
+              <a:buFont typeface="+mj-lt"/>
+              <a:buAutoNum type="arabicPeriod"/>
+            </a:pPr>
+            <a:endParaRPr lang="en-US" sz="2200" dirty="0"/>
+          </a:p>
+          <a:p>
+            <a:pPr marL="457200" indent="-457200">
+              <a:buFont typeface="+mj-lt"/>
+              <a:buAutoNum type="arabicPeriod"/>
+            </a:pPr>
+            <a:endParaRPr lang="en-US" sz="2200" dirty="0"/>
+          </a:p>
+        </p:txBody>
+      </p:sp>
+    </p:spTree>
+    <p:extLst>
+      <p:ext uri="{BB962C8B-B14F-4D97-AF65-F5344CB8AC3E}">
+        <p14:creationId xmlns:p14="http://schemas.microsoft.com/office/powerpoint/2010/main" val="728067852"/>
+      </p:ext>
+    </p:extLst>
+  </p:cSld>
+  <p:clrMapOvr>
+    <a:masterClrMapping/>
+  </p:clrMapOvr>
+</p:sld>
+</file>
+
+<file path=ppt/slides/slide6.xml><?xml version="1.0" encoding="utf-8"?>
+<p:sld xmlns:a="http://schemas.openxmlformats.org/drawingml/2006/main" xmlns:r="http://schemas.openxmlformats.org/officeDocument/2006/relationships" xmlns:p="http://schemas.openxmlformats.org/presentationml/2006/main">
+  <p:cSld>
+    <p:bg>
+      <p:bgPr>
+        <a:solidFill>
+          <a:schemeClr val="bg1"/>
+        </a:solidFill>
+        <a:effectLst/>
+      </p:bgPr>
+    </p:bg>
+    <p:spTree>
+      <p:nvGrpSpPr>
+        <p:cNvPr id="1" name=""/>
+        <p:cNvGrpSpPr/>
+        <p:nvPr/>
+      </p:nvGrpSpPr>
+      <p:grpSpPr>
+        <a:xfrm>
+          <a:off x="0" y="0"/>
+          <a:ext cx="0" cy="0"/>
+          <a:chOff x="0" y="0"/>
+          <a:chExt cx="0" cy="0"/>
+        </a:xfrm>
+      </p:grpSpPr>
+      <p:sp useBgFill="1">
+        <p:nvSpPr>
+          <p:cNvPr id="8" name="Rectangle 7">
+            <a:extLst>
+              <a:ext uri="{FF2B5EF4-FFF2-40B4-BE49-F238E27FC236}">
+                <a16:creationId xmlns:a16="http://schemas.microsoft.com/office/drawing/2014/main" id="{907EF6B7-1338-4443-8C46-6A318D952DFD}"/>
+              </a:ext>
+              <a:ext uri="{C183D7F6-B498-43B3-948B-1728B52AA6E4}">
+                <adec:decorative xmlns:adec="http://schemas.microsoft.com/office/drawing/2017/decorative" val="1"/>
+              </a:ext>
+            </a:extLst>
+          </p:cNvPr>
+          <p:cNvSpPr>
+            <a:spLocks noGrp="1" noRot="1" noChangeAspect="1" noMove="1" noResize="1" noEditPoints="1" noAdjustHandles="1" noChangeArrowheads="1" noChangeShapeType="1" noTextEdit="1"/>
+          </p:cNvSpPr>
+          <p:nvPr>
+            <p:extLst>
+              <p:ext uri="{386F3935-93C4-4BCD-93E2-E3B085C9AB24}">
+                <p16:designElem xmlns:p16="http://schemas.microsoft.com/office/powerpoint/2015/main" val="1"/>
+              </p:ext>
+            </p:extLst>
+          </p:nvPr>
+        </p:nvSpPr>
+        <p:spPr>
+          <a:xfrm>
+            <a:off x="3048" y="0"/>
+            <a:ext cx="12188952" cy="6858000"/>
+          </a:xfrm>
+          <a:prstGeom prst="rect">
+            <a:avLst/>
+          </a:prstGeom>
+          <a:ln>
+            <a:noFill/>
+          </a:ln>
+        </p:spPr>
+        <p:style>
+          <a:lnRef idx="2">
+            <a:schemeClr val="accent1">
+              <a:shade val="50000"/>
+            </a:schemeClr>
+          </a:lnRef>
+          <a:fillRef idx="1">
+            <a:schemeClr val="accent1"/>
+          </a:fillRef>
+          <a:effectRef idx="0">
+            <a:schemeClr val="accent1"/>
+          </a:effectRef>
+          <a:fontRef idx="minor">
+            <a:schemeClr val="lt1"/>
+          </a:fontRef>
+        </p:style>
+        <p:txBody>
+          <a:bodyPr rtlCol="0" anchor="ctr"/>
+          <a:lstStyle/>
+          <a:p>
+            <a:pPr algn="ctr"/>
+            <a:endParaRPr lang="en-US"/>
+          </a:p>
+        </p:txBody>
+      </p:sp>
+      <p:sp>
+        <p:nvSpPr>
+          <p:cNvPr id="10" name="Freeform: Shape 9">
+            <a:extLst>
+              <a:ext uri="{FF2B5EF4-FFF2-40B4-BE49-F238E27FC236}">
+                <a16:creationId xmlns:a16="http://schemas.microsoft.com/office/drawing/2014/main" id="{DAAE4CDD-124C-4DCF-9584-B6033B545DD5}"/>
+              </a:ext>
+              <a:ext uri="{C183D7F6-B498-43B3-948B-1728B52AA6E4}">
+                <adec:decorative xmlns:adec="http://schemas.microsoft.com/office/drawing/2017/decorative" val="1"/>
+              </a:ext>
+            </a:extLst>
+          </p:cNvPr>
+          <p:cNvSpPr>
+            <a:spLocks noGrp="1" noRot="1" noChangeAspect="1" noMove="1" noResize="1" noEditPoints="1" noAdjustHandles="1" noChangeArrowheads="1" noChangeShapeType="1" noTextEdit="1"/>
+          </p:cNvSpPr>
+          <p:nvPr>
+            <p:extLst>
+              <p:ext uri="{386F3935-93C4-4BCD-93E2-E3B085C9AB24}">
+                <p16:designElem xmlns:p16="http://schemas.microsoft.com/office/powerpoint/2015/main" val="1"/>
+              </p:ext>
+            </p:extLst>
+          </p:nvPr>
+        </p:nvSpPr>
+        <p:spPr>
+          <a:xfrm>
+            <a:off x="1" y="0"/>
+            <a:ext cx="4167271" cy="6858000"/>
+          </a:xfrm>
+          <a:custGeom>
+            <a:avLst/>
+            <a:gdLst>
+              <a:gd name="connsiteX0" fmla="*/ 0 w 4167271"/>
+              <a:gd name="connsiteY0" fmla="*/ 0 h 6858000"/>
+              <a:gd name="connsiteX1" fmla="*/ 2259550 w 4167271"/>
+              <a:gd name="connsiteY1" fmla="*/ 0 h 6858000"/>
+              <a:gd name="connsiteX2" fmla="*/ 2387803 w 4167271"/>
+              <a:gd name="connsiteY2" fmla="*/ 82222 h 6858000"/>
+              <a:gd name="connsiteX3" fmla="*/ 4167271 w 4167271"/>
+              <a:gd name="connsiteY3" fmla="*/ 3429000 h 6858000"/>
+              <a:gd name="connsiteX4" fmla="*/ 2387803 w 4167271"/>
+              <a:gd name="connsiteY4" fmla="*/ 6775779 h 6858000"/>
+              <a:gd name="connsiteX5" fmla="*/ 2259550 w 4167271"/>
+              <a:gd name="connsiteY5" fmla="*/ 6858000 h 6858000"/>
+              <a:gd name="connsiteX6" fmla="*/ 0 w 4167271"/>
+              <a:gd name="connsiteY6" fmla="*/ 6858000 h 6858000"/>
+            </a:gdLst>
+            <a:ahLst/>
+            <a:cxnLst>
+              <a:cxn ang="0">
+                <a:pos x="connsiteX0" y="connsiteY0"/>
+              </a:cxn>
+              <a:cxn ang="0">
+                <a:pos x="connsiteX1" y="connsiteY1"/>
+              </a:cxn>
+              <a:cxn ang="0">
+                <a:pos x="connsiteX2" y="connsiteY2"/>
+              </a:cxn>
+              <a:cxn ang="0">
+                <a:pos x="connsiteX3" y="connsiteY3"/>
+              </a:cxn>
+              <a:cxn ang="0">
+                <a:pos x="connsiteX4" y="connsiteY4"/>
+              </a:cxn>
+              <a:cxn ang="0">
+                <a:pos x="connsiteX5" y="connsiteY5"/>
+              </a:cxn>
+              <a:cxn ang="0">
+                <a:pos x="connsiteX6" y="connsiteY6"/>
+              </a:cxn>
+            </a:cxnLst>
+            <a:rect l="l" t="t" r="r" b="b"/>
+            <a:pathLst>
+              <a:path w="4167271" h="6858000">
+                <a:moveTo>
+                  <a:pt x="0" y="0"/>
+                </a:moveTo>
+                <a:lnTo>
+                  <a:pt x="2259550" y="0"/>
+                </a:lnTo>
+                <a:lnTo>
+                  <a:pt x="2387803" y="82222"/>
+                </a:lnTo>
+                <a:cubicBezTo>
+                  <a:pt x="3461407" y="807534"/>
+                  <a:pt x="4167271" y="2035835"/>
+                  <a:pt x="4167271" y="3429000"/>
+                </a:cubicBezTo>
+                <a:cubicBezTo>
+                  <a:pt x="4167271" y="4822165"/>
+                  <a:pt x="3461407" y="6050467"/>
+                  <a:pt x="2387803" y="6775779"/>
+                </a:cubicBezTo>
+                <a:lnTo>
+                  <a:pt x="2259550" y="6858000"/>
+                </a:lnTo>
+                <a:lnTo>
+                  <a:pt x="0" y="6858000"/>
+                </a:lnTo>
+                <a:close/>
+              </a:path>
+            </a:pathLst>
+          </a:custGeom>
+          <a:solidFill>
+            <a:schemeClr val="accent2"/>
+          </a:solidFill>
+          <a:ln>
+            <a:noFill/>
+          </a:ln>
+        </p:spPr>
+        <p:style>
+          <a:lnRef idx="2">
+            <a:schemeClr val="accent1">
+              <a:shade val="50000"/>
+            </a:schemeClr>
+          </a:lnRef>
+          <a:fillRef idx="1">
+            <a:schemeClr val="accent1"/>
+          </a:fillRef>
+          <a:effectRef idx="0">
+            <a:schemeClr val="accent1"/>
+          </a:effectRef>
+          <a:fontRef idx="minor">
+            <a:schemeClr val="lt1"/>
+          </a:fontRef>
+        </p:style>
+        <p:txBody>
+          <a:bodyPr rtlCol="0" anchor="ctr"/>
+          <a:lstStyle/>
+          <a:p>
+            <a:pPr algn="ctr"/>
+            <a:endParaRPr lang="en-US"/>
+          </a:p>
+        </p:txBody>
+      </p:sp>
+      <p:sp>
+        <p:nvSpPr>
+          <p:cNvPr id="2" name="Title 1">
+            <a:extLst>
+              <a:ext uri="{FF2B5EF4-FFF2-40B4-BE49-F238E27FC236}">
+                <a16:creationId xmlns:a16="http://schemas.microsoft.com/office/drawing/2014/main" id="{604CD088-9924-FDF8-32EA-64AD14C5DE41}"/>
+              </a:ext>
+            </a:extLst>
+          </p:cNvPr>
+          <p:cNvSpPr>
+            <a:spLocks noGrp="1"/>
+          </p:cNvSpPr>
+          <p:nvPr>
+            <p:ph type="title"/>
+          </p:nvPr>
+        </p:nvSpPr>
+        <p:spPr>
+          <a:xfrm>
+            <a:off x="0" y="1153572"/>
+            <a:ext cx="3530601" cy="4461163"/>
+          </a:xfrm>
+        </p:spPr>
+        <p:txBody>
+          <a:bodyPr>
+            <a:normAutofit/>
+          </a:bodyPr>
+          <a:lstStyle/>
+          <a:p>
+            <a:pPr algn="ctr"/>
+            <a:r>
+              <a:rPr lang="en-US" dirty="0">
+                <a:solidFill>
+                  <a:srgbClr val="FFFFFF"/>
+                </a:solidFill>
+              </a:rPr>
+              <a:t>Story</a:t>
+            </a:r>
+          </a:p>
+        </p:txBody>
+      </p:sp>
+      <p:sp>
+        <p:nvSpPr>
+          <p:cNvPr id="12" name="Arc 11">
+            <a:extLst>
+              <a:ext uri="{FF2B5EF4-FFF2-40B4-BE49-F238E27FC236}">
+                <a16:creationId xmlns:a16="http://schemas.microsoft.com/office/drawing/2014/main" id="{081E4A58-353D-44AE-B2FC-2A74E2E400F7}"/>
+              </a:ext>
+              <a:ext uri="{C183D7F6-B498-43B3-948B-1728B52AA6E4}">
+                <adec:decorative xmlns:adec="http://schemas.microsoft.com/office/drawing/2017/decorative" val="1"/>
+              </a:ext>
+            </a:extLst>
+          </p:cNvPr>
+          <p:cNvSpPr>
+            <a:spLocks noGrp="1" noRot="1" noChangeAspect="1" noMove="1" noResize="1" noEditPoints="1" noAdjustHandles="1" noChangeArrowheads="1" noChangeShapeType="1" noTextEdit="1"/>
+          </p:cNvSpPr>
+          <p:nvPr>
+            <p:extLst>
+              <p:ext uri="{386F3935-93C4-4BCD-93E2-E3B085C9AB24}">
+                <p16:designElem xmlns:p16="http://schemas.microsoft.com/office/powerpoint/2015/main" val="1"/>
+              </p:ext>
+            </p:extLst>
+          </p:nvPr>
+        </p:nvSpPr>
+        <p:spPr>
+          <a:xfrm flipV="1">
+            <a:off x="7550402" y="2455479"/>
+            <a:ext cx="4083433" cy="4083433"/>
+          </a:xfrm>
+          <a:prstGeom prst="arc">
+            <a:avLst/>
+          </a:prstGeom>
+          <a:ln w="127000" cap="rnd">
+            <a:solidFill>
+              <a:schemeClr val="accent4"/>
+            </a:solidFill>
+            <a:prstDash val="dash"/>
+          </a:ln>
+        </p:spPr>
+        <p:style>
+          <a:lnRef idx="1">
+            <a:schemeClr val="accent1"/>
+          </a:lnRef>
+          <a:fillRef idx="0">
+            <a:schemeClr val="accent1"/>
+          </a:fillRef>
+          <a:effectRef idx="0">
+            <a:schemeClr val="accent1"/>
+          </a:effectRef>
+          <a:fontRef idx="minor">
+            <a:schemeClr val="tx1"/>
+          </a:fontRef>
+        </p:style>
+        <p:txBody>
+          <a:bodyPr rtlCol="0" anchor="ctr"/>
+          <a:lstStyle/>
+          <a:p>
+            <a:pPr algn="ctr"/>
+            <a:endParaRPr lang="en-US" dirty="0"/>
+          </a:p>
+        </p:txBody>
+      </p:sp>
+      <p:sp>
+        <p:nvSpPr>
+          <p:cNvPr id="9" name="Content Placeholder 8">
+            <a:extLst>
+              <a:ext uri="{FF2B5EF4-FFF2-40B4-BE49-F238E27FC236}">
+                <a16:creationId xmlns:a16="http://schemas.microsoft.com/office/drawing/2014/main" id="{590C8380-7AD7-728E-D9EE-A1D6AA83C9DA}"/>
+              </a:ext>
+            </a:extLst>
+          </p:cNvPr>
+          <p:cNvSpPr>
+            <a:spLocks noGrp="1"/>
+          </p:cNvSpPr>
+          <p:nvPr>
+            <p:ph idx="1"/>
+          </p:nvPr>
+        </p:nvSpPr>
+        <p:spPr/>
+        <p:txBody>
+          <a:bodyPr/>
+          <a:lstStyle/>
+          <a:p>
+            <a:pPr marL="0" indent="0">
+              <a:buNone/>
+            </a:pPr>
+            <a:endParaRPr lang="en-US" dirty="0"/>
+          </a:p>
+        </p:txBody>
+      </p:sp>
+    </p:spTree>
+    <p:extLst>
+      <p:ext uri="{BB962C8B-B14F-4D97-AF65-F5344CB8AC3E}">
+        <p14:creationId xmlns:p14="http://schemas.microsoft.com/office/powerpoint/2010/main" val="3212597786"/>
+      </p:ext>
+    </p:extLst>
+  </p:cSld>
+  <p:clrMapOvr>
+    <a:masterClrMapping/>
+  </p:clrMapOvr>
+</p:sld>
+</file>
+
+<file path=ppt/slides/slide7.xml><?xml version="1.0" encoding="utf-8"?>
+<p:sld xmlns:a="http://schemas.openxmlformats.org/drawingml/2006/main" xmlns:r="http://schemas.openxmlformats.org/officeDocument/2006/relationships" xmlns:p="http://schemas.openxmlformats.org/presentationml/2006/main">
+  <p:cSld>
+    <p:bg>
+      <p:bgPr>
+        <a:solidFill>
+          <a:schemeClr val="bg1"/>
+        </a:solidFill>
+        <a:effectLst/>
+      </p:bgPr>
+    </p:bg>
+    <p:spTree>
+      <p:nvGrpSpPr>
+        <p:cNvPr id="1" name=""/>
+        <p:cNvGrpSpPr/>
+        <p:nvPr/>
+      </p:nvGrpSpPr>
+      <p:grpSpPr>
+        <a:xfrm>
+          <a:off x="0" y="0"/>
+          <a:ext cx="0" cy="0"/>
+          <a:chOff x="0" y="0"/>
+          <a:chExt cx="0" cy="0"/>
+        </a:xfrm>
+      </p:grpSpPr>
+      <p:sp useBgFill="1">
+        <p:nvSpPr>
+          <p:cNvPr id="8" name="Rectangle 7">
+            <a:extLst>
+              <a:ext uri="{FF2B5EF4-FFF2-40B4-BE49-F238E27FC236}">
+                <a16:creationId xmlns:a16="http://schemas.microsoft.com/office/drawing/2014/main" id="{907EF6B7-1338-4443-8C46-6A318D952DFD}"/>
+              </a:ext>
+              <a:ext uri="{C183D7F6-B498-43B3-948B-1728B52AA6E4}">
+                <adec:decorative xmlns:adec="http://schemas.microsoft.com/office/drawing/2017/decorative" val="1"/>
+              </a:ext>
+            </a:extLst>
+          </p:cNvPr>
+          <p:cNvSpPr>
+            <a:spLocks noGrp="1" noRot="1" noChangeAspect="1" noMove="1" noResize="1" noEditPoints="1" noAdjustHandles="1" noChangeArrowheads="1" noChangeShapeType="1" noTextEdit="1"/>
+          </p:cNvSpPr>
+          <p:nvPr>
+            <p:extLst>
+              <p:ext uri="{386F3935-93C4-4BCD-93E2-E3B085C9AB24}">
+                <p16:designElem xmlns:p16="http://schemas.microsoft.com/office/powerpoint/2015/main" val="1"/>
+              </p:ext>
+            </p:extLst>
+          </p:nvPr>
+        </p:nvSpPr>
+        <p:spPr>
+          <a:xfrm>
+            <a:off x="3048" y="0"/>
+            <a:ext cx="12188952" cy="6858000"/>
+          </a:xfrm>
+          <a:prstGeom prst="rect">
+            <a:avLst/>
+          </a:prstGeom>
+          <a:ln>
+            <a:noFill/>
+          </a:ln>
+        </p:spPr>
+        <p:style>
+          <a:lnRef idx="2">
+            <a:schemeClr val="accent1">
+              <a:shade val="50000"/>
+            </a:schemeClr>
+          </a:lnRef>
+          <a:fillRef idx="1">
+            <a:schemeClr val="accent1"/>
+          </a:fillRef>
+          <a:effectRef idx="0">
+            <a:schemeClr val="accent1"/>
+          </a:effectRef>
+          <a:fontRef idx="minor">
+            <a:schemeClr val="lt1"/>
+          </a:fontRef>
+        </p:style>
+        <p:txBody>
+          <a:bodyPr rtlCol="0" anchor="ctr"/>
+          <a:lstStyle/>
+          <a:p>
+            <a:pPr algn="ctr"/>
+            <a:endParaRPr lang="en-US"/>
+          </a:p>
+        </p:txBody>
+      </p:sp>
+      <p:sp>
+        <p:nvSpPr>
+          <p:cNvPr id="10" name="Freeform: Shape 9">
+            <a:extLst>
+              <a:ext uri="{FF2B5EF4-FFF2-40B4-BE49-F238E27FC236}">
+                <a16:creationId xmlns:a16="http://schemas.microsoft.com/office/drawing/2014/main" id="{DAAE4CDD-124C-4DCF-9584-B6033B545DD5}"/>
+              </a:ext>
+              <a:ext uri="{C183D7F6-B498-43B3-948B-1728B52AA6E4}">
+                <adec:decorative xmlns:adec="http://schemas.microsoft.com/office/drawing/2017/decorative" val="1"/>
+              </a:ext>
+            </a:extLst>
+          </p:cNvPr>
+          <p:cNvSpPr>
+            <a:spLocks noGrp="1" noRot="1" noChangeAspect="1" noMove="1" noResize="1" noEditPoints="1" noAdjustHandles="1" noChangeArrowheads="1" noChangeShapeType="1" noTextEdit="1"/>
+          </p:cNvSpPr>
+          <p:nvPr>
+            <p:extLst>
+              <p:ext uri="{386F3935-93C4-4BCD-93E2-E3B085C9AB24}">
+                <p16:designElem xmlns:p16="http://schemas.microsoft.com/office/powerpoint/2015/main" val="1"/>
+              </p:ext>
+            </p:extLst>
+          </p:nvPr>
+        </p:nvSpPr>
+        <p:spPr>
+          <a:xfrm>
+            <a:off x="1" y="0"/>
+            <a:ext cx="4167271" cy="6858000"/>
+          </a:xfrm>
+          <a:custGeom>
+            <a:avLst/>
+            <a:gdLst>
+              <a:gd name="connsiteX0" fmla="*/ 0 w 4167271"/>
+              <a:gd name="connsiteY0" fmla="*/ 0 h 6858000"/>
+              <a:gd name="connsiteX1" fmla="*/ 2259550 w 4167271"/>
+              <a:gd name="connsiteY1" fmla="*/ 0 h 6858000"/>
+              <a:gd name="connsiteX2" fmla="*/ 2387803 w 4167271"/>
+              <a:gd name="connsiteY2" fmla="*/ 82222 h 6858000"/>
+              <a:gd name="connsiteX3" fmla="*/ 4167271 w 4167271"/>
+              <a:gd name="connsiteY3" fmla="*/ 3429000 h 6858000"/>
+              <a:gd name="connsiteX4" fmla="*/ 2387803 w 4167271"/>
+              <a:gd name="connsiteY4" fmla="*/ 6775779 h 6858000"/>
+              <a:gd name="connsiteX5" fmla="*/ 2259550 w 4167271"/>
+              <a:gd name="connsiteY5" fmla="*/ 6858000 h 6858000"/>
+              <a:gd name="connsiteX6" fmla="*/ 0 w 4167271"/>
+              <a:gd name="connsiteY6" fmla="*/ 6858000 h 6858000"/>
+            </a:gdLst>
+            <a:ahLst/>
+            <a:cxnLst>
+              <a:cxn ang="0">
+                <a:pos x="connsiteX0" y="connsiteY0"/>
+              </a:cxn>
+              <a:cxn ang="0">
+                <a:pos x="connsiteX1" y="connsiteY1"/>
+              </a:cxn>
+              <a:cxn ang="0">
+                <a:pos x="connsiteX2" y="connsiteY2"/>
+              </a:cxn>
+              <a:cxn ang="0">
+                <a:pos x="connsiteX3" y="connsiteY3"/>
+              </a:cxn>
+              <a:cxn ang="0">
+                <a:pos x="connsiteX4" y="connsiteY4"/>
+              </a:cxn>
+              <a:cxn ang="0">
+                <a:pos x="connsiteX5" y="connsiteY5"/>
+              </a:cxn>
+              <a:cxn ang="0">
+                <a:pos x="connsiteX6" y="connsiteY6"/>
+              </a:cxn>
+            </a:cxnLst>
+            <a:rect l="l" t="t" r="r" b="b"/>
+            <a:pathLst>
+              <a:path w="4167271" h="6858000">
+                <a:moveTo>
+                  <a:pt x="0" y="0"/>
+                </a:moveTo>
+                <a:lnTo>
+                  <a:pt x="2259550" y="0"/>
+                </a:lnTo>
+                <a:lnTo>
+                  <a:pt x="2387803" y="82222"/>
+                </a:lnTo>
+                <a:cubicBezTo>
+                  <a:pt x="3461407" y="807534"/>
+                  <a:pt x="4167271" y="2035835"/>
+                  <a:pt x="4167271" y="3429000"/>
+                </a:cubicBezTo>
+                <a:cubicBezTo>
+                  <a:pt x="4167271" y="4822165"/>
+                  <a:pt x="3461407" y="6050467"/>
+                  <a:pt x="2387803" y="6775779"/>
+                </a:cubicBezTo>
+                <a:lnTo>
+                  <a:pt x="2259550" y="6858000"/>
+                </a:lnTo>
+                <a:lnTo>
+                  <a:pt x="0" y="6858000"/>
+                </a:lnTo>
+                <a:close/>
+              </a:path>
+            </a:pathLst>
+          </a:custGeom>
+          <a:solidFill>
+            <a:schemeClr val="accent2"/>
+          </a:solidFill>
+          <a:ln>
+            <a:noFill/>
+          </a:ln>
+        </p:spPr>
+        <p:style>
+          <a:lnRef idx="2">
+            <a:schemeClr val="accent1">
+              <a:shade val="50000"/>
+            </a:schemeClr>
+          </a:lnRef>
+          <a:fillRef idx="1">
+            <a:schemeClr val="accent1"/>
+          </a:fillRef>
+          <a:effectRef idx="0">
+            <a:schemeClr val="accent1"/>
+          </a:effectRef>
+          <a:fontRef idx="minor">
+            <a:schemeClr val="lt1"/>
+          </a:fontRef>
+        </p:style>
+        <p:txBody>
+          <a:bodyPr rtlCol="0" anchor="ctr"/>
+          <a:lstStyle/>
+          <a:p>
+            <a:pPr algn="ctr"/>
+            <a:endParaRPr lang="en-US"/>
+          </a:p>
+        </p:txBody>
+      </p:sp>
+      <p:sp>
+        <p:nvSpPr>
+          <p:cNvPr id="2" name="Title 1">
+            <a:extLst>
+              <a:ext uri="{FF2B5EF4-FFF2-40B4-BE49-F238E27FC236}">
+                <a16:creationId xmlns:a16="http://schemas.microsoft.com/office/drawing/2014/main" id="{604CD088-9924-FDF8-32EA-64AD14C5DE41}"/>
+              </a:ext>
+            </a:extLst>
+          </p:cNvPr>
+          <p:cNvSpPr>
+            <a:spLocks noGrp="1"/>
+          </p:cNvSpPr>
+          <p:nvPr>
+            <p:ph type="title"/>
+          </p:nvPr>
+        </p:nvSpPr>
+        <p:spPr>
+          <a:xfrm>
+            <a:off x="0" y="1153572"/>
+            <a:ext cx="3530601" cy="4461163"/>
+          </a:xfrm>
+        </p:spPr>
+        <p:txBody>
+          <a:bodyPr>
+            <a:normAutofit/>
+          </a:bodyPr>
+          <a:lstStyle/>
+          <a:p>
+            <a:pPr algn="ctr"/>
+            <a:r>
+              <a:rPr lang="en-US" dirty="0">
+                <a:solidFill>
+                  <a:srgbClr val="FFFFFF"/>
+                </a:solidFill>
+              </a:rPr>
+              <a:t>Gave the choice of reading or coding before bed</a:t>
+            </a:r>
+          </a:p>
+        </p:txBody>
+      </p:sp>
+      <p:sp>
+        <p:nvSpPr>
+          <p:cNvPr id="12" name="Arc 11">
+            <a:extLst>
+              <a:ext uri="{FF2B5EF4-FFF2-40B4-BE49-F238E27FC236}">
+                <a16:creationId xmlns:a16="http://schemas.microsoft.com/office/drawing/2014/main" id="{081E4A58-353D-44AE-B2FC-2A74E2E400F7}"/>
+              </a:ext>
+              <a:ext uri="{C183D7F6-B498-43B3-948B-1728B52AA6E4}">
+                <adec:decorative xmlns:adec="http://schemas.microsoft.com/office/drawing/2017/decorative" val="1"/>
+              </a:ext>
+            </a:extLst>
+          </p:cNvPr>
+          <p:cNvSpPr>
+            <a:spLocks noGrp="1" noRot="1" noChangeAspect="1" noMove="1" noResize="1" noEditPoints="1" noAdjustHandles="1" noChangeArrowheads="1" noChangeShapeType="1" noTextEdit="1"/>
+          </p:cNvSpPr>
+          <p:nvPr>
+            <p:extLst>
+              <p:ext uri="{386F3935-93C4-4BCD-93E2-E3B085C9AB24}">
+                <p16:designElem xmlns:p16="http://schemas.microsoft.com/office/powerpoint/2015/main" val="1"/>
+              </p:ext>
+            </p:extLst>
+          </p:nvPr>
+        </p:nvSpPr>
+        <p:spPr>
+          <a:xfrm flipV="1">
+            <a:off x="7550402" y="2455479"/>
+            <a:ext cx="4083433" cy="4083433"/>
+          </a:xfrm>
+          <a:prstGeom prst="arc">
+            <a:avLst/>
+          </a:prstGeom>
+          <a:ln w="127000" cap="rnd">
+            <a:solidFill>
+              <a:schemeClr val="accent4"/>
+            </a:solidFill>
+            <a:prstDash val="dash"/>
+          </a:ln>
+        </p:spPr>
+        <p:style>
+          <a:lnRef idx="1">
+            <a:schemeClr val="accent1"/>
+          </a:lnRef>
+          <a:fillRef idx="0">
+            <a:schemeClr val="accent1"/>
+          </a:fillRef>
+          <a:effectRef idx="0">
+            <a:schemeClr val="accent1"/>
+          </a:effectRef>
+          <a:fontRef idx="minor">
+            <a:schemeClr val="tx1"/>
+          </a:fontRef>
+        </p:style>
+        <p:txBody>
+          <a:bodyPr rtlCol="0" anchor="ctr"/>
+          <a:lstStyle/>
+          <a:p>
+            <a:pPr algn="ctr"/>
+            <a:endParaRPr lang="en-US" dirty="0"/>
+          </a:p>
+        </p:txBody>
+      </p:sp>
+      <p:pic>
+        <p:nvPicPr>
+          <p:cNvPr id="7" name="Content Placeholder 6">
+            <a:extLst>
+              <a:ext uri="{FF2B5EF4-FFF2-40B4-BE49-F238E27FC236}">
+                <a16:creationId xmlns:a16="http://schemas.microsoft.com/office/drawing/2014/main" id="{7EFA6835-1F43-9DCF-A031-566D18CEB8C2}"/>
+              </a:ext>
+            </a:extLst>
+          </p:cNvPr>
+          <p:cNvPicPr>
+            <a:picLocks noGrp="1" noChangeAspect="1"/>
+          </p:cNvPicPr>
+          <p:nvPr>
+            <p:ph idx="1"/>
+          </p:nvPr>
+        </p:nvPicPr>
+        <p:blipFill>
+          <a:blip r:embed="rId2" cstate="print">
+            <a:extLst>
+              <a:ext uri="{28A0092B-C50C-407E-A947-70E740481C1C}">
+                <a14:useLocalDpi xmlns:a14="http://schemas.microsoft.com/office/drawing/2010/main" val="0"/>
+              </a:ext>
+            </a:extLst>
+          </a:blip>
+          <a:stretch>
+            <a:fillRect/>
+          </a:stretch>
+        </p:blipFill>
+        <p:spPr bwMode="auto">
+          <a:xfrm rot="5400000">
+            <a:off x="5068888" y="1289844"/>
+            <a:ext cx="5584825" cy="4188618"/>
+          </a:xfrm>
+          <a:prstGeom prst="rect">
+            <a:avLst/>
+          </a:prstGeom>
+          <a:noFill/>
+          <a:extLst>
+            <a:ext uri="{909E8E84-426E-40DD-AFC4-6F175D3DCCD1}">
+              <a14:hiddenFill xmlns:a14="http://schemas.microsoft.com/office/drawing/2010/main">
+                <a:solidFill>
+                  <a:srgbClr val="FFFFFF"/>
+                </a:solidFill>
+              </a14:hiddenFill>
+            </a:ext>
+          </a:extLst>
+        </p:spPr>
+      </p:pic>
+    </p:spTree>
+    <p:extLst>
+      <p:ext uri="{BB962C8B-B14F-4D97-AF65-F5344CB8AC3E}">
+        <p14:creationId xmlns:p14="http://schemas.microsoft.com/office/powerpoint/2010/main" val="3548099256"/>
+      </p:ext>
+    </p:extLst>
+  </p:cSld>
+  <p:clrMapOvr>
+    <a:masterClrMapping/>
+  </p:clrMapOvr>
+</p:sld>
+</file>
+
+<file path=ppt/slides/slide8.xml><?xml version="1.0" encoding="utf-8"?>
+<p:sld xmlns:a="http://schemas.openxmlformats.org/drawingml/2006/main" xmlns:r="http://schemas.openxmlformats.org/officeDocument/2006/relationships" xmlns:p="http://schemas.openxmlformats.org/presentationml/2006/main">
+  <p:cSld>
+    <p:bg>
+      <p:bgPr>
+        <a:solidFill>
+          <a:schemeClr val="bg1"/>
+        </a:solidFill>
+        <a:effectLst/>
+      </p:bgPr>
+    </p:bg>
+    <p:spTree>
+      <p:nvGrpSpPr>
+        <p:cNvPr id="1" name=""/>
+        <p:cNvGrpSpPr/>
+        <p:nvPr/>
+      </p:nvGrpSpPr>
+      <p:grpSpPr>
+        <a:xfrm>
+          <a:off x="0" y="0"/>
+          <a:ext cx="0" cy="0"/>
+          <a:chOff x="0" y="0"/>
+          <a:chExt cx="0" cy="0"/>
+        </a:xfrm>
+      </p:grpSpPr>
+      <p:sp useBgFill="1">
+        <p:nvSpPr>
+          <p:cNvPr id="8" name="Rectangle 7">
+            <a:extLst>
+              <a:ext uri="{FF2B5EF4-FFF2-40B4-BE49-F238E27FC236}">
+                <a16:creationId xmlns:a16="http://schemas.microsoft.com/office/drawing/2014/main" id="{907EF6B7-1338-4443-8C46-6A318D952DFD}"/>
+              </a:ext>
+              <a:ext uri="{C183D7F6-B498-43B3-948B-1728B52AA6E4}">
+                <adec:decorative xmlns:adec="http://schemas.microsoft.com/office/drawing/2017/decorative" val="1"/>
+              </a:ext>
+            </a:extLst>
+          </p:cNvPr>
+          <p:cNvSpPr>
+            <a:spLocks noGrp="1" noRot="1" noChangeAspect="1" noMove="1" noResize="1" noEditPoints="1" noAdjustHandles="1" noChangeArrowheads="1" noChangeShapeType="1" noTextEdit="1"/>
+          </p:cNvSpPr>
+          <p:nvPr>
+            <p:extLst>
+              <p:ext uri="{386F3935-93C4-4BCD-93E2-E3B085C9AB24}">
+                <p16:designElem xmlns:p16="http://schemas.microsoft.com/office/powerpoint/2015/main" val="1"/>
+              </p:ext>
+            </p:extLst>
+          </p:nvPr>
+        </p:nvSpPr>
+        <p:spPr>
+          <a:xfrm>
+            <a:off x="3048" y="0"/>
+            <a:ext cx="12188952" cy="6858000"/>
+          </a:xfrm>
+          <a:prstGeom prst="rect">
+            <a:avLst/>
+          </a:prstGeom>
+          <a:ln>
+            <a:noFill/>
+          </a:ln>
+        </p:spPr>
+        <p:style>
+          <a:lnRef idx="2">
+            <a:schemeClr val="accent1">
+              <a:shade val="50000"/>
+            </a:schemeClr>
+          </a:lnRef>
+          <a:fillRef idx="1">
+            <a:schemeClr val="accent1"/>
+          </a:fillRef>
+          <a:effectRef idx="0">
+            <a:schemeClr val="accent1"/>
+          </a:effectRef>
+          <a:fontRef idx="minor">
+            <a:schemeClr val="lt1"/>
+          </a:fontRef>
+        </p:style>
+        <p:txBody>
+          <a:bodyPr rtlCol="0" anchor="ctr"/>
+          <a:lstStyle/>
+          <a:p>
+            <a:pPr algn="ctr"/>
+            <a:endParaRPr lang="en-US"/>
+          </a:p>
+        </p:txBody>
+      </p:sp>
+      <p:sp>
+        <p:nvSpPr>
+          <p:cNvPr id="10" name="Freeform: Shape 9">
+            <a:extLst>
+              <a:ext uri="{FF2B5EF4-FFF2-40B4-BE49-F238E27FC236}">
+                <a16:creationId xmlns:a16="http://schemas.microsoft.com/office/drawing/2014/main" id="{DAAE4CDD-124C-4DCF-9584-B6033B545DD5}"/>
+              </a:ext>
+              <a:ext uri="{C183D7F6-B498-43B3-948B-1728B52AA6E4}">
+                <adec:decorative xmlns:adec="http://schemas.microsoft.com/office/drawing/2017/decorative" val="1"/>
+              </a:ext>
+            </a:extLst>
+          </p:cNvPr>
+          <p:cNvSpPr>
+            <a:spLocks noGrp="1" noRot="1" noChangeAspect="1" noMove="1" noResize="1" noEditPoints="1" noAdjustHandles="1" noChangeArrowheads="1" noChangeShapeType="1" noTextEdit="1"/>
+          </p:cNvSpPr>
+          <p:nvPr>
+            <p:extLst>
+              <p:ext uri="{386F3935-93C4-4BCD-93E2-E3B085C9AB24}">
+                <p16:designElem xmlns:p16="http://schemas.microsoft.com/office/powerpoint/2015/main" val="1"/>
+              </p:ext>
+            </p:extLst>
+          </p:nvPr>
+        </p:nvSpPr>
+        <p:spPr>
+          <a:xfrm>
+            <a:off x="1" y="0"/>
+            <a:ext cx="4167271" cy="6858000"/>
+          </a:xfrm>
+          <a:custGeom>
+            <a:avLst/>
+            <a:gdLst>
+              <a:gd name="connsiteX0" fmla="*/ 0 w 4167271"/>
+              <a:gd name="connsiteY0" fmla="*/ 0 h 6858000"/>
+              <a:gd name="connsiteX1" fmla="*/ 2259550 w 4167271"/>
+              <a:gd name="connsiteY1" fmla="*/ 0 h 6858000"/>
+              <a:gd name="connsiteX2" fmla="*/ 2387803 w 4167271"/>
+              <a:gd name="connsiteY2" fmla="*/ 82222 h 6858000"/>
+              <a:gd name="connsiteX3" fmla="*/ 4167271 w 4167271"/>
+              <a:gd name="connsiteY3" fmla="*/ 3429000 h 6858000"/>
+              <a:gd name="connsiteX4" fmla="*/ 2387803 w 4167271"/>
+              <a:gd name="connsiteY4" fmla="*/ 6775779 h 6858000"/>
+              <a:gd name="connsiteX5" fmla="*/ 2259550 w 4167271"/>
+              <a:gd name="connsiteY5" fmla="*/ 6858000 h 6858000"/>
+              <a:gd name="connsiteX6" fmla="*/ 0 w 4167271"/>
+              <a:gd name="connsiteY6" fmla="*/ 6858000 h 6858000"/>
+            </a:gdLst>
+            <a:ahLst/>
+            <a:cxnLst>
+              <a:cxn ang="0">
+                <a:pos x="connsiteX0" y="connsiteY0"/>
+              </a:cxn>
+              <a:cxn ang="0">
+                <a:pos x="connsiteX1" y="connsiteY1"/>
+              </a:cxn>
+              <a:cxn ang="0">
+                <a:pos x="connsiteX2" y="connsiteY2"/>
+              </a:cxn>
+              <a:cxn ang="0">
+                <a:pos x="connsiteX3" y="connsiteY3"/>
+              </a:cxn>
+              <a:cxn ang="0">
+                <a:pos x="connsiteX4" y="connsiteY4"/>
+              </a:cxn>
+              <a:cxn ang="0">
+                <a:pos x="connsiteX5" y="connsiteY5"/>
+              </a:cxn>
+              <a:cxn ang="0">
+                <a:pos x="connsiteX6" y="connsiteY6"/>
+              </a:cxn>
+            </a:cxnLst>
+            <a:rect l="l" t="t" r="r" b="b"/>
+            <a:pathLst>
+              <a:path w="4167271" h="6858000">
+                <a:moveTo>
+                  <a:pt x="0" y="0"/>
+                </a:moveTo>
+                <a:lnTo>
+                  <a:pt x="2259550" y="0"/>
+                </a:lnTo>
+                <a:lnTo>
+                  <a:pt x="2387803" y="82222"/>
+                </a:lnTo>
+                <a:cubicBezTo>
+                  <a:pt x="3461407" y="807534"/>
+                  <a:pt x="4167271" y="2035835"/>
+                  <a:pt x="4167271" y="3429000"/>
+                </a:cubicBezTo>
+                <a:cubicBezTo>
+                  <a:pt x="4167271" y="4822165"/>
+                  <a:pt x="3461407" y="6050467"/>
+                  <a:pt x="2387803" y="6775779"/>
+                </a:cubicBezTo>
+                <a:lnTo>
+                  <a:pt x="2259550" y="6858000"/>
+                </a:lnTo>
+                <a:lnTo>
+                  <a:pt x="0" y="6858000"/>
+                </a:lnTo>
+                <a:close/>
+              </a:path>
+            </a:pathLst>
+          </a:custGeom>
+          <a:solidFill>
+            <a:schemeClr val="accent2"/>
+          </a:solidFill>
+          <a:ln>
+            <a:noFill/>
+          </a:ln>
+        </p:spPr>
+        <p:style>
+          <a:lnRef idx="2">
+            <a:schemeClr val="accent1">
+              <a:shade val="50000"/>
+            </a:schemeClr>
+          </a:lnRef>
+          <a:fillRef idx="1">
+            <a:schemeClr val="accent1"/>
+          </a:fillRef>
+          <a:effectRef idx="0">
+            <a:schemeClr val="accent1"/>
+          </a:effectRef>
+          <a:fontRef idx="minor">
+            <a:schemeClr val="lt1"/>
+          </a:fontRef>
+        </p:style>
+        <p:txBody>
+          <a:bodyPr rtlCol="0" anchor="ctr"/>
+          <a:lstStyle/>
+          <a:p>
+            <a:pPr algn="ctr"/>
+            <a:endParaRPr lang="en-US"/>
+          </a:p>
+        </p:txBody>
+      </p:sp>
+      <p:sp>
+        <p:nvSpPr>
+          <p:cNvPr id="2" name="Title 1">
+            <a:extLst>
+              <a:ext uri="{FF2B5EF4-FFF2-40B4-BE49-F238E27FC236}">
+                <a16:creationId xmlns:a16="http://schemas.microsoft.com/office/drawing/2014/main" id="{604CD088-9924-FDF8-32EA-64AD14C5DE41}"/>
+              </a:ext>
+            </a:extLst>
+          </p:cNvPr>
+          <p:cNvSpPr>
+            <a:spLocks noGrp="1"/>
+          </p:cNvSpPr>
+          <p:nvPr>
+            <p:ph type="title"/>
+          </p:nvPr>
+        </p:nvSpPr>
+        <p:spPr>
+          <a:xfrm>
+            <a:off x="177800" y="1198418"/>
+            <a:ext cx="3606800" cy="4461163"/>
+          </a:xfrm>
+        </p:spPr>
+        <p:txBody>
+          <a:bodyPr>
+            <a:normAutofit/>
+          </a:bodyPr>
+          <a:lstStyle/>
+          <a:p>
+            <a:pPr algn="ctr"/>
+            <a:r>
+              <a:rPr lang="en-US" dirty="0">
+                <a:solidFill>
+                  <a:srgbClr val="FFFFFF"/>
+                </a:solidFill>
+              </a:rPr>
+              <a:t>How we started</a:t>
+            </a:r>
+          </a:p>
+        </p:txBody>
+      </p:sp>
+      <p:sp>
+        <p:nvSpPr>
+          <p:cNvPr id="12" name="Arc 11">
+            <a:extLst>
+              <a:ext uri="{FF2B5EF4-FFF2-40B4-BE49-F238E27FC236}">
+                <a16:creationId xmlns:a16="http://schemas.microsoft.com/office/drawing/2014/main" id="{081E4A58-353D-44AE-B2FC-2A74E2E400F7}"/>
+              </a:ext>
+              <a:ext uri="{C183D7F6-B498-43B3-948B-1728B52AA6E4}">
+                <adec:decorative xmlns:adec="http://schemas.microsoft.com/office/drawing/2017/decorative" val="1"/>
+              </a:ext>
+            </a:extLst>
+          </p:cNvPr>
+          <p:cNvSpPr>
+            <a:spLocks noGrp="1" noRot="1" noChangeAspect="1" noMove="1" noResize="1" noEditPoints="1" noAdjustHandles="1" noChangeArrowheads="1" noChangeShapeType="1" noTextEdit="1"/>
+          </p:cNvSpPr>
+          <p:nvPr>
+            <p:extLst>
+              <p:ext uri="{386F3935-93C4-4BCD-93E2-E3B085C9AB24}">
+                <p16:designElem xmlns:p16="http://schemas.microsoft.com/office/powerpoint/2015/main" val="1"/>
+              </p:ext>
+            </p:extLst>
+          </p:nvPr>
+        </p:nvSpPr>
+        <p:spPr>
+          <a:xfrm flipV="1">
+            <a:off x="7550402" y="2455479"/>
+            <a:ext cx="4083433" cy="4083433"/>
+          </a:xfrm>
+          <a:prstGeom prst="arc">
+            <a:avLst/>
+          </a:prstGeom>
+          <a:ln w="127000" cap="rnd">
+            <a:solidFill>
+              <a:schemeClr val="accent4"/>
+            </a:solidFill>
+            <a:prstDash val="dash"/>
+          </a:ln>
+        </p:spPr>
+        <p:style>
+          <a:lnRef idx="1">
+            <a:schemeClr val="accent1"/>
+          </a:lnRef>
+          <a:fillRef idx="0">
+            <a:schemeClr val="accent1"/>
+          </a:fillRef>
+          <a:effectRef idx="0">
+            <a:schemeClr val="accent1"/>
+          </a:effectRef>
+          <a:fontRef idx="minor">
+            <a:schemeClr val="tx1"/>
+          </a:fontRef>
+        </p:style>
+        <p:txBody>
+          <a:bodyPr rtlCol="0" anchor="ctr"/>
+          <a:lstStyle/>
+          <a:p>
+            <a:pPr algn="ctr"/>
+            <a:endParaRPr lang="en-US" dirty="0"/>
+          </a:p>
+        </p:txBody>
+      </p:sp>
+      <p:sp>
+        <p:nvSpPr>
+          <p:cNvPr id="3" name="Content Placeholder 2">
+            <a:extLst>
+              <a:ext uri="{FF2B5EF4-FFF2-40B4-BE49-F238E27FC236}">
+                <a16:creationId xmlns:a16="http://schemas.microsoft.com/office/drawing/2014/main" id="{506ECF03-3832-CE61-45EB-6C148D597A92}"/>
+              </a:ext>
+            </a:extLst>
+          </p:cNvPr>
+          <p:cNvSpPr>
+            <a:spLocks noGrp="1"/>
+          </p:cNvSpPr>
+          <p:nvPr>
+            <p:ph idx="1"/>
+          </p:nvPr>
+        </p:nvSpPr>
+        <p:spPr>
+          <a:xfrm>
             <a:off x="4447308" y="965200"/>
             <a:ext cx="6906491" cy="5211763"/>
           </a:xfrm>
@@ -9741,6 +12820,410 @@
     <p:extLst>
       <p:ext uri="{BB962C8B-B14F-4D97-AF65-F5344CB8AC3E}">
         <p14:creationId xmlns:p14="http://schemas.microsoft.com/office/powerpoint/2010/main" val="3799559141"/>
+      </p:ext>
+    </p:extLst>
+  </p:cSld>
+  <p:clrMapOvr>
+    <a:masterClrMapping/>
+  </p:clrMapOvr>
+</p:sld>
+</file>
+
+<file path=ppt/slides/slide9.xml><?xml version="1.0" encoding="utf-8"?>
+<p:sld xmlns:a="http://schemas.openxmlformats.org/drawingml/2006/main" xmlns:r="http://schemas.openxmlformats.org/officeDocument/2006/relationships" xmlns:p="http://schemas.openxmlformats.org/presentationml/2006/main">
+  <p:cSld>
+    <p:bg>
+      <p:bgPr>
+        <a:solidFill>
+          <a:schemeClr val="bg1"/>
+        </a:solidFill>
+        <a:effectLst/>
+      </p:bgPr>
+    </p:bg>
+    <p:spTree>
+      <p:nvGrpSpPr>
+        <p:cNvPr id="1" name=""/>
+        <p:cNvGrpSpPr/>
+        <p:nvPr/>
+      </p:nvGrpSpPr>
+      <p:grpSpPr>
+        <a:xfrm>
+          <a:off x="0" y="0"/>
+          <a:ext cx="0" cy="0"/>
+          <a:chOff x="0" y="0"/>
+          <a:chExt cx="0" cy="0"/>
+        </a:xfrm>
+      </p:grpSpPr>
+      <p:sp useBgFill="1">
+        <p:nvSpPr>
+          <p:cNvPr id="8" name="Rectangle 7">
+            <a:extLst>
+              <a:ext uri="{FF2B5EF4-FFF2-40B4-BE49-F238E27FC236}">
+                <a16:creationId xmlns:a16="http://schemas.microsoft.com/office/drawing/2014/main" id="{907EF6B7-1338-4443-8C46-6A318D952DFD}"/>
+              </a:ext>
+              <a:ext uri="{C183D7F6-B498-43B3-948B-1728B52AA6E4}">
+                <adec:decorative xmlns:adec="http://schemas.microsoft.com/office/drawing/2017/decorative" val="1"/>
+              </a:ext>
+            </a:extLst>
+          </p:cNvPr>
+          <p:cNvSpPr>
+            <a:spLocks noGrp="1" noRot="1" noChangeAspect="1" noMove="1" noResize="1" noEditPoints="1" noAdjustHandles="1" noChangeArrowheads="1" noChangeShapeType="1" noTextEdit="1"/>
+          </p:cNvSpPr>
+          <p:nvPr>
+            <p:extLst>
+              <p:ext uri="{386F3935-93C4-4BCD-93E2-E3B085C9AB24}">
+                <p16:designElem xmlns:p16="http://schemas.microsoft.com/office/powerpoint/2015/main" val="1"/>
+              </p:ext>
+            </p:extLst>
+          </p:nvPr>
+        </p:nvSpPr>
+        <p:spPr>
+          <a:xfrm>
+            <a:off x="3048" y="0"/>
+            <a:ext cx="12188952" cy="6858000"/>
+          </a:xfrm>
+          <a:prstGeom prst="rect">
+            <a:avLst/>
+          </a:prstGeom>
+          <a:ln>
+            <a:noFill/>
+          </a:ln>
+        </p:spPr>
+        <p:style>
+          <a:lnRef idx="2">
+            <a:schemeClr val="accent1">
+              <a:shade val="50000"/>
+            </a:schemeClr>
+          </a:lnRef>
+          <a:fillRef idx="1">
+            <a:schemeClr val="accent1"/>
+          </a:fillRef>
+          <a:effectRef idx="0">
+            <a:schemeClr val="accent1"/>
+          </a:effectRef>
+          <a:fontRef idx="minor">
+            <a:schemeClr val="lt1"/>
+          </a:fontRef>
+        </p:style>
+        <p:txBody>
+          <a:bodyPr rtlCol="0" anchor="ctr"/>
+          <a:lstStyle/>
+          <a:p>
+            <a:pPr algn="ctr"/>
+            <a:endParaRPr lang="en-US"/>
+          </a:p>
+        </p:txBody>
+      </p:sp>
+      <p:sp>
+        <p:nvSpPr>
+          <p:cNvPr id="10" name="Freeform: Shape 9">
+            <a:extLst>
+              <a:ext uri="{FF2B5EF4-FFF2-40B4-BE49-F238E27FC236}">
+                <a16:creationId xmlns:a16="http://schemas.microsoft.com/office/drawing/2014/main" id="{DAAE4CDD-124C-4DCF-9584-B6033B545DD5}"/>
+              </a:ext>
+              <a:ext uri="{C183D7F6-B498-43B3-948B-1728B52AA6E4}">
+                <adec:decorative xmlns:adec="http://schemas.microsoft.com/office/drawing/2017/decorative" val="1"/>
+              </a:ext>
+            </a:extLst>
+          </p:cNvPr>
+          <p:cNvSpPr>
+            <a:spLocks noGrp="1" noRot="1" noChangeAspect="1" noMove="1" noResize="1" noEditPoints="1" noAdjustHandles="1" noChangeArrowheads="1" noChangeShapeType="1" noTextEdit="1"/>
+          </p:cNvSpPr>
+          <p:nvPr>
+            <p:extLst>
+              <p:ext uri="{386F3935-93C4-4BCD-93E2-E3B085C9AB24}">
+                <p16:designElem xmlns:p16="http://schemas.microsoft.com/office/powerpoint/2015/main" val="1"/>
+              </p:ext>
+            </p:extLst>
+          </p:nvPr>
+        </p:nvSpPr>
+        <p:spPr>
+          <a:xfrm>
+            <a:off x="1" y="0"/>
+            <a:ext cx="4167271" cy="6858000"/>
+          </a:xfrm>
+          <a:custGeom>
+            <a:avLst/>
+            <a:gdLst>
+              <a:gd name="connsiteX0" fmla="*/ 0 w 4167271"/>
+              <a:gd name="connsiteY0" fmla="*/ 0 h 6858000"/>
+              <a:gd name="connsiteX1" fmla="*/ 2259550 w 4167271"/>
+              <a:gd name="connsiteY1" fmla="*/ 0 h 6858000"/>
+              <a:gd name="connsiteX2" fmla="*/ 2387803 w 4167271"/>
+              <a:gd name="connsiteY2" fmla="*/ 82222 h 6858000"/>
+              <a:gd name="connsiteX3" fmla="*/ 4167271 w 4167271"/>
+              <a:gd name="connsiteY3" fmla="*/ 3429000 h 6858000"/>
+              <a:gd name="connsiteX4" fmla="*/ 2387803 w 4167271"/>
+              <a:gd name="connsiteY4" fmla="*/ 6775779 h 6858000"/>
+              <a:gd name="connsiteX5" fmla="*/ 2259550 w 4167271"/>
+              <a:gd name="connsiteY5" fmla="*/ 6858000 h 6858000"/>
+              <a:gd name="connsiteX6" fmla="*/ 0 w 4167271"/>
+              <a:gd name="connsiteY6" fmla="*/ 6858000 h 6858000"/>
+            </a:gdLst>
+            <a:ahLst/>
+            <a:cxnLst>
+              <a:cxn ang="0">
+                <a:pos x="connsiteX0" y="connsiteY0"/>
+              </a:cxn>
+              <a:cxn ang="0">
+                <a:pos x="connsiteX1" y="connsiteY1"/>
+              </a:cxn>
+              <a:cxn ang="0">
+                <a:pos x="connsiteX2" y="connsiteY2"/>
+              </a:cxn>
+              <a:cxn ang="0">
+                <a:pos x="connsiteX3" y="connsiteY3"/>
+              </a:cxn>
+              <a:cxn ang="0">
+                <a:pos x="connsiteX4" y="connsiteY4"/>
+              </a:cxn>
+              <a:cxn ang="0">
+                <a:pos x="connsiteX5" y="connsiteY5"/>
+              </a:cxn>
+              <a:cxn ang="0">
+                <a:pos x="connsiteX6" y="connsiteY6"/>
+              </a:cxn>
+            </a:cxnLst>
+            <a:rect l="l" t="t" r="r" b="b"/>
+            <a:pathLst>
+              <a:path w="4167271" h="6858000">
+                <a:moveTo>
+                  <a:pt x="0" y="0"/>
+                </a:moveTo>
+                <a:lnTo>
+                  <a:pt x="2259550" y="0"/>
+                </a:lnTo>
+                <a:lnTo>
+                  <a:pt x="2387803" y="82222"/>
+                </a:lnTo>
+                <a:cubicBezTo>
+                  <a:pt x="3461407" y="807534"/>
+                  <a:pt x="4167271" y="2035835"/>
+                  <a:pt x="4167271" y="3429000"/>
+                </a:cubicBezTo>
+                <a:cubicBezTo>
+                  <a:pt x="4167271" y="4822165"/>
+                  <a:pt x="3461407" y="6050467"/>
+                  <a:pt x="2387803" y="6775779"/>
+                </a:cubicBezTo>
+                <a:lnTo>
+                  <a:pt x="2259550" y="6858000"/>
+                </a:lnTo>
+                <a:lnTo>
+                  <a:pt x="0" y="6858000"/>
+                </a:lnTo>
+                <a:close/>
+              </a:path>
+            </a:pathLst>
+          </a:custGeom>
+          <a:solidFill>
+            <a:schemeClr val="accent2"/>
+          </a:solidFill>
+          <a:ln>
+            <a:noFill/>
+          </a:ln>
+        </p:spPr>
+        <p:style>
+          <a:lnRef idx="2">
+            <a:schemeClr val="accent1">
+              <a:shade val="50000"/>
+            </a:schemeClr>
+          </a:lnRef>
+          <a:fillRef idx="1">
+            <a:schemeClr val="accent1"/>
+          </a:fillRef>
+          <a:effectRef idx="0">
+            <a:schemeClr val="accent1"/>
+          </a:effectRef>
+          <a:fontRef idx="minor">
+            <a:schemeClr val="lt1"/>
+          </a:fontRef>
+        </p:style>
+        <p:txBody>
+          <a:bodyPr rtlCol="0" anchor="ctr"/>
+          <a:lstStyle/>
+          <a:p>
+            <a:pPr algn="ctr"/>
+            <a:endParaRPr lang="en-US"/>
+          </a:p>
+        </p:txBody>
+      </p:sp>
+      <p:sp>
+        <p:nvSpPr>
+          <p:cNvPr id="2" name="Title 1">
+            <a:extLst>
+              <a:ext uri="{FF2B5EF4-FFF2-40B4-BE49-F238E27FC236}">
+                <a16:creationId xmlns:a16="http://schemas.microsoft.com/office/drawing/2014/main" id="{604CD088-9924-FDF8-32EA-64AD14C5DE41}"/>
+              </a:ext>
+            </a:extLst>
+          </p:cNvPr>
+          <p:cNvSpPr>
+            <a:spLocks noGrp="1"/>
+          </p:cNvSpPr>
+          <p:nvPr>
+            <p:ph type="title"/>
+          </p:nvPr>
+        </p:nvSpPr>
+        <p:spPr>
+          <a:xfrm>
+            <a:off x="686834" y="1153572"/>
+            <a:ext cx="3200400" cy="4461163"/>
+          </a:xfrm>
+        </p:spPr>
+        <p:txBody>
+          <a:bodyPr>
+            <a:normAutofit/>
+          </a:bodyPr>
+          <a:lstStyle/>
+          <a:p>
+            <a:r>
+              <a:rPr lang="en-US" dirty="0">
+                <a:solidFill>
+                  <a:srgbClr val="FFFFFF"/>
+                </a:solidFill>
+              </a:rPr>
+              <a:t>Details</a:t>
+            </a:r>
+          </a:p>
+        </p:txBody>
+      </p:sp>
+      <p:sp>
+        <p:nvSpPr>
+          <p:cNvPr id="12" name="Arc 11">
+            <a:extLst>
+              <a:ext uri="{FF2B5EF4-FFF2-40B4-BE49-F238E27FC236}">
+                <a16:creationId xmlns:a16="http://schemas.microsoft.com/office/drawing/2014/main" id="{081E4A58-353D-44AE-B2FC-2A74E2E400F7}"/>
+              </a:ext>
+              <a:ext uri="{C183D7F6-B498-43B3-948B-1728B52AA6E4}">
+                <adec:decorative xmlns:adec="http://schemas.microsoft.com/office/drawing/2017/decorative" val="1"/>
+              </a:ext>
+            </a:extLst>
+          </p:cNvPr>
+          <p:cNvSpPr>
+            <a:spLocks noGrp="1" noRot="1" noChangeAspect="1" noMove="1" noResize="1" noEditPoints="1" noAdjustHandles="1" noChangeArrowheads="1" noChangeShapeType="1" noTextEdit="1"/>
+          </p:cNvSpPr>
+          <p:nvPr>
+            <p:extLst>
+              <p:ext uri="{386F3935-93C4-4BCD-93E2-E3B085C9AB24}">
+                <p16:designElem xmlns:p16="http://schemas.microsoft.com/office/powerpoint/2015/main" val="1"/>
+              </p:ext>
+            </p:extLst>
+          </p:nvPr>
+        </p:nvSpPr>
+        <p:spPr>
+          <a:xfrm flipV="1">
+            <a:off x="7550402" y="2455479"/>
+            <a:ext cx="4083433" cy="4083433"/>
+          </a:xfrm>
+          <a:prstGeom prst="arc">
+            <a:avLst/>
+          </a:prstGeom>
+          <a:ln w="127000" cap="rnd">
+            <a:solidFill>
+              <a:schemeClr val="accent4"/>
+            </a:solidFill>
+            <a:prstDash val="dash"/>
+          </a:ln>
+        </p:spPr>
+        <p:style>
+          <a:lnRef idx="1">
+            <a:schemeClr val="accent1"/>
+          </a:lnRef>
+          <a:fillRef idx="0">
+            <a:schemeClr val="accent1"/>
+          </a:fillRef>
+          <a:effectRef idx="0">
+            <a:schemeClr val="accent1"/>
+          </a:effectRef>
+          <a:fontRef idx="minor">
+            <a:schemeClr val="tx1"/>
+          </a:fontRef>
+        </p:style>
+        <p:txBody>
+          <a:bodyPr rtlCol="0" anchor="ctr"/>
+          <a:lstStyle/>
+          <a:p>
+            <a:pPr algn="ctr"/>
+            <a:endParaRPr lang="en-US" dirty="0"/>
+          </a:p>
+        </p:txBody>
+      </p:sp>
+      <p:sp>
+        <p:nvSpPr>
+          <p:cNvPr id="3" name="Content Placeholder 2">
+            <a:extLst>
+              <a:ext uri="{FF2B5EF4-FFF2-40B4-BE49-F238E27FC236}">
+                <a16:creationId xmlns:a16="http://schemas.microsoft.com/office/drawing/2014/main" id="{506ECF03-3832-CE61-45EB-6C148D597A92}"/>
+              </a:ext>
+            </a:extLst>
+          </p:cNvPr>
+          <p:cNvSpPr>
+            <a:spLocks noGrp="1"/>
+          </p:cNvSpPr>
+          <p:nvPr>
+            <p:ph idx="1"/>
+          </p:nvPr>
+        </p:nvSpPr>
+        <p:spPr>
+          <a:xfrm>
+            <a:off x="6630038" y="0"/>
+            <a:ext cx="4723761" cy="2046503"/>
+          </a:xfrm>
+        </p:spPr>
+        <p:txBody>
+          <a:bodyPr anchor="ctr">
+            <a:normAutofit/>
+          </a:bodyPr>
+          <a:lstStyle/>
+          <a:p>
+            <a:r>
+              <a:rPr lang="en-US" dirty="0"/>
+              <a:t>Hour of Code</a:t>
+            </a:r>
+          </a:p>
+          <a:p>
+            <a:pPr lvl="1"/>
+            <a:r>
+              <a:rPr lang="en-US" dirty="0"/>
+              <a:t>Minecraft</a:t>
+            </a:r>
+          </a:p>
+        </p:txBody>
+      </p:sp>
+      <p:pic>
+        <p:nvPicPr>
+          <p:cNvPr id="5" name="Picture 4">
+            <a:extLst>
+              <a:ext uri="{FF2B5EF4-FFF2-40B4-BE49-F238E27FC236}">
+                <a16:creationId xmlns:a16="http://schemas.microsoft.com/office/drawing/2014/main" id="{D50F5A8A-096D-376E-7A19-ED48CB01FB39}"/>
+              </a:ext>
+            </a:extLst>
+          </p:cNvPr>
+          <p:cNvPicPr>
+            <a:picLocks noChangeAspect="1"/>
+          </p:cNvPicPr>
+          <p:nvPr/>
+        </p:nvPicPr>
+        <p:blipFill>
+          <a:blip r:embed="rId2"/>
+          <a:stretch>
+            <a:fillRect/>
+          </a:stretch>
+        </p:blipFill>
+        <p:spPr>
+          <a:xfrm>
+            <a:off x="3149600" y="2046503"/>
+            <a:ext cx="8916035" cy="4644666"/>
+          </a:xfrm>
+          <a:prstGeom prst="rect">
+            <a:avLst/>
+          </a:prstGeom>
+        </p:spPr>
+      </p:pic>
+    </p:spTree>
+    <p:extLst>
+      <p:ext uri="{BB962C8B-B14F-4D97-AF65-F5344CB8AC3E}">
+        <p14:creationId xmlns:p14="http://schemas.microsoft.com/office/powerpoint/2010/main" val="3985557349"/>
       </p:ext>
     </p:extLst>
   </p:cSld>

--- a/ThatConference2022.pptx
+++ b/ThatConference2022.pptx
@@ -22,15 +22,17 @@
     <p:sldId id="271" r:id="rId16"/>
     <p:sldId id="276" r:id="rId17"/>
     <p:sldId id="286" r:id="rId18"/>
-    <p:sldId id="287" r:id="rId19"/>
-    <p:sldId id="285" r:id="rId20"/>
-    <p:sldId id="277" r:id="rId21"/>
-    <p:sldId id="278" r:id="rId22"/>
-    <p:sldId id="279" r:id="rId23"/>
-    <p:sldId id="280" r:id="rId24"/>
-    <p:sldId id="281" r:id="rId25"/>
-    <p:sldId id="282" r:id="rId26"/>
-    <p:sldId id="283" r:id="rId27"/>
+    <p:sldId id="288" r:id="rId19"/>
+    <p:sldId id="289" r:id="rId20"/>
+    <p:sldId id="287" r:id="rId21"/>
+    <p:sldId id="285" r:id="rId22"/>
+    <p:sldId id="277" r:id="rId23"/>
+    <p:sldId id="278" r:id="rId24"/>
+    <p:sldId id="279" r:id="rId25"/>
+    <p:sldId id="280" r:id="rId26"/>
+    <p:sldId id="281" r:id="rId27"/>
+    <p:sldId id="282" r:id="rId28"/>
+    <p:sldId id="283" r:id="rId29"/>
   </p:sldIdLst>
   <p:sldSz cx="12192000" cy="6858000"/>
   <p:notesSz cx="6858000" cy="9144000"/>
@@ -304,7 +306,7 @@
               <a:rPr lang="en-US" smtClean="0"/>
               <a:t>6/24/2022</a:t>
             </a:fld>
-            <a:endParaRPr lang="en-US"/>
+            <a:endParaRPr lang="en-US" dirty="0"/>
           </a:p>
         </p:txBody>
       </p:sp>
@@ -323,7 +325,7 @@
           <a:bodyPr/>
           <a:lstStyle/>
           <a:p>
-            <a:endParaRPr lang="en-US"/>
+            <a:endParaRPr lang="en-US" dirty="0"/>
           </a:p>
         </p:txBody>
       </p:sp>
@@ -346,7 +348,7 @@
               <a:rPr lang="en-US" smtClean="0"/>
               <a:t>‹#›</a:t>
             </a:fld>
-            <a:endParaRPr lang="en-US"/>
+            <a:endParaRPr lang="en-US" dirty="0"/>
           </a:p>
         </p:txBody>
       </p:sp>
@@ -474,7 +476,7 @@
               <a:rPr lang="en-US" smtClean="0"/>
               <a:t>6/24/2022</a:t>
             </a:fld>
-            <a:endParaRPr lang="en-US"/>
+            <a:endParaRPr lang="en-US" dirty="0"/>
           </a:p>
         </p:txBody>
       </p:sp>
@@ -493,7 +495,7 @@
           <a:bodyPr/>
           <a:lstStyle/>
           <a:p>
-            <a:endParaRPr lang="en-US"/>
+            <a:endParaRPr lang="en-US" dirty="0"/>
           </a:p>
         </p:txBody>
       </p:sp>
@@ -516,7 +518,7 @@
               <a:rPr lang="en-US" smtClean="0"/>
               <a:t>‹#›</a:t>
             </a:fld>
-            <a:endParaRPr lang="en-US"/>
+            <a:endParaRPr lang="en-US" dirty="0"/>
           </a:p>
         </p:txBody>
       </p:sp>
@@ -654,7 +656,7 @@
               <a:rPr lang="en-US" smtClean="0"/>
               <a:t>6/24/2022</a:t>
             </a:fld>
-            <a:endParaRPr lang="en-US"/>
+            <a:endParaRPr lang="en-US" dirty="0"/>
           </a:p>
         </p:txBody>
       </p:sp>
@@ -673,7 +675,7 @@
           <a:bodyPr/>
           <a:lstStyle/>
           <a:p>
-            <a:endParaRPr lang="en-US"/>
+            <a:endParaRPr lang="en-US" dirty="0"/>
           </a:p>
         </p:txBody>
       </p:sp>
@@ -696,7 +698,7 @@
               <a:rPr lang="en-US" smtClean="0"/>
               <a:t>‹#›</a:t>
             </a:fld>
-            <a:endParaRPr lang="en-US"/>
+            <a:endParaRPr lang="en-US" dirty="0"/>
           </a:p>
         </p:txBody>
       </p:sp>
@@ -824,7 +826,7 @@
               <a:rPr lang="en-US" smtClean="0"/>
               <a:t>6/24/2022</a:t>
             </a:fld>
-            <a:endParaRPr lang="en-US"/>
+            <a:endParaRPr lang="en-US" dirty="0"/>
           </a:p>
         </p:txBody>
       </p:sp>
@@ -843,7 +845,7 @@
           <a:bodyPr/>
           <a:lstStyle/>
           <a:p>
-            <a:endParaRPr lang="en-US"/>
+            <a:endParaRPr lang="en-US" dirty="0"/>
           </a:p>
         </p:txBody>
       </p:sp>
@@ -866,7 +868,7 @@
               <a:rPr lang="en-US" smtClean="0"/>
               <a:t>‹#›</a:t>
             </a:fld>
-            <a:endParaRPr lang="en-US"/>
+            <a:endParaRPr lang="en-US" dirty="0"/>
           </a:p>
         </p:txBody>
       </p:sp>
@@ -1070,7 +1072,7 @@
               <a:rPr lang="en-US" smtClean="0"/>
               <a:t>6/24/2022</a:t>
             </a:fld>
-            <a:endParaRPr lang="en-US"/>
+            <a:endParaRPr lang="en-US" dirty="0"/>
           </a:p>
         </p:txBody>
       </p:sp>
@@ -1089,7 +1091,7 @@
           <a:bodyPr/>
           <a:lstStyle/>
           <a:p>
-            <a:endParaRPr lang="en-US"/>
+            <a:endParaRPr lang="en-US" dirty="0"/>
           </a:p>
         </p:txBody>
       </p:sp>
@@ -1112,7 +1114,7 @@
               <a:rPr lang="en-US" smtClean="0"/>
               <a:t>‹#›</a:t>
             </a:fld>
-            <a:endParaRPr lang="en-US"/>
+            <a:endParaRPr lang="en-US" dirty="0"/>
           </a:p>
         </p:txBody>
       </p:sp>
@@ -1302,7 +1304,7 @@
               <a:rPr lang="en-US" smtClean="0"/>
               <a:t>6/24/2022</a:t>
             </a:fld>
-            <a:endParaRPr lang="en-US"/>
+            <a:endParaRPr lang="en-US" dirty="0"/>
           </a:p>
         </p:txBody>
       </p:sp>
@@ -1321,7 +1323,7 @@
           <a:bodyPr/>
           <a:lstStyle/>
           <a:p>
-            <a:endParaRPr lang="en-US"/>
+            <a:endParaRPr lang="en-US" dirty="0"/>
           </a:p>
         </p:txBody>
       </p:sp>
@@ -1344,7 +1346,7 @@
               <a:rPr lang="en-US" smtClean="0"/>
               <a:t>‹#›</a:t>
             </a:fld>
-            <a:endParaRPr lang="en-US"/>
+            <a:endParaRPr lang="en-US" dirty="0"/>
           </a:p>
         </p:txBody>
       </p:sp>
@@ -1669,7 +1671,7 @@
               <a:rPr lang="en-US" smtClean="0"/>
               <a:t>6/24/2022</a:t>
             </a:fld>
-            <a:endParaRPr lang="en-US"/>
+            <a:endParaRPr lang="en-US" dirty="0"/>
           </a:p>
         </p:txBody>
       </p:sp>
@@ -1688,7 +1690,7 @@
           <a:bodyPr/>
           <a:lstStyle/>
           <a:p>
-            <a:endParaRPr lang="en-US"/>
+            <a:endParaRPr lang="en-US" dirty="0"/>
           </a:p>
         </p:txBody>
       </p:sp>
@@ -1711,7 +1713,7 @@
               <a:rPr lang="en-US" smtClean="0"/>
               <a:t>‹#›</a:t>
             </a:fld>
-            <a:endParaRPr lang="en-US"/>
+            <a:endParaRPr lang="en-US" dirty="0"/>
           </a:p>
         </p:txBody>
       </p:sp>
@@ -1787,7 +1789,7 @@
               <a:rPr lang="en-US" smtClean="0"/>
               <a:t>6/24/2022</a:t>
             </a:fld>
-            <a:endParaRPr lang="en-US"/>
+            <a:endParaRPr lang="en-US" dirty="0"/>
           </a:p>
         </p:txBody>
       </p:sp>
@@ -1806,7 +1808,7 @@
           <a:bodyPr/>
           <a:lstStyle/>
           <a:p>
-            <a:endParaRPr lang="en-US"/>
+            <a:endParaRPr lang="en-US" dirty="0"/>
           </a:p>
         </p:txBody>
       </p:sp>
@@ -1829,7 +1831,7 @@
               <a:rPr lang="en-US" smtClean="0"/>
               <a:t>‹#›</a:t>
             </a:fld>
-            <a:endParaRPr lang="en-US"/>
+            <a:endParaRPr lang="en-US" dirty="0"/>
           </a:p>
         </p:txBody>
       </p:sp>
@@ -1882,7 +1884,7 @@
               <a:rPr lang="en-US" smtClean="0"/>
               <a:t>6/24/2022</a:t>
             </a:fld>
-            <a:endParaRPr lang="en-US"/>
+            <a:endParaRPr lang="en-US" dirty="0"/>
           </a:p>
         </p:txBody>
       </p:sp>
@@ -1901,7 +1903,7 @@
           <a:bodyPr/>
           <a:lstStyle/>
           <a:p>
-            <a:endParaRPr lang="en-US"/>
+            <a:endParaRPr lang="en-US" dirty="0"/>
           </a:p>
         </p:txBody>
       </p:sp>
@@ -1924,7 +1926,7 @@
               <a:rPr lang="en-US" smtClean="0"/>
               <a:t>‹#›</a:t>
             </a:fld>
-            <a:endParaRPr lang="en-US"/>
+            <a:endParaRPr lang="en-US" dirty="0"/>
           </a:p>
         </p:txBody>
       </p:sp>
@@ -2159,7 +2161,7 @@
               <a:rPr lang="en-US" smtClean="0"/>
               <a:t>6/24/2022</a:t>
             </a:fld>
-            <a:endParaRPr lang="en-US"/>
+            <a:endParaRPr lang="en-US" dirty="0"/>
           </a:p>
         </p:txBody>
       </p:sp>
@@ -2178,7 +2180,7 @@
           <a:bodyPr/>
           <a:lstStyle/>
           <a:p>
-            <a:endParaRPr lang="en-US"/>
+            <a:endParaRPr lang="en-US" dirty="0"/>
           </a:p>
         </p:txBody>
       </p:sp>
@@ -2201,7 +2203,7 @@
               <a:rPr lang="en-US" smtClean="0"/>
               <a:t>‹#›</a:t>
             </a:fld>
-            <a:endParaRPr lang="en-US"/>
+            <a:endParaRPr lang="en-US" dirty="0"/>
           </a:p>
         </p:txBody>
       </p:sp>
@@ -2325,10 +2327,9 @@
           </a:lstStyle>
           <a:p>
             <a:r>
-              <a:rPr lang="en-US"/>
+              <a:rPr lang="en-US" dirty="0"/>
               <a:t>Click icon to add picture</a:t>
             </a:r>
-            <a:endParaRPr lang="en-US" dirty="0"/>
           </a:p>
         </p:txBody>
       </p:sp>
@@ -2416,7 +2417,7 @@
               <a:rPr lang="en-US" smtClean="0"/>
               <a:t>6/24/2022</a:t>
             </a:fld>
-            <a:endParaRPr lang="en-US"/>
+            <a:endParaRPr lang="en-US" dirty="0"/>
           </a:p>
         </p:txBody>
       </p:sp>
@@ -2435,7 +2436,7 @@
           <a:bodyPr/>
           <a:lstStyle/>
           <a:p>
-            <a:endParaRPr lang="en-US"/>
+            <a:endParaRPr lang="en-US" dirty="0"/>
           </a:p>
         </p:txBody>
       </p:sp>
@@ -2458,7 +2459,7 @@
               <a:rPr lang="en-US" smtClean="0"/>
               <a:t>‹#›</a:t>
             </a:fld>
-            <a:endParaRPr lang="en-US"/>
+            <a:endParaRPr lang="en-US" dirty="0"/>
           </a:p>
         </p:txBody>
       </p:sp>
@@ -2629,7 +2630,7 @@
               <a:rPr lang="en-US" smtClean="0"/>
               <a:t>6/24/2022</a:t>
             </a:fld>
-            <a:endParaRPr lang="en-US"/>
+            <a:endParaRPr lang="en-US" dirty="0"/>
           </a:p>
         </p:txBody>
       </p:sp>
@@ -2666,7 +2667,7 @@
             </a:lvl1pPr>
           </a:lstStyle>
           <a:p>
-            <a:endParaRPr lang="en-US"/>
+            <a:endParaRPr lang="en-US" dirty="0"/>
           </a:p>
         </p:txBody>
       </p:sp>
@@ -2707,7 +2708,7 @@
               <a:rPr lang="en-US" smtClean="0"/>
               <a:t>‹#›</a:t>
             </a:fld>
-            <a:endParaRPr lang="en-US"/>
+            <a:endParaRPr lang="en-US" dirty="0"/>
           </a:p>
         </p:txBody>
       </p:sp>
@@ -3096,7 +3097,7 @@
           <a:lstStyle/>
           <a:p>
             <a:pPr algn="ctr"/>
-            <a:endParaRPr lang="en-US"/>
+            <a:endParaRPr lang="en-US" dirty="0"/>
           </a:p>
         </p:txBody>
       </p:sp>
@@ -3313,7 +3314,7 @@
           <a:lstStyle/>
           <a:p>
             <a:pPr algn="ctr"/>
-            <a:endParaRPr lang="en-US"/>
+            <a:endParaRPr lang="en-US" dirty="0"/>
           </a:p>
         </p:txBody>
       </p:sp>
@@ -6200,8 +6201,8 @@
           <a:lstStyle/>
           <a:p>
             <a:r>
-              <a:rPr lang="en-US" sz="4800" dirty="0"/>
-              <a:t>How to code with Kids</a:t>
+              <a:rPr lang="en-US" sz="3200" dirty="0"/>
+              <a:t>Key Points when programming with kids</a:t>
             </a:r>
           </a:p>
         </p:txBody>
@@ -6302,7 +6303,28 @@
           </a:bodyPr>
           <a:lstStyle/>
           <a:p>
+            <a:pPr marL="0" indent="0" algn="ctr">
+              <a:buNone/>
+            </a:pPr>
+            <a:r>
+              <a:rPr lang="en-US" dirty="0"/>
+              <a:t>Don’t start with basic computer concepts.  </a:t>
+            </a:r>
+          </a:p>
+          <a:p>
+            <a:pPr marL="0" indent="0" algn="ctr">
+              <a:buNone/>
+            </a:pPr>
             <a:endParaRPr lang="en-US" dirty="0"/>
+          </a:p>
+          <a:p>
+            <a:pPr marL="0" indent="0" algn="ctr">
+              <a:buNone/>
+            </a:pPr>
+            <a:r>
+              <a:rPr lang="en-US" sz="6600" dirty="0"/>
+              <a:t>JUST JUMP IN!</a:t>
+            </a:r>
           </a:p>
         </p:txBody>
       </p:sp>
@@ -6666,6 +6688,34 @@
           </a:bodyPr>
           <a:lstStyle/>
           <a:p>
+            <a:r>
+              <a:rPr lang="en-US" dirty="0"/>
+              <a:t>Kids want to see results quickly</a:t>
+            </a:r>
+          </a:p>
+          <a:p>
+            <a:r>
+              <a:rPr lang="en-US" dirty="0"/>
+              <a:t>Use games to make it fun</a:t>
+            </a:r>
+          </a:p>
+          <a:p>
+            <a:r>
+              <a:rPr lang="en-US" dirty="0"/>
+              <a:t>Repetition overtime will generate learning and understanding</a:t>
+            </a:r>
+          </a:p>
+          <a:p>
+            <a:r>
+              <a:rPr lang="en-US" dirty="0"/>
+              <a:t>Be PATIENT (small steps matter)</a:t>
+            </a:r>
+          </a:p>
+          <a:p>
+            <a:r>
+              <a:rPr lang="en-US" sz="5400" dirty="0"/>
+              <a:t>MAKE IT FUN</a:t>
+            </a:r>
             <a:endParaRPr lang="en-US" dirty="0"/>
           </a:p>
         </p:txBody>
@@ -6713,7 +6763,7 @@
           <p:cNvPr id="8" name="Rectangle 7">
             <a:extLst>
               <a:ext uri="{FF2B5EF4-FFF2-40B4-BE49-F238E27FC236}">
-                <a16:creationId xmlns:a16="http://schemas.microsoft.com/office/drawing/2014/main" id="{DAF1966E-FD40-4A4A-B61B-C4DF7FA05F06}"/>
+                <a16:creationId xmlns:a16="http://schemas.microsoft.com/office/drawing/2014/main" id="{907EF6B7-1338-4443-8C46-6A318D952DFD}"/>
               </a:ext>
               <a:ext uri="{C183D7F6-B498-43B3-948B-1728B52AA6E4}">
                 <adec:decorative xmlns:adec="http://schemas.microsoft.com/office/drawing/2017/decorative" val="1"/>
@@ -6733,8 +6783,8 @@
         </p:nvSpPr>
         <p:spPr>
           <a:xfrm>
-            <a:off x="0" y="0"/>
-            <a:ext cx="12192000" cy="6858000"/>
+            <a:off x="3048" y="0"/>
+            <a:ext cx="12188952" cy="6858000"/>
           </a:xfrm>
           <a:prstGeom prst="rect">
             <a:avLst/>
@@ -6768,12 +6818,12 @@
           </a:p>
         </p:txBody>
       </p:sp>
-      <p:sp useBgFill="1">
-        <p:nvSpPr>
-          <p:cNvPr id="10" name="Rectangle 9">
+      <p:sp>
+        <p:nvSpPr>
+          <p:cNvPr id="10" name="Freeform: Shape 9">
             <a:extLst>
               <a:ext uri="{FF2B5EF4-FFF2-40B4-BE49-F238E27FC236}">
-                <a16:creationId xmlns:a16="http://schemas.microsoft.com/office/drawing/2014/main" id="{047BFA19-D45E-416B-A404-7AF2F3F27017}"/>
+                <a16:creationId xmlns:a16="http://schemas.microsoft.com/office/drawing/2014/main" id="{DAAE4CDD-124C-4DCF-9584-B6033B545DD5}"/>
               </a:ext>
               <a:ext uri="{C183D7F6-B498-43B3-948B-1728B52AA6E4}">
                 <adec:decorative xmlns:adec="http://schemas.microsoft.com/office/drawing/2017/decorative" val="1"/>
@@ -6793,25 +6843,89 @@
         </p:nvSpPr>
         <p:spPr>
           <a:xfrm>
-            <a:off x="558209" y="0"/>
-            <a:ext cx="11167447" cy="2018806"/>
-          </a:xfrm>
-          <a:prstGeom prst="rect">
+            <a:off x="1" y="0"/>
+            <a:ext cx="4167271" cy="6858000"/>
+          </a:xfrm>
+          <a:custGeom>
             <a:avLst/>
-          </a:prstGeom>
-          <a:ln w="9525">
-            <a:solidFill>
-              <a:srgbClr val="E1E1E1"/>
-            </a:solidFill>
+            <a:gdLst>
+              <a:gd name="connsiteX0" fmla="*/ 0 w 4167271"/>
+              <a:gd name="connsiteY0" fmla="*/ 0 h 6858000"/>
+              <a:gd name="connsiteX1" fmla="*/ 2259550 w 4167271"/>
+              <a:gd name="connsiteY1" fmla="*/ 0 h 6858000"/>
+              <a:gd name="connsiteX2" fmla="*/ 2387803 w 4167271"/>
+              <a:gd name="connsiteY2" fmla="*/ 82222 h 6858000"/>
+              <a:gd name="connsiteX3" fmla="*/ 4167271 w 4167271"/>
+              <a:gd name="connsiteY3" fmla="*/ 3429000 h 6858000"/>
+              <a:gd name="connsiteX4" fmla="*/ 2387803 w 4167271"/>
+              <a:gd name="connsiteY4" fmla="*/ 6775779 h 6858000"/>
+              <a:gd name="connsiteX5" fmla="*/ 2259550 w 4167271"/>
+              <a:gd name="connsiteY5" fmla="*/ 6858000 h 6858000"/>
+              <a:gd name="connsiteX6" fmla="*/ 0 w 4167271"/>
+              <a:gd name="connsiteY6" fmla="*/ 6858000 h 6858000"/>
+            </a:gdLst>
+            <a:ahLst/>
+            <a:cxnLst>
+              <a:cxn ang="0">
+                <a:pos x="connsiteX0" y="connsiteY0"/>
+              </a:cxn>
+              <a:cxn ang="0">
+                <a:pos x="connsiteX1" y="connsiteY1"/>
+              </a:cxn>
+              <a:cxn ang="0">
+                <a:pos x="connsiteX2" y="connsiteY2"/>
+              </a:cxn>
+              <a:cxn ang="0">
+                <a:pos x="connsiteX3" y="connsiteY3"/>
+              </a:cxn>
+              <a:cxn ang="0">
+                <a:pos x="connsiteX4" y="connsiteY4"/>
+              </a:cxn>
+              <a:cxn ang="0">
+                <a:pos x="connsiteX5" y="connsiteY5"/>
+              </a:cxn>
+              <a:cxn ang="0">
+                <a:pos x="connsiteX6" y="connsiteY6"/>
+              </a:cxn>
+            </a:cxnLst>
+            <a:rect l="l" t="t" r="r" b="b"/>
+            <a:pathLst>
+              <a:path w="4167271" h="6858000">
+                <a:moveTo>
+                  <a:pt x="0" y="0"/>
+                </a:moveTo>
+                <a:lnTo>
+                  <a:pt x="2259550" y="0"/>
+                </a:lnTo>
+                <a:lnTo>
+                  <a:pt x="2387803" y="82222"/>
+                </a:lnTo>
+                <a:cubicBezTo>
+                  <a:pt x="3461407" y="807534"/>
+                  <a:pt x="4167271" y="2035835"/>
+                  <a:pt x="4167271" y="3429000"/>
+                </a:cubicBezTo>
+                <a:cubicBezTo>
+                  <a:pt x="4167271" y="4822165"/>
+                  <a:pt x="3461407" y="6050467"/>
+                  <a:pt x="2387803" y="6775779"/>
+                </a:cubicBezTo>
+                <a:lnTo>
+                  <a:pt x="2259550" y="6858000"/>
+                </a:lnTo>
+                <a:lnTo>
+                  <a:pt x="0" y="6858000"/>
+                </a:lnTo>
+                <a:close/>
+              </a:path>
+            </a:pathLst>
+          </a:custGeom>
+          <a:solidFill>
+            <a:schemeClr val="accent2"/>
+          </a:solidFill>
+          <a:ln>
+            <a:noFill/>
           </a:ln>
-          <a:effectLst>
-            <a:outerShdw blurRad="50800" dist="38100" dir="2700000" algn="tl" rotWithShape="0">
-              <a:schemeClr val="bg1">
-                <a:lumMod val="85000"/>
-                <a:alpha val="50000"/>
-              </a:schemeClr>
-            </a:outerShdw>
-          </a:effectLst>
         </p:spPr>
         <p:style>
           <a:lnRef idx="2">
@@ -6833,46 +6947,56 @@
           <a:bodyPr rtlCol="0" anchor="ctr"/>
           <a:lstStyle/>
           <a:p>
-            <a:pPr marL="0" marR="0" lvl="0" indent="0" algn="ctr" defTabSz="914400" rtl="0" eaLnBrk="1" fontAlgn="auto" latinLnBrk="0" hangingPunct="1">
-              <a:lnSpc>
-                <a:spcPct val="100000"/>
-              </a:lnSpc>
-              <a:spcBef>
-                <a:spcPts val="0"/>
-              </a:spcBef>
-              <a:spcAft>
-                <a:spcPts val="0"/>
-              </a:spcAft>
-              <a:buClrTx/>
-              <a:buSzTx/>
-              <a:buFontTx/>
-              <a:buNone/>
-              <a:tabLst/>
-              <a:defRPr/>
-            </a:pPr>
-            <a:endParaRPr kumimoji="0" lang="en-US" sz="1800" b="0" i="0" u="none" strike="noStrike" kern="1200" cap="none" spc="0" normalizeH="0" baseline="0" noProof="0">
-              <a:ln>
-                <a:noFill/>
-              </a:ln>
-              <a:solidFill>
-                <a:prstClr val="white"/>
-              </a:solidFill>
-              <a:effectLst/>
-              <a:uLnTx/>
-              <a:uFillTx/>
-              <a:latin typeface="Calibri" panose="020F0502020204030204"/>
-              <a:ea typeface="+mn-ea"/>
-              <a:cs typeface="+mn-cs"/>
-            </a:endParaRPr>
-          </a:p>
-        </p:txBody>
-      </p:sp>
-      <p:sp useBgFill="1">
-        <p:nvSpPr>
-          <p:cNvPr id="12" name="Rectangle 11">
+            <a:pPr algn="ctr"/>
+            <a:endParaRPr lang="en-US"/>
+          </a:p>
+        </p:txBody>
+      </p:sp>
+      <p:sp>
+        <p:nvSpPr>
+          <p:cNvPr id="2" name="Title 1">
             <a:extLst>
               <a:ext uri="{FF2B5EF4-FFF2-40B4-BE49-F238E27FC236}">
-                <a16:creationId xmlns:a16="http://schemas.microsoft.com/office/drawing/2014/main" id="{8E0105E7-23DB-4CF2-8258-FF47C7620F6E}"/>
+                <a16:creationId xmlns:a16="http://schemas.microsoft.com/office/drawing/2014/main" id="{604CD088-9924-FDF8-32EA-64AD14C5DE41}"/>
+              </a:ext>
+            </a:extLst>
+          </p:cNvPr>
+          <p:cNvSpPr>
+            <a:spLocks noGrp="1"/>
+          </p:cNvSpPr>
+          <p:nvPr>
+            <p:ph type="title"/>
+          </p:nvPr>
+        </p:nvSpPr>
+        <p:spPr>
+          <a:xfrm>
+            <a:off x="686834" y="1153572"/>
+            <a:ext cx="3200400" cy="4461163"/>
+          </a:xfrm>
+        </p:spPr>
+        <p:txBody>
+          <a:bodyPr>
+            <a:normAutofit/>
+          </a:bodyPr>
+          <a:lstStyle/>
+          <a:p>
+            <a:r>
+              <a:rPr lang="en-US" dirty="0">
+                <a:solidFill>
+                  <a:srgbClr val="FFFFFF"/>
+                </a:solidFill>
+              </a:rPr>
+              <a:t>Code with Kids</a:t>
+            </a:r>
+          </a:p>
+        </p:txBody>
+      </p:sp>
+      <p:sp>
+        <p:nvSpPr>
+          <p:cNvPr id="12" name="Arc 11">
+            <a:extLst>
+              <a:ext uri="{FF2B5EF4-FFF2-40B4-BE49-F238E27FC236}">
+                <a16:creationId xmlns:a16="http://schemas.microsoft.com/office/drawing/2014/main" id="{081E4A58-353D-44AE-B2FC-2A74E2E400F7}"/>
               </a:ext>
               <a:ext uri="{C183D7F6-B498-43B3-948B-1728B52AA6E4}">
                 <adec:decorative xmlns:adec="http://schemas.microsoft.com/office/drawing/2017/decorative" val="1"/>
@@ -6891,78 +7015,49 @@
           </p:nvPr>
         </p:nvSpPr>
         <p:spPr>
-          <a:xfrm>
-            <a:off x="566928" y="0"/>
-            <a:ext cx="11155680" cy="2011680"/>
-          </a:xfrm>
-          <a:prstGeom prst="rect">
+          <a:xfrm flipV="1">
+            <a:off x="7550402" y="2455479"/>
+            <a:ext cx="4083433" cy="4083433"/>
+          </a:xfrm>
+          <a:prstGeom prst="arc">
             <a:avLst/>
           </a:prstGeom>
-          <a:ln w="9525">
-            <a:noFill/>
+          <a:ln w="127000" cap="rnd">
+            <a:solidFill>
+              <a:schemeClr val="accent4"/>
+            </a:solidFill>
+            <a:prstDash val="dash"/>
           </a:ln>
-          <a:effectLst/>
         </p:spPr>
         <p:style>
-          <a:lnRef idx="2">
-            <a:schemeClr val="accent1">
-              <a:shade val="50000"/>
-            </a:schemeClr>
+          <a:lnRef idx="1">
+            <a:schemeClr val="accent1"/>
           </a:lnRef>
-          <a:fillRef idx="1">
+          <a:fillRef idx="0">
             <a:schemeClr val="accent1"/>
           </a:fillRef>
           <a:effectRef idx="0">
             <a:schemeClr val="accent1"/>
           </a:effectRef>
           <a:fontRef idx="minor">
-            <a:schemeClr val="lt1"/>
+            <a:schemeClr val="tx1"/>
           </a:fontRef>
         </p:style>
         <p:txBody>
           <a:bodyPr rtlCol="0" anchor="ctr"/>
           <a:lstStyle/>
           <a:p>
-            <a:pPr marL="0" marR="0" lvl="0" indent="0" algn="ctr" defTabSz="914400" rtl="0" eaLnBrk="1" fontAlgn="auto" latinLnBrk="0" hangingPunct="1">
-              <a:lnSpc>
-                <a:spcPct val="100000"/>
-              </a:lnSpc>
-              <a:spcBef>
-                <a:spcPts val="0"/>
-              </a:spcBef>
-              <a:spcAft>
-                <a:spcPts val="0"/>
-              </a:spcAft>
-              <a:buClrTx/>
-              <a:buSzTx/>
-              <a:buFontTx/>
-              <a:buNone/>
-              <a:tabLst/>
-              <a:defRPr/>
-            </a:pPr>
-            <a:endParaRPr kumimoji="0" lang="en-US" sz="1800" b="0" i="0" u="none" strike="noStrike" kern="1200" cap="none" spc="0" normalizeH="0" baseline="0" noProof="0">
-              <a:ln>
-                <a:noFill/>
-              </a:ln>
-              <a:solidFill>
-                <a:prstClr val="white"/>
-              </a:solidFill>
-              <a:effectLst/>
-              <a:uLnTx/>
-              <a:uFillTx/>
-              <a:latin typeface="Calibri" panose="020F0502020204030204"/>
-              <a:ea typeface="+mn-ea"/>
-              <a:cs typeface="+mn-cs"/>
-            </a:endParaRPr>
-          </a:p>
-        </p:txBody>
-      </p:sp>
-      <p:sp>
-        <p:nvSpPr>
-          <p:cNvPr id="2" name="Title 1">
+            <a:pPr algn="ctr"/>
+            <a:endParaRPr lang="en-US" dirty="0"/>
+          </a:p>
+        </p:txBody>
+      </p:sp>
+      <p:sp>
+        <p:nvSpPr>
+          <p:cNvPr id="3" name="Content Placeholder 2">
             <a:extLst>
               <a:ext uri="{FF2B5EF4-FFF2-40B4-BE49-F238E27FC236}">
-                <a16:creationId xmlns:a16="http://schemas.microsoft.com/office/drawing/2014/main" id="{82CF4B60-062A-25CD-E448-6C8255EEF9CC}"/>
+                <a16:creationId xmlns:a16="http://schemas.microsoft.com/office/drawing/2014/main" id="{506ECF03-3832-CE61-45EB-6C148D597A92}"/>
               </a:ext>
             </a:extLst>
           </p:cNvPr>
@@ -6970,124 +7065,56 @@
             <a:spLocks noGrp="1"/>
           </p:cNvSpPr>
           <p:nvPr>
-            <p:ph type="title"/>
+            <p:ph idx="1"/>
           </p:nvPr>
         </p:nvSpPr>
         <p:spPr>
           <a:xfrm>
-            <a:off x="1115568" y="548640"/>
-            <a:ext cx="10168128" cy="1179576"/>
-          </a:xfrm>
-        </p:spPr>
-        <p:txBody>
-          <a:bodyPr>
+            <a:off x="4447308" y="591344"/>
+            <a:ext cx="6906491" cy="5585619"/>
+          </a:xfrm>
+        </p:spPr>
+        <p:txBody>
+          <a:bodyPr anchor="ctr">
             <a:normAutofit/>
           </a:bodyPr>
           <a:lstStyle/>
           <a:p>
             <a:r>
-              <a:rPr lang="en-US" sz="4800" dirty="0"/>
-              <a:t>Resources</a:t>
-            </a:r>
-          </a:p>
-        </p:txBody>
-      </p:sp>
-      <p:sp>
-        <p:nvSpPr>
-          <p:cNvPr id="14" name="Rectangle 13">
-            <a:extLst>
-              <a:ext uri="{FF2B5EF4-FFF2-40B4-BE49-F238E27FC236}">
-                <a16:creationId xmlns:a16="http://schemas.microsoft.com/office/drawing/2014/main" id="{074B4F7D-14B2-478B-8BF5-01E4E0C5D263}"/>
-              </a:ext>
-              <a:ext uri="{C183D7F6-B498-43B3-948B-1728B52AA6E4}">
-                <adec:decorative xmlns:adec="http://schemas.microsoft.com/office/drawing/2017/decorative" val="1"/>
-              </a:ext>
-            </a:extLst>
-          </p:cNvPr>
-          <p:cNvSpPr>
-            <a:spLocks noGrp="1" noRot="1" noChangeAspect="1" noMove="1" noResize="1" noEditPoints="1" noAdjustHandles="1" noChangeArrowheads="1" noChangeShapeType="1" noTextEdit="1"/>
-          </p:cNvSpPr>
-          <p:nvPr>
-            <p:extLst>
-              <p:ext uri="{386F3935-93C4-4BCD-93E2-E3B085C9AB24}">
-                <p16:designElem xmlns:p16="http://schemas.microsoft.com/office/powerpoint/2015/main" val="1"/>
-              </p:ext>
-            </p:extLst>
-          </p:nvPr>
-        </p:nvSpPr>
-        <p:spPr>
-          <a:xfrm>
-            <a:off x="498834" y="758952"/>
-            <a:ext cx="128016" cy="704088"/>
-          </a:xfrm>
-          <a:prstGeom prst="rect">
-            <a:avLst/>
-          </a:prstGeom>
-          <a:solidFill>
-            <a:schemeClr val="accent2"/>
-          </a:solidFill>
-          <a:ln>
-            <a:noFill/>
-          </a:ln>
-        </p:spPr>
-        <p:style>
-          <a:lnRef idx="2">
-            <a:schemeClr val="accent1">
-              <a:shade val="50000"/>
-            </a:schemeClr>
-          </a:lnRef>
-          <a:fillRef idx="1">
-            <a:schemeClr val="accent1"/>
-          </a:fillRef>
-          <a:effectRef idx="0">
-            <a:schemeClr val="accent1"/>
-          </a:effectRef>
-          <a:fontRef idx="minor">
-            <a:schemeClr val="lt1"/>
-          </a:fontRef>
-        </p:style>
-        <p:txBody>
-          <a:bodyPr rtlCol="0" anchor="ctr"/>
-          <a:lstStyle/>
-          <a:p>
-            <a:pPr algn="ctr"/>
-            <a:endParaRPr lang="en-US">
-              <a:solidFill>
-                <a:prstClr val="white"/>
-              </a:solidFill>
-              <a:latin typeface="Calibri" panose="020F0502020204030204"/>
-            </a:endParaRPr>
-          </a:p>
-        </p:txBody>
-      </p:sp>
-      <p:sp>
-        <p:nvSpPr>
-          <p:cNvPr id="3" name="Content Placeholder 2">
-            <a:extLst>
-              <a:ext uri="{FF2B5EF4-FFF2-40B4-BE49-F238E27FC236}">
-                <a16:creationId xmlns:a16="http://schemas.microsoft.com/office/drawing/2014/main" id="{E43BD06B-906D-5C9C-E517-52B27F705E94}"/>
-              </a:ext>
-            </a:extLst>
-          </p:cNvPr>
-          <p:cNvSpPr>
-            <a:spLocks noGrp="1"/>
-          </p:cNvSpPr>
-          <p:nvPr>
-            <p:ph idx="1"/>
-          </p:nvPr>
-        </p:nvSpPr>
-        <p:spPr>
-          <a:xfrm>
-            <a:off x="1992884" y="2560320"/>
-            <a:ext cx="8206232" cy="3695020"/>
-          </a:xfrm>
-        </p:spPr>
-        <p:txBody>
-          <a:bodyPr>
-            <a:normAutofit/>
-          </a:bodyPr>
-          <a:lstStyle/>
-          <a:p>
+              <a:rPr lang="en-US" dirty="0"/>
+              <a:t>Typing is a big hurdle.  </a:t>
+            </a:r>
+          </a:p>
+          <a:p>
+            <a:pPr lvl="1"/>
+            <a:r>
+              <a:rPr lang="en-US" dirty="0"/>
+              <a:t>Goal is to have a quick Dev Loop</a:t>
+            </a:r>
+          </a:p>
+          <a:p>
+            <a:r>
+              <a:rPr lang="en-US" dirty="0"/>
+              <a:t>Eventually kids will want more of a challenge</a:t>
+            </a:r>
+          </a:p>
+          <a:p>
+            <a:pPr lvl="1"/>
+            <a:r>
+              <a:rPr lang="en-US" dirty="0"/>
+              <a:t>Example: When ready move from Blockly to a typed language.  </a:t>
+            </a:r>
+          </a:p>
+          <a:p>
+            <a:r>
+              <a:rPr lang="en-US" dirty="0"/>
+              <a:t>Revisit old projects later and make changes with new concepts</a:t>
+            </a:r>
+          </a:p>
+          <a:p>
+            <a:pPr marL="0" indent="0">
+              <a:buNone/>
+            </a:pPr>
             <a:endParaRPr lang="en-US" dirty="0"/>
           </a:p>
         </p:txBody>
@@ -7095,7 +7122,7 @@
     </p:spTree>
     <p:extLst>
       <p:ext uri="{BB962C8B-B14F-4D97-AF65-F5344CB8AC3E}">
-        <p14:creationId xmlns:p14="http://schemas.microsoft.com/office/powerpoint/2010/main" val="2303827976"/>
+        <p14:creationId xmlns:p14="http://schemas.microsoft.com/office/powerpoint/2010/main" val="215714211"/>
       </p:ext>
     </p:extLst>
   </p:cSld>
@@ -7135,7 +7162,7 @@
           <p:cNvPr id="8" name="Rectangle 7">
             <a:extLst>
               <a:ext uri="{FF2B5EF4-FFF2-40B4-BE49-F238E27FC236}">
-                <a16:creationId xmlns:a16="http://schemas.microsoft.com/office/drawing/2014/main" id="{DAF1966E-FD40-4A4A-B61B-C4DF7FA05F06}"/>
+                <a16:creationId xmlns:a16="http://schemas.microsoft.com/office/drawing/2014/main" id="{907EF6B7-1338-4443-8C46-6A318D952DFD}"/>
               </a:ext>
               <a:ext uri="{C183D7F6-B498-43B3-948B-1728B52AA6E4}">
                 <adec:decorative xmlns:adec="http://schemas.microsoft.com/office/drawing/2017/decorative" val="1"/>
@@ -7155,8 +7182,8 @@
         </p:nvSpPr>
         <p:spPr>
           <a:xfrm>
-            <a:off x="0" y="0"/>
-            <a:ext cx="12192000" cy="6858000"/>
+            <a:off x="3048" y="0"/>
+            <a:ext cx="12188952" cy="6858000"/>
           </a:xfrm>
           <a:prstGeom prst="rect">
             <a:avLst/>
@@ -7190,12 +7217,12 @@
           </a:p>
         </p:txBody>
       </p:sp>
-      <p:sp useBgFill="1">
-        <p:nvSpPr>
-          <p:cNvPr id="10" name="Rectangle 9">
+      <p:sp>
+        <p:nvSpPr>
+          <p:cNvPr id="10" name="Freeform: Shape 9">
             <a:extLst>
               <a:ext uri="{FF2B5EF4-FFF2-40B4-BE49-F238E27FC236}">
-                <a16:creationId xmlns:a16="http://schemas.microsoft.com/office/drawing/2014/main" id="{047BFA19-D45E-416B-A404-7AF2F3F27017}"/>
+                <a16:creationId xmlns:a16="http://schemas.microsoft.com/office/drawing/2014/main" id="{DAAE4CDD-124C-4DCF-9584-B6033B545DD5}"/>
               </a:ext>
               <a:ext uri="{C183D7F6-B498-43B3-948B-1728B52AA6E4}">
                 <adec:decorative xmlns:adec="http://schemas.microsoft.com/office/drawing/2017/decorative" val="1"/>
@@ -7215,25 +7242,89 @@
         </p:nvSpPr>
         <p:spPr>
           <a:xfrm>
-            <a:off x="558209" y="0"/>
-            <a:ext cx="11167447" cy="2018806"/>
-          </a:xfrm>
-          <a:prstGeom prst="rect">
+            <a:off x="1" y="0"/>
+            <a:ext cx="4167271" cy="6858000"/>
+          </a:xfrm>
+          <a:custGeom>
             <a:avLst/>
-          </a:prstGeom>
-          <a:ln w="9525">
-            <a:solidFill>
-              <a:srgbClr val="E1E1E1"/>
-            </a:solidFill>
+            <a:gdLst>
+              <a:gd name="connsiteX0" fmla="*/ 0 w 4167271"/>
+              <a:gd name="connsiteY0" fmla="*/ 0 h 6858000"/>
+              <a:gd name="connsiteX1" fmla="*/ 2259550 w 4167271"/>
+              <a:gd name="connsiteY1" fmla="*/ 0 h 6858000"/>
+              <a:gd name="connsiteX2" fmla="*/ 2387803 w 4167271"/>
+              <a:gd name="connsiteY2" fmla="*/ 82222 h 6858000"/>
+              <a:gd name="connsiteX3" fmla="*/ 4167271 w 4167271"/>
+              <a:gd name="connsiteY3" fmla="*/ 3429000 h 6858000"/>
+              <a:gd name="connsiteX4" fmla="*/ 2387803 w 4167271"/>
+              <a:gd name="connsiteY4" fmla="*/ 6775779 h 6858000"/>
+              <a:gd name="connsiteX5" fmla="*/ 2259550 w 4167271"/>
+              <a:gd name="connsiteY5" fmla="*/ 6858000 h 6858000"/>
+              <a:gd name="connsiteX6" fmla="*/ 0 w 4167271"/>
+              <a:gd name="connsiteY6" fmla="*/ 6858000 h 6858000"/>
+            </a:gdLst>
+            <a:ahLst/>
+            <a:cxnLst>
+              <a:cxn ang="0">
+                <a:pos x="connsiteX0" y="connsiteY0"/>
+              </a:cxn>
+              <a:cxn ang="0">
+                <a:pos x="connsiteX1" y="connsiteY1"/>
+              </a:cxn>
+              <a:cxn ang="0">
+                <a:pos x="connsiteX2" y="connsiteY2"/>
+              </a:cxn>
+              <a:cxn ang="0">
+                <a:pos x="connsiteX3" y="connsiteY3"/>
+              </a:cxn>
+              <a:cxn ang="0">
+                <a:pos x="connsiteX4" y="connsiteY4"/>
+              </a:cxn>
+              <a:cxn ang="0">
+                <a:pos x="connsiteX5" y="connsiteY5"/>
+              </a:cxn>
+              <a:cxn ang="0">
+                <a:pos x="connsiteX6" y="connsiteY6"/>
+              </a:cxn>
+            </a:cxnLst>
+            <a:rect l="l" t="t" r="r" b="b"/>
+            <a:pathLst>
+              <a:path w="4167271" h="6858000">
+                <a:moveTo>
+                  <a:pt x="0" y="0"/>
+                </a:moveTo>
+                <a:lnTo>
+                  <a:pt x="2259550" y="0"/>
+                </a:lnTo>
+                <a:lnTo>
+                  <a:pt x="2387803" y="82222"/>
+                </a:lnTo>
+                <a:cubicBezTo>
+                  <a:pt x="3461407" y="807534"/>
+                  <a:pt x="4167271" y="2035835"/>
+                  <a:pt x="4167271" y="3429000"/>
+                </a:cubicBezTo>
+                <a:cubicBezTo>
+                  <a:pt x="4167271" y="4822165"/>
+                  <a:pt x="3461407" y="6050467"/>
+                  <a:pt x="2387803" y="6775779"/>
+                </a:cubicBezTo>
+                <a:lnTo>
+                  <a:pt x="2259550" y="6858000"/>
+                </a:lnTo>
+                <a:lnTo>
+                  <a:pt x="0" y="6858000"/>
+                </a:lnTo>
+                <a:close/>
+              </a:path>
+            </a:pathLst>
+          </a:custGeom>
+          <a:solidFill>
+            <a:schemeClr val="accent2"/>
+          </a:solidFill>
+          <a:ln>
+            <a:noFill/>
           </a:ln>
-          <a:effectLst>
-            <a:outerShdw blurRad="50800" dist="38100" dir="2700000" algn="tl" rotWithShape="0">
-              <a:schemeClr val="bg1">
-                <a:lumMod val="85000"/>
-                <a:alpha val="50000"/>
-              </a:schemeClr>
-            </a:outerShdw>
-          </a:effectLst>
         </p:spPr>
         <p:style>
           <a:lnRef idx="2">
@@ -7255,46 +7346,56 @@
           <a:bodyPr rtlCol="0" anchor="ctr"/>
           <a:lstStyle/>
           <a:p>
-            <a:pPr marL="0" marR="0" lvl="0" indent="0" algn="ctr" defTabSz="914400" rtl="0" eaLnBrk="1" fontAlgn="auto" latinLnBrk="0" hangingPunct="1">
-              <a:lnSpc>
-                <a:spcPct val="100000"/>
-              </a:lnSpc>
-              <a:spcBef>
-                <a:spcPts val="0"/>
-              </a:spcBef>
-              <a:spcAft>
-                <a:spcPts val="0"/>
-              </a:spcAft>
-              <a:buClrTx/>
-              <a:buSzTx/>
-              <a:buFontTx/>
-              <a:buNone/>
-              <a:tabLst/>
-              <a:defRPr/>
-            </a:pPr>
-            <a:endParaRPr kumimoji="0" lang="en-US" sz="1800" b="0" i="0" u="none" strike="noStrike" kern="1200" cap="none" spc="0" normalizeH="0" baseline="0" noProof="0">
-              <a:ln>
-                <a:noFill/>
-              </a:ln>
-              <a:solidFill>
-                <a:prstClr val="white"/>
-              </a:solidFill>
-              <a:effectLst/>
-              <a:uLnTx/>
-              <a:uFillTx/>
-              <a:latin typeface="Calibri" panose="020F0502020204030204"/>
-              <a:ea typeface="+mn-ea"/>
-              <a:cs typeface="+mn-cs"/>
-            </a:endParaRPr>
-          </a:p>
-        </p:txBody>
-      </p:sp>
-      <p:sp useBgFill="1">
-        <p:nvSpPr>
-          <p:cNvPr id="12" name="Rectangle 11">
+            <a:pPr algn="ctr"/>
+            <a:endParaRPr lang="en-US"/>
+          </a:p>
+        </p:txBody>
+      </p:sp>
+      <p:sp>
+        <p:nvSpPr>
+          <p:cNvPr id="2" name="Title 1">
             <a:extLst>
               <a:ext uri="{FF2B5EF4-FFF2-40B4-BE49-F238E27FC236}">
-                <a16:creationId xmlns:a16="http://schemas.microsoft.com/office/drawing/2014/main" id="{8E0105E7-23DB-4CF2-8258-FF47C7620F6E}"/>
+                <a16:creationId xmlns:a16="http://schemas.microsoft.com/office/drawing/2014/main" id="{604CD088-9924-FDF8-32EA-64AD14C5DE41}"/>
+              </a:ext>
+            </a:extLst>
+          </p:cNvPr>
+          <p:cNvSpPr>
+            <a:spLocks noGrp="1"/>
+          </p:cNvSpPr>
+          <p:nvPr>
+            <p:ph type="title"/>
+          </p:nvPr>
+        </p:nvSpPr>
+        <p:spPr>
+          <a:xfrm>
+            <a:off x="686834" y="1153572"/>
+            <a:ext cx="3200400" cy="4461163"/>
+          </a:xfrm>
+        </p:spPr>
+        <p:txBody>
+          <a:bodyPr>
+            <a:normAutofit/>
+          </a:bodyPr>
+          <a:lstStyle/>
+          <a:p>
+            <a:r>
+              <a:rPr lang="en-US" dirty="0">
+                <a:solidFill>
+                  <a:srgbClr val="FFFFFF"/>
+                </a:solidFill>
+              </a:rPr>
+              <a:t>Code with Kids</a:t>
+            </a:r>
+          </a:p>
+        </p:txBody>
+      </p:sp>
+      <p:sp>
+        <p:nvSpPr>
+          <p:cNvPr id="12" name="Arc 11">
+            <a:extLst>
+              <a:ext uri="{FF2B5EF4-FFF2-40B4-BE49-F238E27FC236}">
+                <a16:creationId xmlns:a16="http://schemas.microsoft.com/office/drawing/2014/main" id="{081E4A58-353D-44AE-B2FC-2A74E2E400F7}"/>
               </a:ext>
               <a:ext uri="{C183D7F6-B498-43B3-948B-1728B52AA6E4}">
                 <adec:decorative xmlns:adec="http://schemas.microsoft.com/office/drawing/2017/decorative" val="1"/>
@@ -7313,78 +7414,49 @@
           </p:nvPr>
         </p:nvSpPr>
         <p:spPr>
-          <a:xfrm>
-            <a:off x="566928" y="0"/>
-            <a:ext cx="11155680" cy="2011680"/>
-          </a:xfrm>
-          <a:prstGeom prst="rect">
+          <a:xfrm flipV="1">
+            <a:off x="7550402" y="2455479"/>
+            <a:ext cx="4083433" cy="4083433"/>
+          </a:xfrm>
+          <a:prstGeom prst="arc">
             <a:avLst/>
           </a:prstGeom>
-          <a:ln w="9525">
-            <a:noFill/>
+          <a:ln w="127000" cap="rnd">
+            <a:solidFill>
+              <a:schemeClr val="accent4"/>
+            </a:solidFill>
+            <a:prstDash val="dash"/>
           </a:ln>
-          <a:effectLst/>
         </p:spPr>
         <p:style>
-          <a:lnRef idx="2">
-            <a:schemeClr val="accent1">
-              <a:shade val="50000"/>
-            </a:schemeClr>
+          <a:lnRef idx="1">
+            <a:schemeClr val="accent1"/>
           </a:lnRef>
-          <a:fillRef idx="1">
+          <a:fillRef idx="0">
             <a:schemeClr val="accent1"/>
           </a:fillRef>
           <a:effectRef idx="0">
             <a:schemeClr val="accent1"/>
           </a:effectRef>
           <a:fontRef idx="minor">
-            <a:schemeClr val="lt1"/>
+            <a:schemeClr val="tx1"/>
           </a:fontRef>
         </p:style>
         <p:txBody>
           <a:bodyPr rtlCol="0" anchor="ctr"/>
           <a:lstStyle/>
           <a:p>
-            <a:pPr marL="0" marR="0" lvl="0" indent="0" algn="ctr" defTabSz="914400" rtl="0" eaLnBrk="1" fontAlgn="auto" latinLnBrk="0" hangingPunct="1">
-              <a:lnSpc>
-                <a:spcPct val="100000"/>
-              </a:lnSpc>
-              <a:spcBef>
-                <a:spcPts val="0"/>
-              </a:spcBef>
-              <a:spcAft>
-                <a:spcPts val="0"/>
-              </a:spcAft>
-              <a:buClrTx/>
-              <a:buSzTx/>
-              <a:buFontTx/>
-              <a:buNone/>
-              <a:tabLst/>
-              <a:defRPr/>
-            </a:pPr>
-            <a:endParaRPr kumimoji="0" lang="en-US" sz="1800" b="0" i="0" u="none" strike="noStrike" kern="1200" cap="none" spc="0" normalizeH="0" baseline="0" noProof="0">
-              <a:ln>
-                <a:noFill/>
-              </a:ln>
-              <a:solidFill>
-                <a:prstClr val="white"/>
-              </a:solidFill>
-              <a:effectLst/>
-              <a:uLnTx/>
-              <a:uFillTx/>
-              <a:latin typeface="Calibri" panose="020F0502020204030204"/>
-              <a:ea typeface="+mn-ea"/>
-              <a:cs typeface="+mn-cs"/>
-            </a:endParaRPr>
-          </a:p>
-        </p:txBody>
-      </p:sp>
-      <p:sp>
-        <p:nvSpPr>
-          <p:cNvPr id="2" name="Title 1">
+            <a:pPr algn="ctr"/>
+            <a:endParaRPr lang="en-US" dirty="0"/>
+          </a:p>
+        </p:txBody>
+      </p:sp>
+      <p:sp>
+        <p:nvSpPr>
+          <p:cNvPr id="3" name="Content Placeholder 2">
             <a:extLst>
               <a:ext uri="{FF2B5EF4-FFF2-40B4-BE49-F238E27FC236}">
-                <a16:creationId xmlns:a16="http://schemas.microsoft.com/office/drawing/2014/main" id="{82CF4B60-062A-25CD-E448-6C8255EEF9CC}"/>
+                <a16:creationId xmlns:a16="http://schemas.microsoft.com/office/drawing/2014/main" id="{506ECF03-3832-CE61-45EB-6C148D597A92}"/>
               </a:ext>
             </a:extLst>
           </p:cNvPr>
@@ -7392,139 +7464,53 @@
             <a:spLocks noGrp="1"/>
           </p:cNvSpPr>
           <p:nvPr>
-            <p:ph type="title"/>
+            <p:ph idx="1"/>
           </p:nvPr>
         </p:nvSpPr>
         <p:spPr>
           <a:xfrm>
-            <a:off x="1115568" y="548640"/>
-            <a:ext cx="10168128" cy="1179576"/>
-          </a:xfrm>
-        </p:spPr>
-        <p:txBody>
-          <a:bodyPr>
+            <a:off x="4447308" y="591344"/>
+            <a:ext cx="6906491" cy="5585619"/>
+          </a:xfrm>
+        </p:spPr>
+        <p:txBody>
+          <a:bodyPr anchor="ctr">
             <a:normAutofit/>
           </a:bodyPr>
           <a:lstStyle/>
           <a:p>
             <a:r>
+              <a:rPr lang="en-US" dirty="0"/>
+              <a:t>As a parent it takes a lot of planning or time to keep kids involved and interested</a:t>
+            </a:r>
+          </a:p>
+          <a:p>
+            <a:pPr lvl="1"/>
+            <a:r>
+              <a:rPr lang="en-US" dirty="0"/>
+              <a:t>Find a coding club</a:t>
+            </a:r>
+          </a:p>
+          <a:p>
+            <a:pPr lvl="1"/>
+            <a:endParaRPr lang="en-US" dirty="0"/>
+          </a:p>
+          <a:p>
+            <a:pPr marL="0" indent="0">
+              <a:buNone/>
+            </a:pPr>
+            <a:r>
+              <a:rPr lang="en-US" dirty="0"/>
+              <a:t>CREATE A</a:t>
+            </a:r>
+          </a:p>
+          <a:p>
+            <a:pPr marL="0" indent="0" algn="ctr">
+              <a:buNone/>
+            </a:pPr>
+            <a:r>
               <a:rPr lang="en-US" sz="4800" dirty="0"/>
-              <a:t>Flowcharts</a:t>
-            </a:r>
-          </a:p>
-        </p:txBody>
-      </p:sp>
-      <p:sp>
-        <p:nvSpPr>
-          <p:cNvPr id="14" name="Rectangle 13">
-            <a:extLst>
-              <a:ext uri="{FF2B5EF4-FFF2-40B4-BE49-F238E27FC236}">
-                <a16:creationId xmlns:a16="http://schemas.microsoft.com/office/drawing/2014/main" id="{074B4F7D-14B2-478B-8BF5-01E4E0C5D263}"/>
-              </a:ext>
-              <a:ext uri="{C183D7F6-B498-43B3-948B-1728B52AA6E4}">
-                <adec:decorative xmlns:adec="http://schemas.microsoft.com/office/drawing/2017/decorative" val="1"/>
-              </a:ext>
-            </a:extLst>
-          </p:cNvPr>
-          <p:cNvSpPr>
-            <a:spLocks noGrp="1" noRot="1" noChangeAspect="1" noMove="1" noResize="1" noEditPoints="1" noAdjustHandles="1" noChangeArrowheads="1" noChangeShapeType="1" noTextEdit="1"/>
-          </p:cNvSpPr>
-          <p:nvPr>
-            <p:extLst>
-              <p:ext uri="{386F3935-93C4-4BCD-93E2-E3B085C9AB24}">
-                <p16:designElem xmlns:p16="http://schemas.microsoft.com/office/powerpoint/2015/main" val="1"/>
-              </p:ext>
-            </p:extLst>
-          </p:nvPr>
-        </p:nvSpPr>
-        <p:spPr>
-          <a:xfrm>
-            <a:off x="498834" y="758952"/>
-            <a:ext cx="128016" cy="704088"/>
-          </a:xfrm>
-          <a:prstGeom prst="rect">
-            <a:avLst/>
-          </a:prstGeom>
-          <a:solidFill>
-            <a:schemeClr val="accent2"/>
-          </a:solidFill>
-          <a:ln>
-            <a:noFill/>
-          </a:ln>
-        </p:spPr>
-        <p:style>
-          <a:lnRef idx="2">
-            <a:schemeClr val="accent1">
-              <a:shade val="50000"/>
-            </a:schemeClr>
-          </a:lnRef>
-          <a:fillRef idx="1">
-            <a:schemeClr val="accent1"/>
-          </a:fillRef>
-          <a:effectRef idx="0">
-            <a:schemeClr val="accent1"/>
-          </a:effectRef>
-          <a:fontRef idx="minor">
-            <a:schemeClr val="lt1"/>
-          </a:fontRef>
-        </p:style>
-        <p:txBody>
-          <a:bodyPr rtlCol="0" anchor="ctr"/>
-          <a:lstStyle/>
-          <a:p>
-            <a:pPr algn="ctr"/>
-            <a:endParaRPr lang="en-US">
-              <a:solidFill>
-                <a:prstClr val="white"/>
-              </a:solidFill>
-              <a:latin typeface="Calibri" panose="020F0502020204030204"/>
-            </a:endParaRPr>
-          </a:p>
-        </p:txBody>
-      </p:sp>
-      <p:sp>
-        <p:nvSpPr>
-          <p:cNvPr id="3" name="Content Placeholder 2">
-            <a:extLst>
-              <a:ext uri="{FF2B5EF4-FFF2-40B4-BE49-F238E27FC236}">
-                <a16:creationId xmlns:a16="http://schemas.microsoft.com/office/drawing/2014/main" id="{E43BD06B-906D-5C9C-E517-52B27F705E94}"/>
-              </a:ext>
-            </a:extLst>
-          </p:cNvPr>
-          <p:cNvSpPr>
-            <a:spLocks noGrp="1"/>
-          </p:cNvSpPr>
-          <p:nvPr>
-            <p:ph idx="1"/>
-          </p:nvPr>
-        </p:nvSpPr>
-        <p:spPr>
-          <a:xfrm>
-            <a:off x="1992884" y="2560320"/>
-            <a:ext cx="8206232" cy="3695020"/>
-          </a:xfrm>
-        </p:spPr>
-        <p:txBody>
-          <a:bodyPr>
-            <a:normAutofit/>
-          </a:bodyPr>
-          <a:lstStyle/>
-          <a:p>
-            <a:r>
-              <a:rPr lang="en-US" dirty="0"/>
-              <a:t>Visually represent a process or workflow in a step-by-step manner.</a:t>
-            </a:r>
-          </a:p>
-          <a:p>
-            <a:r>
-              <a:rPr lang="en-US" dirty="0"/>
-              <a:t>Each step is represented by blocks or ovals and connected b lines or arrows.</a:t>
-            </a:r>
-          </a:p>
-          <a:p>
-            <a:r>
-              <a:rPr lang="en-US" dirty="0"/>
-              <a:t>Can be used to brainstorm and design how you will create your code</a:t>
+              <a:t>POSITIVE EXPERIENCE</a:t>
             </a:r>
           </a:p>
         </p:txBody>
@@ -7532,7 +7518,7 @@
     </p:spTree>
     <p:extLst>
       <p:ext uri="{BB962C8B-B14F-4D97-AF65-F5344CB8AC3E}">
-        <p14:creationId xmlns:p14="http://schemas.microsoft.com/office/powerpoint/2010/main" val="1416219913"/>
+        <p14:creationId xmlns:p14="http://schemas.microsoft.com/office/powerpoint/2010/main" val="3233890974"/>
       </p:ext>
     </p:extLst>
   </p:cSld>
@@ -7580,7 +7566,7 @@
           <a:bodyPr/>
           <a:lstStyle/>
           <a:p>
-            <a:endParaRPr lang="en-US"/>
+            <a:endParaRPr lang="en-US" dirty="0"/>
           </a:p>
         </p:txBody>
       </p:sp>
@@ -7662,7 +7648,7 @@
           <p:cNvPr id="8" name="Rectangle 7">
             <a:extLst>
               <a:ext uri="{FF2B5EF4-FFF2-40B4-BE49-F238E27FC236}">
-                <a16:creationId xmlns:a16="http://schemas.microsoft.com/office/drawing/2014/main" id="{907EF6B7-1338-4443-8C46-6A318D952DFD}"/>
+                <a16:creationId xmlns:a16="http://schemas.microsoft.com/office/drawing/2014/main" id="{DAF1966E-FD40-4A4A-B61B-C4DF7FA05F06}"/>
               </a:ext>
               <a:ext uri="{C183D7F6-B498-43B3-948B-1728B52AA6E4}">
                 <adec:decorative xmlns:adec="http://schemas.microsoft.com/office/drawing/2017/decorative" val="1"/>
@@ -7682,8 +7668,8 @@
         </p:nvSpPr>
         <p:spPr>
           <a:xfrm>
-            <a:off x="3048" y="0"/>
-            <a:ext cx="12188952" cy="6858000"/>
+            <a:off x="0" y="0"/>
+            <a:ext cx="12192000" cy="6858000"/>
           </a:xfrm>
           <a:prstGeom prst="rect">
             <a:avLst/>
@@ -7713,7 +7699,945 @@
           <a:lstStyle/>
           <a:p>
             <a:pPr algn="ctr"/>
-            <a:endParaRPr lang="en-US"/>
+            <a:endParaRPr lang="en-US" dirty="0"/>
+          </a:p>
+        </p:txBody>
+      </p:sp>
+      <p:sp useBgFill="1">
+        <p:nvSpPr>
+          <p:cNvPr id="10" name="Rectangle 9">
+            <a:extLst>
+              <a:ext uri="{FF2B5EF4-FFF2-40B4-BE49-F238E27FC236}">
+                <a16:creationId xmlns:a16="http://schemas.microsoft.com/office/drawing/2014/main" id="{047BFA19-D45E-416B-A404-7AF2F3F27017}"/>
+              </a:ext>
+              <a:ext uri="{C183D7F6-B498-43B3-948B-1728B52AA6E4}">
+                <adec:decorative xmlns:adec="http://schemas.microsoft.com/office/drawing/2017/decorative" val="1"/>
+              </a:ext>
+            </a:extLst>
+          </p:cNvPr>
+          <p:cNvSpPr>
+            <a:spLocks noGrp="1" noRot="1" noChangeAspect="1" noMove="1" noResize="1" noEditPoints="1" noAdjustHandles="1" noChangeArrowheads="1" noChangeShapeType="1" noTextEdit="1"/>
+          </p:cNvSpPr>
+          <p:nvPr>
+            <p:extLst>
+              <p:ext uri="{386F3935-93C4-4BCD-93E2-E3B085C9AB24}">
+                <p16:designElem xmlns:p16="http://schemas.microsoft.com/office/powerpoint/2015/main" val="1"/>
+              </p:ext>
+            </p:extLst>
+          </p:nvPr>
+        </p:nvSpPr>
+        <p:spPr>
+          <a:xfrm>
+            <a:off x="558209" y="0"/>
+            <a:ext cx="11167447" cy="2018806"/>
+          </a:xfrm>
+          <a:prstGeom prst="rect">
+            <a:avLst/>
+          </a:prstGeom>
+          <a:ln w="9525">
+            <a:solidFill>
+              <a:srgbClr val="E1E1E1"/>
+            </a:solidFill>
+          </a:ln>
+          <a:effectLst>
+            <a:outerShdw blurRad="50800" dist="38100" dir="2700000" algn="tl" rotWithShape="0">
+              <a:schemeClr val="bg1">
+                <a:lumMod val="85000"/>
+                <a:alpha val="50000"/>
+              </a:schemeClr>
+            </a:outerShdw>
+          </a:effectLst>
+        </p:spPr>
+        <p:style>
+          <a:lnRef idx="2">
+            <a:schemeClr val="accent1">
+              <a:shade val="50000"/>
+            </a:schemeClr>
+          </a:lnRef>
+          <a:fillRef idx="1">
+            <a:schemeClr val="accent1"/>
+          </a:fillRef>
+          <a:effectRef idx="0">
+            <a:schemeClr val="accent1"/>
+          </a:effectRef>
+          <a:fontRef idx="minor">
+            <a:schemeClr val="lt1"/>
+          </a:fontRef>
+        </p:style>
+        <p:txBody>
+          <a:bodyPr rtlCol="0" anchor="ctr"/>
+          <a:lstStyle/>
+          <a:p>
+            <a:pPr marL="0" marR="0" lvl="0" indent="0" algn="ctr" defTabSz="914400" rtl="0" eaLnBrk="1" fontAlgn="auto" latinLnBrk="0" hangingPunct="1">
+              <a:lnSpc>
+                <a:spcPct val="100000"/>
+              </a:lnSpc>
+              <a:spcBef>
+                <a:spcPts val="0"/>
+              </a:spcBef>
+              <a:spcAft>
+                <a:spcPts val="0"/>
+              </a:spcAft>
+              <a:buClrTx/>
+              <a:buSzTx/>
+              <a:buFontTx/>
+              <a:buNone/>
+              <a:tabLst/>
+              <a:defRPr/>
+            </a:pPr>
+            <a:endParaRPr kumimoji="0" lang="en-US" sz="1800" b="0" i="0" u="none" strike="noStrike" kern="1200" cap="none" spc="0" normalizeH="0" baseline="0" noProof="0" dirty="0">
+              <a:ln>
+                <a:noFill/>
+              </a:ln>
+              <a:solidFill>
+                <a:prstClr val="white"/>
+              </a:solidFill>
+              <a:effectLst/>
+              <a:uLnTx/>
+              <a:uFillTx/>
+              <a:latin typeface="Calibri" panose="020F0502020204030204"/>
+              <a:ea typeface="+mn-ea"/>
+              <a:cs typeface="+mn-cs"/>
+            </a:endParaRPr>
+          </a:p>
+        </p:txBody>
+      </p:sp>
+      <p:sp useBgFill="1">
+        <p:nvSpPr>
+          <p:cNvPr id="12" name="Rectangle 11">
+            <a:extLst>
+              <a:ext uri="{FF2B5EF4-FFF2-40B4-BE49-F238E27FC236}">
+                <a16:creationId xmlns:a16="http://schemas.microsoft.com/office/drawing/2014/main" id="{8E0105E7-23DB-4CF2-8258-FF47C7620F6E}"/>
+              </a:ext>
+              <a:ext uri="{C183D7F6-B498-43B3-948B-1728B52AA6E4}">
+                <adec:decorative xmlns:adec="http://schemas.microsoft.com/office/drawing/2017/decorative" val="1"/>
+              </a:ext>
+            </a:extLst>
+          </p:cNvPr>
+          <p:cNvSpPr>
+            <a:spLocks noGrp="1" noRot="1" noChangeAspect="1" noMove="1" noResize="1" noEditPoints="1" noAdjustHandles="1" noChangeArrowheads="1" noChangeShapeType="1" noTextEdit="1"/>
+          </p:cNvSpPr>
+          <p:nvPr>
+            <p:extLst>
+              <p:ext uri="{386F3935-93C4-4BCD-93E2-E3B085C9AB24}">
+                <p16:designElem xmlns:p16="http://schemas.microsoft.com/office/powerpoint/2015/main" val="1"/>
+              </p:ext>
+            </p:extLst>
+          </p:nvPr>
+        </p:nvSpPr>
+        <p:spPr>
+          <a:xfrm>
+            <a:off x="566928" y="0"/>
+            <a:ext cx="11155680" cy="2011680"/>
+          </a:xfrm>
+          <a:prstGeom prst="rect">
+            <a:avLst/>
+          </a:prstGeom>
+          <a:ln w="9525">
+            <a:noFill/>
+          </a:ln>
+          <a:effectLst/>
+        </p:spPr>
+        <p:style>
+          <a:lnRef idx="2">
+            <a:schemeClr val="accent1">
+              <a:shade val="50000"/>
+            </a:schemeClr>
+          </a:lnRef>
+          <a:fillRef idx="1">
+            <a:schemeClr val="accent1"/>
+          </a:fillRef>
+          <a:effectRef idx="0">
+            <a:schemeClr val="accent1"/>
+          </a:effectRef>
+          <a:fontRef idx="minor">
+            <a:schemeClr val="lt1"/>
+          </a:fontRef>
+        </p:style>
+        <p:txBody>
+          <a:bodyPr rtlCol="0" anchor="ctr"/>
+          <a:lstStyle/>
+          <a:p>
+            <a:pPr marL="0" marR="0" lvl="0" indent="0" algn="ctr" defTabSz="914400" rtl="0" eaLnBrk="1" fontAlgn="auto" latinLnBrk="0" hangingPunct="1">
+              <a:lnSpc>
+                <a:spcPct val="100000"/>
+              </a:lnSpc>
+              <a:spcBef>
+                <a:spcPts val="0"/>
+              </a:spcBef>
+              <a:spcAft>
+                <a:spcPts val="0"/>
+              </a:spcAft>
+              <a:buClrTx/>
+              <a:buSzTx/>
+              <a:buFontTx/>
+              <a:buNone/>
+              <a:tabLst/>
+              <a:defRPr/>
+            </a:pPr>
+            <a:endParaRPr kumimoji="0" lang="en-US" sz="1800" b="0" i="0" u="none" strike="noStrike" kern="1200" cap="none" spc="0" normalizeH="0" baseline="0" noProof="0" dirty="0">
+              <a:ln>
+                <a:noFill/>
+              </a:ln>
+              <a:solidFill>
+                <a:prstClr val="white"/>
+              </a:solidFill>
+              <a:effectLst/>
+              <a:uLnTx/>
+              <a:uFillTx/>
+              <a:latin typeface="Calibri" panose="020F0502020204030204"/>
+              <a:ea typeface="+mn-ea"/>
+              <a:cs typeface="+mn-cs"/>
+            </a:endParaRPr>
+          </a:p>
+        </p:txBody>
+      </p:sp>
+      <p:sp>
+        <p:nvSpPr>
+          <p:cNvPr id="2" name="Title 1">
+            <a:extLst>
+              <a:ext uri="{FF2B5EF4-FFF2-40B4-BE49-F238E27FC236}">
+                <a16:creationId xmlns:a16="http://schemas.microsoft.com/office/drawing/2014/main" id="{82CF4B60-062A-25CD-E448-6C8255EEF9CC}"/>
+              </a:ext>
+            </a:extLst>
+          </p:cNvPr>
+          <p:cNvSpPr>
+            <a:spLocks noGrp="1"/>
+          </p:cNvSpPr>
+          <p:nvPr>
+            <p:ph type="title"/>
+          </p:nvPr>
+        </p:nvSpPr>
+        <p:spPr>
+          <a:xfrm>
+            <a:off x="1115568" y="548640"/>
+            <a:ext cx="10168128" cy="1179576"/>
+          </a:xfrm>
+        </p:spPr>
+        <p:txBody>
+          <a:bodyPr>
+            <a:normAutofit/>
+          </a:bodyPr>
+          <a:lstStyle/>
+          <a:p>
+            <a:r>
+              <a:rPr lang="en-US" sz="4800" dirty="0"/>
+              <a:t>Resources</a:t>
+            </a:r>
+          </a:p>
+        </p:txBody>
+      </p:sp>
+      <p:sp>
+        <p:nvSpPr>
+          <p:cNvPr id="14" name="Rectangle 13">
+            <a:extLst>
+              <a:ext uri="{FF2B5EF4-FFF2-40B4-BE49-F238E27FC236}">
+                <a16:creationId xmlns:a16="http://schemas.microsoft.com/office/drawing/2014/main" id="{074B4F7D-14B2-478B-8BF5-01E4E0C5D263}"/>
+              </a:ext>
+              <a:ext uri="{C183D7F6-B498-43B3-948B-1728B52AA6E4}">
+                <adec:decorative xmlns:adec="http://schemas.microsoft.com/office/drawing/2017/decorative" val="1"/>
+              </a:ext>
+            </a:extLst>
+          </p:cNvPr>
+          <p:cNvSpPr>
+            <a:spLocks noGrp="1" noRot="1" noChangeAspect="1" noMove="1" noResize="1" noEditPoints="1" noAdjustHandles="1" noChangeArrowheads="1" noChangeShapeType="1" noTextEdit="1"/>
+          </p:cNvSpPr>
+          <p:nvPr>
+            <p:extLst>
+              <p:ext uri="{386F3935-93C4-4BCD-93E2-E3B085C9AB24}">
+                <p16:designElem xmlns:p16="http://schemas.microsoft.com/office/powerpoint/2015/main" val="1"/>
+              </p:ext>
+            </p:extLst>
+          </p:nvPr>
+        </p:nvSpPr>
+        <p:spPr>
+          <a:xfrm>
+            <a:off x="498834" y="758952"/>
+            <a:ext cx="128016" cy="704088"/>
+          </a:xfrm>
+          <a:prstGeom prst="rect">
+            <a:avLst/>
+          </a:prstGeom>
+          <a:solidFill>
+            <a:schemeClr val="accent2"/>
+          </a:solidFill>
+          <a:ln>
+            <a:noFill/>
+          </a:ln>
+        </p:spPr>
+        <p:style>
+          <a:lnRef idx="2">
+            <a:schemeClr val="accent1">
+              <a:shade val="50000"/>
+            </a:schemeClr>
+          </a:lnRef>
+          <a:fillRef idx="1">
+            <a:schemeClr val="accent1"/>
+          </a:fillRef>
+          <a:effectRef idx="0">
+            <a:schemeClr val="accent1"/>
+          </a:effectRef>
+          <a:fontRef idx="minor">
+            <a:schemeClr val="lt1"/>
+          </a:fontRef>
+        </p:style>
+        <p:txBody>
+          <a:bodyPr rtlCol="0" anchor="ctr"/>
+          <a:lstStyle/>
+          <a:p>
+            <a:pPr algn="ctr"/>
+            <a:endParaRPr lang="en-US" dirty="0">
+              <a:solidFill>
+                <a:prstClr val="white"/>
+              </a:solidFill>
+              <a:latin typeface="Calibri" panose="020F0502020204030204"/>
+            </a:endParaRPr>
+          </a:p>
+        </p:txBody>
+      </p:sp>
+      <p:sp>
+        <p:nvSpPr>
+          <p:cNvPr id="3" name="Content Placeholder 2">
+            <a:extLst>
+              <a:ext uri="{FF2B5EF4-FFF2-40B4-BE49-F238E27FC236}">
+                <a16:creationId xmlns:a16="http://schemas.microsoft.com/office/drawing/2014/main" id="{E43BD06B-906D-5C9C-E517-52B27F705E94}"/>
+              </a:ext>
+            </a:extLst>
+          </p:cNvPr>
+          <p:cNvSpPr>
+            <a:spLocks noGrp="1"/>
+          </p:cNvSpPr>
+          <p:nvPr>
+            <p:ph idx="1"/>
+          </p:nvPr>
+        </p:nvSpPr>
+        <p:spPr>
+          <a:xfrm>
+            <a:off x="1992884" y="2560320"/>
+            <a:ext cx="8206232" cy="5669280"/>
+          </a:xfrm>
+        </p:spPr>
+        <p:txBody>
+          <a:bodyPr>
+            <a:normAutofit/>
+          </a:bodyPr>
+          <a:lstStyle/>
+          <a:p>
+            <a:r>
+              <a:rPr lang="en-US" dirty="0"/>
+              <a:t>HourOfCode.com</a:t>
+            </a:r>
+          </a:p>
+          <a:p>
+            <a:r>
+              <a:rPr lang="en-US" dirty="0"/>
+              <a:t>Scratch.com</a:t>
+            </a:r>
+          </a:p>
+          <a:p>
+            <a:r>
+              <a:rPr lang="en-US" dirty="0"/>
+              <a:t>Microsoft </a:t>
+            </a:r>
+            <a:r>
+              <a:rPr lang="en-US" dirty="0" err="1"/>
+              <a:t>MakeCode</a:t>
+            </a:r>
+            <a:endParaRPr lang="en-US" dirty="0"/>
+          </a:p>
+          <a:p>
+            <a:r>
+              <a:rPr lang="en-US" dirty="0"/>
+              <a:t>Minecraft – Education Edition</a:t>
+            </a:r>
+          </a:p>
+          <a:p>
+            <a:r>
+              <a:rPr lang="en-US" dirty="0"/>
+              <a:t>Microsoft Learn</a:t>
+            </a:r>
+          </a:p>
+          <a:p>
+            <a:r>
+              <a:rPr lang="en-US" dirty="0"/>
+              <a:t>FreeCodeCamp.org</a:t>
+            </a:r>
+          </a:p>
+          <a:p>
+            <a:r>
+              <a:rPr lang="en-US" dirty="0"/>
+              <a:t>FlexboxFroggy.com</a:t>
+            </a:r>
+          </a:p>
+          <a:p>
+            <a:r>
+              <a:rPr lang="en-US" dirty="0"/>
+              <a:t>CSSGridGarden.com</a:t>
+            </a:r>
+          </a:p>
+          <a:p>
+            <a:r>
+              <a:rPr lang="en-US" dirty="0"/>
+              <a:t>HackerRank.com</a:t>
+            </a:r>
+          </a:p>
+          <a:p>
+            <a:r>
+              <a:rPr lang="en-US" dirty="0"/>
+              <a:t>YouTube </a:t>
+            </a:r>
+          </a:p>
+          <a:p>
+            <a:pPr lvl="1"/>
+            <a:r>
+              <a:rPr lang="en-US" dirty="0" err="1"/>
+              <a:t>Brackeys</a:t>
+            </a:r>
+            <a:r>
+              <a:rPr lang="en-US" dirty="0"/>
+              <a:t> – Unity</a:t>
+            </a:r>
+          </a:p>
+          <a:p>
+            <a:pPr marL="0" indent="0">
+              <a:buNone/>
+            </a:pPr>
+            <a:endParaRPr lang="en-US" dirty="0"/>
+          </a:p>
+        </p:txBody>
+      </p:sp>
+    </p:spTree>
+    <p:extLst>
+      <p:ext uri="{BB962C8B-B14F-4D97-AF65-F5344CB8AC3E}">
+        <p14:creationId xmlns:p14="http://schemas.microsoft.com/office/powerpoint/2010/main" val="2303827976"/>
+      </p:ext>
+    </p:extLst>
+  </p:cSld>
+  <p:clrMapOvr>
+    <a:masterClrMapping/>
+  </p:clrMapOvr>
+</p:sld>
+</file>
+
+<file path=ppt/slides/slide21.xml><?xml version="1.0" encoding="utf-8"?>
+<p:sld xmlns:a="http://schemas.openxmlformats.org/drawingml/2006/main" xmlns:r="http://schemas.openxmlformats.org/officeDocument/2006/relationships" xmlns:p="http://schemas.openxmlformats.org/presentationml/2006/main">
+  <p:cSld>
+    <p:bg>
+      <p:bgPr>
+        <a:solidFill>
+          <a:schemeClr val="bg1"/>
+        </a:solidFill>
+        <a:effectLst/>
+      </p:bgPr>
+    </p:bg>
+    <p:spTree>
+      <p:nvGrpSpPr>
+        <p:cNvPr id="1" name=""/>
+        <p:cNvGrpSpPr/>
+        <p:nvPr/>
+      </p:nvGrpSpPr>
+      <p:grpSpPr>
+        <a:xfrm>
+          <a:off x="0" y="0"/>
+          <a:ext cx="0" cy="0"/>
+          <a:chOff x="0" y="0"/>
+          <a:chExt cx="0" cy="0"/>
+        </a:xfrm>
+      </p:grpSpPr>
+      <p:sp useBgFill="1">
+        <p:nvSpPr>
+          <p:cNvPr id="8" name="Rectangle 7">
+            <a:extLst>
+              <a:ext uri="{FF2B5EF4-FFF2-40B4-BE49-F238E27FC236}">
+                <a16:creationId xmlns:a16="http://schemas.microsoft.com/office/drawing/2014/main" id="{DAF1966E-FD40-4A4A-B61B-C4DF7FA05F06}"/>
+              </a:ext>
+              <a:ext uri="{C183D7F6-B498-43B3-948B-1728B52AA6E4}">
+                <adec:decorative xmlns:adec="http://schemas.microsoft.com/office/drawing/2017/decorative" val="1"/>
+              </a:ext>
+            </a:extLst>
+          </p:cNvPr>
+          <p:cNvSpPr>
+            <a:spLocks noGrp="1" noRot="1" noChangeAspect="1" noMove="1" noResize="1" noEditPoints="1" noAdjustHandles="1" noChangeArrowheads="1" noChangeShapeType="1" noTextEdit="1"/>
+          </p:cNvSpPr>
+          <p:nvPr>
+            <p:extLst>
+              <p:ext uri="{386F3935-93C4-4BCD-93E2-E3B085C9AB24}">
+                <p16:designElem xmlns:p16="http://schemas.microsoft.com/office/powerpoint/2015/main" val="1"/>
+              </p:ext>
+            </p:extLst>
+          </p:nvPr>
+        </p:nvSpPr>
+        <p:spPr>
+          <a:xfrm>
+            <a:off x="0" y="0"/>
+            <a:ext cx="12192000" cy="6858000"/>
+          </a:xfrm>
+          <a:prstGeom prst="rect">
+            <a:avLst/>
+          </a:prstGeom>
+          <a:ln>
+            <a:noFill/>
+          </a:ln>
+        </p:spPr>
+        <p:style>
+          <a:lnRef idx="2">
+            <a:schemeClr val="accent1">
+              <a:shade val="50000"/>
+            </a:schemeClr>
+          </a:lnRef>
+          <a:fillRef idx="1">
+            <a:schemeClr val="accent1"/>
+          </a:fillRef>
+          <a:effectRef idx="0">
+            <a:schemeClr val="accent1"/>
+          </a:effectRef>
+          <a:fontRef idx="minor">
+            <a:schemeClr val="lt1"/>
+          </a:fontRef>
+        </p:style>
+        <p:txBody>
+          <a:bodyPr rtlCol="0" anchor="ctr"/>
+          <a:lstStyle/>
+          <a:p>
+            <a:pPr algn="ctr"/>
+            <a:endParaRPr lang="en-US" dirty="0"/>
+          </a:p>
+        </p:txBody>
+      </p:sp>
+      <p:sp useBgFill="1">
+        <p:nvSpPr>
+          <p:cNvPr id="10" name="Rectangle 9">
+            <a:extLst>
+              <a:ext uri="{FF2B5EF4-FFF2-40B4-BE49-F238E27FC236}">
+                <a16:creationId xmlns:a16="http://schemas.microsoft.com/office/drawing/2014/main" id="{047BFA19-D45E-416B-A404-7AF2F3F27017}"/>
+              </a:ext>
+              <a:ext uri="{C183D7F6-B498-43B3-948B-1728B52AA6E4}">
+                <adec:decorative xmlns:adec="http://schemas.microsoft.com/office/drawing/2017/decorative" val="1"/>
+              </a:ext>
+            </a:extLst>
+          </p:cNvPr>
+          <p:cNvSpPr>
+            <a:spLocks noGrp="1" noRot="1" noChangeAspect="1" noMove="1" noResize="1" noEditPoints="1" noAdjustHandles="1" noChangeArrowheads="1" noChangeShapeType="1" noTextEdit="1"/>
+          </p:cNvSpPr>
+          <p:nvPr>
+            <p:extLst>
+              <p:ext uri="{386F3935-93C4-4BCD-93E2-E3B085C9AB24}">
+                <p16:designElem xmlns:p16="http://schemas.microsoft.com/office/powerpoint/2015/main" val="1"/>
+              </p:ext>
+            </p:extLst>
+          </p:nvPr>
+        </p:nvSpPr>
+        <p:spPr>
+          <a:xfrm>
+            <a:off x="558209" y="0"/>
+            <a:ext cx="11167447" cy="2018806"/>
+          </a:xfrm>
+          <a:prstGeom prst="rect">
+            <a:avLst/>
+          </a:prstGeom>
+          <a:ln w="9525">
+            <a:solidFill>
+              <a:srgbClr val="E1E1E1"/>
+            </a:solidFill>
+          </a:ln>
+          <a:effectLst>
+            <a:outerShdw blurRad="50800" dist="38100" dir="2700000" algn="tl" rotWithShape="0">
+              <a:schemeClr val="bg1">
+                <a:lumMod val="85000"/>
+                <a:alpha val="50000"/>
+              </a:schemeClr>
+            </a:outerShdw>
+          </a:effectLst>
+        </p:spPr>
+        <p:style>
+          <a:lnRef idx="2">
+            <a:schemeClr val="accent1">
+              <a:shade val="50000"/>
+            </a:schemeClr>
+          </a:lnRef>
+          <a:fillRef idx="1">
+            <a:schemeClr val="accent1"/>
+          </a:fillRef>
+          <a:effectRef idx="0">
+            <a:schemeClr val="accent1"/>
+          </a:effectRef>
+          <a:fontRef idx="minor">
+            <a:schemeClr val="lt1"/>
+          </a:fontRef>
+        </p:style>
+        <p:txBody>
+          <a:bodyPr rtlCol="0" anchor="ctr"/>
+          <a:lstStyle/>
+          <a:p>
+            <a:pPr marL="0" marR="0" lvl="0" indent="0" algn="ctr" defTabSz="914400" rtl="0" eaLnBrk="1" fontAlgn="auto" latinLnBrk="0" hangingPunct="1">
+              <a:lnSpc>
+                <a:spcPct val="100000"/>
+              </a:lnSpc>
+              <a:spcBef>
+                <a:spcPts val="0"/>
+              </a:spcBef>
+              <a:spcAft>
+                <a:spcPts val="0"/>
+              </a:spcAft>
+              <a:buClrTx/>
+              <a:buSzTx/>
+              <a:buFontTx/>
+              <a:buNone/>
+              <a:tabLst/>
+              <a:defRPr/>
+            </a:pPr>
+            <a:endParaRPr kumimoji="0" lang="en-US" sz="1800" b="0" i="0" u="none" strike="noStrike" kern="1200" cap="none" spc="0" normalizeH="0" baseline="0" noProof="0" dirty="0">
+              <a:ln>
+                <a:noFill/>
+              </a:ln>
+              <a:solidFill>
+                <a:prstClr val="white"/>
+              </a:solidFill>
+              <a:effectLst/>
+              <a:uLnTx/>
+              <a:uFillTx/>
+              <a:latin typeface="Calibri" panose="020F0502020204030204"/>
+              <a:ea typeface="+mn-ea"/>
+              <a:cs typeface="+mn-cs"/>
+            </a:endParaRPr>
+          </a:p>
+        </p:txBody>
+      </p:sp>
+      <p:sp useBgFill="1">
+        <p:nvSpPr>
+          <p:cNvPr id="12" name="Rectangle 11">
+            <a:extLst>
+              <a:ext uri="{FF2B5EF4-FFF2-40B4-BE49-F238E27FC236}">
+                <a16:creationId xmlns:a16="http://schemas.microsoft.com/office/drawing/2014/main" id="{8E0105E7-23DB-4CF2-8258-FF47C7620F6E}"/>
+              </a:ext>
+              <a:ext uri="{C183D7F6-B498-43B3-948B-1728B52AA6E4}">
+                <adec:decorative xmlns:adec="http://schemas.microsoft.com/office/drawing/2017/decorative" val="1"/>
+              </a:ext>
+            </a:extLst>
+          </p:cNvPr>
+          <p:cNvSpPr>
+            <a:spLocks noGrp="1" noRot="1" noChangeAspect="1" noMove="1" noResize="1" noEditPoints="1" noAdjustHandles="1" noChangeArrowheads="1" noChangeShapeType="1" noTextEdit="1"/>
+          </p:cNvSpPr>
+          <p:nvPr>
+            <p:extLst>
+              <p:ext uri="{386F3935-93C4-4BCD-93E2-E3B085C9AB24}">
+                <p16:designElem xmlns:p16="http://schemas.microsoft.com/office/powerpoint/2015/main" val="1"/>
+              </p:ext>
+            </p:extLst>
+          </p:nvPr>
+        </p:nvSpPr>
+        <p:spPr>
+          <a:xfrm>
+            <a:off x="566928" y="0"/>
+            <a:ext cx="11155680" cy="2011680"/>
+          </a:xfrm>
+          <a:prstGeom prst="rect">
+            <a:avLst/>
+          </a:prstGeom>
+          <a:ln w="9525">
+            <a:noFill/>
+          </a:ln>
+          <a:effectLst/>
+        </p:spPr>
+        <p:style>
+          <a:lnRef idx="2">
+            <a:schemeClr val="accent1">
+              <a:shade val="50000"/>
+            </a:schemeClr>
+          </a:lnRef>
+          <a:fillRef idx="1">
+            <a:schemeClr val="accent1"/>
+          </a:fillRef>
+          <a:effectRef idx="0">
+            <a:schemeClr val="accent1"/>
+          </a:effectRef>
+          <a:fontRef idx="minor">
+            <a:schemeClr val="lt1"/>
+          </a:fontRef>
+        </p:style>
+        <p:txBody>
+          <a:bodyPr rtlCol="0" anchor="ctr"/>
+          <a:lstStyle/>
+          <a:p>
+            <a:pPr marL="0" marR="0" lvl="0" indent="0" algn="ctr" defTabSz="914400" rtl="0" eaLnBrk="1" fontAlgn="auto" latinLnBrk="0" hangingPunct="1">
+              <a:lnSpc>
+                <a:spcPct val="100000"/>
+              </a:lnSpc>
+              <a:spcBef>
+                <a:spcPts val="0"/>
+              </a:spcBef>
+              <a:spcAft>
+                <a:spcPts val="0"/>
+              </a:spcAft>
+              <a:buClrTx/>
+              <a:buSzTx/>
+              <a:buFontTx/>
+              <a:buNone/>
+              <a:tabLst/>
+              <a:defRPr/>
+            </a:pPr>
+            <a:endParaRPr kumimoji="0" lang="en-US" sz="1800" b="0" i="0" u="none" strike="noStrike" kern="1200" cap="none" spc="0" normalizeH="0" baseline="0" noProof="0" dirty="0">
+              <a:ln>
+                <a:noFill/>
+              </a:ln>
+              <a:solidFill>
+                <a:prstClr val="white"/>
+              </a:solidFill>
+              <a:effectLst/>
+              <a:uLnTx/>
+              <a:uFillTx/>
+              <a:latin typeface="Calibri" panose="020F0502020204030204"/>
+              <a:ea typeface="+mn-ea"/>
+              <a:cs typeface="+mn-cs"/>
+            </a:endParaRPr>
+          </a:p>
+        </p:txBody>
+      </p:sp>
+      <p:sp>
+        <p:nvSpPr>
+          <p:cNvPr id="2" name="Title 1">
+            <a:extLst>
+              <a:ext uri="{FF2B5EF4-FFF2-40B4-BE49-F238E27FC236}">
+                <a16:creationId xmlns:a16="http://schemas.microsoft.com/office/drawing/2014/main" id="{82CF4B60-062A-25CD-E448-6C8255EEF9CC}"/>
+              </a:ext>
+            </a:extLst>
+          </p:cNvPr>
+          <p:cNvSpPr>
+            <a:spLocks noGrp="1"/>
+          </p:cNvSpPr>
+          <p:nvPr>
+            <p:ph type="title"/>
+          </p:nvPr>
+        </p:nvSpPr>
+        <p:spPr>
+          <a:xfrm>
+            <a:off x="1115568" y="548640"/>
+            <a:ext cx="10168128" cy="1179576"/>
+          </a:xfrm>
+        </p:spPr>
+        <p:txBody>
+          <a:bodyPr>
+            <a:normAutofit/>
+          </a:bodyPr>
+          <a:lstStyle/>
+          <a:p>
+            <a:r>
+              <a:rPr lang="en-US" sz="4800" dirty="0"/>
+              <a:t>Flowcharts</a:t>
+            </a:r>
+          </a:p>
+        </p:txBody>
+      </p:sp>
+      <p:sp>
+        <p:nvSpPr>
+          <p:cNvPr id="14" name="Rectangle 13">
+            <a:extLst>
+              <a:ext uri="{FF2B5EF4-FFF2-40B4-BE49-F238E27FC236}">
+                <a16:creationId xmlns:a16="http://schemas.microsoft.com/office/drawing/2014/main" id="{074B4F7D-14B2-478B-8BF5-01E4E0C5D263}"/>
+              </a:ext>
+              <a:ext uri="{C183D7F6-B498-43B3-948B-1728B52AA6E4}">
+                <adec:decorative xmlns:adec="http://schemas.microsoft.com/office/drawing/2017/decorative" val="1"/>
+              </a:ext>
+            </a:extLst>
+          </p:cNvPr>
+          <p:cNvSpPr>
+            <a:spLocks noGrp="1" noRot="1" noChangeAspect="1" noMove="1" noResize="1" noEditPoints="1" noAdjustHandles="1" noChangeArrowheads="1" noChangeShapeType="1" noTextEdit="1"/>
+          </p:cNvSpPr>
+          <p:nvPr>
+            <p:extLst>
+              <p:ext uri="{386F3935-93C4-4BCD-93E2-E3B085C9AB24}">
+                <p16:designElem xmlns:p16="http://schemas.microsoft.com/office/powerpoint/2015/main" val="1"/>
+              </p:ext>
+            </p:extLst>
+          </p:nvPr>
+        </p:nvSpPr>
+        <p:spPr>
+          <a:xfrm>
+            <a:off x="498834" y="758952"/>
+            <a:ext cx="128016" cy="704088"/>
+          </a:xfrm>
+          <a:prstGeom prst="rect">
+            <a:avLst/>
+          </a:prstGeom>
+          <a:solidFill>
+            <a:schemeClr val="accent2"/>
+          </a:solidFill>
+          <a:ln>
+            <a:noFill/>
+          </a:ln>
+        </p:spPr>
+        <p:style>
+          <a:lnRef idx="2">
+            <a:schemeClr val="accent1">
+              <a:shade val="50000"/>
+            </a:schemeClr>
+          </a:lnRef>
+          <a:fillRef idx="1">
+            <a:schemeClr val="accent1"/>
+          </a:fillRef>
+          <a:effectRef idx="0">
+            <a:schemeClr val="accent1"/>
+          </a:effectRef>
+          <a:fontRef idx="minor">
+            <a:schemeClr val="lt1"/>
+          </a:fontRef>
+        </p:style>
+        <p:txBody>
+          <a:bodyPr rtlCol="0" anchor="ctr"/>
+          <a:lstStyle/>
+          <a:p>
+            <a:pPr algn="ctr"/>
+            <a:endParaRPr lang="en-US" dirty="0">
+              <a:solidFill>
+                <a:prstClr val="white"/>
+              </a:solidFill>
+              <a:latin typeface="Calibri" panose="020F0502020204030204"/>
+            </a:endParaRPr>
+          </a:p>
+        </p:txBody>
+      </p:sp>
+      <p:sp>
+        <p:nvSpPr>
+          <p:cNvPr id="3" name="Content Placeholder 2">
+            <a:extLst>
+              <a:ext uri="{FF2B5EF4-FFF2-40B4-BE49-F238E27FC236}">
+                <a16:creationId xmlns:a16="http://schemas.microsoft.com/office/drawing/2014/main" id="{E43BD06B-906D-5C9C-E517-52B27F705E94}"/>
+              </a:ext>
+            </a:extLst>
+          </p:cNvPr>
+          <p:cNvSpPr>
+            <a:spLocks noGrp="1"/>
+          </p:cNvSpPr>
+          <p:nvPr>
+            <p:ph idx="1"/>
+          </p:nvPr>
+        </p:nvSpPr>
+        <p:spPr>
+          <a:xfrm>
+            <a:off x="1992884" y="2560320"/>
+            <a:ext cx="8206232" cy="3695020"/>
+          </a:xfrm>
+        </p:spPr>
+        <p:txBody>
+          <a:bodyPr>
+            <a:normAutofit/>
+          </a:bodyPr>
+          <a:lstStyle/>
+          <a:p>
+            <a:r>
+              <a:rPr lang="en-US" dirty="0"/>
+              <a:t>Visually represent a process or workflow in a step-by-step manner.</a:t>
+            </a:r>
+          </a:p>
+          <a:p>
+            <a:r>
+              <a:rPr lang="en-US" dirty="0"/>
+              <a:t>Each step is represented by blocks or ovals and connected b lines or arrows.</a:t>
+            </a:r>
+          </a:p>
+          <a:p>
+            <a:r>
+              <a:rPr lang="en-US" dirty="0"/>
+              <a:t>Can be used to brainstorm and design how you will create your code</a:t>
+            </a:r>
+          </a:p>
+        </p:txBody>
+      </p:sp>
+    </p:spTree>
+    <p:extLst>
+      <p:ext uri="{BB962C8B-B14F-4D97-AF65-F5344CB8AC3E}">
+        <p14:creationId xmlns:p14="http://schemas.microsoft.com/office/powerpoint/2010/main" val="1416219913"/>
+      </p:ext>
+    </p:extLst>
+  </p:cSld>
+  <p:clrMapOvr>
+    <a:masterClrMapping/>
+  </p:clrMapOvr>
+</p:sld>
+</file>
+
+<file path=ppt/slides/slide22.xml><?xml version="1.0" encoding="utf-8"?>
+<p:sld xmlns:a="http://schemas.openxmlformats.org/drawingml/2006/main" xmlns:r="http://schemas.openxmlformats.org/officeDocument/2006/relationships" xmlns:p="http://schemas.openxmlformats.org/presentationml/2006/main">
+  <p:cSld>
+    <p:bg>
+      <p:bgPr>
+        <a:solidFill>
+          <a:schemeClr val="bg1"/>
+        </a:solidFill>
+        <a:effectLst/>
+      </p:bgPr>
+    </p:bg>
+    <p:spTree>
+      <p:nvGrpSpPr>
+        <p:cNvPr id="1" name=""/>
+        <p:cNvGrpSpPr/>
+        <p:nvPr/>
+      </p:nvGrpSpPr>
+      <p:grpSpPr>
+        <a:xfrm>
+          <a:off x="0" y="0"/>
+          <a:ext cx="0" cy="0"/>
+          <a:chOff x="0" y="0"/>
+          <a:chExt cx="0" cy="0"/>
+        </a:xfrm>
+      </p:grpSpPr>
+      <p:sp useBgFill="1">
+        <p:nvSpPr>
+          <p:cNvPr id="8" name="Rectangle 7">
+            <a:extLst>
+              <a:ext uri="{FF2B5EF4-FFF2-40B4-BE49-F238E27FC236}">
+                <a16:creationId xmlns:a16="http://schemas.microsoft.com/office/drawing/2014/main" id="{907EF6B7-1338-4443-8C46-6A318D952DFD}"/>
+              </a:ext>
+              <a:ext uri="{C183D7F6-B498-43B3-948B-1728B52AA6E4}">
+                <adec:decorative xmlns:adec="http://schemas.microsoft.com/office/drawing/2017/decorative" val="1"/>
+              </a:ext>
+            </a:extLst>
+          </p:cNvPr>
+          <p:cNvSpPr>
+            <a:spLocks noGrp="1" noRot="1" noChangeAspect="1" noMove="1" noResize="1" noEditPoints="1" noAdjustHandles="1" noChangeArrowheads="1" noChangeShapeType="1" noTextEdit="1"/>
+          </p:cNvSpPr>
+          <p:nvPr>
+            <p:extLst>
+              <p:ext uri="{386F3935-93C4-4BCD-93E2-E3B085C9AB24}">
+                <p16:designElem xmlns:p16="http://schemas.microsoft.com/office/powerpoint/2015/main" val="1"/>
+              </p:ext>
+            </p:extLst>
+          </p:nvPr>
+        </p:nvSpPr>
+        <p:spPr>
+          <a:xfrm>
+            <a:off x="3048" y="0"/>
+            <a:ext cx="12188952" cy="6858000"/>
+          </a:xfrm>
+          <a:prstGeom prst="rect">
+            <a:avLst/>
+          </a:prstGeom>
+          <a:ln>
+            <a:noFill/>
+          </a:ln>
+        </p:spPr>
+        <p:style>
+          <a:lnRef idx="2">
+            <a:schemeClr val="accent1">
+              <a:shade val="50000"/>
+            </a:schemeClr>
+          </a:lnRef>
+          <a:fillRef idx="1">
+            <a:schemeClr val="accent1"/>
+          </a:fillRef>
+          <a:effectRef idx="0">
+            <a:schemeClr val="accent1"/>
+          </a:effectRef>
+          <a:fontRef idx="minor">
+            <a:schemeClr val="lt1"/>
+          </a:fontRef>
+        </p:style>
+        <p:txBody>
+          <a:bodyPr rtlCol="0" anchor="ctr"/>
+          <a:lstStyle/>
+          <a:p>
+            <a:pPr algn="ctr"/>
+            <a:endParaRPr lang="en-US" dirty="0"/>
           </a:p>
         </p:txBody>
       </p:sp>
@@ -7847,7 +8771,7 @@
           <a:lstStyle/>
           <a:p>
             <a:pPr algn="ctr"/>
-            <a:endParaRPr lang="en-US"/>
+            <a:endParaRPr lang="en-US" dirty="0"/>
           </a:p>
         </p:txBody>
       </p:sp>
@@ -8080,7 +9004,7 @@
 </p:sld>
 </file>
 
-<file path=ppt/slides/slide21.xml><?xml version="1.0" encoding="utf-8"?>
+<file path=ppt/slides/slide23.xml><?xml version="1.0" encoding="utf-8"?>
 <p:sld xmlns:a="http://schemas.openxmlformats.org/drawingml/2006/main" xmlns:r="http://schemas.openxmlformats.org/officeDocument/2006/relationships" xmlns:p="http://schemas.openxmlformats.org/presentationml/2006/main">
   <p:cSld>
     <p:bg>
@@ -8161,7 +9085,7 @@
           <a:lstStyle/>
           <a:p>
             <a:pPr algn="ctr"/>
-            <a:endParaRPr lang="en-US"/>
+            <a:endParaRPr lang="en-US" dirty="0"/>
           </a:p>
         </p:txBody>
       </p:sp>
@@ -8295,7 +9219,7 @@
           <a:lstStyle/>
           <a:p>
             <a:pPr algn="ctr"/>
-            <a:endParaRPr lang="en-US"/>
+            <a:endParaRPr lang="en-US" dirty="0"/>
           </a:p>
         </p:txBody>
       </p:sp>
@@ -8522,7 +9446,7 @@
 </p:sld>
 </file>
 
-<file path=ppt/slides/slide22.xml><?xml version="1.0" encoding="utf-8"?>
+<file path=ppt/slides/slide24.xml><?xml version="1.0" encoding="utf-8"?>
 <p:sld xmlns:a="http://schemas.openxmlformats.org/drawingml/2006/main" xmlns:r="http://schemas.openxmlformats.org/officeDocument/2006/relationships" xmlns:p="http://schemas.openxmlformats.org/presentationml/2006/main">
   <p:cSld>
     <p:bg>
@@ -8603,7 +9527,7 @@
           <a:lstStyle/>
           <a:p>
             <a:pPr algn="ctr"/>
-            <a:endParaRPr lang="en-US"/>
+            <a:endParaRPr lang="en-US" dirty="0"/>
           </a:p>
         </p:txBody>
       </p:sp>
@@ -8737,7 +9661,7 @@
           <a:lstStyle/>
           <a:p>
             <a:pPr algn="ctr"/>
-            <a:endParaRPr lang="en-US"/>
+            <a:endParaRPr lang="en-US" dirty="0"/>
           </a:p>
         </p:txBody>
       </p:sp>
@@ -8967,7 +9891,7 @@
 </p:sld>
 </file>
 
-<file path=ppt/slides/slide23.xml><?xml version="1.0" encoding="utf-8"?>
+<file path=ppt/slides/slide25.xml><?xml version="1.0" encoding="utf-8"?>
 <p:sld xmlns:a="http://schemas.openxmlformats.org/drawingml/2006/main" xmlns:r="http://schemas.openxmlformats.org/officeDocument/2006/relationships" xmlns:p="http://schemas.openxmlformats.org/presentationml/2006/main">
   <p:cSld>
     <p:bg>
@@ -9048,7 +9972,7 @@
           <a:lstStyle/>
           <a:p>
             <a:pPr algn="ctr"/>
-            <a:endParaRPr lang="en-US"/>
+            <a:endParaRPr lang="en-US" dirty="0"/>
           </a:p>
         </p:txBody>
       </p:sp>
@@ -9182,7 +10106,7 @@
           <a:lstStyle/>
           <a:p>
             <a:pPr algn="ctr"/>
-            <a:endParaRPr lang="en-US"/>
+            <a:endParaRPr lang="en-US" dirty="0"/>
           </a:p>
         </p:txBody>
       </p:sp>
@@ -9412,7 +10336,7 @@
 </p:sld>
 </file>
 
-<file path=ppt/slides/slide24.xml><?xml version="1.0" encoding="utf-8"?>
+<file path=ppt/slides/slide26.xml><?xml version="1.0" encoding="utf-8"?>
 <p:sld xmlns:a="http://schemas.openxmlformats.org/drawingml/2006/main" xmlns:r="http://schemas.openxmlformats.org/officeDocument/2006/relationships" xmlns:p="http://schemas.openxmlformats.org/presentationml/2006/main">
   <p:cSld>
     <p:bg>
@@ -9493,7 +10417,7 @@
           <a:lstStyle/>
           <a:p>
             <a:pPr algn="ctr"/>
-            <a:endParaRPr lang="en-US"/>
+            <a:endParaRPr lang="en-US" dirty="0"/>
           </a:p>
         </p:txBody>
       </p:sp>
@@ -9627,7 +10551,7 @@
           <a:lstStyle/>
           <a:p>
             <a:pPr algn="ctr"/>
-            <a:endParaRPr lang="en-US"/>
+            <a:endParaRPr lang="en-US" dirty="0"/>
           </a:p>
         </p:txBody>
       </p:sp>
@@ -9731,55 +10655,31 @@
           </a:p>
         </p:txBody>
       </p:sp>
-      <p:pic>
-        <p:nvPicPr>
-          <p:cNvPr id="7170" name="Picture 2" descr="See the source image">
+      <p:sp>
+        <p:nvSpPr>
+          <p:cNvPr id="4" name="Content Placeholder 3">
             <a:extLst>
               <a:ext uri="{FF2B5EF4-FFF2-40B4-BE49-F238E27FC236}">
-                <a16:creationId xmlns:a16="http://schemas.microsoft.com/office/drawing/2014/main" id="{9DEEE75D-0272-A548-0CA4-BB78797F4E81}"/>
+                <a16:creationId xmlns:a16="http://schemas.microsoft.com/office/drawing/2014/main" id="{310D8914-4326-2E55-4DF1-4FF84F3BAECA}"/>
               </a:ext>
             </a:extLst>
           </p:cNvPr>
-          <p:cNvPicPr>
-            <a:picLocks noGrp="1" noChangeAspect="1" noChangeArrowheads="1"/>
-          </p:cNvPicPr>
+          <p:cNvSpPr>
+            <a:spLocks noGrp="1"/>
+          </p:cNvSpPr>
           <p:nvPr>
             <p:ph idx="1"/>
           </p:nvPr>
-        </p:nvPicPr>
-        <p:blipFill>
-          <a:blip r:embed="rId2">
-            <a:extLst>
-              <a:ext uri="{28A0092B-C50C-407E-A947-70E740481C1C}">
-                <a14:useLocalDpi xmlns:a14="http://schemas.microsoft.com/office/drawing/2010/main" val="0"/>
-              </a:ext>
-            </a:extLst>
-          </a:blip>
-          <a:srcRect/>
-          <a:stretch>
-            <a:fillRect/>
-          </a:stretch>
-        </p:blipFill>
-        <p:spPr bwMode="auto">
-          <a:xfrm>
-            <a:off x="5981701" y="893676"/>
-            <a:ext cx="2799556" cy="5264237"/>
-          </a:xfrm>
-          <a:prstGeom prst="rect">
-            <a:avLst/>
-          </a:prstGeom>
-          <a:noFill/>
-          <a:extLst>
-            <a:ext uri="{909E8E84-426E-40DD-AFC4-6F175D3DCCD1}">
-              <a14:hiddenFill xmlns:a14="http://schemas.microsoft.com/office/drawing/2010/main">
-                <a:solidFill>
-                  <a:srgbClr val="FFFFFF"/>
-                </a:solidFill>
-              </a14:hiddenFill>
-            </a:ext>
-          </a:extLst>
-        </p:spPr>
-      </p:pic>
+        </p:nvSpPr>
+        <p:spPr/>
+        <p:txBody>
+          <a:bodyPr/>
+          <a:lstStyle/>
+          <a:p>
+            <a:endParaRPr lang="en-US"/>
+          </a:p>
+        </p:txBody>
+      </p:sp>
     </p:spTree>
     <p:extLst>
       <p:ext uri="{BB962C8B-B14F-4D97-AF65-F5344CB8AC3E}">
@@ -9793,7 +10693,7 @@
 </p:sld>
 </file>
 
-<file path=ppt/slides/slide25.xml><?xml version="1.0" encoding="utf-8"?>
+<file path=ppt/slides/slide27.xml><?xml version="1.0" encoding="utf-8"?>
 <p:sld xmlns:a="http://schemas.openxmlformats.org/drawingml/2006/main" xmlns:r="http://schemas.openxmlformats.org/officeDocument/2006/relationships" xmlns:p="http://schemas.openxmlformats.org/presentationml/2006/main">
   <p:cSld>
     <p:bg>
@@ -9874,7 +10774,7 @@
           <a:lstStyle/>
           <a:p>
             <a:pPr algn="ctr"/>
-            <a:endParaRPr lang="en-US"/>
+            <a:endParaRPr lang="en-US" dirty="0"/>
           </a:p>
         </p:txBody>
       </p:sp>
@@ -10008,7 +10908,7 @@
           <a:lstStyle/>
           <a:p>
             <a:pPr algn="ctr"/>
-            <a:endParaRPr lang="en-US"/>
+            <a:endParaRPr lang="en-US" dirty="0"/>
           </a:p>
         </p:txBody>
       </p:sp>
@@ -10174,7 +11074,7 @@
 </p:sld>
 </file>
 
-<file path=ppt/slides/slide26.xml><?xml version="1.0" encoding="utf-8"?>
+<file path=ppt/slides/slide28.xml><?xml version="1.0" encoding="utf-8"?>
 <p:sld xmlns:a="http://schemas.openxmlformats.org/drawingml/2006/main" xmlns:r="http://schemas.openxmlformats.org/officeDocument/2006/relationships" xmlns:p="http://schemas.openxmlformats.org/presentationml/2006/main">
   <p:cSld>
     <p:bg>
@@ -10255,7 +11155,7 @@
           <a:lstStyle/>
           <a:p>
             <a:pPr algn="ctr"/>
-            <a:endParaRPr lang="en-US"/>
+            <a:endParaRPr lang="en-US" dirty="0"/>
           </a:p>
         </p:txBody>
       </p:sp>
@@ -10389,7 +11289,7 @@
           <a:lstStyle/>
           <a:p>
             <a:pPr algn="ctr"/>
-            <a:endParaRPr lang="en-US"/>
+            <a:endParaRPr lang="en-US" dirty="0"/>
           </a:p>
         </p:txBody>
       </p:sp>
@@ -10669,7 +11569,7 @@
           <a:bodyPr/>
           <a:lstStyle/>
           <a:p>
-            <a:endParaRPr lang="en-US"/>
+            <a:endParaRPr lang="en-US" dirty="0"/>
           </a:p>
         </p:txBody>
       </p:sp>
@@ -10802,7 +11702,7 @@
           <a:lstStyle/>
           <a:p>
             <a:pPr algn="ctr"/>
-            <a:endParaRPr lang="en-US"/>
+            <a:endParaRPr lang="en-US" dirty="0"/>
           </a:p>
         </p:txBody>
       </p:sp>
@@ -10936,7 +11836,7 @@
           <a:lstStyle/>
           <a:p>
             <a:pPr algn="ctr"/>
-            <a:endParaRPr lang="en-US"/>
+            <a:endParaRPr lang="en-US" dirty="0"/>
           </a:p>
         </p:txBody>
       </p:sp>
@@ -11215,7 +12115,7 @@
           <a:lstStyle/>
           <a:p>
             <a:pPr algn="ctr"/>
-            <a:endParaRPr lang="en-US"/>
+            <a:endParaRPr lang="en-US" dirty="0"/>
           </a:p>
         </p:txBody>
       </p:sp>
@@ -11301,7 +12201,7 @@
               <a:tabLst/>
               <a:defRPr/>
             </a:pPr>
-            <a:endParaRPr kumimoji="0" lang="en-US" sz="1800" b="0" i="0" u="none" strike="noStrike" kern="1200" cap="none" spc="0" normalizeH="0" baseline="0" noProof="0">
+            <a:endParaRPr kumimoji="0" lang="en-US" sz="1800" b="0" i="0" u="none" strike="noStrike" kern="1200" cap="none" spc="0" normalizeH="0" baseline="0" noProof="0" dirty="0">
               <a:ln>
                 <a:noFill/>
               </a:ln>
@@ -11391,7 +12291,7 @@
               <a:tabLst/>
               <a:defRPr/>
             </a:pPr>
-            <a:endParaRPr kumimoji="0" lang="en-US" sz="1800" b="0" i="0" u="none" strike="noStrike" kern="1200" cap="none" spc="0" normalizeH="0" baseline="0" noProof="0">
+            <a:endParaRPr kumimoji="0" lang="en-US" sz="1800" b="0" i="0" u="none" strike="noStrike" kern="1200" cap="none" spc="0" normalizeH="0" baseline="0" noProof="0" dirty="0">
               <a:ln>
                 <a:noFill/>
               </a:ln>
@@ -11502,7 +12402,7 @@
           <a:lstStyle/>
           <a:p>
             <a:pPr algn="ctr"/>
-            <a:endParaRPr lang="en-US">
+            <a:endParaRPr lang="en-US" dirty="0">
               <a:solidFill>
                 <a:prstClr val="white"/>
               </a:solidFill>
@@ -11728,7 +12628,7 @@
           <a:lstStyle/>
           <a:p>
             <a:pPr algn="ctr"/>
-            <a:endParaRPr lang="en-US"/>
+            <a:endParaRPr lang="en-US" dirty="0"/>
           </a:p>
         </p:txBody>
       </p:sp>
@@ -11862,7 +12762,7 @@
           <a:lstStyle/>
           <a:p>
             <a:pPr algn="ctr"/>
-            <a:endParaRPr lang="en-US"/>
+            <a:endParaRPr lang="en-US" dirty="0"/>
           </a:p>
         </p:txBody>
       </p:sp>
@@ -12089,7 +12989,7 @@
           <a:lstStyle/>
           <a:p>
             <a:pPr algn="ctr"/>
-            <a:endParaRPr lang="en-US"/>
+            <a:endParaRPr lang="en-US" dirty="0"/>
           </a:p>
         </p:txBody>
       </p:sp>
@@ -12223,7 +13123,7 @@
           <a:lstStyle/>
           <a:p>
             <a:pPr algn="ctr"/>
-            <a:endParaRPr lang="en-US"/>
+            <a:endParaRPr lang="en-US" dirty="0"/>
           </a:p>
         </p:txBody>
       </p:sp>
@@ -12470,7 +13370,7 @@
           <a:lstStyle/>
           <a:p>
             <a:pPr algn="ctr"/>
-            <a:endParaRPr lang="en-US"/>
+            <a:endParaRPr lang="en-US" dirty="0"/>
           </a:p>
         </p:txBody>
       </p:sp>
@@ -12604,7 +13504,7 @@
           <a:lstStyle/>
           <a:p>
             <a:pPr algn="ctr"/>
-            <a:endParaRPr lang="en-US"/>
+            <a:endParaRPr lang="en-US" dirty="0"/>
           </a:p>
         </p:txBody>
       </p:sp>

--- a/ThatConference2022.pptx
+++ b/ThatConference2022.pptx
@@ -10655,31 +10655,41 @@
           </a:p>
         </p:txBody>
       </p:sp>
-      <p:sp>
-        <p:nvSpPr>
-          <p:cNvPr id="4" name="Content Placeholder 3">
+      <p:pic>
+        <p:nvPicPr>
+          <p:cNvPr id="6" name="Content Placeholder 5">
             <a:extLst>
               <a:ext uri="{FF2B5EF4-FFF2-40B4-BE49-F238E27FC236}">
-                <a16:creationId xmlns:a16="http://schemas.microsoft.com/office/drawing/2014/main" id="{310D8914-4326-2E55-4DF1-4FF84F3BAECA}"/>
+                <a16:creationId xmlns:a16="http://schemas.microsoft.com/office/drawing/2014/main" id="{3EA4DEAF-F6F9-B3E9-FD0D-B9AD35D138B4}"/>
               </a:ext>
             </a:extLst>
           </p:cNvPr>
-          <p:cNvSpPr>
-            <a:spLocks noGrp="1"/>
-          </p:cNvSpPr>
+          <p:cNvPicPr>
+            <a:picLocks noGrp="1" noChangeAspect="1"/>
+          </p:cNvPicPr>
           <p:nvPr>
             <p:ph idx="1"/>
           </p:nvPr>
-        </p:nvSpPr>
-        <p:spPr/>
-        <p:txBody>
-          <a:bodyPr/>
-          <a:lstStyle/>
-          <a:p>
-            <a:endParaRPr lang="en-US"/>
-          </a:p>
-        </p:txBody>
-      </p:sp>
+        </p:nvPicPr>
+        <p:blipFill>
+          <a:blip r:embed="rId2">
+            <a:extLst>
+              <a:ext uri="{28A0092B-C50C-407E-A947-70E740481C1C}">
+                <a14:useLocalDpi xmlns:a14="http://schemas.microsoft.com/office/drawing/2010/main" val="0"/>
+              </a:ext>
+            </a:extLst>
+          </a:blip>
+          <a:stretch>
+            <a:fillRect/>
+          </a:stretch>
+        </p:blipFill>
+        <p:spPr>
+          <a:xfrm>
+            <a:off x="6096000" y="269540"/>
+            <a:ext cx="1344474" cy="5900135"/>
+          </a:xfrm>
+        </p:spPr>
+      </p:pic>
     </p:spTree>
     <p:extLst>
       <p:ext uri="{BB962C8B-B14F-4D97-AF65-F5344CB8AC3E}">
@@ -11014,15 +11024,15 @@
       </p:sp>
       <p:pic>
         <p:nvPicPr>
-          <p:cNvPr id="8194" name="Picture 2" descr="See the source image">
+          <p:cNvPr id="7" name="Content Placeholder 6">
             <a:extLst>
               <a:ext uri="{FF2B5EF4-FFF2-40B4-BE49-F238E27FC236}">
-                <a16:creationId xmlns:a16="http://schemas.microsoft.com/office/drawing/2014/main" id="{D289DB51-3DBE-8951-E175-EC043DF371F5}"/>
+                <a16:creationId xmlns:a16="http://schemas.microsoft.com/office/drawing/2014/main" id="{CF2BCC47-5B97-BCC9-3179-03AA404E4CF9}"/>
               </a:ext>
             </a:extLst>
           </p:cNvPr>
           <p:cNvPicPr>
-            <a:picLocks noGrp="1" noChangeAspect="1" noChangeArrowheads="1"/>
+            <a:picLocks noGrp="1" noChangeAspect="1"/>
           </p:cNvPicPr>
           <p:nvPr>
             <p:ph idx="1"/>
@@ -11036,29 +11046,15 @@
               </a:ext>
             </a:extLst>
           </a:blip>
-          <a:srcRect/>
           <a:stretch>
             <a:fillRect/>
           </a:stretch>
         </p:blipFill>
-        <p:spPr bwMode="auto">
+        <p:spPr>
           <a:xfrm>
-            <a:off x="4571020" y="319088"/>
-            <a:ext cx="5303790" cy="6003597"/>
-          </a:xfrm>
-          <a:prstGeom prst="rect">
-            <a:avLst/>
-          </a:prstGeom>
-          <a:noFill/>
-          <a:extLst>
-            <a:ext uri="{909E8E84-426E-40DD-AFC4-6F175D3DCCD1}">
-              <a14:hiddenFill xmlns:a14="http://schemas.microsoft.com/office/drawing/2010/main">
-                <a:solidFill>
-                  <a:srgbClr val="FFFFFF"/>
-                </a:solidFill>
-              </a14:hiddenFill>
-            </a:ext>
-          </a:extLst>
+            <a:off x="4761358" y="585516"/>
+            <a:ext cx="4087054" cy="5686968"/>
+          </a:xfrm>
         </p:spPr>
       </p:pic>
     </p:spTree>

--- a/ThatConference2022.pptx
+++ b/ThatConference2022.pptx
@@ -33,6 +33,7 @@
     <p:sldId id="281" r:id="rId27"/>
     <p:sldId id="282" r:id="rId28"/>
     <p:sldId id="283" r:id="rId29"/>
+    <p:sldId id="290" r:id="rId30"/>
   </p:sldIdLst>
   <p:sldSz cx="12192000" cy="6858000"/>
   <p:notesSz cx="6858000" cy="9144000"/>
@@ -132,6 +133,43 @@
     </a:lvl9pPr>
   </p:defaultTextStyle>
   <p:extLst>
+    <p:ext uri="{521415D9-36F7-43E2-AB2F-B90AF26B5E84}">
+      <p14:sectionLst xmlns:p14="http://schemas.microsoft.com/office/powerpoint/2010/main">
+        <p14:section name="Default Section" id="{F0AB5F7F-0A37-450E-83E6-E8D1B4BB5FEB}">
+          <p14:sldIdLst>
+            <p14:sldId id="256"/>
+            <p14:sldId id="273"/>
+            <p14:sldId id="274"/>
+            <p14:sldId id="272"/>
+            <p14:sldId id="266"/>
+            <p14:sldId id="263"/>
+            <p14:sldId id="275"/>
+            <p14:sldId id="262"/>
+            <p14:sldId id="264"/>
+            <p14:sldId id="265"/>
+            <p14:sldId id="267"/>
+            <p14:sldId id="268"/>
+            <p14:sldId id="269"/>
+            <p14:sldId id="270"/>
+            <p14:sldId id="271"/>
+            <p14:sldId id="276"/>
+            <p14:sldId id="286"/>
+            <p14:sldId id="288"/>
+            <p14:sldId id="289"/>
+            <p14:sldId id="287"/>
+            <p14:sldId id="285"/>
+            <p14:sldId id="277"/>
+            <p14:sldId id="278"/>
+            <p14:sldId id="279"/>
+            <p14:sldId id="280"/>
+            <p14:sldId id="281"/>
+            <p14:sldId id="282"/>
+            <p14:sldId id="283"/>
+            <p14:sldId id="290"/>
+          </p14:sldIdLst>
+        </p14:section>
+      </p14:sectionLst>
+    </p:ext>
     <p:ext uri="{EFAFB233-063F-42B5-8137-9DF3F51BA10A}">
       <p15:sldGuideLst xmlns:p15="http://schemas.microsoft.com/office/powerpoint/2012/main"/>
     </p:ext>
@@ -304,7 +342,7 @@
           <a:p>
             <a:fld id="{846CE7D5-CF57-46EF-B807-FDD0502418D4}" type="datetimeFigureOut">
               <a:rPr lang="en-US" smtClean="0"/>
-              <a:t>6/24/2022</a:t>
+              <a:t>7/14/2022</a:t>
             </a:fld>
             <a:endParaRPr lang="en-US" dirty="0"/>
           </a:p>
@@ -474,7 +512,7 @@
           <a:p>
             <a:fld id="{846CE7D5-CF57-46EF-B807-FDD0502418D4}" type="datetimeFigureOut">
               <a:rPr lang="en-US" smtClean="0"/>
-              <a:t>6/24/2022</a:t>
+              <a:t>7/14/2022</a:t>
             </a:fld>
             <a:endParaRPr lang="en-US" dirty="0"/>
           </a:p>
@@ -654,7 +692,7 @@
           <a:p>
             <a:fld id="{846CE7D5-CF57-46EF-B807-FDD0502418D4}" type="datetimeFigureOut">
               <a:rPr lang="en-US" smtClean="0"/>
-              <a:t>6/24/2022</a:t>
+              <a:t>7/14/2022</a:t>
             </a:fld>
             <a:endParaRPr lang="en-US" dirty="0"/>
           </a:p>
@@ -824,7 +862,7 @@
           <a:p>
             <a:fld id="{846CE7D5-CF57-46EF-B807-FDD0502418D4}" type="datetimeFigureOut">
               <a:rPr lang="en-US" smtClean="0"/>
-              <a:t>6/24/2022</a:t>
+              <a:t>7/14/2022</a:t>
             </a:fld>
             <a:endParaRPr lang="en-US" dirty="0"/>
           </a:p>
@@ -1070,7 +1108,7 @@
           <a:p>
             <a:fld id="{846CE7D5-CF57-46EF-B807-FDD0502418D4}" type="datetimeFigureOut">
               <a:rPr lang="en-US" smtClean="0"/>
-              <a:t>6/24/2022</a:t>
+              <a:t>7/14/2022</a:t>
             </a:fld>
             <a:endParaRPr lang="en-US" dirty="0"/>
           </a:p>
@@ -1302,7 +1340,7 @@
           <a:p>
             <a:fld id="{846CE7D5-CF57-46EF-B807-FDD0502418D4}" type="datetimeFigureOut">
               <a:rPr lang="en-US" smtClean="0"/>
-              <a:t>6/24/2022</a:t>
+              <a:t>7/14/2022</a:t>
             </a:fld>
             <a:endParaRPr lang="en-US" dirty="0"/>
           </a:p>
@@ -1669,7 +1707,7 @@
           <a:p>
             <a:fld id="{846CE7D5-CF57-46EF-B807-FDD0502418D4}" type="datetimeFigureOut">
               <a:rPr lang="en-US" smtClean="0"/>
-              <a:t>6/24/2022</a:t>
+              <a:t>7/14/2022</a:t>
             </a:fld>
             <a:endParaRPr lang="en-US" dirty="0"/>
           </a:p>
@@ -1787,7 +1825,7 @@
           <a:p>
             <a:fld id="{846CE7D5-CF57-46EF-B807-FDD0502418D4}" type="datetimeFigureOut">
               <a:rPr lang="en-US" smtClean="0"/>
-              <a:t>6/24/2022</a:t>
+              <a:t>7/14/2022</a:t>
             </a:fld>
             <a:endParaRPr lang="en-US" dirty="0"/>
           </a:p>
@@ -1882,7 +1920,7 @@
           <a:p>
             <a:fld id="{846CE7D5-CF57-46EF-B807-FDD0502418D4}" type="datetimeFigureOut">
               <a:rPr lang="en-US" smtClean="0"/>
-              <a:t>6/24/2022</a:t>
+              <a:t>7/14/2022</a:t>
             </a:fld>
             <a:endParaRPr lang="en-US" dirty="0"/>
           </a:p>
@@ -2159,7 +2197,7 @@
           <a:p>
             <a:fld id="{846CE7D5-CF57-46EF-B807-FDD0502418D4}" type="datetimeFigureOut">
               <a:rPr lang="en-US" smtClean="0"/>
-              <a:t>6/24/2022</a:t>
+              <a:t>7/14/2022</a:t>
             </a:fld>
             <a:endParaRPr lang="en-US" dirty="0"/>
           </a:p>
@@ -2415,7 +2453,7 @@
           <a:p>
             <a:fld id="{846CE7D5-CF57-46EF-B807-FDD0502418D4}" type="datetimeFigureOut">
               <a:rPr lang="en-US" smtClean="0"/>
-              <a:t>6/24/2022</a:t>
+              <a:t>7/14/2022</a:t>
             </a:fld>
             <a:endParaRPr lang="en-US" dirty="0"/>
           </a:p>
@@ -2628,7 +2666,7 @@
           <a:p>
             <a:fld id="{846CE7D5-CF57-46EF-B807-FDD0502418D4}" type="datetimeFigureOut">
               <a:rPr lang="en-US" smtClean="0"/>
-              <a:t>6/24/2022</a:t>
+              <a:t>7/14/2022</a:t>
             </a:fld>
             <a:endParaRPr lang="en-US" dirty="0"/>
           </a:p>
@@ -5023,6 +5061,23 @@
               <a:t>Choose your own adventure</a:t>
             </a:r>
           </a:p>
+          <a:p>
+            <a:r>
+              <a:rPr lang="en-US" dirty="0" err="1"/>
+              <a:t>Ellabit</a:t>
+            </a:r>
+            <a:r>
+              <a:rPr lang="en-US" dirty="0"/>
+              <a:t> </a:t>
+            </a:r>
+            <a:r>
+              <a:rPr lang="en-US" dirty="0">
+                <a:hlinkClick r:id="rId2"/>
+              </a:rPr>
+              <a:t>https://kevmoens.github.io/Ellabit</a:t>
+            </a:r>
+            <a:endParaRPr lang="en-US" dirty="0"/>
+          </a:p>
         </p:txBody>
       </p:sp>
     </p:spTree>
@@ -8013,19 +8068,31 @@
         </p:nvSpPr>
         <p:spPr>
           <a:xfrm>
-            <a:off x="1992884" y="2560320"/>
-            <a:ext cx="8206232" cy="5669280"/>
-          </a:xfrm>
-        </p:spPr>
-        <p:txBody>
-          <a:bodyPr>
+            <a:off x="1848089" y="2567446"/>
+            <a:ext cx="8495822" cy="3720532"/>
+          </a:xfrm>
+        </p:spPr>
+        <p:txBody>
+          <a:bodyPr numCol="2">
             <a:normAutofit/>
           </a:bodyPr>
           <a:lstStyle/>
           <a:p>
             <a:r>
               <a:rPr lang="en-US" dirty="0"/>
+              <a:t>FlexboxFroggy.com</a:t>
+            </a:r>
+          </a:p>
+          <a:p>
+            <a:r>
+              <a:rPr lang="en-US" dirty="0"/>
               <a:t>HourOfCode.com</a:t>
+            </a:r>
+          </a:p>
+          <a:p>
+            <a:r>
+              <a:rPr lang="en-US" dirty="0"/>
+              <a:t>Code.org</a:t>
             </a:r>
           </a:p>
           <a:p>
@@ -8061,12 +8128,6 @@
             <a:r>
               <a:rPr lang="en-US" dirty="0"/>
               <a:t>FreeCodeCamp.org</a:t>
-            </a:r>
-          </a:p>
-          <a:p>
-            <a:r>
-              <a:rPr lang="en-US" dirty="0"/>
-              <a:t>FlexboxFroggy.com</a:t>
             </a:r>
           </a:p>
           <a:p>
@@ -11518,6 +11579,452 @@
     <p:extLst>
       <p:ext uri="{BB962C8B-B14F-4D97-AF65-F5344CB8AC3E}">
         <p14:creationId xmlns:p14="http://schemas.microsoft.com/office/powerpoint/2010/main" val="3966870226"/>
+      </p:ext>
+    </p:extLst>
+  </p:cSld>
+  <p:clrMapOvr>
+    <a:masterClrMapping/>
+  </p:clrMapOvr>
+</p:sld>
+</file>
+
+<file path=ppt/slides/slide29.xml><?xml version="1.0" encoding="utf-8"?>
+<p:sld xmlns:a="http://schemas.openxmlformats.org/drawingml/2006/main" xmlns:r="http://schemas.openxmlformats.org/officeDocument/2006/relationships" xmlns:p="http://schemas.openxmlformats.org/presentationml/2006/main">
+  <p:cSld>
+    <p:bg>
+      <p:bgPr>
+        <a:solidFill>
+          <a:schemeClr val="bg1"/>
+        </a:solidFill>
+        <a:effectLst/>
+      </p:bgPr>
+    </p:bg>
+    <p:spTree>
+      <p:nvGrpSpPr>
+        <p:cNvPr id="1" name=""/>
+        <p:cNvGrpSpPr/>
+        <p:nvPr/>
+      </p:nvGrpSpPr>
+      <p:grpSpPr>
+        <a:xfrm>
+          <a:off x="0" y="0"/>
+          <a:ext cx="0" cy="0"/>
+          <a:chOff x="0" y="0"/>
+          <a:chExt cx="0" cy="0"/>
+        </a:xfrm>
+      </p:grpSpPr>
+      <p:sp useBgFill="1">
+        <p:nvSpPr>
+          <p:cNvPr id="8" name="Rectangle 7">
+            <a:extLst>
+              <a:ext uri="{FF2B5EF4-FFF2-40B4-BE49-F238E27FC236}">
+                <a16:creationId xmlns:a16="http://schemas.microsoft.com/office/drawing/2014/main" id="{DAF1966E-FD40-4A4A-B61B-C4DF7FA05F06}"/>
+              </a:ext>
+              <a:ext uri="{C183D7F6-B498-43B3-948B-1728B52AA6E4}">
+                <adec:decorative xmlns:adec="http://schemas.microsoft.com/office/drawing/2017/decorative" val="1"/>
+              </a:ext>
+            </a:extLst>
+          </p:cNvPr>
+          <p:cNvSpPr>
+            <a:spLocks noGrp="1" noRot="1" noChangeAspect="1" noMove="1" noResize="1" noEditPoints="1" noAdjustHandles="1" noChangeArrowheads="1" noChangeShapeType="1" noTextEdit="1"/>
+          </p:cNvSpPr>
+          <p:nvPr>
+            <p:extLst>
+              <p:ext uri="{386F3935-93C4-4BCD-93E2-E3B085C9AB24}">
+                <p16:designElem xmlns:p16="http://schemas.microsoft.com/office/powerpoint/2015/main" val="1"/>
+              </p:ext>
+            </p:extLst>
+          </p:nvPr>
+        </p:nvSpPr>
+        <p:spPr>
+          <a:xfrm>
+            <a:off x="0" y="0"/>
+            <a:ext cx="12192000" cy="6858000"/>
+          </a:xfrm>
+          <a:prstGeom prst="rect">
+            <a:avLst/>
+          </a:prstGeom>
+          <a:ln>
+            <a:noFill/>
+          </a:ln>
+        </p:spPr>
+        <p:style>
+          <a:lnRef idx="2">
+            <a:schemeClr val="accent1">
+              <a:shade val="50000"/>
+            </a:schemeClr>
+          </a:lnRef>
+          <a:fillRef idx="1">
+            <a:schemeClr val="accent1"/>
+          </a:fillRef>
+          <a:effectRef idx="0">
+            <a:schemeClr val="accent1"/>
+          </a:effectRef>
+          <a:fontRef idx="minor">
+            <a:schemeClr val="lt1"/>
+          </a:fontRef>
+        </p:style>
+        <p:txBody>
+          <a:bodyPr rtlCol="0" anchor="ctr"/>
+          <a:lstStyle/>
+          <a:p>
+            <a:pPr algn="ctr"/>
+            <a:endParaRPr lang="en-US" dirty="0"/>
+          </a:p>
+        </p:txBody>
+      </p:sp>
+      <p:sp useBgFill="1">
+        <p:nvSpPr>
+          <p:cNvPr id="10" name="Rectangle 9">
+            <a:extLst>
+              <a:ext uri="{FF2B5EF4-FFF2-40B4-BE49-F238E27FC236}">
+                <a16:creationId xmlns:a16="http://schemas.microsoft.com/office/drawing/2014/main" id="{047BFA19-D45E-416B-A404-7AF2F3F27017}"/>
+              </a:ext>
+              <a:ext uri="{C183D7F6-B498-43B3-948B-1728B52AA6E4}">
+                <adec:decorative xmlns:adec="http://schemas.microsoft.com/office/drawing/2017/decorative" val="1"/>
+              </a:ext>
+            </a:extLst>
+          </p:cNvPr>
+          <p:cNvSpPr>
+            <a:spLocks noGrp="1" noRot="1" noChangeAspect="1" noMove="1" noResize="1" noEditPoints="1" noAdjustHandles="1" noChangeArrowheads="1" noChangeShapeType="1" noTextEdit="1"/>
+          </p:cNvSpPr>
+          <p:nvPr>
+            <p:extLst>
+              <p:ext uri="{386F3935-93C4-4BCD-93E2-E3B085C9AB24}">
+                <p16:designElem xmlns:p16="http://schemas.microsoft.com/office/powerpoint/2015/main" val="1"/>
+              </p:ext>
+            </p:extLst>
+          </p:nvPr>
+        </p:nvSpPr>
+        <p:spPr>
+          <a:xfrm>
+            <a:off x="558209" y="0"/>
+            <a:ext cx="11167447" cy="2018806"/>
+          </a:xfrm>
+          <a:prstGeom prst="rect">
+            <a:avLst/>
+          </a:prstGeom>
+          <a:ln w="9525">
+            <a:solidFill>
+              <a:srgbClr val="E1E1E1"/>
+            </a:solidFill>
+          </a:ln>
+          <a:effectLst>
+            <a:outerShdw blurRad="50800" dist="38100" dir="2700000" algn="tl" rotWithShape="0">
+              <a:schemeClr val="bg1">
+                <a:lumMod val="85000"/>
+                <a:alpha val="50000"/>
+              </a:schemeClr>
+            </a:outerShdw>
+          </a:effectLst>
+        </p:spPr>
+        <p:style>
+          <a:lnRef idx="2">
+            <a:schemeClr val="accent1">
+              <a:shade val="50000"/>
+            </a:schemeClr>
+          </a:lnRef>
+          <a:fillRef idx="1">
+            <a:schemeClr val="accent1"/>
+          </a:fillRef>
+          <a:effectRef idx="0">
+            <a:schemeClr val="accent1"/>
+          </a:effectRef>
+          <a:fontRef idx="minor">
+            <a:schemeClr val="lt1"/>
+          </a:fontRef>
+        </p:style>
+        <p:txBody>
+          <a:bodyPr rtlCol="0" anchor="ctr"/>
+          <a:lstStyle/>
+          <a:p>
+            <a:pPr marL="0" marR="0" lvl="0" indent="0" algn="ctr" defTabSz="914400" rtl="0" eaLnBrk="1" fontAlgn="auto" latinLnBrk="0" hangingPunct="1">
+              <a:lnSpc>
+                <a:spcPct val="100000"/>
+              </a:lnSpc>
+              <a:spcBef>
+                <a:spcPts val="0"/>
+              </a:spcBef>
+              <a:spcAft>
+                <a:spcPts val="0"/>
+              </a:spcAft>
+              <a:buClrTx/>
+              <a:buSzTx/>
+              <a:buFontTx/>
+              <a:buNone/>
+              <a:tabLst/>
+              <a:defRPr/>
+            </a:pPr>
+            <a:endParaRPr kumimoji="0" lang="en-US" sz="1800" b="0" i="0" u="none" strike="noStrike" kern="1200" cap="none" spc="0" normalizeH="0" baseline="0" noProof="0" dirty="0">
+              <a:ln>
+                <a:noFill/>
+              </a:ln>
+              <a:solidFill>
+                <a:prstClr val="white"/>
+              </a:solidFill>
+              <a:effectLst/>
+              <a:uLnTx/>
+              <a:uFillTx/>
+              <a:latin typeface="Calibri" panose="020F0502020204030204"/>
+              <a:ea typeface="+mn-ea"/>
+              <a:cs typeface="+mn-cs"/>
+            </a:endParaRPr>
+          </a:p>
+        </p:txBody>
+      </p:sp>
+      <p:sp useBgFill="1">
+        <p:nvSpPr>
+          <p:cNvPr id="12" name="Rectangle 11">
+            <a:extLst>
+              <a:ext uri="{FF2B5EF4-FFF2-40B4-BE49-F238E27FC236}">
+                <a16:creationId xmlns:a16="http://schemas.microsoft.com/office/drawing/2014/main" id="{8E0105E7-23DB-4CF2-8258-FF47C7620F6E}"/>
+              </a:ext>
+              <a:ext uri="{C183D7F6-B498-43B3-948B-1728B52AA6E4}">
+                <adec:decorative xmlns:adec="http://schemas.microsoft.com/office/drawing/2017/decorative" val="1"/>
+              </a:ext>
+            </a:extLst>
+          </p:cNvPr>
+          <p:cNvSpPr>
+            <a:spLocks noGrp="1" noRot="1" noChangeAspect="1" noMove="1" noResize="1" noEditPoints="1" noAdjustHandles="1" noChangeArrowheads="1" noChangeShapeType="1" noTextEdit="1"/>
+          </p:cNvSpPr>
+          <p:nvPr>
+            <p:extLst>
+              <p:ext uri="{386F3935-93C4-4BCD-93E2-E3B085C9AB24}">
+                <p16:designElem xmlns:p16="http://schemas.microsoft.com/office/powerpoint/2015/main" val="1"/>
+              </p:ext>
+            </p:extLst>
+          </p:nvPr>
+        </p:nvSpPr>
+        <p:spPr>
+          <a:xfrm>
+            <a:off x="566928" y="0"/>
+            <a:ext cx="11155680" cy="2011680"/>
+          </a:xfrm>
+          <a:prstGeom prst="rect">
+            <a:avLst/>
+          </a:prstGeom>
+          <a:ln w="9525">
+            <a:noFill/>
+          </a:ln>
+          <a:effectLst/>
+        </p:spPr>
+        <p:style>
+          <a:lnRef idx="2">
+            <a:schemeClr val="accent1">
+              <a:shade val="50000"/>
+            </a:schemeClr>
+          </a:lnRef>
+          <a:fillRef idx="1">
+            <a:schemeClr val="accent1"/>
+          </a:fillRef>
+          <a:effectRef idx="0">
+            <a:schemeClr val="accent1"/>
+          </a:effectRef>
+          <a:fontRef idx="minor">
+            <a:schemeClr val="lt1"/>
+          </a:fontRef>
+        </p:style>
+        <p:txBody>
+          <a:bodyPr rtlCol="0" anchor="ctr"/>
+          <a:lstStyle/>
+          <a:p>
+            <a:pPr marL="0" marR="0" lvl="0" indent="0" algn="ctr" defTabSz="914400" rtl="0" eaLnBrk="1" fontAlgn="auto" latinLnBrk="0" hangingPunct="1">
+              <a:lnSpc>
+                <a:spcPct val="100000"/>
+              </a:lnSpc>
+              <a:spcBef>
+                <a:spcPts val="0"/>
+              </a:spcBef>
+              <a:spcAft>
+                <a:spcPts val="0"/>
+              </a:spcAft>
+              <a:buClrTx/>
+              <a:buSzTx/>
+              <a:buFontTx/>
+              <a:buNone/>
+              <a:tabLst/>
+              <a:defRPr/>
+            </a:pPr>
+            <a:endParaRPr kumimoji="0" lang="en-US" sz="1800" b="0" i="0" u="none" strike="noStrike" kern="1200" cap="none" spc="0" normalizeH="0" baseline="0" noProof="0" dirty="0">
+              <a:ln>
+                <a:noFill/>
+              </a:ln>
+              <a:solidFill>
+                <a:prstClr val="white"/>
+              </a:solidFill>
+              <a:effectLst/>
+              <a:uLnTx/>
+              <a:uFillTx/>
+              <a:latin typeface="Calibri" panose="020F0502020204030204"/>
+              <a:ea typeface="+mn-ea"/>
+              <a:cs typeface="+mn-cs"/>
+            </a:endParaRPr>
+          </a:p>
+        </p:txBody>
+      </p:sp>
+      <p:sp>
+        <p:nvSpPr>
+          <p:cNvPr id="2" name="Title 1">
+            <a:extLst>
+              <a:ext uri="{FF2B5EF4-FFF2-40B4-BE49-F238E27FC236}">
+                <a16:creationId xmlns:a16="http://schemas.microsoft.com/office/drawing/2014/main" id="{82CF4B60-062A-25CD-E448-6C8255EEF9CC}"/>
+              </a:ext>
+            </a:extLst>
+          </p:cNvPr>
+          <p:cNvSpPr>
+            <a:spLocks noGrp="1"/>
+          </p:cNvSpPr>
+          <p:nvPr>
+            <p:ph type="title"/>
+          </p:nvPr>
+        </p:nvSpPr>
+        <p:spPr>
+          <a:xfrm>
+            <a:off x="1115568" y="548640"/>
+            <a:ext cx="10168128" cy="1179576"/>
+          </a:xfrm>
+        </p:spPr>
+        <p:txBody>
+          <a:bodyPr>
+            <a:normAutofit/>
+          </a:bodyPr>
+          <a:lstStyle/>
+          <a:p>
+            <a:r>
+              <a:rPr lang="en-US" sz="4800" dirty="0"/>
+              <a:t>Thank You</a:t>
+            </a:r>
+          </a:p>
+        </p:txBody>
+      </p:sp>
+      <p:sp>
+        <p:nvSpPr>
+          <p:cNvPr id="14" name="Rectangle 13">
+            <a:extLst>
+              <a:ext uri="{FF2B5EF4-FFF2-40B4-BE49-F238E27FC236}">
+                <a16:creationId xmlns:a16="http://schemas.microsoft.com/office/drawing/2014/main" id="{074B4F7D-14B2-478B-8BF5-01E4E0C5D263}"/>
+              </a:ext>
+              <a:ext uri="{C183D7F6-B498-43B3-948B-1728B52AA6E4}">
+                <adec:decorative xmlns:adec="http://schemas.microsoft.com/office/drawing/2017/decorative" val="1"/>
+              </a:ext>
+            </a:extLst>
+          </p:cNvPr>
+          <p:cNvSpPr>
+            <a:spLocks noGrp="1" noRot="1" noChangeAspect="1" noMove="1" noResize="1" noEditPoints="1" noAdjustHandles="1" noChangeArrowheads="1" noChangeShapeType="1" noTextEdit="1"/>
+          </p:cNvSpPr>
+          <p:nvPr>
+            <p:extLst>
+              <p:ext uri="{386F3935-93C4-4BCD-93E2-E3B085C9AB24}">
+                <p16:designElem xmlns:p16="http://schemas.microsoft.com/office/powerpoint/2015/main" val="1"/>
+              </p:ext>
+            </p:extLst>
+          </p:nvPr>
+        </p:nvSpPr>
+        <p:spPr>
+          <a:xfrm>
+            <a:off x="498834" y="758952"/>
+            <a:ext cx="128016" cy="704088"/>
+          </a:xfrm>
+          <a:prstGeom prst="rect">
+            <a:avLst/>
+          </a:prstGeom>
+          <a:solidFill>
+            <a:schemeClr val="accent2"/>
+          </a:solidFill>
+          <a:ln>
+            <a:noFill/>
+          </a:ln>
+        </p:spPr>
+        <p:style>
+          <a:lnRef idx="2">
+            <a:schemeClr val="accent1">
+              <a:shade val="50000"/>
+            </a:schemeClr>
+          </a:lnRef>
+          <a:fillRef idx="1">
+            <a:schemeClr val="accent1"/>
+          </a:fillRef>
+          <a:effectRef idx="0">
+            <a:schemeClr val="accent1"/>
+          </a:effectRef>
+          <a:fontRef idx="minor">
+            <a:schemeClr val="lt1"/>
+          </a:fontRef>
+        </p:style>
+        <p:txBody>
+          <a:bodyPr rtlCol="0" anchor="ctr"/>
+          <a:lstStyle/>
+          <a:p>
+            <a:pPr algn="ctr"/>
+            <a:endParaRPr lang="en-US" dirty="0">
+              <a:solidFill>
+                <a:prstClr val="white"/>
+              </a:solidFill>
+              <a:latin typeface="Calibri" panose="020F0502020204030204"/>
+            </a:endParaRPr>
+          </a:p>
+        </p:txBody>
+      </p:sp>
+      <p:sp>
+        <p:nvSpPr>
+          <p:cNvPr id="3" name="Content Placeholder 2">
+            <a:extLst>
+              <a:ext uri="{FF2B5EF4-FFF2-40B4-BE49-F238E27FC236}">
+                <a16:creationId xmlns:a16="http://schemas.microsoft.com/office/drawing/2014/main" id="{E43BD06B-906D-5C9C-E517-52B27F705E94}"/>
+              </a:ext>
+            </a:extLst>
+          </p:cNvPr>
+          <p:cNvSpPr>
+            <a:spLocks noGrp="1"/>
+          </p:cNvSpPr>
+          <p:nvPr>
+            <p:ph idx="1"/>
+          </p:nvPr>
+        </p:nvSpPr>
+        <p:spPr>
+          <a:xfrm>
+            <a:off x="1992884" y="2560320"/>
+            <a:ext cx="8206232" cy="3695020"/>
+          </a:xfrm>
+        </p:spPr>
+        <p:txBody>
+          <a:bodyPr>
+            <a:normAutofit/>
+          </a:bodyPr>
+          <a:lstStyle/>
+          <a:p>
+            <a:pPr marL="0" indent="0">
+              <a:buNone/>
+            </a:pPr>
+            <a:r>
+              <a:rPr lang="en-US" dirty="0"/>
+              <a:t>All resources can be found at:</a:t>
+            </a:r>
+          </a:p>
+          <a:p>
+            <a:pPr marL="0" indent="0">
+              <a:buNone/>
+            </a:pPr>
+            <a:r>
+              <a:rPr lang="en-US" dirty="0">
+                <a:hlinkClick r:id="rId2"/>
+              </a:rPr>
+              <a:t>https://github.com/kevmoens/ThatConference2022</a:t>
+            </a:r>
+            <a:endParaRPr lang="en-US" dirty="0"/>
+          </a:p>
+          <a:p>
+            <a:pPr marL="0" indent="0">
+              <a:buNone/>
+            </a:pPr>
+            <a:endParaRPr lang="en-US" dirty="0"/>
+          </a:p>
+        </p:txBody>
+      </p:sp>
+    </p:spTree>
+    <p:extLst>
+      <p:ext uri="{BB962C8B-B14F-4D97-AF65-F5344CB8AC3E}">
+        <p14:creationId xmlns:p14="http://schemas.microsoft.com/office/powerpoint/2010/main" val="1411583589"/>
       </p:ext>
     </p:extLst>
   </p:cSld>

--- a/ThatConference2022.pptx
+++ b/ThatConference2022.pptx
@@ -11,29 +11,33 @@
     <p:sldId id="272" r:id="rId5"/>
     <p:sldId id="266" r:id="rId6"/>
     <p:sldId id="263" r:id="rId7"/>
-    <p:sldId id="275" r:id="rId8"/>
-    <p:sldId id="262" r:id="rId9"/>
+    <p:sldId id="294" r:id="rId8"/>
+    <p:sldId id="293" r:id="rId9"/>
     <p:sldId id="264" r:id="rId10"/>
-    <p:sldId id="265" r:id="rId11"/>
-    <p:sldId id="267" r:id="rId12"/>
-    <p:sldId id="268" r:id="rId13"/>
-    <p:sldId id="269" r:id="rId14"/>
-    <p:sldId id="270" r:id="rId15"/>
-    <p:sldId id="271" r:id="rId16"/>
-    <p:sldId id="276" r:id="rId17"/>
-    <p:sldId id="286" r:id="rId18"/>
-    <p:sldId id="288" r:id="rId19"/>
-    <p:sldId id="289" r:id="rId20"/>
-    <p:sldId id="287" r:id="rId21"/>
-    <p:sldId id="285" r:id="rId22"/>
-    <p:sldId id="277" r:id="rId23"/>
-    <p:sldId id="278" r:id="rId24"/>
-    <p:sldId id="279" r:id="rId25"/>
-    <p:sldId id="280" r:id="rId26"/>
-    <p:sldId id="281" r:id="rId27"/>
-    <p:sldId id="282" r:id="rId28"/>
-    <p:sldId id="283" r:id="rId29"/>
-    <p:sldId id="290" r:id="rId30"/>
+    <p:sldId id="275" r:id="rId11"/>
+    <p:sldId id="262" r:id="rId12"/>
+    <p:sldId id="265" r:id="rId13"/>
+    <p:sldId id="267" r:id="rId14"/>
+    <p:sldId id="291" r:id="rId15"/>
+    <p:sldId id="292" r:id="rId16"/>
+    <p:sldId id="268" r:id="rId17"/>
+    <p:sldId id="269" r:id="rId18"/>
+    <p:sldId id="270" r:id="rId19"/>
+    <p:sldId id="271" r:id="rId20"/>
+    <p:sldId id="276" r:id="rId21"/>
+    <p:sldId id="286" r:id="rId22"/>
+    <p:sldId id="288" r:id="rId23"/>
+    <p:sldId id="289" r:id="rId24"/>
+    <p:sldId id="287" r:id="rId25"/>
+    <p:sldId id="285" r:id="rId26"/>
+    <p:sldId id="277" r:id="rId27"/>
+    <p:sldId id="278" r:id="rId28"/>
+    <p:sldId id="279" r:id="rId29"/>
+    <p:sldId id="280" r:id="rId30"/>
+    <p:sldId id="281" r:id="rId31"/>
+    <p:sldId id="282" r:id="rId32"/>
+    <p:sldId id="283" r:id="rId33"/>
+    <p:sldId id="290" r:id="rId34"/>
   </p:sldIdLst>
   <p:sldSz cx="12192000" cy="6858000"/>
   <p:notesSz cx="6858000" cy="9144000"/>
@@ -143,11 +147,15 @@
             <p14:sldId id="272"/>
             <p14:sldId id="266"/>
             <p14:sldId id="263"/>
+            <p14:sldId id="294"/>
+            <p14:sldId id="293"/>
+            <p14:sldId id="264"/>
             <p14:sldId id="275"/>
             <p14:sldId id="262"/>
-            <p14:sldId id="264"/>
             <p14:sldId id="265"/>
             <p14:sldId id="267"/>
+            <p14:sldId id="291"/>
+            <p14:sldId id="292"/>
             <p14:sldId id="268"/>
             <p14:sldId id="269"/>
             <p14:sldId id="270"/>
@@ -342,7 +350,7 @@
           <a:p>
             <a:fld id="{846CE7D5-CF57-46EF-B807-FDD0502418D4}" type="datetimeFigureOut">
               <a:rPr lang="en-US" smtClean="0"/>
-              <a:t>7/14/2022</a:t>
+              <a:t>7/16/2022</a:t>
             </a:fld>
             <a:endParaRPr lang="en-US" dirty="0"/>
           </a:p>
@@ -512,7 +520,7 @@
           <a:p>
             <a:fld id="{846CE7D5-CF57-46EF-B807-FDD0502418D4}" type="datetimeFigureOut">
               <a:rPr lang="en-US" smtClean="0"/>
-              <a:t>7/14/2022</a:t>
+              <a:t>7/16/2022</a:t>
             </a:fld>
             <a:endParaRPr lang="en-US" dirty="0"/>
           </a:p>
@@ -692,7 +700,7 @@
           <a:p>
             <a:fld id="{846CE7D5-CF57-46EF-B807-FDD0502418D4}" type="datetimeFigureOut">
               <a:rPr lang="en-US" smtClean="0"/>
-              <a:t>7/14/2022</a:t>
+              <a:t>7/16/2022</a:t>
             </a:fld>
             <a:endParaRPr lang="en-US" dirty="0"/>
           </a:p>
@@ -862,7 +870,7 @@
           <a:p>
             <a:fld id="{846CE7D5-CF57-46EF-B807-FDD0502418D4}" type="datetimeFigureOut">
               <a:rPr lang="en-US" smtClean="0"/>
-              <a:t>7/14/2022</a:t>
+              <a:t>7/16/2022</a:t>
             </a:fld>
             <a:endParaRPr lang="en-US" dirty="0"/>
           </a:p>
@@ -1108,7 +1116,7 @@
           <a:p>
             <a:fld id="{846CE7D5-CF57-46EF-B807-FDD0502418D4}" type="datetimeFigureOut">
               <a:rPr lang="en-US" smtClean="0"/>
-              <a:t>7/14/2022</a:t>
+              <a:t>7/16/2022</a:t>
             </a:fld>
             <a:endParaRPr lang="en-US" dirty="0"/>
           </a:p>
@@ -1340,7 +1348,7 @@
           <a:p>
             <a:fld id="{846CE7D5-CF57-46EF-B807-FDD0502418D4}" type="datetimeFigureOut">
               <a:rPr lang="en-US" smtClean="0"/>
-              <a:t>7/14/2022</a:t>
+              <a:t>7/16/2022</a:t>
             </a:fld>
             <a:endParaRPr lang="en-US" dirty="0"/>
           </a:p>
@@ -1707,7 +1715,7 @@
           <a:p>
             <a:fld id="{846CE7D5-CF57-46EF-B807-FDD0502418D4}" type="datetimeFigureOut">
               <a:rPr lang="en-US" smtClean="0"/>
-              <a:t>7/14/2022</a:t>
+              <a:t>7/16/2022</a:t>
             </a:fld>
             <a:endParaRPr lang="en-US" dirty="0"/>
           </a:p>
@@ -1825,7 +1833,7 @@
           <a:p>
             <a:fld id="{846CE7D5-CF57-46EF-B807-FDD0502418D4}" type="datetimeFigureOut">
               <a:rPr lang="en-US" smtClean="0"/>
-              <a:t>7/14/2022</a:t>
+              <a:t>7/16/2022</a:t>
             </a:fld>
             <a:endParaRPr lang="en-US" dirty="0"/>
           </a:p>
@@ -1920,7 +1928,7 @@
           <a:p>
             <a:fld id="{846CE7D5-CF57-46EF-B807-FDD0502418D4}" type="datetimeFigureOut">
               <a:rPr lang="en-US" smtClean="0"/>
-              <a:t>7/14/2022</a:t>
+              <a:t>7/16/2022</a:t>
             </a:fld>
             <a:endParaRPr lang="en-US" dirty="0"/>
           </a:p>
@@ -2197,7 +2205,7 @@
           <a:p>
             <a:fld id="{846CE7D5-CF57-46EF-B807-FDD0502418D4}" type="datetimeFigureOut">
               <a:rPr lang="en-US" smtClean="0"/>
-              <a:t>7/14/2022</a:t>
+              <a:t>7/16/2022</a:t>
             </a:fld>
             <a:endParaRPr lang="en-US" dirty="0"/>
           </a:p>
@@ -2453,7 +2461,7 @@
           <a:p>
             <a:fld id="{846CE7D5-CF57-46EF-B807-FDD0502418D4}" type="datetimeFigureOut">
               <a:rPr lang="en-US" smtClean="0"/>
-              <a:t>7/14/2022</a:t>
+              <a:t>7/16/2022</a:t>
             </a:fld>
             <a:endParaRPr lang="en-US" dirty="0"/>
           </a:p>
@@ -2666,7 +2674,7 @@
           <a:p>
             <a:fld id="{846CE7D5-CF57-46EF-B807-FDD0502418D4}" type="datetimeFigureOut">
               <a:rPr lang="en-US" smtClean="0"/>
-              <a:t>7/14/2022</a:t>
+              <a:t>7/16/2022</a:t>
             </a:fld>
             <a:endParaRPr lang="en-US" dirty="0"/>
           </a:p>
@@ -3480,7 +3488,7 @@
           <a:lstStyle/>
           <a:p>
             <a:pPr algn="ctr"/>
-            <a:endParaRPr lang="en-US"/>
+            <a:endParaRPr lang="en-US" dirty="0"/>
           </a:p>
         </p:txBody>
       </p:sp>
@@ -3614,7 +3622,7 @@
           <a:lstStyle/>
           <a:p>
             <a:pPr algn="ctr"/>
-            <a:endParaRPr lang="en-US"/>
+            <a:endParaRPr lang="en-US" dirty="0"/>
           </a:p>
         </p:txBody>
       </p:sp>
@@ -3636,8 +3644,8 @@
         </p:nvSpPr>
         <p:spPr>
           <a:xfrm>
-            <a:off x="686834" y="1153572"/>
-            <a:ext cx="3200400" cy="4461163"/>
+            <a:off x="0" y="1153572"/>
+            <a:ext cx="3530601" cy="4461163"/>
           </a:xfrm>
         </p:spPr>
         <p:txBody>
@@ -3653,7 +3661,7 @@
                   <a:srgbClr val="FFFFFF"/>
                 </a:solidFill>
               </a:rPr>
-              <a:t>C# Console Apps</a:t>
+              <a:t>Gave the choice of reading or coding before bed</a:t>
             </a:r>
           </a:p>
         </p:txBody>
@@ -3719,68 +3727,58 @@
           </a:p>
         </p:txBody>
       </p:sp>
-      <p:sp>
-        <p:nvSpPr>
-          <p:cNvPr id="3" name="Content Placeholder 2">
-            <a:extLst>
-              <a:ext uri="{FF2B5EF4-FFF2-40B4-BE49-F238E27FC236}">
-                <a16:creationId xmlns:a16="http://schemas.microsoft.com/office/drawing/2014/main" id="{506ECF03-3832-CE61-45EB-6C148D597A92}"/>
-              </a:ext>
-            </a:extLst>
-          </p:cNvPr>
-          <p:cNvSpPr>
-            <a:spLocks noGrp="1"/>
-          </p:cNvSpPr>
+      <p:pic>
+        <p:nvPicPr>
+          <p:cNvPr id="7" name="Content Placeholder 6">
+            <a:extLst>
+              <a:ext uri="{FF2B5EF4-FFF2-40B4-BE49-F238E27FC236}">
+                <a16:creationId xmlns:a16="http://schemas.microsoft.com/office/drawing/2014/main" id="{7EFA6835-1F43-9DCF-A031-566D18CEB8C2}"/>
+              </a:ext>
+            </a:extLst>
+          </p:cNvPr>
+          <p:cNvPicPr>
+            <a:picLocks noGrp="1" noChangeAspect="1"/>
+          </p:cNvPicPr>
           <p:nvPr>
             <p:ph idx="1"/>
           </p:nvPr>
-        </p:nvSpPr>
-        <p:spPr>
-          <a:xfrm>
-            <a:off x="4447308" y="591344"/>
-            <a:ext cx="6906491" cy="5585619"/>
-          </a:xfrm>
-        </p:spPr>
-        <p:txBody>
-          <a:bodyPr anchor="ctr">
-            <a:normAutofit/>
-          </a:bodyPr>
-          <a:lstStyle/>
-          <a:p>
-            <a:r>
-              <a:rPr lang="en-US" dirty="0" err="1"/>
-              <a:t>MadLibs</a:t>
-            </a:r>
-            <a:endParaRPr lang="en-US" dirty="0"/>
-          </a:p>
-          <a:p>
-            <a:r>
-              <a:rPr lang="en-US" dirty="0"/>
-              <a:t>Guess a number</a:t>
-            </a:r>
-          </a:p>
-          <a:p>
-            <a:r>
-              <a:rPr lang="en-US" dirty="0"/>
-              <a:t>Rock Paper Scissors</a:t>
-            </a:r>
-          </a:p>
-          <a:p>
-            <a:r>
-              <a:rPr lang="en-US" dirty="0"/>
-              <a:t>Tic Tac Toe</a:t>
-            </a:r>
-          </a:p>
-          <a:p>
-            <a:pPr lvl="1"/>
-            <a:endParaRPr lang="en-US" dirty="0"/>
-          </a:p>
-        </p:txBody>
-      </p:sp>
+        </p:nvPicPr>
+        <p:blipFill>
+          <a:blip r:embed="rId2" cstate="print">
+            <a:extLst>
+              <a:ext uri="{28A0092B-C50C-407E-A947-70E740481C1C}">
+                <a14:useLocalDpi xmlns:a14="http://schemas.microsoft.com/office/drawing/2010/main" val="0"/>
+              </a:ext>
+            </a:extLst>
+          </a:blip>
+          <a:stretch>
+            <a:fillRect/>
+          </a:stretch>
+        </p:blipFill>
+        <p:spPr bwMode="auto">
+          <a:xfrm rot="5400000">
+            <a:off x="5068888" y="1289844"/>
+            <a:ext cx="5584825" cy="4188618"/>
+          </a:xfrm>
+          <a:prstGeom prst="rect">
+            <a:avLst/>
+          </a:prstGeom>
+          <a:noFill/>
+          <a:extLst>
+            <a:ext uri="{909E8E84-426E-40DD-AFC4-6F175D3DCCD1}">
+              <a14:hiddenFill xmlns:a14="http://schemas.microsoft.com/office/drawing/2010/main">
+                <a:solidFill>
+                  <a:srgbClr val="FFFFFF"/>
+                </a:solidFill>
+              </a14:hiddenFill>
+            </a:ext>
+          </a:extLst>
+        </p:spPr>
+      </p:pic>
     </p:spTree>
     <p:extLst>
       <p:ext uri="{BB962C8B-B14F-4D97-AF65-F5344CB8AC3E}">
-        <p14:creationId xmlns:p14="http://schemas.microsoft.com/office/powerpoint/2010/main" val="1458746974"/>
+        <p14:creationId xmlns:p14="http://schemas.microsoft.com/office/powerpoint/2010/main" val="3548099256"/>
       </p:ext>
     </p:extLst>
   </p:cSld>
@@ -3871,7 +3869,7 @@
           <a:lstStyle/>
           <a:p>
             <a:pPr algn="ctr"/>
-            <a:endParaRPr lang="en-US"/>
+            <a:endParaRPr lang="en-US" dirty="0"/>
           </a:p>
         </p:txBody>
       </p:sp>
@@ -4005,7 +4003,7 @@
           <a:lstStyle/>
           <a:p>
             <a:pPr algn="ctr"/>
-            <a:endParaRPr lang="en-US"/>
+            <a:endParaRPr lang="en-US" dirty="0"/>
           </a:p>
         </p:txBody>
       </p:sp>
@@ -4027,8 +4025,8 @@
         </p:nvSpPr>
         <p:spPr>
           <a:xfrm>
-            <a:off x="686834" y="1153572"/>
-            <a:ext cx="3200400" cy="4461163"/>
+            <a:off x="177800" y="1198418"/>
+            <a:ext cx="3606800" cy="4461163"/>
           </a:xfrm>
         </p:spPr>
         <p:txBody>
@@ -4037,13 +4035,14 @@
           </a:bodyPr>
           <a:lstStyle/>
           <a:p>
+            <a:pPr algn="ctr"/>
             <a:r>
               <a:rPr lang="en-US" dirty="0">
                 <a:solidFill>
                   <a:srgbClr val="FFFFFF"/>
                 </a:solidFill>
               </a:rPr>
-              <a:t>Unity</a:t>
+              <a:t>How we started</a:t>
             </a:r>
           </a:p>
         </p:txBody>
@@ -4127,8 +4126,8 @@
         </p:nvSpPr>
         <p:spPr>
           <a:xfrm>
-            <a:off x="4447308" y="591344"/>
-            <a:ext cx="6906491" cy="5585619"/>
+            <a:off x="4447308" y="965200"/>
+            <a:ext cx="6906491" cy="5211763"/>
           </a:xfrm>
         </p:spPr>
         <p:txBody>
@@ -4139,71 +4138,78 @@
           <a:p>
             <a:r>
               <a:rPr lang="en-US" dirty="0"/>
-              <a:t>YouTube/</a:t>
+              <a:t>Age 6 Scratch and Hour of Code</a:t>
+            </a:r>
+          </a:p>
+          <a:p>
+            <a:r>
+              <a:rPr lang="en-US" dirty="0"/>
+              <a:t>Age 7 Subscription Boxes </a:t>
             </a:r>
             <a:r>
               <a:rPr lang="en-US" dirty="0" err="1"/>
-              <a:t>Brackeys</a:t>
+              <a:t>KiwiCo</a:t>
+            </a:r>
+            <a:r>
+              <a:rPr lang="en-US" dirty="0"/>
+              <a:t>/</a:t>
+            </a:r>
+            <a:r>
+              <a:rPr lang="en-US" dirty="0" err="1"/>
+              <a:t>MakerBlock</a:t>
             </a:r>
             <a:endParaRPr lang="en-US" dirty="0"/>
           </a:p>
           <a:p>
             <a:r>
               <a:rPr lang="en-US" dirty="0"/>
-              <a:t>Cosmic Battle</a:t>
-            </a:r>
-          </a:p>
-          <a:p>
-            <a:pPr lvl="1"/>
-            <a:r>
-              <a:rPr lang="en-US" dirty="0">
-                <a:hlinkClick r:id="rId2"/>
-              </a:rPr>
-              <a:t>https://kevmoens.s3.amazonaws.com/CosmicBattle/index.html</a:t>
+              <a:t>Age 8/9 C# Console Apps</a:t>
+            </a:r>
+          </a:p>
+          <a:p>
+            <a:r>
+              <a:rPr lang="en-US" dirty="0"/>
+              <a:t>Age 9 Unity</a:t>
+            </a:r>
+          </a:p>
+          <a:p>
+            <a:r>
+              <a:rPr lang="en-US" dirty="0"/>
+              <a:t>Age 10+ HTML/Web/</a:t>
+            </a:r>
+            <a:r>
+              <a:rPr lang="en-US" dirty="0" err="1"/>
+              <a:t>Blazor</a:t>
             </a:r>
             <a:endParaRPr lang="en-US" dirty="0"/>
           </a:p>
           <a:p>
             <a:r>
               <a:rPr lang="en-US" dirty="0"/>
-              <a:t>Lego – Unity Tutorial</a:t>
-            </a:r>
-          </a:p>
-          <a:p>
-            <a:pPr lvl="1"/>
-            <a:r>
-              <a:rPr lang="en-US" dirty="0">
-                <a:hlinkClick r:id="rId3"/>
-              </a:rPr>
-              <a:t>https://kevmoens.s3.amazonaws.com/LegoSampleGame/index.html</a:t>
-            </a:r>
-            <a:endParaRPr lang="en-US" dirty="0"/>
-          </a:p>
-          <a:p>
+              <a:t>End Goal  C# </a:t>
+            </a:r>
+            <a:r>
+              <a:rPr lang="en-US" dirty="0" err="1"/>
+              <a:t>Blazor</a:t>
+            </a:r>
             <a:r>
               <a:rPr lang="en-US" dirty="0"/>
-              <a:t>Matt Ramage – Green Bay Packers Podcaster</a:t>
-            </a:r>
-          </a:p>
-          <a:p>
-            <a:pPr lvl="1"/>
-            <a:r>
-              <a:rPr lang="en-US" dirty="0">
-                <a:hlinkClick r:id="rId4"/>
-              </a:rPr>
-              <a:t>Unity WebGL Player | </a:t>
-            </a:r>
-            <a:r>
-              <a:rPr lang="en-US" dirty="0" err="1">
-                <a:hlinkClick r:id="rId4"/>
-              </a:rPr>
-              <a:t>MattRamage</a:t>
-            </a:r>
-            <a:r>
-              <a:rPr lang="en-US" dirty="0">
-                <a:hlinkClick r:id="rId4"/>
-              </a:rPr>
-              <a:t> (kevmoens.s3.amazonaws.com)</a:t>
+              <a:t> Web API</a:t>
+            </a:r>
+          </a:p>
+          <a:p>
+            <a:pPr marL="0" indent="0">
+              <a:buNone/>
+            </a:pPr>
+            <a:endParaRPr lang="en-US" sz="2000" dirty="0"/>
+          </a:p>
+          <a:p>
+            <a:pPr marL="0" indent="0">
+              <a:buNone/>
+            </a:pPr>
+            <a:r>
+              <a:rPr lang="en-US" sz="2000" dirty="0"/>
+              <a:t>10 years old is the optimal time to learn programming.  Yet the earlier the better.</a:t>
             </a:r>
             <a:endParaRPr lang="en-US" dirty="0"/>
           </a:p>
@@ -4212,7 +4218,7 @@
     </p:spTree>
     <p:extLst>
       <p:ext uri="{BB962C8B-B14F-4D97-AF65-F5344CB8AC3E}">
-        <p14:creationId xmlns:p14="http://schemas.microsoft.com/office/powerpoint/2010/main" val="825674288"/>
+        <p14:creationId xmlns:p14="http://schemas.microsoft.com/office/powerpoint/2010/main" val="3799559141"/>
       </p:ext>
     </p:extLst>
   </p:cSld>
@@ -4476,43 +4482,8 @@
                   <a:srgbClr val="FFFFFF"/>
                 </a:solidFill>
               </a:rPr>
-              <a:t>HTML</a:t>
-            </a:r>
-            <a:br>
-              <a:rPr lang="en-US" dirty="0">
-                <a:solidFill>
-                  <a:srgbClr val="FFFFFF"/>
-                </a:solidFill>
-              </a:rPr>
-            </a:br>
-            <a:r>
-              <a:rPr lang="en-US" dirty="0">
-                <a:solidFill>
-                  <a:srgbClr val="FFFFFF"/>
-                </a:solidFill>
-              </a:rPr>
-              <a:t>Web</a:t>
-            </a:r>
-            <a:br>
-              <a:rPr lang="en-US" dirty="0">
-                <a:solidFill>
-                  <a:srgbClr val="FFFFFF"/>
-                </a:solidFill>
-              </a:rPr>
-            </a:br>
-            <a:r>
-              <a:rPr lang="en-US" dirty="0" err="1">
-                <a:solidFill>
-                  <a:srgbClr val="FFFFFF"/>
-                </a:solidFill>
-              </a:rPr>
-              <a:t>Blazor</a:t>
-            </a:r>
-            <a:endParaRPr lang="en-US" dirty="0">
-              <a:solidFill>
-                <a:srgbClr val="FFFFFF"/>
-              </a:solidFill>
-            </a:endParaRPr>
+              <a:t>C# Console Apps</a:t>
+            </a:r>
           </a:p>
         </p:txBody>
       </p:sp>
@@ -4607,39 +4578,30 @@
           <a:p>
             <a:r>
               <a:rPr lang="en-US" dirty="0"/>
-              <a:t>Free Code Camp</a:t>
-            </a:r>
+              <a:t>Guess a number</a:t>
+            </a:r>
+          </a:p>
+          <a:p>
+            <a:r>
+              <a:rPr lang="en-US" dirty="0" err="1"/>
+              <a:t>MadLibs</a:t>
+            </a:r>
+            <a:endParaRPr lang="en-US" dirty="0"/>
           </a:p>
           <a:p>
             <a:r>
               <a:rPr lang="en-US" dirty="0"/>
-              <a:t>Flexbox Froggy</a:t>
+              <a:t>Rock Paper Scissors</a:t>
             </a:r>
           </a:p>
           <a:p>
             <a:r>
               <a:rPr lang="en-US" dirty="0"/>
-              <a:t>Grid Garden</a:t>
-            </a:r>
-          </a:p>
-          <a:p>
-            <a:r>
-              <a:rPr lang="en-US" dirty="0"/>
-              <a:t>Microsoft Learn</a:t>
-            </a:r>
-          </a:p>
-          <a:p>
-            <a:r>
-              <a:rPr lang="en-US" dirty="0"/>
-              <a:t>Tim Corey C# Challenge using GitHub OSS</a:t>
+              <a:t>Tic Tac Toe</a:t>
             </a:r>
           </a:p>
           <a:p>
             <a:pPr lvl="1"/>
-            <a:r>
-              <a:rPr lang="en-US" dirty="0" err="1"/>
-              <a:t>Wuphf</a:t>
-            </a:r>
             <a:endParaRPr lang="en-US" dirty="0"/>
           </a:p>
         </p:txBody>
@@ -4647,7 +4609,7 @@
     </p:spTree>
     <p:extLst>
       <p:ext uri="{BB962C8B-B14F-4D97-AF65-F5344CB8AC3E}">
-        <p14:creationId xmlns:p14="http://schemas.microsoft.com/office/powerpoint/2010/main" val="1325740911"/>
+        <p14:creationId xmlns:p14="http://schemas.microsoft.com/office/powerpoint/2010/main" val="1458746974"/>
       </p:ext>
     </p:extLst>
   </p:cSld>
@@ -4905,18 +4867,13 @@
           <a:lstStyle/>
           <a:p>
             <a:r>
-              <a:rPr lang="en-US" dirty="0" err="1">
+              <a:rPr lang="en-US" dirty="0">
                 <a:solidFill>
                   <a:srgbClr val="FFFFFF"/>
                 </a:solidFill>
               </a:rPr>
-              <a:t>Blazor</a:t>
-            </a:r>
-            <a:endParaRPr lang="en-US" dirty="0">
-              <a:solidFill>
-                <a:srgbClr val="FFFFFF"/>
-              </a:solidFill>
-            </a:endParaRPr>
+              <a:t>Unity</a:t>
+            </a:r>
           </a:p>
         </p:txBody>
       </p:sp>
@@ -4999,7 +4956,7 @@
         </p:nvSpPr>
         <p:spPr>
           <a:xfrm>
-            <a:off x="4447308" y="636190"/>
+            <a:off x="4447308" y="591344"/>
             <a:ext cx="6906491" cy="5585619"/>
           </a:xfrm>
         </p:spPr>
@@ -5009,72 +4966,73 @@
           </a:bodyPr>
           <a:lstStyle/>
           <a:p>
-            <a:pPr marL="0" indent="0" algn="ctr">
-              <a:buNone/>
-            </a:pPr>
-            <a:r>
-              <a:rPr lang="en-US" sz="3200" dirty="0"/>
-              <a:t>Projects</a:t>
+            <a:r>
+              <a:rPr lang="en-US" dirty="0"/>
+              <a:t>YouTube/</a:t>
+            </a:r>
+            <a:r>
+              <a:rPr lang="en-US" dirty="0" err="1"/>
+              <a:t>Brackeys</a:t>
             </a:r>
             <a:endParaRPr lang="en-US" dirty="0"/>
           </a:p>
           <a:p>
             <a:r>
-              <a:rPr lang="en-US" dirty="0" err="1"/>
-              <a:t>Madlibs</a:t>
-            </a:r>
-            <a:endParaRPr lang="en-US" dirty="0"/>
-          </a:p>
-          <a:p>
-            <a:r>
               <a:rPr lang="en-US" dirty="0"/>
-              <a:t>Hangman</a:t>
-            </a:r>
-          </a:p>
-          <a:p>
-            <a:r>
-              <a:rPr lang="en-US" dirty="0"/>
-              <a:t>Jacks are Junk</a:t>
-            </a:r>
-          </a:p>
-          <a:p>
-            <a:r>
-              <a:rPr lang="en-US" dirty="0"/>
-              <a:t>Math Bingo</a:t>
-            </a:r>
-          </a:p>
-          <a:p>
-            <a:r>
-              <a:rPr lang="en-US" dirty="0"/>
-              <a:t>Ella School</a:t>
-            </a:r>
-          </a:p>
-          <a:p>
-            <a:r>
-              <a:rPr lang="en-US" dirty="0"/>
-              <a:t>Binary Puzzle Solver</a:t>
-            </a:r>
-          </a:p>
-          <a:p>
-            <a:r>
-              <a:rPr lang="en-US" dirty="0"/>
-              <a:t>Choose your own adventure</a:t>
-            </a:r>
-          </a:p>
-          <a:p>
-            <a:r>
-              <a:rPr lang="en-US" dirty="0" err="1"/>
-              <a:t>Ellabit</a:t>
-            </a:r>
-            <a:r>
-              <a:rPr lang="en-US" dirty="0"/>
-              <a:t> </a:t>
-            </a:r>
+              <a:t>Cosmic Battle</a:t>
+            </a:r>
+          </a:p>
+          <a:p>
+            <a:pPr lvl="1"/>
             <a:r>
               <a:rPr lang="en-US" dirty="0">
                 <a:hlinkClick r:id="rId2"/>
               </a:rPr>
-              <a:t>https://kevmoens.github.io/Ellabit</a:t>
+              <a:t>https://kevmoens.s3.amazonaws.com/CosmicBattle/index.html</a:t>
+            </a:r>
+            <a:endParaRPr lang="en-US" dirty="0"/>
+          </a:p>
+          <a:p>
+            <a:r>
+              <a:rPr lang="en-US" dirty="0"/>
+              <a:t>Lego – Unity Tutorial</a:t>
+            </a:r>
+          </a:p>
+          <a:p>
+            <a:pPr lvl="1"/>
+            <a:r>
+              <a:rPr lang="en-US" dirty="0">
+                <a:hlinkClick r:id="rId3"/>
+              </a:rPr>
+              <a:t>https://kevmoens.s3.amazonaws.com/LegoSampleGame/index.html</a:t>
+            </a:r>
+            <a:endParaRPr lang="en-US" dirty="0"/>
+          </a:p>
+          <a:p>
+            <a:r>
+              <a:rPr lang="en-US" dirty="0"/>
+              <a:t>Matt Ramage – Green Bay Packers Podcaster</a:t>
+            </a:r>
+          </a:p>
+          <a:p>
+            <a:pPr lvl="1"/>
+            <a:r>
+              <a:rPr lang="en-US" dirty="0">
+                <a:hlinkClick r:id="rId4"/>
+              </a:rPr>
+              <a:t>Unity WebGL Player | </a:t>
+            </a:r>
+            <a:r>
+              <a:rPr lang="en-US" dirty="0" err="1">
+                <a:hlinkClick r:id="rId4"/>
+              </a:rPr>
+              <a:t>MattRamage</a:t>
+            </a:r>
+            <a:r>
+              <a:rPr lang="en-US" dirty="0">
+                <a:hlinkClick r:id="rId4"/>
+              </a:rPr>
+              <a:t> (kevmoens.s3.amazonaws.com)</a:t>
             </a:r>
             <a:endParaRPr lang="en-US" dirty="0"/>
           </a:p>
@@ -5083,7 +5041,7 @@
     </p:spTree>
     <p:extLst>
       <p:ext uri="{BB962C8B-B14F-4D97-AF65-F5344CB8AC3E}">
-        <p14:creationId xmlns:p14="http://schemas.microsoft.com/office/powerpoint/2010/main" val="4238399885"/>
+        <p14:creationId xmlns:p14="http://schemas.microsoft.com/office/powerpoint/2010/main" val="825674288"/>
       </p:ext>
     </p:extLst>
   </p:cSld>
@@ -5174,7 +5132,7 @@
           <a:lstStyle/>
           <a:p>
             <a:pPr algn="ctr"/>
-            <a:endParaRPr lang="en-US"/>
+            <a:endParaRPr lang="en-US" dirty="0"/>
           </a:p>
         </p:txBody>
       </p:sp>
@@ -5308,7 +5266,7 @@
           <a:lstStyle/>
           <a:p>
             <a:pPr algn="ctr"/>
-            <a:endParaRPr lang="en-US"/>
+            <a:endParaRPr lang="en-US" dirty="0"/>
           </a:p>
         </p:txBody>
       </p:sp>
@@ -5330,8 +5288,8 @@
         </p:nvSpPr>
         <p:spPr>
           <a:xfrm>
-            <a:off x="393701" y="1153572"/>
-            <a:ext cx="3493534" cy="4461163"/>
+            <a:off x="0" y="1153572"/>
+            <a:ext cx="3530601" cy="4461163"/>
           </a:xfrm>
         </p:spPr>
         <p:txBody>
@@ -5347,22 +5305,7 @@
                   <a:srgbClr val="FFFFFF"/>
                 </a:solidFill>
               </a:rPr>
-              <a:t>Miscellaneous</a:t>
-            </a:r>
-            <a:br>
-              <a:rPr lang="en-US" dirty="0">
-                <a:solidFill>
-                  <a:srgbClr val="FFFFFF"/>
-                </a:solidFill>
-              </a:rPr>
-            </a:br>
-            <a:r>
-              <a:rPr lang="en-US" dirty="0">
-                <a:solidFill>
-                  <a:srgbClr val="FFFFFF"/>
-                </a:solidFill>
-              </a:rPr>
-              <a:t>Activities</a:t>
+              <a:t>Unity</a:t>
             </a:r>
           </a:p>
         </p:txBody>
@@ -5428,12 +5371,42 @@
           </a:p>
         </p:txBody>
       </p:sp>
-      <p:sp>
-        <p:nvSpPr>
-          <p:cNvPr id="3" name="Content Placeholder 2">
-            <a:extLst>
-              <a:ext uri="{FF2B5EF4-FFF2-40B4-BE49-F238E27FC236}">
-                <a16:creationId xmlns:a16="http://schemas.microsoft.com/office/drawing/2014/main" id="{506ECF03-3832-CE61-45EB-6C148D597A92}"/>
+      <p:pic>
+        <p:nvPicPr>
+          <p:cNvPr id="4" name="Picture 3">
+            <a:extLst>
+              <a:ext uri="{FF2B5EF4-FFF2-40B4-BE49-F238E27FC236}">
+                <a16:creationId xmlns:a16="http://schemas.microsoft.com/office/drawing/2014/main" id="{BA40EFC6-460A-48D4-329F-90F0FEB3AC4D}"/>
+              </a:ext>
+            </a:extLst>
+          </p:cNvPr>
+          <p:cNvPicPr>
+            <a:picLocks noChangeAspect="1"/>
+          </p:cNvPicPr>
+          <p:nvPr/>
+        </p:nvPicPr>
+        <p:blipFill>
+          <a:blip r:embed="rId2"/>
+          <a:stretch>
+            <a:fillRect/>
+          </a:stretch>
+        </p:blipFill>
+        <p:spPr>
+          <a:xfrm>
+            <a:off x="4238821" y="936381"/>
+            <a:ext cx="7919826" cy="4965262"/>
+          </a:xfrm>
+          <a:prstGeom prst="rect">
+            <a:avLst/>
+          </a:prstGeom>
+        </p:spPr>
+      </p:pic>
+      <p:sp>
+        <p:nvSpPr>
+          <p:cNvPr id="5" name="Content Placeholder 4">
+            <a:extLst>
+              <a:ext uri="{FF2B5EF4-FFF2-40B4-BE49-F238E27FC236}">
+                <a16:creationId xmlns:a16="http://schemas.microsoft.com/office/drawing/2014/main" id="{B0A22B86-4DA7-300D-55FB-64150FB540F0}"/>
               </a:ext>
             </a:extLst>
           </p:cNvPr>
@@ -5444,87 +5417,19 @@
             <p:ph idx="1"/>
           </p:nvPr>
         </p:nvSpPr>
-        <p:spPr>
-          <a:xfrm>
-            <a:off x="4447308" y="591344"/>
-            <a:ext cx="6906491" cy="5585619"/>
-          </a:xfrm>
-        </p:spPr>
-        <p:txBody>
-          <a:bodyPr anchor="ctr">
-            <a:normAutofit/>
-          </a:bodyPr>
-          <a:lstStyle/>
-          <a:p>
-            <a:r>
-              <a:rPr lang="en-US" dirty="0"/>
-              <a:t>Science Fair</a:t>
-            </a:r>
-          </a:p>
-          <a:p>
-            <a:pPr lvl="1"/>
-            <a:r>
-              <a:rPr lang="en-US" dirty="0"/>
-              <a:t>Fidget Spinner, spin counter (Arduino)</a:t>
-            </a:r>
-          </a:p>
-          <a:p>
-            <a:pPr lvl="1"/>
-            <a:r>
-              <a:rPr lang="en-US" dirty="0"/>
-              <a:t>360 Photobooth (Raspberry Pi)</a:t>
-            </a:r>
-          </a:p>
-          <a:p>
-            <a:r>
-              <a:rPr lang="en-US" dirty="0"/>
-              <a:t>Remote Control Car (Raspberry Pi + Xbox controller)</a:t>
-            </a:r>
-          </a:p>
-          <a:p>
-            <a:r>
-              <a:rPr lang="en-US" dirty="0" err="1"/>
-              <a:t>MakerBlock</a:t>
-            </a:r>
-            <a:r>
-              <a:rPr lang="en-US" dirty="0"/>
-              <a:t> – </a:t>
-            </a:r>
-            <a:r>
-              <a:rPr lang="en-US" dirty="0" err="1"/>
-              <a:t>NextMaker</a:t>
-            </a:r>
-            <a:r>
-              <a:rPr lang="en-US" dirty="0"/>
-              <a:t> subscription kit</a:t>
-            </a:r>
-          </a:p>
-          <a:p>
-            <a:r>
-              <a:rPr lang="en-US" dirty="0"/>
-              <a:t>Kiwi Co – Tinker Crate subscription box</a:t>
-            </a:r>
-          </a:p>
-          <a:p>
-            <a:r>
-              <a:rPr lang="en-US" dirty="0"/>
-              <a:t>Crunch Labs – Subscription Box (Mark </a:t>
-            </a:r>
-            <a:r>
-              <a:rPr lang="en-US" dirty="0" err="1"/>
-              <a:t>Rober</a:t>
-            </a:r>
-            <a:r>
-              <a:rPr lang="en-US" dirty="0"/>
-              <a:t>)</a:t>
-            </a:r>
+        <p:spPr/>
+        <p:txBody>
+          <a:bodyPr/>
+          <a:lstStyle/>
+          <a:p>
+            <a:endParaRPr lang="en-US"/>
           </a:p>
         </p:txBody>
       </p:sp>
     </p:spTree>
     <p:extLst>
       <p:ext uri="{BB962C8B-B14F-4D97-AF65-F5344CB8AC3E}">
-        <p14:creationId xmlns:p14="http://schemas.microsoft.com/office/powerpoint/2010/main" val="2540307265"/>
+        <p14:creationId xmlns:p14="http://schemas.microsoft.com/office/powerpoint/2010/main" val="3433420253"/>
       </p:ext>
     </p:extLst>
   </p:cSld>
@@ -5615,7 +5520,7 @@
           <a:lstStyle/>
           <a:p>
             <a:pPr algn="ctr"/>
-            <a:endParaRPr lang="en-US"/>
+            <a:endParaRPr lang="en-US" dirty="0"/>
           </a:p>
         </p:txBody>
       </p:sp>
@@ -5749,7 +5654,7 @@
           <a:lstStyle/>
           <a:p>
             <a:pPr algn="ctr"/>
-            <a:endParaRPr lang="en-US"/>
+            <a:endParaRPr lang="en-US" dirty="0"/>
           </a:p>
         </p:txBody>
       </p:sp>
@@ -5771,8 +5676,8 @@
         </p:nvSpPr>
         <p:spPr>
           <a:xfrm>
-            <a:off x="686834" y="1153572"/>
-            <a:ext cx="3200400" cy="4461163"/>
+            <a:off x="0" y="1153572"/>
+            <a:ext cx="3530601" cy="4461163"/>
           </a:xfrm>
         </p:spPr>
         <p:txBody>
@@ -5781,13 +5686,14 @@
           </a:bodyPr>
           <a:lstStyle/>
           <a:p>
+            <a:pPr algn="ctr"/>
             <a:r>
               <a:rPr lang="en-US" dirty="0">
                 <a:solidFill>
                   <a:srgbClr val="FFFFFF"/>
                 </a:solidFill>
               </a:rPr>
-              <a:t>Events</a:t>
+              <a:t>Flexbox Froggy</a:t>
             </a:r>
           </a:p>
         </p:txBody>
@@ -5855,10 +5761,10 @@
       </p:sp>
       <p:sp>
         <p:nvSpPr>
-          <p:cNvPr id="3" name="Content Placeholder 2">
-            <a:extLst>
-              <a:ext uri="{FF2B5EF4-FFF2-40B4-BE49-F238E27FC236}">
-                <a16:creationId xmlns:a16="http://schemas.microsoft.com/office/drawing/2014/main" id="{506ECF03-3832-CE61-45EB-6C148D597A92}"/>
+          <p:cNvPr id="5" name="Content Placeholder 4">
+            <a:extLst>
+              <a:ext uri="{FF2B5EF4-FFF2-40B4-BE49-F238E27FC236}">
+                <a16:creationId xmlns:a16="http://schemas.microsoft.com/office/drawing/2014/main" id="{B0A22B86-4DA7-300D-55FB-64150FB540F0}"/>
               </a:ext>
             </a:extLst>
           </p:cNvPr>
@@ -5869,81 +5775,49 @@
             <p:ph idx="1"/>
           </p:nvPr>
         </p:nvSpPr>
+        <p:spPr/>
+        <p:txBody>
+          <a:bodyPr/>
+          <a:lstStyle/>
+          <a:p>
+            <a:endParaRPr lang="en-US" dirty="0"/>
+          </a:p>
+        </p:txBody>
+      </p:sp>
+      <p:pic>
+        <p:nvPicPr>
+          <p:cNvPr id="6" name="Picture 5">
+            <a:extLst>
+              <a:ext uri="{FF2B5EF4-FFF2-40B4-BE49-F238E27FC236}">
+                <a16:creationId xmlns:a16="http://schemas.microsoft.com/office/drawing/2014/main" id="{767A8721-A96B-EA97-1056-5D6DA19B4D74}"/>
+              </a:ext>
+            </a:extLst>
+          </p:cNvPr>
+          <p:cNvPicPr>
+            <a:picLocks noChangeAspect="1"/>
+          </p:cNvPicPr>
+          <p:nvPr/>
+        </p:nvPicPr>
+        <p:blipFill>
+          <a:blip r:embed="rId2"/>
+          <a:stretch>
+            <a:fillRect/>
+          </a:stretch>
+        </p:blipFill>
         <p:spPr>
           <a:xfrm>
-            <a:off x="4447308" y="591344"/>
-            <a:ext cx="6906491" cy="5585619"/>
-          </a:xfrm>
-        </p:spPr>
-        <p:txBody>
-          <a:bodyPr anchor="ctr">
-            <a:normAutofit/>
-          </a:bodyPr>
-          <a:lstStyle/>
-          <a:p>
-            <a:r>
-              <a:rPr lang="en-US" dirty="0"/>
-              <a:t>Hack4Kids </a:t>
-            </a:r>
-          </a:p>
-          <a:p>
-            <a:pPr lvl="1"/>
-            <a:r>
-              <a:rPr lang="en-US" dirty="0"/>
-              <a:t>Milwaukee 4-30-2022</a:t>
-            </a:r>
-          </a:p>
-          <a:p>
-            <a:pPr lvl="1"/>
-            <a:r>
-              <a:rPr lang="en-US" dirty="0"/>
-              <a:t>Chicago 9-17-2022</a:t>
-            </a:r>
-          </a:p>
-          <a:p>
-            <a:r>
-              <a:rPr lang="en-US" dirty="0"/>
-              <a:t>Hour of Code (Green Bay - NWTC)</a:t>
-            </a:r>
-          </a:p>
-          <a:p>
-            <a:pPr lvl="1"/>
-            <a:r>
-              <a:rPr lang="en-US" dirty="0"/>
-              <a:t>Week of December 9th </a:t>
-            </a:r>
-          </a:p>
-          <a:p>
-            <a:r>
-              <a:rPr lang="en-US" dirty="0"/>
-              <a:t>That Conference (Wisconsin Dells)</a:t>
-            </a:r>
-          </a:p>
-          <a:p>
-            <a:r>
-              <a:rPr lang="en-US" dirty="0"/>
-              <a:t>AWS Summit</a:t>
-            </a:r>
-          </a:p>
-          <a:p>
-            <a:pPr lvl="1"/>
-            <a:r>
-              <a:rPr lang="en-US" dirty="0"/>
-              <a:t>Chicago 8-25-2022</a:t>
-            </a:r>
-          </a:p>
-          <a:p>
-            <a:r>
-              <a:rPr lang="en-US" dirty="0"/>
-              <a:t>Hackathons (Chicago)</a:t>
-            </a:r>
-          </a:p>
-        </p:txBody>
-      </p:sp>
+            <a:off x="4167272" y="1378021"/>
+            <a:ext cx="8021680" cy="3955360"/>
+          </a:xfrm>
+          <a:prstGeom prst="rect">
+            <a:avLst/>
+          </a:prstGeom>
+        </p:spPr>
+      </p:pic>
     </p:spTree>
     <p:extLst>
       <p:ext uri="{BB962C8B-B14F-4D97-AF65-F5344CB8AC3E}">
-        <p14:creationId xmlns:p14="http://schemas.microsoft.com/office/powerpoint/2010/main" val="2514425548"/>
+        <p14:creationId xmlns:p14="http://schemas.microsoft.com/office/powerpoint/2010/main" val="1391188682"/>
       </p:ext>
     </p:extLst>
   </p:cSld>
@@ -5954,449 +5828,6 @@
 </file>
 
 <file path=ppt/slides/slide16.xml><?xml version="1.0" encoding="utf-8"?>
-<p:sld xmlns:a="http://schemas.openxmlformats.org/drawingml/2006/main" xmlns:r="http://schemas.openxmlformats.org/officeDocument/2006/relationships" xmlns:p="http://schemas.openxmlformats.org/presentationml/2006/main">
-  <p:cSld>
-    <p:bg>
-      <p:bgPr>
-        <a:solidFill>
-          <a:schemeClr val="bg1"/>
-        </a:solidFill>
-        <a:effectLst/>
-      </p:bgPr>
-    </p:bg>
-    <p:spTree>
-      <p:nvGrpSpPr>
-        <p:cNvPr id="1" name=""/>
-        <p:cNvGrpSpPr/>
-        <p:nvPr/>
-      </p:nvGrpSpPr>
-      <p:grpSpPr>
-        <a:xfrm>
-          <a:off x="0" y="0"/>
-          <a:ext cx="0" cy="0"/>
-          <a:chOff x="0" y="0"/>
-          <a:chExt cx="0" cy="0"/>
-        </a:xfrm>
-      </p:grpSpPr>
-      <p:sp useBgFill="1">
-        <p:nvSpPr>
-          <p:cNvPr id="8" name="Rectangle 7">
-            <a:extLst>
-              <a:ext uri="{FF2B5EF4-FFF2-40B4-BE49-F238E27FC236}">
-                <a16:creationId xmlns:a16="http://schemas.microsoft.com/office/drawing/2014/main" id="{DAF1966E-FD40-4A4A-B61B-C4DF7FA05F06}"/>
-              </a:ext>
-              <a:ext uri="{C183D7F6-B498-43B3-948B-1728B52AA6E4}">
-                <adec:decorative xmlns:adec="http://schemas.microsoft.com/office/drawing/2017/decorative" val="1"/>
-              </a:ext>
-            </a:extLst>
-          </p:cNvPr>
-          <p:cNvSpPr>
-            <a:spLocks noGrp="1" noRot="1" noChangeAspect="1" noMove="1" noResize="1" noEditPoints="1" noAdjustHandles="1" noChangeArrowheads="1" noChangeShapeType="1" noTextEdit="1"/>
-          </p:cNvSpPr>
-          <p:nvPr>
-            <p:extLst>
-              <p:ext uri="{386F3935-93C4-4BCD-93E2-E3B085C9AB24}">
-                <p16:designElem xmlns:p16="http://schemas.microsoft.com/office/powerpoint/2015/main" val="1"/>
-              </p:ext>
-            </p:extLst>
-          </p:nvPr>
-        </p:nvSpPr>
-        <p:spPr>
-          <a:xfrm>
-            <a:off x="0" y="0"/>
-            <a:ext cx="12192000" cy="6858000"/>
-          </a:xfrm>
-          <a:prstGeom prst="rect">
-            <a:avLst/>
-          </a:prstGeom>
-          <a:ln>
-            <a:noFill/>
-          </a:ln>
-        </p:spPr>
-        <p:style>
-          <a:lnRef idx="2">
-            <a:schemeClr val="accent1">
-              <a:shade val="50000"/>
-            </a:schemeClr>
-          </a:lnRef>
-          <a:fillRef idx="1">
-            <a:schemeClr val="accent1"/>
-          </a:fillRef>
-          <a:effectRef idx="0">
-            <a:schemeClr val="accent1"/>
-          </a:effectRef>
-          <a:fontRef idx="minor">
-            <a:schemeClr val="lt1"/>
-          </a:fontRef>
-        </p:style>
-        <p:txBody>
-          <a:bodyPr rtlCol="0" anchor="ctr"/>
-          <a:lstStyle/>
-          <a:p>
-            <a:pPr algn="ctr"/>
-            <a:endParaRPr lang="en-US"/>
-          </a:p>
-        </p:txBody>
-      </p:sp>
-      <p:sp useBgFill="1">
-        <p:nvSpPr>
-          <p:cNvPr id="10" name="Rectangle 9">
-            <a:extLst>
-              <a:ext uri="{FF2B5EF4-FFF2-40B4-BE49-F238E27FC236}">
-                <a16:creationId xmlns:a16="http://schemas.microsoft.com/office/drawing/2014/main" id="{047BFA19-D45E-416B-A404-7AF2F3F27017}"/>
-              </a:ext>
-              <a:ext uri="{C183D7F6-B498-43B3-948B-1728B52AA6E4}">
-                <adec:decorative xmlns:adec="http://schemas.microsoft.com/office/drawing/2017/decorative" val="1"/>
-              </a:ext>
-            </a:extLst>
-          </p:cNvPr>
-          <p:cNvSpPr>
-            <a:spLocks noGrp="1" noRot="1" noChangeAspect="1" noMove="1" noResize="1" noEditPoints="1" noAdjustHandles="1" noChangeArrowheads="1" noChangeShapeType="1" noTextEdit="1"/>
-          </p:cNvSpPr>
-          <p:nvPr>
-            <p:extLst>
-              <p:ext uri="{386F3935-93C4-4BCD-93E2-E3B085C9AB24}">
-                <p16:designElem xmlns:p16="http://schemas.microsoft.com/office/powerpoint/2015/main" val="1"/>
-              </p:ext>
-            </p:extLst>
-          </p:nvPr>
-        </p:nvSpPr>
-        <p:spPr>
-          <a:xfrm>
-            <a:off x="558209" y="0"/>
-            <a:ext cx="11167447" cy="2018806"/>
-          </a:xfrm>
-          <a:prstGeom prst="rect">
-            <a:avLst/>
-          </a:prstGeom>
-          <a:ln w="9525">
-            <a:solidFill>
-              <a:srgbClr val="E1E1E1"/>
-            </a:solidFill>
-          </a:ln>
-          <a:effectLst>
-            <a:outerShdw blurRad="50800" dist="38100" dir="2700000" algn="tl" rotWithShape="0">
-              <a:schemeClr val="bg1">
-                <a:lumMod val="85000"/>
-                <a:alpha val="50000"/>
-              </a:schemeClr>
-            </a:outerShdw>
-          </a:effectLst>
-        </p:spPr>
-        <p:style>
-          <a:lnRef idx="2">
-            <a:schemeClr val="accent1">
-              <a:shade val="50000"/>
-            </a:schemeClr>
-          </a:lnRef>
-          <a:fillRef idx="1">
-            <a:schemeClr val="accent1"/>
-          </a:fillRef>
-          <a:effectRef idx="0">
-            <a:schemeClr val="accent1"/>
-          </a:effectRef>
-          <a:fontRef idx="minor">
-            <a:schemeClr val="lt1"/>
-          </a:fontRef>
-        </p:style>
-        <p:txBody>
-          <a:bodyPr rtlCol="0" anchor="ctr"/>
-          <a:lstStyle/>
-          <a:p>
-            <a:pPr marL="0" marR="0" lvl="0" indent="0" algn="ctr" defTabSz="914400" rtl="0" eaLnBrk="1" fontAlgn="auto" latinLnBrk="0" hangingPunct="1">
-              <a:lnSpc>
-                <a:spcPct val="100000"/>
-              </a:lnSpc>
-              <a:spcBef>
-                <a:spcPts val="0"/>
-              </a:spcBef>
-              <a:spcAft>
-                <a:spcPts val="0"/>
-              </a:spcAft>
-              <a:buClrTx/>
-              <a:buSzTx/>
-              <a:buFontTx/>
-              <a:buNone/>
-              <a:tabLst/>
-              <a:defRPr/>
-            </a:pPr>
-            <a:endParaRPr kumimoji="0" lang="en-US" sz="1800" b="0" i="0" u="none" strike="noStrike" kern="1200" cap="none" spc="0" normalizeH="0" baseline="0" noProof="0">
-              <a:ln>
-                <a:noFill/>
-              </a:ln>
-              <a:solidFill>
-                <a:prstClr val="white"/>
-              </a:solidFill>
-              <a:effectLst/>
-              <a:uLnTx/>
-              <a:uFillTx/>
-              <a:latin typeface="Calibri" panose="020F0502020204030204"/>
-              <a:ea typeface="+mn-ea"/>
-              <a:cs typeface="+mn-cs"/>
-            </a:endParaRPr>
-          </a:p>
-        </p:txBody>
-      </p:sp>
-      <p:sp useBgFill="1">
-        <p:nvSpPr>
-          <p:cNvPr id="12" name="Rectangle 11">
-            <a:extLst>
-              <a:ext uri="{FF2B5EF4-FFF2-40B4-BE49-F238E27FC236}">
-                <a16:creationId xmlns:a16="http://schemas.microsoft.com/office/drawing/2014/main" id="{8E0105E7-23DB-4CF2-8258-FF47C7620F6E}"/>
-              </a:ext>
-              <a:ext uri="{C183D7F6-B498-43B3-948B-1728B52AA6E4}">
-                <adec:decorative xmlns:adec="http://schemas.microsoft.com/office/drawing/2017/decorative" val="1"/>
-              </a:ext>
-            </a:extLst>
-          </p:cNvPr>
-          <p:cNvSpPr>
-            <a:spLocks noGrp="1" noRot="1" noChangeAspect="1" noMove="1" noResize="1" noEditPoints="1" noAdjustHandles="1" noChangeArrowheads="1" noChangeShapeType="1" noTextEdit="1"/>
-          </p:cNvSpPr>
-          <p:nvPr>
-            <p:extLst>
-              <p:ext uri="{386F3935-93C4-4BCD-93E2-E3B085C9AB24}">
-                <p16:designElem xmlns:p16="http://schemas.microsoft.com/office/powerpoint/2015/main" val="1"/>
-              </p:ext>
-            </p:extLst>
-          </p:nvPr>
-        </p:nvSpPr>
-        <p:spPr>
-          <a:xfrm>
-            <a:off x="566928" y="0"/>
-            <a:ext cx="11155680" cy="2011680"/>
-          </a:xfrm>
-          <a:prstGeom prst="rect">
-            <a:avLst/>
-          </a:prstGeom>
-          <a:ln w="9525">
-            <a:noFill/>
-          </a:ln>
-          <a:effectLst/>
-        </p:spPr>
-        <p:style>
-          <a:lnRef idx="2">
-            <a:schemeClr val="accent1">
-              <a:shade val="50000"/>
-            </a:schemeClr>
-          </a:lnRef>
-          <a:fillRef idx="1">
-            <a:schemeClr val="accent1"/>
-          </a:fillRef>
-          <a:effectRef idx="0">
-            <a:schemeClr val="accent1"/>
-          </a:effectRef>
-          <a:fontRef idx="minor">
-            <a:schemeClr val="lt1"/>
-          </a:fontRef>
-        </p:style>
-        <p:txBody>
-          <a:bodyPr rtlCol="0" anchor="ctr"/>
-          <a:lstStyle/>
-          <a:p>
-            <a:pPr marL="0" marR="0" lvl="0" indent="0" algn="ctr" defTabSz="914400" rtl="0" eaLnBrk="1" fontAlgn="auto" latinLnBrk="0" hangingPunct="1">
-              <a:lnSpc>
-                <a:spcPct val="100000"/>
-              </a:lnSpc>
-              <a:spcBef>
-                <a:spcPts val="0"/>
-              </a:spcBef>
-              <a:spcAft>
-                <a:spcPts val="0"/>
-              </a:spcAft>
-              <a:buClrTx/>
-              <a:buSzTx/>
-              <a:buFontTx/>
-              <a:buNone/>
-              <a:tabLst/>
-              <a:defRPr/>
-            </a:pPr>
-            <a:endParaRPr kumimoji="0" lang="en-US" sz="1800" b="0" i="0" u="none" strike="noStrike" kern="1200" cap="none" spc="0" normalizeH="0" baseline="0" noProof="0">
-              <a:ln>
-                <a:noFill/>
-              </a:ln>
-              <a:solidFill>
-                <a:prstClr val="white"/>
-              </a:solidFill>
-              <a:effectLst/>
-              <a:uLnTx/>
-              <a:uFillTx/>
-              <a:latin typeface="Calibri" panose="020F0502020204030204"/>
-              <a:ea typeface="+mn-ea"/>
-              <a:cs typeface="+mn-cs"/>
-            </a:endParaRPr>
-          </a:p>
-        </p:txBody>
-      </p:sp>
-      <p:sp>
-        <p:nvSpPr>
-          <p:cNvPr id="2" name="Title 1">
-            <a:extLst>
-              <a:ext uri="{FF2B5EF4-FFF2-40B4-BE49-F238E27FC236}">
-                <a16:creationId xmlns:a16="http://schemas.microsoft.com/office/drawing/2014/main" id="{82CF4B60-062A-25CD-E448-6C8255EEF9CC}"/>
-              </a:ext>
-            </a:extLst>
-          </p:cNvPr>
-          <p:cNvSpPr>
-            <a:spLocks noGrp="1"/>
-          </p:cNvSpPr>
-          <p:nvPr>
-            <p:ph type="title"/>
-          </p:nvPr>
-        </p:nvSpPr>
-        <p:spPr>
-          <a:xfrm>
-            <a:off x="1115568" y="548640"/>
-            <a:ext cx="10168128" cy="1179576"/>
-          </a:xfrm>
-        </p:spPr>
-        <p:txBody>
-          <a:bodyPr>
-            <a:normAutofit/>
-          </a:bodyPr>
-          <a:lstStyle/>
-          <a:p>
-            <a:r>
-              <a:rPr lang="en-US" sz="3200" dirty="0"/>
-              <a:t>Key Points when programming with kids</a:t>
-            </a:r>
-          </a:p>
-        </p:txBody>
-      </p:sp>
-      <p:sp>
-        <p:nvSpPr>
-          <p:cNvPr id="14" name="Rectangle 13">
-            <a:extLst>
-              <a:ext uri="{FF2B5EF4-FFF2-40B4-BE49-F238E27FC236}">
-                <a16:creationId xmlns:a16="http://schemas.microsoft.com/office/drawing/2014/main" id="{074B4F7D-14B2-478B-8BF5-01E4E0C5D263}"/>
-              </a:ext>
-              <a:ext uri="{C183D7F6-B498-43B3-948B-1728B52AA6E4}">
-                <adec:decorative xmlns:adec="http://schemas.microsoft.com/office/drawing/2017/decorative" val="1"/>
-              </a:ext>
-            </a:extLst>
-          </p:cNvPr>
-          <p:cNvSpPr>
-            <a:spLocks noGrp="1" noRot="1" noChangeAspect="1" noMove="1" noResize="1" noEditPoints="1" noAdjustHandles="1" noChangeArrowheads="1" noChangeShapeType="1" noTextEdit="1"/>
-          </p:cNvSpPr>
-          <p:nvPr>
-            <p:extLst>
-              <p:ext uri="{386F3935-93C4-4BCD-93E2-E3B085C9AB24}">
-                <p16:designElem xmlns:p16="http://schemas.microsoft.com/office/powerpoint/2015/main" val="1"/>
-              </p:ext>
-            </p:extLst>
-          </p:nvPr>
-        </p:nvSpPr>
-        <p:spPr>
-          <a:xfrm>
-            <a:off x="498834" y="758952"/>
-            <a:ext cx="128016" cy="704088"/>
-          </a:xfrm>
-          <a:prstGeom prst="rect">
-            <a:avLst/>
-          </a:prstGeom>
-          <a:solidFill>
-            <a:schemeClr val="accent2"/>
-          </a:solidFill>
-          <a:ln>
-            <a:noFill/>
-          </a:ln>
-        </p:spPr>
-        <p:style>
-          <a:lnRef idx="2">
-            <a:schemeClr val="accent1">
-              <a:shade val="50000"/>
-            </a:schemeClr>
-          </a:lnRef>
-          <a:fillRef idx="1">
-            <a:schemeClr val="accent1"/>
-          </a:fillRef>
-          <a:effectRef idx="0">
-            <a:schemeClr val="accent1"/>
-          </a:effectRef>
-          <a:fontRef idx="minor">
-            <a:schemeClr val="lt1"/>
-          </a:fontRef>
-        </p:style>
-        <p:txBody>
-          <a:bodyPr rtlCol="0" anchor="ctr"/>
-          <a:lstStyle/>
-          <a:p>
-            <a:pPr algn="ctr"/>
-            <a:endParaRPr lang="en-US">
-              <a:solidFill>
-                <a:prstClr val="white"/>
-              </a:solidFill>
-              <a:latin typeface="Calibri" panose="020F0502020204030204"/>
-            </a:endParaRPr>
-          </a:p>
-        </p:txBody>
-      </p:sp>
-      <p:sp>
-        <p:nvSpPr>
-          <p:cNvPr id="3" name="Content Placeholder 2">
-            <a:extLst>
-              <a:ext uri="{FF2B5EF4-FFF2-40B4-BE49-F238E27FC236}">
-                <a16:creationId xmlns:a16="http://schemas.microsoft.com/office/drawing/2014/main" id="{E43BD06B-906D-5C9C-E517-52B27F705E94}"/>
-              </a:ext>
-            </a:extLst>
-          </p:cNvPr>
-          <p:cNvSpPr>
-            <a:spLocks noGrp="1"/>
-          </p:cNvSpPr>
-          <p:nvPr>
-            <p:ph idx="1"/>
-          </p:nvPr>
-        </p:nvSpPr>
-        <p:spPr>
-          <a:xfrm>
-            <a:off x="1992884" y="2560320"/>
-            <a:ext cx="8206232" cy="3695020"/>
-          </a:xfrm>
-        </p:spPr>
-        <p:txBody>
-          <a:bodyPr>
-            <a:normAutofit/>
-          </a:bodyPr>
-          <a:lstStyle/>
-          <a:p>
-            <a:pPr marL="0" indent="0" algn="ctr">
-              <a:buNone/>
-            </a:pPr>
-            <a:r>
-              <a:rPr lang="en-US" dirty="0"/>
-              <a:t>Don’t start with basic computer concepts.  </a:t>
-            </a:r>
-          </a:p>
-          <a:p>
-            <a:pPr marL="0" indent="0" algn="ctr">
-              <a:buNone/>
-            </a:pPr>
-            <a:endParaRPr lang="en-US" dirty="0"/>
-          </a:p>
-          <a:p>
-            <a:pPr marL="0" indent="0" algn="ctr">
-              <a:buNone/>
-            </a:pPr>
-            <a:r>
-              <a:rPr lang="en-US" sz="6600" dirty="0"/>
-              <a:t>JUST JUMP IN!</a:t>
-            </a:r>
-          </a:p>
-        </p:txBody>
-      </p:sp>
-    </p:spTree>
-    <p:extLst>
-      <p:ext uri="{BB962C8B-B14F-4D97-AF65-F5344CB8AC3E}">
-        <p14:creationId xmlns:p14="http://schemas.microsoft.com/office/powerpoint/2010/main" val="1238118240"/>
-      </p:ext>
-    </p:extLst>
-  </p:cSld>
-  <p:clrMapOvr>
-    <a:masterClrMapping/>
-  </p:clrMapOvr>
-</p:sld>
-</file>
-
-<file path=ppt/slides/slide17.xml><?xml version="1.0" encoding="utf-8"?>
 <p:sld xmlns:a="http://schemas.openxmlformats.org/drawingml/2006/main" xmlns:r="http://schemas.openxmlformats.org/officeDocument/2006/relationships" xmlns:p="http://schemas.openxmlformats.org/presentationml/2006/main">
   <p:cSld>
     <p:bg>
@@ -6643,14 +6074,50 @@
           </a:bodyPr>
           <a:lstStyle/>
           <a:p>
+            <a:pPr algn="ctr"/>
             <a:r>
               <a:rPr lang="en-US" dirty="0">
                 <a:solidFill>
                   <a:srgbClr val="FFFFFF"/>
                 </a:solidFill>
               </a:rPr>
-              <a:t>Code with Kids</a:t>
-            </a:r>
+              <a:t>HTML</a:t>
+            </a:r>
+            <a:br>
+              <a:rPr lang="en-US" dirty="0">
+                <a:solidFill>
+                  <a:srgbClr val="FFFFFF"/>
+                </a:solidFill>
+              </a:rPr>
+            </a:br>
+            <a:r>
+              <a:rPr lang="en-US" dirty="0">
+                <a:solidFill>
+                  <a:srgbClr val="FFFFFF"/>
+                </a:solidFill>
+              </a:rPr>
+              <a:t>Web</a:t>
+            </a:r>
+            <a:br>
+              <a:rPr lang="en-US" dirty="0">
+                <a:solidFill>
+                  <a:srgbClr val="FFFFFF"/>
+                </a:solidFill>
+              </a:rPr>
+            </a:br>
+            <a:r>
+              <a:rPr lang="en-US" dirty="0" err="1">
+                <a:solidFill>
+                  <a:srgbClr val="FFFFFF"/>
+                </a:solidFill>
+              </a:rPr>
+              <a:t>Blazor</a:t>
+            </a:r>
+            <a:endParaRPr lang="en-US" dirty="0">
+              <a:solidFill>
+                <a:srgbClr val="FFFFFF"/>
+              </a:solidFill>
+            </a:endParaRPr>
           </a:p>
         </p:txBody>
       </p:sp>
@@ -6745,31 +6212,38 @@
           <a:p>
             <a:r>
               <a:rPr lang="en-US" dirty="0"/>
-              <a:t>Kids want to see results quickly</a:t>
+              <a:t>Free Code Camp</a:t>
             </a:r>
           </a:p>
           <a:p>
             <a:r>
               <a:rPr lang="en-US" dirty="0"/>
-              <a:t>Use games to make it fun</a:t>
+              <a:t>Flexbox Froggy</a:t>
             </a:r>
           </a:p>
           <a:p>
             <a:r>
               <a:rPr lang="en-US" dirty="0"/>
-              <a:t>Repetition overtime will generate learning and understanding</a:t>
+              <a:t>Grid Garden</a:t>
             </a:r>
           </a:p>
           <a:p>
             <a:r>
               <a:rPr lang="en-US" dirty="0"/>
-              <a:t>Be PATIENT (small steps matter)</a:t>
-            </a:r>
-          </a:p>
-          <a:p>
-            <a:r>
-              <a:rPr lang="en-US" sz="5400" dirty="0"/>
-              <a:t>MAKE IT FUN</a:t>
+              <a:t>Microsoft Learn</a:t>
+            </a:r>
+          </a:p>
+          <a:p>
+            <a:r>
+              <a:rPr lang="en-US" dirty="0"/>
+              <a:t>Tim Corey C# Challenge using GitHub OSS</a:t>
+            </a:r>
+          </a:p>
+          <a:p>
+            <a:pPr lvl="1"/>
+            <a:r>
+              <a:rPr lang="en-US" dirty="0" err="1"/>
+              <a:t>Wuphf</a:t>
             </a:r>
             <a:endParaRPr lang="en-US" dirty="0"/>
           </a:p>
@@ -6778,7 +6252,7 @@
     </p:spTree>
     <p:extLst>
       <p:ext uri="{BB962C8B-B14F-4D97-AF65-F5344CB8AC3E}">
-        <p14:creationId xmlns:p14="http://schemas.microsoft.com/office/powerpoint/2010/main" val="2688603832"/>
+        <p14:creationId xmlns:p14="http://schemas.microsoft.com/office/powerpoint/2010/main" val="1325740911"/>
       </p:ext>
     </p:extLst>
   </p:cSld>
@@ -6788,7 +6262,7 @@
 </p:sld>
 </file>
 
-<file path=ppt/slides/slide18.xml><?xml version="1.0" encoding="utf-8"?>
+<file path=ppt/slides/slide17.xml><?xml version="1.0" encoding="utf-8"?>
 <p:sld xmlns:a="http://schemas.openxmlformats.org/drawingml/2006/main" xmlns:r="http://schemas.openxmlformats.org/officeDocument/2006/relationships" xmlns:p="http://schemas.openxmlformats.org/presentationml/2006/main">
   <p:cSld>
     <p:bg>
@@ -7036,13 +6510,18 @@
           <a:lstStyle/>
           <a:p>
             <a:r>
-              <a:rPr lang="en-US" dirty="0">
+              <a:rPr lang="en-US" dirty="0" err="1">
                 <a:solidFill>
                   <a:srgbClr val="FFFFFF"/>
                 </a:solidFill>
               </a:rPr>
-              <a:t>Code with Kids</a:t>
-            </a:r>
+              <a:t>Blazor</a:t>
+            </a:r>
+            <a:endParaRPr lang="en-US" dirty="0">
+              <a:solidFill>
+                <a:srgbClr val="FFFFFF"/>
+              </a:solidFill>
+            </a:endParaRPr>
           </a:p>
         </p:txBody>
       </p:sp>
@@ -7125,7 +6604,7 @@
         </p:nvSpPr>
         <p:spPr>
           <a:xfrm>
-            <a:off x="4447308" y="591344"/>
+            <a:off x="4447308" y="636190"/>
             <a:ext cx="6906491" cy="5585619"/>
           </a:xfrm>
         </p:spPr>
@@ -7135,41 +6614,73 @@
           </a:bodyPr>
           <a:lstStyle/>
           <a:p>
-            <a:r>
-              <a:rPr lang="en-US" dirty="0"/>
-              <a:t>Typing is a big hurdle.  </a:t>
-            </a:r>
-          </a:p>
-          <a:p>
-            <a:pPr lvl="1"/>
-            <a:r>
-              <a:rPr lang="en-US" dirty="0"/>
-              <a:t>Goal is to have a quick Dev Loop</a:t>
-            </a:r>
-          </a:p>
-          <a:p>
-            <a:r>
-              <a:rPr lang="en-US" dirty="0"/>
-              <a:t>Eventually kids will want more of a challenge</a:t>
-            </a:r>
-          </a:p>
-          <a:p>
-            <a:pPr lvl="1"/>
-            <a:r>
-              <a:rPr lang="en-US" dirty="0"/>
-              <a:t>Example: When ready move from Blockly to a typed language.  </a:t>
-            </a:r>
-          </a:p>
-          <a:p>
-            <a:r>
-              <a:rPr lang="en-US" dirty="0"/>
-              <a:t>Revisit old projects later and make changes with new concepts</a:t>
-            </a:r>
-          </a:p>
-          <a:p>
-            <a:pPr marL="0" indent="0">
+            <a:pPr marL="0" indent="0" algn="ctr">
               <a:buNone/>
             </a:pPr>
+            <a:r>
+              <a:rPr lang="en-US" sz="3200" dirty="0"/>
+              <a:t>Projects</a:t>
+            </a:r>
+            <a:endParaRPr lang="en-US" dirty="0"/>
+          </a:p>
+          <a:p>
+            <a:r>
+              <a:rPr lang="en-US" dirty="0" err="1"/>
+              <a:t>Madlibs</a:t>
+            </a:r>
+            <a:endParaRPr lang="en-US" dirty="0"/>
+          </a:p>
+          <a:p>
+            <a:r>
+              <a:rPr lang="en-US" dirty="0"/>
+              <a:t>Hangman</a:t>
+            </a:r>
+          </a:p>
+          <a:p>
+            <a:r>
+              <a:rPr lang="en-US" dirty="0"/>
+              <a:t>Jacks are Junk</a:t>
+            </a:r>
+          </a:p>
+          <a:p>
+            <a:r>
+              <a:rPr lang="en-US" dirty="0"/>
+              <a:t>Math Bingo</a:t>
+            </a:r>
+          </a:p>
+          <a:p>
+            <a:r>
+              <a:rPr lang="en-US" dirty="0"/>
+              <a:t>Ella School</a:t>
+            </a:r>
+          </a:p>
+          <a:p>
+            <a:r>
+              <a:rPr lang="en-US" dirty="0"/>
+              <a:t>Binary Puzzle Solver</a:t>
+            </a:r>
+          </a:p>
+          <a:p>
+            <a:r>
+              <a:rPr lang="en-US" dirty="0"/>
+              <a:t>Choose your own adventure</a:t>
+            </a:r>
+          </a:p>
+          <a:p>
+            <a:r>
+              <a:rPr lang="en-US" dirty="0" err="1"/>
+              <a:t>Ellabit</a:t>
+            </a:r>
+            <a:r>
+              <a:rPr lang="en-US" dirty="0"/>
+              <a:t> </a:t>
+            </a:r>
+            <a:r>
+              <a:rPr lang="en-US" dirty="0">
+                <a:hlinkClick r:id="rId2"/>
+              </a:rPr>
+              <a:t>https://kevmoens.github.io/Ellabit</a:t>
+            </a:r>
             <a:endParaRPr lang="en-US" dirty="0"/>
           </a:p>
         </p:txBody>
@@ -7177,7 +6688,7 @@
     </p:spTree>
     <p:extLst>
       <p:ext uri="{BB962C8B-B14F-4D97-AF65-F5344CB8AC3E}">
-        <p14:creationId xmlns:p14="http://schemas.microsoft.com/office/powerpoint/2010/main" val="215714211"/>
+        <p14:creationId xmlns:p14="http://schemas.microsoft.com/office/powerpoint/2010/main" val="4238399885"/>
       </p:ext>
     </p:extLst>
   </p:cSld>
@@ -7187,7 +6698,7 @@
 </p:sld>
 </file>
 
-<file path=ppt/slides/slide19.xml><?xml version="1.0" encoding="utf-8"?>
+<file path=ppt/slides/slide18.xml><?xml version="1.0" encoding="utf-8"?>
 <p:sld xmlns:a="http://schemas.openxmlformats.org/drawingml/2006/main" xmlns:r="http://schemas.openxmlformats.org/officeDocument/2006/relationships" xmlns:p="http://schemas.openxmlformats.org/presentationml/2006/main">
   <p:cSld>
     <p:bg>
@@ -7424,8 +6935,8 @@
         </p:nvSpPr>
         <p:spPr>
           <a:xfrm>
-            <a:off x="686834" y="1153572"/>
-            <a:ext cx="3200400" cy="4461163"/>
+            <a:off x="393701" y="1153572"/>
+            <a:ext cx="3493534" cy="4461163"/>
           </a:xfrm>
         </p:spPr>
         <p:txBody>
@@ -7434,13 +6945,29 @@
           </a:bodyPr>
           <a:lstStyle/>
           <a:p>
+            <a:pPr algn="ctr"/>
             <a:r>
               <a:rPr lang="en-US" dirty="0">
                 <a:solidFill>
                   <a:srgbClr val="FFFFFF"/>
                 </a:solidFill>
               </a:rPr>
-              <a:t>Code with Kids</a:t>
+              <a:t>Miscellaneous</a:t>
+            </a:r>
+            <a:br>
+              <a:rPr lang="en-US" dirty="0">
+                <a:solidFill>
+                  <a:srgbClr val="FFFFFF"/>
+                </a:solidFill>
+              </a:rPr>
+            </a:br>
+            <a:r>
+              <a:rPr lang="en-US" dirty="0">
+                <a:solidFill>
+                  <a:srgbClr val="FFFFFF"/>
+                </a:solidFill>
+              </a:rPr>
+              <a:t>Activities</a:t>
             </a:r>
           </a:p>
         </p:txBody>
@@ -7536,36 +7063,65 @@
           <a:p>
             <a:r>
               <a:rPr lang="en-US" dirty="0"/>
-              <a:t>As a parent it takes a lot of planning or time to keep kids involved and interested</a:t>
+              <a:t>Science Fair</a:t>
             </a:r>
           </a:p>
           <a:p>
             <a:pPr lvl="1"/>
             <a:r>
               <a:rPr lang="en-US" dirty="0"/>
-              <a:t>Find a coding club</a:t>
+              <a:t>Fidget Spinner, spin counter (Arduino)</a:t>
             </a:r>
           </a:p>
           <a:p>
             <a:pPr lvl="1"/>
-            <a:endParaRPr lang="en-US" dirty="0"/>
-          </a:p>
-          <a:p>
-            <a:pPr marL="0" indent="0">
-              <a:buNone/>
-            </a:pPr>
             <a:r>
               <a:rPr lang="en-US" dirty="0"/>
-              <a:t>CREATE A</a:t>
-            </a:r>
-          </a:p>
-          <a:p>
-            <a:pPr marL="0" indent="0" algn="ctr">
-              <a:buNone/>
-            </a:pPr>
-            <a:r>
-              <a:rPr lang="en-US" sz="4800" dirty="0"/>
-              <a:t>POSITIVE EXPERIENCE</a:t>
+              <a:t>360 Photobooth (Raspberry Pi)</a:t>
+            </a:r>
+          </a:p>
+          <a:p>
+            <a:r>
+              <a:rPr lang="en-US" dirty="0"/>
+              <a:t>Remote Control Car (Raspberry Pi + Xbox controller)</a:t>
+            </a:r>
+          </a:p>
+          <a:p>
+            <a:r>
+              <a:rPr lang="en-US" dirty="0" err="1"/>
+              <a:t>MakerBlock</a:t>
+            </a:r>
+            <a:r>
+              <a:rPr lang="en-US" dirty="0"/>
+              <a:t> – </a:t>
+            </a:r>
+            <a:r>
+              <a:rPr lang="en-US" dirty="0" err="1"/>
+              <a:t>NextMaker</a:t>
+            </a:r>
+            <a:r>
+              <a:rPr lang="en-US" dirty="0"/>
+              <a:t> subscription kit</a:t>
+            </a:r>
+          </a:p>
+          <a:p>
+            <a:r>
+              <a:rPr lang="en-US" dirty="0"/>
+              <a:t>Kiwi Co – Tinker Crate subscription box</a:t>
+            </a:r>
+          </a:p>
+          <a:p>
+            <a:r>
+              <a:rPr lang="en-US" dirty="0"/>
+              <a:t>Crunch Labs – Subscription Box (Mark </a:t>
+            </a:r>
+            <a:r>
+              <a:rPr lang="en-US" dirty="0" err="1"/>
+              <a:t>Rober</a:t>
+            </a:r>
+            <a:r>
+              <a:rPr lang="en-US" dirty="0"/>
+              <a:t>)</a:t>
             </a:r>
           </a:p>
         </p:txBody>
@@ -7573,7 +7129,426 @@
     </p:spTree>
     <p:extLst>
       <p:ext uri="{BB962C8B-B14F-4D97-AF65-F5344CB8AC3E}">
-        <p14:creationId xmlns:p14="http://schemas.microsoft.com/office/powerpoint/2010/main" val="3233890974"/>
+        <p14:creationId xmlns:p14="http://schemas.microsoft.com/office/powerpoint/2010/main" val="2540307265"/>
+      </p:ext>
+    </p:extLst>
+  </p:cSld>
+  <p:clrMapOvr>
+    <a:masterClrMapping/>
+  </p:clrMapOvr>
+</p:sld>
+</file>
+
+<file path=ppt/slides/slide19.xml><?xml version="1.0" encoding="utf-8"?>
+<p:sld xmlns:a="http://schemas.openxmlformats.org/drawingml/2006/main" xmlns:r="http://schemas.openxmlformats.org/officeDocument/2006/relationships" xmlns:p="http://schemas.openxmlformats.org/presentationml/2006/main">
+  <p:cSld>
+    <p:bg>
+      <p:bgPr>
+        <a:solidFill>
+          <a:schemeClr val="bg1"/>
+        </a:solidFill>
+        <a:effectLst/>
+      </p:bgPr>
+    </p:bg>
+    <p:spTree>
+      <p:nvGrpSpPr>
+        <p:cNvPr id="1" name=""/>
+        <p:cNvGrpSpPr/>
+        <p:nvPr/>
+      </p:nvGrpSpPr>
+      <p:grpSpPr>
+        <a:xfrm>
+          <a:off x="0" y="0"/>
+          <a:ext cx="0" cy="0"/>
+          <a:chOff x="0" y="0"/>
+          <a:chExt cx="0" cy="0"/>
+        </a:xfrm>
+      </p:grpSpPr>
+      <p:sp useBgFill="1">
+        <p:nvSpPr>
+          <p:cNvPr id="8" name="Rectangle 7">
+            <a:extLst>
+              <a:ext uri="{FF2B5EF4-FFF2-40B4-BE49-F238E27FC236}">
+                <a16:creationId xmlns:a16="http://schemas.microsoft.com/office/drawing/2014/main" id="{907EF6B7-1338-4443-8C46-6A318D952DFD}"/>
+              </a:ext>
+              <a:ext uri="{C183D7F6-B498-43B3-948B-1728B52AA6E4}">
+                <adec:decorative xmlns:adec="http://schemas.microsoft.com/office/drawing/2017/decorative" val="1"/>
+              </a:ext>
+            </a:extLst>
+          </p:cNvPr>
+          <p:cNvSpPr>
+            <a:spLocks noGrp="1" noRot="1" noChangeAspect="1" noMove="1" noResize="1" noEditPoints="1" noAdjustHandles="1" noChangeArrowheads="1" noChangeShapeType="1" noTextEdit="1"/>
+          </p:cNvSpPr>
+          <p:nvPr>
+            <p:extLst>
+              <p:ext uri="{386F3935-93C4-4BCD-93E2-E3B085C9AB24}">
+                <p16:designElem xmlns:p16="http://schemas.microsoft.com/office/powerpoint/2015/main" val="1"/>
+              </p:ext>
+            </p:extLst>
+          </p:nvPr>
+        </p:nvSpPr>
+        <p:spPr>
+          <a:xfrm>
+            <a:off x="3048" y="0"/>
+            <a:ext cx="12188952" cy="6858000"/>
+          </a:xfrm>
+          <a:prstGeom prst="rect">
+            <a:avLst/>
+          </a:prstGeom>
+          <a:ln>
+            <a:noFill/>
+          </a:ln>
+        </p:spPr>
+        <p:style>
+          <a:lnRef idx="2">
+            <a:schemeClr val="accent1">
+              <a:shade val="50000"/>
+            </a:schemeClr>
+          </a:lnRef>
+          <a:fillRef idx="1">
+            <a:schemeClr val="accent1"/>
+          </a:fillRef>
+          <a:effectRef idx="0">
+            <a:schemeClr val="accent1"/>
+          </a:effectRef>
+          <a:fontRef idx="minor">
+            <a:schemeClr val="lt1"/>
+          </a:fontRef>
+        </p:style>
+        <p:txBody>
+          <a:bodyPr rtlCol="0" anchor="ctr"/>
+          <a:lstStyle/>
+          <a:p>
+            <a:pPr algn="ctr"/>
+            <a:endParaRPr lang="en-US"/>
+          </a:p>
+        </p:txBody>
+      </p:sp>
+      <p:sp>
+        <p:nvSpPr>
+          <p:cNvPr id="10" name="Freeform: Shape 9">
+            <a:extLst>
+              <a:ext uri="{FF2B5EF4-FFF2-40B4-BE49-F238E27FC236}">
+                <a16:creationId xmlns:a16="http://schemas.microsoft.com/office/drawing/2014/main" id="{DAAE4CDD-124C-4DCF-9584-B6033B545DD5}"/>
+              </a:ext>
+              <a:ext uri="{C183D7F6-B498-43B3-948B-1728B52AA6E4}">
+                <adec:decorative xmlns:adec="http://schemas.microsoft.com/office/drawing/2017/decorative" val="1"/>
+              </a:ext>
+            </a:extLst>
+          </p:cNvPr>
+          <p:cNvSpPr>
+            <a:spLocks noGrp="1" noRot="1" noChangeAspect="1" noMove="1" noResize="1" noEditPoints="1" noAdjustHandles="1" noChangeArrowheads="1" noChangeShapeType="1" noTextEdit="1"/>
+          </p:cNvSpPr>
+          <p:nvPr>
+            <p:extLst>
+              <p:ext uri="{386F3935-93C4-4BCD-93E2-E3B085C9AB24}">
+                <p16:designElem xmlns:p16="http://schemas.microsoft.com/office/powerpoint/2015/main" val="1"/>
+              </p:ext>
+            </p:extLst>
+          </p:nvPr>
+        </p:nvSpPr>
+        <p:spPr>
+          <a:xfrm>
+            <a:off x="1" y="0"/>
+            <a:ext cx="4167271" cy="6858000"/>
+          </a:xfrm>
+          <a:custGeom>
+            <a:avLst/>
+            <a:gdLst>
+              <a:gd name="connsiteX0" fmla="*/ 0 w 4167271"/>
+              <a:gd name="connsiteY0" fmla="*/ 0 h 6858000"/>
+              <a:gd name="connsiteX1" fmla="*/ 2259550 w 4167271"/>
+              <a:gd name="connsiteY1" fmla="*/ 0 h 6858000"/>
+              <a:gd name="connsiteX2" fmla="*/ 2387803 w 4167271"/>
+              <a:gd name="connsiteY2" fmla="*/ 82222 h 6858000"/>
+              <a:gd name="connsiteX3" fmla="*/ 4167271 w 4167271"/>
+              <a:gd name="connsiteY3" fmla="*/ 3429000 h 6858000"/>
+              <a:gd name="connsiteX4" fmla="*/ 2387803 w 4167271"/>
+              <a:gd name="connsiteY4" fmla="*/ 6775779 h 6858000"/>
+              <a:gd name="connsiteX5" fmla="*/ 2259550 w 4167271"/>
+              <a:gd name="connsiteY5" fmla="*/ 6858000 h 6858000"/>
+              <a:gd name="connsiteX6" fmla="*/ 0 w 4167271"/>
+              <a:gd name="connsiteY6" fmla="*/ 6858000 h 6858000"/>
+            </a:gdLst>
+            <a:ahLst/>
+            <a:cxnLst>
+              <a:cxn ang="0">
+                <a:pos x="connsiteX0" y="connsiteY0"/>
+              </a:cxn>
+              <a:cxn ang="0">
+                <a:pos x="connsiteX1" y="connsiteY1"/>
+              </a:cxn>
+              <a:cxn ang="0">
+                <a:pos x="connsiteX2" y="connsiteY2"/>
+              </a:cxn>
+              <a:cxn ang="0">
+                <a:pos x="connsiteX3" y="connsiteY3"/>
+              </a:cxn>
+              <a:cxn ang="0">
+                <a:pos x="connsiteX4" y="connsiteY4"/>
+              </a:cxn>
+              <a:cxn ang="0">
+                <a:pos x="connsiteX5" y="connsiteY5"/>
+              </a:cxn>
+              <a:cxn ang="0">
+                <a:pos x="connsiteX6" y="connsiteY6"/>
+              </a:cxn>
+            </a:cxnLst>
+            <a:rect l="l" t="t" r="r" b="b"/>
+            <a:pathLst>
+              <a:path w="4167271" h="6858000">
+                <a:moveTo>
+                  <a:pt x="0" y="0"/>
+                </a:moveTo>
+                <a:lnTo>
+                  <a:pt x="2259550" y="0"/>
+                </a:lnTo>
+                <a:lnTo>
+                  <a:pt x="2387803" y="82222"/>
+                </a:lnTo>
+                <a:cubicBezTo>
+                  <a:pt x="3461407" y="807534"/>
+                  <a:pt x="4167271" y="2035835"/>
+                  <a:pt x="4167271" y="3429000"/>
+                </a:cubicBezTo>
+                <a:cubicBezTo>
+                  <a:pt x="4167271" y="4822165"/>
+                  <a:pt x="3461407" y="6050467"/>
+                  <a:pt x="2387803" y="6775779"/>
+                </a:cubicBezTo>
+                <a:lnTo>
+                  <a:pt x="2259550" y="6858000"/>
+                </a:lnTo>
+                <a:lnTo>
+                  <a:pt x="0" y="6858000"/>
+                </a:lnTo>
+                <a:close/>
+              </a:path>
+            </a:pathLst>
+          </a:custGeom>
+          <a:solidFill>
+            <a:schemeClr val="accent2"/>
+          </a:solidFill>
+          <a:ln>
+            <a:noFill/>
+          </a:ln>
+        </p:spPr>
+        <p:style>
+          <a:lnRef idx="2">
+            <a:schemeClr val="accent1">
+              <a:shade val="50000"/>
+            </a:schemeClr>
+          </a:lnRef>
+          <a:fillRef idx="1">
+            <a:schemeClr val="accent1"/>
+          </a:fillRef>
+          <a:effectRef idx="0">
+            <a:schemeClr val="accent1"/>
+          </a:effectRef>
+          <a:fontRef idx="minor">
+            <a:schemeClr val="lt1"/>
+          </a:fontRef>
+        </p:style>
+        <p:txBody>
+          <a:bodyPr rtlCol="0" anchor="ctr"/>
+          <a:lstStyle/>
+          <a:p>
+            <a:pPr algn="ctr"/>
+            <a:endParaRPr lang="en-US"/>
+          </a:p>
+        </p:txBody>
+      </p:sp>
+      <p:sp>
+        <p:nvSpPr>
+          <p:cNvPr id="2" name="Title 1">
+            <a:extLst>
+              <a:ext uri="{FF2B5EF4-FFF2-40B4-BE49-F238E27FC236}">
+                <a16:creationId xmlns:a16="http://schemas.microsoft.com/office/drawing/2014/main" id="{604CD088-9924-FDF8-32EA-64AD14C5DE41}"/>
+              </a:ext>
+            </a:extLst>
+          </p:cNvPr>
+          <p:cNvSpPr>
+            <a:spLocks noGrp="1"/>
+          </p:cNvSpPr>
+          <p:nvPr>
+            <p:ph type="title"/>
+          </p:nvPr>
+        </p:nvSpPr>
+        <p:spPr>
+          <a:xfrm>
+            <a:off x="686834" y="1153572"/>
+            <a:ext cx="3200400" cy="4461163"/>
+          </a:xfrm>
+        </p:spPr>
+        <p:txBody>
+          <a:bodyPr>
+            <a:normAutofit/>
+          </a:bodyPr>
+          <a:lstStyle/>
+          <a:p>
+            <a:r>
+              <a:rPr lang="en-US" dirty="0">
+                <a:solidFill>
+                  <a:srgbClr val="FFFFFF"/>
+                </a:solidFill>
+              </a:rPr>
+              <a:t>Events</a:t>
+            </a:r>
+          </a:p>
+        </p:txBody>
+      </p:sp>
+      <p:sp>
+        <p:nvSpPr>
+          <p:cNvPr id="12" name="Arc 11">
+            <a:extLst>
+              <a:ext uri="{FF2B5EF4-FFF2-40B4-BE49-F238E27FC236}">
+                <a16:creationId xmlns:a16="http://schemas.microsoft.com/office/drawing/2014/main" id="{081E4A58-353D-44AE-B2FC-2A74E2E400F7}"/>
+              </a:ext>
+              <a:ext uri="{C183D7F6-B498-43B3-948B-1728B52AA6E4}">
+                <adec:decorative xmlns:adec="http://schemas.microsoft.com/office/drawing/2017/decorative" val="1"/>
+              </a:ext>
+            </a:extLst>
+          </p:cNvPr>
+          <p:cNvSpPr>
+            <a:spLocks noGrp="1" noRot="1" noChangeAspect="1" noMove="1" noResize="1" noEditPoints="1" noAdjustHandles="1" noChangeArrowheads="1" noChangeShapeType="1" noTextEdit="1"/>
+          </p:cNvSpPr>
+          <p:nvPr>
+            <p:extLst>
+              <p:ext uri="{386F3935-93C4-4BCD-93E2-E3B085C9AB24}">
+                <p16:designElem xmlns:p16="http://schemas.microsoft.com/office/powerpoint/2015/main" val="1"/>
+              </p:ext>
+            </p:extLst>
+          </p:nvPr>
+        </p:nvSpPr>
+        <p:spPr>
+          <a:xfrm flipV="1">
+            <a:off x="7550402" y="2455479"/>
+            <a:ext cx="4083433" cy="4083433"/>
+          </a:xfrm>
+          <a:prstGeom prst="arc">
+            <a:avLst/>
+          </a:prstGeom>
+          <a:ln w="127000" cap="rnd">
+            <a:solidFill>
+              <a:schemeClr val="accent4"/>
+            </a:solidFill>
+            <a:prstDash val="dash"/>
+          </a:ln>
+        </p:spPr>
+        <p:style>
+          <a:lnRef idx="1">
+            <a:schemeClr val="accent1"/>
+          </a:lnRef>
+          <a:fillRef idx="0">
+            <a:schemeClr val="accent1"/>
+          </a:fillRef>
+          <a:effectRef idx="0">
+            <a:schemeClr val="accent1"/>
+          </a:effectRef>
+          <a:fontRef idx="minor">
+            <a:schemeClr val="tx1"/>
+          </a:fontRef>
+        </p:style>
+        <p:txBody>
+          <a:bodyPr rtlCol="0" anchor="ctr"/>
+          <a:lstStyle/>
+          <a:p>
+            <a:pPr algn="ctr"/>
+            <a:endParaRPr lang="en-US" dirty="0"/>
+          </a:p>
+        </p:txBody>
+      </p:sp>
+      <p:sp>
+        <p:nvSpPr>
+          <p:cNvPr id="3" name="Content Placeholder 2">
+            <a:extLst>
+              <a:ext uri="{FF2B5EF4-FFF2-40B4-BE49-F238E27FC236}">
+                <a16:creationId xmlns:a16="http://schemas.microsoft.com/office/drawing/2014/main" id="{506ECF03-3832-CE61-45EB-6C148D597A92}"/>
+              </a:ext>
+            </a:extLst>
+          </p:cNvPr>
+          <p:cNvSpPr>
+            <a:spLocks noGrp="1"/>
+          </p:cNvSpPr>
+          <p:nvPr>
+            <p:ph idx="1"/>
+          </p:nvPr>
+        </p:nvSpPr>
+        <p:spPr>
+          <a:xfrm>
+            <a:off x="4447308" y="591344"/>
+            <a:ext cx="6906491" cy="5585619"/>
+          </a:xfrm>
+        </p:spPr>
+        <p:txBody>
+          <a:bodyPr anchor="ctr">
+            <a:normAutofit/>
+          </a:bodyPr>
+          <a:lstStyle/>
+          <a:p>
+            <a:r>
+              <a:rPr lang="en-US" dirty="0"/>
+              <a:t>Hack4Kids </a:t>
+            </a:r>
+          </a:p>
+          <a:p>
+            <a:pPr lvl="1"/>
+            <a:r>
+              <a:rPr lang="en-US" dirty="0"/>
+              <a:t>Milwaukee 4-30-2022</a:t>
+            </a:r>
+          </a:p>
+          <a:p>
+            <a:pPr lvl="1"/>
+            <a:r>
+              <a:rPr lang="en-US" dirty="0"/>
+              <a:t>Chicago 9-17-2022</a:t>
+            </a:r>
+          </a:p>
+          <a:p>
+            <a:r>
+              <a:rPr lang="en-US" dirty="0"/>
+              <a:t>Hour of Code (Green Bay - NWTC)</a:t>
+            </a:r>
+          </a:p>
+          <a:p>
+            <a:pPr lvl="1"/>
+            <a:r>
+              <a:rPr lang="en-US" dirty="0"/>
+              <a:t>Week of December 9th </a:t>
+            </a:r>
+          </a:p>
+          <a:p>
+            <a:r>
+              <a:rPr lang="en-US" dirty="0"/>
+              <a:t>That Conference (Wisconsin Dells)</a:t>
+            </a:r>
+          </a:p>
+          <a:p>
+            <a:r>
+              <a:rPr lang="en-US" dirty="0"/>
+              <a:t>AWS Summit</a:t>
+            </a:r>
+          </a:p>
+          <a:p>
+            <a:pPr lvl="1"/>
+            <a:r>
+              <a:rPr lang="en-US" dirty="0"/>
+              <a:t>Chicago 8-25-2022</a:t>
+            </a:r>
+          </a:p>
+          <a:p>
+            <a:r>
+              <a:rPr lang="en-US" dirty="0"/>
+              <a:t>Hackathons (Chicago)</a:t>
+            </a:r>
+          </a:p>
+        </p:txBody>
+      </p:sp>
+    </p:spTree>
+    <p:extLst>
+      <p:ext uri="{BB962C8B-B14F-4D97-AF65-F5344CB8AC3E}">
+        <p14:creationId xmlns:p14="http://schemas.microsoft.com/office/powerpoint/2010/main" val="2514425548"/>
       </p:ext>
     </p:extLst>
   </p:cSld>
@@ -7754,7 +7729,7 @@
           <a:lstStyle/>
           <a:p>
             <a:pPr algn="ctr"/>
-            <a:endParaRPr lang="en-US" dirty="0"/>
+            <a:endParaRPr lang="en-US"/>
           </a:p>
         </p:txBody>
       </p:sp>
@@ -7840,7 +7815,7 @@
               <a:tabLst/>
               <a:defRPr/>
             </a:pPr>
-            <a:endParaRPr kumimoji="0" lang="en-US" sz="1800" b="0" i="0" u="none" strike="noStrike" kern="1200" cap="none" spc="0" normalizeH="0" baseline="0" noProof="0" dirty="0">
+            <a:endParaRPr kumimoji="0" lang="en-US" sz="1800" b="0" i="0" u="none" strike="noStrike" kern="1200" cap="none" spc="0" normalizeH="0" baseline="0" noProof="0">
               <a:ln>
                 <a:noFill/>
               </a:ln>
@@ -7930,7 +7905,7 @@
               <a:tabLst/>
               <a:defRPr/>
             </a:pPr>
-            <a:endParaRPr kumimoji="0" lang="en-US" sz="1800" b="0" i="0" u="none" strike="noStrike" kern="1200" cap="none" spc="0" normalizeH="0" baseline="0" noProof="0" dirty="0">
+            <a:endParaRPr kumimoji="0" lang="en-US" sz="1800" b="0" i="0" u="none" strike="noStrike" kern="1200" cap="none" spc="0" normalizeH="0" baseline="0" noProof="0">
               <a:ln>
                 <a:noFill/>
               </a:ln>
@@ -7976,8 +7951,8 @@
           <a:lstStyle/>
           <a:p>
             <a:r>
-              <a:rPr lang="en-US" sz="4800" dirty="0"/>
-              <a:t>Resources</a:t>
+              <a:rPr lang="en-US" sz="3200" dirty="0"/>
+              <a:t>Key Points when programming with kids</a:t>
             </a:r>
           </a:p>
         </p:txBody>
@@ -8041,7 +8016,7 @@
           <a:lstStyle/>
           <a:p>
             <a:pPr algn="ctr"/>
-            <a:endParaRPr lang="en-US" dirty="0">
+            <a:endParaRPr lang="en-US">
               <a:solidFill>
                 <a:prstClr val="white"/>
               </a:solidFill>
@@ -8068,109 +8043,45 @@
         </p:nvSpPr>
         <p:spPr>
           <a:xfrm>
-            <a:off x="1848089" y="2567446"/>
-            <a:ext cx="8495822" cy="3720532"/>
-          </a:xfrm>
-        </p:spPr>
-        <p:txBody>
-          <a:bodyPr numCol="2">
+            <a:off x="1992884" y="2560320"/>
+            <a:ext cx="8206232" cy="3695020"/>
+          </a:xfrm>
+        </p:spPr>
+        <p:txBody>
+          <a:bodyPr>
             <a:normAutofit/>
           </a:bodyPr>
           <a:lstStyle/>
           <a:p>
+            <a:pPr marL="0" indent="0" algn="ctr">
+              <a:buNone/>
+            </a:pPr>
             <a:r>
               <a:rPr lang="en-US" dirty="0"/>
-              <a:t>FlexboxFroggy.com</a:t>
-            </a:r>
-          </a:p>
-          <a:p>
-            <a:r>
-              <a:rPr lang="en-US" dirty="0"/>
-              <a:t>HourOfCode.com</a:t>
-            </a:r>
-          </a:p>
-          <a:p>
-            <a:r>
-              <a:rPr lang="en-US" dirty="0"/>
-              <a:t>Code.org</a:t>
-            </a:r>
-          </a:p>
-          <a:p>
-            <a:r>
-              <a:rPr lang="en-US" dirty="0"/>
-              <a:t>Scratch.com</a:t>
-            </a:r>
-          </a:p>
-          <a:p>
-            <a:r>
-              <a:rPr lang="en-US" dirty="0"/>
-              <a:t>Microsoft </a:t>
-            </a:r>
-            <a:r>
-              <a:rPr lang="en-US" dirty="0" err="1"/>
-              <a:t>MakeCode</a:t>
-            </a:r>
-            <a:endParaRPr lang="en-US" dirty="0"/>
-          </a:p>
-          <a:p>
-            <a:r>
-              <a:rPr lang="en-US" dirty="0"/>
-              <a:t>Minecraft – Education Edition</a:t>
-            </a:r>
-          </a:p>
-          <a:p>
-            <a:r>
-              <a:rPr lang="en-US" dirty="0"/>
-              <a:t>Microsoft Learn</a:t>
-            </a:r>
-          </a:p>
-          <a:p>
-            <a:r>
-              <a:rPr lang="en-US" dirty="0"/>
-              <a:t>FreeCodeCamp.org</a:t>
-            </a:r>
-          </a:p>
-          <a:p>
-            <a:r>
-              <a:rPr lang="en-US" dirty="0"/>
-              <a:t>CSSGridGarden.com</a:t>
-            </a:r>
-          </a:p>
-          <a:p>
-            <a:r>
-              <a:rPr lang="en-US" dirty="0"/>
-              <a:t>HackerRank.com</a:t>
-            </a:r>
-          </a:p>
-          <a:p>
-            <a:r>
-              <a:rPr lang="en-US" dirty="0"/>
-              <a:t>YouTube </a:t>
-            </a:r>
-          </a:p>
-          <a:p>
-            <a:pPr lvl="1"/>
-            <a:r>
-              <a:rPr lang="en-US" dirty="0" err="1"/>
-              <a:t>Brackeys</a:t>
-            </a:r>
-            <a:r>
-              <a:rPr lang="en-US" dirty="0"/>
-              <a:t> – Unity</a:t>
-            </a:r>
-          </a:p>
-          <a:p>
-            <a:pPr marL="0" indent="0">
+              <a:t>Don’t start with basic computer concepts.  </a:t>
+            </a:r>
+          </a:p>
+          <a:p>
+            <a:pPr marL="0" indent="0" algn="ctr">
               <a:buNone/>
             </a:pPr>
             <a:endParaRPr lang="en-US" dirty="0"/>
           </a:p>
+          <a:p>
+            <a:pPr marL="0" indent="0" algn="ctr">
+              <a:buNone/>
+            </a:pPr>
+            <a:r>
+              <a:rPr lang="en-US" sz="6600" dirty="0"/>
+              <a:t>JUST JUMP IN!</a:t>
+            </a:r>
+          </a:p>
         </p:txBody>
       </p:sp>
     </p:spTree>
     <p:extLst>
       <p:ext uri="{BB962C8B-B14F-4D97-AF65-F5344CB8AC3E}">
-        <p14:creationId xmlns:p14="http://schemas.microsoft.com/office/powerpoint/2010/main" val="2303827976"/>
+        <p14:creationId xmlns:p14="http://schemas.microsoft.com/office/powerpoint/2010/main" val="1238118240"/>
       </p:ext>
     </p:extLst>
   </p:cSld>
@@ -8210,7 +8121,7 @@
           <p:cNvPr id="8" name="Rectangle 7">
             <a:extLst>
               <a:ext uri="{FF2B5EF4-FFF2-40B4-BE49-F238E27FC236}">
-                <a16:creationId xmlns:a16="http://schemas.microsoft.com/office/drawing/2014/main" id="{DAF1966E-FD40-4A4A-B61B-C4DF7FA05F06}"/>
+                <a16:creationId xmlns:a16="http://schemas.microsoft.com/office/drawing/2014/main" id="{907EF6B7-1338-4443-8C46-6A318D952DFD}"/>
               </a:ext>
               <a:ext uri="{C183D7F6-B498-43B3-948B-1728B52AA6E4}">
                 <adec:decorative xmlns:adec="http://schemas.microsoft.com/office/drawing/2017/decorative" val="1"/>
@@ -8230,8 +8141,8 @@
         </p:nvSpPr>
         <p:spPr>
           <a:xfrm>
-            <a:off x="0" y="0"/>
-            <a:ext cx="12192000" cy="6858000"/>
+            <a:off x="3048" y="0"/>
+            <a:ext cx="12188952" cy="6858000"/>
           </a:xfrm>
           <a:prstGeom prst="rect">
             <a:avLst/>
@@ -8261,444 +8172,7 @@
           <a:lstStyle/>
           <a:p>
             <a:pPr algn="ctr"/>
-            <a:endParaRPr lang="en-US" dirty="0"/>
-          </a:p>
-        </p:txBody>
-      </p:sp>
-      <p:sp useBgFill="1">
-        <p:nvSpPr>
-          <p:cNvPr id="10" name="Rectangle 9">
-            <a:extLst>
-              <a:ext uri="{FF2B5EF4-FFF2-40B4-BE49-F238E27FC236}">
-                <a16:creationId xmlns:a16="http://schemas.microsoft.com/office/drawing/2014/main" id="{047BFA19-D45E-416B-A404-7AF2F3F27017}"/>
-              </a:ext>
-              <a:ext uri="{C183D7F6-B498-43B3-948B-1728B52AA6E4}">
-                <adec:decorative xmlns:adec="http://schemas.microsoft.com/office/drawing/2017/decorative" val="1"/>
-              </a:ext>
-            </a:extLst>
-          </p:cNvPr>
-          <p:cNvSpPr>
-            <a:spLocks noGrp="1" noRot="1" noChangeAspect="1" noMove="1" noResize="1" noEditPoints="1" noAdjustHandles="1" noChangeArrowheads="1" noChangeShapeType="1" noTextEdit="1"/>
-          </p:cNvSpPr>
-          <p:nvPr>
-            <p:extLst>
-              <p:ext uri="{386F3935-93C4-4BCD-93E2-E3B085C9AB24}">
-                <p16:designElem xmlns:p16="http://schemas.microsoft.com/office/powerpoint/2015/main" val="1"/>
-              </p:ext>
-            </p:extLst>
-          </p:nvPr>
-        </p:nvSpPr>
-        <p:spPr>
-          <a:xfrm>
-            <a:off x="558209" y="0"/>
-            <a:ext cx="11167447" cy="2018806"/>
-          </a:xfrm>
-          <a:prstGeom prst="rect">
-            <a:avLst/>
-          </a:prstGeom>
-          <a:ln w="9525">
-            <a:solidFill>
-              <a:srgbClr val="E1E1E1"/>
-            </a:solidFill>
-          </a:ln>
-          <a:effectLst>
-            <a:outerShdw blurRad="50800" dist="38100" dir="2700000" algn="tl" rotWithShape="0">
-              <a:schemeClr val="bg1">
-                <a:lumMod val="85000"/>
-                <a:alpha val="50000"/>
-              </a:schemeClr>
-            </a:outerShdw>
-          </a:effectLst>
-        </p:spPr>
-        <p:style>
-          <a:lnRef idx="2">
-            <a:schemeClr val="accent1">
-              <a:shade val="50000"/>
-            </a:schemeClr>
-          </a:lnRef>
-          <a:fillRef idx="1">
-            <a:schemeClr val="accent1"/>
-          </a:fillRef>
-          <a:effectRef idx="0">
-            <a:schemeClr val="accent1"/>
-          </a:effectRef>
-          <a:fontRef idx="minor">
-            <a:schemeClr val="lt1"/>
-          </a:fontRef>
-        </p:style>
-        <p:txBody>
-          <a:bodyPr rtlCol="0" anchor="ctr"/>
-          <a:lstStyle/>
-          <a:p>
-            <a:pPr marL="0" marR="0" lvl="0" indent="0" algn="ctr" defTabSz="914400" rtl="0" eaLnBrk="1" fontAlgn="auto" latinLnBrk="0" hangingPunct="1">
-              <a:lnSpc>
-                <a:spcPct val="100000"/>
-              </a:lnSpc>
-              <a:spcBef>
-                <a:spcPts val="0"/>
-              </a:spcBef>
-              <a:spcAft>
-                <a:spcPts val="0"/>
-              </a:spcAft>
-              <a:buClrTx/>
-              <a:buSzTx/>
-              <a:buFontTx/>
-              <a:buNone/>
-              <a:tabLst/>
-              <a:defRPr/>
-            </a:pPr>
-            <a:endParaRPr kumimoji="0" lang="en-US" sz="1800" b="0" i="0" u="none" strike="noStrike" kern="1200" cap="none" spc="0" normalizeH="0" baseline="0" noProof="0" dirty="0">
-              <a:ln>
-                <a:noFill/>
-              </a:ln>
-              <a:solidFill>
-                <a:prstClr val="white"/>
-              </a:solidFill>
-              <a:effectLst/>
-              <a:uLnTx/>
-              <a:uFillTx/>
-              <a:latin typeface="Calibri" panose="020F0502020204030204"/>
-              <a:ea typeface="+mn-ea"/>
-              <a:cs typeface="+mn-cs"/>
-            </a:endParaRPr>
-          </a:p>
-        </p:txBody>
-      </p:sp>
-      <p:sp useBgFill="1">
-        <p:nvSpPr>
-          <p:cNvPr id="12" name="Rectangle 11">
-            <a:extLst>
-              <a:ext uri="{FF2B5EF4-FFF2-40B4-BE49-F238E27FC236}">
-                <a16:creationId xmlns:a16="http://schemas.microsoft.com/office/drawing/2014/main" id="{8E0105E7-23DB-4CF2-8258-FF47C7620F6E}"/>
-              </a:ext>
-              <a:ext uri="{C183D7F6-B498-43B3-948B-1728B52AA6E4}">
-                <adec:decorative xmlns:adec="http://schemas.microsoft.com/office/drawing/2017/decorative" val="1"/>
-              </a:ext>
-            </a:extLst>
-          </p:cNvPr>
-          <p:cNvSpPr>
-            <a:spLocks noGrp="1" noRot="1" noChangeAspect="1" noMove="1" noResize="1" noEditPoints="1" noAdjustHandles="1" noChangeArrowheads="1" noChangeShapeType="1" noTextEdit="1"/>
-          </p:cNvSpPr>
-          <p:nvPr>
-            <p:extLst>
-              <p:ext uri="{386F3935-93C4-4BCD-93E2-E3B085C9AB24}">
-                <p16:designElem xmlns:p16="http://schemas.microsoft.com/office/powerpoint/2015/main" val="1"/>
-              </p:ext>
-            </p:extLst>
-          </p:nvPr>
-        </p:nvSpPr>
-        <p:spPr>
-          <a:xfrm>
-            <a:off x="566928" y="0"/>
-            <a:ext cx="11155680" cy="2011680"/>
-          </a:xfrm>
-          <a:prstGeom prst="rect">
-            <a:avLst/>
-          </a:prstGeom>
-          <a:ln w="9525">
-            <a:noFill/>
-          </a:ln>
-          <a:effectLst/>
-        </p:spPr>
-        <p:style>
-          <a:lnRef idx="2">
-            <a:schemeClr val="accent1">
-              <a:shade val="50000"/>
-            </a:schemeClr>
-          </a:lnRef>
-          <a:fillRef idx="1">
-            <a:schemeClr val="accent1"/>
-          </a:fillRef>
-          <a:effectRef idx="0">
-            <a:schemeClr val="accent1"/>
-          </a:effectRef>
-          <a:fontRef idx="minor">
-            <a:schemeClr val="lt1"/>
-          </a:fontRef>
-        </p:style>
-        <p:txBody>
-          <a:bodyPr rtlCol="0" anchor="ctr"/>
-          <a:lstStyle/>
-          <a:p>
-            <a:pPr marL="0" marR="0" lvl="0" indent="0" algn="ctr" defTabSz="914400" rtl="0" eaLnBrk="1" fontAlgn="auto" latinLnBrk="0" hangingPunct="1">
-              <a:lnSpc>
-                <a:spcPct val="100000"/>
-              </a:lnSpc>
-              <a:spcBef>
-                <a:spcPts val="0"/>
-              </a:spcBef>
-              <a:spcAft>
-                <a:spcPts val="0"/>
-              </a:spcAft>
-              <a:buClrTx/>
-              <a:buSzTx/>
-              <a:buFontTx/>
-              <a:buNone/>
-              <a:tabLst/>
-              <a:defRPr/>
-            </a:pPr>
-            <a:endParaRPr kumimoji="0" lang="en-US" sz="1800" b="0" i="0" u="none" strike="noStrike" kern="1200" cap="none" spc="0" normalizeH="0" baseline="0" noProof="0" dirty="0">
-              <a:ln>
-                <a:noFill/>
-              </a:ln>
-              <a:solidFill>
-                <a:prstClr val="white"/>
-              </a:solidFill>
-              <a:effectLst/>
-              <a:uLnTx/>
-              <a:uFillTx/>
-              <a:latin typeface="Calibri" panose="020F0502020204030204"/>
-              <a:ea typeface="+mn-ea"/>
-              <a:cs typeface="+mn-cs"/>
-            </a:endParaRPr>
-          </a:p>
-        </p:txBody>
-      </p:sp>
-      <p:sp>
-        <p:nvSpPr>
-          <p:cNvPr id="2" name="Title 1">
-            <a:extLst>
-              <a:ext uri="{FF2B5EF4-FFF2-40B4-BE49-F238E27FC236}">
-                <a16:creationId xmlns:a16="http://schemas.microsoft.com/office/drawing/2014/main" id="{82CF4B60-062A-25CD-E448-6C8255EEF9CC}"/>
-              </a:ext>
-            </a:extLst>
-          </p:cNvPr>
-          <p:cNvSpPr>
-            <a:spLocks noGrp="1"/>
-          </p:cNvSpPr>
-          <p:nvPr>
-            <p:ph type="title"/>
-          </p:nvPr>
-        </p:nvSpPr>
-        <p:spPr>
-          <a:xfrm>
-            <a:off x="1115568" y="548640"/>
-            <a:ext cx="10168128" cy="1179576"/>
-          </a:xfrm>
-        </p:spPr>
-        <p:txBody>
-          <a:bodyPr>
-            <a:normAutofit/>
-          </a:bodyPr>
-          <a:lstStyle/>
-          <a:p>
-            <a:r>
-              <a:rPr lang="en-US" sz="4800" dirty="0"/>
-              <a:t>Flowcharts</a:t>
-            </a:r>
-          </a:p>
-        </p:txBody>
-      </p:sp>
-      <p:sp>
-        <p:nvSpPr>
-          <p:cNvPr id="14" name="Rectangle 13">
-            <a:extLst>
-              <a:ext uri="{FF2B5EF4-FFF2-40B4-BE49-F238E27FC236}">
-                <a16:creationId xmlns:a16="http://schemas.microsoft.com/office/drawing/2014/main" id="{074B4F7D-14B2-478B-8BF5-01E4E0C5D263}"/>
-              </a:ext>
-              <a:ext uri="{C183D7F6-B498-43B3-948B-1728B52AA6E4}">
-                <adec:decorative xmlns:adec="http://schemas.microsoft.com/office/drawing/2017/decorative" val="1"/>
-              </a:ext>
-            </a:extLst>
-          </p:cNvPr>
-          <p:cNvSpPr>
-            <a:spLocks noGrp="1" noRot="1" noChangeAspect="1" noMove="1" noResize="1" noEditPoints="1" noAdjustHandles="1" noChangeArrowheads="1" noChangeShapeType="1" noTextEdit="1"/>
-          </p:cNvSpPr>
-          <p:nvPr>
-            <p:extLst>
-              <p:ext uri="{386F3935-93C4-4BCD-93E2-E3B085C9AB24}">
-                <p16:designElem xmlns:p16="http://schemas.microsoft.com/office/powerpoint/2015/main" val="1"/>
-              </p:ext>
-            </p:extLst>
-          </p:nvPr>
-        </p:nvSpPr>
-        <p:spPr>
-          <a:xfrm>
-            <a:off x="498834" y="758952"/>
-            <a:ext cx="128016" cy="704088"/>
-          </a:xfrm>
-          <a:prstGeom prst="rect">
-            <a:avLst/>
-          </a:prstGeom>
-          <a:solidFill>
-            <a:schemeClr val="accent2"/>
-          </a:solidFill>
-          <a:ln>
-            <a:noFill/>
-          </a:ln>
-        </p:spPr>
-        <p:style>
-          <a:lnRef idx="2">
-            <a:schemeClr val="accent1">
-              <a:shade val="50000"/>
-            </a:schemeClr>
-          </a:lnRef>
-          <a:fillRef idx="1">
-            <a:schemeClr val="accent1"/>
-          </a:fillRef>
-          <a:effectRef idx="0">
-            <a:schemeClr val="accent1"/>
-          </a:effectRef>
-          <a:fontRef idx="minor">
-            <a:schemeClr val="lt1"/>
-          </a:fontRef>
-        </p:style>
-        <p:txBody>
-          <a:bodyPr rtlCol="0" anchor="ctr"/>
-          <a:lstStyle/>
-          <a:p>
-            <a:pPr algn="ctr"/>
-            <a:endParaRPr lang="en-US" dirty="0">
-              <a:solidFill>
-                <a:prstClr val="white"/>
-              </a:solidFill>
-              <a:latin typeface="Calibri" panose="020F0502020204030204"/>
-            </a:endParaRPr>
-          </a:p>
-        </p:txBody>
-      </p:sp>
-      <p:sp>
-        <p:nvSpPr>
-          <p:cNvPr id="3" name="Content Placeholder 2">
-            <a:extLst>
-              <a:ext uri="{FF2B5EF4-FFF2-40B4-BE49-F238E27FC236}">
-                <a16:creationId xmlns:a16="http://schemas.microsoft.com/office/drawing/2014/main" id="{E43BD06B-906D-5C9C-E517-52B27F705E94}"/>
-              </a:ext>
-            </a:extLst>
-          </p:cNvPr>
-          <p:cNvSpPr>
-            <a:spLocks noGrp="1"/>
-          </p:cNvSpPr>
-          <p:nvPr>
-            <p:ph idx="1"/>
-          </p:nvPr>
-        </p:nvSpPr>
-        <p:spPr>
-          <a:xfrm>
-            <a:off x="1992884" y="2560320"/>
-            <a:ext cx="8206232" cy="3695020"/>
-          </a:xfrm>
-        </p:spPr>
-        <p:txBody>
-          <a:bodyPr>
-            <a:normAutofit/>
-          </a:bodyPr>
-          <a:lstStyle/>
-          <a:p>
-            <a:r>
-              <a:rPr lang="en-US" dirty="0"/>
-              <a:t>Visually represent a process or workflow in a step-by-step manner.</a:t>
-            </a:r>
-          </a:p>
-          <a:p>
-            <a:r>
-              <a:rPr lang="en-US" dirty="0"/>
-              <a:t>Each step is represented by blocks or ovals and connected b lines or arrows.</a:t>
-            </a:r>
-          </a:p>
-          <a:p>
-            <a:r>
-              <a:rPr lang="en-US" dirty="0"/>
-              <a:t>Can be used to brainstorm and design how you will create your code</a:t>
-            </a:r>
-          </a:p>
-        </p:txBody>
-      </p:sp>
-    </p:spTree>
-    <p:extLst>
-      <p:ext uri="{BB962C8B-B14F-4D97-AF65-F5344CB8AC3E}">
-        <p14:creationId xmlns:p14="http://schemas.microsoft.com/office/powerpoint/2010/main" val="1416219913"/>
-      </p:ext>
-    </p:extLst>
-  </p:cSld>
-  <p:clrMapOvr>
-    <a:masterClrMapping/>
-  </p:clrMapOvr>
-</p:sld>
-</file>
-
-<file path=ppt/slides/slide22.xml><?xml version="1.0" encoding="utf-8"?>
-<p:sld xmlns:a="http://schemas.openxmlformats.org/drawingml/2006/main" xmlns:r="http://schemas.openxmlformats.org/officeDocument/2006/relationships" xmlns:p="http://schemas.openxmlformats.org/presentationml/2006/main">
-  <p:cSld>
-    <p:bg>
-      <p:bgPr>
-        <a:solidFill>
-          <a:schemeClr val="bg1"/>
-        </a:solidFill>
-        <a:effectLst/>
-      </p:bgPr>
-    </p:bg>
-    <p:spTree>
-      <p:nvGrpSpPr>
-        <p:cNvPr id="1" name=""/>
-        <p:cNvGrpSpPr/>
-        <p:nvPr/>
-      </p:nvGrpSpPr>
-      <p:grpSpPr>
-        <a:xfrm>
-          <a:off x="0" y="0"/>
-          <a:ext cx="0" cy="0"/>
-          <a:chOff x="0" y="0"/>
-          <a:chExt cx="0" cy="0"/>
-        </a:xfrm>
-      </p:grpSpPr>
-      <p:sp useBgFill="1">
-        <p:nvSpPr>
-          <p:cNvPr id="8" name="Rectangle 7">
-            <a:extLst>
-              <a:ext uri="{FF2B5EF4-FFF2-40B4-BE49-F238E27FC236}">
-                <a16:creationId xmlns:a16="http://schemas.microsoft.com/office/drawing/2014/main" id="{907EF6B7-1338-4443-8C46-6A318D952DFD}"/>
-              </a:ext>
-              <a:ext uri="{C183D7F6-B498-43B3-948B-1728B52AA6E4}">
-                <adec:decorative xmlns:adec="http://schemas.microsoft.com/office/drawing/2017/decorative" val="1"/>
-              </a:ext>
-            </a:extLst>
-          </p:cNvPr>
-          <p:cNvSpPr>
-            <a:spLocks noGrp="1" noRot="1" noChangeAspect="1" noMove="1" noResize="1" noEditPoints="1" noAdjustHandles="1" noChangeArrowheads="1" noChangeShapeType="1" noTextEdit="1"/>
-          </p:cNvSpPr>
-          <p:nvPr>
-            <p:extLst>
-              <p:ext uri="{386F3935-93C4-4BCD-93E2-E3B085C9AB24}">
-                <p16:designElem xmlns:p16="http://schemas.microsoft.com/office/powerpoint/2015/main" val="1"/>
-              </p:ext>
-            </p:extLst>
-          </p:nvPr>
-        </p:nvSpPr>
-        <p:spPr>
-          <a:xfrm>
-            <a:off x="3048" y="0"/>
-            <a:ext cx="12188952" cy="6858000"/>
-          </a:xfrm>
-          <a:prstGeom prst="rect">
-            <a:avLst/>
-          </a:prstGeom>
-          <a:ln>
-            <a:noFill/>
-          </a:ln>
-        </p:spPr>
-        <p:style>
-          <a:lnRef idx="2">
-            <a:schemeClr val="accent1">
-              <a:shade val="50000"/>
-            </a:schemeClr>
-          </a:lnRef>
-          <a:fillRef idx="1">
-            <a:schemeClr val="accent1"/>
-          </a:fillRef>
-          <a:effectRef idx="0">
-            <a:schemeClr val="accent1"/>
-          </a:effectRef>
-          <a:fontRef idx="minor">
-            <a:schemeClr val="lt1"/>
-          </a:fontRef>
-        </p:style>
-        <p:txBody>
-          <a:bodyPr rtlCol="0" anchor="ctr"/>
-          <a:lstStyle/>
-          <a:p>
-            <a:pPr algn="ctr"/>
-            <a:endParaRPr lang="en-US" dirty="0"/>
+            <a:endParaRPr lang="en-US"/>
           </a:p>
         </p:txBody>
       </p:sp>
@@ -8832,7 +8306,7 @@
           <a:lstStyle/>
           <a:p>
             <a:pPr algn="ctr"/>
-            <a:endParaRPr lang="en-US" dirty="0"/>
+            <a:endParaRPr lang="en-US"/>
           </a:p>
         </p:txBody>
       </p:sp>
@@ -8870,7 +8344,7 @@
                   <a:srgbClr val="FFFFFF"/>
                 </a:solidFill>
               </a:rPr>
-              <a:t>Flowcharts</a:t>
+              <a:t>Code with Kids</a:t>
             </a:r>
           </a:p>
         </p:txBody>
@@ -8964,98 +8438,42 @@
           </a:bodyPr>
           <a:lstStyle/>
           <a:p>
-            <a:pPr marL="0" indent="0" algn="ctr">
-              <a:buNone/>
-            </a:pPr>
-            <a:r>
-              <a:rPr lang="en-US" sz="3600" dirty="0"/>
-              <a:t>Start / Terminator</a:t>
-            </a:r>
-          </a:p>
-          <a:p>
-            <a:pPr marL="0" indent="0">
-              <a:buNone/>
-            </a:pPr>
+            <a:r>
+              <a:rPr lang="en-US" dirty="0"/>
+              <a:t>Kids want to see results quickly</a:t>
+            </a:r>
+          </a:p>
+          <a:p>
+            <a:r>
+              <a:rPr lang="en-US" dirty="0"/>
+              <a:t>Use games to make it fun</a:t>
+            </a:r>
+          </a:p>
+          <a:p>
+            <a:r>
+              <a:rPr lang="en-US" dirty="0"/>
+              <a:t>Repetition overtime will generate learning and understanding</a:t>
+            </a:r>
+          </a:p>
+          <a:p>
+            <a:r>
+              <a:rPr lang="en-US" dirty="0"/>
+              <a:t>Be PATIENT (small steps matter)</a:t>
+            </a:r>
+          </a:p>
+          <a:p>
+            <a:r>
+              <a:rPr lang="en-US" sz="5400" dirty="0"/>
+              <a:t>MAKE IT FUN</a:t>
+            </a:r>
             <a:endParaRPr lang="en-US" dirty="0"/>
           </a:p>
-          <a:p>
-            <a:pPr marL="0" indent="0">
-              <a:buNone/>
-            </a:pPr>
-            <a:r>
-              <a:rPr lang="en-US" b="0" i="0" dirty="0">
-                <a:solidFill>
-                  <a:srgbClr val="000000"/>
-                </a:solidFill>
-                <a:effectLst/>
-                <a:latin typeface="Poppins" panose="020B0502040204020203" pitchFamily="2" charset="0"/>
-              </a:rPr>
-              <a:t>Use this shape for the beginning or ending step of your process</a:t>
-            </a:r>
-            <a:endParaRPr lang="en-US" dirty="0"/>
-          </a:p>
-          <a:p>
-            <a:pPr marL="0" indent="0">
-              <a:buNone/>
-            </a:pPr>
-            <a:endParaRPr lang="en-US" dirty="0"/>
-          </a:p>
-          <a:p>
-            <a:endParaRPr lang="en-US" dirty="0"/>
-          </a:p>
-        </p:txBody>
-      </p:sp>
-      <p:pic>
-        <p:nvPicPr>
-          <p:cNvPr id="3076" name="Picture 4" descr="Start or Terminator">
-            <a:extLst>
-              <a:ext uri="{FF2B5EF4-FFF2-40B4-BE49-F238E27FC236}">
-                <a16:creationId xmlns:a16="http://schemas.microsoft.com/office/drawing/2014/main" id="{812A3581-5A2C-0B7A-C6F7-9A61A7B457D0}"/>
-              </a:ext>
-            </a:extLst>
-          </p:cNvPr>
-          <p:cNvPicPr>
-            <a:picLocks noChangeAspect="1" noChangeArrowheads="1"/>
-          </p:cNvPicPr>
-          <p:nvPr/>
-        </p:nvPicPr>
-        <p:blipFill>
-          <a:blip r:embed="rId2">
-            <a:extLst>
-              <a:ext uri="{28A0092B-C50C-407E-A947-70E740481C1C}">
-                <a14:useLocalDpi xmlns:a14="http://schemas.microsoft.com/office/drawing/2010/main" val="0"/>
-              </a:ext>
-            </a:extLst>
-          </a:blip>
-          <a:srcRect/>
-          <a:stretch>
-            <a:fillRect/>
-          </a:stretch>
-        </p:blipFill>
-        <p:spPr bwMode="auto">
-          <a:xfrm>
-            <a:off x="7227613" y="1312082"/>
-            <a:ext cx="1345880" cy="438150"/>
-          </a:xfrm>
-          <a:prstGeom prst="rect">
-            <a:avLst/>
-          </a:prstGeom>
-          <a:noFill/>
-          <a:extLst>
-            <a:ext uri="{909E8E84-426E-40DD-AFC4-6F175D3DCCD1}">
-              <a14:hiddenFill xmlns:a14="http://schemas.microsoft.com/office/drawing/2010/main">
-                <a:solidFill>
-                  <a:srgbClr val="FFFFFF"/>
-                </a:solidFill>
-              </a14:hiddenFill>
-            </a:ext>
-          </a:extLst>
-        </p:spPr>
-      </p:pic>
+        </p:txBody>
+      </p:sp>
     </p:spTree>
     <p:extLst>
       <p:ext uri="{BB962C8B-B14F-4D97-AF65-F5344CB8AC3E}">
-        <p14:creationId xmlns:p14="http://schemas.microsoft.com/office/powerpoint/2010/main" val="843875840"/>
+        <p14:creationId xmlns:p14="http://schemas.microsoft.com/office/powerpoint/2010/main" val="2688603832"/>
       </p:ext>
     </p:extLst>
   </p:cSld>
@@ -9065,7 +8483,7 @@
 </p:sld>
 </file>
 
-<file path=ppt/slides/slide23.xml><?xml version="1.0" encoding="utf-8"?>
+<file path=ppt/slides/slide22.xml><?xml version="1.0" encoding="utf-8"?>
 <p:sld xmlns:a="http://schemas.openxmlformats.org/drawingml/2006/main" xmlns:r="http://schemas.openxmlformats.org/officeDocument/2006/relationships" xmlns:p="http://schemas.openxmlformats.org/presentationml/2006/main">
   <p:cSld>
     <p:bg>
@@ -9146,7 +8564,7 @@
           <a:lstStyle/>
           <a:p>
             <a:pPr algn="ctr"/>
-            <a:endParaRPr lang="en-US" dirty="0"/>
+            <a:endParaRPr lang="en-US"/>
           </a:p>
         </p:txBody>
       </p:sp>
@@ -9280,7 +8698,7 @@
           <a:lstStyle/>
           <a:p>
             <a:pPr algn="ctr"/>
-            <a:endParaRPr lang="en-US" dirty="0"/>
+            <a:endParaRPr lang="en-US"/>
           </a:p>
         </p:txBody>
       </p:sp>
@@ -9318,7 +8736,7 @@
                   <a:srgbClr val="FFFFFF"/>
                 </a:solidFill>
               </a:rPr>
-              <a:t>Flowcharts</a:t>
+              <a:t>Code with Kids</a:t>
             </a:r>
           </a:p>
         </p:txBody>
@@ -9412,12 +8830,35 @@
           </a:bodyPr>
           <a:lstStyle/>
           <a:p>
-            <a:pPr marL="0" indent="0" algn="ctr">
-              <a:buNone/>
-            </a:pPr>
-            <a:r>
-              <a:rPr lang="en-US" sz="3600" dirty="0"/>
-              <a:t>Process</a:t>
+            <a:r>
+              <a:rPr lang="en-US" dirty="0"/>
+              <a:t>Typing is a big hurdle.  </a:t>
+            </a:r>
+          </a:p>
+          <a:p>
+            <a:pPr lvl="1"/>
+            <a:r>
+              <a:rPr lang="en-US" dirty="0"/>
+              <a:t>Goal is to have a quick Dev Loop</a:t>
+            </a:r>
+          </a:p>
+          <a:p>
+            <a:r>
+              <a:rPr lang="en-US" dirty="0"/>
+              <a:t>Eventually kids will want more of a challenge</a:t>
+            </a:r>
+          </a:p>
+          <a:p>
+            <a:pPr lvl="1"/>
+            <a:r>
+              <a:rPr lang="en-US" dirty="0"/>
+              <a:t>Example: When ready move from Blockly to a typed language.  </a:t>
+            </a:r>
+          </a:p>
+          <a:p>
+            <a:r>
+              <a:rPr lang="en-US" dirty="0"/>
+              <a:t>Revisit old projects later and make changes with new concepts</a:t>
             </a:r>
           </a:p>
           <a:p>
@@ -9426,78 +8867,12 @@
             </a:pPr>
             <a:endParaRPr lang="en-US" dirty="0"/>
           </a:p>
-          <a:p>
-            <a:pPr marL="0" indent="0">
-              <a:buNone/>
-            </a:pPr>
-            <a:r>
-              <a:rPr lang="en-US" b="0" i="0" dirty="0">
-                <a:solidFill>
-                  <a:srgbClr val="000000"/>
-                </a:solidFill>
-                <a:effectLst/>
-                <a:latin typeface="Poppins" panose="00000500000000000000" pitchFamily="2" charset="0"/>
-              </a:rPr>
-              <a:t>This shape stands for a step in your process</a:t>
-            </a:r>
-            <a:endParaRPr lang="en-US" dirty="0"/>
-          </a:p>
-          <a:p>
-            <a:endParaRPr lang="en-US" dirty="0"/>
-          </a:p>
-        </p:txBody>
-      </p:sp>
-      <p:pic>
-        <p:nvPicPr>
-          <p:cNvPr id="4098" name="Picture 2" descr="Process">
-            <a:extLst>
-              <a:ext uri="{FF2B5EF4-FFF2-40B4-BE49-F238E27FC236}">
-                <a16:creationId xmlns:a16="http://schemas.microsoft.com/office/drawing/2014/main" id="{3681DCA6-C424-AFC7-120E-04FF383E712D}"/>
-              </a:ext>
-            </a:extLst>
-          </p:cNvPr>
-          <p:cNvPicPr>
-            <a:picLocks noChangeAspect="1" noChangeArrowheads="1"/>
-          </p:cNvPicPr>
-          <p:nvPr/>
-        </p:nvPicPr>
-        <p:blipFill>
-          <a:blip r:embed="rId2">
-            <a:extLst>
-              <a:ext uri="{28A0092B-C50C-407E-A947-70E740481C1C}">
-                <a14:useLocalDpi xmlns:a14="http://schemas.microsoft.com/office/drawing/2010/main" val="0"/>
-              </a:ext>
-            </a:extLst>
-          </a:blip>
-          <a:srcRect/>
-          <a:stretch>
-            <a:fillRect/>
-          </a:stretch>
-        </p:blipFill>
-        <p:spPr bwMode="auto">
-          <a:xfrm>
-            <a:off x="7036994" y="926310"/>
-            <a:ext cx="1727117" cy="1113748"/>
-          </a:xfrm>
-          <a:prstGeom prst="rect">
-            <a:avLst/>
-          </a:prstGeom>
-          <a:noFill/>
-          <a:extLst>
-            <a:ext uri="{909E8E84-426E-40DD-AFC4-6F175D3DCCD1}">
-              <a14:hiddenFill xmlns:a14="http://schemas.microsoft.com/office/drawing/2010/main">
-                <a:solidFill>
-                  <a:srgbClr val="FFFFFF"/>
-                </a:solidFill>
-              </a14:hiddenFill>
-            </a:ext>
-          </a:extLst>
-        </p:spPr>
-      </p:pic>
+        </p:txBody>
+      </p:sp>
     </p:spTree>
     <p:extLst>
       <p:ext uri="{BB962C8B-B14F-4D97-AF65-F5344CB8AC3E}">
-        <p14:creationId xmlns:p14="http://schemas.microsoft.com/office/powerpoint/2010/main" val="455532679"/>
+        <p14:creationId xmlns:p14="http://schemas.microsoft.com/office/powerpoint/2010/main" val="215714211"/>
       </p:ext>
     </p:extLst>
   </p:cSld>
@@ -9507,7 +8882,7 @@
 </p:sld>
 </file>
 
-<file path=ppt/slides/slide24.xml><?xml version="1.0" encoding="utf-8"?>
+<file path=ppt/slides/slide23.xml><?xml version="1.0" encoding="utf-8"?>
 <p:sld xmlns:a="http://schemas.openxmlformats.org/drawingml/2006/main" xmlns:r="http://schemas.openxmlformats.org/officeDocument/2006/relationships" xmlns:p="http://schemas.openxmlformats.org/presentationml/2006/main">
   <p:cSld>
     <p:bg>
@@ -9588,7 +8963,7 @@
           <a:lstStyle/>
           <a:p>
             <a:pPr algn="ctr"/>
-            <a:endParaRPr lang="en-US" dirty="0"/>
+            <a:endParaRPr lang="en-US"/>
           </a:p>
         </p:txBody>
       </p:sp>
@@ -9722,7 +9097,7 @@
           <a:lstStyle/>
           <a:p>
             <a:pPr algn="ctr"/>
-            <a:endParaRPr lang="en-US" dirty="0"/>
+            <a:endParaRPr lang="en-US"/>
           </a:p>
         </p:txBody>
       </p:sp>
@@ -9760,7 +9135,7 @@
                   <a:srgbClr val="FFFFFF"/>
                 </a:solidFill>
               </a:rPr>
-              <a:t>Flowcharts</a:t>
+              <a:t>Code with Kids</a:t>
             </a:r>
           </a:p>
         </p:txBody>
@@ -9854,95 +9229,553 @@
           </a:bodyPr>
           <a:lstStyle/>
           <a:p>
+            <a:r>
+              <a:rPr lang="en-US" dirty="0"/>
+              <a:t>As a parent it takes a lot of planning or time to keep kids involved and interested</a:t>
+            </a:r>
+          </a:p>
+          <a:p>
+            <a:pPr lvl="1"/>
+            <a:r>
+              <a:rPr lang="en-US" dirty="0"/>
+              <a:t>Find a coding club</a:t>
+            </a:r>
+          </a:p>
+          <a:p>
+            <a:pPr lvl="1"/>
+            <a:endParaRPr lang="en-US" dirty="0"/>
+          </a:p>
+          <a:p>
+            <a:pPr marL="0" indent="0">
+              <a:buNone/>
+            </a:pPr>
+            <a:r>
+              <a:rPr lang="en-US" dirty="0"/>
+              <a:t>CREATE A</a:t>
+            </a:r>
+          </a:p>
+          <a:p>
             <a:pPr marL="0" indent="0" algn="ctr">
               <a:buNone/>
             </a:pPr>
             <a:r>
-              <a:rPr lang="en-US" sz="3600" dirty="0"/>
-              <a:t>Decision</a:t>
+              <a:rPr lang="en-US" sz="4800" dirty="0"/>
+              <a:t>POSITIVE EXPERIENCE</a:t>
+            </a:r>
+          </a:p>
+        </p:txBody>
+      </p:sp>
+    </p:spTree>
+    <p:extLst>
+      <p:ext uri="{BB962C8B-B14F-4D97-AF65-F5344CB8AC3E}">
+        <p14:creationId xmlns:p14="http://schemas.microsoft.com/office/powerpoint/2010/main" val="3233890974"/>
+      </p:ext>
+    </p:extLst>
+  </p:cSld>
+  <p:clrMapOvr>
+    <a:masterClrMapping/>
+  </p:clrMapOvr>
+</p:sld>
+</file>
+
+<file path=ppt/slides/slide24.xml><?xml version="1.0" encoding="utf-8"?>
+<p:sld xmlns:a="http://schemas.openxmlformats.org/drawingml/2006/main" xmlns:r="http://schemas.openxmlformats.org/officeDocument/2006/relationships" xmlns:p="http://schemas.openxmlformats.org/presentationml/2006/main">
+  <p:cSld>
+    <p:bg>
+      <p:bgPr>
+        <a:solidFill>
+          <a:schemeClr val="bg1"/>
+        </a:solidFill>
+        <a:effectLst/>
+      </p:bgPr>
+    </p:bg>
+    <p:spTree>
+      <p:nvGrpSpPr>
+        <p:cNvPr id="1" name=""/>
+        <p:cNvGrpSpPr/>
+        <p:nvPr/>
+      </p:nvGrpSpPr>
+      <p:grpSpPr>
+        <a:xfrm>
+          <a:off x="0" y="0"/>
+          <a:ext cx="0" cy="0"/>
+          <a:chOff x="0" y="0"/>
+          <a:chExt cx="0" cy="0"/>
+        </a:xfrm>
+      </p:grpSpPr>
+      <p:sp useBgFill="1">
+        <p:nvSpPr>
+          <p:cNvPr id="8" name="Rectangle 7">
+            <a:extLst>
+              <a:ext uri="{FF2B5EF4-FFF2-40B4-BE49-F238E27FC236}">
+                <a16:creationId xmlns:a16="http://schemas.microsoft.com/office/drawing/2014/main" id="{DAF1966E-FD40-4A4A-B61B-C4DF7FA05F06}"/>
+              </a:ext>
+              <a:ext uri="{C183D7F6-B498-43B3-948B-1728B52AA6E4}">
+                <adec:decorative xmlns:adec="http://schemas.microsoft.com/office/drawing/2017/decorative" val="1"/>
+              </a:ext>
+            </a:extLst>
+          </p:cNvPr>
+          <p:cNvSpPr>
+            <a:spLocks noGrp="1" noRot="1" noChangeAspect="1" noMove="1" noResize="1" noEditPoints="1" noAdjustHandles="1" noChangeArrowheads="1" noChangeShapeType="1" noTextEdit="1"/>
+          </p:cNvSpPr>
+          <p:nvPr>
+            <p:extLst>
+              <p:ext uri="{386F3935-93C4-4BCD-93E2-E3B085C9AB24}">
+                <p16:designElem xmlns:p16="http://schemas.microsoft.com/office/powerpoint/2015/main" val="1"/>
+              </p:ext>
+            </p:extLst>
+          </p:nvPr>
+        </p:nvSpPr>
+        <p:spPr>
+          <a:xfrm>
+            <a:off x="0" y="0"/>
+            <a:ext cx="12192000" cy="6858000"/>
+          </a:xfrm>
+          <a:prstGeom prst="rect">
+            <a:avLst/>
+          </a:prstGeom>
+          <a:ln>
+            <a:noFill/>
+          </a:ln>
+        </p:spPr>
+        <p:style>
+          <a:lnRef idx="2">
+            <a:schemeClr val="accent1">
+              <a:shade val="50000"/>
+            </a:schemeClr>
+          </a:lnRef>
+          <a:fillRef idx="1">
+            <a:schemeClr val="accent1"/>
+          </a:fillRef>
+          <a:effectRef idx="0">
+            <a:schemeClr val="accent1"/>
+          </a:effectRef>
+          <a:fontRef idx="minor">
+            <a:schemeClr val="lt1"/>
+          </a:fontRef>
+        </p:style>
+        <p:txBody>
+          <a:bodyPr rtlCol="0" anchor="ctr"/>
+          <a:lstStyle/>
+          <a:p>
+            <a:pPr algn="ctr"/>
+            <a:endParaRPr lang="en-US" dirty="0"/>
+          </a:p>
+        </p:txBody>
+      </p:sp>
+      <p:sp useBgFill="1">
+        <p:nvSpPr>
+          <p:cNvPr id="10" name="Rectangle 9">
+            <a:extLst>
+              <a:ext uri="{FF2B5EF4-FFF2-40B4-BE49-F238E27FC236}">
+                <a16:creationId xmlns:a16="http://schemas.microsoft.com/office/drawing/2014/main" id="{047BFA19-D45E-416B-A404-7AF2F3F27017}"/>
+              </a:ext>
+              <a:ext uri="{C183D7F6-B498-43B3-948B-1728B52AA6E4}">
+                <adec:decorative xmlns:adec="http://schemas.microsoft.com/office/drawing/2017/decorative" val="1"/>
+              </a:ext>
+            </a:extLst>
+          </p:cNvPr>
+          <p:cNvSpPr>
+            <a:spLocks noGrp="1" noRot="1" noChangeAspect="1" noMove="1" noResize="1" noEditPoints="1" noAdjustHandles="1" noChangeArrowheads="1" noChangeShapeType="1" noTextEdit="1"/>
+          </p:cNvSpPr>
+          <p:nvPr>
+            <p:extLst>
+              <p:ext uri="{386F3935-93C4-4BCD-93E2-E3B085C9AB24}">
+                <p16:designElem xmlns:p16="http://schemas.microsoft.com/office/powerpoint/2015/main" val="1"/>
+              </p:ext>
+            </p:extLst>
+          </p:nvPr>
+        </p:nvSpPr>
+        <p:spPr>
+          <a:xfrm>
+            <a:off x="558209" y="0"/>
+            <a:ext cx="11167447" cy="2018806"/>
+          </a:xfrm>
+          <a:prstGeom prst="rect">
+            <a:avLst/>
+          </a:prstGeom>
+          <a:ln w="9525">
+            <a:solidFill>
+              <a:srgbClr val="E1E1E1"/>
+            </a:solidFill>
+          </a:ln>
+          <a:effectLst>
+            <a:outerShdw blurRad="50800" dist="38100" dir="2700000" algn="tl" rotWithShape="0">
+              <a:schemeClr val="bg1">
+                <a:lumMod val="85000"/>
+                <a:alpha val="50000"/>
+              </a:schemeClr>
+            </a:outerShdw>
+          </a:effectLst>
+        </p:spPr>
+        <p:style>
+          <a:lnRef idx="2">
+            <a:schemeClr val="accent1">
+              <a:shade val="50000"/>
+            </a:schemeClr>
+          </a:lnRef>
+          <a:fillRef idx="1">
+            <a:schemeClr val="accent1"/>
+          </a:fillRef>
+          <a:effectRef idx="0">
+            <a:schemeClr val="accent1"/>
+          </a:effectRef>
+          <a:fontRef idx="minor">
+            <a:schemeClr val="lt1"/>
+          </a:fontRef>
+        </p:style>
+        <p:txBody>
+          <a:bodyPr rtlCol="0" anchor="ctr"/>
+          <a:lstStyle/>
+          <a:p>
+            <a:pPr marL="0" marR="0" lvl="0" indent="0" algn="ctr" defTabSz="914400" rtl="0" eaLnBrk="1" fontAlgn="auto" latinLnBrk="0" hangingPunct="1">
+              <a:lnSpc>
+                <a:spcPct val="100000"/>
+              </a:lnSpc>
+              <a:spcBef>
+                <a:spcPts val="0"/>
+              </a:spcBef>
+              <a:spcAft>
+                <a:spcPts val="0"/>
+              </a:spcAft>
+              <a:buClrTx/>
+              <a:buSzTx/>
+              <a:buFontTx/>
+              <a:buNone/>
+              <a:tabLst/>
+              <a:defRPr/>
+            </a:pPr>
+            <a:endParaRPr kumimoji="0" lang="en-US" sz="1800" b="0" i="0" u="none" strike="noStrike" kern="1200" cap="none" spc="0" normalizeH="0" baseline="0" noProof="0" dirty="0">
+              <a:ln>
+                <a:noFill/>
+              </a:ln>
+              <a:solidFill>
+                <a:prstClr val="white"/>
+              </a:solidFill>
+              <a:effectLst/>
+              <a:uLnTx/>
+              <a:uFillTx/>
+              <a:latin typeface="Calibri" panose="020F0502020204030204"/>
+              <a:ea typeface="+mn-ea"/>
+              <a:cs typeface="+mn-cs"/>
+            </a:endParaRPr>
+          </a:p>
+        </p:txBody>
+      </p:sp>
+      <p:sp useBgFill="1">
+        <p:nvSpPr>
+          <p:cNvPr id="12" name="Rectangle 11">
+            <a:extLst>
+              <a:ext uri="{FF2B5EF4-FFF2-40B4-BE49-F238E27FC236}">
+                <a16:creationId xmlns:a16="http://schemas.microsoft.com/office/drawing/2014/main" id="{8E0105E7-23DB-4CF2-8258-FF47C7620F6E}"/>
+              </a:ext>
+              <a:ext uri="{C183D7F6-B498-43B3-948B-1728B52AA6E4}">
+                <adec:decorative xmlns:adec="http://schemas.microsoft.com/office/drawing/2017/decorative" val="1"/>
+              </a:ext>
+            </a:extLst>
+          </p:cNvPr>
+          <p:cNvSpPr>
+            <a:spLocks noGrp="1" noRot="1" noChangeAspect="1" noMove="1" noResize="1" noEditPoints="1" noAdjustHandles="1" noChangeArrowheads="1" noChangeShapeType="1" noTextEdit="1"/>
+          </p:cNvSpPr>
+          <p:nvPr>
+            <p:extLst>
+              <p:ext uri="{386F3935-93C4-4BCD-93E2-E3B085C9AB24}">
+                <p16:designElem xmlns:p16="http://schemas.microsoft.com/office/powerpoint/2015/main" val="1"/>
+              </p:ext>
+            </p:extLst>
+          </p:nvPr>
+        </p:nvSpPr>
+        <p:spPr>
+          <a:xfrm>
+            <a:off x="566928" y="0"/>
+            <a:ext cx="11155680" cy="2011680"/>
+          </a:xfrm>
+          <a:prstGeom prst="rect">
+            <a:avLst/>
+          </a:prstGeom>
+          <a:ln w="9525">
+            <a:noFill/>
+          </a:ln>
+          <a:effectLst/>
+        </p:spPr>
+        <p:style>
+          <a:lnRef idx="2">
+            <a:schemeClr val="accent1">
+              <a:shade val="50000"/>
+            </a:schemeClr>
+          </a:lnRef>
+          <a:fillRef idx="1">
+            <a:schemeClr val="accent1"/>
+          </a:fillRef>
+          <a:effectRef idx="0">
+            <a:schemeClr val="accent1"/>
+          </a:effectRef>
+          <a:fontRef idx="minor">
+            <a:schemeClr val="lt1"/>
+          </a:fontRef>
+        </p:style>
+        <p:txBody>
+          <a:bodyPr rtlCol="0" anchor="ctr"/>
+          <a:lstStyle/>
+          <a:p>
+            <a:pPr marL="0" marR="0" lvl="0" indent="0" algn="ctr" defTabSz="914400" rtl="0" eaLnBrk="1" fontAlgn="auto" latinLnBrk="0" hangingPunct="1">
+              <a:lnSpc>
+                <a:spcPct val="100000"/>
+              </a:lnSpc>
+              <a:spcBef>
+                <a:spcPts val="0"/>
+              </a:spcBef>
+              <a:spcAft>
+                <a:spcPts val="0"/>
+              </a:spcAft>
+              <a:buClrTx/>
+              <a:buSzTx/>
+              <a:buFontTx/>
+              <a:buNone/>
+              <a:tabLst/>
+              <a:defRPr/>
+            </a:pPr>
+            <a:endParaRPr kumimoji="0" lang="en-US" sz="1800" b="0" i="0" u="none" strike="noStrike" kern="1200" cap="none" spc="0" normalizeH="0" baseline="0" noProof="0" dirty="0">
+              <a:ln>
+                <a:noFill/>
+              </a:ln>
+              <a:solidFill>
+                <a:prstClr val="white"/>
+              </a:solidFill>
+              <a:effectLst/>
+              <a:uLnTx/>
+              <a:uFillTx/>
+              <a:latin typeface="Calibri" panose="020F0502020204030204"/>
+              <a:ea typeface="+mn-ea"/>
+              <a:cs typeface="+mn-cs"/>
+            </a:endParaRPr>
+          </a:p>
+        </p:txBody>
+      </p:sp>
+      <p:sp>
+        <p:nvSpPr>
+          <p:cNvPr id="2" name="Title 1">
+            <a:extLst>
+              <a:ext uri="{FF2B5EF4-FFF2-40B4-BE49-F238E27FC236}">
+                <a16:creationId xmlns:a16="http://schemas.microsoft.com/office/drawing/2014/main" id="{82CF4B60-062A-25CD-E448-6C8255EEF9CC}"/>
+              </a:ext>
+            </a:extLst>
+          </p:cNvPr>
+          <p:cNvSpPr>
+            <a:spLocks noGrp="1"/>
+          </p:cNvSpPr>
+          <p:nvPr>
+            <p:ph type="title"/>
+          </p:nvPr>
+        </p:nvSpPr>
+        <p:spPr>
+          <a:xfrm>
+            <a:off x="1115568" y="548640"/>
+            <a:ext cx="10168128" cy="1179576"/>
+          </a:xfrm>
+        </p:spPr>
+        <p:txBody>
+          <a:bodyPr>
+            <a:normAutofit/>
+          </a:bodyPr>
+          <a:lstStyle/>
+          <a:p>
+            <a:r>
+              <a:rPr lang="en-US" sz="4800" dirty="0"/>
+              <a:t>Resources</a:t>
+            </a:r>
+          </a:p>
+        </p:txBody>
+      </p:sp>
+      <p:sp>
+        <p:nvSpPr>
+          <p:cNvPr id="14" name="Rectangle 13">
+            <a:extLst>
+              <a:ext uri="{FF2B5EF4-FFF2-40B4-BE49-F238E27FC236}">
+                <a16:creationId xmlns:a16="http://schemas.microsoft.com/office/drawing/2014/main" id="{074B4F7D-14B2-478B-8BF5-01E4E0C5D263}"/>
+              </a:ext>
+              <a:ext uri="{C183D7F6-B498-43B3-948B-1728B52AA6E4}">
+                <adec:decorative xmlns:adec="http://schemas.microsoft.com/office/drawing/2017/decorative" val="1"/>
+              </a:ext>
+            </a:extLst>
+          </p:cNvPr>
+          <p:cNvSpPr>
+            <a:spLocks noGrp="1" noRot="1" noChangeAspect="1" noMove="1" noResize="1" noEditPoints="1" noAdjustHandles="1" noChangeArrowheads="1" noChangeShapeType="1" noTextEdit="1"/>
+          </p:cNvSpPr>
+          <p:nvPr>
+            <p:extLst>
+              <p:ext uri="{386F3935-93C4-4BCD-93E2-E3B085C9AB24}">
+                <p16:designElem xmlns:p16="http://schemas.microsoft.com/office/powerpoint/2015/main" val="1"/>
+              </p:ext>
+            </p:extLst>
+          </p:nvPr>
+        </p:nvSpPr>
+        <p:spPr>
+          <a:xfrm>
+            <a:off x="498834" y="758952"/>
+            <a:ext cx="128016" cy="704088"/>
+          </a:xfrm>
+          <a:prstGeom prst="rect">
+            <a:avLst/>
+          </a:prstGeom>
+          <a:solidFill>
+            <a:schemeClr val="accent2"/>
+          </a:solidFill>
+          <a:ln>
+            <a:noFill/>
+          </a:ln>
+        </p:spPr>
+        <p:style>
+          <a:lnRef idx="2">
+            <a:schemeClr val="accent1">
+              <a:shade val="50000"/>
+            </a:schemeClr>
+          </a:lnRef>
+          <a:fillRef idx="1">
+            <a:schemeClr val="accent1"/>
+          </a:fillRef>
+          <a:effectRef idx="0">
+            <a:schemeClr val="accent1"/>
+          </a:effectRef>
+          <a:fontRef idx="minor">
+            <a:schemeClr val="lt1"/>
+          </a:fontRef>
+        </p:style>
+        <p:txBody>
+          <a:bodyPr rtlCol="0" anchor="ctr"/>
+          <a:lstStyle/>
+          <a:p>
+            <a:pPr algn="ctr"/>
+            <a:endParaRPr lang="en-US" dirty="0">
+              <a:solidFill>
+                <a:prstClr val="white"/>
+              </a:solidFill>
+              <a:latin typeface="Calibri" panose="020F0502020204030204"/>
+            </a:endParaRPr>
+          </a:p>
+        </p:txBody>
+      </p:sp>
+      <p:sp>
+        <p:nvSpPr>
+          <p:cNvPr id="3" name="Content Placeholder 2">
+            <a:extLst>
+              <a:ext uri="{FF2B5EF4-FFF2-40B4-BE49-F238E27FC236}">
+                <a16:creationId xmlns:a16="http://schemas.microsoft.com/office/drawing/2014/main" id="{E43BD06B-906D-5C9C-E517-52B27F705E94}"/>
+              </a:ext>
+            </a:extLst>
+          </p:cNvPr>
+          <p:cNvSpPr>
+            <a:spLocks noGrp="1"/>
+          </p:cNvSpPr>
+          <p:nvPr>
+            <p:ph idx="1"/>
+          </p:nvPr>
+        </p:nvSpPr>
+        <p:spPr>
+          <a:xfrm>
+            <a:off x="1848089" y="2567446"/>
+            <a:ext cx="8495822" cy="3720532"/>
+          </a:xfrm>
+        </p:spPr>
+        <p:txBody>
+          <a:bodyPr numCol="2">
+            <a:normAutofit/>
+          </a:bodyPr>
+          <a:lstStyle/>
+          <a:p>
+            <a:r>
+              <a:rPr lang="en-US" dirty="0"/>
+              <a:t>FlexboxFroggy.com</a:t>
+            </a:r>
+          </a:p>
+          <a:p>
+            <a:r>
+              <a:rPr lang="en-US" dirty="0"/>
+              <a:t>HourOfCode.com</a:t>
+            </a:r>
+          </a:p>
+          <a:p>
+            <a:r>
+              <a:rPr lang="en-US" dirty="0"/>
+              <a:t>Code.org</a:t>
+            </a:r>
+          </a:p>
+          <a:p>
+            <a:r>
+              <a:rPr lang="en-US" dirty="0"/>
+              <a:t>Scratch.com</a:t>
+            </a:r>
+          </a:p>
+          <a:p>
+            <a:r>
+              <a:rPr lang="en-US" dirty="0"/>
+              <a:t>Microsoft </a:t>
+            </a:r>
+            <a:r>
+              <a:rPr lang="en-US" dirty="0" err="1"/>
+              <a:t>MakeCode</a:t>
+            </a:r>
+            <a:endParaRPr lang="en-US" dirty="0"/>
+          </a:p>
+          <a:p>
+            <a:r>
+              <a:rPr lang="en-US" dirty="0"/>
+              <a:t>Minecraft – Education Edition</a:t>
+            </a:r>
+          </a:p>
+          <a:p>
+            <a:r>
+              <a:rPr lang="en-US" dirty="0"/>
+              <a:t>Microsoft Learn</a:t>
+            </a:r>
+          </a:p>
+          <a:p>
+            <a:r>
+              <a:rPr lang="en-US" dirty="0"/>
+              <a:t>FreeCodeCamp.org</a:t>
+            </a:r>
+          </a:p>
+          <a:p>
+            <a:r>
+              <a:rPr lang="en-US" dirty="0"/>
+              <a:t>CSSGridGarden.com</a:t>
+            </a:r>
+          </a:p>
+          <a:p>
+            <a:r>
+              <a:rPr lang="en-US" dirty="0"/>
+              <a:t>HackerRank.com</a:t>
+            </a:r>
+          </a:p>
+          <a:p>
+            <a:r>
+              <a:rPr lang="en-US" dirty="0"/>
+              <a:t>YouTube </a:t>
+            </a:r>
+          </a:p>
+          <a:p>
+            <a:pPr lvl="1"/>
+            <a:r>
+              <a:rPr lang="en-US" dirty="0" err="1"/>
+              <a:t>Brackeys</a:t>
+            </a:r>
+            <a:r>
+              <a:rPr lang="en-US" dirty="0"/>
+              <a:t> – Unity</a:t>
             </a:r>
           </a:p>
           <a:p>
             <a:pPr marL="0" indent="0">
               <a:buNone/>
             </a:pPr>
-            <a:endParaRPr lang="en-US" b="0" i="0" dirty="0">
-              <a:solidFill>
-                <a:srgbClr val="000000"/>
-              </a:solidFill>
-              <a:effectLst/>
-              <a:latin typeface="Poppins" panose="00000500000000000000" pitchFamily="2" charset="0"/>
-            </a:endParaRPr>
-          </a:p>
-          <a:p>
-            <a:pPr marL="0" indent="0">
-              <a:buNone/>
-            </a:pPr>
-            <a:r>
-              <a:rPr lang="en-US" b="0" i="0" dirty="0">
-                <a:solidFill>
-                  <a:srgbClr val="000000"/>
-                </a:solidFill>
-                <a:effectLst/>
-                <a:latin typeface="Poppins" panose="00000500000000000000" pitchFamily="2" charset="0"/>
-              </a:rPr>
-              <a:t>It indicates a point where the outcome of a decision dictates the next step. There can be various outcomes, but usually there are just two - yes and no</a:t>
-            </a:r>
             <a:endParaRPr lang="en-US" dirty="0"/>
           </a:p>
         </p:txBody>
       </p:sp>
-      <p:pic>
-        <p:nvPicPr>
-          <p:cNvPr id="5122" name="Picture 2" descr="Decision">
-            <a:extLst>
-              <a:ext uri="{FF2B5EF4-FFF2-40B4-BE49-F238E27FC236}">
-                <a16:creationId xmlns:a16="http://schemas.microsoft.com/office/drawing/2014/main" id="{D7DE6D08-B92E-56C9-61B0-2FAA3A534C20}"/>
-              </a:ext>
-            </a:extLst>
-          </p:cNvPr>
-          <p:cNvPicPr>
-            <a:picLocks noChangeAspect="1" noChangeArrowheads="1"/>
-          </p:cNvPicPr>
-          <p:nvPr/>
-        </p:nvPicPr>
-        <p:blipFill>
-          <a:blip r:embed="rId2">
-            <a:extLst>
-              <a:ext uri="{28A0092B-C50C-407E-A947-70E740481C1C}">
-                <a14:useLocalDpi xmlns:a14="http://schemas.microsoft.com/office/drawing/2010/main" val="0"/>
-              </a:ext>
-            </a:extLst>
-          </a:blip>
-          <a:srcRect/>
-          <a:stretch>
-            <a:fillRect/>
-          </a:stretch>
-        </p:blipFill>
-        <p:spPr bwMode="auto">
-          <a:xfrm>
-            <a:off x="7007477" y="769441"/>
-            <a:ext cx="1742823" cy="1095489"/>
-          </a:xfrm>
-          <a:prstGeom prst="rect">
-            <a:avLst/>
-          </a:prstGeom>
-          <a:noFill/>
-          <a:extLst>
-            <a:ext uri="{909E8E84-426E-40DD-AFC4-6F175D3DCCD1}">
-              <a14:hiddenFill xmlns:a14="http://schemas.microsoft.com/office/drawing/2010/main">
-                <a:solidFill>
-                  <a:srgbClr val="FFFFFF"/>
-                </a:solidFill>
-              </a14:hiddenFill>
-            </a:ext>
-          </a:extLst>
-        </p:spPr>
-      </p:pic>
     </p:spTree>
     <p:extLst>
       <p:ext uri="{BB962C8B-B14F-4D97-AF65-F5344CB8AC3E}">
-        <p14:creationId xmlns:p14="http://schemas.microsoft.com/office/powerpoint/2010/main" val="3008013547"/>
+        <p14:creationId xmlns:p14="http://schemas.microsoft.com/office/powerpoint/2010/main" val="2303827976"/>
       </p:ext>
     </p:extLst>
   </p:cSld>
@@ -9953,6 +9786,443 @@
 </file>
 
 <file path=ppt/slides/slide25.xml><?xml version="1.0" encoding="utf-8"?>
+<p:sld xmlns:a="http://schemas.openxmlformats.org/drawingml/2006/main" xmlns:r="http://schemas.openxmlformats.org/officeDocument/2006/relationships" xmlns:p="http://schemas.openxmlformats.org/presentationml/2006/main">
+  <p:cSld>
+    <p:bg>
+      <p:bgPr>
+        <a:solidFill>
+          <a:schemeClr val="bg1"/>
+        </a:solidFill>
+        <a:effectLst/>
+      </p:bgPr>
+    </p:bg>
+    <p:spTree>
+      <p:nvGrpSpPr>
+        <p:cNvPr id="1" name=""/>
+        <p:cNvGrpSpPr/>
+        <p:nvPr/>
+      </p:nvGrpSpPr>
+      <p:grpSpPr>
+        <a:xfrm>
+          <a:off x="0" y="0"/>
+          <a:ext cx="0" cy="0"/>
+          <a:chOff x="0" y="0"/>
+          <a:chExt cx="0" cy="0"/>
+        </a:xfrm>
+      </p:grpSpPr>
+      <p:sp useBgFill="1">
+        <p:nvSpPr>
+          <p:cNvPr id="8" name="Rectangle 7">
+            <a:extLst>
+              <a:ext uri="{FF2B5EF4-FFF2-40B4-BE49-F238E27FC236}">
+                <a16:creationId xmlns:a16="http://schemas.microsoft.com/office/drawing/2014/main" id="{DAF1966E-FD40-4A4A-B61B-C4DF7FA05F06}"/>
+              </a:ext>
+              <a:ext uri="{C183D7F6-B498-43B3-948B-1728B52AA6E4}">
+                <adec:decorative xmlns:adec="http://schemas.microsoft.com/office/drawing/2017/decorative" val="1"/>
+              </a:ext>
+            </a:extLst>
+          </p:cNvPr>
+          <p:cNvSpPr>
+            <a:spLocks noGrp="1" noRot="1" noChangeAspect="1" noMove="1" noResize="1" noEditPoints="1" noAdjustHandles="1" noChangeArrowheads="1" noChangeShapeType="1" noTextEdit="1"/>
+          </p:cNvSpPr>
+          <p:nvPr>
+            <p:extLst>
+              <p:ext uri="{386F3935-93C4-4BCD-93E2-E3B085C9AB24}">
+                <p16:designElem xmlns:p16="http://schemas.microsoft.com/office/powerpoint/2015/main" val="1"/>
+              </p:ext>
+            </p:extLst>
+          </p:nvPr>
+        </p:nvSpPr>
+        <p:spPr>
+          <a:xfrm>
+            <a:off x="0" y="0"/>
+            <a:ext cx="12192000" cy="6858000"/>
+          </a:xfrm>
+          <a:prstGeom prst="rect">
+            <a:avLst/>
+          </a:prstGeom>
+          <a:ln>
+            <a:noFill/>
+          </a:ln>
+        </p:spPr>
+        <p:style>
+          <a:lnRef idx="2">
+            <a:schemeClr val="accent1">
+              <a:shade val="50000"/>
+            </a:schemeClr>
+          </a:lnRef>
+          <a:fillRef idx="1">
+            <a:schemeClr val="accent1"/>
+          </a:fillRef>
+          <a:effectRef idx="0">
+            <a:schemeClr val="accent1"/>
+          </a:effectRef>
+          <a:fontRef idx="minor">
+            <a:schemeClr val="lt1"/>
+          </a:fontRef>
+        </p:style>
+        <p:txBody>
+          <a:bodyPr rtlCol="0" anchor="ctr"/>
+          <a:lstStyle/>
+          <a:p>
+            <a:pPr algn="ctr"/>
+            <a:endParaRPr lang="en-US" dirty="0"/>
+          </a:p>
+        </p:txBody>
+      </p:sp>
+      <p:sp useBgFill="1">
+        <p:nvSpPr>
+          <p:cNvPr id="10" name="Rectangle 9">
+            <a:extLst>
+              <a:ext uri="{FF2B5EF4-FFF2-40B4-BE49-F238E27FC236}">
+                <a16:creationId xmlns:a16="http://schemas.microsoft.com/office/drawing/2014/main" id="{047BFA19-D45E-416B-A404-7AF2F3F27017}"/>
+              </a:ext>
+              <a:ext uri="{C183D7F6-B498-43B3-948B-1728B52AA6E4}">
+                <adec:decorative xmlns:adec="http://schemas.microsoft.com/office/drawing/2017/decorative" val="1"/>
+              </a:ext>
+            </a:extLst>
+          </p:cNvPr>
+          <p:cNvSpPr>
+            <a:spLocks noGrp="1" noRot="1" noChangeAspect="1" noMove="1" noResize="1" noEditPoints="1" noAdjustHandles="1" noChangeArrowheads="1" noChangeShapeType="1" noTextEdit="1"/>
+          </p:cNvSpPr>
+          <p:nvPr>
+            <p:extLst>
+              <p:ext uri="{386F3935-93C4-4BCD-93E2-E3B085C9AB24}">
+                <p16:designElem xmlns:p16="http://schemas.microsoft.com/office/powerpoint/2015/main" val="1"/>
+              </p:ext>
+            </p:extLst>
+          </p:nvPr>
+        </p:nvSpPr>
+        <p:spPr>
+          <a:xfrm>
+            <a:off x="558209" y="0"/>
+            <a:ext cx="11167447" cy="2018806"/>
+          </a:xfrm>
+          <a:prstGeom prst="rect">
+            <a:avLst/>
+          </a:prstGeom>
+          <a:ln w="9525">
+            <a:solidFill>
+              <a:srgbClr val="E1E1E1"/>
+            </a:solidFill>
+          </a:ln>
+          <a:effectLst>
+            <a:outerShdw blurRad="50800" dist="38100" dir="2700000" algn="tl" rotWithShape="0">
+              <a:schemeClr val="bg1">
+                <a:lumMod val="85000"/>
+                <a:alpha val="50000"/>
+              </a:schemeClr>
+            </a:outerShdw>
+          </a:effectLst>
+        </p:spPr>
+        <p:style>
+          <a:lnRef idx="2">
+            <a:schemeClr val="accent1">
+              <a:shade val="50000"/>
+            </a:schemeClr>
+          </a:lnRef>
+          <a:fillRef idx="1">
+            <a:schemeClr val="accent1"/>
+          </a:fillRef>
+          <a:effectRef idx="0">
+            <a:schemeClr val="accent1"/>
+          </a:effectRef>
+          <a:fontRef idx="minor">
+            <a:schemeClr val="lt1"/>
+          </a:fontRef>
+        </p:style>
+        <p:txBody>
+          <a:bodyPr rtlCol="0" anchor="ctr"/>
+          <a:lstStyle/>
+          <a:p>
+            <a:pPr marL="0" marR="0" lvl="0" indent="0" algn="ctr" defTabSz="914400" rtl="0" eaLnBrk="1" fontAlgn="auto" latinLnBrk="0" hangingPunct="1">
+              <a:lnSpc>
+                <a:spcPct val="100000"/>
+              </a:lnSpc>
+              <a:spcBef>
+                <a:spcPts val="0"/>
+              </a:spcBef>
+              <a:spcAft>
+                <a:spcPts val="0"/>
+              </a:spcAft>
+              <a:buClrTx/>
+              <a:buSzTx/>
+              <a:buFontTx/>
+              <a:buNone/>
+              <a:tabLst/>
+              <a:defRPr/>
+            </a:pPr>
+            <a:endParaRPr kumimoji="0" lang="en-US" sz="1800" b="0" i="0" u="none" strike="noStrike" kern="1200" cap="none" spc="0" normalizeH="0" baseline="0" noProof="0" dirty="0">
+              <a:ln>
+                <a:noFill/>
+              </a:ln>
+              <a:solidFill>
+                <a:prstClr val="white"/>
+              </a:solidFill>
+              <a:effectLst/>
+              <a:uLnTx/>
+              <a:uFillTx/>
+              <a:latin typeface="Calibri" panose="020F0502020204030204"/>
+              <a:ea typeface="+mn-ea"/>
+              <a:cs typeface="+mn-cs"/>
+            </a:endParaRPr>
+          </a:p>
+        </p:txBody>
+      </p:sp>
+      <p:sp useBgFill="1">
+        <p:nvSpPr>
+          <p:cNvPr id="12" name="Rectangle 11">
+            <a:extLst>
+              <a:ext uri="{FF2B5EF4-FFF2-40B4-BE49-F238E27FC236}">
+                <a16:creationId xmlns:a16="http://schemas.microsoft.com/office/drawing/2014/main" id="{8E0105E7-23DB-4CF2-8258-FF47C7620F6E}"/>
+              </a:ext>
+              <a:ext uri="{C183D7F6-B498-43B3-948B-1728B52AA6E4}">
+                <adec:decorative xmlns:adec="http://schemas.microsoft.com/office/drawing/2017/decorative" val="1"/>
+              </a:ext>
+            </a:extLst>
+          </p:cNvPr>
+          <p:cNvSpPr>
+            <a:spLocks noGrp="1" noRot="1" noChangeAspect="1" noMove="1" noResize="1" noEditPoints="1" noAdjustHandles="1" noChangeArrowheads="1" noChangeShapeType="1" noTextEdit="1"/>
+          </p:cNvSpPr>
+          <p:nvPr>
+            <p:extLst>
+              <p:ext uri="{386F3935-93C4-4BCD-93E2-E3B085C9AB24}">
+                <p16:designElem xmlns:p16="http://schemas.microsoft.com/office/powerpoint/2015/main" val="1"/>
+              </p:ext>
+            </p:extLst>
+          </p:nvPr>
+        </p:nvSpPr>
+        <p:spPr>
+          <a:xfrm>
+            <a:off x="566928" y="0"/>
+            <a:ext cx="11155680" cy="2011680"/>
+          </a:xfrm>
+          <a:prstGeom prst="rect">
+            <a:avLst/>
+          </a:prstGeom>
+          <a:ln w="9525">
+            <a:noFill/>
+          </a:ln>
+          <a:effectLst/>
+        </p:spPr>
+        <p:style>
+          <a:lnRef idx="2">
+            <a:schemeClr val="accent1">
+              <a:shade val="50000"/>
+            </a:schemeClr>
+          </a:lnRef>
+          <a:fillRef idx="1">
+            <a:schemeClr val="accent1"/>
+          </a:fillRef>
+          <a:effectRef idx="0">
+            <a:schemeClr val="accent1"/>
+          </a:effectRef>
+          <a:fontRef idx="minor">
+            <a:schemeClr val="lt1"/>
+          </a:fontRef>
+        </p:style>
+        <p:txBody>
+          <a:bodyPr rtlCol="0" anchor="ctr"/>
+          <a:lstStyle/>
+          <a:p>
+            <a:pPr marL="0" marR="0" lvl="0" indent="0" algn="ctr" defTabSz="914400" rtl="0" eaLnBrk="1" fontAlgn="auto" latinLnBrk="0" hangingPunct="1">
+              <a:lnSpc>
+                <a:spcPct val="100000"/>
+              </a:lnSpc>
+              <a:spcBef>
+                <a:spcPts val="0"/>
+              </a:spcBef>
+              <a:spcAft>
+                <a:spcPts val="0"/>
+              </a:spcAft>
+              <a:buClrTx/>
+              <a:buSzTx/>
+              <a:buFontTx/>
+              <a:buNone/>
+              <a:tabLst/>
+              <a:defRPr/>
+            </a:pPr>
+            <a:endParaRPr kumimoji="0" lang="en-US" sz="1800" b="0" i="0" u="none" strike="noStrike" kern="1200" cap="none" spc="0" normalizeH="0" baseline="0" noProof="0" dirty="0">
+              <a:ln>
+                <a:noFill/>
+              </a:ln>
+              <a:solidFill>
+                <a:prstClr val="white"/>
+              </a:solidFill>
+              <a:effectLst/>
+              <a:uLnTx/>
+              <a:uFillTx/>
+              <a:latin typeface="Calibri" panose="020F0502020204030204"/>
+              <a:ea typeface="+mn-ea"/>
+              <a:cs typeface="+mn-cs"/>
+            </a:endParaRPr>
+          </a:p>
+        </p:txBody>
+      </p:sp>
+      <p:sp>
+        <p:nvSpPr>
+          <p:cNvPr id="2" name="Title 1">
+            <a:extLst>
+              <a:ext uri="{FF2B5EF4-FFF2-40B4-BE49-F238E27FC236}">
+                <a16:creationId xmlns:a16="http://schemas.microsoft.com/office/drawing/2014/main" id="{82CF4B60-062A-25CD-E448-6C8255EEF9CC}"/>
+              </a:ext>
+            </a:extLst>
+          </p:cNvPr>
+          <p:cNvSpPr>
+            <a:spLocks noGrp="1"/>
+          </p:cNvSpPr>
+          <p:nvPr>
+            <p:ph type="title"/>
+          </p:nvPr>
+        </p:nvSpPr>
+        <p:spPr>
+          <a:xfrm>
+            <a:off x="1115568" y="548640"/>
+            <a:ext cx="10168128" cy="1179576"/>
+          </a:xfrm>
+        </p:spPr>
+        <p:txBody>
+          <a:bodyPr>
+            <a:normAutofit/>
+          </a:bodyPr>
+          <a:lstStyle/>
+          <a:p>
+            <a:r>
+              <a:rPr lang="en-US" sz="4800" dirty="0"/>
+              <a:t>Flowcharts</a:t>
+            </a:r>
+          </a:p>
+        </p:txBody>
+      </p:sp>
+      <p:sp>
+        <p:nvSpPr>
+          <p:cNvPr id="14" name="Rectangle 13">
+            <a:extLst>
+              <a:ext uri="{FF2B5EF4-FFF2-40B4-BE49-F238E27FC236}">
+                <a16:creationId xmlns:a16="http://schemas.microsoft.com/office/drawing/2014/main" id="{074B4F7D-14B2-478B-8BF5-01E4E0C5D263}"/>
+              </a:ext>
+              <a:ext uri="{C183D7F6-B498-43B3-948B-1728B52AA6E4}">
+                <adec:decorative xmlns:adec="http://schemas.microsoft.com/office/drawing/2017/decorative" val="1"/>
+              </a:ext>
+            </a:extLst>
+          </p:cNvPr>
+          <p:cNvSpPr>
+            <a:spLocks noGrp="1" noRot="1" noChangeAspect="1" noMove="1" noResize="1" noEditPoints="1" noAdjustHandles="1" noChangeArrowheads="1" noChangeShapeType="1" noTextEdit="1"/>
+          </p:cNvSpPr>
+          <p:nvPr>
+            <p:extLst>
+              <p:ext uri="{386F3935-93C4-4BCD-93E2-E3B085C9AB24}">
+                <p16:designElem xmlns:p16="http://schemas.microsoft.com/office/powerpoint/2015/main" val="1"/>
+              </p:ext>
+            </p:extLst>
+          </p:nvPr>
+        </p:nvSpPr>
+        <p:spPr>
+          <a:xfrm>
+            <a:off x="498834" y="758952"/>
+            <a:ext cx="128016" cy="704088"/>
+          </a:xfrm>
+          <a:prstGeom prst="rect">
+            <a:avLst/>
+          </a:prstGeom>
+          <a:solidFill>
+            <a:schemeClr val="accent2"/>
+          </a:solidFill>
+          <a:ln>
+            <a:noFill/>
+          </a:ln>
+        </p:spPr>
+        <p:style>
+          <a:lnRef idx="2">
+            <a:schemeClr val="accent1">
+              <a:shade val="50000"/>
+            </a:schemeClr>
+          </a:lnRef>
+          <a:fillRef idx="1">
+            <a:schemeClr val="accent1"/>
+          </a:fillRef>
+          <a:effectRef idx="0">
+            <a:schemeClr val="accent1"/>
+          </a:effectRef>
+          <a:fontRef idx="minor">
+            <a:schemeClr val="lt1"/>
+          </a:fontRef>
+        </p:style>
+        <p:txBody>
+          <a:bodyPr rtlCol="0" anchor="ctr"/>
+          <a:lstStyle/>
+          <a:p>
+            <a:pPr algn="ctr"/>
+            <a:endParaRPr lang="en-US" dirty="0">
+              <a:solidFill>
+                <a:prstClr val="white"/>
+              </a:solidFill>
+              <a:latin typeface="Calibri" panose="020F0502020204030204"/>
+            </a:endParaRPr>
+          </a:p>
+        </p:txBody>
+      </p:sp>
+      <p:sp>
+        <p:nvSpPr>
+          <p:cNvPr id="3" name="Content Placeholder 2">
+            <a:extLst>
+              <a:ext uri="{FF2B5EF4-FFF2-40B4-BE49-F238E27FC236}">
+                <a16:creationId xmlns:a16="http://schemas.microsoft.com/office/drawing/2014/main" id="{E43BD06B-906D-5C9C-E517-52B27F705E94}"/>
+              </a:ext>
+            </a:extLst>
+          </p:cNvPr>
+          <p:cNvSpPr>
+            <a:spLocks noGrp="1"/>
+          </p:cNvSpPr>
+          <p:nvPr>
+            <p:ph idx="1"/>
+          </p:nvPr>
+        </p:nvSpPr>
+        <p:spPr>
+          <a:xfrm>
+            <a:off x="1992884" y="2560320"/>
+            <a:ext cx="8206232" cy="3695020"/>
+          </a:xfrm>
+        </p:spPr>
+        <p:txBody>
+          <a:bodyPr>
+            <a:normAutofit/>
+          </a:bodyPr>
+          <a:lstStyle/>
+          <a:p>
+            <a:r>
+              <a:rPr lang="en-US" dirty="0"/>
+              <a:t>Visually represent a process or workflow in a step-by-step manner.</a:t>
+            </a:r>
+          </a:p>
+          <a:p>
+            <a:r>
+              <a:rPr lang="en-US" dirty="0"/>
+              <a:t>Each step is represented by blocks or ovals and connected b lines or arrows.</a:t>
+            </a:r>
+          </a:p>
+          <a:p>
+            <a:r>
+              <a:rPr lang="en-US" dirty="0"/>
+              <a:t>Can be used to brainstorm and design how you will create your code</a:t>
+            </a:r>
+          </a:p>
+        </p:txBody>
+      </p:sp>
+    </p:spTree>
+    <p:extLst>
+      <p:ext uri="{BB962C8B-B14F-4D97-AF65-F5344CB8AC3E}">
+        <p14:creationId xmlns:p14="http://schemas.microsoft.com/office/powerpoint/2010/main" val="1416219913"/>
+      </p:ext>
+    </p:extLst>
+  </p:cSld>
+  <p:clrMapOvr>
+    <a:masterClrMapping/>
+  </p:clrMapOvr>
+</p:sld>
+</file>
+
+<file path=ppt/slides/slide26.xml><?xml version="1.0" encoding="utf-8"?>
 <p:sld xmlns:a="http://schemas.openxmlformats.org/drawingml/2006/main" xmlns:r="http://schemas.openxmlformats.org/officeDocument/2006/relationships" xmlns:p="http://schemas.openxmlformats.org/presentationml/2006/main">
   <p:cSld>
     <p:bg>
@@ -10304,20 +10574,14 @@
             </a:pPr>
             <a:r>
               <a:rPr lang="en-US" sz="3600" dirty="0"/>
-              <a:t>Input / Output</a:t>
+              <a:t>Start / Terminator</a:t>
             </a:r>
           </a:p>
           <a:p>
             <a:pPr marL="0" indent="0">
               <a:buNone/>
             </a:pPr>
-            <a:endParaRPr lang="en-US" b="0" i="0" dirty="0">
-              <a:solidFill>
-                <a:srgbClr val="000000"/>
-              </a:solidFill>
-              <a:effectLst/>
-              <a:latin typeface="Poppins" panose="00000500000000000000" pitchFamily="2" charset="0"/>
-            </a:endParaRPr>
+            <a:endParaRPr lang="en-US" dirty="0"/>
           </a:p>
           <a:p>
             <a:pPr marL="0" indent="0">
@@ -10329,20 +10593,29 @@
                   <a:srgbClr val="000000"/>
                 </a:solidFill>
                 <a:effectLst/>
-                <a:latin typeface="Poppins" panose="00000500000000000000" pitchFamily="2" charset="0"/>
+                <a:latin typeface="Poppins" panose="020B0502040204020203" pitchFamily="2" charset="0"/>
               </a:rPr>
-              <a:t>This shape shows that information is coming into the process from outside, or leaving the process</a:t>
-            </a:r>
+              <a:t>Use this shape for the beginning or ending step of your process</a:t>
+            </a:r>
+            <a:endParaRPr lang="en-US" dirty="0"/>
+          </a:p>
+          <a:p>
+            <a:pPr marL="0" indent="0">
+              <a:buNone/>
+            </a:pPr>
+            <a:endParaRPr lang="en-US" dirty="0"/>
+          </a:p>
+          <a:p>
             <a:endParaRPr lang="en-US" dirty="0"/>
           </a:p>
         </p:txBody>
       </p:sp>
       <p:pic>
         <p:nvPicPr>
-          <p:cNvPr id="6146" name="Picture 2" descr="Data">
-            <a:extLst>
-              <a:ext uri="{FF2B5EF4-FFF2-40B4-BE49-F238E27FC236}">
-                <a16:creationId xmlns:a16="http://schemas.microsoft.com/office/drawing/2014/main" id="{FF76D30B-004D-331E-0DE9-D9E1411CC8B6}"/>
+          <p:cNvPr id="3076" name="Picture 4" descr="Start or Terminator">
+            <a:extLst>
+              <a:ext uri="{FF2B5EF4-FFF2-40B4-BE49-F238E27FC236}">
+                <a16:creationId xmlns:a16="http://schemas.microsoft.com/office/drawing/2014/main" id="{812A3581-5A2C-0B7A-C6F7-9A61A7B457D0}"/>
               </a:ext>
             </a:extLst>
           </p:cNvPr>
@@ -10366,8 +10639,8 @@
         </p:blipFill>
         <p:spPr bwMode="auto">
           <a:xfrm>
-            <a:off x="6873858" y="750599"/>
-            <a:ext cx="2053390" cy="1034415"/>
+            <a:off x="7227613" y="1312082"/>
+            <a:ext cx="1345880" cy="438150"/>
           </a:xfrm>
           <a:prstGeom prst="rect">
             <a:avLst/>
@@ -10387,7 +10660,7 @@
     </p:spTree>
     <p:extLst>
       <p:ext uri="{BB962C8B-B14F-4D97-AF65-F5344CB8AC3E}">
-        <p14:creationId xmlns:p14="http://schemas.microsoft.com/office/powerpoint/2010/main" val="2131350616"/>
+        <p14:creationId xmlns:p14="http://schemas.microsoft.com/office/powerpoint/2010/main" val="843875840"/>
       </p:ext>
     </p:extLst>
   </p:cSld>
@@ -10397,7 +10670,7 @@
 </p:sld>
 </file>
 
-<file path=ppt/slides/slide26.xml><?xml version="1.0" encoding="utf-8"?>
+<file path=ppt/slides/slide27.xml><?xml version="1.0" encoding="utf-8"?>
 <p:sld xmlns:a="http://schemas.openxmlformats.org/drawingml/2006/main" xmlns:r="http://schemas.openxmlformats.org/officeDocument/2006/relationships" xmlns:p="http://schemas.openxmlformats.org/presentationml/2006/main">
   <p:cSld>
     <p:bg>
@@ -10716,21 +10989,82 @@
           </a:p>
         </p:txBody>
       </p:sp>
+      <p:sp>
+        <p:nvSpPr>
+          <p:cNvPr id="3" name="Content Placeholder 2">
+            <a:extLst>
+              <a:ext uri="{FF2B5EF4-FFF2-40B4-BE49-F238E27FC236}">
+                <a16:creationId xmlns:a16="http://schemas.microsoft.com/office/drawing/2014/main" id="{506ECF03-3832-CE61-45EB-6C148D597A92}"/>
+              </a:ext>
+            </a:extLst>
+          </p:cNvPr>
+          <p:cNvSpPr>
+            <a:spLocks noGrp="1"/>
+          </p:cNvSpPr>
+          <p:nvPr>
+            <p:ph idx="1"/>
+          </p:nvPr>
+        </p:nvSpPr>
+        <p:spPr>
+          <a:xfrm>
+            <a:off x="4447308" y="591344"/>
+            <a:ext cx="6906491" cy="5585619"/>
+          </a:xfrm>
+        </p:spPr>
+        <p:txBody>
+          <a:bodyPr anchor="ctr">
+            <a:normAutofit/>
+          </a:bodyPr>
+          <a:lstStyle/>
+          <a:p>
+            <a:pPr marL="0" indent="0" algn="ctr">
+              <a:buNone/>
+            </a:pPr>
+            <a:r>
+              <a:rPr lang="en-US" sz="3600" dirty="0"/>
+              <a:t>Process</a:t>
+            </a:r>
+          </a:p>
+          <a:p>
+            <a:pPr marL="0" indent="0">
+              <a:buNone/>
+            </a:pPr>
+            <a:endParaRPr lang="en-US" dirty="0"/>
+          </a:p>
+          <a:p>
+            <a:pPr marL="0" indent="0">
+              <a:buNone/>
+            </a:pPr>
+            <a:r>
+              <a:rPr lang="en-US" b="0" i="0" dirty="0">
+                <a:solidFill>
+                  <a:srgbClr val="000000"/>
+                </a:solidFill>
+                <a:effectLst/>
+                <a:latin typeface="Poppins" panose="00000500000000000000" pitchFamily="2" charset="0"/>
+              </a:rPr>
+              <a:t>This shape stands for a step in your process</a:t>
+            </a:r>
+            <a:endParaRPr lang="en-US" dirty="0"/>
+          </a:p>
+          <a:p>
+            <a:endParaRPr lang="en-US" dirty="0"/>
+          </a:p>
+        </p:txBody>
+      </p:sp>
       <p:pic>
         <p:nvPicPr>
-          <p:cNvPr id="6" name="Content Placeholder 5">
-            <a:extLst>
-              <a:ext uri="{FF2B5EF4-FFF2-40B4-BE49-F238E27FC236}">
-                <a16:creationId xmlns:a16="http://schemas.microsoft.com/office/drawing/2014/main" id="{3EA4DEAF-F6F9-B3E9-FD0D-B9AD35D138B4}"/>
+          <p:cNvPr id="4098" name="Picture 2" descr="Process">
+            <a:extLst>
+              <a:ext uri="{FF2B5EF4-FFF2-40B4-BE49-F238E27FC236}">
+                <a16:creationId xmlns:a16="http://schemas.microsoft.com/office/drawing/2014/main" id="{3681DCA6-C424-AFC7-120E-04FF383E712D}"/>
               </a:ext>
             </a:extLst>
           </p:cNvPr>
           <p:cNvPicPr>
-            <a:picLocks noGrp="1" noChangeAspect="1"/>
+            <a:picLocks noChangeAspect="1" noChangeArrowheads="1"/>
           </p:cNvPicPr>
-          <p:nvPr>
-            <p:ph idx="1"/>
-          </p:nvPr>
+          <p:nvPr/>
         </p:nvPicPr>
         <p:blipFill>
           <a:blip r:embed="rId2">
@@ -10740,21 +11074,35 @@
               </a:ext>
             </a:extLst>
           </a:blip>
+          <a:srcRect/>
           <a:stretch>
             <a:fillRect/>
           </a:stretch>
         </p:blipFill>
-        <p:spPr>
+        <p:spPr bwMode="auto">
           <a:xfrm>
-            <a:off x="6096000" y="269540"/>
-            <a:ext cx="1344474" cy="5900135"/>
-          </a:xfrm>
+            <a:off x="7036994" y="926310"/>
+            <a:ext cx="1727117" cy="1113748"/>
+          </a:xfrm>
+          <a:prstGeom prst="rect">
+            <a:avLst/>
+          </a:prstGeom>
+          <a:noFill/>
+          <a:extLst>
+            <a:ext uri="{909E8E84-426E-40DD-AFC4-6F175D3DCCD1}">
+              <a14:hiddenFill xmlns:a14="http://schemas.microsoft.com/office/drawing/2010/main">
+                <a:solidFill>
+                  <a:srgbClr val="FFFFFF"/>
+                </a:solidFill>
+              </a14:hiddenFill>
+            </a:ext>
+          </a:extLst>
         </p:spPr>
       </p:pic>
     </p:spTree>
     <p:extLst>
       <p:ext uri="{BB962C8B-B14F-4D97-AF65-F5344CB8AC3E}">
-        <p14:creationId xmlns:p14="http://schemas.microsoft.com/office/powerpoint/2010/main" val="1779534481"/>
+        <p14:creationId xmlns:p14="http://schemas.microsoft.com/office/powerpoint/2010/main" val="455532679"/>
       </p:ext>
     </p:extLst>
   </p:cSld>
@@ -10764,7 +11112,7 @@
 </p:sld>
 </file>
 
-<file path=ppt/slides/slide27.xml><?xml version="1.0" encoding="utf-8"?>
+<file path=ppt/slides/slide28.xml><?xml version="1.0" encoding="utf-8"?>
 <p:sld xmlns:a="http://schemas.openxmlformats.org/drawingml/2006/main" xmlns:r="http://schemas.openxmlformats.org/officeDocument/2006/relationships" xmlns:p="http://schemas.openxmlformats.org/presentationml/2006/main">
   <p:cSld>
     <p:bg>
@@ -11083,21 +11431,85 @@
           </a:p>
         </p:txBody>
       </p:sp>
+      <p:sp>
+        <p:nvSpPr>
+          <p:cNvPr id="3" name="Content Placeholder 2">
+            <a:extLst>
+              <a:ext uri="{FF2B5EF4-FFF2-40B4-BE49-F238E27FC236}">
+                <a16:creationId xmlns:a16="http://schemas.microsoft.com/office/drawing/2014/main" id="{506ECF03-3832-CE61-45EB-6C148D597A92}"/>
+              </a:ext>
+            </a:extLst>
+          </p:cNvPr>
+          <p:cNvSpPr>
+            <a:spLocks noGrp="1"/>
+          </p:cNvSpPr>
+          <p:nvPr>
+            <p:ph idx="1"/>
+          </p:nvPr>
+        </p:nvSpPr>
+        <p:spPr>
+          <a:xfrm>
+            <a:off x="4447308" y="591344"/>
+            <a:ext cx="6906491" cy="5585619"/>
+          </a:xfrm>
+        </p:spPr>
+        <p:txBody>
+          <a:bodyPr anchor="ctr">
+            <a:normAutofit/>
+          </a:bodyPr>
+          <a:lstStyle/>
+          <a:p>
+            <a:pPr marL="0" indent="0" algn="ctr">
+              <a:buNone/>
+            </a:pPr>
+            <a:r>
+              <a:rPr lang="en-US" sz="3600" dirty="0"/>
+              <a:t>Decision</a:t>
+            </a:r>
+          </a:p>
+          <a:p>
+            <a:pPr marL="0" indent="0">
+              <a:buNone/>
+            </a:pPr>
+            <a:endParaRPr lang="en-US" b="0" i="0" dirty="0">
+              <a:solidFill>
+                <a:srgbClr val="000000"/>
+              </a:solidFill>
+              <a:effectLst/>
+              <a:latin typeface="Poppins" panose="00000500000000000000" pitchFamily="2" charset="0"/>
+            </a:endParaRPr>
+          </a:p>
+          <a:p>
+            <a:pPr marL="0" indent="0">
+              <a:buNone/>
+            </a:pPr>
+            <a:r>
+              <a:rPr lang="en-US" b="0" i="0" dirty="0">
+                <a:solidFill>
+                  <a:srgbClr val="000000"/>
+                </a:solidFill>
+                <a:effectLst/>
+                <a:latin typeface="Poppins" panose="00000500000000000000" pitchFamily="2" charset="0"/>
+              </a:rPr>
+              <a:t>It indicates a point where the outcome of a decision dictates the next step. There can be various outcomes, but usually there are just two - yes and no</a:t>
+            </a:r>
+            <a:endParaRPr lang="en-US" dirty="0"/>
+          </a:p>
+        </p:txBody>
+      </p:sp>
       <p:pic>
         <p:nvPicPr>
-          <p:cNvPr id="7" name="Content Placeholder 6">
-            <a:extLst>
-              <a:ext uri="{FF2B5EF4-FFF2-40B4-BE49-F238E27FC236}">
-                <a16:creationId xmlns:a16="http://schemas.microsoft.com/office/drawing/2014/main" id="{CF2BCC47-5B97-BCC9-3179-03AA404E4CF9}"/>
+          <p:cNvPr id="5122" name="Picture 2" descr="Decision">
+            <a:extLst>
+              <a:ext uri="{FF2B5EF4-FFF2-40B4-BE49-F238E27FC236}">
+                <a16:creationId xmlns:a16="http://schemas.microsoft.com/office/drawing/2014/main" id="{D7DE6D08-B92E-56C9-61B0-2FAA3A534C20}"/>
               </a:ext>
             </a:extLst>
           </p:cNvPr>
           <p:cNvPicPr>
-            <a:picLocks noGrp="1" noChangeAspect="1"/>
+            <a:picLocks noChangeAspect="1" noChangeArrowheads="1"/>
           </p:cNvPicPr>
-          <p:nvPr>
-            <p:ph idx="1"/>
-          </p:nvPr>
+          <p:nvPr/>
         </p:nvPicPr>
         <p:blipFill>
           <a:blip r:embed="rId2">
@@ -11107,21 +11519,35 @@
               </a:ext>
             </a:extLst>
           </a:blip>
+          <a:srcRect/>
           <a:stretch>
             <a:fillRect/>
           </a:stretch>
         </p:blipFill>
-        <p:spPr>
+        <p:spPr bwMode="auto">
           <a:xfrm>
-            <a:off x="4761358" y="585516"/>
-            <a:ext cx="4087054" cy="5686968"/>
-          </a:xfrm>
+            <a:off x="7007477" y="769441"/>
+            <a:ext cx="1742823" cy="1095489"/>
+          </a:xfrm>
+          <a:prstGeom prst="rect">
+            <a:avLst/>
+          </a:prstGeom>
+          <a:noFill/>
+          <a:extLst>
+            <a:ext uri="{909E8E84-426E-40DD-AFC4-6F175D3DCCD1}">
+              <a14:hiddenFill xmlns:a14="http://schemas.microsoft.com/office/drawing/2010/main">
+                <a:solidFill>
+                  <a:srgbClr val="FFFFFF"/>
+                </a:solidFill>
+              </a14:hiddenFill>
+            </a:ext>
+          </a:extLst>
         </p:spPr>
       </p:pic>
     </p:spTree>
     <p:extLst>
       <p:ext uri="{BB962C8B-B14F-4D97-AF65-F5344CB8AC3E}">
-        <p14:creationId xmlns:p14="http://schemas.microsoft.com/office/powerpoint/2010/main" val="3895086065"/>
+        <p14:creationId xmlns:p14="http://schemas.microsoft.com/office/powerpoint/2010/main" val="3008013547"/>
       </p:ext>
     </p:extLst>
   </p:cSld>
@@ -11131,7 +11557,7 @@
 </p:sld>
 </file>
 
-<file path=ppt/slides/slide28.xml><?xml version="1.0" encoding="utf-8"?>
+<file path=ppt/slides/slide29.xml><?xml version="1.0" encoding="utf-8"?>
 <p:sld xmlns:a="http://schemas.openxmlformats.org/drawingml/2006/main" xmlns:r="http://schemas.openxmlformats.org/officeDocument/2006/relationships" xmlns:p="http://schemas.openxmlformats.org/presentationml/2006/main">
   <p:cSld>
     <p:bg>
@@ -11384,22 +11810,7 @@
                   <a:srgbClr val="FFFFFF"/>
                 </a:solidFill>
               </a:rPr>
-              <a:t>Flowchart</a:t>
-            </a:r>
-            <a:br>
-              <a:rPr lang="en-US" dirty="0">
-                <a:solidFill>
-                  <a:srgbClr val="FFFFFF"/>
-                </a:solidFill>
-              </a:rPr>
-            </a:br>
-            <a:r>
-              <a:rPr lang="en-US" dirty="0">
-                <a:solidFill>
-                  <a:srgbClr val="FFFFFF"/>
-                </a:solidFill>
-              </a:rPr>
-              <a:t>Ideas</a:t>
+              <a:t>Flowcharts</a:t>
             </a:r>
           </a:p>
         </p:txBody>
@@ -11489,542 +11900,99 @@
         </p:spPr>
         <p:txBody>
           <a:bodyPr anchor="ctr">
-            <a:normAutofit lnSpcReduction="10000"/>
+            <a:normAutofit/>
           </a:bodyPr>
           <a:lstStyle/>
+          <a:p>
+            <a:pPr marL="0" indent="0" algn="ctr">
+              <a:buNone/>
+            </a:pPr>
+            <a:r>
+              <a:rPr lang="en-US" sz="3600" dirty="0"/>
+              <a:t>Input / Output</a:t>
+            </a:r>
+          </a:p>
           <a:p>
             <a:pPr marL="0" indent="0">
               <a:buNone/>
             </a:pPr>
-            <a:r>
-              <a:rPr lang="en-US" dirty="0"/>
-              <a:t>Under 10</a:t>
-            </a:r>
-          </a:p>
-          <a:p>
-            <a:r>
-              <a:rPr lang="en-US" dirty="0"/>
-              <a:t>Pick a game to play</a:t>
-            </a:r>
-          </a:p>
-          <a:p>
-            <a:r>
-              <a:rPr lang="en-US" dirty="0"/>
-              <a:t>What should I eat?</a:t>
-            </a:r>
-          </a:p>
-          <a:p>
-            <a:r>
-              <a:rPr lang="en-US" dirty="0"/>
-              <a:t>What should I watch on TV?</a:t>
-            </a:r>
-          </a:p>
-          <a:p>
-            <a:r>
-              <a:rPr lang="en-US" dirty="0"/>
-              <a:t>Pick my pet</a:t>
-            </a:r>
+            <a:endParaRPr lang="en-US" b="0" i="0" dirty="0">
+              <a:solidFill>
+                <a:srgbClr val="000000"/>
+              </a:solidFill>
+              <a:effectLst/>
+              <a:latin typeface="Poppins" panose="00000500000000000000" pitchFamily="2" charset="0"/>
+            </a:endParaRPr>
           </a:p>
           <a:p>
             <a:pPr marL="0" indent="0">
               <a:buNone/>
             </a:pPr>
             <a:r>
-              <a:rPr lang="en-US" dirty="0"/>
-              <a:t>Ages 10+</a:t>
-            </a:r>
-          </a:p>
-          <a:p>
-            <a:r>
-              <a:rPr lang="en-US" dirty="0"/>
-              <a:t>Find largest value among 3 values</a:t>
-            </a:r>
-          </a:p>
-          <a:p>
-            <a:r>
-              <a:rPr lang="en-US" dirty="0"/>
-              <a:t>Should I bring an umbrella</a:t>
-            </a:r>
-          </a:p>
-          <a:p>
-            <a:pPr marL="0" indent="0">
-              <a:buNone/>
-            </a:pPr>
-            <a:r>
-              <a:rPr lang="en-US" dirty="0"/>
-              <a:t>Ages 13+</a:t>
-            </a:r>
-          </a:p>
-          <a:p>
-            <a:r>
-              <a:rPr lang="en-US" dirty="0"/>
-              <a:t>How to add multidigit numbers</a:t>
-            </a:r>
-          </a:p>
-          <a:p>
-            <a:r>
-              <a:rPr lang="en-US" dirty="0"/>
-              <a:t>How to prepare an egg</a:t>
-            </a:r>
-          </a:p>
-          <a:p>
-            <a:pPr marL="0" indent="0">
-              <a:buNone/>
-            </a:pPr>
+              <a:rPr lang="en-US" b="0" i="0" dirty="0">
+                <a:solidFill>
+                  <a:srgbClr val="000000"/>
+                </a:solidFill>
+                <a:effectLst/>
+                <a:latin typeface="Poppins" panose="00000500000000000000" pitchFamily="2" charset="0"/>
+              </a:rPr>
+              <a:t>This shape shows that information is coming into the process from outside, or leaving the process</a:t>
+            </a:r>
             <a:endParaRPr lang="en-US" dirty="0"/>
           </a:p>
         </p:txBody>
       </p:sp>
+      <p:pic>
+        <p:nvPicPr>
+          <p:cNvPr id="6146" name="Picture 2" descr="Data">
+            <a:extLst>
+              <a:ext uri="{FF2B5EF4-FFF2-40B4-BE49-F238E27FC236}">
+                <a16:creationId xmlns:a16="http://schemas.microsoft.com/office/drawing/2014/main" id="{FF76D30B-004D-331E-0DE9-D9E1411CC8B6}"/>
+              </a:ext>
+            </a:extLst>
+          </p:cNvPr>
+          <p:cNvPicPr>
+            <a:picLocks noChangeAspect="1" noChangeArrowheads="1"/>
+          </p:cNvPicPr>
+          <p:nvPr/>
+        </p:nvPicPr>
+        <p:blipFill>
+          <a:blip r:embed="rId2">
+            <a:extLst>
+              <a:ext uri="{28A0092B-C50C-407E-A947-70E740481C1C}">
+                <a14:useLocalDpi xmlns:a14="http://schemas.microsoft.com/office/drawing/2010/main" val="0"/>
+              </a:ext>
+            </a:extLst>
+          </a:blip>
+          <a:srcRect/>
+          <a:stretch>
+            <a:fillRect/>
+          </a:stretch>
+        </p:blipFill>
+        <p:spPr bwMode="auto">
+          <a:xfrm>
+            <a:off x="6873858" y="750599"/>
+            <a:ext cx="2053390" cy="1034415"/>
+          </a:xfrm>
+          <a:prstGeom prst="rect">
+            <a:avLst/>
+          </a:prstGeom>
+          <a:noFill/>
+          <a:extLst>
+            <a:ext uri="{909E8E84-426E-40DD-AFC4-6F175D3DCCD1}">
+              <a14:hiddenFill xmlns:a14="http://schemas.microsoft.com/office/drawing/2010/main">
+                <a:solidFill>
+                  <a:srgbClr val="FFFFFF"/>
+                </a:solidFill>
+              </a14:hiddenFill>
+            </a:ext>
+          </a:extLst>
+        </p:spPr>
+      </p:pic>
     </p:spTree>
     <p:extLst>
       <p:ext uri="{BB962C8B-B14F-4D97-AF65-F5344CB8AC3E}">
-        <p14:creationId xmlns:p14="http://schemas.microsoft.com/office/powerpoint/2010/main" val="3966870226"/>
-      </p:ext>
-    </p:extLst>
-  </p:cSld>
-  <p:clrMapOvr>
-    <a:masterClrMapping/>
-  </p:clrMapOvr>
-</p:sld>
-</file>
-
-<file path=ppt/slides/slide29.xml><?xml version="1.0" encoding="utf-8"?>
-<p:sld xmlns:a="http://schemas.openxmlformats.org/drawingml/2006/main" xmlns:r="http://schemas.openxmlformats.org/officeDocument/2006/relationships" xmlns:p="http://schemas.openxmlformats.org/presentationml/2006/main">
-  <p:cSld>
-    <p:bg>
-      <p:bgPr>
-        <a:solidFill>
-          <a:schemeClr val="bg1"/>
-        </a:solidFill>
-        <a:effectLst/>
-      </p:bgPr>
-    </p:bg>
-    <p:spTree>
-      <p:nvGrpSpPr>
-        <p:cNvPr id="1" name=""/>
-        <p:cNvGrpSpPr/>
-        <p:nvPr/>
-      </p:nvGrpSpPr>
-      <p:grpSpPr>
-        <a:xfrm>
-          <a:off x="0" y="0"/>
-          <a:ext cx="0" cy="0"/>
-          <a:chOff x="0" y="0"/>
-          <a:chExt cx="0" cy="0"/>
-        </a:xfrm>
-      </p:grpSpPr>
-      <p:sp useBgFill="1">
-        <p:nvSpPr>
-          <p:cNvPr id="8" name="Rectangle 7">
-            <a:extLst>
-              <a:ext uri="{FF2B5EF4-FFF2-40B4-BE49-F238E27FC236}">
-                <a16:creationId xmlns:a16="http://schemas.microsoft.com/office/drawing/2014/main" id="{DAF1966E-FD40-4A4A-B61B-C4DF7FA05F06}"/>
-              </a:ext>
-              <a:ext uri="{C183D7F6-B498-43B3-948B-1728B52AA6E4}">
-                <adec:decorative xmlns:adec="http://schemas.microsoft.com/office/drawing/2017/decorative" val="1"/>
-              </a:ext>
-            </a:extLst>
-          </p:cNvPr>
-          <p:cNvSpPr>
-            <a:spLocks noGrp="1" noRot="1" noChangeAspect="1" noMove="1" noResize="1" noEditPoints="1" noAdjustHandles="1" noChangeArrowheads="1" noChangeShapeType="1" noTextEdit="1"/>
-          </p:cNvSpPr>
-          <p:nvPr>
-            <p:extLst>
-              <p:ext uri="{386F3935-93C4-4BCD-93E2-E3B085C9AB24}">
-                <p16:designElem xmlns:p16="http://schemas.microsoft.com/office/powerpoint/2015/main" val="1"/>
-              </p:ext>
-            </p:extLst>
-          </p:nvPr>
-        </p:nvSpPr>
-        <p:spPr>
-          <a:xfrm>
-            <a:off x="0" y="0"/>
-            <a:ext cx="12192000" cy="6858000"/>
-          </a:xfrm>
-          <a:prstGeom prst="rect">
-            <a:avLst/>
-          </a:prstGeom>
-          <a:ln>
-            <a:noFill/>
-          </a:ln>
-        </p:spPr>
-        <p:style>
-          <a:lnRef idx="2">
-            <a:schemeClr val="accent1">
-              <a:shade val="50000"/>
-            </a:schemeClr>
-          </a:lnRef>
-          <a:fillRef idx="1">
-            <a:schemeClr val="accent1"/>
-          </a:fillRef>
-          <a:effectRef idx="0">
-            <a:schemeClr val="accent1"/>
-          </a:effectRef>
-          <a:fontRef idx="minor">
-            <a:schemeClr val="lt1"/>
-          </a:fontRef>
-        </p:style>
-        <p:txBody>
-          <a:bodyPr rtlCol="0" anchor="ctr"/>
-          <a:lstStyle/>
-          <a:p>
-            <a:pPr algn="ctr"/>
-            <a:endParaRPr lang="en-US" dirty="0"/>
-          </a:p>
-        </p:txBody>
-      </p:sp>
-      <p:sp useBgFill="1">
-        <p:nvSpPr>
-          <p:cNvPr id="10" name="Rectangle 9">
-            <a:extLst>
-              <a:ext uri="{FF2B5EF4-FFF2-40B4-BE49-F238E27FC236}">
-                <a16:creationId xmlns:a16="http://schemas.microsoft.com/office/drawing/2014/main" id="{047BFA19-D45E-416B-A404-7AF2F3F27017}"/>
-              </a:ext>
-              <a:ext uri="{C183D7F6-B498-43B3-948B-1728B52AA6E4}">
-                <adec:decorative xmlns:adec="http://schemas.microsoft.com/office/drawing/2017/decorative" val="1"/>
-              </a:ext>
-            </a:extLst>
-          </p:cNvPr>
-          <p:cNvSpPr>
-            <a:spLocks noGrp="1" noRot="1" noChangeAspect="1" noMove="1" noResize="1" noEditPoints="1" noAdjustHandles="1" noChangeArrowheads="1" noChangeShapeType="1" noTextEdit="1"/>
-          </p:cNvSpPr>
-          <p:nvPr>
-            <p:extLst>
-              <p:ext uri="{386F3935-93C4-4BCD-93E2-E3B085C9AB24}">
-                <p16:designElem xmlns:p16="http://schemas.microsoft.com/office/powerpoint/2015/main" val="1"/>
-              </p:ext>
-            </p:extLst>
-          </p:nvPr>
-        </p:nvSpPr>
-        <p:spPr>
-          <a:xfrm>
-            <a:off x="558209" y="0"/>
-            <a:ext cx="11167447" cy="2018806"/>
-          </a:xfrm>
-          <a:prstGeom prst="rect">
-            <a:avLst/>
-          </a:prstGeom>
-          <a:ln w="9525">
-            <a:solidFill>
-              <a:srgbClr val="E1E1E1"/>
-            </a:solidFill>
-          </a:ln>
-          <a:effectLst>
-            <a:outerShdw blurRad="50800" dist="38100" dir="2700000" algn="tl" rotWithShape="0">
-              <a:schemeClr val="bg1">
-                <a:lumMod val="85000"/>
-                <a:alpha val="50000"/>
-              </a:schemeClr>
-            </a:outerShdw>
-          </a:effectLst>
-        </p:spPr>
-        <p:style>
-          <a:lnRef idx="2">
-            <a:schemeClr val="accent1">
-              <a:shade val="50000"/>
-            </a:schemeClr>
-          </a:lnRef>
-          <a:fillRef idx="1">
-            <a:schemeClr val="accent1"/>
-          </a:fillRef>
-          <a:effectRef idx="0">
-            <a:schemeClr val="accent1"/>
-          </a:effectRef>
-          <a:fontRef idx="minor">
-            <a:schemeClr val="lt1"/>
-          </a:fontRef>
-        </p:style>
-        <p:txBody>
-          <a:bodyPr rtlCol="0" anchor="ctr"/>
-          <a:lstStyle/>
-          <a:p>
-            <a:pPr marL="0" marR="0" lvl="0" indent="0" algn="ctr" defTabSz="914400" rtl="0" eaLnBrk="1" fontAlgn="auto" latinLnBrk="0" hangingPunct="1">
-              <a:lnSpc>
-                <a:spcPct val="100000"/>
-              </a:lnSpc>
-              <a:spcBef>
-                <a:spcPts val="0"/>
-              </a:spcBef>
-              <a:spcAft>
-                <a:spcPts val="0"/>
-              </a:spcAft>
-              <a:buClrTx/>
-              <a:buSzTx/>
-              <a:buFontTx/>
-              <a:buNone/>
-              <a:tabLst/>
-              <a:defRPr/>
-            </a:pPr>
-            <a:endParaRPr kumimoji="0" lang="en-US" sz="1800" b="0" i="0" u="none" strike="noStrike" kern="1200" cap="none" spc="0" normalizeH="0" baseline="0" noProof="0" dirty="0">
-              <a:ln>
-                <a:noFill/>
-              </a:ln>
-              <a:solidFill>
-                <a:prstClr val="white"/>
-              </a:solidFill>
-              <a:effectLst/>
-              <a:uLnTx/>
-              <a:uFillTx/>
-              <a:latin typeface="Calibri" panose="020F0502020204030204"/>
-              <a:ea typeface="+mn-ea"/>
-              <a:cs typeface="+mn-cs"/>
-            </a:endParaRPr>
-          </a:p>
-        </p:txBody>
-      </p:sp>
-      <p:sp useBgFill="1">
-        <p:nvSpPr>
-          <p:cNvPr id="12" name="Rectangle 11">
-            <a:extLst>
-              <a:ext uri="{FF2B5EF4-FFF2-40B4-BE49-F238E27FC236}">
-                <a16:creationId xmlns:a16="http://schemas.microsoft.com/office/drawing/2014/main" id="{8E0105E7-23DB-4CF2-8258-FF47C7620F6E}"/>
-              </a:ext>
-              <a:ext uri="{C183D7F6-B498-43B3-948B-1728B52AA6E4}">
-                <adec:decorative xmlns:adec="http://schemas.microsoft.com/office/drawing/2017/decorative" val="1"/>
-              </a:ext>
-            </a:extLst>
-          </p:cNvPr>
-          <p:cNvSpPr>
-            <a:spLocks noGrp="1" noRot="1" noChangeAspect="1" noMove="1" noResize="1" noEditPoints="1" noAdjustHandles="1" noChangeArrowheads="1" noChangeShapeType="1" noTextEdit="1"/>
-          </p:cNvSpPr>
-          <p:nvPr>
-            <p:extLst>
-              <p:ext uri="{386F3935-93C4-4BCD-93E2-E3B085C9AB24}">
-                <p16:designElem xmlns:p16="http://schemas.microsoft.com/office/powerpoint/2015/main" val="1"/>
-              </p:ext>
-            </p:extLst>
-          </p:nvPr>
-        </p:nvSpPr>
-        <p:spPr>
-          <a:xfrm>
-            <a:off x="566928" y="0"/>
-            <a:ext cx="11155680" cy="2011680"/>
-          </a:xfrm>
-          <a:prstGeom prst="rect">
-            <a:avLst/>
-          </a:prstGeom>
-          <a:ln w="9525">
-            <a:noFill/>
-          </a:ln>
-          <a:effectLst/>
-        </p:spPr>
-        <p:style>
-          <a:lnRef idx="2">
-            <a:schemeClr val="accent1">
-              <a:shade val="50000"/>
-            </a:schemeClr>
-          </a:lnRef>
-          <a:fillRef idx="1">
-            <a:schemeClr val="accent1"/>
-          </a:fillRef>
-          <a:effectRef idx="0">
-            <a:schemeClr val="accent1"/>
-          </a:effectRef>
-          <a:fontRef idx="minor">
-            <a:schemeClr val="lt1"/>
-          </a:fontRef>
-        </p:style>
-        <p:txBody>
-          <a:bodyPr rtlCol="0" anchor="ctr"/>
-          <a:lstStyle/>
-          <a:p>
-            <a:pPr marL="0" marR="0" lvl="0" indent="0" algn="ctr" defTabSz="914400" rtl="0" eaLnBrk="1" fontAlgn="auto" latinLnBrk="0" hangingPunct="1">
-              <a:lnSpc>
-                <a:spcPct val="100000"/>
-              </a:lnSpc>
-              <a:spcBef>
-                <a:spcPts val="0"/>
-              </a:spcBef>
-              <a:spcAft>
-                <a:spcPts val="0"/>
-              </a:spcAft>
-              <a:buClrTx/>
-              <a:buSzTx/>
-              <a:buFontTx/>
-              <a:buNone/>
-              <a:tabLst/>
-              <a:defRPr/>
-            </a:pPr>
-            <a:endParaRPr kumimoji="0" lang="en-US" sz="1800" b="0" i="0" u="none" strike="noStrike" kern="1200" cap="none" spc="0" normalizeH="0" baseline="0" noProof="0" dirty="0">
-              <a:ln>
-                <a:noFill/>
-              </a:ln>
-              <a:solidFill>
-                <a:prstClr val="white"/>
-              </a:solidFill>
-              <a:effectLst/>
-              <a:uLnTx/>
-              <a:uFillTx/>
-              <a:latin typeface="Calibri" panose="020F0502020204030204"/>
-              <a:ea typeface="+mn-ea"/>
-              <a:cs typeface="+mn-cs"/>
-            </a:endParaRPr>
-          </a:p>
-        </p:txBody>
-      </p:sp>
-      <p:sp>
-        <p:nvSpPr>
-          <p:cNvPr id="2" name="Title 1">
-            <a:extLst>
-              <a:ext uri="{FF2B5EF4-FFF2-40B4-BE49-F238E27FC236}">
-                <a16:creationId xmlns:a16="http://schemas.microsoft.com/office/drawing/2014/main" id="{82CF4B60-062A-25CD-E448-6C8255EEF9CC}"/>
-              </a:ext>
-            </a:extLst>
-          </p:cNvPr>
-          <p:cNvSpPr>
-            <a:spLocks noGrp="1"/>
-          </p:cNvSpPr>
-          <p:nvPr>
-            <p:ph type="title"/>
-          </p:nvPr>
-        </p:nvSpPr>
-        <p:spPr>
-          <a:xfrm>
-            <a:off x="1115568" y="548640"/>
-            <a:ext cx="10168128" cy="1179576"/>
-          </a:xfrm>
-        </p:spPr>
-        <p:txBody>
-          <a:bodyPr>
-            <a:normAutofit/>
-          </a:bodyPr>
-          <a:lstStyle/>
-          <a:p>
-            <a:r>
-              <a:rPr lang="en-US" sz="4800" dirty="0"/>
-              <a:t>Thank You</a:t>
-            </a:r>
-          </a:p>
-        </p:txBody>
-      </p:sp>
-      <p:sp>
-        <p:nvSpPr>
-          <p:cNvPr id="14" name="Rectangle 13">
-            <a:extLst>
-              <a:ext uri="{FF2B5EF4-FFF2-40B4-BE49-F238E27FC236}">
-                <a16:creationId xmlns:a16="http://schemas.microsoft.com/office/drawing/2014/main" id="{074B4F7D-14B2-478B-8BF5-01E4E0C5D263}"/>
-              </a:ext>
-              <a:ext uri="{C183D7F6-B498-43B3-948B-1728B52AA6E4}">
-                <adec:decorative xmlns:adec="http://schemas.microsoft.com/office/drawing/2017/decorative" val="1"/>
-              </a:ext>
-            </a:extLst>
-          </p:cNvPr>
-          <p:cNvSpPr>
-            <a:spLocks noGrp="1" noRot="1" noChangeAspect="1" noMove="1" noResize="1" noEditPoints="1" noAdjustHandles="1" noChangeArrowheads="1" noChangeShapeType="1" noTextEdit="1"/>
-          </p:cNvSpPr>
-          <p:nvPr>
-            <p:extLst>
-              <p:ext uri="{386F3935-93C4-4BCD-93E2-E3B085C9AB24}">
-                <p16:designElem xmlns:p16="http://schemas.microsoft.com/office/powerpoint/2015/main" val="1"/>
-              </p:ext>
-            </p:extLst>
-          </p:nvPr>
-        </p:nvSpPr>
-        <p:spPr>
-          <a:xfrm>
-            <a:off x="498834" y="758952"/>
-            <a:ext cx="128016" cy="704088"/>
-          </a:xfrm>
-          <a:prstGeom prst="rect">
-            <a:avLst/>
-          </a:prstGeom>
-          <a:solidFill>
-            <a:schemeClr val="accent2"/>
-          </a:solidFill>
-          <a:ln>
-            <a:noFill/>
-          </a:ln>
-        </p:spPr>
-        <p:style>
-          <a:lnRef idx="2">
-            <a:schemeClr val="accent1">
-              <a:shade val="50000"/>
-            </a:schemeClr>
-          </a:lnRef>
-          <a:fillRef idx="1">
-            <a:schemeClr val="accent1"/>
-          </a:fillRef>
-          <a:effectRef idx="0">
-            <a:schemeClr val="accent1"/>
-          </a:effectRef>
-          <a:fontRef idx="minor">
-            <a:schemeClr val="lt1"/>
-          </a:fontRef>
-        </p:style>
-        <p:txBody>
-          <a:bodyPr rtlCol="0" anchor="ctr"/>
-          <a:lstStyle/>
-          <a:p>
-            <a:pPr algn="ctr"/>
-            <a:endParaRPr lang="en-US" dirty="0">
-              <a:solidFill>
-                <a:prstClr val="white"/>
-              </a:solidFill>
-              <a:latin typeface="Calibri" panose="020F0502020204030204"/>
-            </a:endParaRPr>
-          </a:p>
-        </p:txBody>
-      </p:sp>
-      <p:sp>
-        <p:nvSpPr>
-          <p:cNvPr id="3" name="Content Placeholder 2">
-            <a:extLst>
-              <a:ext uri="{FF2B5EF4-FFF2-40B4-BE49-F238E27FC236}">
-                <a16:creationId xmlns:a16="http://schemas.microsoft.com/office/drawing/2014/main" id="{E43BD06B-906D-5C9C-E517-52B27F705E94}"/>
-              </a:ext>
-            </a:extLst>
-          </p:cNvPr>
-          <p:cNvSpPr>
-            <a:spLocks noGrp="1"/>
-          </p:cNvSpPr>
-          <p:nvPr>
-            <p:ph idx="1"/>
-          </p:nvPr>
-        </p:nvSpPr>
-        <p:spPr>
-          <a:xfrm>
-            <a:off x="1992884" y="2560320"/>
-            <a:ext cx="8206232" cy="3695020"/>
-          </a:xfrm>
-        </p:spPr>
-        <p:txBody>
-          <a:bodyPr>
-            <a:normAutofit/>
-          </a:bodyPr>
-          <a:lstStyle/>
-          <a:p>
-            <a:pPr marL="0" indent="0">
-              <a:buNone/>
-            </a:pPr>
-            <a:r>
-              <a:rPr lang="en-US" dirty="0"/>
-              <a:t>All resources can be found at:</a:t>
-            </a:r>
-          </a:p>
-          <a:p>
-            <a:pPr marL="0" indent="0">
-              <a:buNone/>
-            </a:pPr>
-            <a:r>
-              <a:rPr lang="en-US" dirty="0">
-                <a:hlinkClick r:id="rId2"/>
-              </a:rPr>
-              <a:t>https://github.com/kevmoens/ThatConference2022</a:t>
-            </a:r>
-            <a:endParaRPr lang="en-US" dirty="0"/>
-          </a:p>
-          <a:p>
-            <a:pPr marL="0" indent="0">
-              <a:buNone/>
-            </a:pPr>
-            <a:endParaRPr lang="en-US" dirty="0"/>
-          </a:p>
-        </p:txBody>
-      </p:sp>
-    </p:spTree>
-    <p:extLst>
-      <p:ext uri="{BB962C8B-B14F-4D97-AF65-F5344CB8AC3E}">
-        <p14:creationId xmlns:p14="http://schemas.microsoft.com/office/powerpoint/2010/main" val="1411583589"/>
+        <p14:creationId xmlns:p14="http://schemas.microsoft.com/office/powerpoint/2010/main" val="2131350616"/>
       </p:ext>
     </p:extLst>
   </p:cSld>
@@ -12124,7 +12092,7 @@
 </p:sld>
 </file>
 
-<file path=ppt/slides/slide4.xml><?xml version="1.0" encoding="utf-8"?>
+<file path=ppt/slides/slide30.xml><?xml version="1.0" encoding="utf-8"?>
 <p:sld xmlns:a="http://schemas.openxmlformats.org/drawingml/2006/main" xmlns:r="http://schemas.openxmlformats.org/officeDocument/2006/relationships" xmlns:p="http://schemas.openxmlformats.org/presentationml/2006/main">
   <p:cSld>
     <p:bg>
@@ -12377,6 +12345,1643 @@
                   <a:srgbClr val="FFFFFF"/>
                 </a:solidFill>
               </a:rPr>
+              <a:t>Flowcharts</a:t>
+            </a:r>
+          </a:p>
+        </p:txBody>
+      </p:sp>
+      <p:sp>
+        <p:nvSpPr>
+          <p:cNvPr id="12" name="Arc 11">
+            <a:extLst>
+              <a:ext uri="{FF2B5EF4-FFF2-40B4-BE49-F238E27FC236}">
+                <a16:creationId xmlns:a16="http://schemas.microsoft.com/office/drawing/2014/main" id="{081E4A58-353D-44AE-B2FC-2A74E2E400F7}"/>
+              </a:ext>
+              <a:ext uri="{C183D7F6-B498-43B3-948B-1728B52AA6E4}">
+                <adec:decorative xmlns:adec="http://schemas.microsoft.com/office/drawing/2017/decorative" val="1"/>
+              </a:ext>
+            </a:extLst>
+          </p:cNvPr>
+          <p:cNvSpPr>
+            <a:spLocks noGrp="1" noRot="1" noChangeAspect="1" noMove="1" noResize="1" noEditPoints="1" noAdjustHandles="1" noChangeArrowheads="1" noChangeShapeType="1" noTextEdit="1"/>
+          </p:cNvSpPr>
+          <p:nvPr>
+            <p:extLst>
+              <p:ext uri="{386F3935-93C4-4BCD-93E2-E3B085C9AB24}">
+                <p16:designElem xmlns:p16="http://schemas.microsoft.com/office/powerpoint/2015/main" val="1"/>
+              </p:ext>
+            </p:extLst>
+          </p:nvPr>
+        </p:nvSpPr>
+        <p:spPr>
+          <a:xfrm flipV="1">
+            <a:off x="7550402" y="2455479"/>
+            <a:ext cx="4083433" cy="4083433"/>
+          </a:xfrm>
+          <a:prstGeom prst="arc">
+            <a:avLst/>
+          </a:prstGeom>
+          <a:ln w="127000" cap="rnd">
+            <a:solidFill>
+              <a:schemeClr val="accent4"/>
+            </a:solidFill>
+            <a:prstDash val="dash"/>
+          </a:ln>
+        </p:spPr>
+        <p:style>
+          <a:lnRef idx="1">
+            <a:schemeClr val="accent1"/>
+          </a:lnRef>
+          <a:fillRef idx="0">
+            <a:schemeClr val="accent1"/>
+          </a:fillRef>
+          <a:effectRef idx="0">
+            <a:schemeClr val="accent1"/>
+          </a:effectRef>
+          <a:fontRef idx="minor">
+            <a:schemeClr val="tx1"/>
+          </a:fontRef>
+        </p:style>
+        <p:txBody>
+          <a:bodyPr rtlCol="0" anchor="ctr"/>
+          <a:lstStyle/>
+          <a:p>
+            <a:pPr algn="ctr"/>
+            <a:endParaRPr lang="en-US" dirty="0"/>
+          </a:p>
+        </p:txBody>
+      </p:sp>
+      <p:pic>
+        <p:nvPicPr>
+          <p:cNvPr id="6" name="Content Placeholder 5">
+            <a:extLst>
+              <a:ext uri="{FF2B5EF4-FFF2-40B4-BE49-F238E27FC236}">
+                <a16:creationId xmlns:a16="http://schemas.microsoft.com/office/drawing/2014/main" id="{3EA4DEAF-F6F9-B3E9-FD0D-B9AD35D138B4}"/>
+              </a:ext>
+            </a:extLst>
+          </p:cNvPr>
+          <p:cNvPicPr>
+            <a:picLocks noGrp="1" noChangeAspect="1"/>
+          </p:cNvPicPr>
+          <p:nvPr>
+            <p:ph idx="1"/>
+          </p:nvPr>
+        </p:nvPicPr>
+        <p:blipFill>
+          <a:blip r:embed="rId2">
+            <a:extLst>
+              <a:ext uri="{28A0092B-C50C-407E-A947-70E740481C1C}">
+                <a14:useLocalDpi xmlns:a14="http://schemas.microsoft.com/office/drawing/2010/main" val="0"/>
+              </a:ext>
+            </a:extLst>
+          </a:blip>
+          <a:stretch>
+            <a:fillRect/>
+          </a:stretch>
+        </p:blipFill>
+        <p:spPr>
+          <a:xfrm>
+            <a:off x="6096000" y="269540"/>
+            <a:ext cx="1344474" cy="5900135"/>
+          </a:xfrm>
+        </p:spPr>
+      </p:pic>
+    </p:spTree>
+    <p:extLst>
+      <p:ext uri="{BB962C8B-B14F-4D97-AF65-F5344CB8AC3E}">
+        <p14:creationId xmlns:p14="http://schemas.microsoft.com/office/powerpoint/2010/main" val="1779534481"/>
+      </p:ext>
+    </p:extLst>
+  </p:cSld>
+  <p:clrMapOvr>
+    <a:masterClrMapping/>
+  </p:clrMapOvr>
+</p:sld>
+</file>
+
+<file path=ppt/slides/slide31.xml><?xml version="1.0" encoding="utf-8"?>
+<p:sld xmlns:a="http://schemas.openxmlformats.org/drawingml/2006/main" xmlns:r="http://schemas.openxmlformats.org/officeDocument/2006/relationships" xmlns:p="http://schemas.openxmlformats.org/presentationml/2006/main">
+  <p:cSld>
+    <p:bg>
+      <p:bgPr>
+        <a:solidFill>
+          <a:schemeClr val="bg1"/>
+        </a:solidFill>
+        <a:effectLst/>
+      </p:bgPr>
+    </p:bg>
+    <p:spTree>
+      <p:nvGrpSpPr>
+        <p:cNvPr id="1" name=""/>
+        <p:cNvGrpSpPr/>
+        <p:nvPr/>
+      </p:nvGrpSpPr>
+      <p:grpSpPr>
+        <a:xfrm>
+          <a:off x="0" y="0"/>
+          <a:ext cx="0" cy="0"/>
+          <a:chOff x="0" y="0"/>
+          <a:chExt cx="0" cy="0"/>
+        </a:xfrm>
+      </p:grpSpPr>
+      <p:sp useBgFill="1">
+        <p:nvSpPr>
+          <p:cNvPr id="8" name="Rectangle 7">
+            <a:extLst>
+              <a:ext uri="{FF2B5EF4-FFF2-40B4-BE49-F238E27FC236}">
+                <a16:creationId xmlns:a16="http://schemas.microsoft.com/office/drawing/2014/main" id="{907EF6B7-1338-4443-8C46-6A318D952DFD}"/>
+              </a:ext>
+              <a:ext uri="{C183D7F6-B498-43B3-948B-1728B52AA6E4}">
+                <adec:decorative xmlns:adec="http://schemas.microsoft.com/office/drawing/2017/decorative" val="1"/>
+              </a:ext>
+            </a:extLst>
+          </p:cNvPr>
+          <p:cNvSpPr>
+            <a:spLocks noGrp="1" noRot="1" noChangeAspect="1" noMove="1" noResize="1" noEditPoints="1" noAdjustHandles="1" noChangeArrowheads="1" noChangeShapeType="1" noTextEdit="1"/>
+          </p:cNvSpPr>
+          <p:nvPr>
+            <p:extLst>
+              <p:ext uri="{386F3935-93C4-4BCD-93E2-E3B085C9AB24}">
+                <p16:designElem xmlns:p16="http://schemas.microsoft.com/office/powerpoint/2015/main" val="1"/>
+              </p:ext>
+            </p:extLst>
+          </p:nvPr>
+        </p:nvSpPr>
+        <p:spPr>
+          <a:xfrm>
+            <a:off x="3048" y="0"/>
+            <a:ext cx="12188952" cy="6858000"/>
+          </a:xfrm>
+          <a:prstGeom prst="rect">
+            <a:avLst/>
+          </a:prstGeom>
+          <a:ln>
+            <a:noFill/>
+          </a:ln>
+        </p:spPr>
+        <p:style>
+          <a:lnRef idx="2">
+            <a:schemeClr val="accent1">
+              <a:shade val="50000"/>
+            </a:schemeClr>
+          </a:lnRef>
+          <a:fillRef idx="1">
+            <a:schemeClr val="accent1"/>
+          </a:fillRef>
+          <a:effectRef idx="0">
+            <a:schemeClr val="accent1"/>
+          </a:effectRef>
+          <a:fontRef idx="minor">
+            <a:schemeClr val="lt1"/>
+          </a:fontRef>
+        </p:style>
+        <p:txBody>
+          <a:bodyPr rtlCol="0" anchor="ctr"/>
+          <a:lstStyle/>
+          <a:p>
+            <a:pPr algn="ctr"/>
+            <a:endParaRPr lang="en-US" dirty="0"/>
+          </a:p>
+        </p:txBody>
+      </p:sp>
+      <p:sp>
+        <p:nvSpPr>
+          <p:cNvPr id="10" name="Freeform: Shape 9">
+            <a:extLst>
+              <a:ext uri="{FF2B5EF4-FFF2-40B4-BE49-F238E27FC236}">
+                <a16:creationId xmlns:a16="http://schemas.microsoft.com/office/drawing/2014/main" id="{DAAE4CDD-124C-4DCF-9584-B6033B545DD5}"/>
+              </a:ext>
+              <a:ext uri="{C183D7F6-B498-43B3-948B-1728B52AA6E4}">
+                <adec:decorative xmlns:adec="http://schemas.microsoft.com/office/drawing/2017/decorative" val="1"/>
+              </a:ext>
+            </a:extLst>
+          </p:cNvPr>
+          <p:cNvSpPr>
+            <a:spLocks noGrp="1" noRot="1" noChangeAspect="1" noMove="1" noResize="1" noEditPoints="1" noAdjustHandles="1" noChangeArrowheads="1" noChangeShapeType="1" noTextEdit="1"/>
+          </p:cNvSpPr>
+          <p:nvPr>
+            <p:extLst>
+              <p:ext uri="{386F3935-93C4-4BCD-93E2-E3B085C9AB24}">
+                <p16:designElem xmlns:p16="http://schemas.microsoft.com/office/powerpoint/2015/main" val="1"/>
+              </p:ext>
+            </p:extLst>
+          </p:nvPr>
+        </p:nvSpPr>
+        <p:spPr>
+          <a:xfrm>
+            <a:off x="1" y="0"/>
+            <a:ext cx="4167271" cy="6858000"/>
+          </a:xfrm>
+          <a:custGeom>
+            <a:avLst/>
+            <a:gdLst>
+              <a:gd name="connsiteX0" fmla="*/ 0 w 4167271"/>
+              <a:gd name="connsiteY0" fmla="*/ 0 h 6858000"/>
+              <a:gd name="connsiteX1" fmla="*/ 2259550 w 4167271"/>
+              <a:gd name="connsiteY1" fmla="*/ 0 h 6858000"/>
+              <a:gd name="connsiteX2" fmla="*/ 2387803 w 4167271"/>
+              <a:gd name="connsiteY2" fmla="*/ 82222 h 6858000"/>
+              <a:gd name="connsiteX3" fmla="*/ 4167271 w 4167271"/>
+              <a:gd name="connsiteY3" fmla="*/ 3429000 h 6858000"/>
+              <a:gd name="connsiteX4" fmla="*/ 2387803 w 4167271"/>
+              <a:gd name="connsiteY4" fmla="*/ 6775779 h 6858000"/>
+              <a:gd name="connsiteX5" fmla="*/ 2259550 w 4167271"/>
+              <a:gd name="connsiteY5" fmla="*/ 6858000 h 6858000"/>
+              <a:gd name="connsiteX6" fmla="*/ 0 w 4167271"/>
+              <a:gd name="connsiteY6" fmla="*/ 6858000 h 6858000"/>
+            </a:gdLst>
+            <a:ahLst/>
+            <a:cxnLst>
+              <a:cxn ang="0">
+                <a:pos x="connsiteX0" y="connsiteY0"/>
+              </a:cxn>
+              <a:cxn ang="0">
+                <a:pos x="connsiteX1" y="connsiteY1"/>
+              </a:cxn>
+              <a:cxn ang="0">
+                <a:pos x="connsiteX2" y="connsiteY2"/>
+              </a:cxn>
+              <a:cxn ang="0">
+                <a:pos x="connsiteX3" y="connsiteY3"/>
+              </a:cxn>
+              <a:cxn ang="0">
+                <a:pos x="connsiteX4" y="connsiteY4"/>
+              </a:cxn>
+              <a:cxn ang="0">
+                <a:pos x="connsiteX5" y="connsiteY5"/>
+              </a:cxn>
+              <a:cxn ang="0">
+                <a:pos x="connsiteX6" y="connsiteY6"/>
+              </a:cxn>
+            </a:cxnLst>
+            <a:rect l="l" t="t" r="r" b="b"/>
+            <a:pathLst>
+              <a:path w="4167271" h="6858000">
+                <a:moveTo>
+                  <a:pt x="0" y="0"/>
+                </a:moveTo>
+                <a:lnTo>
+                  <a:pt x="2259550" y="0"/>
+                </a:lnTo>
+                <a:lnTo>
+                  <a:pt x="2387803" y="82222"/>
+                </a:lnTo>
+                <a:cubicBezTo>
+                  <a:pt x="3461407" y="807534"/>
+                  <a:pt x="4167271" y="2035835"/>
+                  <a:pt x="4167271" y="3429000"/>
+                </a:cubicBezTo>
+                <a:cubicBezTo>
+                  <a:pt x="4167271" y="4822165"/>
+                  <a:pt x="3461407" y="6050467"/>
+                  <a:pt x="2387803" y="6775779"/>
+                </a:cubicBezTo>
+                <a:lnTo>
+                  <a:pt x="2259550" y="6858000"/>
+                </a:lnTo>
+                <a:lnTo>
+                  <a:pt x="0" y="6858000"/>
+                </a:lnTo>
+                <a:close/>
+              </a:path>
+            </a:pathLst>
+          </a:custGeom>
+          <a:solidFill>
+            <a:schemeClr val="accent2"/>
+          </a:solidFill>
+          <a:ln>
+            <a:noFill/>
+          </a:ln>
+        </p:spPr>
+        <p:style>
+          <a:lnRef idx="2">
+            <a:schemeClr val="accent1">
+              <a:shade val="50000"/>
+            </a:schemeClr>
+          </a:lnRef>
+          <a:fillRef idx="1">
+            <a:schemeClr val="accent1"/>
+          </a:fillRef>
+          <a:effectRef idx="0">
+            <a:schemeClr val="accent1"/>
+          </a:effectRef>
+          <a:fontRef idx="minor">
+            <a:schemeClr val="lt1"/>
+          </a:fontRef>
+        </p:style>
+        <p:txBody>
+          <a:bodyPr rtlCol="0" anchor="ctr"/>
+          <a:lstStyle/>
+          <a:p>
+            <a:pPr algn="ctr"/>
+            <a:endParaRPr lang="en-US" dirty="0"/>
+          </a:p>
+        </p:txBody>
+      </p:sp>
+      <p:sp>
+        <p:nvSpPr>
+          <p:cNvPr id="2" name="Title 1">
+            <a:extLst>
+              <a:ext uri="{FF2B5EF4-FFF2-40B4-BE49-F238E27FC236}">
+                <a16:creationId xmlns:a16="http://schemas.microsoft.com/office/drawing/2014/main" id="{604CD088-9924-FDF8-32EA-64AD14C5DE41}"/>
+              </a:ext>
+            </a:extLst>
+          </p:cNvPr>
+          <p:cNvSpPr>
+            <a:spLocks noGrp="1"/>
+          </p:cNvSpPr>
+          <p:nvPr>
+            <p:ph type="title"/>
+          </p:nvPr>
+        </p:nvSpPr>
+        <p:spPr>
+          <a:xfrm>
+            <a:off x="686834" y="1153572"/>
+            <a:ext cx="3200400" cy="4461163"/>
+          </a:xfrm>
+        </p:spPr>
+        <p:txBody>
+          <a:bodyPr>
+            <a:normAutofit/>
+          </a:bodyPr>
+          <a:lstStyle/>
+          <a:p>
+            <a:r>
+              <a:rPr lang="en-US" dirty="0">
+                <a:solidFill>
+                  <a:srgbClr val="FFFFFF"/>
+                </a:solidFill>
+              </a:rPr>
+              <a:t>Flowcharts</a:t>
+            </a:r>
+          </a:p>
+        </p:txBody>
+      </p:sp>
+      <p:sp>
+        <p:nvSpPr>
+          <p:cNvPr id="12" name="Arc 11">
+            <a:extLst>
+              <a:ext uri="{FF2B5EF4-FFF2-40B4-BE49-F238E27FC236}">
+                <a16:creationId xmlns:a16="http://schemas.microsoft.com/office/drawing/2014/main" id="{081E4A58-353D-44AE-B2FC-2A74E2E400F7}"/>
+              </a:ext>
+              <a:ext uri="{C183D7F6-B498-43B3-948B-1728B52AA6E4}">
+                <adec:decorative xmlns:adec="http://schemas.microsoft.com/office/drawing/2017/decorative" val="1"/>
+              </a:ext>
+            </a:extLst>
+          </p:cNvPr>
+          <p:cNvSpPr>
+            <a:spLocks noGrp="1" noRot="1" noChangeAspect="1" noMove="1" noResize="1" noEditPoints="1" noAdjustHandles="1" noChangeArrowheads="1" noChangeShapeType="1" noTextEdit="1"/>
+          </p:cNvSpPr>
+          <p:nvPr>
+            <p:extLst>
+              <p:ext uri="{386F3935-93C4-4BCD-93E2-E3B085C9AB24}">
+                <p16:designElem xmlns:p16="http://schemas.microsoft.com/office/powerpoint/2015/main" val="1"/>
+              </p:ext>
+            </p:extLst>
+          </p:nvPr>
+        </p:nvSpPr>
+        <p:spPr>
+          <a:xfrm flipV="1">
+            <a:off x="7550402" y="2455479"/>
+            <a:ext cx="4083433" cy="4083433"/>
+          </a:xfrm>
+          <a:prstGeom prst="arc">
+            <a:avLst/>
+          </a:prstGeom>
+          <a:ln w="127000" cap="rnd">
+            <a:solidFill>
+              <a:schemeClr val="accent4"/>
+            </a:solidFill>
+            <a:prstDash val="dash"/>
+          </a:ln>
+        </p:spPr>
+        <p:style>
+          <a:lnRef idx="1">
+            <a:schemeClr val="accent1"/>
+          </a:lnRef>
+          <a:fillRef idx="0">
+            <a:schemeClr val="accent1"/>
+          </a:fillRef>
+          <a:effectRef idx="0">
+            <a:schemeClr val="accent1"/>
+          </a:effectRef>
+          <a:fontRef idx="minor">
+            <a:schemeClr val="tx1"/>
+          </a:fontRef>
+        </p:style>
+        <p:txBody>
+          <a:bodyPr rtlCol="0" anchor="ctr"/>
+          <a:lstStyle/>
+          <a:p>
+            <a:pPr algn="ctr"/>
+            <a:endParaRPr lang="en-US" dirty="0"/>
+          </a:p>
+        </p:txBody>
+      </p:sp>
+      <p:pic>
+        <p:nvPicPr>
+          <p:cNvPr id="7" name="Content Placeholder 6">
+            <a:extLst>
+              <a:ext uri="{FF2B5EF4-FFF2-40B4-BE49-F238E27FC236}">
+                <a16:creationId xmlns:a16="http://schemas.microsoft.com/office/drawing/2014/main" id="{CF2BCC47-5B97-BCC9-3179-03AA404E4CF9}"/>
+              </a:ext>
+            </a:extLst>
+          </p:cNvPr>
+          <p:cNvPicPr>
+            <a:picLocks noGrp="1" noChangeAspect="1"/>
+          </p:cNvPicPr>
+          <p:nvPr>
+            <p:ph idx="1"/>
+          </p:nvPr>
+        </p:nvPicPr>
+        <p:blipFill>
+          <a:blip r:embed="rId2">
+            <a:extLst>
+              <a:ext uri="{28A0092B-C50C-407E-A947-70E740481C1C}">
+                <a14:useLocalDpi xmlns:a14="http://schemas.microsoft.com/office/drawing/2010/main" val="0"/>
+              </a:ext>
+            </a:extLst>
+          </a:blip>
+          <a:stretch>
+            <a:fillRect/>
+          </a:stretch>
+        </p:blipFill>
+        <p:spPr>
+          <a:xfrm>
+            <a:off x="4761358" y="585516"/>
+            <a:ext cx="4087054" cy="5686968"/>
+          </a:xfrm>
+        </p:spPr>
+      </p:pic>
+    </p:spTree>
+    <p:extLst>
+      <p:ext uri="{BB962C8B-B14F-4D97-AF65-F5344CB8AC3E}">
+        <p14:creationId xmlns:p14="http://schemas.microsoft.com/office/powerpoint/2010/main" val="3895086065"/>
+      </p:ext>
+    </p:extLst>
+  </p:cSld>
+  <p:clrMapOvr>
+    <a:masterClrMapping/>
+  </p:clrMapOvr>
+</p:sld>
+</file>
+
+<file path=ppt/slides/slide32.xml><?xml version="1.0" encoding="utf-8"?>
+<p:sld xmlns:a="http://schemas.openxmlformats.org/drawingml/2006/main" xmlns:r="http://schemas.openxmlformats.org/officeDocument/2006/relationships" xmlns:p="http://schemas.openxmlformats.org/presentationml/2006/main">
+  <p:cSld>
+    <p:bg>
+      <p:bgPr>
+        <a:solidFill>
+          <a:schemeClr val="bg1"/>
+        </a:solidFill>
+        <a:effectLst/>
+      </p:bgPr>
+    </p:bg>
+    <p:spTree>
+      <p:nvGrpSpPr>
+        <p:cNvPr id="1" name=""/>
+        <p:cNvGrpSpPr/>
+        <p:nvPr/>
+      </p:nvGrpSpPr>
+      <p:grpSpPr>
+        <a:xfrm>
+          <a:off x="0" y="0"/>
+          <a:ext cx="0" cy="0"/>
+          <a:chOff x="0" y="0"/>
+          <a:chExt cx="0" cy="0"/>
+        </a:xfrm>
+      </p:grpSpPr>
+      <p:sp useBgFill="1">
+        <p:nvSpPr>
+          <p:cNvPr id="8" name="Rectangle 7">
+            <a:extLst>
+              <a:ext uri="{FF2B5EF4-FFF2-40B4-BE49-F238E27FC236}">
+                <a16:creationId xmlns:a16="http://schemas.microsoft.com/office/drawing/2014/main" id="{907EF6B7-1338-4443-8C46-6A318D952DFD}"/>
+              </a:ext>
+              <a:ext uri="{C183D7F6-B498-43B3-948B-1728B52AA6E4}">
+                <adec:decorative xmlns:adec="http://schemas.microsoft.com/office/drawing/2017/decorative" val="1"/>
+              </a:ext>
+            </a:extLst>
+          </p:cNvPr>
+          <p:cNvSpPr>
+            <a:spLocks noGrp="1" noRot="1" noChangeAspect="1" noMove="1" noResize="1" noEditPoints="1" noAdjustHandles="1" noChangeArrowheads="1" noChangeShapeType="1" noTextEdit="1"/>
+          </p:cNvSpPr>
+          <p:nvPr>
+            <p:extLst>
+              <p:ext uri="{386F3935-93C4-4BCD-93E2-E3B085C9AB24}">
+                <p16:designElem xmlns:p16="http://schemas.microsoft.com/office/powerpoint/2015/main" val="1"/>
+              </p:ext>
+            </p:extLst>
+          </p:nvPr>
+        </p:nvSpPr>
+        <p:spPr>
+          <a:xfrm>
+            <a:off x="3048" y="0"/>
+            <a:ext cx="12188952" cy="6858000"/>
+          </a:xfrm>
+          <a:prstGeom prst="rect">
+            <a:avLst/>
+          </a:prstGeom>
+          <a:ln>
+            <a:noFill/>
+          </a:ln>
+        </p:spPr>
+        <p:style>
+          <a:lnRef idx="2">
+            <a:schemeClr val="accent1">
+              <a:shade val="50000"/>
+            </a:schemeClr>
+          </a:lnRef>
+          <a:fillRef idx="1">
+            <a:schemeClr val="accent1"/>
+          </a:fillRef>
+          <a:effectRef idx="0">
+            <a:schemeClr val="accent1"/>
+          </a:effectRef>
+          <a:fontRef idx="minor">
+            <a:schemeClr val="lt1"/>
+          </a:fontRef>
+        </p:style>
+        <p:txBody>
+          <a:bodyPr rtlCol="0" anchor="ctr"/>
+          <a:lstStyle/>
+          <a:p>
+            <a:pPr algn="ctr"/>
+            <a:endParaRPr lang="en-US" dirty="0"/>
+          </a:p>
+        </p:txBody>
+      </p:sp>
+      <p:sp>
+        <p:nvSpPr>
+          <p:cNvPr id="10" name="Freeform: Shape 9">
+            <a:extLst>
+              <a:ext uri="{FF2B5EF4-FFF2-40B4-BE49-F238E27FC236}">
+                <a16:creationId xmlns:a16="http://schemas.microsoft.com/office/drawing/2014/main" id="{DAAE4CDD-124C-4DCF-9584-B6033B545DD5}"/>
+              </a:ext>
+              <a:ext uri="{C183D7F6-B498-43B3-948B-1728B52AA6E4}">
+                <adec:decorative xmlns:adec="http://schemas.microsoft.com/office/drawing/2017/decorative" val="1"/>
+              </a:ext>
+            </a:extLst>
+          </p:cNvPr>
+          <p:cNvSpPr>
+            <a:spLocks noGrp="1" noRot="1" noChangeAspect="1" noMove="1" noResize="1" noEditPoints="1" noAdjustHandles="1" noChangeArrowheads="1" noChangeShapeType="1" noTextEdit="1"/>
+          </p:cNvSpPr>
+          <p:nvPr>
+            <p:extLst>
+              <p:ext uri="{386F3935-93C4-4BCD-93E2-E3B085C9AB24}">
+                <p16:designElem xmlns:p16="http://schemas.microsoft.com/office/powerpoint/2015/main" val="1"/>
+              </p:ext>
+            </p:extLst>
+          </p:nvPr>
+        </p:nvSpPr>
+        <p:spPr>
+          <a:xfrm>
+            <a:off x="1" y="0"/>
+            <a:ext cx="4167271" cy="6858000"/>
+          </a:xfrm>
+          <a:custGeom>
+            <a:avLst/>
+            <a:gdLst>
+              <a:gd name="connsiteX0" fmla="*/ 0 w 4167271"/>
+              <a:gd name="connsiteY0" fmla="*/ 0 h 6858000"/>
+              <a:gd name="connsiteX1" fmla="*/ 2259550 w 4167271"/>
+              <a:gd name="connsiteY1" fmla="*/ 0 h 6858000"/>
+              <a:gd name="connsiteX2" fmla="*/ 2387803 w 4167271"/>
+              <a:gd name="connsiteY2" fmla="*/ 82222 h 6858000"/>
+              <a:gd name="connsiteX3" fmla="*/ 4167271 w 4167271"/>
+              <a:gd name="connsiteY3" fmla="*/ 3429000 h 6858000"/>
+              <a:gd name="connsiteX4" fmla="*/ 2387803 w 4167271"/>
+              <a:gd name="connsiteY4" fmla="*/ 6775779 h 6858000"/>
+              <a:gd name="connsiteX5" fmla="*/ 2259550 w 4167271"/>
+              <a:gd name="connsiteY5" fmla="*/ 6858000 h 6858000"/>
+              <a:gd name="connsiteX6" fmla="*/ 0 w 4167271"/>
+              <a:gd name="connsiteY6" fmla="*/ 6858000 h 6858000"/>
+            </a:gdLst>
+            <a:ahLst/>
+            <a:cxnLst>
+              <a:cxn ang="0">
+                <a:pos x="connsiteX0" y="connsiteY0"/>
+              </a:cxn>
+              <a:cxn ang="0">
+                <a:pos x="connsiteX1" y="connsiteY1"/>
+              </a:cxn>
+              <a:cxn ang="0">
+                <a:pos x="connsiteX2" y="connsiteY2"/>
+              </a:cxn>
+              <a:cxn ang="0">
+                <a:pos x="connsiteX3" y="connsiteY3"/>
+              </a:cxn>
+              <a:cxn ang="0">
+                <a:pos x="connsiteX4" y="connsiteY4"/>
+              </a:cxn>
+              <a:cxn ang="0">
+                <a:pos x="connsiteX5" y="connsiteY5"/>
+              </a:cxn>
+              <a:cxn ang="0">
+                <a:pos x="connsiteX6" y="connsiteY6"/>
+              </a:cxn>
+            </a:cxnLst>
+            <a:rect l="l" t="t" r="r" b="b"/>
+            <a:pathLst>
+              <a:path w="4167271" h="6858000">
+                <a:moveTo>
+                  <a:pt x="0" y="0"/>
+                </a:moveTo>
+                <a:lnTo>
+                  <a:pt x="2259550" y="0"/>
+                </a:lnTo>
+                <a:lnTo>
+                  <a:pt x="2387803" y="82222"/>
+                </a:lnTo>
+                <a:cubicBezTo>
+                  <a:pt x="3461407" y="807534"/>
+                  <a:pt x="4167271" y="2035835"/>
+                  <a:pt x="4167271" y="3429000"/>
+                </a:cubicBezTo>
+                <a:cubicBezTo>
+                  <a:pt x="4167271" y="4822165"/>
+                  <a:pt x="3461407" y="6050467"/>
+                  <a:pt x="2387803" y="6775779"/>
+                </a:cubicBezTo>
+                <a:lnTo>
+                  <a:pt x="2259550" y="6858000"/>
+                </a:lnTo>
+                <a:lnTo>
+                  <a:pt x="0" y="6858000"/>
+                </a:lnTo>
+                <a:close/>
+              </a:path>
+            </a:pathLst>
+          </a:custGeom>
+          <a:solidFill>
+            <a:schemeClr val="accent2"/>
+          </a:solidFill>
+          <a:ln>
+            <a:noFill/>
+          </a:ln>
+        </p:spPr>
+        <p:style>
+          <a:lnRef idx="2">
+            <a:schemeClr val="accent1">
+              <a:shade val="50000"/>
+            </a:schemeClr>
+          </a:lnRef>
+          <a:fillRef idx="1">
+            <a:schemeClr val="accent1"/>
+          </a:fillRef>
+          <a:effectRef idx="0">
+            <a:schemeClr val="accent1"/>
+          </a:effectRef>
+          <a:fontRef idx="minor">
+            <a:schemeClr val="lt1"/>
+          </a:fontRef>
+        </p:style>
+        <p:txBody>
+          <a:bodyPr rtlCol="0" anchor="ctr"/>
+          <a:lstStyle/>
+          <a:p>
+            <a:pPr algn="ctr"/>
+            <a:endParaRPr lang="en-US" dirty="0"/>
+          </a:p>
+        </p:txBody>
+      </p:sp>
+      <p:sp>
+        <p:nvSpPr>
+          <p:cNvPr id="2" name="Title 1">
+            <a:extLst>
+              <a:ext uri="{FF2B5EF4-FFF2-40B4-BE49-F238E27FC236}">
+                <a16:creationId xmlns:a16="http://schemas.microsoft.com/office/drawing/2014/main" id="{604CD088-9924-FDF8-32EA-64AD14C5DE41}"/>
+              </a:ext>
+            </a:extLst>
+          </p:cNvPr>
+          <p:cNvSpPr>
+            <a:spLocks noGrp="1"/>
+          </p:cNvSpPr>
+          <p:nvPr>
+            <p:ph type="title"/>
+          </p:nvPr>
+        </p:nvSpPr>
+        <p:spPr>
+          <a:xfrm>
+            <a:off x="686834" y="1153572"/>
+            <a:ext cx="3200400" cy="4461163"/>
+          </a:xfrm>
+        </p:spPr>
+        <p:txBody>
+          <a:bodyPr>
+            <a:normAutofit/>
+          </a:bodyPr>
+          <a:lstStyle/>
+          <a:p>
+            <a:r>
+              <a:rPr lang="en-US" dirty="0">
+                <a:solidFill>
+                  <a:srgbClr val="FFFFFF"/>
+                </a:solidFill>
+              </a:rPr>
+              <a:t>Flowchart</a:t>
+            </a:r>
+            <a:br>
+              <a:rPr lang="en-US" dirty="0">
+                <a:solidFill>
+                  <a:srgbClr val="FFFFFF"/>
+                </a:solidFill>
+              </a:rPr>
+            </a:br>
+            <a:r>
+              <a:rPr lang="en-US" dirty="0">
+                <a:solidFill>
+                  <a:srgbClr val="FFFFFF"/>
+                </a:solidFill>
+              </a:rPr>
+              <a:t>Ideas</a:t>
+            </a:r>
+          </a:p>
+        </p:txBody>
+      </p:sp>
+      <p:sp>
+        <p:nvSpPr>
+          <p:cNvPr id="12" name="Arc 11">
+            <a:extLst>
+              <a:ext uri="{FF2B5EF4-FFF2-40B4-BE49-F238E27FC236}">
+                <a16:creationId xmlns:a16="http://schemas.microsoft.com/office/drawing/2014/main" id="{081E4A58-353D-44AE-B2FC-2A74E2E400F7}"/>
+              </a:ext>
+              <a:ext uri="{C183D7F6-B498-43B3-948B-1728B52AA6E4}">
+                <adec:decorative xmlns:adec="http://schemas.microsoft.com/office/drawing/2017/decorative" val="1"/>
+              </a:ext>
+            </a:extLst>
+          </p:cNvPr>
+          <p:cNvSpPr>
+            <a:spLocks noGrp="1" noRot="1" noChangeAspect="1" noMove="1" noResize="1" noEditPoints="1" noAdjustHandles="1" noChangeArrowheads="1" noChangeShapeType="1" noTextEdit="1"/>
+          </p:cNvSpPr>
+          <p:nvPr>
+            <p:extLst>
+              <p:ext uri="{386F3935-93C4-4BCD-93E2-E3B085C9AB24}">
+                <p16:designElem xmlns:p16="http://schemas.microsoft.com/office/powerpoint/2015/main" val="1"/>
+              </p:ext>
+            </p:extLst>
+          </p:nvPr>
+        </p:nvSpPr>
+        <p:spPr>
+          <a:xfrm flipV="1">
+            <a:off x="7550402" y="2455479"/>
+            <a:ext cx="4083433" cy="4083433"/>
+          </a:xfrm>
+          <a:prstGeom prst="arc">
+            <a:avLst/>
+          </a:prstGeom>
+          <a:ln w="127000" cap="rnd">
+            <a:solidFill>
+              <a:schemeClr val="accent4"/>
+            </a:solidFill>
+            <a:prstDash val="dash"/>
+          </a:ln>
+        </p:spPr>
+        <p:style>
+          <a:lnRef idx="1">
+            <a:schemeClr val="accent1"/>
+          </a:lnRef>
+          <a:fillRef idx="0">
+            <a:schemeClr val="accent1"/>
+          </a:fillRef>
+          <a:effectRef idx="0">
+            <a:schemeClr val="accent1"/>
+          </a:effectRef>
+          <a:fontRef idx="minor">
+            <a:schemeClr val="tx1"/>
+          </a:fontRef>
+        </p:style>
+        <p:txBody>
+          <a:bodyPr rtlCol="0" anchor="ctr"/>
+          <a:lstStyle/>
+          <a:p>
+            <a:pPr algn="ctr"/>
+            <a:endParaRPr lang="en-US" dirty="0"/>
+          </a:p>
+        </p:txBody>
+      </p:sp>
+      <p:sp>
+        <p:nvSpPr>
+          <p:cNvPr id="3" name="Content Placeholder 2">
+            <a:extLst>
+              <a:ext uri="{FF2B5EF4-FFF2-40B4-BE49-F238E27FC236}">
+                <a16:creationId xmlns:a16="http://schemas.microsoft.com/office/drawing/2014/main" id="{506ECF03-3832-CE61-45EB-6C148D597A92}"/>
+              </a:ext>
+            </a:extLst>
+          </p:cNvPr>
+          <p:cNvSpPr>
+            <a:spLocks noGrp="1"/>
+          </p:cNvSpPr>
+          <p:nvPr>
+            <p:ph idx="1"/>
+          </p:nvPr>
+        </p:nvSpPr>
+        <p:spPr>
+          <a:xfrm>
+            <a:off x="4447308" y="591344"/>
+            <a:ext cx="6906491" cy="5585619"/>
+          </a:xfrm>
+        </p:spPr>
+        <p:txBody>
+          <a:bodyPr anchor="ctr">
+            <a:normAutofit lnSpcReduction="10000"/>
+          </a:bodyPr>
+          <a:lstStyle/>
+          <a:p>
+            <a:pPr marL="0" indent="0">
+              <a:buNone/>
+            </a:pPr>
+            <a:r>
+              <a:rPr lang="en-US" dirty="0"/>
+              <a:t>Under 10</a:t>
+            </a:r>
+          </a:p>
+          <a:p>
+            <a:r>
+              <a:rPr lang="en-US" dirty="0"/>
+              <a:t>Pick a game to play</a:t>
+            </a:r>
+          </a:p>
+          <a:p>
+            <a:r>
+              <a:rPr lang="en-US" dirty="0"/>
+              <a:t>What should I eat?</a:t>
+            </a:r>
+          </a:p>
+          <a:p>
+            <a:r>
+              <a:rPr lang="en-US" dirty="0"/>
+              <a:t>What should I watch on TV?</a:t>
+            </a:r>
+          </a:p>
+          <a:p>
+            <a:r>
+              <a:rPr lang="en-US" dirty="0"/>
+              <a:t>Pick my pet</a:t>
+            </a:r>
+          </a:p>
+          <a:p>
+            <a:pPr marL="0" indent="0">
+              <a:buNone/>
+            </a:pPr>
+            <a:r>
+              <a:rPr lang="en-US" dirty="0"/>
+              <a:t>Ages 10+</a:t>
+            </a:r>
+          </a:p>
+          <a:p>
+            <a:r>
+              <a:rPr lang="en-US" dirty="0"/>
+              <a:t>Find largest value among 3 values</a:t>
+            </a:r>
+          </a:p>
+          <a:p>
+            <a:r>
+              <a:rPr lang="en-US" dirty="0"/>
+              <a:t>Should I bring an umbrella</a:t>
+            </a:r>
+          </a:p>
+          <a:p>
+            <a:pPr marL="0" indent="0">
+              <a:buNone/>
+            </a:pPr>
+            <a:r>
+              <a:rPr lang="en-US" dirty="0"/>
+              <a:t>Ages 13+</a:t>
+            </a:r>
+          </a:p>
+          <a:p>
+            <a:r>
+              <a:rPr lang="en-US" dirty="0"/>
+              <a:t>How to add multidigit numbers</a:t>
+            </a:r>
+          </a:p>
+          <a:p>
+            <a:r>
+              <a:rPr lang="en-US" dirty="0"/>
+              <a:t>How to prepare an egg</a:t>
+            </a:r>
+          </a:p>
+          <a:p>
+            <a:pPr marL="0" indent="0">
+              <a:buNone/>
+            </a:pPr>
+            <a:endParaRPr lang="en-US" dirty="0"/>
+          </a:p>
+        </p:txBody>
+      </p:sp>
+    </p:spTree>
+    <p:extLst>
+      <p:ext uri="{BB962C8B-B14F-4D97-AF65-F5344CB8AC3E}">
+        <p14:creationId xmlns:p14="http://schemas.microsoft.com/office/powerpoint/2010/main" val="3966870226"/>
+      </p:ext>
+    </p:extLst>
+  </p:cSld>
+  <p:clrMapOvr>
+    <a:masterClrMapping/>
+  </p:clrMapOvr>
+</p:sld>
+</file>
+
+<file path=ppt/slides/slide33.xml><?xml version="1.0" encoding="utf-8"?>
+<p:sld xmlns:a="http://schemas.openxmlformats.org/drawingml/2006/main" xmlns:r="http://schemas.openxmlformats.org/officeDocument/2006/relationships" xmlns:p="http://schemas.openxmlformats.org/presentationml/2006/main">
+  <p:cSld>
+    <p:bg>
+      <p:bgPr>
+        <a:solidFill>
+          <a:schemeClr val="bg1"/>
+        </a:solidFill>
+        <a:effectLst/>
+      </p:bgPr>
+    </p:bg>
+    <p:spTree>
+      <p:nvGrpSpPr>
+        <p:cNvPr id="1" name=""/>
+        <p:cNvGrpSpPr/>
+        <p:nvPr/>
+      </p:nvGrpSpPr>
+      <p:grpSpPr>
+        <a:xfrm>
+          <a:off x="0" y="0"/>
+          <a:ext cx="0" cy="0"/>
+          <a:chOff x="0" y="0"/>
+          <a:chExt cx="0" cy="0"/>
+        </a:xfrm>
+      </p:grpSpPr>
+      <p:sp useBgFill="1">
+        <p:nvSpPr>
+          <p:cNvPr id="8" name="Rectangle 7">
+            <a:extLst>
+              <a:ext uri="{FF2B5EF4-FFF2-40B4-BE49-F238E27FC236}">
+                <a16:creationId xmlns:a16="http://schemas.microsoft.com/office/drawing/2014/main" id="{DAF1966E-FD40-4A4A-B61B-C4DF7FA05F06}"/>
+              </a:ext>
+              <a:ext uri="{C183D7F6-B498-43B3-948B-1728B52AA6E4}">
+                <adec:decorative xmlns:adec="http://schemas.microsoft.com/office/drawing/2017/decorative" val="1"/>
+              </a:ext>
+            </a:extLst>
+          </p:cNvPr>
+          <p:cNvSpPr>
+            <a:spLocks noGrp="1" noRot="1" noChangeAspect="1" noMove="1" noResize="1" noEditPoints="1" noAdjustHandles="1" noChangeArrowheads="1" noChangeShapeType="1" noTextEdit="1"/>
+          </p:cNvSpPr>
+          <p:nvPr>
+            <p:extLst>
+              <p:ext uri="{386F3935-93C4-4BCD-93E2-E3B085C9AB24}">
+                <p16:designElem xmlns:p16="http://schemas.microsoft.com/office/powerpoint/2015/main" val="1"/>
+              </p:ext>
+            </p:extLst>
+          </p:nvPr>
+        </p:nvSpPr>
+        <p:spPr>
+          <a:xfrm>
+            <a:off x="0" y="0"/>
+            <a:ext cx="12192000" cy="6858000"/>
+          </a:xfrm>
+          <a:prstGeom prst="rect">
+            <a:avLst/>
+          </a:prstGeom>
+          <a:ln>
+            <a:noFill/>
+          </a:ln>
+        </p:spPr>
+        <p:style>
+          <a:lnRef idx="2">
+            <a:schemeClr val="accent1">
+              <a:shade val="50000"/>
+            </a:schemeClr>
+          </a:lnRef>
+          <a:fillRef idx="1">
+            <a:schemeClr val="accent1"/>
+          </a:fillRef>
+          <a:effectRef idx="0">
+            <a:schemeClr val="accent1"/>
+          </a:effectRef>
+          <a:fontRef idx="minor">
+            <a:schemeClr val="lt1"/>
+          </a:fontRef>
+        </p:style>
+        <p:txBody>
+          <a:bodyPr rtlCol="0" anchor="ctr"/>
+          <a:lstStyle/>
+          <a:p>
+            <a:pPr algn="ctr"/>
+            <a:endParaRPr lang="en-US" dirty="0"/>
+          </a:p>
+        </p:txBody>
+      </p:sp>
+      <p:sp useBgFill="1">
+        <p:nvSpPr>
+          <p:cNvPr id="10" name="Rectangle 9">
+            <a:extLst>
+              <a:ext uri="{FF2B5EF4-FFF2-40B4-BE49-F238E27FC236}">
+                <a16:creationId xmlns:a16="http://schemas.microsoft.com/office/drawing/2014/main" id="{047BFA19-D45E-416B-A404-7AF2F3F27017}"/>
+              </a:ext>
+              <a:ext uri="{C183D7F6-B498-43B3-948B-1728B52AA6E4}">
+                <adec:decorative xmlns:adec="http://schemas.microsoft.com/office/drawing/2017/decorative" val="1"/>
+              </a:ext>
+            </a:extLst>
+          </p:cNvPr>
+          <p:cNvSpPr>
+            <a:spLocks noGrp="1" noRot="1" noChangeAspect="1" noMove="1" noResize="1" noEditPoints="1" noAdjustHandles="1" noChangeArrowheads="1" noChangeShapeType="1" noTextEdit="1"/>
+          </p:cNvSpPr>
+          <p:nvPr>
+            <p:extLst>
+              <p:ext uri="{386F3935-93C4-4BCD-93E2-E3B085C9AB24}">
+                <p16:designElem xmlns:p16="http://schemas.microsoft.com/office/powerpoint/2015/main" val="1"/>
+              </p:ext>
+            </p:extLst>
+          </p:nvPr>
+        </p:nvSpPr>
+        <p:spPr>
+          <a:xfrm>
+            <a:off x="558209" y="0"/>
+            <a:ext cx="11167447" cy="2018806"/>
+          </a:xfrm>
+          <a:prstGeom prst="rect">
+            <a:avLst/>
+          </a:prstGeom>
+          <a:ln w="9525">
+            <a:solidFill>
+              <a:srgbClr val="E1E1E1"/>
+            </a:solidFill>
+          </a:ln>
+          <a:effectLst>
+            <a:outerShdw blurRad="50800" dist="38100" dir="2700000" algn="tl" rotWithShape="0">
+              <a:schemeClr val="bg1">
+                <a:lumMod val="85000"/>
+                <a:alpha val="50000"/>
+              </a:schemeClr>
+            </a:outerShdw>
+          </a:effectLst>
+        </p:spPr>
+        <p:style>
+          <a:lnRef idx="2">
+            <a:schemeClr val="accent1">
+              <a:shade val="50000"/>
+            </a:schemeClr>
+          </a:lnRef>
+          <a:fillRef idx="1">
+            <a:schemeClr val="accent1"/>
+          </a:fillRef>
+          <a:effectRef idx="0">
+            <a:schemeClr val="accent1"/>
+          </a:effectRef>
+          <a:fontRef idx="minor">
+            <a:schemeClr val="lt1"/>
+          </a:fontRef>
+        </p:style>
+        <p:txBody>
+          <a:bodyPr rtlCol="0" anchor="ctr"/>
+          <a:lstStyle/>
+          <a:p>
+            <a:pPr marL="0" marR="0" lvl="0" indent="0" algn="ctr" defTabSz="914400" rtl="0" eaLnBrk="1" fontAlgn="auto" latinLnBrk="0" hangingPunct="1">
+              <a:lnSpc>
+                <a:spcPct val="100000"/>
+              </a:lnSpc>
+              <a:spcBef>
+                <a:spcPts val="0"/>
+              </a:spcBef>
+              <a:spcAft>
+                <a:spcPts val="0"/>
+              </a:spcAft>
+              <a:buClrTx/>
+              <a:buSzTx/>
+              <a:buFontTx/>
+              <a:buNone/>
+              <a:tabLst/>
+              <a:defRPr/>
+            </a:pPr>
+            <a:endParaRPr kumimoji="0" lang="en-US" sz="1800" b="0" i="0" u="none" strike="noStrike" kern="1200" cap="none" spc="0" normalizeH="0" baseline="0" noProof="0" dirty="0">
+              <a:ln>
+                <a:noFill/>
+              </a:ln>
+              <a:solidFill>
+                <a:prstClr val="white"/>
+              </a:solidFill>
+              <a:effectLst/>
+              <a:uLnTx/>
+              <a:uFillTx/>
+              <a:latin typeface="Calibri" panose="020F0502020204030204"/>
+              <a:ea typeface="+mn-ea"/>
+              <a:cs typeface="+mn-cs"/>
+            </a:endParaRPr>
+          </a:p>
+        </p:txBody>
+      </p:sp>
+      <p:sp useBgFill="1">
+        <p:nvSpPr>
+          <p:cNvPr id="12" name="Rectangle 11">
+            <a:extLst>
+              <a:ext uri="{FF2B5EF4-FFF2-40B4-BE49-F238E27FC236}">
+                <a16:creationId xmlns:a16="http://schemas.microsoft.com/office/drawing/2014/main" id="{8E0105E7-23DB-4CF2-8258-FF47C7620F6E}"/>
+              </a:ext>
+              <a:ext uri="{C183D7F6-B498-43B3-948B-1728B52AA6E4}">
+                <adec:decorative xmlns:adec="http://schemas.microsoft.com/office/drawing/2017/decorative" val="1"/>
+              </a:ext>
+            </a:extLst>
+          </p:cNvPr>
+          <p:cNvSpPr>
+            <a:spLocks noGrp="1" noRot="1" noChangeAspect="1" noMove="1" noResize="1" noEditPoints="1" noAdjustHandles="1" noChangeArrowheads="1" noChangeShapeType="1" noTextEdit="1"/>
+          </p:cNvSpPr>
+          <p:nvPr>
+            <p:extLst>
+              <p:ext uri="{386F3935-93C4-4BCD-93E2-E3B085C9AB24}">
+                <p16:designElem xmlns:p16="http://schemas.microsoft.com/office/powerpoint/2015/main" val="1"/>
+              </p:ext>
+            </p:extLst>
+          </p:nvPr>
+        </p:nvSpPr>
+        <p:spPr>
+          <a:xfrm>
+            <a:off x="566928" y="0"/>
+            <a:ext cx="11155680" cy="2011680"/>
+          </a:xfrm>
+          <a:prstGeom prst="rect">
+            <a:avLst/>
+          </a:prstGeom>
+          <a:ln w="9525">
+            <a:noFill/>
+          </a:ln>
+          <a:effectLst/>
+        </p:spPr>
+        <p:style>
+          <a:lnRef idx="2">
+            <a:schemeClr val="accent1">
+              <a:shade val="50000"/>
+            </a:schemeClr>
+          </a:lnRef>
+          <a:fillRef idx="1">
+            <a:schemeClr val="accent1"/>
+          </a:fillRef>
+          <a:effectRef idx="0">
+            <a:schemeClr val="accent1"/>
+          </a:effectRef>
+          <a:fontRef idx="minor">
+            <a:schemeClr val="lt1"/>
+          </a:fontRef>
+        </p:style>
+        <p:txBody>
+          <a:bodyPr rtlCol="0" anchor="ctr"/>
+          <a:lstStyle/>
+          <a:p>
+            <a:pPr marL="0" marR="0" lvl="0" indent="0" algn="ctr" defTabSz="914400" rtl="0" eaLnBrk="1" fontAlgn="auto" latinLnBrk="0" hangingPunct="1">
+              <a:lnSpc>
+                <a:spcPct val="100000"/>
+              </a:lnSpc>
+              <a:spcBef>
+                <a:spcPts val="0"/>
+              </a:spcBef>
+              <a:spcAft>
+                <a:spcPts val="0"/>
+              </a:spcAft>
+              <a:buClrTx/>
+              <a:buSzTx/>
+              <a:buFontTx/>
+              <a:buNone/>
+              <a:tabLst/>
+              <a:defRPr/>
+            </a:pPr>
+            <a:endParaRPr kumimoji="0" lang="en-US" sz="1800" b="0" i="0" u="none" strike="noStrike" kern="1200" cap="none" spc="0" normalizeH="0" baseline="0" noProof="0" dirty="0">
+              <a:ln>
+                <a:noFill/>
+              </a:ln>
+              <a:solidFill>
+                <a:prstClr val="white"/>
+              </a:solidFill>
+              <a:effectLst/>
+              <a:uLnTx/>
+              <a:uFillTx/>
+              <a:latin typeface="Calibri" panose="020F0502020204030204"/>
+              <a:ea typeface="+mn-ea"/>
+              <a:cs typeface="+mn-cs"/>
+            </a:endParaRPr>
+          </a:p>
+        </p:txBody>
+      </p:sp>
+      <p:sp>
+        <p:nvSpPr>
+          <p:cNvPr id="2" name="Title 1">
+            <a:extLst>
+              <a:ext uri="{FF2B5EF4-FFF2-40B4-BE49-F238E27FC236}">
+                <a16:creationId xmlns:a16="http://schemas.microsoft.com/office/drawing/2014/main" id="{82CF4B60-062A-25CD-E448-6C8255EEF9CC}"/>
+              </a:ext>
+            </a:extLst>
+          </p:cNvPr>
+          <p:cNvSpPr>
+            <a:spLocks noGrp="1"/>
+          </p:cNvSpPr>
+          <p:nvPr>
+            <p:ph type="title"/>
+          </p:nvPr>
+        </p:nvSpPr>
+        <p:spPr>
+          <a:xfrm>
+            <a:off x="1115568" y="548640"/>
+            <a:ext cx="10168128" cy="1179576"/>
+          </a:xfrm>
+        </p:spPr>
+        <p:txBody>
+          <a:bodyPr>
+            <a:normAutofit/>
+          </a:bodyPr>
+          <a:lstStyle/>
+          <a:p>
+            <a:r>
+              <a:rPr lang="en-US" sz="4800" dirty="0"/>
+              <a:t>Thank You</a:t>
+            </a:r>
+          </a:p>
+        </p:txBody>
+      </p:sp>
+      <p:sp>
+        <p:nvSpPr>
+          <p:cNvPr id="14" name="Rectangle 13">
+            <a:extLst>
+              <a:ext uri="{FF2B5EF4-FFF2-40B4-BE49-F238E27FC236}">
+                <a16:creationId xmlns:a16="http://schemas.microsoft.com/office/drawing/2014/main" id="{074B4F7D-14B2-478B-8BF5-01E4E0C5D263}"/>
+              </a:ext>
+              <a:ext uri="{C183D7F6-B498-43B3-948B-1728B52AA6E4}">
+                <adec:decorative xmlns:adec="http://schemas.microsoft.com/office/drawing/2017/decorative" val="1"/>
+              </a:ext>
+            </a:extLst>
+          </p:cNvPr>
+          <p:cNvSpPr>
+            <a:spLocks noGrp="1" noRot="1" noChangeAspect="1" noMove="1" noResize="1" noEditPoints="1" noAdjustHandles="1" noChangeArrowheads="1" noChangeShapeType="1" noTextEdit="1"/>
+          </p:cNvSpPr>
+          <p:nvPr>
+            <p:extLst>
+              <p:ext uri="{386F3935-93C4-4BCD-93E2-E3B085C9AB24}">
+                <p16:designElem xmlns:p16="http://schemas.microsoft.com/office/powerpoint/2015/main" val="1"/>
+              </p:ext>
+            </p:extLst>
+          </p:nvPr>
+        </p:nvSpPr>
+        <p:spPr>
+          <a:xfrm>
+            <a:off x="498834" y="758952"/>
+            <a:ext cx="128016" cy="704088"/>
+          </a:xfrm>
+          <a:prstGeom prst="rect">
+            <a:avLst/>
+          </a:prstGeom>
+          <a:solidFill>
+            <a:schemeClr val="accent2"/>
+          </a:solidFill>
+          <a:ln>
+            <a:noFill/>
+          </a:ln>
+        </p:spPr>
+        <p:style>
+          <a:lnRef idx="2">
+            <a:schemeClr val="accent1">
+              <a:shade val="50000"/>
+            </a:schemeClr>
+          </a:lnRef>
+          <a:fillRef idx="1">
+            <a:schemeClr val="accent1"/>
+          </a:fillRef>
+          <a:effectRef idx="0">
+            <a:schemeClr val="accent1"/>
+          </a:effectRef>
+          <a:fontRef idx="minor">
+            <a:schemeClr val="lt1"/>
+          </a:fontRef>
+        </p:style>
+        <p:txBody>
+          <a:bodyPr rtlCol="0" anchor="ctr"/>
+          <a:lstStyle/>
+          <a:p>
+            <a:pPr algn="ctr"/>
+            <a:endParaRPr lang="en-US" dirty="0">
+              <a:solidFill>
+                <a:prstClr val="white"/>
+              </a:solidFill>
+              <a:latin typeface="Calibri" panose="020F0502020204030204"/>
+            </a:endParaRPr>
+          </a:p>
+        </p:txBody>
+      </p:sp>
+      <p:sp>
+        <p:nvSpPr>
+          <p:cNvPr id="3" name="Content Placeholder 2">
+            <a:extLst>
+              <a:ext uri="{FF2B5EF4-FFF2-40B4-BE49-F238E27FC236}">
+                <a16:creationId xmlns:a16="http://schemas.microsoft.com/office/drawing/2014/main" id="{E43BD06B-906D-5C9C-E517-52B27F705E94}"/>
+              </a:ext>
+            </a:extLst>
+          </p:cNvPr>
+          <p:cNvSpPr>
+            <a:spLocks noGrp="1"/>
+          </p:cNvSpPr>
+          <p:nvPr>
+            <p:ph idx="1"/>
+          </p:nvPr>
+        </p:nvSpPr>
+        <p:spPr>
+          <a:xfrm>
+            <a:off x="1992884" y="2560320"/>
+            <a:ext cx="8206232" cy="3695020"/>
+          </a:xfrm>
+        </p:spPr>
+        <p:txBody>
+          <a:bodyPr>
+            <a:normAutofit/>
+          </a:bodyPr>
+          <a:lstStyle/>
+          <a:p>
+            <a:pPr marL="0" indent="0">
+              <a:buNone/>
+            </a:pPr>
+            <a:r>
+              <a:rPr lang="en-US" dirty="0"/>
+              <a:t>All resources can be found at:</a:t>
+            </a:r>
+          </a:p>
+          <a:p>
+            <a:pPr marL="0" indent="0">
+              <a:buNone/>
+            </a:pPr>
+            <a:r>
+              <a:rPr lang="en-US" dirty="0">
+                <a:hlinkClick r:id="rId2"/>
+              </a:rPr>
+              <a:t>https://github.com/kevmoens/ThatConference2022</a:t>
+            </a:r>
+            <a:endParaRPr lang="en-US" dirty="0"/>
+          </a:p>
+          <a:p>
+            <a:pPr marL="0" indent="0">
+              <a:buNone/>
+            </a:pPr>
+            <a:endParaRPr lang="en-US" dirty="0"/>
+          </a:p>
+        </p:txBody>
+      </p:sp>
+    </p:spTree>
+    <p:extLst>
+      <p:ext uri="{BB962C8B-B14F-4D97-AF65-F5344CB8AC3E}">
+        <p14:creationId xmlns:p14="http://schemas.microsoft.com/office/powerpoint/2010/main" val="1411583589"/>
+      </p:ext>
+    </p:extLst>
+  </p:cSld>
+  <p:clrMapOvr>
+    <a:masterClrMapping/>
+  </p:clrMapOvr>
+</p:sld>
+</file>
+
+<file path=ppt/slides/slide4.xml><?xml version="1.0" encoding="utf-8"?>
+<p:sld xmlns:a="http://schemas.openxmlformats.org/drawingml/2006/main" xmlns:r="http://schemas.openxmlformats.org/officeDocument/2006/relationships" xmlns:p="http://schemas.openxmlformats.org/presentationml/2006/main">
+  <p:cSld>
+    <p:bg>
+      <p:bgPr>
+        <a:solidFill>
+          <a:schemeClr val="bg1"/>
+        </a:solidFill>
+        <a:effectLst/>
+      </p:bgPr>
+    </p:bg>
+    <p:spTree>
+      <p:nvGrpSpPr>
+        <p:cNvPr id="1" name=""/>
+        <p:cNvGrpSpPr/>
+        <p:nvPr/>
+      </p:nvGrpSpPr>
+      <p:grpSpPr>
+        <a:xfrm>
+          <a:off x="0" y="0"/>
+          <a:ext cx="0" cy="0"/>
+          <a:chOff x="0" y="0"/>
+          <a:chExt cx="0" cy="0"/>
+        </a:xfrm>
+      </p:grpSpPr>
+      <p:sp useBgFill="1">
+        <p:nvSpPr>
+          <p:cNvPr id="8" name="Rectangle 7">
+            <a:extLst>
+              <a:ext uri="{FF2B5EF4-FFF2-40B4-BE49-F238E27FC236}">
+                <a16:creationId xmlns:a16="http://schemas.microsoft.com/office/drawing/2014/main" id="{907EF6B7-1338-4443-8C46-6A318D952DFD}"/>
+              </a:ext>
+              <a:ext uri="{C183D7F6-B498-43B3-948B-1728B52AA6E4}">
+                <adec:decorative xmlns:adec="http://schemas.microsoft.com/office/drawing/2017/decorative" val="1"/>
+              </a:ext>
+            </a:extLst>
+          </p:cNvPr>
+          <p:cNvSpPr>
+            <a:spLocks noGrp="1" noRot="1" noChangeAspect="1" noMove="1" noResize="1" noEditPoints="1" noAdjustHandles="1" noChangeArrowheads="1" noChangeShapeType="1" noTextEdit="1"/>
+          </p:cNvSpPr>
+          <p:nvPr>
+            <p:extLst>
+              <p:ext uri="{386F3935-93C4-4BCD-93E2-E3B085C9AB24}">
+                <p16:designElem xmlns:p16="http://schemas.microsoft.com/office/powerpoint/2015/main" val="1"/>
+              </p:ext>
+            </p:extLst>
+          </p:nvPr>
+        </p:nvSpPr>
+        <p:spPr>
+          <a:xfrm>
+            <a:off x="3048" y="0"/>
+            <a:ext cx="12188952" cy="6858000"/>
+          </a:xfrm>
+          <a:prstGeom prst="rect">
+            <a:avLst/>
+          </a:prstGeom>
+          <a:ln>
+            <a:noFill/>
+          </a:ln>
+        </p:spPr>
+        <p:style>
+          <a:lnRef idx="2">
+            <a:schemeClr val="accent1">
+              <a:shade val="50000"/>
+            </a:schemeClr>
+          </a:lnRef>
+          <a:fillRef idx="1">
+            <a:schemeClr val="accent1"/>
+          </a:fillRef>
+          <a:effectRef idx="0">
+            <a:schemeClr val="accent1"/>
+          </a:effectRef>
+          <a:fontRef idx="minor">
+            <a:schemeClr val="lt1"/>
+          </a:fontRef>
+        </p:style>
+        <p:txBody>
+          <a:bodyPr rtlCol="0" anchor="ctr"/>
+          <a:lstStyle/>
+          <a:p>
+            <a:pPr algn="ctr"/>
+            <a:endParaRPr lang="en-US" dirty="0"/>
+          </a:p>
+        </p:txBody>
+      </p:sp>
+      <p:sp>
+        <p:nvSpPr>
+          <p:cNvPr id="10" name="Freeform: Shape 9">
+            <a:extLst>
+              <a:ext uri="{FF2B5EF4-FFF2-40B4-BE49-F238E27FC236}">
+                <a16:creationId xmlns:a16="http://schemas.microsoft.com/office/drawing/2014/main" id="{DAAE4CDD-124C-4DCF-9584-B6033B545DD5}"/>
+              </a:ext>
+              <a:ext uri="{C183D7F6-B498-43B3-948B-1728B52AA6E4}">
+                <adec:decorative xmlns:adec="http://schemas.microsoft.com/office/drawing/2017/decorative" val="1"/>
+              </a:ext>
+            </a:extLst>
+          </p:cNvPr>
+          <p:cNvSpPr>
+            <a:spLocks noGrp="1" noRot="1" noChangeAspect="1" noMove="1" noResize="1" noEditPoints="1" noAdjustHandles="1" noChangeArrowheads="1" noChangeShapeType="1" noTextEdit="1"/>
+          </p:cNvSpPr>
+          <p:nvPr>
+            <p:extLst>
+              <p:ext uri="{386F3935-93C4-4BCD-93E2-E3B085C9AB24}">
+                <p16:designElem xmlns:p16="http://schemas.microsoft.com/office/powerpoint/2015/main" val="1"/>
+              </p:ext>
+            </p:extLst>
+          </p:nvPr>
+        </p:nvSpPr>
+        <p:spPr>
+          <a:xfrm>
+            <a:off x="1" y="0"/>
+            <a:ext cx="4167271" cy="6858000"/>
+          </a:xfrm>
+          <a:custGeom>
+            <a:avLst/>
+            <a:gdLst>
+              <a:gd name="connsiteX0" fmla="*/ 0 w 4167271"/>
+              <a:gd name="connsiteY0" fmla="*/ 0 h 6858000"/>
+              <a:gd name="connsiteX1" fmla="*/ 2259550 w 4167271"/>
+              <a:gd name="connsiteY1" fmla="*/ 0 h 6858000"/>
+              <a:gd name="connsiteX2" fmla="*/ 2387803 w 4167271"/>
+              <a:gd name="connsiteY2" fmla="*/ 82222 h 6858000"/>
+              <a:gd name="connsiteX3" fmla="*/ 4167271 w 4167271"/>
+              <a:gd name="connsiteY3" fmla="*/ 3429000 h 6858000"/>
+              <a:gd name="connsiteX4" fmla="*/ 2387803 w 4167271"/>
+              <a:gd name="connsiteY4" fmla="*/ 6775779 h 6858000"/>
+              <a:gd name="connsiteX5" fmla="*/ 2259550 w 4167271"/>
+              <a:gd name="connsiteY5" fmla="*/ 6858000 h 6858000"/>
+              <a:gd name="connsiteX6" fmla="*/ 0 w 4167271"/>
+              <a:gd name="connsiteY6" fmla="*/ 6858000 h 6858000"/>
+            </a:gdLst>
+            <a:ahLst/>
+            <a:cxnLst>
+              <a:cxn ang="0">
+                <a:pos x="connsiteX0" y="connsiteY0"/>
+              </a:cxn>
+              <a:cxn ang="0">
+                <a:pos x="connsiteX1" y="connsiteY1"/>
+              </a:cxn>
+              <a:cxn ang="0">
+                <a:pos x="connsiteX2" y="connsiteY2"/>
+              </a:cxn>
+              <a:cxn ang="0">
+                <a:pos x="connsiteX3" y="connsiteY3"/>
+              </a:cxn>
+              <a:cxn ang="0">
+                <a:pos x="connsiteX4" y="connsiteY4"/>
+              </a:cxn>
+              <a:cxn ang="0">
+                <a:pos x="connsiteX5" y="connsiteY5"/>
+              </a:cxn>
+              <a:cxn ang="0">
+                <a:pos x="connsiteX6" y="connsiteY6"/>
+              </a:cxn>
+            </a:cxnLst>
+            <a:rect l="l" t="t" r="r" b="b"/>
+            <a:pathLst>
+              <a:path w="4167271" h="6858000">
+                <a:moveTo>
+                  <a:pt x="0" y="0"/>
+                </a:moveTo>
+                <a:lnTo>
+                  <a:pt x="2259550" y="0"/>
+                </a:lnTo>
+                <a:lnTo>
+                  <a:pt x="2387803" y="82222"/>
+                </a:lnTo>
+                <a:cubicBezTo>
+                  <a:pt x="3461407" y="807534"/>
+                  <a:pt x="4167271" y="2035835"/>
+                  <a:pt x="4167271" y="3429000"/>
+                </a:cubicBezTo>
+                <a:cubicBezTo>
+                  <a:pt x="4167271" y="4822165"/>
+                  <a:pt x="3461407" y="6050467"/>
+                  <a:pt x="2387803" y="6775779"/>
+                </a:cubicBezTo>
+                <a:lnTo>
+                  <a:pt x="2259550" y="6858000"/>
+                </a:lnTo>
+                <a:lnTo>
+                  <a:pt x="0" y="6858000"/>
+                </a:lnTo>
+                <a:close/>
+              </a:path>
+            </a:pathLst>
+          </a:custGeom>
+          <a:solidFill>
+            <a:schemeClr val="accent2"/>
+          </a:solidFill>
+          <a:ln>
+            <a:noFill/>
+          </a:ln>
+        </p:spPr>
+        <p:style>
+          <a:lnRef idx="2">
+            <a:schemeClr val="accent1">
+              <a:shade val="50000"/>
+            </a:schemeClr>
+          </a:lnRef>
+          <a:fillRef idx="1">
+            <a:schemeClr val="accent1"/>
+          </a:fillRef>
+          <a:effectRef idx="0">
+            <a:schemeClr val="accent1"/>
+          </a:effectRef>
+          <a:fontRef idx="minor">
+            <a:schemeClr val="lt1"/>
+          </a:fontRef>
+        </p:style>
+        <p:txBody>
+          <a:bodyPr rtlCol="0" anchor="ctr"/>
+          <a:lstStyle/>
+          <a:p>
+            <a:pPr algn="ctr"/>
+            <a:endParaRPr lang="en-US" dirty="0"/>
+          </a:p>
+        </p:txBody>
+      </p:sp>
+      <p:sp>
+        <p:nvSpPr>
+          <p:cNvPr id="2" name="Title 1">
+            <a:extLst>
+              <a:ext uri="{FF2B5EF4-FFF2-40B4-BE49-F238E27FC236}">
+                <a16:creationId xmlns:a16="http://schemas.microsoft.com/office/drawing/2014/main" id="{604CD088-9924-FDF8-32EA-64AD14C5DE41}"/>
+              </a:ext>
+            </a:extLst>
+          </p:cNvPr>
+          <p:cNvSpPr>
+            <a:spLocks noGrp="1"/>
+          </p:cNvSpPr>
+          <p:nvPr>
+            <p:ph type="title"/>
+          </p:nvPr>
+        </p:nvSpPr>
+        <p:spPr>
+          <a:xfrm>
+            <a:off x="686834" y="1153572"/>
+            <a:ext cx="3200400" cy="4461163"/>
+          </a:xfrm>
+        </p:spPr>
+        <p:txBody>
+          <a:bodyPr>
+            <a:normAutofit/>
+          </a:bodyPr>
+          <a:lstStyle/>
+          <a:p>
+            <a:r>
+              <a:rPr lang="en-US" dirty="0">
+                <a:solidFill>
+                  <a:srgbClr val="FFFFFF"/>
+                </a:solidFill>
+              </a:rPr>
               <a:t>Sections</a:t>
             </a:r>
           </a:p>
@@ -13665,7 +15270,7 @@
                   <a:srgbClr val="FFFFFF"/>
                 </a:solidFill>
               </a:rPr>
-              <a:t>Gave the choice of reading or coding before bed</a:t>
+              <a:t>QBasic</a:t>
             </a:r>
           </a:p>
         </p:txBody>
@@ -13731,21 +15336,47 @@
           </a:p>
         </p:txBody>
       </p:sp>
+      <p:sp>
+        <p:nvSpPr>
+          <p:cNvPr id="9" name="Content Placeholder 8">
+            <a:extLst>
+              <a:ext uri="{FF2B5EF4-FFF2-40B4-BE49-F238E27FC236}">
+                <a16:creationId xmlns:a16="http://schemas.microsoft.com/office/drawing/2014/main" id="{590C8380-7AD7-728E-D9EE-A1D6AA83C9DA}"/>
+              </a:ext>
+            </a:extLst>
+          </p:cNvPr>
+          <p:cNvSpPr>
+            <a:spLocks noGrp="1"/>
+          </p:cNvSpPr>
+          <p:nvPr>
+            <p:ph idx="1"/>
+          </p:nvPr>
+        </p:nvSpPr>
+        <p:spPr/>
+        <p:txBody>
+          <a:bodyPr/>
+          <a:lstStyle/>
+          <a:p>
+            <a:pPr marL="0" indent="0">
+              <a:buNone/>
+            </a:pPr>
+            <a:endParaRPr lang="en-US" dirty="0"/>
+          </a:p>
+        </p:txBody>
+      </p:sp>
       <p:pic>
         <p:nvPicPr>
-          <p:cNvPr id="7" name="Content Placeholder 6">
-            <a:extLst>
-              <a:ext uri="{FF2B5EF4-FFF2-40B4-BE49-F238E27FC236}">
-                <a16:creationId xmlns:a16="http://schemas.microsoft.com/office/drawing/2014/main" id="{7EFA6835-1F43-9DCF-A031-566D18CEB8C2}"/>
+          <p:cNvPr id="1026" name="Picture 2" descr="See the source image">
+            <a:extLst>
+              <a:ext uri="{FF2B5EF4-FFF2-40B4-BE49-F238E27FC236}">
+                <a16:creationId xmlns:a16="http://schemas.microsoft.com/office/drawing/2014/main" id="{90E36150-E1E1-7CB0-F6D3-668986073E1C}"/>
               </a:ext>
             </a:extLst>
           </p:cNvPr>
           <p:cNvPicPr>
-            <a:picLocks noGrp="1" noChangeAspect="1"/>
+            <a:picLocks noChangeAspect="1" noChangeArrowheads="1"/>
           </p:cNvPicPr>
-          <p:nvPr>
-            <p:ph idx="1"/>
-          </p:nvPr>
+          <p:nvPr/>
         </p:nvPicPr>
         <p:blipFill>
           <a:blip r:embed="rId2" cstate="print">
@@ -13755,14 +15386,15 @@
               </a:ext>
             </a:extLst>
           </a:blip>
+          <a:srcRect/>
           <a:stretch>
             <a:fillRect/>
           </a:stretch>
         </p:blipFill>
         <p:spPr bwMode="auto">
-          <a:xfrm rot="5400000">
-            <a:off x="5068888" y="1289844"/>
-            <a:ext cx="5584825" cy="4188618"/>
+          <a:xfrm>
+            <a:off x="4167272" y="1062959"/>
+            <a:ext cx="7957323" cy="4973327"/>
           </a:xfrm>
           <a:prstGeom prst="rect">
             <a:avLst/>
@@ -13782,7 +15414,7 @@
     </p:spTree>
     <p:extLst>
       <p:ext uri="{BB962C8B-B14F-4D97-AF65-F5344CB8AC3E}">
-        <p14:creationId xmlns:p14="http://schemas.microsoft.com/office/powerpoint/2010/main" val="3548099256"/>
+        <p14:creationId xmlns:p14="http://schemas.microsoft.com/office/powerpoint/2010/main" val="672092355"/>
       </p:ext>
     </p:extLst>
   </p:cSld>
@@ -14029,8 +15661,8 @@
         </p:nvSpPr>
         <p:spPr>
           <a:xfrm>
-            <a:off x="177800" y="1198418"/>
-            <a:ext cx="3606800" cy="4461163"/>
+            <a:off x="0" y="1157968"/>
+            <a:ext cx="3530601" cy="4461163"/>
           </a:xfrm>
         </p:spPr>
         <p:txBody>
@@ -14046,7 +15678,7 @@
                   <a:srgbClr val="FFFFFF"/>
                 </a:solidFill>
               </a:rPr>
-              <a:t>How we started</a:t>
+              <a:t>Pizza Blaster</a:t>
             </a:r>
           </a:p>
         </p:txBody>
@@ -14114,10 +15746,10 @@
       </p:sp>
       <p:sp>
         <p:nvSpPr>
-          <p:cNvPr id="3" name="Content Placeholder 2">
-            <a:extLst>
-              <a:ext uri="{FF2B5EF4-FFF2-40B4-BE49-F238E27FC236}">
-                <a16:creationId xmlns:a16="http://schemas.microsoft.com/office/drawing/2014/main" id="{506ECF03-3832-CE61-45EB-6C148D597A92}"/>
+          <p:cNvPr id="5" name="Content Placeholder 4">
+            <a:extLst>
+              <a:ext uri="{FF2B5EF4-FFF2-40B4-BE49-F238E27FC236}">
+                <a16:creationId xmlns:a16="http://schemas.microsoft.com/office/drawing/2014/main" id="{B0A22B86-4DA7-300D-55FB-64150FB540F0}"/>
               </a:ext>
             </a:extLst>
           </p:cNvPr>
@@ -14128,101 +15760,49 @@
             <p:ph idx="1"/>
           </p:nvPr>
         </p:nvSpPr>
+        <p:spPr/>
+        <p:txBody>
+          <a:bodyPr/>
+          <a:lstStyle/>
+          <a:p>
+            <a:endParaRPr lang="en-US" dirty="0"/>
+          </a:p>
+        </p:txBody>
+      </p:sp>
+      <p:pic>
+        <p:nvPicPr>
+          <p:cNvPr id="4" name="Picture 3">
+            <a:extLst>
+              <a:ext uri="{FF2B5EF4-FFF2-40B4-BE49-F238E27FC236}">
+                <a16:creationId xmlns:a16="http://schemas.microsoft.com/office/drawing/2014/main" id="{48B8A42F-13EC-B59E-B19B-C2326543A621}"/>
+              </a:ext>
+            </a:extLst>
+          </p:cNvPr>
+          <p:cNvPicPr>
+            <a:picLocks noChangeAspect="1"/>
+          </p:cNvPicPr>
+          <p:nvPr/>
+        </p:nvPicPr>
+        <p:blipFill>
+          <a:blip r:embed="rId2"/>
+          <a:stretch>
+            <a:fillRect/>
+          </a:stretch>
+        </p:blipFill>
         <p:spPr>
           <a:xfrm>
-            <a:off x="4447308" y="965200"/>
-            <a:ext cx="6906491" cy="5211763"/>
-          </a:xfrm>
-        </p:spPr>
-        <p:txBody>
-          <a:bodyPr anchor="ctr">
-            <a:normAutofit/>
-          </a:bodyPr>
-          <a:lstStyle/>
-          <a:p>
-            <a:r>
-              <a:rPr lang="en-US" dirty="0"/>
-              <a:t>Age 6 Scratch and Hour of Code</a:t>
-            </a:r>
-          </a:p>
-          <a:p>
-            <a:r>
-              <a:rPr lang="en-US" dirty="0"/>
-              <a:t>Age 7 Subscription Boxes </a:t>
-            </a:r>
-            <a:r>
-              <a:rPr lang="en-US" dirty="0" err="1"/>
-              <a:t>KiwiCo</a:t>
-            </a:r>
-            <a:r>
-              <a:rPr lang="en-US" dirty="0"/>
-              <a:t>/</a:t>
-            </a:r>
-            <a:r>
-              <a:rPr lang="en-US" dirty="0" err="1"/>
-              <a:t>MakerBlock</a:t>
-            </a:r>
-            <a:endParaRPr lang="en-US" dirty="0"/>
-          </a:p>
-          <a:p>
-            <a:r>
-              <a:rPr lang="en-US" dirty="0"/>
-              <a:t>Age 8 C# Console Apps</a:t>
-            </a:r>
-          </a:p>
-          <a:p>
-            <a:r>
-              <a:rPr lang="en-US" dirty="0"/>
-              <a:t>Age 9 Unity</a:t>
-            </a:r>
-          </a:p>
-          <a:p>
-            <a:r>
-              <a:rPr lang="en-US" dirty="0"/>
-              <a:t>Age 10+ HTML/Web/</a:t>
-            </a:r>
-            <a:r>
-              <a:rPr lang="en-US" dirty="0" err="1"/>
-              <a:t>Blazor</a:t>
-            </a:r>
-            <a:endParaRPr lang="en-US" dirty="0"/>
-          </a:p>
-          <a:p>
-            <a:r>
-              <a:rPr lang="en-US" dirty="0"/>
-              <a:t>End Goal  C# </a:t>
-            </a:r>
-            <a:r>
-              <a:rPr lang="en-US" dirty="0" err="1"/>
-              <a:t>Blazor</a:t>
-            </a:r>
-            <a:r>
-              <a:rPr lang="en-US" dirty="0"/>
-              <a:t> Web API</a:t>
-            </a:r>
-          </a:p>
-          <a:p>
-            <a:pPr marL="0" indent="0">
-              <a:buNone/>
-            </a:pPr>
-            <a:endParaRPr lang="en-US" sz="2000" dirty="0"/>
-          </a:p>
-          <a:p>
-            <a:pPr marL="0" indent="0">
-              <a:buNone/>
-            </a:pPr>
-            <a:r>
-              <a:rPr lang="en-US" sz="2000" dirty="0"/>
-              <a:t>10 years old is the optimal time to learn programming.  Yet the earlier the better.</a:t>
-            </a:r>
-            <a:endParaRPr lang="en-US" dirty="0"/>
-          </a:p>
-        </p:txBody>
-      </p:sp>
+            <a:off x="4202698" y="1083041"/>
+            <a:ext cx="7151102" cy="4768239"/>
+          </a:xfrm>
+          <a:prstGeom prst="rect">
+            <a:avLst/>
+          </a:prstGeom>
+        </p:spPr>
+      </p:pic>
     </p:spTree>
     <p:extLst>
       <p:ext uri="{BB962C8B-B14F-4D97-AF65-F5344CB8AC3E}">
-        <p14:creationId xmlns:p14="http://schemas.microsoft.com/office/powerpoint/2010/main" val="3799559141"/>
+        <p14:creationId xmlns:p14="http://schemas.microsoft.com/office/powerpoint/2010/main" val="242445074"/>
       </p:ext>
     </p:extLst>
   </p:cSld>

--- a/ThatConference2022.pptx
+++ b/ThatConference2022.pptx
@@ -15,13 +15,13 @@
     <p:sldId id="293" r:id="rId9"/>
     <p:sldId id="264" r:id="rId10"/>
     <p:sldId id="275" r:id="rId11"/>
-    <p:sldId id="262" r:id="rId12"/>
-    <p:sldId id="265" r:id="rId13"/>
-    <p:sldId id="267" r:id="rId14"/>
-    <p:sldId id="291" r:id="rId15"/>
-    <p:sldId id="292" r:id="rId16"/>
-    <p:sldId id="268" r:id="rId17"/>
-    <p:sldId id="269" r:id="rId18"/>
+    <p:sldId id="265" r:id="rId12"/>
+    <p:sldId id="267" r:id="rId13"/>
+    <p:sldId id="291" r:id="rId14"/>
+    <p:sldId id="292" r:id="rId15"/>
+    <p:sldId id="268" r:id="rId16"/>
+    <p:sldId id="269" r:id="rId17"/>
+    <p:sldId id="262" r:id="rId18"/>
     <p:sldId id="270" r:id="rId19"/>
     <p:sldId id="271" r:id="rId20"/>
     <p:sldId id="276" r:id="rId21"/>
@@ -151,13 +151,13 @@
             <p14:sldId id="293"/>
             <p14:sldId id="264"/>
             <p14:sldId id="275"/>
-            <p14:sldId id="262"/>
             <p14:sldId id="265"/>
             <p14:sldId id="267"/>
             <p14:sldId id="291"/>
             <p14:sldId id="292"/>
             <p14:sldId id="268"/>
             <p14:sldId id="269"/>
+            <p14:sldId id="262"/>
             <p14:sldId id="270"/>
             <p14:sldId id="271"/>
             <p14:sldId id="276"/>
@@ -3869,7 +3869,7 @@
           <a:lstStyle/>
           <a:p>
             <a:pPr algn="ctr"/>
-            <a:endParaRPr lang="en-US" dirty="0"/>
+            <a:endParaRPr lang="en-US"/>
           </a:p>
         </p:txBody>
       </p:sp>
@@ -4003,7 +4003,7 @@
           <a:lstStyle/>
           <a:p>
             <a:pPr algn="ctr"/>
-            <a:endParaRPr lang="en-US" dirty="0"/>
+            <a:endParaRPr lang="en-US"/>
           </a:p>
         </p:txBody>
       </p:sp>
@@ -4025,8 +4025,8 @@
         </p:nvSpPr>
         <p:spPr>
           <a:xfrm>
-            <a:off x="177800" y="1198418"/>
-            <a:ext cx="3606800" cy="4461163"/>
+            <a:off x="686834" y="1153572"/>
+            <a:ext cx="3200400" cy="4461163"/>
           </a:xfrm>
         </p:spPr>
         <p:txBody>
@@ -4042,7 +4042,7 @@
                   <a:srgbClr val="FFFFFF"/>
                 </a:solidFill>
               </a:rPr>
-              <a:t>How we started</a:t>
+              <a:t>C# Console Apps</a:t>
             </a:r>
           </a:p>
         </p:txBody>
@@ -4126,8 +4126,8 @@
         </p:nvSpPr>
         <p:spPr>
           <a:xfrm>
-            <a:off x="4447308" y="965200"/>
-            <a:ext cx="6906491" cy="5211763"/>
+            <a:off x="4447308" y="591344"/>
+            <a:ext cx="6906491" cy="5585619"/>
           </a:xfrm>
         </p:spPr>
         <p:txBody>
@@ -4138,79 +4138,24 @@
           <a:p>
             <a:r>
               <a:rPr lang="en-US" dirty="0"/>
-              <a:t>Age 6 Scratch and Hour of Code</a:t>
-            </a:r>
+              <a:t>Guess a number</a:t>
+            </a:r>
+          </a:p>
+          <a:p>
+            <a:r>
+              <a:rPr lang="en-US" dirty="0" err="1"/>
+              <a:t>MadLibs</a:t>
+            </a:r>
+            <a:endParaRPr lang="en-US" dirty="0"/>
           </a:p>
           <a:p>
             <a:r>
               <a:rPr lang="en-US" dirty="0"/>
-              <a:t>Age 7 Subscription Boxes </a:t>
-            </a:r>
-            <a:r>
-              <a:rPr lang="en-US" dirty="0" err="1"/>
-              <a:t>KiwiCo</a:t>
-            </a:r>
-            <a:r>
-              <a:rPr lang="en-US" dirty="0"/>
-              <a:t>/</a:t>
-            </a:r>
-            <a:r>
-              <a:rPr lang="en-US" dirty="0" err="1"/>
-              <a:t>MakerBlock</a:t>
-            </a:r>
-            <a:endParaRPr lang="en-US" dirty="0"/>
-          </a:p>
-          <a:p>
-            <a:r>
-              <a:rPr lang="en-US" dirty="0"/>
-              <a:t>Age 8/9 C# Console Apps</a:t>
-            </a:r>
-          </a:p>
-          <a:p>
-            <a:r>
-              <a:rPr lang="en-US" dirty="0"/>
-              <a:t>Age 9 Unity</a:t>
-            </a:r>
-          </a:p>
-          <a:p>
-            <a:r>
-              <a:rPr lang="en-US" dirty="0"/>
-              <a:t>Age 10+ HTML/Web/</a:t>
-            </a:r>
-            <a:r>
-              <a:rPr lang="en-US" dirty="0" err="1"/>
-              <a:t>Blazor</a:t>
-            </a:r>
-            <a:endParaRPr lang="en-US" dirty="0"/>
-          </a:p>
-          <a:p>
-            <a:r>
-              <a:rPr lang="en-US" dirty="0"/>
-              <a:t>End Goal  C# </a:t>
-            </a:r>
-            <a:r>
-              <a:rPr lang="en-US" dirty="0" err="1"/>
-              <a:t>Blazor</a:t>
-            </a:r>
-            <a:r>
-              <a:rPr lang="en-US" dirty="0"/>
-              <a:t> Web API</a:t>
-            </a:r>
-          </a:p>
-          <a:p>
-            <a:pPr marL="0" indent="0">
-              <a:buNone/>
-            </a:pPr>
-            <a:endParaRPr lang="en-US" sz="2000" dirty="0"/>
-          </a:p>
-          <a:p>
-            <a:pPr marL="0" indent="0">
-              <a:buNone/>
-            </a:pPr>
-            <a:r>
-              <a:rPr lang="en-US" sz="2000" dirty="0"/>
-              <a:t>10 years old is the optimal time to learn programming.  Yet the earlier the better.</a:t>
-            </a:r>
+              <a:t>Rock Paper Scissors</a:t>
+            </a:r>
+          </a:p>
+          <a:p>
+            <a:pPr lvl="1"/>
             <a:endParaRPr lang="en-US" dirty="0"/>
           </a:p>
         </p:txBody>
@@ -4218,7 +4163,7 @@
     </p:spTree>
     <p:extLst>
       <p:ext uri="{BB962C8B-B14F-4D97-AF65-F5344CB8AC3E}">
-        <p14:creationId xmlns:p14="http://schemas.microsoft.com/office/powerpoint/2010/main" val="3799559141"/>
+        <p14:creationId xmlns:p14="http://schemas.microsoft.com/office/powerpoint/2010/main" val="1458746974"/>
       </p:ext>
     </p:extLst>
   </p:cSld>
@@ -4475,14 +4420,13 @@
           </a:bodyPr>
           <a:lstStyle/>
           <a:p>
-            <a:pPr algn="ctr"/>
             <a:r>
               <a:rPr lang="en-US" dirty="0">
                 <a:solidFill>
                   <a:srgbClr val="FFFFFF"/>
                 </a:solidFill>
               </a:rPr>
-              <a:t>C# Console Apps</a:t>
+              <a:t>Unity</a:t>
             </a:r>
           </a:p>
         </p:txBody>
@@ -4578,30 +4522,72 @@
           <a:p>
             <a:r>
               <a:rPr lang="en-US" dirty="0"/>
-              <a:t>Guess a number</a:t>
-            </a:r>
-          </a:p>
-          <a:p>
+              <a:t>YouTube/</a:t>
+            </a:r>
             <a:r>
               <a:rPr lang="en-US" dirty="0" err="1"/>
-              <a:t>MadLibs</a:t>
+              <a:t>Brackeys</a:t>
             </a:r>
             <a:endParaRPr lang="en-US" dirty="0"/>
           </a:p>
           <a:p>
             <a:r>
               <a:rPr lang="en-US" dirty="0"/>
-              <a:t>Rock Paper Scissors</a:t>
-            </a:r>
+              <a:t>Cosmic Battle</a:t>
+            </a:r>
+          </a:p>
+          <a:p>
+            <a:pPr lvl="1"/>
+            <a:r>
+              <a:rPr lang="en-US" dirty="0">
+                <a:hlinkClick r:id="rId2"/>
+              </a:rPr>
+              <a:t>https://kevmoens.s3.amazonaws.com/CosmicBattle/index.html</a:t>
+            </a:r>
+            <a:endParaRPr lang="en-US" dirty="0"/>
           </a:p>
           <a:p>
             <a:r>
               <a:rPr lang="en-US" dirty="0"/>
-              <a:t>Tic Tac Toe</a:t>
+              <a:t>Lego – Unity Tutorial</a:t>
             </a:r>
           </a:p>
           <a:p>
             <a:pPr lvl="1"/>
+            <a:r>
+              <a:rPr lang="en-US" dirty="0">
+                <a:hlinkClick r:id="rId3"/>
+              </a:rPr>
+              <a:t>https://kevmoens.s3.amazonaws.com/LegoSampleGame/index.html</a:t>
+            </a:r>
+            <a:endParaRPr lang="en-US" dirty="0"/>
+          </a:p>
+          <a:p>
+            <a:r>
+              <a:rPr lang="en-US" dirty="0"/>
+              <a:t>Matt Ramage – Green Bay Packers Podcaster</a:t>
+            </a:r>
+          </a:p>
+          <a:p>
+            <a:pPr lvl="1"/>
+            <a:r>
+              <a:rPr lang="en-US" dirty="0">
+                <a:hlinkClick r:id="rId4"/>
+              </a:rPr>
+              <a:t>Unity WebGL Player | </a:t>
+            </a:r>
+            <a:r>
+              <a:rPr lang="en-US" dirty="0" err="1">
+                <a:hlinkClick r:id="rId4"/>
+              </a:rPr>
+              <a:t>MattRamage</a:t>
+            </a:r>
+            <a:r>
+              <a:rPr lang="en-US" dirty="0">
+                <a:hlinkClick r:id="rId4"/>
+              </a:rPr>
+              <a:t> (kevmoens.s3.amazonaws.com)</a:t>
+            </a:r>
             <a:endParaRPr lang="en-US" dirty="0"/>
           </a:p>
         </p:txBody>
@@ -4609,7 +4595,7 @@
     </p:spTree>
     <p:extLst>
       <p:ext uri="{BB962C8B-B14F-4D97-AF65-F5344CB8AC3E}">
-        <p14:creationId xmlns:p14="http://schemas.microsoft.com/office/powerpoint/2010/main" val="1458746974"/>
+        <p14:creationId xmlns:p14="http://schemas.microsoft.com/office/powerpoint/2010/main" val="825674288"/>
       </p:ext>
     </p:extLst>
   </p:cSld>
@@ -4700,7 +4686,7 @@
           <a:lstStyle/>
           <a:p>
             <a:pPr algn="ctr"/>
-            <a:endParaRPr lang="en-US"/>
+            <a:endParaRPr lang="en-US" dirty="0"/>
           </a:p>
         </p:txBody>
       </p:sp>
@@ -4834,7 +4820,7 @@
           <a:lstStyle/>
           <a:p>
             <a:pPr algn="ctr"/>
-            <a:endParaRPr lang="en-US"/>
+            <a:endParaRPr lang="en-US" dirty="0"/>
           </a:p>
         </p:txBody>
       </p:sp>
@@ -4856,8 +4842,8 @@
         </p:nvSpPr>
         <p:spPr>
           <a:xfrm>
-            <a:off x="686834" y="1153572"/>
-            <a:ext cx="3200400" cy="4461163"/>
+            <a:off x="0" y="1153572"/>
+            <a:ext cx="3530601" cy="4461163"/>
           </a:xfrm>
         </p:spPr>
         <p:txBody>
@@ -4866,6 +4852,7 @@
           </a:bodyPr>
           <a:lstStyle/>
           <a:p>
+            <a:pPr algn="ctr"/>
             <a:r>
               <a:rPr lang="en-US" dirty="0">
                 <a:solidFill>
@@ -4938,12 +4925,42 @@
           </a:p>
         </p:txBody>
       </p:sp>
-      <p:sp>
-        <p:nvSpPr>
-          <p:cNvPr id="3" name="Content Placeholder 2">
-            <a:extLst>
-              <a:ext uri="{FF2B5EF4-FFF2-40B4-BE49-F238E27FC236}">
-                <a16:creationId xmlns:a16="http://schemas.microsoft.com/office/drawing/2014/main" id="{506ECF03-3832-CE61-45EB-6C148D597A92}"/>
+      <p:pic>
+        <p:nvPicPr>
+          <p:cNvPr id="4" name="Picture 3">
+            <a:extLst>
+              <a:ext uri="{FF2B5EF4-FFF2-40B4-BE49-F238E27FC236}">
+                <a16:creationId xmlns:a16="http://schemas.microsoft.com/office/drawing/2014/main" id="{BA40EFC6-460A-48D4-329F-90F0FEB3AC4D}"/>
+              </a:ext>
+            </a:extLst>
+          </p:cNvPr>
+          <p:cNvPicPr>
+            <a:picLocks noChangeAspect="1"/>
+          </p:cNvPicPr>
+          <p:nvPr/>
+        </p:nvPicPr>
+        <p:blipFill>
+          <a:blip r:embed="rId2"/>
+          <a:stretch>
+            <a:fillRect/>
+          </a:stretch>
+        </p:blipFill>
+        <p:spPr>
+          <a:xfrm>
+            <a:off x="4238821" y="936381"/>
+            <a:ext cx="7919826" cy="4965262"/>
+          </a:xfrm>
+          <a:prstGeom prst="rect">
+            <a:avLst/>
+          </a:prstGeom>
+        </p:spPr>
+      </p:pic>
+      <p:sp>
+        <p:nvSpPr>
+          <p:cNvPr id="5" name="Content Placeholder 4">
+            <a:extLst>
+              <a:ext uri="{FF2B5EF4-FFF2-40B4-BE49-F238E27FC236}">
+                <a16:creationId xmlns:a16="http://schemas.microsoft.com/office/drawing/2014/main" id="{B0A22B86-4DA7-300D-55FB-64150FB540F0}"/>
               </a:ext>
             </a:extLst>
           </p:cNvPr>
@@ -4954,94 +4971,19 @@
             <p:ph idx="1"/>
           </p:nvPr>
         </p:nvSpPr>
-        <p:spPr>
-          <a:xfrm>
-            <a:off x="4447308" y="591344"/>
-            <a:ext cx="6906491" cy="5585619"/>
-          </a:xfrm>
-        </p:spPr>
-        <p:txBody>
-          <a:bodyPr anchor="ctr">
-            <a:normAutofit/>
-          </a:bodyPr>
-          <a:lstStyle/>
-          <a:p>
-            <a:r>
-              <a:rPr lang="en-US" dirty="0"/>
-              <a:t>YouTube/</a:t>
-            </a:r>
-            <a:r>
-              <a:rPr lang="en-US" dirty="0" err="1"/>
-              <a:t>Brackeys</a:t>
-            </a:r>
-            <a:endParaRPr lang="en-US" dirty="0"/>
-          </a:p>
-          <a:p>
-            <a:r>
-              <a:rPr lang="en-US" dirty="0"/>
-              <a:t>Cosmic Battle</a:t>
-            </a:r>
-          </a:p>
-          <a:p>
-            <a:pPr lvl="1"/>
-            <a:r>
-              <a:rPr lang="en-US" dirty="0">
-                <a:hlinkClick r:id="rId2"/>
-              </a:rPr>
-              <a:t>https://kevmoens.s3.amazonaws.com/CosmicBattle/index.html</a:t>
-            </a:r>
-            <a:endParaRPr lang="en-US" dirty="0"/>
-          </a:p>
-          <a:p>
-            <a:r>
-              <a:rPr lang="en-US" dirty="0"/>
-              <a:t>Lego – Unity Tutorial</a:t>
-            </a:r>
-          </a:p>
-          <a:p>
-            <a:pPr lvl="1"/>
-            <a:r>
-              <a:rPr lang="en-US" dirty="0">
-                <a:hlinkClick r:id="rId3"/>
-              </a:rPr>
-              <a:t>https://kevmoens.s3.amazonaws.com/LegoSampleGame/index.html</a:t>
-            </a:r>
-            <a:endParaRPr lang="en-US" dirty="0"/>
-          </a:p>
-          <a:p>
-            <a:r>
-              <a:rPr lang="en-US" dirty="0"/>
-              <a:t>Matt Ramage – Green Bay Packers Podcaster</a:t>
-            </a:r>
-          </a:p>
-          <a:p>
-            <a:pPr lvl="1"/>
-            <a:r>
-              <a:rPr lang="en-US" dirty="0">
-                <a:hlinkClick r:id="rId4"/>
-              </a:rPr>
-              <a:t>Unity WebGL Player | </a:t>
-            </a:r>
-            <a:r>
-              <a:rPr lang="en-US" dirty="0" err="1">
-                <a:hlinkClick r:id="rId4"/>
-              </a:rPr>
-              <a:t>MattRamage</a:t>
-            </a:r>
-            <a:r>
-              <a:rPr lang="en-US" dirty="0">
-                <a:hlinkClick r:id="rId4"/>
-              </a:rPr>
-              <a:t> (kevmoens.s3.amazonaws.com)</a:t>
-            </a:r>
-            <a:endParaRPr lang="en-US" dirty="0"/>
+        <p:spPr/>
+        <p:txBody>
+          <a:bodyPr/>
+          <a:lstStyle/>
+          <a:p>
+            <a:endParaRPr lang="en-US"/>
           </a:p>
         </p:txBody>
       </p:sp>
     </p:spTree>
     <p:extLst>
       <p:ext uri="{BB962C8B-B14F-4D97-AF65-F5344CB8AC3E}">
-        <p14:creationId xmlns:p14="http://schemas.microsoft.com/office/powerpoint/2010/main" val="825674288"/>
+        <p14:creationId xmlns:p14="http://schemas.microsoft.com/office/powerpoint/2010/main" val="3433420253"/>
       </p:ext>
     </p:extLst>
   </p:cSld>
@@ -5305,7 +5247,7 @@
                   <a:srgbClr val="FFFFFF"/>
                 </a:solidFill>
               </a:rPr>
-              <a:t>Unity</a:t>
+              <a:t>Flexbox Froggy</a:t>
             </a:r>
           </a:p>
         </p:txBody>
@@ -5371,12 +5313,37 @@
           </a:p>
         </p:txBody>
       </p:sp>
+      <p:sp>
+        <p:nvSpPr>
+          <p:cNvPr id="5" name="Content Placeholder 4">
+            <a:extLst>
+              <a:ext uri="{FF2B5EF4-FFF2-40B4-BE49-F238E27FC236}">
+                <a16:creationId xmlns:a16="http://schemas.microsoft.com/office/drawing/2014/main" id="{B0A22B86-4DA7-300D-55FB-64150FB540F0}"/>
+              </a:ext>
+            </a:extLst>
+          </p:cNvPr>
+          <p:cNvSpPr>
+            <a:spLocks noGrp="1"/>
+          </p:cNvSpPr>
+          <p:nvPr>
+            <p:ph idx="1"/>
+          </p:nvPr>
+        </p:nvSpPr>
+        <p:spPr/>
+        <p:txBody>
+          <a:bodyPr/>
+          <a:lstStyle/>
+          <a:p>
+            <a:endParaRPr lang="en-US" dirty="0"/>
+          </a:p>
+        </p:txBody>
+      </p:sp>
       <p:pic>
         <p:nvPicPr>
-          <p:cNvPr id="4" name="Picture 3">
-            <a:extLst>
-              <a:ext uri="{FF2B5EF4-FFF2-40B4-BE49-F238E27FC236}">
-                <a16:creationId xmlns:a16="http://schemas.microsoft.com/office/drawing/2014/main" id="{BA40EFC6-460A-48D4-329F-90F0FEB3AC4D}"/>
+          <p:cNvPr id="6" name="Picture 5">
+            <a:extLst>
+              <a:ext uri="{FF2B5EF4-FFF2-40B4-BE49-F238E27FC236}">
+                <a16:creationId xmlns:a16="http://schemas.microsoft.com/office/drawing/2014/main" id="{767A8721-A96B-EA97-1056-5D6DA19B4D74}"/>
               </a:ext>
             </a:extLst>
           </p:cNvPr>
@@ -5393,43 +5360,18 @@
         </p:blipFill>
         <p:spPr>
           <a:xfrm>
-            <a:off x="4238821" y="936381"/>
-            <a:ext cx="7919826" cy="4965262"/>
+            <a:off x="4167272" y="1378021"/>
+            <a:ext cx="8021680" cy="3955360"/>
           </a:xfrm>
           <a:prstGeom prst="rect">
             <a:avLst/>
           </a:prstGeom>
         </p:spPr>
       </p:pic>
-      <p:sp>
-        <p:nvSpPr>
-          <p:cNvPr id="5" name="Content Placeholder 4">
-            <a:extLst>
-              <a:ext uri="{FF2B5EF4-FFF2-40B4-BE49-F238E27FC236}">
-                <a16:creationId xmlns:a16="http://schemas.microsoft.com/office/drawing/2014/main" id="{B0A22B86-4DA7-300D-55FB-64150FB540F0}"/>
-              </a:ext>
-            </a:extLst>
-          </p:cNvPr>
-          <p:cNvSpPr>
-            <a:spLocks noGrp="1"/>
-          </p:cNvSpPr>
-          <p:nvPr>
-            <p:ph idx="1"/>
-          </p:nvPr>
-        </p:nvSpPr>
-        <p:spPr/>
-        <p:txBody>
-          <a:bodyPr/>
-          <a:lstStyle/>
-          <a:p>
-            <a:endParaRPr lang="en-US"/>
-          </a:p>
-        </p:txBody>
-      </p:sp>
     </p:spTree>
     <p:extLst>
       <p:ext uri="{BB962C8B-B14F-4D97-AF65-F5344CB8AC3E}">
-        <p14:creationId xmlns:p14="http://schemas.microsoft.com/office/powerpoint/2010/main" val="3433420253"/>
+        <p14:creationId xmlns:p14="http://schemas.microsoft.com/office/powerpoint/2010/main" val="1391188682"/>
       </p:ext>
     </p:extLst>
   </p:cSld>
@@ -5520,7 +5462,7 @@
           <a:lstStyle/>
           <a:p>
             <a:pPr algn="ctr"/>
-            <a:endParaRPr lang="en-US" dirty="0"/>
+            <a:endParaRPr lang="en-US"/>
           </a:p>
         </p:txBody>
       </p:sp>
@@ -5654,7 +5596,7 @@
           <a:lstStyle/>
           <a:p>
             <a:pPr algn="ctr"/>
-            <a:endParaRPr lang="en-US" dirty="0"/>
+            <a:endParaRPr lang="en-US"/>
           </a:p>
         </p:txBody>
       </p:sp>
@@ -5676,8 +5618,8 @@
         </p:nvSpPr>
         <p:spPr>
           <a:xfrm>
-            <a:off x="0" y="1153572"/>
-            <a:ext cx="3530601" cy="4461163"/>
+            <a:off x="686834" y="1153572"/>
+            <a:ext cx="3200400" cy="4461163"/>
           </a:xfrm>
         </p:spPr>
         <p:txBody>
@@ -5693,8 +5635,43 @@
                   <a:srgbClr val="FFFFFF"/>
                 </a:solidFill>
               </a:rPr>
-              <a:t>Flexbox Froggy</a:t>
-            </a:r>
+              <a:t>HTML</a:t>
+            </a:r>
+            <a:br>
+              <a:rPr lang="en-US" dirty="0">
+                <a:solidFill>
+                  <a:srgbClr val="FFFFFF"/>
+                </a:solidFill>
+              </a:rPr>
+            </a:br>
+            <a:r>
+              <a:rPr lang="en-US" dirty="0">
+                <a:solidFill>
+                  <a:srgbClr val="FFFFFF"/>
+                </a:solidFill>
+              </a:rPr>
+              <a:t>Web</a:t>
+            </a:r>
+            <a:br>
+              <a:rPr lang="en-US" dirty="0">
+                <a:solidFill>
+                  <a:srgbClr val="FFFFFF"/>
+                </a:solidFill>
+              </a:rPr>
+            </a:br>
+            <a:r>
+              <a:rPr lang="en-US" dirty="0" err="1">
+                <a:solidFill>
+                  <a:srgbClr val="FFFFFF"/>
+                </a:solidFill>
+              </a:rPr>
+              <a:t>Blazor</a:t>
+            </a:r>
+            <a:endParaRPr lang="en-US" dirty="0">
+              <a:solidFill>
+                <a:srgbClr val="FFFFFF"/>
+              </a:solidFill>
+            </a:endParaRPr>
           </a:p>
         </p:txBody>
       </p:sp>
@@ -5761,10 +5738,10 @@
       </p:sp>
       <p:sp>
         <p:nvSpPr>
-          <p:cNvPr id="5" name="Content Placeholder 4">
-            <a:extLst>
-              <a:ext uri="{FF2B5EF4-FFF2-40B4-BE49-F238E27FC236}">
-                <a16:creationId xmlns:a16="http://schemas.microsoft.com/office/drawing/2014/main" id="{B0A22B86-4DA7-300D-55FB-64150FB540F0}"/>
+          <p:cNvPr id="3" name="Content Placeholder 2">
+            <a:extLst>
+              <a:ext uri="{FF2B5EF4-FFF2-40B4-BE49-F238E27FC236}">
+                <a16:creationId xmlns:a16="http://schemas.microsoft.com/office/drawing/2014/main" id="{506ECF03-3832-CE61-45EB-6C148D597A92}"/>
               </a:ext>
             </a:extLst>
           </p:cNvPr>
@@ -5775,49 +5752,61 @@
             <p:ph idx="1"/>
           </p:nvPr>
         </p:nvSpPr>
-        <p:spPr/>
-        <p:txBody>
-          <a:bodyPr/>
-          <a:lstStyle/>
-          <a:p>
+        <p:spPr>
+          <a:xfrm>
+            <a:off x="4447308" y="591344"/>
+            <a:ext cx="6906491" cy="5585619"/>
+          </a:xfrm>
+        </p:spPr>
+        <p:txBody>
+          <a:bodyPr anchor="ctr">
+            <a:normAutofit/>
+          </a:bodyPr>
+          <a:lstStyle/>
+          <a:p>
+            <a:r>
+              <a:rPr lang="en-US" dirty="0"/>
+              <a:t>Free Code Camp</a:t>
+            </a:r>
+          </a:p>
+          <a:p>
+            <a:r>
+              <a:rPr lang="en-US" dirty="0"/>
+              <a:t>Flexbox Froggy</a:t>
+            </a:r>
+          </a:p>
+          <a:p>
+            <a:r>
+              <a:rPr lang="en-US" dirty="0"/>
+              <a:t>Grid Garden</a:t>
+            </a:r>
+          </a:p>
+          <a:p>
+            <a:r>
+              <a:rPr lang="en-US" dirty="0"/>
+              <a:t>Microsoft Learn</a:t>
+            </a:r>
+          </a:p>
+          <a:p>
+            <a:r>
+              <a:rPr lang="en-US" dirty="0"/>
+              <a:t>Tim Corey C# Challenge using GitHub OSS</a:t>
+            </a:r>
+          </a:p>
+          <a:p>
+            <a:pPr lvl="1"/>
+            <a:r>
+              <a:rPr lang="en-US" dirty="0" err="1"/>
+              <a:t>Wuphf</a:t>
+            </a:r>
             <a:endParaRPr lang="en-US" dirty="0"/>
           </a:p>
         </p:txBody>
       </p:sp>
-      <p:pic>
-        <p:nvPicPr>
-          <p:cNvPr id="6" name="Picture 5">
-            <a:extLst>
-              <a:ext uri="{FF2B5EF4-FFF2-40B4-BE49-F238E27FC236}">
-                <a16:creationId xmlns:a16="http://schemas.microsoft.com/office/drawing/2014/main" id="{767A8721-A96B-EA97-1056-5D6DA19B4D74}"/>
-              </a:ext>
-            </a:extLst>
-          </p:cNvPr>
-          <p:cNvPicPr>
-            <a:picLocks noChangeAspect="1"/>
-          </p:cNvPicPr>
-          <p:nvPr/>
-        </p:nvPicPr>
-        <p:blipFill>
-          <a:blip r:embed="rId2"/>
-          <a:stretch>
-            <a:fillRect/>
-          </a:stretch>
-        </p:blipFill>
-        <p:spPr>
-          <a:xfrm>
-            <a:off x="4167272" y="1378021"/>
-            <a:ext cx="8021680" cy="3955360"/>
-          </a:xfrm>
-          <a:prstGeom prst="rect">
-            <a:avLst/>
-          </a:prstGeom>
-        </p:spPr>
-      </p:pic>
     </p:spTree>
     <p:extLst>
       <p:ext uri="{BB962C8B-B14F-4D97-AF65-F5344CB8AC3E}">
-        <p14:creationId xmlns:p14="http://schemas.microsoft.com/office/powerpoint/2010/main" val="1391188682"/>
+        <p14:creationId xmlns:p14="http://schemas.microsoft.com/office/powerpoint/2010/main" val="1325740911"/>
       </p:ext>
     </p:extLst>
   </p:cSld>
@@ -6074,37 +6063,6 @@
           </a:bodyPr>
           <a:lstStyle/>
           <a:p>
-            <a:pPr algn="ctr"/>
-            <a:r>
-              <a:rPr lang="en-US" dirty="0">
-                <a:solidFill>
-                  <a:srgbClr val="FFFFFF"/>
-                </a:solidFill>
-              </a:rPr>
-              <a:t>HTML</a:t>
-            </a:r>
-            <a:br>
-              <a:rPr lang="en-US" dirty="0">
-                <a:solidFill>
-                  <a:srgbClr val="FFFFFF"/>
-                </a:solidFill>
-              </a:rPr>
-            </a:br>
-            <a:r>
-              <a:rPr lang="en-US" dirty="0">
-                <a:solidFill>
-                  <a:srgbClr val="FFFFFF"/>
-                </a:solidFill>
-              </a:rPr>
-              <a:t>Web</a:t>
-            </a:r>
-            <a:br>
-              <a:rPr lang="en-US" dirty="0">
-                <a:solidFill>
-                  <a:srgbClr val="FFFFFF"/>
-                </a:solidFill>
-              </a:rPr>
-            </a:br>
             <a:r>
               <a:rPr lang="en-US" dirty="0" err="1">
                 <a:solidFill>
@@ -6200,7 +6158,7 @@
         </p:nvSpPr>
         <p:spPr>
           <a:xfrm>
-            <a:off x="4447308" y="591344"/>
+            <a:off x="4447308" y="636190"/>
             <a:ext cx="6906491" cy="5585619"/>
           </a:xfrm>
         </p:spPr>
@@ -6210,40 +6168,66 @@
           </a:bodyPr>
           <a:lstStyle/>
           <a:p>
+            <a:pPr marL="0" indent="0" algn="ctr">
+              <a:buNone/>
+            </a:pPr>
+            <a:r>
+              <a:rPr lang="en-US" sz="3200" dirty="0"/>
+              <a:t>Projects</a:t>
+            </a:r>
+            <a:endParaRPr lang="en-US" dirty="0"/>
+          </a:p>
+          <a:p>
+            <a:r>
+              <a:rPr lang="en-US" dirty="0" err="1"/>
+              <a:t>Madlibs</a:t>
+            </a:r>
+            <a:endParaRPr lang="en-US" dirty="0"/>
+          </a:p>
+          <a:p>
             <a:r>
               <a:rPr lang="en-US" dirty="0"/>
-              <a:t>Free Code Camp</a:t>
+              <a:t>Hangman</a:t>
             </a:r>
           </a:p>
           <a:p>
             <a:r>
               <a:rPr lang="en-US" dirty="0"/>
-              <a:t>Flexbox Froggy</a:t>
+              <a:t>Jacks are Junk</a:t>
             </a:r>
           </a:p>
           <a:p>
             <a:r>
               <a:rPr lang="en-US" dirty="0"/>
-              <a:t>Grid Garden</a:t>
+              <a:t>Math Bingo</a:t>
             </a:r>
           </a:p>
           <a:p>
             <a:r>
               <a:rPr lang="en-US" dirty="0"/>
-              <a:t>Microsoft Learn</a:t>
+              <a:t>Ella School</a:t>
             </a:r>
           </a:p>
           <a:p>
             <a:r>
               <a:rPr lang="en-US" dirty="0"/>
-              <a:t>Tim Corey C# Challenge using GitHub OSS</a:t>
-            </a:r>
-          </a:p>
-          <a:p>
-            <a:pPr lvl="1"/>
+              <a:t>Binary Puzzle Solver</a:t>
+            </a:r>
+          </a:p>
+          <a:p>
             <a:r>
               <a:rPr lang="en-US" dirty="0" err="1"/>
-              <a:t>Wuphf</a:t>
+              <a:t>Ellabit</a:t>
+            </a:r>
+            <a:r>
+              <a:rPr lang="en-US" dirty="0"/>
+              <a:t> </a:t>
+            </a:r>
+            <a:r>
+              <a:rPr lang="en-US" dirty="0">
+                <a:hlinkClick r:id="rId2"/>
+              </a:rPr>
+              <a:t>https://kevmoens.github.io/Ellabit</a:t>
             </a:r>
             <a:endParaRPr lang="en-US" dirty="0"/>
           </a:p>
@@ -6252,7 +6236,7 @@
     </p:spTree>
     <p:extLst>
       <p:ext uri="{BB962C8B-B14F-4D97-AF65-F5344CB8AC3E}">
-        <p14:creationId xmlns:p14="http://schemas.microsoft.com/office/powerpoint/2010/main" val="1325740911"/>
+        <p14:creationId xmlns:p14="http://schemas.microsoft.com/office/powerpoint/2010/main" val="4238399885"/>
       </p:ext>
     </p:extLst>
   </p:cSld>
@@ -6343,7 +6327,7 @@
           <a:lstStyle/>
           <a:p>
             <a:pPr algn="ctr"/>
-            <a:endParaRPr lang="en-US"/>
+            <a:endParaRPr lang="en-US" dirty="0"/>
           </a:p>
         </p:txBody>
       </p:sp>
@@ -6477,7 +6461,7 @@
           <a:lstStyle/>
           <a:p>
             <a:pPr algn="ctr"/>
-            <a:endParaRPr lang="en-US"/>
+            <a:endParaRPr lang="en-US" dirty="0"/>
           </a:p>
         </p:txBody>
       </p:sp>
@@ -6499,8 +6483,8 @@
         </p:nvSpPr>
         <p:spPr>
           <a:xfrm>
-            <a:off x="686834" y="1153572"/>
-            <a:ext cx="3200400" cy="4461163"/>
+            <a:off x="177800" y="1198418"/>
+            <a:ext cx="3606800" cy="4461163"/>
           </a:xfrm>
         </p:spPr>
         <p:txBody>
@@ -6509,19 +6493,15 @@
           </a:bodyPr>
           <a:lstStyle/>
           <a:p>
-            <a:r>
-              <a:rPr lang="en-US" dirty="0" err="1">
+            <a:pPr algn="ctr"/>
+            <a:r>
+              <a:rPr lang="en-US" dirty="0">
                 <a:solidFill>
                   <a:srgbClr val="FFFFFF"/>
                 </a:solidFill>
               </a:rPr>
-              <a:t>Blazor</a:t>
-            </a:r>
-            <a:endParaRPr lang="en-US" dirty="0">
-              <a:solidFill>
-                <a:srgbClr val="FFFFFF"/>
-              </a:solidFill>
-            </a:endParaRPr>
+              <a:t>How we started</a:t>
+            </a:r>
           </a:p>
         </p:txBody>
       </p:sp>
@@ -6604,8 +6584,8 @@
         </p:nvSpPr>
         <p:spPr>
           <a:xfrm>
-            <a:off x="4447308" y="636190"/>
-            <a:ext cx="6906491" cy="5585619"/>
+            <a:off x="4447308" y="965200"/>
+            <a:ext cx="6906491" cy="5211763"/>
           </a:xfrm>
         </p:spPr>
         <p:txBody>
@@ -6614,72 +6594,80 @@
           </a:bodyPr>
           <a:lstStyle/>
           <a:p>
-            <a:pPr marL="0" indent="0" algn="ctr">
+            <a:r>
+              <a:rPr lang="en-US" dirty="0"/>
+              <a:t>Age 6 Scratch and Hour of Code</a:t>
+            </a:r>
+          </a:p>
+          <a:p>
+            <a:r>
+              <a:rPr lang="en-US" dirty="0"/>
+              <a:t>Age 7 Subscription Boxes </a:t>
+            </a:r>
+            <a:r>
+              <a:rPr lang="en-US" dirty="0" err="1"/>
+              <a:t>KiwiCo</a:t>
+            </a:r>
+            <a:r>
+              <a:rPr lang="en-US" dirty="0"/>
+              <a:t>/</a:t>
+            </a:r>
+            <a:r>
+              <a:rPr lang="en-US" dirty="0" err="1"/>
+              <a:t>MakerBlock</a:t>
+            </a:r>
+            <a:endParaRPr lang="en-US" dirty="0"/>
+          </a:p>
+          <a:p>
+            <a:r>
+              <a:rPr lang="en-US" dirty="0"/>
+              <a:t>Age 8/9 C# Console Apps</a:t>
+            </a:r>
+          </a:p>
+          <a:p>
+            <a:r>
+              <a:rPr lang="en-US" dirty="0"/>
+              <a:t>Age 9 Unity</a:t>
+            </a:r>
+          </a:p>
+          <a:p>
+            <a:r>
+              <a:rPr lang="en-US" dirty="0"/>
+              <a:t>Age 10+ HTML/Web/</a:t>
+            </a:r>
+            <a:r>
+              <a:rPr lang="en-US" dirty="0" err="1"/>
+              <a:t>Blazor</a:t>
+            </a:r>
+            <a:endParaRPr lang="en-US" dirty="0"/>
+          </a:p>
+          <a:p>
+            <a:r>
+              <a:rPr lang="en-US" dirty="0"/>
+              <a:t>End Goal  C# </a:t>
+            </a:r>
+            <a:r>
+              <a:rPr lang="en-US" dirty="0" err="1"/>
+              <a:t>Blazor</a:t>
+            </a:r>
+            <a:r>
+              <a:rPr lang="en-US" dirty="0"/>
+              <a:t> Web API</a:t>
+            </a:r>
+          </a:p>
+          <a:p>
+            <a:pPr marL="0" indent="0">
               <a:buNone/>
             </a:pPr>
-            <a:r>
-              <a:rPr lang="en-US" sz="3200" dirty="0"/>
-              <a:t>Projects</a:t>
-            </a:r>
-            <a:endParaRPr lang="en-US" dirty="0"/>
-          </a:p>
-          <a:p>
-            <a:r>
-              <a:rPr lang="en-US" dirty="0" err="1"/>
-              <a:t>Madlibs</a:t>
-            </a:r>
-            <a:endParaRPr lang="en-US" dirty="0"/>
-          </a:p>
-          <a:p>
-            <a:r>
-              <a:rPr lang="en-US" dirty="0"/>
-              <a:t>Hangman</a:t>
-            </a:r>
-          </a:p>
-          <a:p>
-            <a:r>
-              <a:rPr lang="en-US" dirty="0"/>
-              <a:t>Jacks are Junk</a:t>
-            </a:r>
-          </a:p>
-          <a:p>
-            <a:r>
-              <a:rPr lang="en-US" dirty="0"/>
-              <a:t>Math Bingo</a:t>
-            </a:r>
-          </a:p>
-          <a:p>
-            <a:r>
-              <a:rPr lang="en-US" dirty="0"/>
-              <a:t>Ella School</a:t>
-            </a:r>
-          </a:p>
-          <a:p>
-            <a:r>
-              <a:rPr lang="en-US" dirty="0"/>
-              <a:t>Binary Puzzle Solver</a:t>
-            </a:r>
-          </a:p>
-          <a:p>
-            <a:r>
-              <a:rPr lang="en-US" dirty="0"/>
-              <a:t>Choose your own adventure</a:t>
-            </a:r>
-          </a:p>
-          <a:p>
-            <a:r>
-              <a:rPr lang="en-US" dirty="0" err="1"/>
-              <a:t>Ellabit</a:t>
-            </a:r>
-            <a:r>
-              <a:rPr lang="en-US" dirty="0"/>
-              <a:t> </a:t>
-            </a:r>
-            <a:r>
-              <a:rPr lang="en-US" dirty="0">
-                <a:hlinkClick r:id="rId2"/>
-              </a:rPr>
-              <a:t>https://kevmoens.github.io/Ellabit</a:t>
+            <a:endParaRPr lang="en-US" sz="2000" dirty="0"/>
+          </a:p>
+          <a:p>
+            <a:pPr marL="0" indent="0">
+              <a:buNone/>
+            </a:pPr>
+            <a:r>
+              <a:rPr lang="en-US" sz="2000" dirty="0"/>
+              <a:t>10 years old is the optimal time to learn programming.  Yet the earlier the better.</a:t>
             </a:r>
             <a:endParaRPr lang="en-US" dirty="0"/>
           </a:p>
@@ -6688,7 +6676,7 @@
     </p:spTree>
     <p:extLst>
       <p:ext uri="{BB962C8B-B14F-4D97-AF65-F5344CB8AC3E}">
-        <p14:creationId xmlns:p14="http://schemas.microsoft.com/office/powerpoint/2010/main" val="4238399885"/>
+        <p14:creationId xmlns:p14="http://schemas.microsoft.com/office/powerpoint/2010/main" val="3799559141"/>
       </p:ext>
     </p:extLst>
   </p:cSld>
@@ -7602,10 +7590,10 @@
       </p:sp>
       <p:pic>
         <p:nvPicPr>
-          <p:cNvPr id="9" name="Content Placeholder 8">
-            <a:extLst>
-              <a:ext uri="{FF2B5EF4-FFF2-40B4-BE49-F238E27FC236}">
-                <a16:creationId xmlns:a16="http://schemas.microsoft.com/office/drawing/2014/main" id="{7EBBECC0-91A8-8BCB-A751-BC87E6064309}"/>
+          <p:cNvPr id="19" name="Content Placeholder 18">
+            <a:extLst>
+              <a:ext uri="{FF2B5EF4-FFF2-40B4-BE49-F238E27FC236}">
+                <a16:creationId xmlns:a16="http://schemas.microsoft.com/office/drawing/2014/main" id="{1FD2A894-268E-D2E7-7FB1-23E75CA0AE23}"/>
               </a:ext>
             </a:extLst>
           </p:cNvPr>
@@ -7630,8 +7618,8 @@
         </p:blipFill>
         <p:spPr>
           <a:xfrm>
-            <a:off x="0" y="0"/>
-            <a:ext cx="13007153" cy="7137400"/>
+            <a:off x="-26895" y="-8965"/>
+            <a:ext cx="13069005" cy="7252447"/>
           </a:xfrm>
         </p:spPr>
       </p:pic>
@@ -10198,7 +10186,7 @@
           <a:p>
             <a:r>
               <a:rPr lang="en-US" dirty="0"/>
-              <a:t>Each step is represented by blocks or ovals and connected b lines or arrows.</a:t>
+              <a:t>Each step is represented by blocks or ovals and connected by lines or arrows.</a:t>
             </a:r>
           </a:p>
           <a:p>
@@ -14573,7 +14561,7 @@
             </a:pPr>
             <a:r>
               <a:rPr lang="en-US" sz="2200" dirty="0"/>
-              <a:t>Teach persistence / Perseverance</a:t>
+              <a:t>Problem Solving / logic skills</a:t>
             </a:r>
           </a:p>
           <a:p>
@@ -14613,7 +14601,7 @@
             </a:pPr>
             <a:r>
               <a:rPr lang="en-US" sz="2200" dirty="0"/>
-              <a:t>Problem Solving / logic skills</a:t>
+              <a:t>Communication skills</a:t>
             </a:r>
           </a:p>
           <a:p>
@@ -14623,8 +14611,15 @@
             </a:pPr>
             <a:r>
               <a:rPr lang="en-US" sz="2200" dirty="0"/>
-              <a:t>Communication skills</a:t>
-            </a:r>
+              <a:t>Teach persistence / Perseverance</a:t>
+            </a:r>
+          </a:p>
+          <a:p>
+            <a:pPr marL="457200" indent="-457200">
+              <a:buFont typeface="+mj-lt"/>
+              <a:buAutoNum type="arabicPeriod"/>
+            </a:pPr>
+            <a:endParaRPr lang="en-US" sz="2200" dirty="0"/>
           </a:p>
           <a:p>
             <a:pPr marL="457200" indent="-457200">
@@ -16161,7 +16156,7 @@
           <a:p>
             <a:r>
               <a:rPr lang="en-US" dirty="0"/>
-              <a:t>Hour of Code</a:t>
+              <a:t>Code.org</a:t>
             </a:r>
           </a:p>
           <a:p>

--- a/ThatConference2022.pptx
+++ b/ThatConference2022.pptx
@@ -31,13 +31,16 @@
     <p:sldId id="287" r:id="rId25"/>
     <p:sldId id="285" r:id="rId26"/>
     <p:sldId id="277" r:id="rId27"/>
-    <p:sldId id="278" r:id="rId28"/>
-    <p:sldId id="279" r:id="rId29"/>
-    <p:sldId id="280" r:id="rId30"/>
-    <p:sldId id="281" r:id="rId31"/>
-    <p:sldId id="282" r:id="rId32"/>
-    <p:sldId id="283" r:id="rId33"/>
-    <p:sldId id="290" r:id="rId34"/>
+    <p:sldId id="297" r:id="rId28"/>
+    <p:sldId id="295" r:id="rId29"/>
+    <p:sldId id="296" r:id="rId30"/>
+    <p:sldId id="278" r:id="rId31"/>
+    <p:sldId id="279" r:id="rId32"/>
+    <p:sldId id="280" r:id="rId33"/>
+    <p:sldId id="281" r:id="rId34"/>
+    <p:sldId id="282" r:id="rId35"/>
+    <p:sldId id="283" r:id="rId36"/>
+    <p:sldId id="290" r:id="rId37"/>
   </p:sldIdLst>
   <p:sldSz cx="12192000" cy="6858000"/>
   <p:notesSz cx="6858000" cy="9144000"/>
@@ -167,6 +170,9 @@
             <p14:sldId id="287"/>
             <p14:sldId id="285"/>
             <p14:sldId id="277"/>
+            <p14:sldId id="297"/>
+            <p14:sldId id="295"/>
+            <p14:sldId id="296"/>
             <p14:sldId id="278"/>
             <p14:sldId id="279"/>
             <p14:sldId id="280"/>
@@ -187,7 +193,7 @@
 
 <file path=ppt/commentAuthors.xml><?xml version="1.0" encoding="utf-8"?>
 <p:cmAuthorLst xmlns:a="http://schemas.openxmlformats.org/drawingml/2006/main" xmlns:r="http://schemas.openxmlformats.org/officeDocument/2006/relationships" xmlns:p="http://schemas.openxmlformats.org/presentationml/2006/main">
-  <p:cmAuthor id="1" name="Kevin Moens" initials="KM" lastIdx="1" clrIdx="0">
+  <p:cmAuthor id="1" name="Kevin Moens" initials="KM" lastIdx="2" clrIdx="0">
     <p:extLst>
       <p:ext uri="{19B8F6BF-5375-455C-9EA6-DF929625EA0E}">
         <p15:presenceInfo xmlns:p15="http://schemas.microsoft.com/office/powerpoint/2012/main" userId="d0373299f81a58f4" providerId="Windows Live"/>
@@ -210,6 +216,20 @@
   <p:cm authorId="1" dt="2022-07-11T20:48:08.795" idx="1">
     <p:pos x="10" y="10"/>
     <p:text/>
+    <p:extLst>
+      <p:ext uri="{C676402C-5697-4E1C-873F-D02D1690AC5C}">
+        <p15:threadingInfo xmlns:p15="http://schemas.microsoft.com/office/powerpoint/2012/main" timeZoneBias="300"/>
+      </p:ext>
+    </p:extLst>
+  </p:cm>
+</p:cmLst>
+</file>
+
+<file path=ppt/comments/comment2.xml><?xml version="1.0" encoding="utf-8"?>
+<p:cmLst xmlns:a="http://schemas.openxmlformats.org/drawingml/2006/main" xmlns:r="http://schemas.openxmlformats.org/officeDocument/2006/relationships" xmlns:p="http://schemas.openxmlformats.org/presentationml/2006/main">
+  <p:cm authorId="1" dt="2022-07-18T21:25:16.659" idx="2">
+    <p:pos x="10" y="10"/>
+    <p:text>And now you must know that my dad has been working here for twenty years and all he knows is Red green blue yellow teal and MAGENTA! Well plus black an white but…</p:text>
     <p:extLst>
       <p:ext uri="{C676402C-5697-4E1C-873F-D02D1690AC5C}">
         <p15:threadingInfo xmlns:p15="http://schemas.microsoft.com/office/powerpoint/2012/main" timeZoneBias="300"/>
@@ -350,7 +370,7 @@
           <a:p>
             <a:fld id="{846CE7D5-CF57-46EF-B807-FDD0502418D4}" type="datetimeFigureOut">
               <a:rPr lang="en-US" smtClean="0"/>
-              <a:t>7/16/2022</a:t>
+              <a:t>7/18/2022</a:t>
             </a:fld>
             <a:endParaRPr lang="en-US" dirty="0"/>
           </a:p>
@@ -520,7 +540,7 @@
           <a:p>
             <a:fld id="{846CE7D5-CF57-46EF-B807-FDD0502418D4}" type="datetimeFigureOut">
               <a:rPr lang="en-US" smtClean="0"/>
-              <a:t>7/16/2022</a:t>
+              <a:t>7/18/2022</a:t>
             </a:fld>
             <a:endParaRPr lang="en-US" dirty="0"/>
           </a:p>
@@ -700,7 +720,7 @@
           <a:p>
             <a:fld id="{846CE7D5-CF57-46EF-B807-FDD0502418D4}" type="datetimeFigureOut">
               <a:rPr lang="en-US" smtClean="0"/>
-              <a:t>7/16/2022</a:t>
+              <a:t>7/18/2022</a:t>
             </a:fld>
             <a:endParaRPr lang="en-US" dirty="0"/>
           </a:p>
@@ -870,7 +890,7 @@
           <a:p>
             <a:fld id="{846CE7D5-CF57-46EF-B807-FDD0502418D4}" type="datetimeFigureOut">
               <a:rPr lang="en-US" smtClean="0"/>
-              <a:t>7/16/2022</a:t>
+              <a:t>7/18/2022</a:t>
             </a:fld>
             <a:endParaRPr lang="en-US" dirty="0"/>
           </a:p>
@@ -1116,7 +1136,7 @@
           <a:p>
             <a:fld id="{846CE7D5-CF57-46EF-B807-FDD0502418D4}" type="datetimeFigureOut">
               <a:rPr lang="en-US" smtClean="0"/>
-              <a:t>7/16/2022</a:t>
+              <a:t>7/18/2022</a:t>
             </a:fld>
             <a:endParaRPr lang="en-US" dirty="0"/>
           </a:p>
@@ -1348,7 +1368,7 @@
           <a:p>
             <a:fld id="{846CE7D5-CF57-46EF-B807-FDD0502418D4}" type="datetimeFigureOut">
               <a:rPr lang="en-US" smtClean="0"/>
-              <a:t>7/16/2022</a:t>
+              <a:t>7/18/2022</a:t>
             </a:fld>
             <a:endParaRPr lang="en-US" dirty="0"/>
           </a:p>
@@ -1715,7 +1735,7 @@
           <a:p>
             <a:fld id="{846CE7D5-CF57-46EF-B807-FDD0502418D4}" type="datetimeFigureOut">
               <a:rPr lang="en-US" smtClean="0"/>
-              <a:t>7/16/2022</a:t>
+              <a:t>7/18/2022</a:t>
             </a:fld>
             <a:endParaRPr lang="en-US" dirty="0"/>
           </a:p>
@@ -1833,7 +1853,7 @@
           <a:p>
             <a:fld id="{846CE7D5-CF57-46EF-B807-FDD0502418D4}" type="datetimeFigureOut">
               <a:rPr lang="en-US" smtClean="0"/>
-              <a:t>7/16/2022</a:t>
+              <a:t>7/18/2022</a:t>
             </a:fld>
             <a:endParaRPr lang="en-US" dirty="0"/>
           </a:p>
@@ -1928,7 +1948,7 @@
           <a:p>
             <a:fld id="{846CE7D5-CF57-46EF-B807-FDD0502418D4}" type="datetimeFigureOut">
               <a:rPr lang="en-US" smtClean="0"/>
-              <a:t>7/16/2022</a:t>
+              <a:t>7/18/2022</a:t>
             </a:fld>
             <a:endParaRPr lang="en-US" dirty="0"/>
           </a:p>
@@ -2205,7 +2225,7 @@
           <a:p>
             <a:fld id="{846CE7D5-CF57-46EF-B807-FDD0502418D4}" type="datetimeFigureOut">
               <a:rPr lang="en-US" smtClean="0"/>
-              <a:t>7/16/2022</a:t>
+              <a:t>7/18/2022</a:t>
             </a:fld>
             <a:endParaRPr lang="en-US" dirty="0"/>
           </a:p>
@@ -2461,7 +2481,7 @@
           <a:p>
             <a:fld id="{846CE7D5-CF57-46EF-B807-FDD0502418D4}" type="datetimeFigureOut">
               <a:rPr lang="en-US" smtClean="0"/>
-              <a:t>7/16/2022</a:t>
+              <a:t>7/18/2022</a:t>
             </a:fld>
             <a:endParaRPr lang="en-US" dirty="0"/>
           </a:p>
@@ -2674,7 +2694,7 @@
           <a:p>
             <a:fld id="{846CE7D5-CF57-46EF-B807-FDD0502418D4}" type="datetimeFigureOut">
               <a:rPr lang="en-US" smtClean="0"/>
-              <a:t>7/16/2022</a:t>
+              <a:t>7/18/2022</a:t>
             </a:fld>
             <a:endParaRPr lang="en-US" dirty="0"/>
           </a:p>
@@ -3377,20 +3397,33 @@
         <p:spPr>
           <a:xfrm>
             <a:off x="404553" y="5624945"/>
-            <a:ext cx="9078562" cy="592975"/>
+            <a:ext cx="9263554" cy="592975"/>
           </a:xfrm>
         </p:spPr>
         <p:txBody>
           <a:bodyPr anchor="ctr">
-            <a:normAutofit/>
+            <a:normAutofit fontScale="92500"/>
           </a:bodyPr>
           <a:lstStyle/>
           <a:p>
             <a:pPr algn="l"/>
             <a:r>
-              <a:rPr lang="en-US" dirty="0"/>
-              <a:t>Kevin and Ella Moens</a:t>
-            </a:r>
+              <a:rPr lang="en-US" sz="3000" dirty="0"/>
+              <a:t>Kevin and Ella Moens        </a:t>
+            </a:r>
+            <a:r>
+              <a:rPr lang="en-US" sz="2200" dirty="0">
+                <a:hlinkClick r:id="rId4">
+                  <a:extLst>
+                    <a:ext uri="{A12FA001-AC4F-418D-AE19-62706E023703}">
+                      <ahyp:hlinkClr xmlns:ahyp="http://schemas.microsoft.com/office/drawing/2018/hyperlinkcolor" val="tx"/>
+                    </a:ext>
+                  </a:extLst>
+                </a:hlinkClick>
+              </a:rPr>
+              <a:t>https://github.com/kevmoens/ThatConference2022</a:t>
+            </a:r>
+            <a:endParaRPr lang="en-US" sz="2200" dirty="0"/>
           </a:p>
         </p:txBody>
       </p:sp>
@@ -10077,7 +10110,7 @@
           <a:p>
             <a:r>
               <a:rPr lang="en-US" sz="4800" dirty="0"/>
-              <a:t>Flowcharts</a:t>
+              <a:t>Colors</a:t>
             </a:r>
           </a:p>
         </p:txBody>
@@ -10150,53 +10183,69 @@
           </a:p>
         </p:txBody>
       </p:sp>
-      <p:sp>
-        <p:nvSpPr>
-          <p:cNvPr id="3" name="Content Placeholder 2">
-            <a:extLst>
-              <a:ext uri="{FF2B5EF4-FFF2-40B4-BE49-F238E27FC236}">
-                <a16:creationId xmlns:a16="http://schemas.microsoft.com/office/drawing/2014/main" id="{E43BD06B-906D-5C9C-E517-52B27F705E94}"/>
-              </a:ext>
-            </a:extLst>
-          </p:cNvPr>
-          <p:cNvSpPr>
-            <a:spLocks noGrp="1"/>
-          </p:cNvSpPr>
-          <p:nvPr>
-            <p:ph idx="1"/>
-          </p:nvPr>
-        </p:nvSpPr>
-        <p:spPr>
-          <a:xfrm>
-            <a:off x="1992884" y="2560320"/>
-            <a:ext cx="8206232" cy="3695020"/>
-          </a:xfrm>
-        </p:spPr>
-        <p:txBody>
-          <a:bodyPr>
-            <a:normAutofit/>
-          </a:bodyPr>
-          <a:lstStyle/>
-          <a:p>
-            <a:r>
-              <a:rPr lang="en-US" dirty="0"/>
-              <a:t>Visually represent a process or workflow in a step-by-step manner.</a:t>
-            </a:r>
-          </a:p>
-          <a:p>
-            <a:r>
-              <a:rPr lang="en-US" dirty="0"/>
-              <a:t>Each step is represented by blocks or ovals and connected by lines or arrows.</a:t>
-            </a:r>
-          </a:p>
-          <a:p>
-            <a:r>
-              <a:rPr lang="en-US" dirty="0"/>
-              <a:t>Can be used to brainstorm and design how you will create your code</a:t>
-            </a:r>
-          </a:p>
-        </p:txBody>
-      </p:sp>
+      <p:graphicFrame>
+        <p:nvGraphicFramePr>
+          <p:cNvPr id="9" name="Object 8">
+            <a:extLst>
+              <a:ext uri="{FF2B5EF4-FFF2-40B4-BE49-F238E27FC236}">
+                <a16:creationId xmlns:a16="http://schemas.microsoft.com/office/drawing/2014/main" id="{4F0A5895-DE4B-436D-C00A-3BA54D131B21}"/>
+              </a:ext>
+            </a:extLst>
+          </p:cNvPr>
+          <p:cNvGraphicFramePr>
+            <a:graphicFrameLocks noChangeAspect="1"/>
+          </p:cNvGraphicFramePr>
+          <p:nvPr>
+            <p:extLst>
+              <p:ext uri="{D42A27DB-BD31-4B8C-83A1-F6EECF244321}">
+                <p14:modId xmlns:p14="http://schemas.microsoft.com/office/powerpoint/2010/main" val="4238183494"/>
+              </p:ext>
+            </p:extLst>
+          </p:nvPr>
+        </p:nvGraphicFramePr>
+        <p:xfrm>
+          <a:off x="709612" y="2276856"/>
+          <a:ext cx="10772775" cy="2990850"/>
+        </p:xfrm>
+        <a:graphic>
+          <a:graphicData uri="http://schemas.openxmlformats.org/presentationml/2006/ole">
+            <mc:AlternateContent xmlns:mc="http://schemas.openxmlformats.org/markup-compatibility/2006">
+              <mc:Choice xmlns:v="urn:schemas-microsoft-com:vml" Requires="v">
+                <p:oleObj name="Bitmap Image" r:id="rId2" imgW="10772640" imgH="2990880" progId="PBrush">
+                  <p:embed/>
+                </p:oleObj>
+              </mc:Choice>
+              <mc:Fallback>
+                <p:oleObj name="Bitmap Image" r:id="rId2" imgW="10772640" imgH="2990880" progId="PBrush">
+                  <p:embed/>
+                  <p:pic>
+                    <p:nvPicPr>
+                      <p:cNvPr id="0" name=""/>
+                      <p:cNvPicPr/>
+                      <p:nvPr/>
+                    </p:nvPicPr>
+                    <p:blipFill>
+                      <a:blip r:embed="rId3"/>
+                      <a:stretch>
+                        <a:fillRect/>
+                      </a:stretch>
+                    </p:blipFill>
+                    <p:spPr>
+                      <a:xfrm>
+                        <a:off x="709612" y="2276856"/>
+                        <a:ext cx="10772775" cy="2990850"/>
+                      </a:xfrm>
+                      <a:prstGeom prst="rect">
+                        <a:avLst/>
+                      </a:prstGeom>
+                    </p:spPr>
+                  </p:pic>
+                </p:oleObj>
+              </mc:Fallback>
+            </mc:AlternateContent>
+          </a:graphicData>
+        </a:graphic>
+      </p:graphicFrame>
     </p:spTree>
     <p:extLst>
       <p:ext uri="{BB962C8B-B14F-4D97-AF65-F5344CB8AC3E}">
@@ -10463,7 +10512,7 @@
                   <a:srgbClr val="FFFFFF"/>
                 </a:solidFill>
               </a:rPr>
-              <a:t>Flowcharts</a:t>
+              <a:t>Colors</a:t>
             </a:r>
           </a:p>
         </p:txBody>
@@ -10547,22 +10596,177 @@
         </p:nvSpPr>
         <p:spPr>
           <a:xfrm>
-            <a:off x="4447308" y="591344"/>
+            <a:off x="4297407" y="953293"/>
             <a:ext cx="6906491" cy="5585619"/>
           </a:xfrm>
         </p:spPr>
         <p:txBody>
           <a:bodyPr anchor="ctr">
-            <a:normAutofit/>
+            <a:normAutofit fontScale="92500" lnSpcReduction="20000"/>
           </a:bodyPr>
           <a:lstStyle/>
+          <a:p>
+            <a:pPr marL="0" indent="0">
+              <a:buNone/>
+            </a:pPr>
+            <a:r>
+              <a:rPr lang="en-US" dirty="0">
+                <a:solidFill>
+                  <a:srgbClr val="DDAAFF"/>
+                </a:solidFill>
+              </a:rPr>
+              <a:t>LAVENDER(#daf) </a:t>
+            </a:r>
+          </a:p>
+          <a:p>
+            <a:pPr marL="0" indent="0">
+              <a:buNone/>
+            </a:pPr>
+            <a:r>
+              <a:rPr lang="en-US" dirty="0">
+                <a:solidFill>
+                  <a:srgbClr val="BBBBFF"/>
+                </a:solidFill>
+              </a:rPr>
+              <a:t>PERIWINKLE(#bbf) </a:t>
+            </a:r>
+          </a:p>
+          <a:p>
+            <a:pPr marL="0" indent="0">
+              <a:buNone/>
+            </a:pPr>
+            <a:r>
+              <a:rPr lang="en-US" dirty="0">
+                <a:solidFill>
+                  <a:srgbClr val="CFCFFF"/>
+                </a:solidFill>
+              </a:rPr>
+              <a:t>BABY BLUE(#cfcfff) </a:t>
+            </a:r>
+            <a:r>
+              <a:rPr lang="en-US" dirty="0"/>
+              <a:t>YES THERE’S A DIFFERENCE! </a:t>
+            </a:r>
+          </a:p>
+          <a:p>
+            <a:pPr marL="0" indent="0">
+              <a:buNone/>
+            </a:pPr>
+            <a:r>
+              <a:rPr lang="en-US" dirty="0">
+                <a:solidFill>
+                  <a:srgbClr val="FF9999"/>
+                </a:solidFill>
+              </a:rPr>
+              <a:t>SALMON(#f99) </a:t>
+            </a:r>
+          </a:p>
+          <a:p>
+            <a:pPr marL="0" indent="0">
+              <a:buNone/>
+            </a:pPr>
+            <a:r>
+              <a:rPr lang="en-US" dirty="0">
+                <a:solidFill>
+                  <a:srgbClr val="884400"/>
+                </a:solidFill>
+              </a:rPr>
+              <a:t>BROWN(#840)</a:t>
+            </a:r>
+          </a:p>
+          <a:p>
+            <a:pPr marL="0" indent="0">
+              <a:buNone/>
+            </a:pPr>
+            <a:r>
+              <a:rPr lang="en-US" dirty="0">
+                <a:solidFill>
+                  <a:srgbClr val="FF8800"/>
+                </a:solidFill>
+              </a:rPr>
+              <a:t>ORANGE(#F80)</a:t>
+            </a:r>
+          </a:p>
+          <a:p>
+            <a:pPr marL="0" indent="0">
+              <a:buNone/>
+            </a:pPr>
+            <a:r>
+              <a:rPr lang="en-US" dirty="0">
+                <a:solidFill>
+                  <a:srgbClr val="FF00AA"/>
+                </a:solidFill>
+              </a:rPr>
+              <a:t>MAGENTA-ROSE(#F0A)</a:t>
+            </a:r>
+          </a:p>
+          <a:p>
+            <a:pPr marL="0" indent="0">
+              <a:buNone/>
+            </a:pPr>
+            <a:r>
+              <a:rPr lang="en-US" dirty="0">
+                <a:solidFill>
+                  <a:srgbClr val="6600FF"/>
+                </a:solidFill>
+              </a:rPr>
+              <a:t>BLUE VIOLET(#60F) </a:t>
+            </a:r>
+          </a:p>
+          <a:p>
+            <a:pPr marL="0" indent="0">
+              <a:buNone/>
+            </a:pPr>
+            <a:r>
+              <a:rPr lang="en-US" dirty="0"/>
+              <a:t>TAKE NOTES!</a:t>
+            </a:r>
+          </a:p>
+          <a:p>
+            <a:pPr marL="0" indent="0">
+              <a:buNone/>
+            </a:pPr>
+            <a:r>
+              <a:rPr lang="en-US" dirty="0">
+                <a:solidFill>
+                  <a:srgbClr val="882233"/>
+                </a:solidFill>
+              </a:rPr>
+              <a:t>MAROON (#823) </a:t>
+            </a:r>
+          </a:p>
+          <a:p>
+            <a:pPr marL="0" indent="0">
+              <a:buNone/>
+            </a:pPr>
+            <a:r>
+              <a:rPr lang="en-US" dirty="0">
+                <a:solidFill>
+                  <a:srgbClr val="EBB000"/>
+                </a:solidFill>
+              </a:rPr>
+              <a:t>HAY GOLD(#EBB000)</a:t>
+            </a:r>
+            <a:r>
+              <a:rPr lang="en-US" dirty="0"/>
+              <a:t> </a:t>
+            </a:r>
+          </a:p>
           <a:p>
             <a:pPr marL="0" indent="0" algn="ctr">
               <a:buNone/>
             </a:pPr>
             <a:r>
-              <a:rPr lang="en-US" sz="3600" dirty="0"/>
-              <a:t>Start / Terminator</a:t>
+              <a:rPr lang="en-US" dirty="0"/>
+              <a:t>Ok well I know WAY more but we don’t have more than 10 hours </a:t>
+            </a:r>
+            <a:r>
+              <a:rPr lang="en-US" dirty="0" err="1"/>
+              <a:t>sooo</a:t>
+            </a:r>
+            <a:r>
+              <a:rPr lang="en-US" dirty="0"/>
+              <a:t>….</a:t>
             </a:r>
           </a:p>
           <a:p>
@@ -10572,79 +10776,10 @@
             <a:endParaRPr lang="en-US" dirty="0"/>
           </a:p>
           <a:p>
-            <a:pPr marL="0" indent="0">
-              <a:buNone/>
-            </a:pPr>
-            <a:r>
-              <a:rPr lang="en-US" b="0" i="0" dirty="0">
-                <a:solidFill>
-                  <a:srgbClr val="000000"/>
-                </a:solidFill>
-                <a:effectLst/>
-                <a:latin typeface="Poppins" panose="020B0502040204020203" pitchFamily="2" charset="0"/>
-              </a:rPr>
-              <a:t>Use this shape for the beginning or ending step of your process</a:t>
-            </a:r>
             <a:endParaRPr lang="en-US" dirty="0"/>
           </a:p>
-          <a:p>
-            <a:pPr marL="0" indent="0">
-              <a:buNone/>
-            </a:pPr>
-            <a:endParaRPr lang="en-US" dirty="0"/>
-          </a:p>
-          <a:p>
-            <a:endParaRPr lang="en-US" dirty="0"/>
-          </a:p>
-        </p:txBody>
-      </p:sp>
-      <p:pic>
-        <p:nvPicPr>
-          <p:cNvPr id="3076" name="Picture 4" descr="Start or Terminator">
-            <a:extLst>
-              <a:ext uri="{FF2B5EF4-FFF2-40B4-BE49-F238E27FC236}">
-                <a16:creationId xmlns:a16="http://schemas.microsoft.com/office/drawing/2014/main" id="{812A3581-5A2C-0B7A-C6F7-9A61A7B457D0}"/>
-              </a:ext>
-            </a:extLst>
-          </p:cNvPr>
-          <p:cNvPicPr>
-            <a:picLocks noChangeAspect="1" noChangeArrowheads="1"/>
-          </p:cNvPicPr>
-          <p:nvPr/>
-        </p:nvPicPr>
-        <p:blipFill>
-          <a:blip r:embed="rId2">
-            <a:extLst>
-              <a:ext uri="{28A0092B-C50C-407E-A947-70E740481C1C}">
-                <a14:useLocalDpi xmlns:a14="http://schemas.microsoft.com/office/drawing/2010/main" val="0"/>
-              </a:ext>
-            </a:extLst>
-          </a:blip>
-          <a:srcRect/>
-          <a:stretch>
-            <a:fillRect/>
-          </a:stretch>
-        </p:blipFill>
-        <p:spPr bwMode="auto">
-          <a:xfrm>
-            <a:off x="7227613" y="1312082"/>
-            <a:ext cx="1345880" cy="438150"/>
-          </a:xfrm>
-          <a:prstGeom prst="rect">
-            <a:avLst/>
-          </a:prstGeom>
-          <a:noFill/>
-          <a:extLst>
-            <a:ext uri="{909E8E84-426E-40DD-AFC4-6F175D3DCCD1}">
-              <a14:hiddenFill xmlns:a14="http://schemas.microsoft.com/office/drawing/2010/main">
-                <a:solidFill>
-                  <a:srgbClr val="FFFFFF"/>
-                </a:solidFill>
-              </a14:hiddenFill>
-            </a:ext>
-          </a:extLst>
-        </p:spPr>
-      </p:pic>
+        </p:txBody>
+      </p:sp>
     </p:spTree>
     <p:extLst>
       <p:ext uri="{BB962C8B-B14F-4D97-AF65-F5344CB8AC3E}">
@@ -10911,7 +11046,7 @@
                   <a:srgbClr val="FFFFFF"/>
                 </a:solidFill>
               </a:rPr>
-              <a:t>Flowcharts</a:t>
+              <a:t>Colors</a:t>
             </a:r>
           </a:p>
         </p:txBody>
@@ -10977,120 +11112,488 @@
           </a:p>
         </p:txBody>
       </p:sp>
-      <p:sp>
-        <p:nvSpPr>
-          <p:cNvPr id="3" name="Content Placeholder 2">
-            <a:extLst>
-              <a:ext uri="{FF2B5EF4-FFF2-40B4-BE49-F238E27FC236}">
-                <a16:creationId xmlns:a16="http://schemas.microsoft.com/office/drawing/2014/main" id="{506ECF03-3832-CE61-45EB-6C148D597A92}"/>
-              </a:ext>
-            </a:extLst>
-          </p:cNvPr>
-          <p:cNvSpPr>
-            <a:spLocks noGrp="1"/>
-          </p:cNvSpPr>
-          <p:nvPr>
-            <p:ph idx="1"/>
-          </p:nvPr>
-        </p:nvSpPr>
-        <p:spPr>
-          <a:xfrm>
-            <a:off x="4447308" y="591344"/>
-            <a:ext cx="6906491" cy="5585619"/>
-          </a:xfrm>
-        </p:spPr>
-        <p:txBody>
-          <a:bodyPr anchor="ctr">
-            <a:normAutofit/>
-          </a:bodyPr>
-          <a:lstStyle/>
-          <a:p>
-            <a:pPr marL="0" indent="0" algn="ctr">
-              <a:buNone/>
-            </a:pPr>
-            <a:r>
-              <a:rPr lang="en-US" sz="3600" dirty="0"/>
-              <a:t>Process</a:t>
-            </a:r>
-          </a:p>
-          <a:p>
-            <a:pPr marL="0" indent="0">
-              <a:buNone/>
-            </a:pPr>
-            <a:endParaRPr lang="en-US" dirty="0"/>
-          </a:p>
-          <a:p>
-            <a:pPr marL="0" indent="0">
-              <a:buNone/>
-            </a:pPr>
-            <a:r>
-              <a:rPr lang="en-US" b="0" i="0" dirty="0">
-                <a:solidFill>
-                  <a:srgbClr val="000000"/>
-                </a:solidFill>
-                <a:effectLst/>
-                <a:latin typeface="Poppins" panose="00000500000000000000" pitchFamily="2" charset="0"/>
-              </a:rPr>
-              <a:t>This shape stands for a step in your process</a:t>
-            </a:r>
-            <a:endParaRPr lang="en-US" dirty="0"/>
-          </a:p>
-          <a:p>
-            <a:endParaRPr lang="en-US" dirty="0"/>
-          </a:p>
-        </p:txBody>
-      </p:sp>
-      <p:pic>
-        <p:nvPicPr>
-          <p:cNvPr id="4098" name="Picture 2" descr="Process">
-            <a:extLst>
-              <a:ext uri="{FF2B5EF4-FFF2-40B4-BE49-F238E27FC236}">
-                <a16:creationId xmlns:a16="http://schemas.microsoft.com/office/drawing/2014/main" id="{3681DCA6-C424-AFC7-120E-04FF383E712D}"/>
-              </a:ext>
-            </a:extLst>
-          </p:cNvPr>
-          <p:cNvPicPr>
-            <a:picLocks noChangeAspect="1" noChangeArrowheads="1"/>
-          </p:cNvPicPr>
-          <p:nvPr/>
-        </p:nvPicPr>
-        <p:blipFill>
-          <a:blip r:embed="rId2">
-            <a:extLst>
-              <a:ext uri="{28A0092B-C50C-407E-A947-70E740481C1C}">
-                <a14:useLocalDpi xmlns:a14="http://schemas.microsoft.com/office/drawing/2010/main" val="0"/>
-              </a:ext>
-            </a:extLst>
-          </a:blip>
-          <a:srcRect/>
-          <a:stretch>
-            <a:fillRect/>
-          </a:stretch>
-        </p:blipFill>
-        <p:spPr bwMode="auto">
-          <a:xfrm>
-            <a:off x="7036994" y="926310"/>
-            <a:ext cx="1727117" cy="1113748"/>
-          </a:xfrm>
-          <a:prstGeom prst="rect">
-            <a:avLst/>
-          </a:prstGeom>
-          <a:noFill/>
-          <a:extLst>
-            <a:ext uri="{909E8E84-426E-40DD-AFC4-6F175D3DCCD1}">
-              <a14:hiddenFill xmlns:a14="http://schemas.microsoft.com/office/drawing/2010/main">
-                <a:solidFill>
-                  <a:srgbClr val="FFFFFF"/>
-                </a:solidFill>
-              </a14:hiddenFill>
-            </a:ext>
-          </a:extLst>
-        </p:spPr>
-      </p:pic>
+      <p:graphicFrame>
+        <p:nvGraphicFramePr>
+          <p:cNvPr id="4" name="Table 4">
+            <a:extLst>
+              <a:ext uri="{FF2B5EF4-FFF2-40B4-BE49-F238E27FC236}">
+                <a16:creationId xmlns:a16="http://schemas.microsoft.com/office/drawing/2014/main" id="{D107C1FA-67D2-040F-B17C-DD27A462A719}"/>
+              </a:ext>
+            </a:extLst>
+          </p:cNvPr>
+          <p:cNvGraphicFramePr>
+            <a:graphicFrameLocks noGrp="1"/>
+          </p:cNvGraphicFramePr>
+          <p:nvPr>
+            <p:extLst>
+              <p:ext uri="{D42A27DB-BD31-4B8C-83A1-F6EECF244321}">
+                <p14:modId xmlns:p14="http://schemas.microsoft.com/office/powerpoint/2010/main" val="2868462258"/>
+              </p:ext>
+            </p:extLst>
+          </p:nvPr>
+        </p:nvGraphicFramePr>
+        <p:xfrm>
+          <a:off x="4167272" y="462279"/>
+          <a:ext cx="7865401" cy="6096000"/>
+        </p:xfrm>
+        <a:graphic>
+          <a:graphicData uri="http://schemas.openxmlformats.org/drawingml/2006/table">
+            <a:tbl>
+              <a:tblPr firstRow="1" bandRow="1">
+                <a:tableStyleId>{2D5ABB26-0587-4C30-8999-92F81FD0307C}</a:tableStyleId>
+              </a:tblPr>
+              <a:tblGrid>
+                <a:gridCol w="6161292">
+                  <a:extLst>
+                    <a:ext uri="{9D8B030D-6E8A-4147-A177-3AD203B41FA5}">
+                      <a16:colId xmlns:a16="http://schemas.microsoft.com/office/drawing/2014/main" val="591449009"/>
+                    </a:ext>
+                  </a:extLst>
+                </a:gridCol>
+                <a:gridCol w="1704109">
+                  <a:extLst>
+                    <a:ext uri="{9D8B030D-6E8A-4147-A177-3AD203B41FA5}">
+                      <a16:colId xmlns:a16="http://schemas.microsoft.com/office/drawing/2014/main" val="2372834082"/>
+                    </a:ext>
+                  </a:extLst>
+                </a:gridCol>
+              </a:tblGrid>
+              <a:tr h="731924">
+                <a:tc>
+                  <a:txBody>
+                    <a:bodyPr/>
+                    <a:lstStyle/>
+                    <a:p>
+                      <a:r>
+                        <a:rPr lang="en-US" sz="4400" dirty="0">
+                          <a:solidFill>
+                            <a:srgbClr val="FF0000"/>
+                          </a:solidFill>
+                        </a:rPr>
+                        <a:t>Red</a:t>
+                      </a:r>
+                      <a:endParaRPr lang="en-US" sz="4400" dirty="0"/>
+                    </a:p>
+                  </a:txBody>
+                  <a:tcPr/>
+                </a:tc>
+                <a:tc>
+                  <a:txBody>
+                    <a:bodyPr/>
+                    <a:lstStyle/>
+                    <a:p>
+                      <a:r>
+                        <a:rPr lang="en-US" sz="4400" dirty="0"/>
+                        <a:t>#F00</a:t>
+                      </a:r>
+                    </a:p>
+                  </a:txBody>
+                  <a:tcPr/>
+                </a:tc>
+                <a:extLst>
+                  <a:ext uri="{0D108BD9-81ED-4DB2-BD59-A6C34878D82A}">
+                    <a16:rowId xmlns:a16="http://schemas.microsoft.com/office/drawing/2014/main" val="1392847349"/>
+                  </a:ext>
+                </a:extLst>
+              </a:tr>
+              <a:tr h="731924">
+                <a:tc>
+                  <a:txBody>
+                    <a:bodyPr/>
+                    <a:lstStyle/>
+                    <a:p>
+                      <a:r>
+                        <a:rPr lang="en-US" sz="4400" dirty="0">
+                          <a:solidFill>
+                            <a:srgbClr val="00FF00"/>
+                          </a:solidFill>
+                        </a:rPr>
+                        <a:t>Green</a:t>
+                      </a:r>
+                      <a:endParaRPr lang="en-US" sz="4400" dirty="0"/>
+                    </a:p>
+                  </a:txBody>
+                  <a:tcPr/>
+                </a:tc>
+                <a:tc>
+                  <a:txBody>
+                    <a:bodyPr/>
+                    <a:lstStyle/>
+                    <a:p>
+                      <a:r>
+                        <a:rPr lang="en-US" sz="4400" dirty="0"/>
+                        <a:t>#0F0</a:t>
+                      </a:r>
+                    </a:p>
+                  </a:txBody>
+                  <a:tcPr/>
+                </a:tc>
+                <a:extLst>
+                  <a:ext uri="{0D108BD9-81ED-4DB2-BD59-A6C34878D82A}">
+                    <a16:rowId xmlns:a16="http://schemas.microsoft.com/office/drawing/2014/main" val="3707323858"/>
+                  </a:ext>
+                </a:extLst>
+              </a:tr>
+              <a:tr h="731924">
+                <a:tc>
+                  <a:txBody>
+                    <a:bodyPr/>
+                    <a:lstStyle/>
+                    <a:p>
+                      <a:r>
+                        <a:rPr lang="en-US" sz="4400" dirty="0">
+                          <a:solidFill>
+                            <a:srgbClr val="0000FF"/>
+                          </a:solidFill>
+                        </a:rPr>
+                        <a:t>Blue</a:t>
+                      </a:r>
+                      <a:endParaRPr lang="en-US" sz="4400" dirty="0"/>
+                    </a:p>
+                  </a:txBody>
+                  <a:tcPr/>
+                </a:tc>
+                <a:tc>
+                  <a:txBody>
+                    <a:bodyPr/>
+                    <a:lstStyle/>
+                    <a:p>
+                      <a:r>
+                        <a:rPr lang="en-US" sz="4400" dirty="0"/>
+                        <a:t>#00F</a:t>
+                      </a:r>
+                    </a:p>
+                  </a:txBody>
+                  <a:tcPr/>
+                </a:tc>
+                <a:extLst>
+                  <a:ext uri="{0D108BD9-81ED-4DB2-BD59-A6C34878D82A}">
+                    <a16:rowId xmlns:a16="http://schemas.microsoft.com/office/drawing/2014/main" val="1349339117"/>
+                  </a:ext>
+                </a:extLst>
+              </a:tr>
+              <a:tr h="731924">
+                <a:tc>
+                  <a:txBody>
+                    <a:bodyPr/>
+                    <a:lstStyle/>
+                    <a:p>
+                      <a:r>
+                        <a:rPr lang="en-US" sz="4400" dirty="0" err="1">
+                          <a:solidFill>
+                            <a:srgbClr val="FF0000"/>
+                          </a:solidFill>
+                        </a:rPr>
+                        <a:t>Red</a:t>
+                      </a:r>
+                      <a:r>
+                        <a:rPr lang="en-US" sz="4400" dirty="0" err="1"/>
+                        <a:t>+</a:t>
+                      </a:r>
+                      <a:r>
+                        <a:rPr lang="en-US" sz="4400" dirty="0" err="1">
+                          <a:solidFill>
+                            <a:srgbClr val="00FF00"/>
+                          </a:solidFill>
+                        </a:rPr>
+                        <a:t>Green</a:t>
+                      </a:r>
+                      <a:r>
+                        <a:rPr lang="en-US" sz="4400" dirty="0"/>
+                        <a:t>=</a:t>
+                      </a:r>
+                      <a:r>
+                        <a:rPr lang="en-US" sz="4400" dirty="0">
+                          <a:solidFill>
+                            <a:srgbClr val="FFFF00"/>
+                          </a:solidFill>
+                          <a:effectLst>
+                            <a:outerShdw blurRad="38100" dist="38100" dir="2700000" algn="tl">
+                              <a:srgbClr val="000000">
+                                <a:alpha val="43137"/>
+                              </a:srgbClr>
+                            </a:outerShdw>
+                          </a:effectLst>
+                        </a:rPr>
+                        <a:t>Yellow</a:t>
+                      </a:r>
+                      <a:r>
+                        <a:rPr lang="en-US" sz="4400" dirty="0"/>
+                        <a:t> </a:t>
+                      </a:r>
+                    </a:p>
+                  </a:txBody>
+                  <a:tcPr/>
+                </a:tc>
+                <a:tc>
+                  <a:txBody>
+                    <a:bodyPr/>
+                    <a:lstStyle/>
+                    <a:p>
+                      <a:r>
+                        <a:rPr lang="en-US" sz="4400" dirty="0"/>
+                        <a:t>#FF0</a:t>
+                      </a:r>
+                    </a:p>
+                  </a:txBody>
+                  <a:tcPr/>
+                </a:tc>
+                <a:extLst>
+                  <a:ext uri="{0D108BD9-81ED-4DB2-BD59-A6C34878D82A}">
+                    <a16:rowId xmlns:a16="http://schemas.microsoft.com/office/drawing/2014/main" val="381197375"/>
+                  </a:ext>
+                </a:extLst>
+              </a:tr>
+              <a:tr h="731924">
+                <a:tc>
+                  <a:txBody>
+                    <a:bodyPr/>
+                    <a:lstStyle/>
+                    <a:p>
+                      <a:r>
+                        <a:rPr lang="en-US" sz="4400" dirty="0" err="1">
+                          <a:solidFill>
+                            <a:srgbClr val="FF0000"/>
+                          </a:solidFill>
+                        </a:rPr>
+                        <a:t>Red</a:t>
+                      </a:r>
+                      <a:r>
+                        <a:rPr lang="en-US" sz="4400" dirty="0" err="1"/>
+                        <a:t>+</a:t>
+                      </a:r>
+                      <a:r>
+                        <a:rPr lang="en-US" sz="4400" dirty="0" err="1">
+                          <a:solidFill>
+                            <a:srgbClr val="0000FF"/>
+                          </a:solidFill>
+                        </a:rPr>
+                        <a:t>Blue</a:t>
+                      </a:r>
+                      <a:r>
+                        <a:rPr lang="en-US" sz="4400" dirty="0"/>
+                        <a:t>=</a:t>
+                      </a:r>
+                      <a:r>
+                        <a:rPr lang="en-US" sz="4400" dirty="0">
+                          <a:solidFill>
+                            <a:srgbClr val="FF00FF"/>
+                          </a:solidFill>
+                        </a:rPr>
+                        <a:t>Magenta </a:t>
+                      </a:r>
+                      <a:endParaRPr lang="en-US" sz="4400" dirty="0"/>
+                    </a:p>
+                  </a:txBody>
+                  <a:tcPr/>
+                </a:tc>
+                <a:tc>
+                  <a:txBody>
+                    <a:bodyPr/>
+                    <a:lstStyle/>
+                    <a:p>
+                      <a:r>
+                        <a:rPr lang="en-US" sz="4400" dirty="0"/>
+                        <a:t>#F0F</a:t>
+                      </a:r>
+                    </a:p>
+                  </a:txBody>
+                  <a:tcPr/>
+                </a:tc>
+                <a:extLst>
+                  <a:ext uri="{0D108BD9-81ED-4DB2-BD59-A6C34878D82A}">
+                    <a16:rowId xmlns:a16="http://schemas.microsoft.com/office/drawing/2014/main" val="1565688546"/>
+                  </a:ext>
+                </a:extLst>
+              </a:tr>
+              <a:tr h="731924">
+                <a:tc>
+                  <a:txBody>
+                    <a:bodyPr/>
+                    <a:lstStyle/>
+                    <a:p>
+                      <a:r>
+                        <a:rPr lang="en-US" sz="4400" dirty="0" err="1">
+                          <a:solidFill>
+                            <a:srgbClr val="00FF00"/>
+                          </a:solidFill>
+                        </a:rPr>
+                        <a:t>Green</a:t>
+                      </a:r>
+                      <a:r>
+                        <a:rPr lang="en-US" sz="4400" dirty="0" err="1"/>
+                        <a:t>+</a:t>
+                      </a:r>
+                      <a:r>
+                        <a:rPr lang="en-US" sz="4400" dirty="0" err="1">
+                          <a:solidFill>
+                            <a:srgbClr val="0000FF"/>
+                          </a:solidFill>
+                        </a:rPr>
+                        <a:t>Blue</a:t>
+                      </a:r>
+                      <a:r>
+                        <a:rPr lang="en-US" sz="4400" dirty="0"/>
+                        <a:t>=</a:t>
+                      </a:r>
+                      <a:r>
+                        <a:rPr lang="en-US" sz="4400" dirty="0">
+                          <a:solidFill>
+                            <a:srgbClr val="00FFFF"/>
+                          </a:solidFill>
+                        </a:rPr>
+                        <a:t>Teal</a:t>
+                      </a:r>
+                      <a:r>
+                        <a:rPr lang="en-US" sz="4400" dirty="0"/>
+                        <a:t> </a:t>
+                      </a:r>
+                    </a:p>
+                  </a:txBody>
+                  <a:tcPr/>
+                </a:tc>
+                <a:tc>
+                  <a:txBody>
+                    <a:bodyPr/>
+                    <a:lstStyle/>
+                    <a:p>
+                      <a:r>
+                        <a:rPr lang="en-US" sz="4400" dirty="0"/>
+                        <a:t>#0FF</a:t>
+                      </a:r>
+                    </a:p>
+                  </a:txBody>
+                  <a:tcPr/>
+                </a:tc>
+                <a:extLst>
+                  <a:ext uri="{0D108BD9-81ED-4DB2-BD59-A6C34878D82A}">
+                    <a16:rowId xmlns:a16="http://schemas.microsoft.com/office/drawing/2014/main" val="3826900342"/>
+                  </a:ext>
+                </a:extLst>
+              </a:tr>
+              <a:tr h="731924">
+                <a:tc>
+                  <a:txBody>
+                    <a:bodyPr/>
+                    <a:lstStyle/>
+                    <a:p>
+                      <a:r>
+                        <a:rPr lang="en-US" sz="4400" dirty="0" err="1">
+                          <a:solidFill>
+                            <a:srgbClr val="FF0000"/>
+                          </a:solidFill>
+                        </a:rPr>
+                        <a:t>Red</a:t>
+                      </a:r>
+                      <a:r>
+                        <a:rPr lang="en-US" sz="4400" dirty="0" err="1"/>
+                        <a:t>+</a:t>
+                      </a:r>
+                      <a:r>
+                        <a:rPr lang="en-US" sz="4400" dirty="0" err="1">
+                          <a:solidFill>
+                            <a:srgbClr val="00FF00"/>
+                          </a:solidFill>
+                        </a:rPr>
+                        <a:t>Green</a:t>
+                      </a:r>
+                      <a:r>
+                        <a:rPr lang="en-US" sz="4400" dirty="0" err="1"/>
+                        <a:t>+</a:t>
+                      </a:r>
+                      <a:r>
+                        <a:rPr lang="en-US" sz="4400" dirty="0" err="1">
+                          <a:solidFill>
+                            <a:srgbClr val="0000FF"/>
+                          </a:solidFill>
+                        </a:rPr>
+                        <a:t>Blue</a:t>
+                      </a:r>
+                      <a:r>
+                        <a:rPr lang="en-US" sz="4400" dirty="0"/>
+                        <a:t>=</a:t>
+                      </a:r>
+                      <a:r>
+                        <a:rPr lang="en-US" sz="4400" dirty="0">
+                          <a:solidFill>
+                            <a:schemeClr val="bg1"/>
+                          </a:solidFill>
+                          <a:effectLst>
+                            <a:innerShdw blurRad="114300">
+                              <a:prstClr val="black"/>
+                            </a:innerShdw>
+                          </a:effectLst>
+                        </a:rPr>
+                        <a:t>White</a:t>
+                      </a:r>
+                      <a:r>
+                        <a:rPr lang="en-US" sz="4400" dirty="0"/>
+                        <a:t> </a:t>
+                      </a:r>
+                    </a:p>
+                  </a:txBody>
+                  <a:tcPr/>
+                </a:tc>
+                <a:tc>
+                  <a:txBody>
+                    <a:bodyPr/>
+                    <a:lstStyle/>
+                    <a:p>
+                      <a:r>
+                        <a:rPr lang="en-US" sz="4400" dirty="0"/>
+                        <a:t>#FFF</a:t>
+                      </a:r>
+                    </a:p>
+                  </a:txBody>
+                  <a:tcPr/>
+                </a:tc>
+                <a:extLst>
+                  <a:ext uri="{0D108BD9-81ED-4DB2-BD59-A6C34878D82A}">
+                    <a16:rowId xmlns:a16="http://schemas.microsoft.com/office/drawing/2014/main" val="3677377408"/>
+                  </a:ext>
+                </a:extLst>
+              </a:tr>
+              <a:tr h="731924">
+                <a:tc>
+                  <a:txBody>
+                    <a:bodyPr/>
+                    <a:lstStyle/>
+                    <a:p>
+                      <a:r>
+                        <a:rPr lang="en-US" sz="4400" dirty="0"/>
+                        <a:t>None = Black</a:t>
+                      </a:r>
+                    </a:p>
+                  </a:txBody>
+                  <a:tcPr/>
+                </a:tc>
+                <a:tc>
+                  <a:txBody>
+                    <a:bodyPr/>
+                    <a:lstStyle/>
+                    <a:p>
+                      <a:r>
+                        <a:rPr lang="en-US" sz="4400" dirty="0"/>
+                        <a:t>#000</a:t>
+                      </a:r>
+                    </a:p>
+                  </a:txBody>
+                  <a:tcPr/>
+                </a:tc>
+                <a:extLst>
+                  <a:ext uri="{0D108BD9-81ED-4DB2-BD59-A6C34878D82A}">
+                    <a16:rowId xmlns:a16="http://schemas.microsoft.com/office/drawing/2014/main" val="806189241"/>
+                  </a:ext>
+                </a:extLst>
+              </a:tr>
+            </a:tbl>
+          </a:graphicData>
+        </a:graphic>
+      </p:graphicFrame>
     </p:spTree>
     <p:extLst>
       <p:ext uri="{BB962C8B-B14F-4D97-AF65-F5344CB8AC3E}">
-        <p14:creationId xmlns:p14="http://schemas.microsoft.com/office/powerpoint/2010/main" val="455532679"/>
+        <p14:creationId xmlns:p14="http://schemas.microsoft.com/office/powerpoint/2010/main" val="741253136"/>
       </p:ext>
     </p:extLst>
   </p:cSld>
@@ -11101,6 +11604,443 @@
 </file>
 
 <file path=ppt/slides/slide28.xml><?xml version="1.0" encoding="utf-8"?>
+<p:sld xmlns:a="http://schemas.openxmlformats.org/drawingml/2006/main" xmlns:r="http://schemas.openxmlformats.org/officeDocument/2006/relationships" xmlns:p="http://schemas.openxmlformats.org/presentationml/2006/main">
+  <p:cSld>
+    <p:bg>
+      <p:bgPr>
+        <a:solidFill>
+          <a:schemeClr val="bg1"/>
+        </a:solidFill>
+        <a:effectLst/>
+      </p:bgPr>
+    </p:bg>
+    <p:spTree>
+      <p:nvGrpSpPr>
+        <p:cNvPr id="1" name=""/>
+        <p:cNvGrpSpPr/>
+        <p:nvPr/>
+      </p:nvGrpSpPr>
+      <p:grpSpPr>
+        <a:xfrm>
+          <a:off x="0" y="0"/>
+          <a:ext cx="0" cy="0"/>
+          <a:chOff x="0" y="0"/>
+          <a:chExt cx="0" cy="0"/>
+        </a:xfrm>
+      </p:grpSpPr>
+      <p:sp useBgFill="1">
+        <p:nvSpPr>
+          <p:cNvPr id="8" name="Rectangle 7">
+            <a:extLst>
+              <a:ext uri="{FF2B5EF4-FFF2-40B4-BE49-F238E27FC236}">
+                <a16:creationId xmlns:a16="http://schemas.microsoft.com/office/drawing/2014/main" id="{DAF1966E-FD40-4A4A-B61B-C4DF7FA05F06}"/>
+              </a:ext>
+              <a:ext uri="{C183D7F6-B498-43B3-948B-1728B52AA6E4}">
+                <adec:decorative xmlns:adec="http://schemas.microsoft.com/office/drawing/2017/decorative" val="1"/>
+              </a:ext>
+            </a:extLst>
+          </p:cNvPr>
+          <p:cNvSpPr>
+            <a:spLocks noGrp="1" noRot="1" noChangeAspect="1" noMove="1" noResize="1" noEditPoints="1" noAdjustHandles="1" noChangeArrowheads="1" noChangeShapeType="1" noTextEdit="1"/>
+          </p:cNvSpPr>
+          <p:nvPr>
+            <p:extLst>
+              <p:ext uri="{386F3935-93C4-4BCD-93E2-E3B085C9AB24}">
+                <p16:designElem xmlns:p16="http://schemas.microsoft.com/office/powerpoint/2015/main" val="1"/>
+              </p:ext>
+            </p:extLst>
+          </p:nvPr>
+        </p:nvSpPr>
+        <p:spPr>
+          <a:xfrm>
+            <a:off x="0" y="0"/>
+            <a:ext cx="12192000" cy="6858000"/>
+          </a:xfrm>
+          <a:prstGeom prst="rect">
+            <a:avLst/>
+          </a:prstGeom>
+          <a:ln>
+            <a:noFill/>
+          </a:ln>
+        </p:spPr>
+        <p:style>
+          <a:lnRef idx="2">
+            <a:schemeClr val="accent1">
+              <a:shade val="50000"/>
+            </a:schemeClr>
+          </a:lnRef>
+          <a:fillRef idx="1">
+            <a:schemeClr val="accent1"/>
+          </a:fillRef>
+          <a:effectRef idx="0">
+            <a:schemeClr val="accent1"/>
+          </a:effectRef>
+          <a:fontRef idx="minor">
+            <a:schemeClr val="lt1"/>
+          </a:fontRef>
+        </p:style>
+        <p:txBody>
+          <a:bodyPr rtlCol="0" anchor="ctr"/>
+          <a:lstStyle/>
+          <a:p>
+            <a:pPr algn="ctr"/>
+            <a:endParaRPr lang="en-US" dirty="0"/>
+          </a:p>
+        </p:txBody>
+      </p:sp>
+      <p:sp useBgFill="1">
+        <p:nvSpPr>
+          <p:cNvPr id="10" name="Rectangle 9">
+            <a:extLst>
+              <a:ext uri="{FF2B5EF4-FFF2-40B4-BE49-F238E27FC236}">
+                <a16:creationId xmlns:a16="http://schemas.microsoft.com/office/drawing/2014/main" id="{047BFA19-D45E-416B-A404-7AF2F3F27017}"/>
+              </a:ext>
+              <a:ext uri="{C183D7F6-B498-43B3-948B-1728B52AA6E4}">
+                <adec:decorative xmlns:adec="http://schemas.microsoft.com/office/drawing/2017/decorative" val="1"/>
+              </a:ext>
+            </a:extLst>
+          </p:cNvPr>
+          <p:cNvSpPr>
+            <a:spLocks noGrp="1" noRot="1" noChangeAspect="1" noMove="1" noResize="1" noEditPoints="1" noAdjustHandles="1" noChangeArrowheads="1" noChangeShapeType="1" noTextEdit="1"/>
+          </p:cNvSpPr>
+          <p:nvPr>
+            <p:extLst>
+              <p:ext uri="{386F3935-93C4-4BCD-93E2-E3B085C9AB24}">
+                <p16:designElem xmlns:p16="http://schemas.microsoft.com/office/powerpoint/2015/main" val="1"/>
+              </p:ext>
+            </p:extLst>
+          </p:nvPr>
+        </p:nvSpPr>
+        <p:spPr>
+          <a:xfrm>
+            <a:off x="558209" y="0"/>
+            <a:ext cx="11167447" cy="2018806"/>
+          </a:xfrm>
+          <a:prstGeom prst="rect">
+            <a:avLst/>
+          </a:prstGeom>
+          <a:ln w="9525">
+            <a:solidFill>
+              <a:srgbClr val="E1E1E1"/>
+            </a:solidFill>
+          </a:ln>
+          <a:effectLst>
+            <a:outerShdw blurRad="50800" dist="38100" dir="2700000" algn="tl" rotWithShape="0">
+              <a:schemeClr val="bg1">
+                <a:lumMod val="85000"/>
+                <a:alpha val="50000"/>
+              </a:schemeClr>
+            </a:outerShdw>
+          </a:effectLst>
+        </p:spPr>
+        <p:style>
+          <a:lnRef idx="2">
+            <a:schemeClr val="accent1">
+              <a:shade val="50000"/>
+            </a:schemeClr>
+          </a:lnRef>
+          <a:fillRef idx="1">
+            <a:schemeClr val="accent1"/>
+          </a:fillRef>
+          <a:effectRef idx="0">
+            <a:schemeClr val="accent1"/>
+          </a:effectRef>
+          <a:fontRef idx="minor">
+            <a:schemeClr val="lt1"/>
+          </a:fontRef>
+        </p:style>
+        <p:txBody>
+          <a:bodyPr rtlCol="0" anchor="ctr"/>
+          <a:lstStyle/>
+          <a:p>
+            <a:pPr marL="0" marR="0" lvl="0" indent="0" algn="ctr" defTabSz="914400" rtl="0" eaLnBrk="1" fontAlgn="auto" latinLnBrk="0" hangingPunct="1">
+              <a:lnSpc>
+                <a:spcPct val="100000"/>
+              </a:lnSpc>
+              <a:spcBef>
+                <a:spcPts val="0"/>
+              </a:spcBef>
+              <a:spcAft>
+                <a:spcPts val="0"/>
+              </a:spcAft>
+              <a:buClrTx/>
+              <a:buSzTx/>
+              <a:buFontTx/>
+              <a:buNone/>
+              <a:tabLst/>
+              <a:defRPr/>
+            </a:pPr>
+            <a:endParaRPr kumimoji="0" lang="en-US" sz="1800" b="0" i="0" u="none" strike="noStrike" kern="1200" cap="none" spc="0" normalizeH="0" baseline="0" noProof="0" dirty="0">
+              <a:ln>
+                <a:noFill/>
+              </a:ln>
+              <a:solidFill>
+                <a:prstClr val="white"/>
+              </a:solidFill>
+              <a:effectLst/>
+              <a:uLnTx/>
+              <a:uFillTx/>
+              <a:latin typeface="Calibri" panose="020F0502020204030204"/>
+              <a:ea typeface="+mn-ea"/>
+              <a:cs typeface="+mn-cs"/>
+            </a:endParaRPr>
+          </a:p>
+        </p:txBody>
+      </p:sp>
+      <p:sp useBgFill="1">
+        <p:nvSpPr>
+          <p:cNvPr id="12" name="Rectangle 11">
+            <a:extLst>
+              <a:ext uri="{FF2B5EF4-FFF2-40B4-BE49-F238E27FC236}">
+                <a16:creationId xmlns:a16="http://schemas.microsoft.com/office/drawing/2014/main" id="{8E0105E7-23DB-4CF2-8258-FF47C7620F6E}"/>
+              </a:ext>
+              <a:ext uri="{C183D7F6-B498-43B3-948B-1728B52AA6E4}">
+                <adec:decorative xmlns:adec="http://schemas.microsoft.com/office/drawing/2017/decorative" val="1"/>
+              </a:ext>
+            </a:extLst>
+          </p:cNvPr>
+          <p:cNvSpPr>
+            <a:spLocks noGrp="1" noRot="1" noChangeAspect="1" noMove="1" noResize="1" noEditPoints="1" noAdjustHandles="1" noChangeArrowheads="1" noChangeShapeType="1" noTextEdit="1"/>
+          </p:cNvSpPr>
+          <p:nvPr>
+            <p:extLst>
+              <p:ext uri="{386F3935-93C4-4BCD-93E2-E3B085C9AB24}">
+                <p16:designElem xmlns:p16="http://schemas.microsoft.com/office/powerpoint/2015/main" val="1"/>
+              </p:ext>
+            </p:extLst>
+          </p:nvPr>
+        </p:nvSpPr>
+        <p:spPr>
+          <a:xfrm>
+            <a:off x="566928" y="0"/>
+            <a:ext cx="11155680" cy="2011680"/>
+          </a:xfrm>
+          <a:prstGeom prst="rect">
+            <a:avLst/>
+          </a:prstGeom>
+          <a:ln w="9525">
+            <a:noFill/>
+          </a:ln>
+          <a:effectLst/>
+        </p:spPr>
+        <p:style>
+          <a:lnRef idx="2">
+            <a:schemeClr val="accent1">
+              <a:shade val="50000"/>
+            </a:schemeClr>
+          </a:lnRef>
+          <a:fillRef idx="1">
+            <a:schemeClr val="accent1"/>
+          </a:fillRef>
+          <a:effectRef idx="0">
+            <a:schemeClr val="accent1"/>
+          </a:effectRef>
+          <a:fontRef idx="minor">
+            <a:schemeClr val="lt1"/>
+          </a:fontRef>
+        </p:style>
+        <p:txBody>
+          <a:bodyPr rtlCol="0" anchor="ctr"/>
+          <a:lstStyle/>
+          <a:p>
+            <a:pPr marL="0" marR="0" lvl="0" indent="0" algn="ctr" defTabSz="914400" rtl="0" eaLnBrk="1" fontAlgn="auto" latinLnBrk="0" hangingPunct="1">
+              <a:lnSpc>
+                <a:spcPct val="100000"/>
+              </a:lnSpc>
+              <a:spcBef>
+                <a:spcPts val="0"/>
+              </a:spcBef>
+              <a:spcAft>
+                <a:spcPts val="0"/>
+              </a:spcAft>
+              <a:buClrTx/>
+              <a:buSzTx/>
+              <a:buFontTx/>
+              <a:buNone/>
+              <a:tabLst/>
+              <a:defRPr/>
+            </a:pPr>
+            <a:endParaRPr kumimoji="0" lang="en-US" sz="1800" b="0" i="0" u="none" strike="noStrike" kern="1200" cap="none" spc="0" normalizeH="0" baseline="0" noProof="0" dirty="0">
+              <a:ln>
+                <a:noFill/>
+              </a:ln>
+              <a:solidFill>
+                <a:prstClr val="white"/>
+              </a:solidFill>
+              <a:effectLst/>
+              <a:uLnTx/>
+              <a:uFillTx/>
+              <a:latin typeface="Calibri" panose="020F0502020204030204"/>
+              <a:ea typeface="+mn-ea"/>
+              <a:cs typeface="+mn-cs"/>
+            </a:endParaRPr>
+          </a:p>
+        </p:txBody>
+      </p:sp>
+      <p:sp>
+        <p:nvSpPr>
+          <p:cNvPr id="2" name="Title 1">
+            <a:extLst>
+              <a:ext uri="{FF2B5EF4-FFF2-40B4-BE49-F238E27FC236}">
+                <a16:creationId xmlns:a16="http://schemas.microsoft.com/office/drawing/2014/main" id="{82CF4B60-062A-25CD-E448-6C8255EEF9CC}"/>
+              </a:ext>
+            </a:extLst>
+          </p:cNvPr>
+          <p:cNvSpPr>
+            <a:spLocks noGrp="1"/>
+          </p:cNvSpPr>
+          <p:nvPr>
+            <p:ph type="title"/>
+          </p:nvPr>
+        </p:nvSpPr>
+        <p:spPr>
+          <a:xfrm>
+            <a:off x="1115568" y="548640"/>
+            <a:ext cx="10168128" cy="1179576"/>
+          </a:xfrm>
+        </p:spPr>
+        <p:txBody>
+          <a:bodyPr>
+            <a:normAutofit/>
+          </a:bodyPr>
+          <a:lstStyle/>
+          <a:p>
+            <a:r>
+              <a:rPr lang="en-US" sz="4800" dirty="0"/>
+              <a:t>Flowcharts</a:t>
+            </a:r>
+          </a:p>
+        </p:txBody>
+      </p:sp>
+      <p:sp>
+        <p:nvSpPr>
+          <p:cNvPr id="14" name="Rectangle 13">
+            <a:extLst>
+              <a:ext uri="{FF2B5EF4-FFF2-40B4-BE49-F238E27FC236}">
+                <a16:creationId xmlns:a16="http://schemas.microsoft.com/office/drawing/2014/main" id="{074B4F7D-14B2-478B-8BF5-01E4E0C5D263}"/>
+              </a:ext>
+              <a:ext uri="{C183D7F6-B498-43B3-948B-1728B52AA6E4}">
+                <adec:decorative xmlns:adec="http://schemas.microsoft.com/office/drawing/2017/decorative" val="1"/>
+              </a:ext>
+            </a:extLst>
+          </p:cNvPr>
+          <p:cNvSpPr>
+            <a:spLocks noGrp="1" noRot="1" noChangeAspect="1" noMove="1" noResize="1" noEditPoints="1" noAdjustHandles="1" noChangeArrowheads="1" noChangeShapeType="1" noTextEdit="1"/>
+          </p:cNvSpPr>
+          <p:nvPr>
+            <p:extLst>
+              <p:ext uri="{386F3935-93C4-4BCD-93E2-E3B085C9AB24}">
+                <p16:designElem xmlns:p16="http://schemas.microsoft.com/office/powerpoint/2015/main" val="1"/>
+              </p:ext>
+            </p:extLst>
+          </p:nvPr>
+        </p:nvSpPr>
+        <p:spPr>
+          <a:xfrm>
+            <a:off x="498834" y="758952"/>
+            <a:ext cx="128016" cy="704088"/>
+          </a:xfrm>
+          <a:prstGeom prst="rect">
+            <a:avLst/>
+          </a:prstGeom>
+          <a:solidFill>
+            <a:schemeClr val="accent2"/>
+          </a:solidFill>
+          <a:ln>
+            <a:noFill/>
+          </a:ln>
+        </p:spPr>
+        <p:style>
+          <a:lnRef idx="2">
+            <a:schemeClr val="accent1">
+              <a:shade val="50000"/>
+            </a:schemeClr>
+          </a:lnRef>
+          <a:fillRef idx="1">
+            <a:schemeClr val="accent1"/>
+          </a:fillRef>
+          <a:effectRef idx="0">
+            <a:schemeClr val="accent1"/>
+          </a:effectRef>
+          <a:fontRef idx="minor">
+            <a:schemeClr val="lt1"/>
+          </a:fontRef>
+        </p:style>
+        <p:txBody>
+          <a:bodyPr rtlCol="0" anchor="ctr"/>
+          <a:lstStyle/>
+          <a:p>
+            <a:pPr algn="ctr"/>
+            <a:endParaRPr lang="en-US" dirty="0">
+              <a:solidFill>
+                <a:prstClr val="white"/>
+              </a:solidFill>
+              <a:latin typeface="Calibri" panose="020F0502020204030204"/>
+            </a:endParaRPr>
+          </a:p>
+        </p:txBody>
+      </p:sp>
+      <p:sp>
+        <p:nvSpPr>
+          <p:cNvPr id="3" name="Content Placeholder 2">
+            <a:extLst>
+              <a:ext uri="{FF2B5EF4-FFF2-40B4-BE49-F238E27FC236}">
+                <a16:creationId xmlns:a16="http://schemas.microsoft.com/office/drawing/2014/main" id="{E43BD06B-906D-5C9C-E517-52B27F705E94}"/>
+              </a:ext>
+            </a:extLst>
+          </p:cNvPr>
+          <p:cNvSpPr>
+            <a:spLocks noGrp="1"/>
+          </p:cNvSpPr>
+          <p:nvPr>
+            <p:ph idx="1"/>
+          </p:nvPr>
+        </p:nvSpPr>
+        <p:spPr>
+          <a:xfrm>
+            <a:off x="1992884" y="2560320"/>
+            <a:ext cx="8206232" cy="3695020"/>
+          </a:xfrm>
+        </p:spPr>
+        <p:txBody>
+          <a:bodyPr>
+            <a:normAutofit/>
+          </a:bodyPr>
+          <a:lstStyle/>
+          <a:p>
+            <a:r>
+              <a:rPr lang="en-US" dirty="0"/>
+              <a:t>Visually represent a process or workflow in a step-by-step manner.</a:t>
+            </a:r>
+          </a:p>
+          <a:p>
+            <a:r>
+              <a:rPr lang="en-US" dirty="0"/>
+              <a:t>Each step is represented by blocks or ovals and connected by lines or arrows.</a:t>
+            </a:r>
+          </a:p>
+          <a:p>
+            <a:r>
+              <a:rPr lang="en-US" dirty="0"/>
+              <a:t>Can be used to brainstorm and design how you will create your code</a:t>
+            </a:r>
+          </a:p>
+        </p:txBody>
+      </p:sp>
+    </p:spTree>
+    <p:extLst>
+      <p:ext uri="{BB962C8B-B14F-4D97-AF65-F5344CB8AC3E}">
+        <p14:creationId xmlns:p14="http://schemas.microsoft.com/office/powerpoint/2010/main" val="1778705112"/>
+      </p:ext>
+    </p:extLst>
+  </p:cSld>
+  <p:clrMapOvr>
+    <a:masterClrMapping/>
+  </p:clrMapOvr>
+</p:sld>
+</file>
+
+<file path=ppt/slides/slide29.xml><?xml version="1.0" encoding="utf-8"?>
 <p:sld xmlns:a="http://schemas.openxmlformats.org/drawingml/2006/main" xmlns:r="http://schemas.openxmlformats.org/officeDocument/2006/relationships" xmlns:p="http://schemas.openxmlformats.org/presentationml/2006/main">
   <p:cSld>
     <p:bg>
@@ -11452,20 +12392,14 @@
             </a:pPr>
             <a:r>
               <a:rPr lang="en-US" sz="3600" dirty="0"/>
-              <a:t>Decision</a:t>
+              <a:t>Start / Terminator</a:t>
             </a:r>
           </a:p>
           <a:p>
             <a:pPr marL="0" indent="0">
               <a:buNone/>
             </a:pPr>
-            <a:endParaRPr lang="en-US" b="0" i="0" dirty="0">
-              <a:solidFill>
-                <a:srgbClr val="000000"/>
-              </a:solidFill>
-              <a:effectLst/>
-              <a:latin typeface="Poppins" panose="00000500000000000000" pitchFamily="2" charset="0"/>
-            </a:endParaRPr>
+            <a:endParaRPr lang="en-US" dirty="0"/>
           </a:p>
           <a:p>
             <a:pPr marL="0" indent="0">
@@ -11477,20 +12411,29 @@
                   <a:srgbClr val="000000"/>
                 </a:solidFill>
                 <a:effectLst/>
-                <a:latin typeface="Poppins" panose="00000500000000000000" pitchFamily="2" charset="0"/>
+                <a:latin typeface="Poppins" panose="020B0502040204020203" pitchFamily="2" charset="0"/>
               </a:rPr>
-              <a:t>It indicates a point where the outcome of a decision dictates the next step. There can be various outcomes, but usually there are just two - yes and no</a:t>
-            </a:r>
+              <a:t>Use this shape for the beginning or ending step of your process</a:t>
+            </a:r>
+            <a:endParaRPr lang="en-US" dirty="0"/>
+          </a:p>
+          <a:p>
+            <a:pPr marL="0" indent="0">
+              <a:buNone/>
+            </a:pPr>
+            <a:endParaRPr lang="en-US" dirty="0"/>
+          </a:p>
+          <a:p>
             <a:endParaRPr lang="en-US" dirty="0"/>
           </a:p>
         </p:txBody>
       </p:sp>
       <p:pic>
         <p:nvPicPr>
-          <p:cNvPr id="5122" name="Picture 2" descr="Decision">
-            <a:extLst>
-              <a:ext uri="{FF2B5EF4-FFF2-40B4-BE49-F238E27FC236}">
-                <a16:creationId xmlns:a16="http://schemas.microsoft.com/office/drawing/2014/main" id="{D7DE6D08-B92E-56C9-61B0-2FAA3A534C20}"/>
+          <p:cNvPr id="3076" name="Picture 4" descr="Start or Terminator">
+            <a:extLst>
+              <a:ext uri="{FF2B5EF4-FFF2-40B4-BE49-F238E27FC236}">
+                <a16:creationId xmlns:a16="http://schemas.microsoft.com/office/drawing/2014/main" id="{812A3581-5A2C-0B7A-C6F7-9A61A7B457D0}"/>
               </a:ext>
             </a:extLst>
           </p:cNvPr>
@@ -11514,8 +12457,8 @@
         </p:blipFill>
         <p:spPr bwMode="auto">
           <a:xfrm>
-            <a:off x="7007477" y="769441"/>
-            <a:ext cx="1742823" cy="1095489"/>
+            <a:off x="7227613" y="1312082"/>
+            <a:ext cx="1345880" cy="438150"/>
           </a:xfrm>
           <a:prstGeom prst="rect">
             <a:avLst/>
@@ -11535,452 +12478,7 @@
     </p:spTree>
     <p:extLst>
       <p:ext uri="{BB962C8B-B14F-4D97-AF65-F5344CB8AC3E}">
-        <p14:creationId xmlns:p14="http://schemas.microsoft.com/office/powerpoint/2010/main" val="3008013547"/>
-      </p:ext>
-    </p:extLst>
-  </p:cSld>
-  <p:clrMapOvr>
-    <a:masterClrMapping/>
-  </p:clrMapOvr>
-</p:sld>
-</file>
-
-<file path=ppt/slides/slide29.xml><?xml version="1.0" encoding="utf-8"?>
-<p:sld xmlns:a="http://schemas.openxmlformats.org/drawingml/2006/main" xmlns:r="http://schemas.openxmlformats.org/officeDocument/2006/relationships" xmlns:p="http://schemas.openxmlformats.org/presentationml/2006/main">
-  <p:cSld>
-    <p:bg>
-      <p:bgPr>
-        <a:solidFill>
-          <a:schemeClr val="bg1"/>
-        </a:solidFill>
-        <a:effectLst/>
-      </p:bgPr>
-    </p:bg>
-    <p:spTree>
-      <p:nvGrpSpPr>
-        <p:cNvPr id="1" name=""/>
-        <p:cNvGrpSpPr/>
-        <p:nvPr/>
-      </p:nvGrpSpPr>
-      <p:grpSpPr>
-        <a:xfrm>
-          <a:off x="0" y="0"/>
-          <a:ext cx="0" cy="0"/>
-          <a:chOff x="0" y="0"/>
-          <a:chExt cx="0" cy="0"/>
-        </a:xfrm>
-      </p:grpSpPr>
-      <p:sp useBgFill="1">
-        <p:nvSpPr>
-          <p:cNvPr id="8" name="Rectangle 7">
-            <a:extLst>
-              <a:ext uri="{FF2B5EF4-FFF2-40B4-BE49-F238E27FC236}">
-                <a16:creationId xmlns:a16="http://schemas.microsoft.com/office/drawing/2014/main" id="{907EF6B7-1338-4443-8C46-6A318D952DFD}"/>
-              </a:ext>
-              <a:ext uri="{C183D7F6-B498-43B3-948B-1728B52AA6E4}">
-                <adec:decorative xmlns:adec="http://schemas.microsoft.com/office/drawing/2017/decorative" val="1"/>
-              </a:ext>
-            </a:extLst>
-          </p:cNvPr>
-          <p:cNvSpPr>
-            <a:spLocks noGrp="1" noRot="1" noChangeAspect="1" noMove="1" noResize="1" noEditPoints="1" noAdjustHandles="1" noChangeArrowheads="1" noChangeShapeType="1" noTextEdit="1"/>
-          </p:cNvSpPr>
-          <p:nvPr>
-            <p:extLst>
-              <p:ext uri="{386F3935-93C4-4BCD-93E2-E3B085C9AB24}">
-                <p16:designElem xmlns:p16="http://schemas.microsoft.com/office/powerpoint/2015/main" val="1"/>
-              </p:ext>
-            </p:extLst>
-          </p:nvPr>
-        </p:nvSpPr>
-        <p:spPr>
-          <a:xfrm>
-            <a:off x="3048" y="0"/>
-            <a:ext cx="12188952" cy="6858000"/>
-          </a:xfrm>
-          <a:prstGeom prst="rect">
-            <a:avLst/>
-          </a:prstGeom>
-          <a:ln>
-            <a:noFill/>
-          </a:ln>
-        </p:spPr>
-        <p:style>
-          <a:lnRef idx="2">
-            <a:schemeClr val="accent1">
-              <a:shade val="50000"/>
-            </a:schemeClr>
-          </a:lnRef>
-          <a:fillRef idx="1">
-            <a:schemeClr val="accent1"/>
-          </a:fillRef>
-          <a:effectRef idx="0">
-            <a:schemeClr val="accent1"/>
-          </a:effectRef>
-          <a:fontRef idx="minor">
-            <a:schemeClr val="lt1"/>
-          </a:fontRef>
-        </p:style>
-        <p:txBody>
-          <a:bodyPr rtlCol="0" anchor="ctr"/>
-          <a:lstStyle/>
-          <a:p>
-            <a:pPr algn="ctr"/>
-            <a:endParaRPr lang="en-US" dirty="0"/>
-          </a:p>
-        </p:txBody>
-      </p:sp>
-      <p:sp>
-        <p:nvSpPr>
-          <p:cNvPr id="10" name="Freeform: Shape 9">
-            <a:extLst>
-              <a:ext uri="{FF2B5EF4-FFF2-40B4-BE49-F238E27FC236}">
-                <a16:creationId xmlns:a16="http://schemas.microsoft.com/office/drawing/2014/main" id="{DAAE4CDD-124C-4DCF-9584-B6033B545DD5}"/>
-              </a:ext>
-              <a:ext uri="{C183D7F6-B498-43B3-948B-1728B52AA6E4}">
-                <adec:decorative xmlns:adec="http://schemas.microsoft.com/office/drawing/2017/decorative" val="1"/>
-              </a:ext>
-            </a:extLst>
-          </p:cNvPr>
-          <p:cNvSpPr>
-            <a:spLocks noGrp="1" noRot="1" noChangeAspect="1" noMove="1" noResize="1" noEditPoints="1" noAdjustHandles="1" noChangeArrowheads="1" noChangeShapeType="1" noTextEdit="1"/>
-          </p:cNvSpPr>
-          <p:nvPr>
-            <p:extLst>
-              <p:ext uri="{386F3935-93C4-4BCD-93E2-E3B085C9AB24}">
-                <p16:designElem xmlns:p16="http://schemas.microsoft.com/office/powerpoint/2015/main" val="1"/>
-              </p:ext>
-            </p:extLst>
-          </p:nvPr>
-        </p:nvSpPr>
-        <p:spPr>
-          <a:xfrm>
-            <a:off x="1" y="0"/>
-            <a:ext cx="4167271" cy="6858000"/>
-          </a:xfrm>
-          <a:custGeom>
-            <a:avLst/>
-            <a:gdLst>
-              <a:gd name="connsiteX0" fmla="*/ 0 w 4167271"/>
-              <a:gd name="connsiteY0" fmla="*/ 0 h 6858000"/>
-              <a:gd name="connsiteX1" fmla="*/ 2259550 w 4167271"/>
-              <a:gd name="connsiteY1" fmla="*/ 0 h 6858000"/>
-              <a:gd name="connsiteX2" fmla="*/ 2387803 w 4167271"/>
-              <a:gd name="connsiteY2" fmla="*/ 82222 h 6858000"/>
-              <a:gd name="connsiteX3" fmla="*/ 4167271 w 4167271"/>
-              <a:gd name="connsiteY3" fmla="*/ 3429000 h 6858000"/>
-              <a:gd name="connsiteX4" fmla="*/ 2387803 w 4167271"/>
-              <a:gd name="connsiteY4" fmla="*/ 6775779 h 6858000"/>
-              <a:gd name="connsiteX5" fmla="*/ 2259550 w 4167271"/>
-              <a:gd name="connsiteY5" fmla="*/ 6858000 h 6858000"/>
-              <a:gd name="connsiteX6" fmla="*/ 0 w 4167271"/>
-              <a:gd name="connsiteY6" fmla="*/ 6858000 h 6858000"/>
-            </a:gdLst>
-            <a:ahLst/>
-            <a:cxnLst>
-              <a:cxn ang="0">
-                <a:pos x="connsiteX0" y="connsiteY0"/>
-              </a:cxn>
-              <a:cxn ang="0">
-                <a:pos x="connsiteX1" y="connsiteY1"/>
-              </a:cxn>
-              <a:cxn ang="0">
-                <a:pos x="connsiteX2" y="connsiteY2"/>
-              </a:cxn>
-              <a:cxn ang="0">
-                <a:pos x="connsiteX3" y="connsiteY3"/>
-              </a:cxn>
-              <a:cxn ang="0">
-                <a:pos x="connsiteX4" y="connsiteY4"/>
-              </a:cxn>
-              <a:cxn ang="0">
-                <a:pos x="connsiteX5" y="connsiteY5"/>
-              </a:cxn>
-              <a:cxn ang="0">
-                <a:pos x="connsiteX6" y="connsiteY6"/>
-              </a:cxn>
-            </a:cxnLst>
-            <a:rect l="l" t="t" r="r" b="b"/>
-            <a:pathLst>
-              <a:path w="4167271" h="6858000">
-                <a:moveTo>
-                  <a:pt x="0" y="0"/>
-                </a:moveTo>
-                <a:lnTo>
-                  <a:pt x="2259550" y="0"/>
-                </a:lnTo>
-                <a:lnTo>
-                  <a:pt x="2387803" y="82222"/>
-                </a:lnTo>
-                <a:cubicBezTo>
-                  <a:pt x="3461407" y="807534"/>
-                  <a:pt x="4167271" y="2035835"/>
-                  <a:pt x="4167271" y="3429000"/>
-                </a:cubicBezTo>
-                <a:cubicBezTo>
-                  <a:pt x="4167271" y="4822165"/>
-                  <a:pt x="3461407" y="6050467"/>
-                  <a:pt x="2387803" y="6775779"/>
-                </a:cubicBezTo>
-                <a:lnTo>
-                  <a:pt x="2259550" y="6858000"/>
-                </a:lnTo>
-                <a:lnTo>
-                  <a:pt x="0" y="6858000"/>
-                </a:lnTo>
-                <a:close/>
-              </a:path>
-            </a:pathLst>
-          </a:custGeom>
-          <a:solidFill>
-            <a:schemeClr val="accent2"/>
-          </a:solidFill>
-          <a:ln>
-            <a:noFill/>
-          </a:ln>
-        </p:spPr>
-        <p:style>
-          <a:lnRef idx="2">
-            <a:schemeClr val="accent1">
-              <a:shade val="50000"/>
-            </a:schemeClr>
-          </a:lnRef>
-          <a:fillRef idx="1">
-            <a:schemeClr val="accent1"/>
-          </a:fillRef>
-          <a:effectRef idx="0">
-            <a:schemeClr val="accent1"/>
-          </a:effectRef>
-          <a:fontRef idx="minor">
-            <a:schemeClr val="lt1"/>
-          </a:fontRef>
-        </p:style>
-        <p:txBody>
-          <a:bodyPr rtlCol="0" anchor="ctr"/>
-          <a:lstStyle/>
-          <a:p>
-            <a:pPr algn="ctr"/>
-            <a:endParaRPr lang="en-US" dirty="0"/>
-          </a:p>
-        </p:txBody>
-      </p:sp>
-      <p:sp>
-        <p:nvSpPr>
-          <p:cNvPr id="2" name="Title 1">
-            <a:extLst>
-              <a:ext uri="{FF2B5EF4-FFF2-40B4-BE49-F238E27FC236}">
-                <a16:creationId xmlns:a16="http://schemas.microsoft.com/office/drawing/2014/main" id="{604CD088-9924-FDF8-32EA-64AD14C5DE41}"/>
-              </a:ext>
-            </a:extLst>
-          </p:cNvPr>
-          <p:cNvSpPr>
-            <a:spLocks noGrp="1"/>
-          </p:cNvSpPr>
-          <p:nvPr>
-            <p:ph type="title"/>
-          </p:nvPr>
-        </p:nvSpPr>
-        <p:spPr>
-          <a:xfrm>
-            <a:off x="686834" y="1153572"/>
-            <a:ext cx="3200400" cy="4461163"/>
-          </a:xfrm>
-        </p:spPr>
-        <p:txBody>
-          <a:bodyPr>
-            <a:normAutofit/>
-          </a:bodyPr>
-          <a:lstStyle/>
-          <a:p>
-            <a:r>
-              <a:rPr lang="en-US" dirty="0">
-                <a:solidFill>
-                  <a:srgbClr val="FFFFFF"/>
-                </a:solidFill>
-              </a:rPr>
-              <a:t>Flowcharts</a:t>
-            </a:r>
-          </a:p>
-        </p:txBody>
-      </p:sp>
-      <p:sp>
-        <p:nvSpPr>
-          <p:cNvPr id="12" name="Arc 11">
-            <a:extLst>
-              <a:ext uri="{FF2B5EF4-FFF2-40B4-BE49-F238E27FC236}">
-                <a16:creationId xmlns:a16="http://schemas.microsoft.com/office/drawing/2014/main" id="{081E4A58-353D-44AE-B2FC-2A74E2E400F7}"/>
-              </a:ext>
-              <a:ext uri="{C183D7F6-B498-43B3-948B-1728B52AA6E4}">
-                <adec:decorative xmlns:adec="http://schemas.microsoft.com/office/drawing/2017/decorative" val="1"/>
-              </a:ext>
-            </a:extLst>
-          </p:cNvPr>
-          <p:cNvSpPr>
-            <a:spLocks noGrp="1" noRot="1" noChangeAspect="1" noMove="1" noResize="1" noEditPoints="1" noAdjustHandles="1" noChangeArrowheads="1" noChangeShapeType="1" noTextEdit="1"/>
-          </p:cNvSpPr>
-          <p:nvPr>
-            <p:extLst>
-              <p:ext uri="{386F3935-93C4-4BCD-93E2-E3B085C9AB24}">
-                <p16:designElem xmlns:p16="http://schemas.microsoft.com/office/powerpoint/2015/main" val="1"/>
-              </p:ext>
-            </p:extLst>
-          </p:nvPr>
-        </p:nvSpPr>
-        <p:spPr>
-          <a:xfrm flipV="1">
-            <a:off x="7550402" y="2455479"/>
-            <a:ext cx="4083433" cy="4083433"/>
-          </a:xfrm>
-          <a:prstGeom prst="arc">
-            <a:avLst/>
-          </a:prstGeom>
-          <a:ln w="127000" cap="rnd">
-            <a:solidFill>
-              <a:schemeClr val="accent4"/>
-            </a:solidFill>
-            <a:prstDash val="dash"/>
-          </a:ln>
-        </p:spPr>
-        <p:style>
-          <a:lnRef idx="1">
-            <a:schemeClr val="accent1"/>
-          </a:lnRef>
-          <a:fillRef idx="0">
-            <a:schemeClr val="accent1"/>
-          </a:fillRef>
-          <a:effectRef idx="0">
-            <a:schemeClr val="accent1"/>
-          </a:effectRef>
-          <a:fontRef idx="minor">
-            <a:schemeClr val="tx1"/>
-          </a:fontRef>
-        </p:style>
-        <p:txBody>
-          <a:bodyPr rtlCol="0" anchor="ctr"/>
-          <a:lstStyle/>
-          <a:p>
-            <a:pPr algn="ctr"/>
-            <a:endParaRPr lang="en-US" dirty="0"/>
-          </a:p>
-        </p:txBody>
-      </p:sp>
-      <p:sp>
-        <p:nvSpPr>
-          <p:cNvPr id="3" name="Content Placeholder 2">
-            <a:extLst>
-              <a:ext uri="{FF2B5EF4-FFF2-40B4-BE49-F238E27FC236}">
-                <a16:creationId xmlns:a16="http://schemas.microsoft.com/office/drawing/2014/main" id="{506ECF03-3832-CE61-45EB-6C148D597A92}"/>
-              </a:ext>
-            </a:extLst>
-          </p:cNvPr>
-          <p:cNvSpPr>
-            <a:spLocks noGrp="1"/>
-          </p:cNvSpPr>
-          <p:nvPr>
-            <p:ph idx="1"/>
-          </p:nvPr>
-        </p:nvSpPr>
-        <p:spPr>
-          <a:xfrm>
-            <a:off x="4447308" y="591344"/>
-            <a:ext cx="6906491" cy="5585619"/>
-          </a:xfrm>
-        </p:spPr>
-        <p:txBody>
-          <a:bodyPr anchor="ctr">
-            <a:normAutofit/>
-          </a:bodyPr>
-          <a:lstStyle/>
-          <a:p>
-            <a:pPr marL="0" indent="0" algn="ctr">
-              <a:buNone/>
-            </a:pPr>
-            <a:r>
-              <a:rPr lang="en-US" sz="3600" dirty="0"/>
-              <a:t>Input / Output</a:t>
-            </a:r>
-          </a:p>
-          <a:p>
-            <a:pPr marL="0" indent="0">
-              <a:buNone/>
-            </a:pPr>
-            <a:endParaRPr lang="en-US" b="0" i="0" dirty="0">
-              <a:solidFill>
-                <a:srgbClr val="000000"/>
-              </a:solidFill>
-              <a:effectLst/>
-              <a:latin typeface="Poppins" panose="00000500000000000000" pitchFamily="2" charset="0"/>
-            </a:endParaRPr>
-          </a:p>
-          <a:p>
-            <a:pPr marL="0" indent="0">
-              <a:buNone/>
-            </a:pPr>
-            <a:r>
-              <a:rPr lang="en-US" b="0" i="0" dirty="0">
-                <a:solidFill>
-                  <a:srgbClr val="000000"/>
-                </a:solidFill>
-                <a:effectLst/>
-                <a:latin typeface="Poppins" panose="00000500000000000000" pitchFamily="2" charset="0"/>
-              </a:rPr>
-              <a:t>This shape shows that information is coming into the process from outside, or leaving the process</a:t>
-            </a:r>
-            <a:endParaRPr lang="en-US" dirty="0"/>
-          </a:p>
-        </p:txBody>
-      </p:sp>
-      <p:pic>
-        <p:nvPicPr>
-          <p:cNvPr id="6146" name="Picture 2" descr="Data">
-            <a:extLst>
-              <a:ext uri="{FF2B5EF4-FFF2-40B4-BE49-F238E27FC236}">
-                <a16:creationId xmlns:a16="http://schemas.microsoft.com/office/drawing/2014/main" id="{FF76D30B-004D-331E-0DE9-D9E1411CC8B6}"/>
-              </a:ext>
-            </a:extLst>
-          </p:cNvPr>
-          <p:cNvPicPr>
-            <a:picLocks noChangeAspect="1" noChangeArrowheads="1"/>
-          </p:cNvPicPr>
-          <p:nvPr/>
-        </p:nvPicPr>
-        <p:blipFill>
-          <a:blip r:embed="rId2">
-            <a:extLst>
-              <a:ext uri="{28A0092B-C50C-407E-A947-70E740481C1C}">
-                <a14:useLocalDpi xmlns:a14="http://schemas.microsoft.com/office/drawing/2010/main" val="0"/>
-              </a:ext>
-            </a:extLst>
-          </a:blip>
-          <a:srcRect/>
-          <a:stretch>
-            <a:fillRect/>
-          </a:stretch>
-        </p:blipFill>
-        <p:spPr bwMode="auto">
-          <a:xfrm>
-            <a:off x="6873858" y="750599"/>
-            <a:ext cx="2053390" cy="1034415"/>
-          </a:xfrm>
-          <a:prstGeom prst="rect">
-            <a:avLst/>
-          </a:prstGeom>
-          <a:noFill/>
-          <a:extLst>
-            <a:ext uri="{909E8E84-426E-40DD-AFC4-6F175D3DCCD1}">
-              <a14:hiddenFill xmlns:a14="http://schemas.microsoft.com/office/drawing/2010/main">
-                <a:solidFill>
-                  <a:srgbClr val="FFFFFF"/>
-                </a:solidFill>
-              </a14:hiddenFill>
-            </a:ext>
-          </a:extLst>
-        </p:spPr>
-      </p:pic>
-    </p:spTree>
-    <p:extLst>
-      <p:ext uri="{BB962C8B-B14F-4D97-AF65-F5344CB8AC3E}">
-        <p14:creationId xmlns:p14="http://schemas.microsoft.com/office/powerpoint/2010/main" val="2131350616"/>
+        <p14:creationId xmlns:p14="http://schemas.microsoft.com/office/powerpoint/2010/main" val="2404508881"/>
       </p:ext>
     </p:extLst>
   </p:cSld>
@@ -12399,21 +12897,82 @@
           </a:p>
         </p:txBody>
       </p:sp>
+      <p:sp>
+        <p:nvSpPr>
+          <p:cNvPr id="3" name="Content Placeholder 2">
+            <a:extLst>
+              <a:ext uri="{FF2B5EF4-FFF2-40B4-BE49-F238E27FC236}">
+                <a16:creationId xmlns:a16="http://schemas.microsoft.com/office/drawing/2014/main" id="{506ECF03-3832-CE61-45EB-6C148D597A92}"/>
+              </a:ext>
+            </a:extLst>
+          </p:cNvPr>
+          <p:cNvSpPr>
+            <a:spLocks noGrp="1"/>
+          </p:cNvSpPr>
+          <p:nvPr>
+            <p:ph idx="1"/>
+          </p:nvPr>
+        </p:nvSpPr>
+        <p:spPr>
+          <a:xfrm>
+            <a:off x="4447308" y="591344"/>
+            <a:ext cx="6906491" cy="5585619"/>
+          </a:xfrm>
+        </p:spPr>
+        <p:txBody>
+          <a:bodyPr anchor="ctr">
+            <a:normAutofit/>
+          </a:bodyPr>
+          <a:lstStyle/>
+          <a:p>
+            <a:pPr marL="0" indent="0" algn="ctr">
+              <a:buNone/>
+            </a:pPr>
+            <a:r>
+              <a:rPr lang="en-US" sz="3600" dirty="0"/>
+              <a:t>Process</a:t>
+            </a:r>
+          </a:p>
+          <a:p>
+            <a:pPr marL="0" indent="0">
+              <a:buNone/>
+            </a:pPr>
+            <a:endParaRPr lang="en-US" dirty="0"/>
+          </a:p>
+          <a:p>
+            <a:pPr marL="0" indent="0">
+              <a:buNone/>
+            </a:pPr>
+            <a:r>
+              <a:rPr lang="en-US" b="0" i="0" dirty="0">
+                <a:solidFill>
+                  <a:srgbClr val="000000"/>
+                </a:solidFill>
+                <a:effectLst/>
+                <a:latin typeface="Poppins" panose="00000500000000000000" pitchFamily="2" charset="0"/>
+              </a:rPr>
+              <a:t>This shape stands for a step in your process</a:t>
+            </a:r>
+            <a:endParaRPr lang="en-US" dirty="0"/>
+          </a:p>
+          <a:p>
+            <a:endParaRPr lang="en-US" dirty="0"/>
+          </a:p>
+        </p:txBody>
+      </p:sp>
       <p:pic>
         <p:nvPicPr>
-          <p:cNvPr id="6" name="Content Placeholder 5">
-            <a:extLst>
-              <a:ext uri="{FF2B5EF4-FFF2-40B4-BE49-F238E27FC236}">
-                <a16:creationId xmlns:a16="http://schemas.microsoft.com/office/drawing/2014/main" id="{3EA4DEAF-F6F9-B3E9-FD0D-B9AD35D138B4}"/>
+          <p:cNvPr id="4098" name="Picture 2" descr="Process">
+            <a:extLst>
+              <a:ext uri="{FF2B5EF4-FFF2-40B4-BE49-F238E27FC236}">
+                <a16:creationId xmlns:a16="http://schemas.microsoft.com/office/drawing/2014/main" id="{3681DCA6-C424-AFC7-120E-04FF383E712D}"/>
               </a:ext>
             </a:extLst>
           </p:cNvPr>
           <p:cNvPicPr>
-            <a:picLocks noGrp="1" noChangeAspect="1"/>
+            <a:picLocks noChangeAspect="1" noChangeArrowheads="1"/>
           </p:cNvPicPr>
-          <p:nvPr>
-            <p:ph idx="1"/>
-          </p:nvPr>
+          <p:nvPr/>
         </p:nvPicPr>
         <p:blipFill>
           <a:blip r:embed="rId2">
@@ -12423,21 +12982,35 @@
               </a:ext>
             </a:extLst>
           </a:blip>
+          <a:srcRect/>
           <a:stretch>
             <a:fillRect/>
           </a:stretch>
         </p:blipFill>
-        <p:spPr>
+        <p:spPr bwMode="auto">
           <a:xfrm>
-            <a:off x="6096000" y="269540"/>
-            <a:ext cx="1344474" cy="5900135"/>
-          </a:xfrm>
+            <a:off x="7036994" y="926310"/>
+            <a:ext cx="1727117" cy="1113748"/>
+          </a:xfrm>
+          <a:prstGeom prst="rect">
+            <a:avLst/>
+          </a:prstGeom>
+          <a:noFill/>
+          <a:extLst>
+            <a:ext uri="{909E8E84-426E-40DD-AFC4-6F175D3DCCD1}">
+              <a14:hiddenFill xmlns:a14="http://schemas.microsoft.com/office/drawing/2010/main">
+                <a:solidFill>
+                  <a:srgbClr val="FFFFFF"/>
+                </a:solidFill>
+              </a14:hiddenFill>
+            </a:ext>
+          </a:extLst>
         </p:spPr>
       </p:pic>
     </p:spTree>
     <p:extLst>
       <p:ext uri="{BB962C8B-B14F-4D97-AF65-F5344CB8AC3E}">
-        <p14:creationId xmlns:p14="http://schemas.microsoft.com/office/powerpoint/2010/main" val="1779534481"/>
+        <p14:creationId xmlns:p14="http://schemas.microsoft.com/office/powerpoint/2010/main" val="455532679"/>
       </p:ext>
     </p:extLst>
   </p:cSld>
@@ -12766,21 +13339,85 @@
           </a:p>
         </p:txBody>
       </p:sp>
+      <p:sp>
+        <p:nvSpPr>
+          <p:cNvPr id="3" name="Content Placeholder 2">
+            <a:extLst>
+              <a:ext uri="{FF2B5EF4-FFF2-40B4-BE49-F238E27FC236}">
+                <a16:creationId xmlns:a16="http://schemas.microsoft.com/office/drawing/2014/main" id="{506ECF03-3832-CE61-45EB-6C148D597A92}"/>
+              </a:ext>
+            </a:extLst>
+          </p:cNvPr>
+          <p:cNvSpPr>
+            <a:spLocks noGrp="1"/>
+          </p:cNvSpPr>
+          <p:nvPr>
+            <p:ph idx="1"/>
+          </p:nvPr>
+        </p:nvSpPr>
+        <p:spPr>
+          <a:xfrm>
+            <a:off x="4447308" y="591344"/>
+            <a:ext cx="6906491" cy="5585619"/>
+          </a:xfrm>
+        </p:spPr>
+        <p:txBody>
+          <a:bodyPr anchor="ctr">
+            <a:normAutofit/>
+          </a:bodyPr>
+          <a:lstStyle/>
+          <a:p>
+            <a:pPr marL="0" indent="0" algn="ctr">
+              <a:buNone/>
+            </a:pPr>
+            <a:r>
+              <a:rPr lang="en-US" sz="3600" dirty="0"/>
+              <a:t>Decision</a:t>
+            </a:r>
+          </a:p>
+          <a:p>
+            <a:pPr marL="0" indent="0">
+              <a:buNone/>
+            </a:pPr>
+            <a:endParaRPr lang="en-US" b="0" i="0" dirty="0">
+              <a:solidFill>
+                <a:srgbClr val="000000"/>
+              </a:solidFill>
+              <a:effectLst/>
+              <a:latin typeface="Poppins" panose="00000500000000000000" pitchFamily="2" charset="0"/>
+            </a:endParaRPr>
+          </a:p>
+          <a:p>
+            <a:pPr marL="0" indent="0">
+              <a:buNone/>
+            </a:pPr>
+            <a:r>
+              <a:rPr lang="en-US" b="0" i="0" dirty="0">
+                <a:solidFill>
+                  <a:srgbClr val="000000"/>
+                </a:solidFill>
+                <a:effectLst/>
+                <a:latin typeface="Poppins" panose="00000500000000000000" pitchFamily="2" charset="0"/>
+              </a:rPr>
+              <a:t>It indicates a point where the outcome of a decision dictates the next step. There can be various outcomes, but usually there are just two - yes and no</a:t>
+            </a:r>
+            <a:endParaRPr lang="en-US" dirty="0"/>
+          </a:p>
+        </p:txBody>
+      </p:sp>
       <p:pic>
         <p:nvPicPr>
-          <p:cNvPr id="7" name="Content Placeholder 6">
-            <a:extLst>
-              <a:ext uri="{FF2B5EF4-FFF2-40B4-BE49-F238E27FC236}">
-                <a16:creationId xmlns:a16="http://schemas.microsoft.com/office/drawing/2014/main" id="{CF2BCC47-5B97-BCC9-3179-03AA404E4CF9}"/>
+          <p:cNvPr id="5122" name="Picture 2" descr="Decision">
+            <a:extLst>
+              <a:ext uri="{FF2B5EF4-FFF2-40B4-BE49-F238E27FC236}">
+                <a16:creationId xmlns:a16="http://schemas.microsoft.com/office/drawing/2014/main" id="{D7DE6D08-B92E-56C9-61B0-2FAA3A534C20}"/>
               </a:ext>
             </a:extLst>
           </p:cNvPr>
           <p:cNvPicPr>
-            <a:picLocks noGrp="1" noChangeAspect="1"/>
+            <a:picLocks noChangeAspect="1" noChangeArrowheads="1"/>
           </p:cNvPicPr>
-          <p:nvPr>
-            <p:ph idx="1"/>
-          </p:nvPr>
+          <p:nvPr/>
         </p:nvPicPr>
         <p:blipFill>
           <a:blip r:embed="rId2">
@@ -12790,21 +13427,35 @@
               </a:ext>
             </a:extLst>
           </a:blip>
+          <a:srcRect/>
           <a:stretch>
             <a:fillRect/>
           </a:stretch>
         </p:blipFill>
-        <p:spPr>
+        <p:spPr bwMode="auto">
           <a:xfrm>
-            <a:off x="4761358" y="585516"/>
-            <a:ext cx="4087054" cy="5686968"/>
-          </a:xfrm>
+            <a:off x="7007477" y="769441"/>
+            <a:ext cx="1742823" cy="1095489"/>
+          </a:xfrm>
+          <a:prstGeom prst="rect">
+            <a:avLst/>
+          </a:prstGeom>
+          <a:noFill/>
+          <a:extLst>
+            <a:ext uri="{909E8E84-426E-40DD-AFC4-6F175D3DCCD1}">
+              <a14:hiddenFill xmlns:a14="http://schemas.microsoft.com/office/drawing/2010/main">
+                <a:solidFill>
+                  <a:srgbClr val="FFFFFF"/>
+                </a:solidFill>
+              </a14:hiddenFill>
+            </a:ext>
+          </a:extLst>
         </p:spPr>
       </p:pic>
     </p:spTree>
     <p:extLst>
       <p:ext uri="{BB962C8B-B14F-4D97-AF65-F5344CB8AC3E}">
-        <p14:creationId xmlns:p14="http://schemas.microsoft.com/office/powerpoint/2010/main" val="3895086065"/>
+        <p14:creationId xmlns:p14="http://schemas.microsoft.com/office/powerpoint/2010/main" val="3008013547"/>
       </p:ext>
     </p:extLst>
   </p:cSld>
@@ -13067,6 +13718,1185 @@
                   <a:srgbClr val="FFFFFF"/>
                 </a:solidFill>
               </a:rPr>
+              <a:t>Flowcharts</a:t>
+            </a:r>
+          </a:p>
+        </p:txBody>
+      </p:sp>
+      <p:sp>
+        <p:nvSpPr>
+          <p:cNvPr id="12" name="Arc 11">
+            <a:extLst>
+              <a:ext uri="{FF2B5EF4-FFF2-40B4-BE49-F238E27FC236}">
+                <a16:creationId xmlns:a16="http://schemas.microsoft.com/office/drawing/2014/main" id="{081E4A58-353D-44AE-B2FC-2A74E2E400F7}"/>
+              </a:ext>
+              <a:ext uri="{C183D7F6-B498-43B3-948B-1728B52AA6E4}">
+                <adec:decorative xmlns:adec="http://schemas.microsoft.com/office/drawing/2017/decorative" val="1"/>
+              </a:ext>
+            </a:extLst>
+          </p:cNvPr>
+          <p:cNvSpPr>
+            <a:spLocks noGrp="1" noRot="1" noChangeAspect="1" noMove="1" noResize="1" noEditPoints="1" noAdjustHandles="1" noChangeArrowheads="1" noChangeShapeType="1" noTextEdit="1"/>
+          </p:cNvSpPr>
+          <p:nvPr>
+            <p:extLst>
+              <p:ext uri="{386F3935-93C4-4BCD-93E2-E3B085C9AB24}">
+                <p16:designElem xmlns:p16="http://schemas.microsoft.com/office/powerpoint/2015/main" val="1"/>
+              </p:ext>
+            </p:extLst>
+          </p:nvPr>
+        </p:nvSpPr>
+        <p:spPr>
+          <a:xfrm flipV="1">
+            <a:off x="7550402" y="2455479"/>
+            <a:ext cx="4083433" cy="4083433"/>
+          </a:xfrm>
+          <a:prstGeom prst="arc">
+            <a:avLst/>
+          </a:prstGeom>
+          <a:ln w="127000" cap="rnd">
+            <a:solidFill>
+              <a:schemeClr val="accent4"/>
+            </a:solidFill>
+            <a:prstDash val="dash"/>
+          </a:ln>
+        </p:spPr>
+        <p:style>
+          <a:lnRef idx="1">
+            <a:schemeClr val="accent1"/>
+          </a:lnRef>
+          <a:fillRef idx="0">
+            <a:schemeClr val="accent1"/>
+          </a:fillRef>
+          <a:effectRef idx="0">
+            <a:schemeClr val="accent1"/>
+          </a:effectRef>
+          <a:fontRef idx="minor">
+            <a:schemeClr val="tx1"/>
+          </a:fontRef>
+        </p:style>
+        <p:txBody>
+          <a:bodyPr rtlCol="0" anchor="ctr"/>
+          <a:lstStyle/>
+          <a:p>
+            <a:pPr algn="ctr"/>
+            <a:endParaRPr lang="en-US" dirty="0"/>
+          </a:p>
+        </p:txBody>
+      </p:sp>
+      <p:sp>
+        <p:nvSpPr>
+          <p:cNvPr id="3" name="Content Placeholder 2">
+            <a:extLst>
+              <a:ext uri="{FF2B5EF4-FFF2-40B4-BE49-F238E27FC236}">
+                <a16:creationId xmlns:a16="http://schemas.microsoft.com/office/drawing/2014/main" id="{506ECF03-3832-CE61-45EB-6C148D597A92}"/>
+              </a:ext>
+            </a:extLst>
+          </p:cNvPr>
+          <p:cNvSpPr>
+            <a:spLocks noGrp="1"/>
+          </p:cNvSpPr>
+          <p:nvPr>
+            <p:ph idx="1"/>
+          </p:nvPr>
+        </p:nvSpPr>
+        <p:spPr>
+          <a:xfrm>
+            <a:off x="4447308" y="591344"/>
+            <a:ext cx="6906491" cy="5585619"/>
+          </a:xfrm>
+        </p:spPr>
+        <p:txBody>
+          <a:bodyPr anchor="ctr">
+            <a:normAutofit/>
+          </a:bodyPr>
+          <a:lstStyle/>
+          <a:p>
+            <a:pPr marL="0" indent="0" algn="ctr">
+              <a:buNone/>
+            </a:pPr>
+            <a:r>
+              <a:rPr lang="en-US" sz="3600" dirty="0"/>
+              <a:t>Input / Output</a:t>
+            </a:r>
+          </a:p>
+          <a:p>
+            <a:pPr marL="0" indent="0">
+              <a:buNone/>
+            </a:pPr>
+            <a:endParaRPr lang="en-US" b="0" i="0" dirty="0">
+              <a:solidFill>
+                <a:srgbClr val="000000"/>
+              </a:solidFill>
+              <a:effectLst/>
+              <a:latin typeface="Poppins" panose="00000500000000000000" pitchFamily="2" charset="0"/>
+            </a:endParaRPr>
+          </a:p>
+          <a:p>
+            <a:pPr marL="0" indent="0">
+              <a:buNone/>
+            </a:pPr>
+            <a:r>
+              <a:rPr lang="en-US" b="0" i="0" dirty="0">
+                <a:solidFill>
+                  <a:srgbClr val="000000"/>
+                </a:solidFill>
+                <a:effectLst/>
+                <a:latin typeface="Poppins" panose="00000500000000000000" pitchFamily="2" charset="0"/>
+              </a:rPr>
+              <a:t>This shape shows that information is coming into the process from outside, or leaving the process</a:t>
+            </a:r>
+            <a:endParaRPr lang="en-US" dirty="0"/>
+          </a:p>
+        </p:txBody>
+      </p:sp>
+      <p:pic>
+        <p:nvPicPr>
+          <p:cNvPr id="6146" name="Picture 2" descr="Data">
+            <a:extLst>
+              <a:ext uri="{FF2B5EF4-FFF2-40B4-BE49-F238E27FC236}">
+                <a16:creationId xmlns:a16="http://schemas.microsoft.com/office/drawing/2014/main" id="{FF76D30B-004D-331E-0DE9-D9E1411CC8B6}"/>
+              </a:ext>
+            </a:extLst>
+          </p:cNvPr>
+          <p:cNvPicPr>
+            <a:picLocks noChangeAspect="1" noChangeArrowheads="1"/>
+          </p:cNvPicPr>
+          <p:nvPr/>
+        </p:nvPicPr>
+        <p:blipFill>
+          <a:blip r:embed="rId2">
+            <a:extLst>
+              <a:ext uri="{28A0092B-C50C-407E-A947-70E740481C1C}">
+                <a14:useLocalDpi xmlns:a14="http://schemas.microsoft.com/office/drawing/2010/main" val="0"/>
+              </a:ext>
+            </a:extLst>
+          </a:blip>
+          <a:srcRect/>
+          <a:stretch>
+            <a:fillRect/>
+          </a:stretch>
+        </p:blipFill>
+        <p:spPr bwMode="auto">
+          <a:xfrm>
+            <a:off x="6873858" y="750599"/>
+            <a:ext cx="2053390" cy="1034415"/>
+          </a:xfrm>
+          <a:prstGeom prst="rect">
+            <a:avLst/>
+          </a:prstGeom>
+          <a:noFill/>
+          <a:extLst>
+            <a:ext uri="{909E8E84-426E-40DD-AFC4-6F175D3DCCD1}">
+              <a14:hiddenFill xmlns:a14="http://schemas.microsoft.com/office/drawing/2010/main">
+                <a:solidFill>
+                  <a:srgbClr val="FFFFFF"/>
+                </a:solidFill>
+              </a14:hiddenFill>
+            </a:ext>
+          </a:extLst>
+        </p:spPr>
+      </p:pic>
+    </p:spTree>
+    <p:extLst>
+      <p:ext uri="{BB962C8B-B14F-4D97-AF65-F5344CB8AC3E}">
+        <p14:creationId xmlns:p14="http://schemas.microsoft.com/office/powerpoint/2010/main" val="2131350616"/>
+      </p:ext>
+    </p:extLst>
+  </p:cSld>
+  <p:clrMapOvr>
+    <a:masterClrMapping/>
+  </p:clrMapOvr>
+</p:sld>
+</file>
+
+<file path=ppt/slides/slide33.xml><?xml version="1.0" encoding="utf-8"?>
+<p:sld xmlns:a="http://schemas.openxmlformats.org/drawingml/2006/main" xmlns:r="http://schemas.openxmlformats.org/officeDocument/2006/relationships" xmlns:p="http://schemas.openxmlformats.org/presentationml/2006/main">
+  <p:cSld>
+    <p:bg>
+      <p:bgPr>
+        <a:solidFill>
+          <a:schemeClr val="bg1"/>
+        </a:solidFill>
+        <a:effectLst/>
+      </p:bgPr>
+    </p:bg>
+    <p:spTree>
+      <p:nvGrpSpPr>
+        <p:cNvPr id="1" name=""/>
+        <p:cNvGrpSpPr/>
+        <p:nvPr/>
+      </p:nvGrpSpPr>
+      <p:grpSpPr>
+        <a:xfrm>
+          <a:off x="0" y="0"/>
+          <a:ext cx="0" cy="0"/>
+          <a:chOff x="0" y="0"/>
+          <a:chExt cx="0" cy="0"/>
+        </a:xfrm>
+      </p:grpSpPr>
+      <p:sp useBgFill="1">
+        <p:nvSpPr>
+          <p:cNvPr id="8" name="Rectangle 7">
+            <a:extLst>
+              <a:ext uri="{FF2B5EF4-FFF2-40B4-BE49-F238E27FC236}">
+                <a16:creationId xmlns:a16="http://schemas.microsoft.com/office/drawing/2014/main" id="{907EF6B7-1338-4443-8C46-6A318D952DFD}"/>
+              </a:ext>
+              <a:ext uri="{C183D7F6-B498-43B3-948B-1728B52AA6E4}">
+                <adec:decorative xmlns:adec="http://schemas.microsoft.com/office/drawing/2017/decorative" val="1"/>
+              </a:ext>
+            </a:extLst>
+          </p:cNvPr>
+          <p:cNvSpPr>
+            <a:spLocks noGrp="1" noRot="1" noChangeAspect="1" noMove="1" noResize="1" noEditPoints="1" noAdjustHandles="1" noChangeArrowheads="1" noChangeShapeType="1" noTextEdit="1"/>
+          </p:cNvSpPr>
+          <p:nvPr>
+            <p:extLst>
+              <p:ext uri="{386F3935-93C4-4BCD-93E2-E3B085C9AB24}">
+                <p16:designElem xmlns:p16="http://schemas.microsoft.com/office/powerpoint/2015/main" val="1"/>
+              </p:ext>
+            </p:extLst>
+          </p:nvPr>
+        </p:nvSpPr>
+        <p:spPr>
+          <a:xfrm>
+            <a:off x="3048" y="0"/>
+            <a:ext cx="12188952" cy="6858000"/>
+          </a:xfrm>
+          <a:prstGeom prst="rect">
+            <a:avLst/>
+          </a:prstGeom>
+          <a:ln>
+            <a:noFill/>
+          </a:ln>
+        </p:spPr>
+        <p:style>
+          <a:lnRef idx="2">
+            <a:schemeClr val="accent1">
+              <a:shade val="50000"/>
+            </a:schemeClr>
+          </a:lnRef>
+          <a:fillRef idx="1">
+            <a:schemeClr val="accent1"/>
+          </a:fillRef>
+          <a:effectRef idx="0">
+            <a:schemeClr val="accent1"/>
+          </a:effectRef>
+          <a:fontRef idx="minor">
+            <a:schemeClr val="lt1"/>
+          </a:fontRef>
+        </p:style>
+        <p:txBody>
+          <a:bodyPr rtlCol="0" anchor="ctr"/>
+          <a:lstStyle/>
+          <a:p>
+            <a:pPr algn="ctr"/>
+            <a:endParaRPr lang="en-US" dirty="0"/>
+          </a:p>
+        </p:txBody>
+      </p:sp>
+      <p:sp>
+        <p:nvSpPr>
+          <p:cNvPr id="10" name="Freeform: Shape 9">
+            <a:extLst>
+              <a:ext uri="{FF2B5EF4-FFF2-40B4-BE49-F238E27FC236}">
+                <a16:creationId xmlns:a16="http://schemas.microsoft.com/office/drawing/2014/main" id="{DAAE4CDD-124C-4DCF-9584-B6033B545DD5}"/>
+              </a:ext>
+              <a:ext uri="{C183D7F6-B498-43B3-948B-1728B52AA6E4}">
+                <adec:decorative xmlns:adec="http://schemas.microsoft.com/office/drawing/2017/decorative" val="1"/>
+              </a:ext>
+            </a:extLst>
+          </p:cNvPr>
+          <p:cNvSpPr>
+            <a:spLocks noGrp="1" noRot="1" noChangeAspect="1" noMove="1" noResize="1" noEditPoints="1" noAdjustHandles="1" noChangeArrowheads="1" noChangeShapeType="1" noTextEdit="1"/>
+          </p:cNvSpPr>
+          <p:nvPr>
+            <p:extLst>
+              <p:ext uri="{386F3935-93C4-4BCD-93E2-E3B085C9AB24}">
+                <p16:designElem xmlns:p16="http://schemas.microsoft.com/office/powerpoint/2015/main" val="1"/>
+              </p:ext>
+            </p:extLst>
+          </p:nvPr>
+        </p:nvSpPr>
+        <p:spPr>
+          <a:xfrm>
+            <a:off x="1" y="0"/>
+            <a:ext cx="4167271" cy="6858000"/>
+          </a:xfrm>
+          <a:custGeom>
+            <a:avLst/>
+            <a:gdLst>
+              <a:gd name="connsiteX0" fmla="*/ 0 w 4167271"/>
+              <a:gd name="connsiteY0" fmla="*/ 0 h 6858000"/>
+              <a:gd name="connsiteX1" fmla="*/ 2259550 w 4167271"/>
+              <a:gd name="connsiteY1" fmla="*/ 0 h 6858000"/>
+              <a:gd name="connsiteX2" fmla="*/ 2387803 w 4167271"/>
+              <a:gd name="connsiteY2" fmla="*/ 82222 h 6858000"/>
+              <a:gd name="connsiteX3" fmla="*/ 4167271 w 4167271"/>
+              <a:gd name="connsiteY3" fmla="*/ 3429000 h 6858000"/>
+              <a:gd name="connsiteX4" fmla="*/ 2387803 w 4167271"/>
+              <a:gd name="connsiteY4" fmla="*/ 6775779 h 6858000"/>
+              <a:gd name="connsiteX5" fmla="*/ 2259550 w 4167271"/>
+              <a:gd name="connsiteY5" fmla="*/ 6858000 h 6858000"/>
+              <a:gd name="connsiteX6" fmla="*/ 0 w 4167271"/>
+              <a:gd name="connsiteY6" fmla="*/ 6858000 h 6858000"/>
+            </a:gdLst>
+            <a:ahLst/>
+            <a:cxnLst>
+              <a:cxn ang="0">
+                <a:pos x="connsiteX0" y="connsiteY0"/>
+              </a:cxn>
+              <a:cxn ang="0">
+                <a:pos x="connsiteX1" y="connsiteY1"/>
+              </a:cxn>
+              <a:cxn ang="0">
+                <a:pos x="connsiteX2" y="connsiteY2"/>
+              </a:cxn>
+              <a:cxn ang="0">
+                <a:pos x="connsiteX3" y="connsiteY3"/>
+              </a:cxn>
+              <a:cxn ang="0">
+                <a:pos x="connsiteX4" y="connsiteY4"/>
+              </a:cxn>
+              <a:cxn ang="0">
+                <a:pos x="connsiteX5" y="connsiteY5"/>
+              </a:cxn>
+              <a:cxn ang="0">
+                <a:pos x="connsiteX6" y="connsiteY6"/>
+              </a:cxn>
+            </a:cxnLst>
+            <a:rect l="l" t="t" r="r" b="b"/>
+            <a:pathLst>
+              <a:path w="4167271" h="6858000">
+                <a:moveTo>
+                  <a:pt x="0" y="0"/>
+                </a:moveTo>
+                <a:lnTo>
+                  <a:pt x="2259550" y="0"/>
+                </a:lnTo>
+                <a:lnTo>
+                  <a:pt x="2387803" y="82222"/>
+                </a:lnTo>
+                <a:cubicBezTo>
+                  <a:pt x="3461407" y="807534"/>
+                  <a:pt x="4167271" y="2035835"/>
+                  <a:pt x="4167271" y="3429000"/>
+                </a:cubicBezTo>
+                <a:cubicBezTo>
+                  <a:pt x="4167271" y="4822165"/>
+                  <a:pt x="3461407" y="6050467"/>
+                  <a:pt x="2387803" y="6775779"/>
+                </a:cubicBezTo>
+                <a:lnTo>
+                  <a:pt x="2259550" y="6858000"/>
+                </a:lnTo>
+                <a:lnTo>
+                  <a:pt x="0" y="6858000"/>
+                </a:lnTo>
+                <a:close/>
+              </a:path>
+            </a:pathLst>
+          </a:custGeom>
+          <a:solidFill>
+            <a:schemeClr val="accent2"/>
+          </a:solidFill>
+          <a:ln>
+            <a:noFill/>
+          </a:ln>
+        </p:spPr>
+        <p:style>
+          <a:lnRef idx="2">
+            <a:schemeClr val="accent1">
+              <a:shade val="50000"/>
+            </a:schemeClr>
+          </a:lnRef>
+          <a:fillRef idx="1">
+            <a:schemeClr val="accent1"/>
+          </a:fillRef>
+          <a:effectRef idx="0">
+            <a:schemeClr val="accent1"/>
+          </a:effectRef>
+          <a:fontRef idx="minor">
+            <a:schemeClr val="lt1"/>
+          </a:fontRef>
+        </p:style>
+        <p:txBody>
+          <a:bodyPr rtlCol="0" anchor="ctr"/>
+          <a:lstStyle/>
+          <a:p>
+            <a:pPr algn="ctr"/>
+            <a:endParaRPr lang="en-US" dirty="0"/>
+          </a:p>
+        </p:txBody>
+      </p:sp>
+      <p:sp>
+        <p:nvSpPr>
+          <p:cNvPr id="2" name="Title 1">
+            <a:extLst>
+              <a:ext uri="{FF2B5EF4-FFF2-40B4-BE49-F238E27FC236}">
+                <a16:creationId xmlns:a16="http://schemas.microsoft.com/office/drawing/2014/main" id="{604CD088-9924-FDF8-32EA-64AD14C5DE41}"/>
+              </a:ext>
+            </a:extLst>
+          </p:cNvPr>
+          <p:cNvSpPr>
+            <a:spLocks noGrp="1"/>
+          </p:cNvSpPr>
+          <p:nvPr>
+            <p:ph type="title"/>
+          </p:nvPr>
+        </p:nvSpPr>
+        <p:spPr>
+          <a:xfrm>
+            <a:off x="686834" y="1153572"/>
+            <a:ext cx="3200400" cy="4461163"/>
+          </a:xfrm>
+        </p:spPr>
+        <p:txBody>
+          <a:bodyPr>
+            <a:normAutofit/>
+          </a:bodyPr>
+          <a:lstStyle/>
+          <a:p>
+            <a:r>
+              <a:rPr lang="en-US" dirty="0">
+                <a:solidFill>
+                  <a:srgbClr val="FFFFFF"/>
+                </a:solidFill>
+              </a:rPr>
+              <a:t>Flowcharts</a:t>
+            </a:r>
+          </a:p>
+        </p:txBody>
+      </p:sp>
+      <p:sp>
+        <p:nvSpPr>
+          <p:cNvPr id="12" name="Arc 11">
+            <a:extLst>
+              <a:ext uri="{FF2B5EF4-FFF2-40B4-BE49-F238E27FC236}">
+                <a16:creationId xmlns:a16="http://schemas.microsoft.com/office/drawing/2014/main" id="{081E4A58-353D-44AE-B2FC-2A74E2E400F7}"/>
+              </a:ext>
+              <a:ext uri="{C183D7F6-B498-43B3-948B-1728B52AA6E4}">
+                <adec:decorative xmlns:adec="http://schemas.microsoft.com/office/drawing/2017/decorative" val="1"/>
+              </a:ext>
+            </a:extLst>
+          </p:cNvPr>
+          <p:cNvSpPr>
+            <a:spLocks noGrp="1" noRot="1" noChangeAspect="1" noMove="1" noResize="1" noEditPoints="1" noAdjustHandles="1" noChangeArrowheads="1" noChangeShapeType="1" noTextEdit="1"/>
+          </p:cNvSpPr>
+          <p:nvPr>
+            <p:extLst>
+              <p:ext uri="{386F3935-93C4-4BCD-93E2-E3B085C9AB24}">
+                <p16:designElem xmlns:p16="http://schemas.microsoft.com/office/powerpoint/2015/main" val="1"/>
+              </p:ext>
+            </p:extLst>
+          </p:nvPr>
+        </p:nvSpPr>
+        <p:spPr>
+          <a:xfrm flipV="1">
+            <a:off x="7550402" y="2455479"/>
+            <a:ext cx="4083433" cy="4083433"/>
+          </a:xfrm>
+          <a:prstGeom prst="arc">
+            <a:avLst/>
+          </a:prstGeom>
+          <a:ln w="127000" cap="rnd">
+            <a:solidFill>
+              <a:schemeClr val="accent4"/>
+            </a:solidFill>
+            <a:prstDash val="dash"/>
+          </a:ln>
+        </p:spPr>
+        <p:style>
+          <a:lnRef idx="1">
+            <a:schemeClr val="accent1"/>
+          </a:lnRef>
+          <a:fillRef idx="0">
+            <a:schemeClr val="accent1"/>
+          </a:fillRef>
+          <a:effectRef idx="0">
+            <a:schemeClr val="accent1"/>
+          </a:effectRef>
+          <a:fontRef idx="minor">
+            <a:schemeClr val="tx1"/>
+          </a:fontRef>
+        </p:style>
+        <p:txBody>
+          <a:bodyPr rtlCol="0" anchor="ctr"/>
+          <a:lstStyle/>
+          <a:p>
+            <a:pPr algn="ctr"/>
+            <a:endParaRPr lang="en-US" dirty="0"/>
+          </a:p>
+        </p:txBody>
+      </p:sp>
+      <p:pic>
+        <p:nvPicPr>
+          <p:cNvPr id="6" name="Content Placeholder 5">
+            <a:extLst>
+              <a:ext uri="{FF2B5EF4-FFF2-40B4-BE49-F238E27FC236}">
+                <a16:creationId xmlns:a16="http://schemas.microsoft.com/office/drawing/2014/main" id="{3EA4DEAF-F6F9-B3E9-FD0D-B9AD35D138B4}"/>
+              </a:ext>
+            </a:extLst>
+          </p:cNvPr>
+          <p:cNvPicPr>
+            <a:picLocks noGrp="1" noChangeAspect="1"/>
+          </p:cNvPicPr>
+          <p:nvPr>
+            <p:ph idx="1"/>
+          </p:nvPr>
+        </p:nvPicPr>
+        <p:blipFill>
+          <a:blip r:embed="rId2">
+            <a:extLst>
+              <a:ext uri="{28A0092B-C50C-407E-A947-70E740481C1C}">
+                <a14:useLocalDpi xmlns:a14="http://schemas.microsoft.com/office/drawing/2010/main" val="0"/>
+              </a:ext>
+            </a:extLst>
+          </a:blip>
+          <a:stretch>
+            <a:fillRect/>
+          </a:stretch>
+        </p:blipFill>
+        <p:spPr>
+          <a:xfrm>
+            <a:off x="6096000" y="269540"/>
+            <a:ext cx="1344474" cy="5900135"/>
+          </a:xfrm>
+        </p:spPr>
+      </p:pic>
+    </p:spTree>
+    <p:extLst>
+      <p:ext uri="{BB962C8B-B14F-4D97-AF65-F5344CB8AC3E}">
+        <p14:creationId xmlns:p14="http://schemas.microsoft.com/office/powerpoint/2010/main" val="1779534481"/>
+      </p:ext>
+    </p:extLst>
+  </p:cSld>
+  <p:clrMapOvr>
+    <a:masterClrMapping/>
+  </p:clrMapOvr>
+</p:sld>
+</file>
+
+<file path=ppt/slides/slide34.xml><?xml version="1.0" encoding="utf-8"?>
+<p:sld xmlns:a="http://schemas.openxmlformats.org/drawingml/2006/main" xmlns:r="http://schemas.openxmlformats.org/officeDocument/2006/relationships" xmlns:p="http://schemas.openxmlformats.org/presentationml/2006/main">
+  <p:cSld>
+    <p:bg>
+      <p:bgPr>
+        <a:solidFill>
+          <a:schemeClr val="bg1"/>
+        </a:solidFill>
+        <a:effectLst/>
+      </p:bgPr>
+    </p:bg>
+    <p:spTree>
+      <p:nvGrpSpPr>
+        <p:cNvPr id="1" name=""/>
+        <p:cNvGrpSpPr/>
+        <p:nvPr/>
+      </p:nvGrpSpPr>
+      <p:grpSpPr>
+        <a:xfrm>
+          <a:off x="0" y="0"/>
+          <a:ext cx="0" cy="0"/>
+          <a:chOff x="0" y="0"/>
+          <a:chExt cx="0" cy="0"/>
+        </a:xfrm>
+      </p:grpSpPr>
+      <p:sp useBgFill="1">
+        <p:nvSpPr>
+          <p:cNvPr id="8" name="Rectangle 7">
+            <a:extLst>
+              <a:ext uri="{FF2B5EF4-FFF2-40B4-BE49-F238E27FC236}">
+                <a16:creationId xmlns:a16="http://schemas.microsoft.com/office/drawing/2014/main" id="{907EF6B7-1338-4443-8C46-6A318D952DFD}"/>
+              </a:ext>
+              <a:ext uri="{C183D7F6-B498-43B3-948B-1728B52AA6E4}">
+                <adec:decorative xmlns:adec="http://schemas.microsoft.com/office/drawing/2017/decorative" val="1"/>
+              </a:ext>
+            </a:extLst>
+          </p:cNvPr>
+          <p:cNvSpPr>
+            <a:spLocks noGrp="1" noRot="1" noChangeAspect="1" noMove="1" noResize="1" noEditPoints="1" noAdjustHandles="1" noChangeArrowheads="1" noChangeShapeType="1" noTextEdit="1"/>
+          </p:cNvSpPr>
+          <p:nvPr>
+            <p:extLst>
+              <p:ext uri="{386F3935-93C4-4BCD-93E2-E3B085C9AB24}">
+                <p16:designElem xmlns:p16="http://schemas.microsoft.com/office/powerpoint/2015/main" val="1"/>
+              </p:ext>
+            </p:extLst>
+          </p:nvPr>
+        </p:nvSpPr>
+        <p:spPr>
+          <a:xfrm>
+            <a:off x="3048" y="0"/>
+            <a:ext cx="12188952" cy="6858000"/>
+          </a:xfrm>
+          <a:prstGeom prst="rect">
+            <a:avLst/>
+          </a:prstGeom>
+          <a:ln>
+            <a:noFill/>
+          </a:ln>
+        </p:spPr>
+        <p:style>
+          <a:lnRef idx="2">
+            <a:schemeClr val="accent1">
+              <a:shade val="50000"/>
+            </a:schemeClr>
+          </a:lnRef>
+          <a:fillRef idx="1">
+            <a:schemeClr val="accent1"/>
+          </a:fillRef>
+          <a:effectRef idx="0">
+            <a:schemeClr val="accent1"/>
+          </a:effectRef>
+          <a:fontRef idx="minor">
+            <a:schemeClr val="lt1"/>
+          </a:fontRef>
+        </p:style>
+        <p:txBody>
+          <a:bodyPr rtlCol="0" anchor="ctr"/>
+          <a:lstStyle/>
+          <a:p>
+            <a:pPr algn="ctr"/>
+            <a:endParaRPr lang="en-US" dirty="0"/>
+          </a:p>
+        </p:txBody>
+      </p:sp>
+      <p:sp>
+        <p:nvSpPr>
+          <p:cNvPr id="10" name="Freeform: Shape 9">
+            <a:extLst>
+              <a:ext uri="{FF2B5EF4-FFF2-40B4-BE49-F238E27FC236}">
+                <a16:creationId xmlns:a16="http://schemas.microsoft.com/office/drawing/2014/main" id="{DAAE4CDD-124C-4DCF-9584-B6033B545DD5}"/>
+              </a:ext>
+              <a:ext uri="{C183D7F6-B498-43B3-948B-1728B52AA6E4}">
+                <adec:decorative xmlns:adec="http://schemas.microsoft.com/office/drawing/2017/decorative" val="1"/>
+              </a:ext>
+            </a:extLst>
+          </p:cNvPr>
+          <p:cNvSpPr>
+            <a:spLocks noGrp="1" noRot="1" noChangeAspect="1" noMove="1" noResize="1" noEditPoints="1" noAdjustHandles="1" noChangeArrowheads="1" noChangeShapeType="1" noTextEdit="1"/>
+          </p:cNvSpPr>
+          <p:nvPr>
+            <p:extLst>
+              <p:ext uri="{386F3935-93C4-4BCD-93E2-E3B085C9AB24}">
+                <p16:designElem xmlns:p16="http://schemas.microsoft.com/office/powerpoint/2015/main" val="1"/>
+              </p:ext>
+            </p:extLst>
+          </p:nvPr>
+        </p:nvSpPr>
+        <p:spPr>
+          <a:xfrm>
+            <a:off x="1" y="0"/>
+            <a:ext cx="4167271" cy="6858000"/>
+          </a:xfrm>
+          <a:custGeom>
+            <a:avLst/>
+            <a:gdLst>
+              <a:gd name="connsiteX0" fmla="*/ 0 w 4167271"/>
+              <a:gd name="connsiteY0" fmla="*/ 0 h 6858000"/>
+              <a:gd name="connsiteX1" fmla="*/ 2259550 w 4167271"/>
+              <a:gd name="connsiteY1" fmla="*/ 0 h 6858000"/>
+              <a:gd name="connsiteX2" fmla="*/ 2387803 w 4167271"/>
+              <a:gd name="connsiteY2" fmla="*/ 82222 h 6858000"/>
+              <a:gd name="connsiteX3" fmla="*/ 4167271 w 4167271"/>
+              <a:gd name="connsiteY3" fmla="*/ 3429000 h 6858000"/>
+              <a:gd name="connsiteX4" fmla="*/ 2387803 w 4167271"/>
+              <a:gd name="connsiteY4" fmla="*/ 6775779 h 6858000"/>
+              <a:gd name="connsiteX5" fmla="*/ 2259550 w 4167271"/>
+              <a:gd name="connsiteY5" fmla="*/ 6858000 h 6858000"/>
+              <a:gd name="connsiteX6" fmla="*/ 0 w 4167271"/>
+              <a:gd name="connsiteY6" fmla="*/ 6858000 h 6858000"/>
+            </a:gdLst>
+            <a:ahLst/>
+            <a:cxnLst>
+              <a:cxn ang="0">
+                <a:pos x="connsiteX0" y="connsiteY0"/>
+              </a:cxn>
+              <a:cxn ang="0">
+                <a:pos x="connsiteX1" y="connsiteY1"/>
+              </a:cxn>
+              <a:cxn ang="0">
+                <a:pos x="connsiteX2" y="connsiteY2"/>
+              </a:cxn>
+              <a:cxn ang="0">
+                <a:pos x="connsiteX3" y="connsiteY3"/>
+              </a:cxn>
+              <a:cxn ang="0">
+                <a:pos x="connsiteX4" y="connsiteY4"/>
+              </a:cxn>
+              <a:cxn ang="0">
+                <a:pos x="connsiteX5" y="connsiteY5"/>
+              </a:cxn>
+              <a:cxn ang="0">
+                <a:pos x="connsiteX6" y="connsiteY6"/>
+              </a:cxn>
+            </a:cxnLst>
+            <a:rect l="l" t="t" r="r" b="b"/>
+            <a:pathLst>
+              <a:path w="4167271" h="6858000">
+                <a:moveTo>
+                  <a:pt x="0" y="0"/>
+                </a:moveTo>
+                <a:lnTo>
+                  <a:pt x="2259550" y="0"/>
+                </a:lnTo>
+                <a:lnTo>
+                  <a:pt x="2387803" y="82222"/>
+                </a:lnTo>
+                <a:cubicBezTo>
+                  <a:pt x="3461407" y="807534"/>
+                  <a:pt x="4167271" y="2035835"/>
+                  <a:pt x="4167271" y="3429000"/>
+                </a:cubicBezTo>
+                <a:cubicBezTo>
+                  <a:pt x="4167271" y="4822165"/>
+                  <a:pt x="3461407" y="6050467"/>
+                  <a:pt x="2387803" y="6775779"/>
+                </a:cubicBezTo>
+                <a:lnTo>
+                  <a:pt x="2259550" y="6858000"/>
+                </a:lnTo>
+                <a:lnTo>
+                  <a:pt x="0" y="6858000"/>
+                </a:lnTo>
+                <a:close/>
+              </a:path>
+            </a:pathLst>
+          </a:custGeom>
+          <a:solidFill>
+            <a:schemeClr val="accent2"/>
+          </a:solidFill>
+          <a:ln>
+            <a:noFill/>
+          </a:ln>
+        </p:spPr>
+        <p:style>
+          <a:lnRef idx="2">
+            <a:schemeClr val="accent1">
+              <a:shade val="50000"/>
+            </a:schemeClr>
+          </a:lnRef>
+          <a:fillRef idx="1">
+            <a:schemeClr val="accent1"/>
+          </a:fillRef>
+          <a:effectRef idx="0">
+            <a:schemeClr val="accent1"/>
+          </a:effectRef>
+          <a:fontRef idx="minor">
+            <a:schemeClr val="lt1"/>
+          </a:fontRef>
+        </p:style>
+        <p:txBody>
+          <a:bodyPr rtlCol="0" anchor="ctr"/>
+          <a:lstStyle/>
+          <a:p>
+            <a:pPr algn="ctr"/>
+            <a:endParaRPr lang="en-US" dirty="0"/>
+          </a:p>
+        </p:txBody>
+      </p:sp>
+      <p:sp>
+        <p:nvSpPr>
+          <p:cNvPr id="2" name="Title 1">
+            <a:extLst>
+              <a:ext uri="{FF2B5EF4-FFF2-40B4-BE49-F238E27FC236}">
+                <a16:creationId xmlns:a16="http://schemas.microsoft.com/office/drawing/2014/main" id="{604CD088-9924-FDF8-32EA-64AD14C5DE41}"/>
+              </a:ext>
+            </a:extLst>
+          </p:cNvPr>
+          <p:cNvSpPr>
+            <a:spLocks noGrp="1"/>
+          </p:cNvSpPr>
+          <p:nvPr>
+            <p:ph type="title"/>
+          </p:nvPr>
+        </p:nvSpPr>
+        <p:spPr>
+          <a:xfrm>
+            <a:off x="686834" y="1153572"/>
+            <a:ext cx="3200400" cy="4461163"/>
+          </a:xfrm>
+        </p:spPr>
+        <p:txBody>
+          <a:bodyPr>
+            <a:normAutofit/>
+          </a:bodyPr>
+          <a:lstStyle/>
+          <a:p>
+            <a:r>
+              <a:rPr lang="en-US" dirty="0">
+                <a:solidFill>
+                  <a:srgbClr val="FFFFFF"/>
+                </a:solidFill>
+              </a:rPr>
+              <a:t>Flowcharts</a:t>
+            </a:r>
+          </a:p>
+        </p:txBody>
+      </p:sp>
+      <p:sp>
+        <p:nvSpPr>
+          <p:cNvPr id="12" name="Arc 11">
+            <a:extLst>
+              <a:ext uri="{FF2B5EF4-FFF2-40B4-BE49-F238E27FC236}">
+                <a16:creationId xmlns:a16="http://schemas.microsoft.com/office/drawing/2014/main" id="{081E4A58-353D-44AE-B2FC-2A74E2E400F7}"/>
+              </a:ext>
+              <a:ext uri="{C183D7F6-B498-43B3-948B-1728B52AA6E4}">
+                <adec:decorative xmlns:adec="http://schemas.microsoft.com/office/drawing/2017/decorative" val="1"/>
+              </a:ext>
+            </a:extLst>
+          </p:cNvPr>
+          <p:cNvSpPr>
+            <a:spLocks noGrp="1" noRot="1" noChangeAspect="1" noMove="1" noResize="1" noEditPoints="1" noAdjustHandles="1" noChangeArrowheads="1" noChangeShapeType="1" noTextEdit="1"/>
+          </p:cNvSpPr>
+          <p:nvPr>
+            <p:extLst>
+              <p:ext uri="{386F3935-93C4-4BCD-93E2-E3B085C9AB24}">
+                <p16:designElem xmlns:p16="http://schemas.microsoft.com/office/powerpoint/2015/main" val="1"/>
+              </p:ext>
+            </p:extLst>
+          </p:nvPr>
+        </p:nvSpPr>
+        <p:spPr>
+          <a:xfrm flipV="1">
+            <a:off x="7550402" y="2455479"/>
+            <a:ext cx="4083433" cy="4083433"/>
+          </a:xfrm>
+          <a:prstGeom prst="arc">
+            <a:avLst/>
+          </a:prstGeom>
+          <a:ln w="127000" cap="rnd">
+            <a:solidFill>
+              <a:schemeClr val="accent4"/>
+            </a:solidFill>
+            <a:prstDash val="dash"/>
+          </a:ln>
+        </p:spPr>
+        <p:style>
+          <a:lnRef idx="1">
+            <a:schemeClr val="accent1"/>
+          </a:lnRef>
+          <a:fillRef idx="0">
+            <a:schemeClr val="accent1"/>
+          </a:fillRef>
+          <a:effectRef idx="0">
+            <a:schemeClr val="accent1"/>
+          </a:effectRef>
+          <a:fontRef idx="minor">
+            <a:schemeClr val="tx1"/>
+          </a:fontRef>
+        </p:style>
+        <p:txBody>
+          <a:bodyPr rtlCol="0" anchor="ctr"/>
+          <a:lstStyle/>
+          <a:p>
+            <a:pPr algn="ctr"/>
+            <a:endParaRPr lang="en-US" dirty="0"/>
+          </a:p>
+        </p:txBody>
+      </p:sp>
+      <p:pic>
+        <p:nvPicPr>
+          <p:cNvPr id="6" name="Content Placeholder 5">
+            <a:extLst>
+              <a:ext uri="{FF2B5EF4-FFF2-40B4-BE49-F238E27FC236}">
+                <a16:creationId xmlns:a16="http://schemas.microsoft.com/office/drawing/2014/main" id="{E0870BEE-EAFC-2FDE-7A67-4B30E15EAF74}"/>
+              </a:ext>
+            </a:extLst>
+          </p:cNvPr>
+          <p:cNvPicPr>
+            <a:picLocks noGrp="1" noChangeAspect="1"/>
+          </p:cNvPicPr>
+          <p:nvPr>
+            <p:ph idx="1"/>
+          </p:nvPr>
+        </p:nvPicPr>
+        <p:blipFill>
+          <a:blip r:embed="rId2">
+            <a:extLst>
+              <a:ext uri="{28A0092B-C50C-407E-A947-70E740481C1C}">
+                <a14:useLocalDpi xmlns:a14="http://schemas.microsoft.com/office/drawing/2010/main" val="0"/>
+              </a:ext>
+            </a:extLst>
+          </a:blip>
+          <a:stretch>
+            <a:fillRect/>
+          </a:stretch>
+        </p:blipFill>
+        <p:spPr>
+          <a:xfrm>
+            <a:off x="4217105" y="490537"/>
+            <a:ext cx="5507931" cy="5910264"/>
+          </a:xfrm>
+        </p:spPr>
+      </p:pic>
+    </p:spTree>
+    <p:extLst>
+      <p:ext uri="{BB962C8B-B14F-4D97-AF65-F5344CB8AC3E}">
+        <p14:creationId xmlns:p14="http://schemas.microsoft.com/office/powerpoint/2010/main" val="3895086065"/>
+      </p:ext>
+    </p:extLst>
+  </p:cSld>
+  <p:clrMapOvr>
+    <a:masterClrMapping/>
+  </p:clrMapOvr>
+</p:sld>
+</file>
+
+<file path=ppt/slides/slide35.xml><?xml version="1.0" encoding="utf-8"?>
+<p:sld xmlns:a="http://schemas.openxmlformats.org/drawingml/2006/main" xmlns:r="http://schemas.openxmlformats.org/officeDocument/2006/relationships" xmlns:p="http://schemas.openxmlformats.org/presentationml/2006/main">
+  <p:cSld>
+    <p:bg>
+      <p:bgPr>
+        <a:solidFill>
+          <a:schemeClr val="bg1"/>
+        </a:solidFill>
+        <a:effectLst/>
+      </p:bgPr>
+    </p:bg>
+    <p:spTree>
+      <p:nvGrpSpPr>
+        <p:cNvPr id="1" name=""/>
+        <p:cNvGrpSpPr/>
+        <p:nvPr/>
+      </p:nvGrpSpPr>
+      <p:grpSpPr>
+        <a:xfrm>
+          <a:off x="0" y="0"/>
+          <a:ext cx="0" cy="0"/>
+          <a:chOff x="0" y="0"/>
+          <a:chExt cx="0" cy="0"/>
+        </a:xfrm>
+      </p:grpSpPr>
+      <p:sp useBgFill="1">
+        <p:nvSpPr>
+          <p:cNvPr id="8" name="Rectangle 7">
+            <a:extLst>
+              <a:ext uri="{FF2B5EF4-FFF2-40B4-BE49-F238E27FC236}">
+                <a16:creationId xmlns:a16="http://schemas.microsoft.com/office/drawing/2014/main" id="{907EF6B7-1338-4443-8C46-6A318D952DFD}"/>
+              </a:ext>
+              <a:ext uri="{C183D7F6-B498-43B3-948B-1728B52AA6E4}">
+                <adec:decorative xmlns:adec="http://schemas.microsoft.com/office/drawing/2017/decorative" val="1"/>
+              </a:ext>
+            </a:extLst>
+          </p:cNvPr>
+          <p:cNvSpPr>
+            <a:spLocks noGrp="1" noRot="1" noChangeAspect="1" noMove="1" noResize="1" noEditPoints="1" noAdjustHandles="1" noChangeArrowheads="1" noChangeShapeType="1" noTextEdit="1"/>
+          </p:cNvSpPr>
+          <p:nvPr>
+            <p:extLst>
+              <p:ext uri="{386F3935-93C4-4BCD-93E2-E3B085C9AB24}">
+                <p16:designElem xmlns:p16="http://schemas.microsoft.com/office/powerpoint/2015/main" val="1"/>
+              </p:ext>
+            </p:extLst>
+          </p:nvPr>
+        </p:nvSpPr>
+        <p:spPr>
+          <a:xfrm>
+            <a:off x="3048" y="0"/>
+            <a:ext cx="12188952" cy="6858000"/>
+          </a:xfrm>
+          <a:prstGeom prst="rect">
+            <a:avLst/>
+          </a:prstGeom>
+          <a:ln>
+            <a:noFill/>
+          </a:ln>
+        </p:spPr>
+        <p:style>
+          <a:lnRef idx="2">
+            <a:schemeClr val="accent1">
+              <a:shade val="50000"/>
+            </a:schemeClr>
+          </a:lnRef>
+          <a:fillRef idx="1">
+            <a:schemeClr val="accent1"/>
+          </a:fillRef>
+          <a:effectRef idx="0">
+            <a:schemeClr val="accent1"/>
+          </a:effectRef>
+          <a:fontRef idx="minor">
+            <a:schemeClr val="lt1"/>
+          </a:fontRef>
+        </p:style>
+        <p:txBody>
+          <a:bodyPr rtlCol="0" anchor="ctr"/>
+          <a:lstStyle/>
+          <a:p>
+            <a:pPr algn="ctr"/>
+            <a:endParaRPr lang="en-US" dirty="0"/>
+          </a:p>
+        </p:txBody>
+      </p:sp>
+      <p:sp>
+        <p:nvSpPr>
+          <p:cNvPr id="10" name="Freeform: Shape 9">
+            <a:extLst>
+              <a:ext uri="{FF2B5EF4-FFF2-40B4-BE49-F238E27FC236}">
+                <a16:creationId xmlns:a16="http://schemas.microsoft.com/office/drawing/2014/main" id="{DAAE4CDD-124C-4DCF-9584-B6033B545DD5}"/>
+              </a:ext>
+              <a:ext uri="{C183D7F6-B498-43B3-948B-1728B52AA6E4}">
+                <adec:decorative xmlns:adec="http://schemas.microsoft.com/office/drawing/2017/decorative" val="1"/>
+              </a:ext>
+            </a:extLst>
+          </p:cNvPr>
+          <p:cNvSpPr>
+            <a:spLocks noGrp="1" noRot="1" noChangeAspect="1" noMove="1" noResize="1" noEditPoints="1" noAdjustHandles="1" noChangeArrowheads="1" noChangeShapeType="1" noTextEdit="1"/>
+          </p:cNvSpPr>
+          <p:nvPr>
+            <p:extLst>
+              <p:ext uri="{386F3935-93C4-4BCD-93E2-E3B085C9AB24}">
+                <p16:designElem xmlns:p16="http://schemas.microsoft.com/office/powerpoint/2015/main" val="1"/>
+              </p:ext>
+            </p:extLst>
+          </p:nvPr>
+        </p:nvSpPr>
+        <p:spPr>
+          <a:xfrm>
+            <a:off x="1" y="0"/>
+            <a:ext cx="4167271" cy="6858000"/>
+          </a:xfrm>
+          <a:custGeom>
+            <a:avLst/>
+            <a:gdLst>
+              <a:gd name="connsiteX0" fmla="*/ 0 w 4167271"/>
+              <a:gd name="connsiteY0" fmla="*/ 0 h 6858000"/>
+              <a:gd name="connsiteX1" fmla="*/ 2259550 w 4167271"/>
+              <a:gd name="connsiteY1" fmla="*/ 0 h 6858000"/>
+              <a:gd name="connsiteX2" fmla="*/ 2387803 w 4167271"/>
+              <a:gd name="connsiteY2" fmla="*/ 82222 h 6858000"/>
+              <a:gd name="connsiteX3" fmla="*/ 4167271 w 4167271"/>
+              <a:gd name="connsiteY3" fmla="*/ 3429000 h 6858000"/>
+              <a:gd name="connsiteX4" fmla="*/ 2387803 w 4167271"/>
+              <a:gd name="connsiteY4" fmla="*/ 6775779 h 6858000"/>
+              <a:gd name="connsiteX5" fmla="*/ 2259550 w 4167271"/>
+              <a:gd name="connsiteY5" fmla="*/ 6858000 h 6858000"/>
+              <a:gd name="connsiteX6" fmla="*/ 0 w 4167271"/>
+              <a:gd name="connsiteY6" fmla="*/ 6858000 h 6858000"/>
+            </a:gdLst>
+            <a:ahLst/>
+            <a:cxnLst>
+              <a:cxn ang="0">
+                <a:pos x="connsiteX0" y="connsiteY0"/>
+              </a:cxn>
+              <a:cxn ang="0">
+                <a:pos x="connsiteX1" y="connsiteY1"/>
+              </a:cxn>
+              <a:cxn ang="0">
+                <a:pos x="connsiteX2" y="connsiteY2"/>
+              </a:cxn>
+              <a:cxn ang="0">
+                <a:pos x="connsiteX3" y="connsiteY3"/>
+              </a:cxn>
+              <a:cxn ang="0">
+                <a:pos x="connsiteX4" y="connsiteY4"/>
+              </a:cxn>
+              <a:cxn ang="0">
+                <a:pos x="connsiteX5" y="connsiteY5"/>
+              </a:cxn>
+              <a:cxn ang="0">
+                <a:pos x="connsiteX6" y="connsiteY6"/>
+              </a:cxn>
+            </a:cxnLst>
+            <a:rect l="l" t="t" r="r" b="b"/>
+            <a:pathLst>
+              <a:path w="4167271" h="6858000">
+                <a:moveTo>
+                  <a:pt x="0" y="0"/>
+                </a:moveTo>
+                <a:lnTo>
+                  <a:pt x="2259550" y="0"/>
+                </a:lnTo>
+                <a:lnTo>
+                  <a:pt x="2387803" y="82222"/>
+                </a:lnTo>
+                <a:cubicBezTo>
+                  <a:pt x="3461407" y="807534"/>
+                  <a:pt x="4167271" y="2035835"/>
+                  <a:pt x="4167271" y="3429000"/>
+                </a:cubicBezTo>
+                <a:cubicBezTo>
+                  <a:pt x="4167271" y="4822165"/>
+                  <a:pt x="3461407" y="6050467"/>
+                  <a:pt x="2387803" y="6775779"/>
+                </a:cubicBezTo>
+                <a:lnTo>
+                  <a:pt x="2259550" y="6858000"/>
+                </a:lnTo>
+                <a:lnTo>
+                  <a:pt x="0" y="6858000"/>
+                </a:lnTo>
+                <a:close/>
+              </a:path>
+            </a:pathLst>
+          </a:custGeom>
+          <a:solidFill>
+            <a:schemeClr val="accent2"/>
+          </a:solidFill>
+          <a:ln>
+            <a:noFill/>
+          </a:ln>
+        </p:spPr>
+        <p:style>
+          <a:lnRef idx="2">
+            <a:schemeClr val="accent1">
+              <a:shade val="50000"/>
+            </a:schemeClr>
+          </a:lnRef>
+          <a:fillRef idx="1">
+            <a:schemeClr val="accent1"/>
+          </a:fillRef>
+          <a:effectRef idx="0">
+            <a:schemeClr val="accent1"/>
+          </a:effectRef>
+          <a:fontRef idx="minor">
+            <a:schemeClr val="lt1"/>
+          </a:fontRef>
+        </p:style>
+        <p:txBody>
+          <a:bodyPr rtlCol="0" anchor="ctr"/>
+          <a:lstStyle/>
+          <a:p>
+            <a:pPr algn="ctr"/>
+            <a:endParaRPr lang="en-US" dirty="0"/>
+          </a:p>
+        </p:txBody>
+      </p:sp>
+      <p:sp>
+        <p:nvSpPr>
+          <p:cNvPr id="2" name="Title 1">
+            <a:extLst>
+              <a:ext uri="{FF2B5EF4-FFF2-40B4-BE49-F238E27FC236}">
+                <a16:creationId xmlns:a16="http://schemas.microsoft.com/office/drawing/2014/main" id="{604CD088-9924-FDF8-32EA-64AD14C5DE41}"/>
+              </a:ext>
+            </a:extLst>
+          </p:cNvPr>
+          <p:cNvSpPr>
+            <a:spLocks noGrp="1"/>
+          </p:cNvSpPr>
+          <p:nvPr>
+            <p:ph type="title"/>
+          </p:nvPr>
+        </p:nvSpPr>
+        <p:spPr>
+          <a:xfrm>
+            <a:off x="686834" y="1153572"/>
+            <a:ext cx="3200400" cy="4461163"/>
+          </a:xfrm>
+        </p:spPr>
+        <p:txBody>
+          <a:bodyPr>
+            <a:normAutofit/>
+          </a:bodyPr>
+          <a:lstStyle/>
+          <a:p>
+            <a:r>
+              <a:rPr lang="en-US" dirty="0">
+                <a:solidFill>
+                  <a:srgbClr val="FFFFFF"/>
+                </a:solidFill>
+              </a:rPr>
               <a:t>Flowchart</a:t>
             </a:r>
             <a:br>
@@ -13271,7 +15101,7 @@
 </p:sld>
 </file>
 
-<file path=ppt/slides/slide33.xml><?xml version="1.0" encoding="utf-8"?>
+<file path=ppt/slides/slide36.xml><?xml version="1.0" encoding="utf-8"?>
 <p:sld xmlns:a="http://schemas.openxmlformats.org/drawingml/2006/main" xmlns:r="http://schemas.openxmlformats.org/officeDocument/2006/relationships" xmlns:p="http://schemas.openxmlformats.org/presentationml/2006/main">
   <p:cSld>
     <p:bg>
@@ -14097,6 +15927,12 @@
             <a:r>
               <a:rPr lang="en-US" dirty="0"/>
               <a:t>Resources</a:t>
+            </a:r>
+          </a:p>
+          <a:p>
+            <a:r>
+              <a:rPr lang="en-US" dirty="0"/>
+              <a:t>Colors – by Ella</a:t>
             </a:r>
           </a:p>
           <a:p>
